--- a/docs/Image.pptx
+++ b/docs/Image.pptx
@@ -4,6 +4,9 @@
   <p:sldMasterIdLst>
     <p:sldMasterId id="2147483648" r:id="rId1"/>
   </p:sldMasterIdLst>
+  <p:notesMasterIdLst>
+    <p:notesMasterId r:id="rId12"/>
+  </p:notesMasterIdLst>
   <p:sldIdLst>
     <p:sldId id="256" r:id="rId2"/>
     <p:sldId id="257" r:id="rId3"/>
@@ -14,6 +17,7 @@
     <p:sldId id="263" r:id="rId8"/>
     <p:sldId id="264" r:id="rId9"/>
     <p:sldId id="265" r:id="rId10"/>
+    <p:sldId id="266" r:id="rId11"/>
   </p:sldIdLst>
   <p:sldSz cx="12192000" cy="6858000"/>
   <p:notesSz cx="6858000" cy="9144000"/>
@@ -120,6 +124,456 @@
 </p:presentation>
 </file>
 
+<file path=ppt/notesMasters/notesMaster1.xml><?xml version="1.0" encoding="utf-8"?>
+<p:notesMaster xmlns:a="http://schemas.openxmlformats.org/drawingml/2006/main" xmlns:r="http://schemas.openxmlformats.org/officeDocument/2006/relationships" xmlns:p="http://schemas.openxmlformats.org/presentationml/2006/main">
+  <p:cSld>
+    <p:bg>
+      <p:bgRef idx="1001">
+        <a:schemeClr val="bg1"/>
+      </p:bgRef>
+    </p:bg>
+    <p:spTree>
+      <p:nvGrpSpPr>
+        <p:cNvPr id="1" name=""/>
+        <p:cNvGrpSpPr/>
+        <p:nvPr/>
+      </p:nvGrpSpPr>
+      <p:grpSpPr>
+        <a:xfrm>
+          <a:off x="0" y="0"/>
+          <a:ext cx="0" cy="0"/>
+          <a:chOff x="0" y="0"/>
+          <a:chExt cx="0" cy="0"/>
+        </a:xfrm>
+      </p:grpSpPr>
+      <p:sp>
+        <p:nvSpPr>
+          <p:cNvPr id="2" name="页眉占位符 1"/>
+          <p:cNvSpPr>
+            <a:spLocks noGrp="1"/>
+          </p:cNvSpPr>
+          <p:nvPr>
+            <p:ph type="hdr" sz="quarter"/>
+          </p:nvPr>
+        </p:nvSpPr>
+        <p:spPr>
+          <a:xfrm>
+            <a:off x="0" y="0"/>
+            <a:ext cx="2971800" cy="458788"/>
+          </a:xfrm>
+          <a:prstGeom prst="rect">
+            <a:avLst/>
+          </a:prstGeom>
+        </p:spPr>
+        <p:txBody>
+          <a:bodyPr vert="horz" lIns="91440" tIns="45720" rIns="91440" bIns="45720" rtlCol="0"/>
+          <a:lstStyle>
+            <a:lvl1pPr algn="l">
+              <a:defRPr sz="1200"/>
+            </a:lvl1pPr>
+          </a:lstStyle>
+          <a:p>
+            <a:endParaRPr lang="zh-CN" altLang="en-US"/>
+          </a:p>
+        </p:txBody>
+      </p:sp>
+      <p:sp>
+        <p:nvSpPr>
+          <p:cNvPr id="3" name="日期占位符 2"/>
+          <p:cNvSpPr>
+            <a:spLocks noGrp="1"/>
+          </p:cNvSpPr>
+          <p:nvPr>
+            <p:ph type="dt" idx="1"/>
+          </p:nvPr>
+        </p:nvSpPr>
+        <p:spPr>
+          <a:xfrm>
+            <a:off x="3884613" y="0"/>
+            <a:ext cx="2971800" cy="458788"/>
+          </a:xfrm>
+          <a:prstGeom prst="rect">
+            <a:avLst/>
+          </a:prstGeom>
+        </p:spPr>
+        <p:txBody>
+          <a:bodyPr vert="horz" lIns="91440" tIns="45720" rIns="91440" bIns="45720" rtlCol="0"/>
+          <a:lstStyle>
+            <a:lvl1pPr algn="r">
+              <a:defRPr sz="1200"/>
+            </a:lvl1pPr>
+          </a:lstStyle>
+          <a:p>
+            <a:fld id="{B5D9F11F-CEC7-4904-87EC-867ABA4429BA}" type="datetimeFigureOut">
+              <a:rPr lang="zh-CN" altLang="en-US" smtClean="0"/>
+              <a:t>2020/5/10</a:t>
+            </a:fld>
+            <a:endParaRPr lang="zh-CN" altLang="en-US"/>
+          </a:p>
+        </p:txBody>
+      </p:sp>
+      <p:sp>
+        <p:nvSpPr>
+          <p:cNvPr id="4" name="幻灯片图像占位符 3"/>
+          <p:cNvSpPr>
+            <a:spLocks noGrp="1" noRot="1" noChangeAspect="1"/>
+          </p:cNvSpPr>
+          <p:nvPr>
+            <p:ph type="sldImg" idx="2"/>
+          </p:nvPr>
+        </p:nvSpPr>
+        <p:spPr>
+          <a:xfrm>
+            <a:off x="685800" y="1143000"/>
+            <a:ext cx="5486400" cy="3086100"/>
+          </a:xfrm>
+          <a:prstGeom prst="rect">
+            <a:avLst/>
+          </a:prstGeom>
+          <a:noFill/>
+          <a:ln w="12700">
+            <a:solidFill>
+              <a:prstClr val="black"/>
+            </a:solidFill>
+          </a:ln>
+        </p:spPr>
+        <p:txBody>
+          <a:bodyPr vert="horz" lIns="91440" tIns="45720" rIns="91440" bIns="45720" rtlCol="0" anchor="ctr"/>
+          <a:lstStyle/>
+          <a:p>
+            <a:endParaRPr lang="zh-CN" altLang="en-US"/>
+          </a:p>
+        </p:txBody>
+      </p:sp>
+      <p:sp>
+        <p:nvSpPr>
+          <p:cNvPr id="5" name="备注占位符 4"/>
+          <p:cNvSpPr>
+            <a:spLocks noGrp="1"/>
+          </p:cNvSpPr>
+          <p:nvPr>
+            <p:ph type="body" sz="quarter" idx="3"/>
+          </p:nvPr>
+        </p:nvSpPr>
+        <p:spPr>
+          <a:xfrm>
+            <a:off x="685800" y="4400550"/>
+            <a:ext cx="5486400" cy="3600450"/>
+          </a:xfrm>
+          <a:prstGeom prst="rect">
+            <a:avLst/>
+          </a:prstGeom>
+        </p:spPr>
+        <p:txBody>
+          <a:bodyPr vert="horz" lIns="91440" tIns="45720" rIns="91440" bIns="45720" rtlCol="0"/>
+          <a:lstStyle/>
+          <a:p>
+            <a:pPr lvl="0"/>
+            <a:r>
+              <a:rPr lang="zh-CN" altLang="en-US" smtClean="0"/>
+              <a:t>编辑母版文本样式</a:t>
+            </a:r>
+          </a:p>
+          <a:p>
+            <a:pPr lvl="1"/>
+            <a:r>
+              <a:rPr lang="zh-CN" altLang="en-US" smtClean="0"/>
+              <a:t>第二级</a:t>
+            </a:r>
+          </a:p>
+          <a:p>
+            <a:pPr lvl="2"/>
+            <a:r>
+              <a:rPr lang="zh-CN" altLang="en-US" smtClean="0"/>
+              <a:t>第三级</a:t>
+            </a:r>
+          </a:p>
+          <a:p>
+            <a:pPr lvl="3"/>
+            <a:r>
+              <a:rPr lang="zh-CN" altLang="en-US" smtClean="0"/>
+              <a:t>第四级</a:t>
+            </a:r>
+          </a:p>
+          <a:p>
+            <a:pPr lvl="4"/>
+            <a:r>
+              <a:rPr lang="zh-CN" altLang="en-US" smtClean="0"/>
+              <a:t>第五级</a:t>
+            </a:r>
+            <a:endParaRPr lang="zh-CN" altLang="en-US"/>
+          </a:p>
+        </p:txBody>
+      </p:sp>
+      <p:sp>
+        <p:nvSpPr>
+          <p:cNvPr id="6" name="页脚占位符 5"/>
+          <p:cNvSpPr>
+            <a:spLocks noGrp="1"/>
+          </p:cNvSpPr>
+          <p:nvPr>
+            <p:ph type="ftr" sz="quarter" idx="4"/>
+          </p:nvPr>
+        </p:nvSpPr>
+        <p:spPr>
+          <a:xfrm>
+            <a:off x="0" y="8685213"/>
+            <a:ext cx="2971800" cy="458787"/>
+          </a:xfrm>
+          <a:prstGeom prst="rect">
+            <a:avLst/>
+          </a:prstGeom>
+        </p:spPr>
+        <p:txBody>
+          <a:bodyPr vert="horz" lIns="91440" tIns="45720" rIns="91440" bIns="45720" rtlCol="0" anchor="b"/>
+          <a:lstStyle>
+            <a:lvl1pPr algn="l">
+              <a:defRPr sz="1200"/>
+            </a:lvl1pPr>
+          </a:lstStyle>
+          <a:p>
+            <a:endParaRPr lang="zh-CN" altLang="en-US"/>
+          </a:p>
+        </p:txBody>
+      </p:sp>
+      <p:sp>
+        <p:nvSpPr>
+          <p:cNvPr id="7" name="灯片编号占位符 6"/>
+          <p:cNvSpPr>
+            <a:spLocks noGrp="1"/>
+          </p:cNvSpPr>
+          <p:nvPr>
+            <p:ph type="sldNum" sz="quarter" idx="5"/>
+          </p:nvPr>
+        </p:nvSpPr>
+        <p:spPr>
+          <a:xfrm>
+            <a:off x="3884613" y="8685213"/>
+            <a:ext cx="2971800" cy="458787"/>
+          </a:xfrm>
+          <a:prstGeom prst="rect">
+            <a:avLst/>
+          </a:prstGeom>
+        </p:spPr>
+        <p:txBody>
+          <a:bodyPr vert="horz" lIns="91440" tIns="45720" rIns="91440" bIns="45720" rtlCol="0" anchor="b"/>
+          <a:lstStyle>
+            <a:lvl1pPr algn="r">
+              <a:defRPr sz="1200"/>
+            </a:lvl1pPr>
+          </a:lstStyle>
+          <a:p>
+            <a:fld id="{CF20F747-D0EC-4FFA-AA8A-DD1B21173115}" type="slidenum">
+              <a:rPr lang="zh-CN" altLang="en-US" smtClean="0"/>
+              <a:t>‹#›</a:t>
+            </a:fld>
+            <a:endParaRPr lang="zh-CN" altLang="en-US"/>
+          </a:p>
+        </p:txBody>
+      </p:sp>
+    </p:spTree>
+    <p:extLst>
+      <p:ext uri="{BB962C8B-B14F-4D97-AF65-F5344CB8AC3E}">
+        <p14:creationId xmlns:p14="http://schemas.microsoft.com/office/powerpoint/2010/main" val="282484830"/>
+      </p:ext>
+    </p:extLst>
+  </p:cSld>
+  <p:clrMap bg1="lt1" tx1="dk1" bg2="lt2" tx2="dk2" accent1="accent1" accent2="accent2" accent3="accent3" accent4="accent4" accent5="accent5" accent6="accent6" hlink="hlink" folHlink="folHlink"/>
+  <p:notesStyle>
+    <a:lvl1pPr marL="0" algn="l" defTabSz="914400" rtl="0" eaLnBrk="1" latinLnBrk="0" hangingPunct="1">
+      <a:defRPr sz="1200" kern="1200">
+        <a:solidFill>
+          <a:schemeClr val="tx1"/>
+        </a:solidFill>
+        <a:latin typeface="+mn-lt"/>
+        <a:ea typeface="+mn-ea"/>
+        <a:cs typeface="+mn-cs"/>
+      </a:defRPr>
+    </a:lvl1pPr>
+    <a:lvl2pPr marL="457200" algn="l" defTabSz="914400" rtl="0" eaLnBrk="1" latinLnBrk="0" hangingPunct="1">
+      <a:defRPr sz="1200" kern="1200">
+        <a:solidFill>
+          <a:schemeClr val="tx1"/>
+        </a:solidFill>
+        <a:latin typeface="+mn-lt"/>
+        <a:ea typeface="+mn-ea"/>
+        <a:cs typeface="+mn-cs"/>
+      </a:defRPr>
+    </a:lvl2pPr>
+    <a:lvl3pPr marL="914400" algn="l" defTabSz="914400" rtl="0" eaLnBrk="1" latinLnBrk="0" hangingPunct="1">
+      <a:defRPr sz="1200" kern="1200">
+        <a:solidFill>
+          <a:schemeClr val="tx1"/>
+        </a:solidFill>
+        <a:latin typeface="+mn-lt"/>
+        <a:ea typeface="+mn-ea"/>
+        <a:cs typeface="+mn-cs"/>
+      </a:defRPr>
+    </a:lvl3pPr>
+    <a:lvl4pPr marL="1371600" algn="l" defTabSz="914400" rtl="0" eaLnBrk="1" latinLnBrk="0" hangingPunct="1">
+      <a:defRPr sz="1200" kern="1200">
+        <a:solidFill>
+          <a:schemeClr val="tx1"/>
+        </a:solidFill>
+        <a:latin typeface="+mn-lt"/>
+        <a:ea typeface="+mn-ea"/>
+        <a:cs typeface="+mn-cs"/>
+      </a:defRPr>
+    </a:lvl4pPr>
+    <a:lvl5pPr marL="1828800" algn="l" defTabSz="914400" rtl="0" eaLnBrk="1" latinLnBrk="0" hangingPunct="1">
+      <a:defRPr sz="1200" kern="1200">
+        <a:solidFill>
+          <a:schemeClr val="tx1"/>
+        </a:solidFill>
+        <a:latin typeface="+mn-lt"/>
+        <a:ea typeface="+mn-ea"/>
+        <a:cs typeface="+mn-cs"/>
+      </a:defRPr>
+    </a:lvl5pPr>
+    <a:lvl6pPr marL="2286000" algn="l" defTabSz="914400" rtl="0" eaLnBrk="1" latinLnBrk="0" hangingPunct="1">
+      <a:defRPr sz="1200" kern="1200">
+        <a:solidFill>
+          <a:schemeClr val="tx1"/>
+        </a:solidFill>
+        <a:latin typeface="+mn-lt"/>
+        <a:ea typeface="+mn-ea"/>
+        <a:cs typeface="+mn-cs"/>
+      </a:defRPr>
+    </a:lvl6pPr>
+    <a:lvl7pPr marL="2743200" algn="l" defTabSz="914400" rtl="0" eaLnBrk="1" latinLnBrk="0" hangingPunct="1">
+      <a:defRPr sz="1200" kern="1200">
+        <a:solidFill>
+          <a:schemeClr val="tx1"/>
+        </a:solidFill>
+        <a:latin typeface="+mn-lt"/>
+        <a:ea typeface="+mn-ea"/>
+        <a:cs typeface="+mn-cs"/>
+      </a:defRPr>
+    </a:lvl7pPr>
+    <a:lvl8pPr marL="3200400" algn="l" defTabSz="914400" rtl="0" eaLnBrk="1" latinLnBrk="0" hangingPunct="1">
+      <a:defRPr sz="1200" kern="1200">
+        <a:solidFill>
+          <a:schemeClr val="tx1"/>
+        </a:solidFill>
+        <a:latin typeface="+mn-lt"/>
+        <a:ea typeface="+mn-ea"/>
+        <a:cs typeface="+mn-cs"/>
+      </a:defRPr>
+    </a:lvl8pPr>
+    <a:lvl9pPr marL="3657600" algn="l" defTabSz="914400" rtl="0" eaLnBrk="1" latinLnBrk="0" hangingPunct="1">
+      <a:defRPr sz="1200" kern="1200">
+        <a:solidFill>
+          <a:schemeClr val="tx1"/>
+        </a:solidFill>
+        <a:latin typeface="+mn-lt"/>
+        <a:ea typeface="+mn-ea"/>
+        <a:cs typeface="+mn-cs"/>
+      </a:defRPr>
+    </a:lvl9pPr>
+  </p:notesStyle>
+</p:notesMaster>
+</file>
+
+<file path=ppt/notesSlides/notesSlide1.xml><?xml version="1.0" encoding="utf-8"?>
+<p:notes xmlns:a="http://schemas.openxmlformats.org/drawingml/2006/main" xmlns:r="http://schemas.openxmlformats.org/officeDocument/2006/relationships" xmlns:p="http://schemas.openxmlformats.org/presentationml/2006/main">
+  <p:cSld>
+    <p:spTree>
+      <p:nvGrpSpPr>
+        <p:cNvPr id="1" name=""/>
+        <p:cNvGrpSpPr/>
+        <p:nvPr/>
+      </p:nvGrpSpPr>
+      <p:grpSpPr>
+        <a:xfrm>
+          <a:off x="0" y="0"/>
+          <a:ext cx="0" cy="0"/>
+          <a:chOff x="0" y="0"/>
+          <a:chExt cx="0" cy="0"/>
+        </a:xfrm>
+      </p:grpSpPr>
+      <p:sp>
+        <p:nvSpPr>
+          <p:cNvPr id="2" name="幻灯片图像占位符 1"/>
+          <p:cNvSpPr>
+            <a:spLocks noGrp="1" noRot="1" noChangeAspect="1"/>
+          </p:cNvSpPr>
+          <p:nvPr>
+            <p:ph type="sldImg"/>
+          </p:nvPr>
+        </p:nvSpPr>
+        <p:spPr/>
+      </p:sp>
+      <p:sp>
+        <p:nvSpPr>
+          <p:cNvPr id="3" name="备注占位符 2"/>
+          <p:cNvSpPr>
+            <a:spLocks noGrp="1"/>
+          </p:cNvSpPr>
+          <p:nvPr>
+            <p:ph type="body" idx="1"/>
+          </p:nvPr>
+        </p:nvSpPr>
+        <p:spPr/>
+        <p:txBody>
+          <a:bodyPr/>
+          <a:lstStyle/>
+          <a:p>
+            <a:r>
+              <a:rPr lang="en-US" altLang="zh-CN" dirty="0" smtClean="0"/>
+              <a:t>5. </a:t>
+            </a:r>
+            <a:r>
+              <a:rPr lang="zh-CN" altLang="en-US" dirty="0" smtClean="0"/>
+              <a:t>一维</a:t>
+            </a:r>
+            <a:r>
+              <a:rPr lang="en-US" altLang="zh-CN" dirty="0" smtClean="0"/>
+              <a:t>dp</a:t>
+            </a:r>
+            <a:r>
+              <a:rPr lang="zh-CN" altLang="en-US" dirty="0" smtClean="0"/>
+              <a:t>优化</a:t>
+            </a:r>
+            <a:endParaRPr lang="zh-CN" altLang="en-US" dirty="0"/>
+          </a:p>
+        </p:txBody>
+      </p:sp>
+      <p:sp>
+        <p:nvSpPr>
+          <p:cNvPr id="4" name="灯片编号占位符 3"/>
+          <p:cNvSpPr>
+            <a:spLocks noGrp="1"/>
+          </p:cNvSpPr>
+          <p:nvPr>
+            <p:ph type="sldNum" sz="quarter" idx="10"/>
+          </p:nvPr>
+        </p:nvSpPr>
+        <p:spPr/>
+        <p:txBody>
+          <a:bodyPr/>
+          <a:lstStyle/>
+          <a:p>
+            <a:fld id="{CF20F747-D0EC-4FFA-AA8A-DD1B21173115}" type="slidenum">
+              <a:rPr lang="zh-CN" altLang="en-US" smtClean="0"/>
+              <a:t>10</a:t>
+            </a:fld>
+            <a:endParaRPr lang="zh-CN" altLang="en-US"/>
+          </a:p>
+        </p:txBody>
+      </p:sp>
+    </p:spTree>
+    <p:extLst>
+      <p:ext uri="{BB962C8B-B14F-4D97-AF65-F5344CB8AC3E}">
+        <p14:creationId xmlns:p14="http://schemas.microsoft.com/office/powerpoint/2010/main" val="3419465689"/>
+      </p:ext>
+    </p:extLst>
+  </p:cSld>
+  <p:clrMapOvr>
+    <a:masterClrMapping/>
+  </p:clrMapOvr>
+</p:notes>
+</file>
+
 <file path=ppt/slideLayouts/slideLayout1.xml><?xml version="1.0" encoding="utf-8"?>
 <p:sldLayout xmlns:a="http://schemas.openxmlformats.org/drawingml/2006/main" xmlns:r="http://schemas.openxmlformats.org/officeDocument/2006/relationships" xmlns:p="http://schemas.openxmlformats.org/presentationml/2006/main" type="title" preserve="1">
   <p:cSld name="标题幻灯片">
@@ -251,7 +705,7 @@
           <a:p>
             <a:fld id="{B3314C4A-3350-458F-9222-11386146643F}" type="datetimeFigureOut">
               <a:rPr lang="zh-CN" altLang="en-US" smtClean="0"/>
-              <a:t>2020/5/7</a:t>
+              <a:t>2020/5/10</a:t>
             </a:fld>
             <a:endParaRPr lang="zh-CN" altLang="en-US"/>
           </a:p>
@@ -421,7 +875,7 @@
           <a:p>
             <a:fld id="{B3314C4A-3350-458F-9222-11386146643F}" type="datetimeFigureOut">
               <a:rPr lang="zh-CN" altLang="en-US" smtClean="0"/>
-              <a:t>2020/5/7</a:t>
+              <a:t>2020/5/10</a:t>
             </a:fld>
             <a:endParaRPr lang="zh-CN" altLang="en-US"/>
           </a:p>
@@ -601,7 +1055,7 @@
           <a:p>
             <a:fld id="{B3314C4A-3350-458F-9222-11386146643F}" type="datetimeFigureOut">
               <a:rPr lang="zh-CN" altLang="en-US" smtClean="0"/>
-              <a:t>2020/5/7</a:t>
+              <a:t>2020/5/10</a:t>
             </a:fld>
             <a:endParaRPr lang="zh-CN" altLang="en-US"/>
           </a:p>
@@ -771,7 +1225,7 @@
           <a:p>
             <a:fld id="{B3314C4A-3350-458F-9222-11386146643F}" type="datetimeFigureOut">
               <a:rPr lang="zh-CN" altLang="en-US" smtClean="0"/>
-              <a:t>2020/5/7</a:t>
+              <a:t>2020/5/10</a:t>
             </a:fld>
             <a:endParaRPr lang="zh-CN" altLang="en-US"/>
           </a:p>
@@ -1017,7 +1471,7 @@
           <a:p>
             <a:fld id="{B3314C4A-3350-458F-9222-11386146643F}" type="datetimeFigureOut">
               <a:rPr lang="zh-CN" altLang="en-US" smtClean="0"/>
-              <a:t>2020/5/7</a:t>
+              <a:t>2020/5/10</a:t>
             </a:fld>
             <a:endParaRPr lang="zh-CN" altLang="en-US"/>
           </a:p>
@@ -1249,7 +1703,7 @@
           <a:p>
             <a:fld id="{B3314C4A-3350-458F-9222-11386146643F}" type="datetimeFigureOut">
               <a:rPr lang="zh-CN" altLang="en-US" smtClean="0"/>
-              <a:t>2020/5/7</a:t>
+              <a:t>2020/5/10</a:t>
             </a:fld>
             <a:endParaRPr lang="zh-CN" altLang="en-US"/>
           </a:p>
@@ -1616,7 +2070,7 @@
           <a:p>
             <a:fld id="{B3314C4A-3350-458F-9222-11386146643F}" type="datetimeFigureOut">
               <a:rPr lang="zh-CN" altLang="en-US" smtClean="0"/>
-              <a:t>2020/5/7</a:t>
+              <a:t>2020/5/10</a:t>
             </a:fld>
             <a:endParaRPr lang="zh-CN" altLang="en-US"/>
           </a:p>
@@ -1734,7 +2188,7 @@
           <a:p>
             <a:fld id="{B3314C4A-3350-458F-9222-11386146643F}" type="datetimeFigureOut">
               <a:rPr lang="zh-CN" altLang="en-US" smtClean="0"/>
-              <a:t>2020/5/7</a:t>
+              <a:t>2020/5/10</a:t>
             </a:fld>
             <a:endParaRPr lang="zh-CN" altLang="en-US"/>
           </a:p>
@@ -1829,7 +2283,7 @@
           <a:p>
             <a:fld id="{B3314C4A-3350-458F-9222-11386146643F}" type="datetimeFigureOut">
               <a:rPr lang="zh-CN" altLang="en-US" smtClean="0"/>
-              <a:t>2020/5/7</a:t>
+              <a:t>2020/5/10</a:t>
             </a:fld>
             <a:endParaRPr lang="zh-CN" altLang="en-US"/>
           </a:p>
@@ -2106,7 +2560,7 @@
           <a:p>
             <a:fld id="{B3314C4A-3350-458F-9222-11386146643F}" type="datetimeFigureOut">
               <a:rPr lang="zh-CN" altLang="en-US" smtClean="0"/>
-              <a:t>2020/5/7</a:t>
+              <a:t>2020/5/10</a:t>
             </a:fld>
             <a:endParaRPr lang="zh-CN" altLang="en-US"/>
           </a:p>
@@ -2359,7 +2813,7 @@
           <a:p>
             <a:fld id="{B3314C4A-3350-458F-9222-11386146643F}" type="datetimeFigureOut">
               <a:rPr lang="zh-CN" altLang="en-US" smtClean="0"/>
-              <a:t>2020/5/7</a:t>
+              <a:t>2020/5/10</a:t>
             </a:fld>
             <a:endParaRPr lang="zh-CN" altLang="en-US"/>
           </a:p>
@@ -2572,7 +3026,7 @@
           <a:p>
             <a:fld id="{B3314C4A-3350-458F-9222-11386146643F}" type="datetimeFigureOut">
               <a:rPr lang="zh-CN" altLang="en-US" smtClean="0"/>
-              <a:t>2020/5/7</a:t>
+              <a:t>2020/5/10</a:t>
             </a:fld>
             <a:endParaRPr lang="zh-CN" altLang="en-US"/>
           </a:p>
@@ -3642,6 +4096,1069 @@
 </p:sld>
 </file>
 
+<file path=ppt/slides/slide10.xml><?xml version="1.0" encoding="utf-8"?>
+<p:sld xmlns:a="http://schemas.openxmlformats.org/drawingml/2006/main" xmlns:r="http://schemas.openxmlformats.org/officeDocument/2006/relationships" xmlns:p="http://schemas.openxmlformats.org/presentationml/2006/main">
+  <p:cSld>
+    <p:spTree>
+      <p:nvGrpSpPr>
+        <p:cNvPr id="1" name=""/>
+        <p:cNvGrpSpPr/>
+        <p:nvPr/>
+      </p:nvGrpSpPr>
+      <p:grpSpPr>
+        <a:xfrm>
+          <a:off x="0" y="0"/>
+          <a:ext cx="0" cy="0"/>
+          <a:chOff x="0" y="0"/>
+          <a:chExt cx="0" cy="0"/>
+        </a:xfrm>
+      </p:grpSpPr>
+      <p:graphicFrame>
+        <p:nvGraphicFramePr>
+          <p:cNvPr id="6" name="表格 5"/>
+          <p:cNvGraphicFramePr>
+            <a:graphicFrameLocks noGrp="1"/>
+          </p:cNvGraphicFramePr>
+          <p:nvPr>
+            <p:extLst>
+              <p:ext uri="{D42A27DB-BD31-4B8C-83A1-F6EECF244321}">
+                <p14:modId xmlns:p14="http://schemas.microsoft.com/office/powerpoint/2010/main" val="2406629455"/>
+              </p:ext>
+            </p:extLst>
+          </p:nvPr>
+        </p:nvGraphicFramePr>
+        <p:xfrm>
+          <a:off x="4304145" y="1412393"/>
+          <a:ext cx="2859236" cy="2577716"/>
+        </p:xfrm>
+        <a:graphic>
+          <a:graphicData uri="http://schemas.openxmlformats.org/drawingml/2006/table">
+            <a:tbl>
+              <a:tblPr firstRow="1" bandRow="1">
+                <a:solidFill>
+                  <a:schemeClr val="bg2"/>
+                </a:solidFill>
+                <a:tableStyleId>{5940675A-B579-460E-94D1-54222C63F5DA}</a:tableStyleId>
+              </a:tblPr>
+              <a:tblGrid>
+                <a:gridCol w="714809">
+                  <a:extLst>
+                    <a:ext uri="{9D8B030D-6E8A-4147-A177-3AD203B41FA5}">
+                      <a16:colId xmlns:a16="http://schemas.microsoft.com/office/drawing/2014/main" val="674158101"/>
+                    </a:ext>
+                  </a:extLst>
+                </a:gridCol>
+                <a:gridCol w="714809">
+                  <a:extLst>
+                    <a:ext uri="{9D8B030D-6E8A-4147-A177-3AD203B41FA5}">
+                      <a16:colId xmlns:a16="http://schemas.microsoft.com/office/drawing/2014/main" val="3893386109"/>
+                    </a:ext>
+                  </a:extLst>
+                </a:gridCol>
+                <a:gridCol w="714809">
+                  <a:extLst>
+                    <a:ext uri="{9D8B030D-6E8A-4147-A177-3AD203B41FA5}">
+                      <a16:colId xmlns:a16="http://schemas.microsoft.com/office/drawing/2014/main" val="3998586670"/>
+                    </a:ext>
+                  </a:extLst>
+                </a:gridCol>
+                <a:gridCol w="714809">
+                  <a:extLst>
+                    <a:ext uri="{9D8B030D-6E8A-4147-A177-3AD203B41FA5}">
+                      <a16:colId xmlns:a16="http://schemas.microsoft.com/office/drawing/2014/main" val="81543618"/>
+                    </a:ext>
+                  </a:extLst>
+                </a:gridCol>
+              </a:tblGrid>
+              <a:tr h="644429">
+                <a:tc>
+                  <a:txBody>
+                    <a:bodyPr/>
+                    <a:lstStyle/>
+                    <a:p>
+                      <a:pPr algn="ctr"/>
+                      <a:endParaRPr lang="zh-CN" altLang="en-US" sz="2800" dirty="0">
+                        <a:solidFill>
+                          <a:schemeClr val="bg1"/>
+                        </a:solidFill>
+                      </a:endParaRPr>
+                    </a:p>
+                  </a:txBody>
+                  <a:tcPr anchor="ctr">
+                    <a:solidFill>
+                      <a:srgbClr val="5B9BD5"/>
+                    </a:solidFill>
+                  </a:tcPr>
+                </a:tc>
+                <a:tc>
+                  <a:txBody>
+                    <a:bodyPr/>
+                    <a:lstStyle/>
+                    <a:p>
+                      <a:pPr algn="ctr"/>
+                      <a:endParaRPr lang="zh-CN" altLang="en-US" sz="2800" dirty="0">
+                        <a:solidFill>
+                          <a:schemeClr val="bg1"/>
+                        </a:solidFill>
+                      </a:endParaRPr>
+                    </a:p>
+                  </a:txBody>
+                  <a:tcPr anchor="ctr">
+                    <a:solidFill>
+                      <a:srgbClr val="5B9BD5"/>
+                    </a:solidFill>
+                  </a:tcPr>
+                </a:tc>
+                <a:tc>
+                  <a:txBody>
+                    <a:bodyPr/>
+                    <a:lstStyle/>
+                    <a:p>
+                      <a:pPr algn="ctr"/>
+                      <a:endParaRPr lang="zh-CN" altLang="en-US" sz="2800" dirty="0">
+                        <a:solidFill>
+                          <a:schemeClr val="bg1"/>
+                        </a:solidFill>
+                      </a:endParaRPr>
+                    </a:p>
+                  </a:txBody>
+                  <a:tcPr anchor="ctr">
+                    <a:solidFill>
+                      <a:srgbClr val="5B9BD5"/>
+                    </a:solidFill>
+                  </a:tcPr>
+                </a:tc>
+                <a:tc>
+                  <a:txBody>
+                    <a:bodyPr/>
+                    <a:lstStyle/>
+                    <a:p>
+                      <a:pPr algn="ctr"/>
+                      <a:r>
+                        <a:rPr lang="en-US" altLang="zh-CN" sz="2800" dirty="0" smtClean="0">
+                          <a:solidFill>
+                            <a:schemeClr val="bg1"/>
+                          </a:solidFill>
+                        </a:rPr>
+                        <a:t>T</a:t>
+                      </a:r>
+                      <a:endParaRPr lang="zh-CN" altLang="en-US" sz="2800" dirty="0">
+                        <a:solidFill>
+                          <a:schemeClr val="bg1"/>
+                        </a:solidFill>
+                      </a:endParaRPr>
+                    </a:p>
+                  </a:txBody>
+                  <a:tcPr anchor="ctr">
+                    <a:solidFill>
+                      <a:srgbClr val="5B9BD5"/>
+                    </a:solidFill>
+                  </a:tcPr>
+                </a:tc>
+                <a:extLst>
+                  <a:ext uri="{0D108BD9-81ED-4DB2-BD59-A6C34878D82A}">
+                    <a16:rowId xmlns:a16="http://schemas.microsoft.com/office/drawing/2014/main" val="1983549056"/>
+                  </a:ext>
+                </a:extLst>
+              </a:tr>
+              <a:tr h="644429">
+                <a:tc>
+                  <a:txBody>
+                    <a:bodyPr/>
+                    <a:lstStyle/>
+                    <a:p>
+                      <a:pPr algn="ctr"/>
+                      <a:endParaRPr lang="zh-CN" altLang="en-US" sz="2800" dirty="0">
+                        <a:solidFill>
+                          <a:schemeClr val="bg1"/>
+                        </a:solidFill>
+                      </a:endParaRPr>
+                    </a:p>
+                  </a:txBody>
+                  <a:tcPr anchor="ctr">
+                    <a:solidFill>
+                      <a:srgbClr val="5B9BD5"/>
+                    </a:solidFill>
+                  </a:tcPr>
+                </a:tc>
+                <a:tc>
+                  <a:txBody>
+                    <a:bodyPr/>
+                    <a:lstStyle/>
+                    <a:p>
+                      <a:pPr algn="ctr"/>
+                      <a:endParaRPr lang="zh-CN" altLang="en-US" sz="2800" dirty="0">
+                        <a:solidFill>
+                          <a:schemeClr val="bg1"/>
+                        </a:solidFill>
+                      </a:endParaRPr>
+                    </a:p>
+                  </a:txBody>
+                  <a:tcPr anchor="ctr">
+                    <a:solidFill>
+                      <a:srgbClr val="5B9BD5"/>
+                    </a:solidFill>
+                  </a:tcPr>
+                </a:tc>
+                <a:tc>
+                  <a:txBody>
+                    <a:bodyPr/>
+                    <a:lstStyle/>
+                    <a:p>
+                      <a:pPr algn="ctr"/>
+                      <a:r>
+                        <a:rPr lang="en-US" altLang="zh-CN" sz="2800" dirty="0" smtClean="0">
+                          <a:solidFill>
+                            <a:schemeClr val="bg1"/>
+                          </a:solidFill>
+                        </a:rPr>
+                        <a:t>T</a:t>
+                      </a:r>
+                      <a:endParaRPr lang="zh-CN" altLang="en-US" sz="2800" dirty="0">
+                        <a:solidFill>
+                          <a:schemeClr val="bg1"/>
+                        </a:solidFill>
+                      </a:endParaRPr>
+                    </a:p>
+                  </a:txBody>
+                  <a:tcPr anchor="ctr">
+                    <a:solidFill>
+                      <a:srgbClr val="5B9BD5"/>
+                    </a:solidFill>
+                  </a:tcPr>
+                </a:tc>
+                <a:tc>
+                  <a:txBody>
+                    <a:bodyPr/>
+                    <a:lstStyle/>
+                    <a:p>
+                      <a:pPr algn="ctr"/>
+                      <a:r>
+                        <a:rPr lang="en-US" altLang="zh-CN" sz="2800" dirty="0" smtClean="0">
+                          <a:solidFill>
+                            <a:schemeClr val="bg1"/>
+                          </a:solidFill>
+                        </a:rPr>
+                        <a:t>F</a:t>
+                      </a:r>
+                      <a:endParaRPr lang="zh-CN" altLang="en-US" sz="2800" dirty="0">
+                        <a:solidFill>
+                          <a:schemeClr val="bg1"/>
+                        </a:solidFill>
+                      </a:endParaRPr>
+                    </a:p>
+                  </a:txBody>
+                  <a:tcPr anchor="ctr">
+                    <a:solidFill>
+                      <a:srgbClr val="5B9BD5"/>
+                    </a:solidFill>
+                  </a:tcPr>
+                </a:tc>
+                <a:extLst>
+                  <a:ext uri="{0D108BD9-81ED-4DB2-BD59-A6C34878D82A}">
+                    <a16:rowId xmlns:a16="http://schemas.microsoft.com/office/drawing/2014/main" val="530796807"/>
+                  </a:ext>
+                </a:extLst>
+              </a:tr>
+              <a:tr h="644429">
+                <a:tc>
+                  <a:txBody>
+                    <a:bodyPr/>
+                    <a:lstStyle/>
+                    <a:p>
+                      <a:pPr algn="ctr"/>
+                      <a:endParaRPr lang="zh-CN" altLang="en-US" sz="2800">
+                        <a:solidFill>
+                          <a:schemeClr val="bg1"/>
+                        </a:solidFill>
+                      </a:endParaRPr>
+                    </a:p>
+                  </a:txBody>
+                  <a:tcPr anchor="ctr">
+                    <a:solidFill>
+                      <a:srgbClr val="5B9BD5"/>
+                    </a:solidFill>
+                  </a:tcPr>
+                </a:tc>
+                <a:tc>
+                  <a:txBody>
+                    <a:bodyPr/>
+                    <a:lstStyle/>
+                    <a:p>
+                      <a:pPr algn="ctr"/>
+                      <a:r>
+                        <a:rPr lang="en-US" altLang="zh-CN" sz="2800" dirty="0" smtClean="0">
+                          <a:solidFill>
+                            <a:schemeClr val="bg1"/>
+                          </a:solidFill>
+                        </a:rPr>
+                        <a:t>T</a:t>
+                      </a:r>
+                      <a:endParaRPr lang="zh-CN" altLang="en-US" sz="2800" dirty="0">
+                        <a:solidFill>
+                          <a:schemeClr val="bg1"/>
+                        </a:solidFill>
+                      </a:endParaRPr>
+                    </a:p>
+                  </a:txBody>
+                  <a:tcPr anchor="ctr">
+                    <a:solidFill>
+                      <a:srgbClr val="5B9BD5"/>
+                    </a:solidFill>
+                  </a:tcPr>
+                </a:tc>
+                <a:tc>
+                  <a:txBody>
+                    <a:bodyPr/>
+                    <a:lstStyle/>
+                    <a:p>
+                      <a:pPr algn="ctr"/>
+                      <a:r>
+                        <a:rPr lang="en-US" altLang="zh-CN" sz="2800" dirty="0" smtClean="0">
+                          <a:solidFill>
+                            <a:schemeClr val="bg1"/>
+                          </a:solidFill>
+                        </a:rPr>
+                        <a:t>T</a:t>
+                      </a:r>
+                      <a:endParaRPr lang="zh-CN" altLang="en-US" sz="2800" dirty="0">
+                        <a:solidFill>
+                          <a:schemeClr val="bg1"/>
+                        </a:solidFill>
+                      </a:endParaRPr>
+                    </a:p>
+                  </a:txBody>
+                  <a:tcPr anchor="ctr">
+                    <a:solidFill>
+                      <a:srgbClr val="5B9BD5"/>
+                    </a:solidFill>
+                  </a:tcPr>
+                </a:tc>
+                <a:tc>
+                  <a:txBody>
+                    <a:bodyPr/>
+                    <a:lstStyle/>
+                    <a:p>
+                      <a:pPr algn="ctr"/>
+                      <a:r>
+                        <a:rPr lang="en-US" altLang="zh-CN" sz="2800" dirty="0" smtClean="0">
+                          <a:solidFill>
+                            <a:schemeClr val="bg1"/>
+                          </a:solidFill>
+                        </a:rPr>
+                        <a:t>F</a:t>
+                      </a:r>
+                      <a:endParaRPr lang="zh-CN" altLang="en-US" sz="2800" dirty="0">
+                        <a:solidFill>
+                          <a:schemeClr val="bg1"/>
+                        </a:solidFill>
+                      </a:endParaRPr>
+                    </a:p>
+                  </a:txBody>
+                  <a:tcPr anchor="ctr">
+                    <a:solidFill>
+                      <a:srgbClr val="5B9BD5"/>
+                    </a:solidFill>
+                  </a:tcPr>
+                </a:tc>
+                <a:extLst>
+                  <a:ext uri="{0D108BD9-81ED-4DB2-BD59-A6C34878D82A}">
+                    <a16:rowId xmlns:a16="http://schemas.microsoft.com/office/drawing/2014/main" val="2141716803"/>
+                  </a:ext>
+                </a:extLst>
+              </a:tr>
+              <a:tr h="644429">
+                <a:tc>
+                  <a:txBody>
+                    <a:bodyPr/>
+                    <a:lstStyle/>
+                    <a:p>
+                      <a:pPr algn="ctr"/>
+                      <a:r>
+                        <a:rPr lang="en-US" altLang="zh-CN" sz="2800" dirty="0" smtClean="0">
+                          <a:solidFill>
+                            <a:schemeClr val="bg1"/>
+                          </a:solidFill>
+                        </a:rPr>
+                        <a:t>T</a:t>
+                      </a:r>
+                      <a:endParaRPr lang="zh-CN" altLang="en-US" sz="2800" dirty="0">
+                        <a:solidFill>
+                          <a:schemeClr val="bg1"/>
+                        </a:solidFill>
+                      </a:endParaRPr>
+                    </a:p>
+                  </a:txBody>
+                  <a:tcPr anchor="ctr">
+                    <a:solidFill>
+                      <a:srgbClr val="5B9BD5"/>
+                    </a:solidFill>
+                  </a:tcPr>
+                </a:tc>
+                <a:tc>
+                  <a:txBody>
+                    <a:bodyPr/>
+                    <a:lstStyle/>
+                    <a:p>
+                      <a:pPr algn="ctr"/>
+                      <a:r>
+                        <a:rPr lang="en-US" altLang="zh-CN" sz="2800" dirty="0" smtClean="0">
+                          <a:solidFill>
+                            <a:schemeClr val="bg1"/>
+                          </a:solidFill>
+                        </a:rPr>
+                        <a:t>F</a:t>
+                      </a:r>
+                      <a:endParaRPr lang="zh-CN" altLang="en-US" sz="2800" dirty="0">
+                        <a:solidFill>
+                          <a:schemeClr val="bg1"/>
+                        </a:solidFill>
+                      </a:endParaRPr>
+                    </a:p>
+                  </a:txBody>
+                  <a:tcPr anchor="ctr">
+                    <a:solidFill>
+                      <a:srgbClr val="5B9BD5"/>
+                    </a:solidFill>
+                  </a:tcPr>
+                </a:tc>
+                <a:tc>
+                  <a:txBody>
+                    <a:bodyPr/>
+                    <a:lstStyle/>
+                    <a:p>
+                      <a:pPr algn="ctr"/>
+                      <a:r>
+                        <a:rPr lang="en-US" altLang="zh-CN" sz="2800" dirty="0" smtClean="0">
+                          <a:solidFill>
+                            <a:schemeClr val="bg1"/>
+                          </a:solidFill>
+                        </a:rPr>
+                        <a:t>F</a:t>
+                      </a:r>
+                      <a:endParaRPr lang="zh-CN" altLang="en-US" sz="2800" dirty="0">
+                        <a:solidFill>
+                          <a:schemeClr val="bg1"/>
+                        </a:solidFill>
+                      </a:endParaRPr>
+                    </a:p>
+                  </a:txBody>
+                  <a:tcPr anchor="ctr">
+                    <a:solidFill>
+                      <a:srgbClr val="5B9BD5"/>
+                    </a:solidFill>
+                  </a:tcPr>
+                </a:tc>
+                <a:tc>
+                  <a:txBody>
+                    <a:bodyPr/>
+                    <a:lstStyle/>
+                    <a:p>
+                      <a:pPr algn="ctr"/>
+                      <a:r>
+                        <a:rPr lang="en-US" altLang="zh-CN" sz="2800" dirty="0" smtClean="0">
+                          <a:solidFill>
+                            <a:schemeClr val="bg1"/>
+                          </a:solidFill>
+                        </a:rPr>
+                        <a:t>T</a:t>
+                      </a:r>
+                      <a:endParaRPr lang="zh-CN" altLang="en-US" sz="2800" dirty="0">
+                        <a:solidFill>
+                          <a:schemeClr val="bg1"/>
+                        </a:solidFill>
+                      </a:endParaRPr>
+                    </a:p>
+                  </a:txBody>
+                  <a:tcPr anchor="ctr">
+                    <a:solidFill>
+                      <a:srgbClr val="5B9BD5"/>
+                    </a:solidFill>
+                  </a:tcPr>
+                </a:tc>
+                <a:extLst>
+                  <a:ext uri="{0D108BD9-81ED-4DB2-BD59-A6C34878D82A}">
+                    <a16:rowId xmlns:a16="http://schemas.microsoft.com/office/drawing/2014/main" val="2665623816"/>
+                  </a:ext>
+                </a:extLst>
+              </a:tr>
+            </a:tbl>
+          </a:graphicData>
+        </a:graphic>
+      </p:graphicFrame>
+      <p:sp>
+        <p:nvSpPr>
+          <p:cNvPr id="8" name="文本框 7"/>
+          <p:cNvSpPr txBox="1"/>
+          <p:nvPr/>
+        </p:nvSpPr>
+        <p:spPr>
+          <a:xfrm>
+            <a:off x="3613186" y="1550356"/>
+            <a:ext cx="928334" cy="369332"/>
+          </a:xfrm>
+          <a:prstGeom prst="rect">
+            <a:avLst/>
+          </a:prstGeom>
+          <a:noFill/>
+        </p:spPr>
+        <p:txBody>
+          <a:bodyPr wrap="square" rtlCol="0">
+            <a:spAutoFit/>
+          </a:bodyPr>
+          <a:lstStyle/>
+          <a:p>
+            <a:r>
+              <a:rPr lang="en-US" altLang="zh-CN" dirty="0" smtClean="0"/>
+              <a:t>i=3</a:t>
+            </a:r>
+            <a:endParaRPr lang="zh-CN" altLang="en-US" dirty="0"/>
+          </a:p>
+        </p:txBody>
+      </p:sp>
+      <p:sp>
+        <p:nvSpPr>
+          <p:cNvPr id="10" name="文本框 9"/>
+          <p:cNvSpPr txBox="1"/>
+          <p:nvPr/>
+        </p:nvSpPr>
+        <p:spPr>
+          <a:xfrm>
+            <a:off x="3613186" y="2239204"/>
+            <a:ext cx="928334" cy="369332"/>
+          </a:xfrm>
+          <a:prstGeom prst="rect">
+            <a:avLst/>
+          </a:prstGeom>
+          <a:noFill/>
+        </p:spPr>
+        <p:txBody>
+          <a:bodyPr wrap="square" rtlCol="0">
+            <a:spAutoFit/>
+          </a:bodyPr>
+          <a:lstStyle/>
+          <a:p>
+            <a:r>
+              <a:rPr lang="en-US" altLang="zh-CN" dirty="0" smtClean="0"/>
+              <a:t>i=2</a:t>
+            </a:r>
+            <a:endParaRPr lang="zh-CN" altLang="en-US" dirty="0"/>
+          </a:p>
+        </p:txBody>
+      </p:sp>
+      <p:sp>
+        <p:nvSpPr>
+          <p:cNvPr id="11" name="文本框 10"/>
+          <p:cNvSpPr txBox="1"/>
+          <p:nvPr/>
+        </p:nvSpPr>
+        <p:spPr>
+          <a:xfrm>
+            <a:off x="3613186" y="2806132"/>
+            <a:ext cx="928334" cy="369332"/>
+          </a:xfrm>
+          <a:prstGeom prst="rect">
+            <a:avLst/>
+          </a:prstGeom>
+          <a:noFill/>
+        </p:spPr>
+        <p:txBody>
+          <a:bodyPr wrap="square" rtlCol="0">
+            <a:spAutoFit/>
+          </a:bodyPr>
+          <a:lstStyle/>
+          <a:p>
+            <a:r>
+              <a:rPr lang="en-US" altLang="zh-CN" dirty="0" smtClean="0"/>
+              <a:t>i=1</a:t>
+            </a:r>
+            <a:endParaRPr lang="zh-CN" altLang="en-US" dirty="0"/>
+          </a:p>
+        </p:txBody>
+      </p:sp>
+      <p:sp>
+        <p:nvSpPr>
+          <p:cNvPr id="12" name="文本框 11"/>
+          <p:cNvSpPr txBox="1"/>
+          <p:nvPr/>
+        </p:nvSpPr>
+        <p:spPr>
+          <a:xfrm>
+            <a:off x="3613186" y="3494980"/>
+            <a:ext cx="928334" cy="369332"/>
+          </a:xfrm>
+          <a:prstGeom prst="rect">
+            <a:avLst/>
+          </a:prstGeom>
+          <a:noFill/>
+        </p:spPr>
+        <p:txBody>
+          <a:bodyPr wrap="square" rtlCol="0">
+            <a:spAutoFit/>
+          </a:bodyPr>
+          <a:lstStyle/>
+          <a:p>
+            <a:r>
+              <a:rPr lang="en-US" altLang="zh-CN" dirty="0" smtClean="0"/>
+              <a:t>i=0</a:t>
+            </a:r>
+            <a:endParaRPr lang="zh-CN" altLang="en-US" dirty="0"/>
+          </a:p>
+        </p:txBody>
+      </p:sp>
+      <p:sp>
+        <p:nvSpPr>
+          <p:cNvPr id="13" name="文本框 12"/>
+          <p:cNvSpPr txBox="1"/>
+          <p:nvPr/>
+        </p:nvSpPr>
+        <p:spPr>
+          <a:xfrm>
+            <a:off x="4304145" y="983428"/>
+            <a:ext cx="639711" cy="369332"/>
+          </a:xfrm>
+          <a:prstGeom prst="rect">
+            <a:avLst/>
+          </a:prstGeom>
+          <a:noFill/>
+        </p:spPr>
+        <p:txBody>
+          <a:bodyPr wrap="square" rtlCol="0">
+            <a:spAutoFit/>
+          </a:bodyPr>
+          <a:lstStyle/>
+          <a:p>
+            <a:r>
+              <a:rPr lang="en-US" altLang="zh-CN" dirty="0" smtClean="0"/>
+              <a:t>dp[0]</a:t>
+            </a:r>
+            <a:endParaRPr lang="zh-CN" altLang="en-US" dirty="0"/>
+          </a:p>
+        </p:txBody>
+      </p:sp>
+      <p:sp>
+        <p:nvSpPr>
+          <p:cNvPr id="14" name="文本框 13"/>
+          <p:cNvSpPr txBox="1"/>
+          <p:nvPr/>
+        </p:nvSpPr>
+        <p:spPr>
+          <a:xfrm>
+            <a:off x="5047857" y="983428"/>
+            <a:ext cx="639711" cy="369332"/>
+          </a:xfrm>
+          <a:prstGeom prst="rect">
+            <a:avLst/>
+          </a:prstGeom>
+          <a:noFill/>
+        </p:spPr>
+        <p:txBody>
+          <a:bodyPr wrap="square" rtlCol="0">
+            <a:spAutoFit/>
+          </a:bodyPr>
+          <a:lstStyle/>
+          <a:p>
+            <a:r>
+              <a:rPr lang="en-US" altLang="zh-CN" dirty="0" smtClean="0"/>
+              <a:t>dp[1]</a:t>
+            </a:r>
+            <a:endParaRPr lang="zh-CN" altLang="en-US" dirty="0"/>
+          </a:p>
+        </p:txBody>
+      </p:sp>
+      <p:sp>
+        <p:nvSpPr>
+          <p:cNvPr id="15" name="文本框 14"/>
+          <p:cNvSpPr txBox="1"/>
+          <p:nvPr/>
+        </p:nvSpPr>
+        <p:spPr>
+          <a:xfrm>
+            <a:off x="5791569" y="983428"/>
+            <a:ext cx="639711" cy="369332"/>
+          </a:xfrm>
+          <a:prstGeom prst="rect">
+            <a:avLst/>
+          </a:prstGeom>
+          <a:noFill/>
+        </p:spPr>
+        <p:txBody>
+          <a:bodyPr wrap="square" rtlCol="0">
+            <a:spAutoFit/>
+          </a:bodyPr>
+          <a:lstStyle/>
+          <a:p>
+            <a:r>
+              <a:rPr lang="en-US" altLang="zh-CN" dirty="0" smtClean="0"/>
+              <a:t>dp[2]</a:t>
+            </a:r>
+            <a:endParaRPr lang="zh-CN" altLang="en-US" dirty="0"/>
+          </a:p>
+        </p:txBody>
+      </p:sp>
+      <p:sp>
+        <p:nvSpPr>
+          <p:cNvPr id="16" name="文本框 15"/>
+          <p:cNvSpPr txBox="1"/>
+          <p:nvPr/>
+        </p:nvSpPr>
+        <p:spPr>
+          <a:xfrm>
+            <a:off x="6480417" y="983428"/>
+            <a:ext cx="639711" cy="369332"/>
+          </a:xfrm>
+          <a:prstGeom prst="rect">
+            <a:avLst/>
+          </a:prstGeom>
+          <a:noFill/>
+        </p:spPr>
+        <p:txBody>
+          <a:bodyPr wrap="square" rtlCol="0">
+            <a:spAutoFit/>
+          </a:bodyPr>
+          <a:lstStyle/>
+          <a:p>
+            <a:r>
+              <a:rPr lang="en-US" altLang="zh-CN" dirty="0" smtClean="0"/>
+              <a:t>dp[3]</a:t>
+            </a:r>
+            <a:endParaRPr lang="zh-CN" altLang="en-US" dirty="0"/>
+          </a:p>
+        </p:txBody>
+      </p:sp>
+      <p:cxnSp>
+        <p:nvCxnSpPr>
+          <p:cNvPr id="18" name="直接箭头连接符 17"/>
+          <p:cNvCxnSpPr/>
+          <p:nvPr/>
+        </p:nvCxnSpPr>
+        <p:spPr>
+          <a:xfrm>
+            <a:off x="7467600" y="1550356"/>
+            <a:ext cx="0" cy="2198684"/>
+          </a:xfrm>
+          <a:prstGeom prst="straightConnector1">
+            <a:avLst/>
+          </a:prstGeom>
+          <a:ln w="57150">
+            <a:tailEnd type="triangle"/>
+          </a:ln>
+        </p:spPr>
+        <p:style>
+          <a:lnRef idx="1">
+            <a:schemeClr val="accent1"/>
+          </a:lnRef>
+          <a:fillRef idx="0">
+            <a:schemeClr val="accent1"/>
+          </a:fillRef>
+          <a:effectRef idx="0">
+            <a:schemeClr val="accent1"/>
+          </a:effectRef>
+          <a:fontRef idx="minor">
+            <a:schemeClr val="tx1"/>
+          </a:fontRef>
+        </p:style>
+      </p:cxnSp>
+      <p:sp>
+        <p:nvSpPr>
+          <p:cNvPr id="19" name="文本框 18"/>
+          <p:cNvSpPr txBox="1"/>
+          <p:nvPr/>
+        </p:nvSpPr>
+        <p:spPr>
+          <a:xfrm>
+            <a:off x="4304145" y="4099564"/>
+            <a:ext cx="639711" cy="369332"/>
+          </a:xfrm>
+          <a:prstGeom prst="rect">
+            <a:avLst/>
+          </a:prstGeom>
+          <a:noFill/>
+        </p:spPr>
+        <p:txBody>
+          <a:bodyPr wrap="square" rtlCol="0">
+            <a:spAutoFit/>
+          </a:bodyPr>
+          <a:lstStyle/>
+          <a:p>
+            <a:pPr algn="ctr"/>
+            <a:r>
+              <a:rPr lang="en-US" altLang="zh-CN" dirty="0" smtClean="0"/>
+              <a:t>“a”</a:t>
+            </a:r>
+            <a:endParaRPr lang="zh-CN" altLang="en-US" dirty="0"/>
+          </a:p>
+        </p:txBody>
+      </p:sp>
+      <p:sp>
+        <p:nvSpPr>
+          <p:cNvPr id="23" name="文本框 22"/>
+          <p:cNvSpPr txBox="1"/>
+          <p:nvPr/>
+        </p:nvSpPr>
+        <p:spPr>
+          <a:xfrm>
+            <a:off x="5047856" y="4099564"/>
+            <a:ext cx="639711" cy="369332"/>
+          </a:xfrm>
+          <a:prstGeom prst="rect">
+            <a:avLst/>
+          </a:prstGeom>
+          <a:noFill/>
+        </p:spPr>
+        <p:txBody>
+          <a:bodyPr wrap="square" rtlCol="0">
+            <a:spAutoFit/>
+          </a:bodyPr>
+          <a:lstStyle/>
+          <a:p>
+            <a:pPr algn="ctr"/>
+            <a:r>
+              <a:rPr lang="en-US" altLang="zh-CN" dirty="0" smtClean="0"/>
+              <a:t>“b”</a:t>
+            </a:r>
+            <a:endParaRPr lang="zh-CN" altLang="en-US" dirty="0"/>
+          </a:p>
+        </p:txBody>
+      </p:sp>
+      <p:sp>
+        <p:nvSpPr>
+          <p:cNvPr id="24" name="文本框 23"/>
+          <p:cNvSpPr txBox="1"/>
+          <p:nvPr/>
+        </p:nvSpPr>
+        <p:spPr>
+          <a:xfrm>
+            <a:off x="5791569" y="4099564"/>
+            <a:ext cx="639711" cy="369332"/>
+          </a:xfrm>
+          <a:prstGeom prst="rect">
+            <a:avLst/>
+          </a:prstGeom>
+          <a:noFill/>
+        </p:spPr>
+        <p:txBody>
+          <a:bodyPr wrap="square" rtlCol="0">
+            <a:spAutoFit/>
+          </a:bodyPr>
+          <a:lstStyle/>
+          <a:p>
+            <a:pPr algn="ctr"/>
+            <a:r>
+              <a:rPr lang="en-US" altLang="zh-CN" dirty="0" smtClean="0"/>
+              <a:t>“b”</a:t>
+            </a:r>
+            <a:endParaRPr lang="zh-CN" altLang="en-US" dirty="0"/>
+          </a:p>
+        </p:txBody>
+      </p:sp>
+      <p:sp>
+        <p:nvSpPr>
+          <p:cNvPr id="25" name="文本框 24"/>
+          <p:cNvSpPr txBox="1"/>
+          <p:nvPr/>
+        </p:nvSpPr>
+        <p:spPr>
+          <a:xfrm>
+            <a:off x="6480417" y="4099564"/>
+            <a:ext cx="639711" cy="369332"/>
+          </a:xfrm>
+          <a:prstGeom prst="rect">
+            <a:avLst/>
+          </a:prstGeom>
+          <a:noFill/>
+        </p:spPr>
+        <p:txBody>
+          <a:bodyPr wrap="square" rtlCol="0">
+            <a:spAutoFit/>
+          </a:bodyPr>
+          <a:lstStyle/>
+          <a:p>
+            <a:pPr algn="ctr"/>
+            <a:r>
+              <a:rPr lang="en-US" altLang="zh-CN" dirty="0" smtClean="0"/>
+              <a:t>“a”</a:t>
+            </a:r>
+            <a:endParaRPr lang="zh-CN" altLang="en-US" dirty="0"/>
+          </a:p>
+        </p:txBody>
+      </p:sp>
+      <p:sp>
+        <p:nvSpPr>
+          <p:cNvPr id="31" name="文本框 30"/>
+          <p:cNvSpPr txBox="1"/>
+          <p:nvPr/>
+        </p:nvSpPr>
+        <p:spPr>
+          <a:xfrm>
+            <a:off x="5984609" y="3083560"/>
+            <a:ext cx="567037" cy="276999"/>
+          </a:xfrm>
+          <a:prstGeom prst="rect">
+            <a:avLst/>
+          </a:prstGeom>
+          <a:noFill/>
+        </p:spPr>
+        <p:txBody>
+          <a:bodyPr wrap="square" rtlCol="0">
+            <a:spAutoFit/>
+          </a:bodyPr>
+          <a:lstStyle/>
+          <a:p>
+            <a:pPr algn="ctr"/>
+            <a:r>
+              <a:rPr lang="zh-CN" altLang="en-US" sz="1200" dirty="0" smtClean="0"/>
+              <a:t>“</a:t>
+            </a:r>
+            <a:r>
+              <a:rPr lang="en-US" altLang="zh-CN" sz="1200" dirty="0" smtClean="0"/>
+              <a:t>bb”</a:t>
+            </a:r>
+            <a:endParaRPr lang="zh-CN" altLang="en-US" sz="1200" dirty="0"/>
+          </a:p>
+        </p:txBody>
+      </p:sp>
+      <p:sp>
+        <p:nvSpPr>
+          <p:cNvPr id="32" name="文本框 31"/>
+          <p:cNvSpPr txBox="1"/>
+          <p:nvPr/>
+        </p:nvSpPr>
+        <p:spPr>
+          <a:xfrm>
+            <a:off x="6639929" y="3742437"/>
+            <a:ext cx="567037" cy="276999"/>
+          </a:xfrm>
+          <a:prstGeom prst="rect">
+            <a:avLst/>
+          </a:prstGeom>
+          <a:noFill/>
+        </p:spPr>
+        <p:txBody>
+          <a:bodyPr wrap="square" rtlCol="0">
+            <a:spAutoFit/>
+          </a:bodyPr>
+          <a:lstStyle/>
+          <a:p>
+            <a:pPr algn="ctr"/>
+            <a:r>
+              <a:rPr lang="zh-CN" altLang="en-US" sz="1200" dirty="0" smtClean="0"/>
+              <a:t>“</a:t>
+            </a:r>
+            <a:r>
+              <a:rPr lang="en-US" altLang="zh-CN" sz="1200" dirty="0" smtClean="0"/>
+              <a:t>abba”</a:t>
+            </a:r>
+            <a:endParaRPr lang="zh-CN" altLang="en-US" sz="1200" dirty="0"/>
+          </a:p>
+        </p:txBody>
+      </p:sp>
+      <p:cxnSp>
+        <p:nvCxnSpPr>
+          <p:cNvPr id="33" name="直接箭头连接符 32"/>
+          <p:cNvCxnSpPr/>
+          <p:nvPr/>
+        </p:nvCxnSpPr>
+        <p:spPr>
+          <a:xfrm flipH="1">
+            <a:off x="4366260" y="4617720"/>
+            <a:ext cx="2753868" cy="0"/>
+          </a:xfrm>
+          <a:prstGeom prst="straightConnector1">
+            <a:avLst/>
+          </a:prstGeom>
+          <a:ln w="57150">
+            <a:tailEnd type="triangle"/>
+          </a:ln>
+        </p:spPr>
+        <p:style>
+          <a:lnRef idx="1">
+            <a:schemeClr val="accent1"/>
+          </a:lnRef>
+          <a:fillRef idx="0">
+            <a:schemeClr val="accent1"/>
+          </a:fillRef>
+          <a:effectRef idx="0">
+            <a:schemeClr val="accent1"/>
+          </a:effectRef>
+          <a:fontRef idx="minor">
+            <a:schemeClr val="tx1"/>
+          </a:fontRef>
+        </p:style>
+      </p:cxnSp>
+      <p:sp>
+        <p:nvSpPr>
+          <p:cNvPr id="36" name="文本框 35"/>
+          <p:cNvSpPr txBox="1"/>
+          <p:nvPr/>
+        </p:nvSpPr>
+        <p:spPr>
+          <a:xfrm>
+            <a:off x="7631005" y="2331919"/>
+            <a:ext cx="928334" cy="369332"/>
+          </a:xfrm>
+          <a:prstGeom prst="rect">
+            <a:avLst/>
+          </a:prstGeom>
+          <a:noFill/>
+        </p:spPr>
+        <p:txBody>
+          <a:bodyPr wrap="square" rtlCol="0">
+            <a:spAutoFit/>
+          </a:bodyPr>
+          <a:lstStyle/>
+          <a:p>
+            <a:r>
+              <a:rPr lang="en-US" altLang="zh-CN" dirty="0" smtClean="0"/>
+              <a:t>i--</a:t>
+            </a:r>
+            <a:endParaRPr lang="zh-CN" altLang="en-US" dirty="0"/>
+          </a:p>
+        </p:txBody>
+      </p:sp>
+      <p:sp>
+        <p:nvSpPr>
+          <p:cNvPr id="37" name="文本框 36"/>
+          <p:cNvSpPr txBox="1"/>
+          <p:nvPr/>
+        </p:nvSpPr>
+        <p:spPr>
+          <a:xfrm>
+            <a:off x="5420080" y="4727175"/>
+            <a:ext cx="928334" cy="369332"/>
+          </a:xfrm>
+          <a:prstGeom prst="rect">
+            <a:avLst/>
+          </a:prstGeom>
+          <a:noFill/>
+        </p:spPr>
+        <p:txBody>
+          <a:bodyPr wrap="square" rtlCol="0">
+            <a:spAutoFit/>
+          </a:bodyPr>
+          <a:lstStyle/>
+          <a:p>
+            <a:r>
+              <a:rPr lang="en-US" altLang="zh-CN" dirty="0" smtClean="0"/>
+              <a:t>j--</a:t>
+            </a:r>
+            <a:endParaRPr lang="zh-CN" altLang="en-US" dirty="0"/>
+          </a:p>
+        </p:txBody>
+      </p:sp>
+    </p:spTree>
+    <p:extLst>
+      <p:ext uri="{BB962C8B-B14F-4D97-AF65-F5344CB8AC3E}">
+        <p14:creationId xmlns:p14="http://schemas.microsoft.com/office/powerpoint/2010/main" val="1546853615"/>
+      </p:ext>
+    </p:extLst>
+  </p:cSld>
+  <p:clrMapOvr>
+    <a:masterClrMapping/>
+  </p:clrMapOvr>
+</p:sld>
+</file>
+
 <file path=ppt/slides/slide2.xml><?xml version="1.0" encoding="utf-8"?>
 <p:sld xmlns:a="http://schemas.openxmlformats.org/drawingml/2006/main" xmlns:r="http://schemas.openxmlformats.org/officeDocument/2006/relationships" xmlns:p="http://schemas.openxmlformats.org/presentationml/2006/main">
   <p:cSld>
@@ -8282,4 +9799,265 @@
     </a:ext>
   </a:extLst>
 </a:theme>
+</file>
+
+<file path=ppt/theme/theme2.xml><?xml version="1.0" encoding="utf-8"?>
+<a:theme xmlns:a="http://schemas.openxmlformats.org/drawingml/2006/main" name="Office 主题​​">
+  <a:themeElements>
+    <a:clrScheme name="Office">
+      <a:dk1>
+        <a:sysClr val="windowText" lastClr="000000"/>
+      </a:dk1>
+      <a:lt1>
+        <a:sysClr val="window" lastClr="FFFFFF"/>
+      </a:lt1>
+      <a:dk2>
+        <a:srgbClr val="44546A"/>
+      </a:dk2>
+      <a:lt2>
+        <a:srgbClr val="E7E6E6"/>
+      </a:lt2>
+      <a:accent1>
+        <a:srgbClr val="5B9BD5"/>
+      </a:accent1>
+      <a:accent2>
+        <a:srgbClr val="ED7D31"/>
+      </a:accent2>
+      <a:accent3>
+        <a:srgbClr val="A5A5A5"/>
+      </a:accent3>
+      <a:accent4>
+        <a:srgbClr val="FFC000"/>
+      </a:accent4>
+      <a:accent5>
+        <a:srgbClr val="4472C4"/>
+      </a:accent5>
+      <a:accent6>
+        <a:srgbClr val="70AD47"/>
+      </a:accent6>
+      <a:hlink>
+        <a:srgbClr val="0563C1"/>
+      </a:hlink>
+      <a:folHlink>
+        <a:srgbClr val="954F72"/>
+      </a:folHlink>
+    </a:clrScheme>
+    <a:fontScheme name="Office">
+      <a:majorFont>
+        <a:latin typeface="等线 Light" panose="020F0302020204030204"/>
+        <a:ea typeface=""/>
+        <a:cs typeface=""/>
+        <a:font script="Jpan" typeface="游ゴシック Light"/>
+        <a:font script="Hang" typeface="맑은 고딕"/>
+        <a:font script="Hans" typeface="等线 Light"/>
+        <a:font script="Hant" typeface="新細明體"/>
+        <a:font script="Arab" typeface="Times New Roman"/>
+        <a:font script="Hebr" typeface="Times New Roman"/>
+        <a:font script="Thai" typeface="Angsana New"/>
+        <a:font script="Ethi" typeface="Nyala"/>
+        <a:font script="Beng" typeface="Vrinda"/>
+        <a:font script="Gujr" typeface="Shruti"/>
+        <a:font script="Khmr" typeface="MoolBoran"/>
+        <a:font script="Knda" typeface="Tunga"/>
+        <a:font script="Guru" typeface="Raavi"/>
+        <a:font script="Cans" typeface="Euphemia"/>
+        <a:font script="Cher" typeface="Plantagenet Cherokee"/>
+        <a:font script="Yiii" typeface="Microsoft Yi Baiti"/>
+        <a:font script="Tibt" typeface="Microsoft Himalaya"/>
+        <a:font script="Thaa" typeface="MV Boli"/>
+        <a:font script="Deva" typeface="Mangal"/>
+        <a:font script="Telu" typeface="Gautami"/>
+        <a:font script="Taml" typeface="Latha"/>
+        <a:font script="Syrc" typeface="Estrangelo Edessa"/>
+        <a:font script="Orya" typeface="Kalinga"/>
+        <a:font script="Mlym" typeface="Kartika"/>
+        <a:font script="Laoo" typeface="DokChampa"/>
+        <a:font script="Sinh" typeface="Iskoola Pota"/>
+        <a:font script="Mong" typeface="Mongolian Baiti"/>
+        <a:font script="Viet" typeface="Times New Roman"/>
+        <a:font script="Uigh" typeface="Microsoft Uighur"/>
+        <a:font script="Geor" typeface="Sylfaen"/>
+      </a:majorFont>
+      <a:minorFont>
+        <a:latin typeface="等线" panose="020F0502020204030204"/>
+        <a:ea typeface=""/>
+        <a:cs typeface=""/>
+        <a:font script="Jpan" typeface="游ゴシック"/>
+        <a:font script="Hang" typeface="맑은 고딕"/>
+        <a:font script="Hans" typeface="等线"/>
+        <a:font script="Hant" typeface="新細明體"/>
+        <a:font script="Arab" typeface="Arial"/>
+        <a:font script="Hebr" typeface="Arial"/>
+        <a:font script="Thai" typeface="Cordia New"/>
+        <a:font script="Ethi" typeface="Nyala"/>
+        <a:font script="Beng" typeface="Vrinda"/>
+        <a:font script="Gujr" typeface="Shruti"/>
+        <a:font script="Khmr" typeface="DaunPenh"/>
+        <a:font script="Knda" typeface="Tunga"/>
+        <a:font script="Guru" typeface="Raavi"/>
+        <a:font script="Cans" typeface="Euphemia"/>
+        <a:font script="Cher" typeface="Plantagenet Cherokee"/>
+        <a:font script="Yiii" typeface="Microsoft Yi Baiti"/>
+        <a:font script="Tibt" typeface="Microsoft Himalaya"/>
+        <a:font script="Thaa" typeface="MV Boli"/>
+        <a:font script="Deva" typeface="Mangal"/>
+        <a:font script="Telu" typeface="Gautami"/>
+        <a:font script="Taml" typeface="Latha"/>
+        <a:font script="Syrc" typeface="Estrangelo Edessa"/>
+        <a:font script="Orya" typeface="Kalinga"/>
+        <a:font script="Mlym" typeface="Kartika"/>
+        <a:font script="Laoo" typeface="DokChampa"/>
+        <a:font script="Sinh" typeface="Iskoola Pota"/>
+        <a:font script="Mong" typeface="Mongolian Baiti"/>
+        <a:font script="Viet" typeface="Arial"/>
+        <a:font script="Uigh" typeface="Microsoft Uighur"/>
+        <a:font script="Geor" typeface="Sylfaen"/>
+      </a:minorFont>
+    </a:fontScheme>
+    <a:fmtScheme name="Office">
+      <a:fillStyleLst>
+        <a:solidFill>
+          <a:schemeClr val="phClr"/>
+        </a:solidFill>
+        <a:gradFill rotWithShape="1">
+          <a:gsLst>
+            <a:gs pos="0">
+              <a:schemeClr val="phClr">
+                <a:lumMod val="110000"/>
+                <a:satMod val="105000"/>
+                <a:tint val="67000"/>
+              </a:schemeClr>
+            </a:gs>
+            <a:gs pos="50000">
+              <a:schemeClr val="phClr">
+                <a:lumMod val="105000"/>
+                <a:satMod val="103000"/>
+                <a:tint val="73000"/>
+              </a:schemeClr>
+            </a:gs>
+            <a:gs pos="100000">
+              <a:schemeClr val="phClr">
+                <a:lumMod val="105000"/>
+                <a:satMod val="109000"/>
+                <a:tint val="81000"/>
+              </a:schemeClr>
+            </a:gs>
+          </a:gsLst>
+          <a:lin ang="5400000" scaled="0"/>
+        </a:gradFill>
+        <a:gradFill rotWithShape="1">
+          <a:gsLst>
+            <a:gs pos="0">
+              <a:schemeClr val="phClr">
+                <a:satMod val="103000"/>
+                <a:lumMod val="102000"/>
+                <a:tint val="94000"/>
+              </a:schemeClr>
+            </a:gs>
+            <a:gs pos="50000">
+              <a:schemeClr val="phClr">
+                <a:satMod val="110000"/>
+                <a:lumMod val="100000"/>
+                <a:shade val="100000"/>
+              </a:schemeClr>
+            </a:gs>
+            <a:gs pos="100000">
+              <a:schemeClr val="phClr">
+                <a:lumMod val="99000"/>
+                <a:satMod val="120000"/>
+                <a:shade val="78000"/>
+              </a:schemeClr>
+            </a:gs>
+          </a:gsLst>
+          <a:lin ang="5400000" scaled="0"/>
+        </a:gradFill>
+      </a:fillStyleLst>
+      <a:lnStyleLst>
+        <a:ln w="6350" cap="flat" cmpd="sng" algn="ctr">
+          <a:solidFill>
+            <a:schemeClr val="phClr"/>
+          </a:solidFill>
+          <a:prstDash val="solid"/>
+          <a:miter lim="800000"/>
+        </a:ln>
+        <a:ln w="12700" cap="flat" cmpd="sng" algn="ctr">
+          <a:solidFill>
+            <a:schemeClr val="phClr"/>
+          </a:solidFill>
+          <a:prstDash val="solid"/>
+          <a:miter lim="800000"/>
+        </a:ln>
+        <a:ln w="19050" cap="flat" cmpd="sng" algn="ctr">
+          <a:solidFill>
+            <a:schemeClr val="phClr"/>
+          </a:solidFill>
+          <a:prstDash val="solid"/>
+          <a:miter lim="800000"/>
+        </a:ln>
+      </a:lnStyleLst>
+      <a:effectStyleLst>
+        <a:effectStyle>
+          <a:effectLst/>
+        </a:effectStyle>
+        <a:effectStyle>
+          <a:effectLst/>
+        </a:effectStyle>
+        <a:effectStyle>
+          <a:effectLst>
+            <a:outerShdw blurRad="57150" dist="19050" dir="5400000" algn="ctr" rotWithShape="0">
+              <a:srgbClr val="000000">
+                <a:alpha val="63000"/>
+              </a:srgbClr>
+            </a:outerShdw>
+          </a:effectLst>
+        </a:effectStyle>
+      </a:effectStyleLst>
+      <a:bgFillStyleLst>
+        <a:solidFill>
+          <a:schemeClr val="phClr"/>
+        </a:solidFill>
+        <a:solidFill>
+          <a:schemeClr val="phClr">
+            <a:tint val="95000"/>
+            <a:satMod val="170000"/>
+          </a:schemeClr>
+        </a:solidFill>
+        <a:gradFill rotWithShape="1">
+          <a:gsLst>
+            <a:gs pos="0">
+              <a:schemeClr val="phClr">
+                <a:tint val="93000"/>
+                <a:satMod val="150000"/>
+                <a:shade val="98000"/>
+                <a:lumMod val="102000"/>
+              </a:schemeClr>
+            </a:gs>
+            <a:gs pos="50000">
+              <a:schemeClr val="phClr">
+                <a:tint val="98000"/>
+                <a:satMod val="130000"/>
+                <a:shade val="90000"/>
+                <a:lumMod val="103000"/>
+              </a:schemeClr>
+            </a:gs>
+            <a:gs pos="100000">
+              <a:schemeClr val="phClr">
+                <a:shade val="63000"/>
+                <a:satMod val="120000"/>
+              </a:schemeClr>
+            </a:gs>
+          </a:gsLst>
+          <a:lin ang="5400000" scaled="0"/>
+        </a:gradFill>
+      </a:bgFillStyleLst>
+    </a:fmtScheme>
+  </a:themeElements>
+  <a:objectDefaults/>
+  <a:extraClrSchemeLst/>
+  <a:extLst>
+    <a:ext uri="{05A4C25C-085E-4340-85A3-A5531E510DB2}">
+      <thm15:themeFamily xmlns:thm15="http://schemas.microsoft.com/office/thememl/2012/main" name="Office Theme" id="{62F939B6-93AF-4DB8-9C6B-D6C7DFDC589F}" vid="{4A3C46E8-61CC-4603-A589-7422A47A8E4A}"/>
+    </a:ext>
+  </a:extLst>
+</a:theme>
 </file>
--- a/docs/Image.pptx
+++ b/docs/Image.pptx
@@ -5,7 +5,7 @@
     <p:sldMasterId id="2147483648" r:id="rId1"/>
   </p:sldMasterIdLst>
   <p:notesMasterIdLst>
-    <p:notesMasterId r:id="rId12"/>
+    <p:notesMasterId r:id="rId17"/>
   </p:notesMasterIdLst>
   <p:sldIdLst>
     <p:sldId id="256" r:id="rId2"/>
@@ -18,6 +18,11 @@
     <p:sldId id="264" r:id="rId9"/>
     <p:sldId id="265" r:id="rId10"/>
     <p:sldId id="266" r:id="rId11"/>
+    <p:sldId id="269" r:id="rId12"/>
+    <p:sldId id="268" r:id="rId13"/>
+    <p:sldId id="270" r:id="rId14"/>
+    <p:sldId id="271" r:id="rId15"/>
+    <p:sldId id="273" r:id="rId16"/>
   </p:sldIdLst>
   <p:sldSz cx="12192000" cy="6858000"/>
   <p:notesSz cx="6858000" cy="9144000"/>
@@ -206,7 +211,7 @@
           <a:p>
             <a:fld id="{B5D9F11F-CEC7-4904-87EC-867ABA4429BA}" type="datetimeFigureOut">
               <a:rPr lang="zh-CN" altLang="en-US" smtClean="0"/>
-              <a:t>2020/5/10</a:t>
+              <a:t>2020/5/12</a:t>
             </a:fld>
             <a:endParaRPr lang="zh-CN" altLang="en-US"/>
           </a:p>
@@ -574,6 +579,486 @@
 </p:notes>
 </file>
 
+<file path=ppt/notesSlides/notesSlide2.xml><?xml version="1.0" encoding="utf-8"?>
+<p:notes xmlns:a="http://schemas.openxmlformats.org/drawingml/2006/main" xmlns:r="http://schemas.openxmlformats.org/officeDocument/2006/relationships" xmlns:p="http://schemas.openxmlformats.org/presentationml/2006/main">
+  <p:cSld>
+    <p:spTree>
+      <p:nvGrpSpPr>
+        <p:cNvPr id="1" name=""/>
+        <p:cNvGrpSpPr/>
+        <p:nvPr/>
+      </p:nvGrpSpPr>
+      <p:grpSpPr>
+        <a:xfrm>
+          <a:off x="0" y="0"/>
+          <a:ext cx="0" cy="0"/>
+          <a:chOff x="0" y="0"/>
+          <a:chExt cx="0" cy="0"/>
+        </a:xfrm>
+      </p:grpSpPr>
+      <p:sp>
+        <p:nvSpPr>
+          <p:cNvPr id="2" name="幻灯片图像占位符 1"/>
+          <p:cNvSpPr>
+            <a:spLocks noGrp="1" noRot="1" noChangeAspect="1"/>
+          </p:cNvSpPr>
+          <p:nvPr>
+            <p:ph type="sldImg"/>
+          </p:nvPr>
+        </p:nvSpPr>
+        <p:spPr/>
+      </p:sp>
+      <p:sp>
+        <p:nvSpPr>
+          <p:cNvPr id="3" name="备注占位符 2"/>
+          <p:cNvSpPr>
+            <a:spLocks noGrp="1"/>
+          </p:cNvSpPr>
+          <p:nvPr>
+            <p:ph type="body" idx="1"/>
+          </p:nvPr>
+        </p:nvSpPr>
+        <p:spPr/>
+        <p:txBody>
+          <a:bodyPr/>
+          <a:lstStyle/>
+          <a:p>
+            <a:r>
+              <a:rPr lang="en-US" altLang="zh-CN" dirty="0" err="1" smtClean="0"/>
+              <a:t>5.Manacher</a:t>
+            </a:r>
+            <a:r>
+              <a:rPr lang="en-US" altLang="zh-CN" dirty="0" smtClean="0"/>
+              <a:t>’ Algorithm</a:t>
+            </a:r>
+            <a:endParaRPr lang="zh-CN" altLang="en-US" dirty="0"/>
+          </a:p>
+        </p:txBody>
+      </p:sp>
+      <p:sp>
+        <p:nvSpPr>
+          <p:cNvPr id="4" name="灯片编号占位符 3"/>
+          <p:cNvSpPr>
+            <a:spLocks noGrp="1"/>
+          </p:cNvSpPr>
+          <p:nvPr>
+            <p:ph type="sldNum" sz="quarter" idx="10"/>
+          </p:nvPr>
+        </p:nvSpPr>
+        <p:spPr/>
+        <p:txBody>
+          <a:bodyPr/>
+          <a:lstStyle/>
+          <a:p>
+            <a:fld id="{CF20F747-D0EC-4FFA-AA8A-DD1B21173115}" type="slidenum">
+              <a:rPr lang="zh-CN" altLang="en-US" smtClean="0"/>
+              <a:t>11</a:t>
+            </a:fld>
+            <a:endParaRPr lang="zh-CN" altLang="en-US"/>
+          </a:p>
+        </p:txBody>
+      </p:sp>
+    </p:spTree>
+    <p:extLst>
+      <p:ext uri="{BB962C8B-B14F-4D97-AF65-F5344CB8AC3E}">
+        <p14:creationId xmlns:p14="http://schemas.microsoft.com/office/powerpoint/2010/main" val="1200655230"/>
+      </p:ext>
+    </p:extLst>
+  </p:cSld>
+  <p:clrMapOvr>
+    <a:masterClrMapping/>
+  </p:clrMapOvr>
+</p:notes>
+</file>
+
+<file path=ppt/notesSlides/notesSlide3.xml><?xml version="1.0" encoding="utf-8"?>
+<p:notes xmlns:a="http://schemas.openxmlformats.org/drawingml/2006/main" xmlns:r="http://schemas.openxmlformats.org/officeDocument/2006/relationships" xmlns:p="http://schemas.openxmlformats.org/presentationml/2006/main">
+  <p:cSld>
+    <p:spTree>
+      <p:nvGrpSpPr>
+        <p:cNvPr id="1" name=""/>
+        <p:cNvGrpSpPr/>
+        <p:nvPr/>
+      </p:nvGrpSpPr>
+      <p:grpSpPr>
+        <a:xfrm>
+          <a:off x="0" y="0"/>
+          <a:ext cx="0" cy="0"/>
+          <a:chOff x="0" y="0"/>
+          <a:chExt cx="0" cy="0"/>
+        </a:xfrm>
+      </p:grpSpPr>
+      <p:sp>
+        <p:nvSpPr>
+          <p:cNvPr id="2" name="幻灯片图像占位符 1"/>
+          <p:cNvSpPr>
+            <a:spLocks noGrp="1" noRot="1" noChangeAspect="1"/>
+          </p:cNvSpPr>
+          <p:nvPr>
+            <p:ph type="sldImg"/>
+          </p:nvPr>
+        </p:nvSpPr>
+        <p:spPr/>
+      </p:sp>
+      <p:sp>
+        <p:nvSpPr>
+          <p:cNvPr id="3" name="备注占位符 2"/>
+          <p:cNvSpPr>
+            <a:spLocks noGrp="1"/>
+          </p:cNvSpPr>
+          <p:nvPr>
+            <p:ph type="body" idx="1"/>
+          </p:nvPr>
+        </p:nvSpPr>
+        <p:spPr/>
+        <p:txBody>
+          <a:bodyPr/>
+          <a:lstStyle/>
+          <a:p>
+            <a:r>
+              <a:rPr lang="en-US" altLang="zh-CN" dirty="0" err="1" smtClean="0"/>
+              <a:t>5.Manacher</a:t>
+            </a:r>
+            <a:r>
+              <a:rPr lang="en-US" altLang="zh-CN" dirty="0" smtClean="0"/>
+              <a:t>’ Algorithm</a:t>
+            </a:r>
+            <a:endParaRPr lang="zh-CN" altLang="en-US" dirty="0"/>
+          </a:p>
+        </p:txBody>
+      </p:sp>
+      <p:sp>
+        <p:nvSpPr>
+          <p:cNvPr id="4" name="灯片编号占位符 3"/>
+          <p:cNvSpPr>
+            <a:spLocks noGrp="1"/>
+          </p:cNvSpPr>
+          <p:nvPr>
+            <p:ph type="sldNum" sz="quarter" idx="10"/>
+          </p:nvPr>
+        </p:nvSpPr>
+        <p:spPr/>
+        <p:txBody>
+          <a:bodyPr/>
+          <a:lstStyle/>
+          <a:p>
+            <a:fld id="{CF20F747-D0EC-4FFA-AA8A-DD1B21173115}" type="slidenum">
+              <a:rPr lang="zh-CN" altLang="en-US" smtClean="0"/>
+              <a:t>12</a:t>
+            </a:fld>
+            <a:endParaRPr lang="zh-CN" altLang="en-US"/>
+          </a:p>
+        </p:txBody>
+      </p:sp>
+    </p:spTree>
+    <p:extLst>
+      <p:ext uri="{BB962C8B-B14F-4D97-AF65-F5344CB8AC3E}">
+        <p14:creationId xmlns:p14="http://schemas.microsoft.com/office/powerpoint/2010/main" val="2911664354"/>
+      </p:ext>
+    </p:extLst>
+  </p:cSld>
+  <p:clrMapOvr>
+    <a:masterClrMapping/>
+  </p:clrMapOvr>
+</p:notes>
+</file>
+
+<file path=ppt/notesSlides/notesSlide4.xml><?xml version="1.0" encoding="utf-8"?>
+<p:notes xmlns:a="http://schemas.openxmlformats.org/drawingml/2006/main" xmlns:r="http://schemas.openxmlformats.org/officeDocument/2006/relationships" xmlns:p="http://schemas.openxmlformats.org/presentationml/2006/main">
+  <p:cSld>
+    <p:spTree>
+      <p:nvGrpSpPr>
+        <p:cNvPr id="1" name=""/>
+        <p:cNvGrpSpPr/>
+        <p:nvPr/>
+      </p:nvGrpSpPr>
+      <p:grpSpPr>
+        <a:xfrm>
+          <a:off x="0" y="0"/>
+          <a:ext cx="0" cy="0"/>
+          <a:chOff x="0" y="0"/>
+          <a:chExt cx="0" cy="0"/>
+        </a:xfrm>
+      </p:grpSpPr>
+      <p:sp>
+        <p:nvSpPr>
+          <p:cNvPr id="2" name="幻灯片图像占位符 1"/>
+          <p:cNvSpPr>
+            <a:spLocks noGrp="1" noRot="1" noChangeAspect="1"/>
+          </p:cNvSpPr>
+          <p:nvPr>
+            <p:ph type="sldImg"/>
+          </p:nvPr>
+        </p:nvSpPr>
+        <p:spPr/>
+      </p:sp>
+      <p:sp>
+        <p:nvSpPr>
+          <p:cNvPr id="3" name="备注占位符 2"/>
+          <p:cNvSpPr>
+            <a:spLocks noGrp="1"/>
+          </p:cNvSpPr>
+          <p:nvPr>
+            <p:ph type="body" idx="1"/>
+          </p:nvPr>
+        </p:nvSpPr>
+        <p:spPr/>
+        <p:txBody>
+          <a:bodyPr/>
+          <a:lstStyle/>
+          <a:p>
+            <a:r>
+              <a:rPr lang="en-US" altLang="zh-CN" dirty="0" err="1" smtClean="0"/>
+              <a:t>5.Manacher</a:t>
+            </a:r>
+            <a:r>
+              <a:rPr lang="en-US" altLang="zh-CN" dirty="0" smtClean="0"/>
+              <a:t>’ </a:t>
+            </a:r>
+            <a:r>
+              <a:rPr lang="en-US" altLang="zh-CN" dirty="0" smtClean="0"/>
+              <a:t>Algorithm general case</a:t>
+            </a:r>
+            <a:endParaRPr lang="zh-CN" altLang="en-US" dirty="0"/>
+          </a:p>
+        </p:txBody>
+      </p:sp>
+      <p:sp>
+        <p:nvSpPr>
+          <p:cNvPr id="4" name="灯片编号占位符 3"/>
+          <p:cNvSpPr>
+            <a:spLocks noGrp="1"/>
+          </p:cNvSpPr>
+          <p:nvPr>
+            <p:ph type="sldNum" sz="quarter" idx="10"/>
+          </p:nvPr>
+        </p:nvSpPr>
+        <p:spPr/>
+        <p:txBody>
+          <a:bodyPr/>
+          <a:lstStyle/>
+          <a:p>
+            <a:fld id="{CF20F747-D0EC-4FFA-AA8A-DD1B21173115}" type="slidenum">
+              <a:rPr lang="zh-CN" altLang="en-US" smtClean="0"/>
+              <a:t>13</a:t>
+            </a:fld>
+            <a:endParaRPr lang="zh-CN" altLang="en-US"/>
+          </a:p>
+        </p:txBody>
+      </p:sp>
+    </p:spTree>
+    <p:extLst>
+      <p:ext uri="{BB962C8B-B14F-4D97-AF65-F5344CB8AC3E}">
+        <p14:creationId xmlns:p14="http://schemas.microsoft.com/office/powerpoint/2010/main" val="312759770"/>
+      </p:ext>
+    </p:extLst>
+  </p:cSld>
+  <p:clrMapOvr>
+    <a:masterClrMapping/>
+  </p:clrMapOvr>
+</p:notes>
+</file>
+
+<file path=ppt/notesSlides/notesSlide5.xml><?xml version="1.0" encoding="utf-8"?>
+<p:notes xmlns:a="http://schemas.openxmlformats.org/drawingml/2006/main" xmlns:r="http://schemas.openxmlformats.org/officeDocument/2006/relationships" xmlns:p="http://schemas.openxmlformats.org/presentationml/2006/main">
+  <p:cSld>
+    <p:spTree>
+      <p:nvGrpSpPr>
+        <p:cNvPr id="1" name=""/>
+        <p:cNvGrpSpPr/>
+        <p:nvPr/>
+      </p:nvGrpSpPr>
+      <p:grpSpPr>
+        <a:xfrm>
+          <a:off x="0" y="0"/>
+          <a:ext cx="0" cy="0"/>
+          <a:chOff x="0" y="0"/>
+          <a:chExt cx="0" cy="0"/>
+        </a:xfrm>
+      </p:grpSpPr>
+      <p:sp>
+        <p:nvSpPr>
+          <p:cNvPr id="2" name="幻灯片图像占位符 1"/>
+          <p:cNvSpPr>
+            <a:spLocks noGrp="1" noRot="1" noChangeAspect="1"/>
+          </p:cNvSpPr>
+          <p:nvPr>
+            <p:ph type="sldImg"/>
+          </p:nvPr>
+        </p:nvSpPr>
+        <p:spPr/>
+      </p:sp>
+      <p:sp>
+        <p:nvSpPr>
+          <p:cNvPr id="3" name="备注占位符 2"/>
+          <p:cNvSpPr>
+            <a:spLocks noGrp="1"/>
+          </p:cNvSpPr>
+          <p:nvPr>
+            <p:ph type="body" idx="1"/>
+          </p:nvPr>
+        </p:nvSpPr>
+        <p:spPr/>
+        <p:txBody>
+          <a:bodyPr/>
+          <a:lstStyle/>
+          <a:p>
+            <a:r>
+              <a:rPr lang="en-US" altLang="zh-CN" dirty="0" err="1" smtClean="0"/>
+              <a:t>5.Manacher</a:t>
+            </a:r>
+            <a:r>
+              <a:rPr lang="en-US" altLang="zh-CN" dirty="0" smtClean="0"/>
+              <a:t>’ </a:t>
+            </a:r>
+            <a:r>
+              <a:rPr lang="en-US" altLang="zh-CN" dirty="0" smtClean="0"/>
+              <a:t>Algorithm  I &gt; mx</a:t>
+            </a:r>
+            <a:endParaRPr lang="zh-CN" altLang="en-US" dirty="0"/>
+          </a:p>
+        </p:txBody>
+      </p:sp>
+      <p:sp>
+        <p:nvSpPr>
+          <p:cNvPr id="4" name="灯片编号占位符 3"/>
+          <p:cNvSpPr>
+            <a:spLocks noGrp="1"/>
+          </p:cNvSpPr>
+          <p:nvPr>
+            <p:ph type="sldNum" sz="quarter" idx="10"/>
+          </p:nvPr>
+        </p:nvSpPr>
+        <p:spPr/>
+        <p:txBody>
+          <a:bodyPr/>
+          <a:lstStyle/>
+          <a:p>
+            <a:fld id="{CF20F747-D0EC-4FFA-AA8A-DD1B21173115}" type="slidenum">
+              <a:rPr lang="zh-CN" altLang="en-US" smtClean="0"/>
+              <a:t>14</a:t>
+            </a:fld>
+            <a:endParaRPr lang="zh-CN" altLang="en-US"/>
+          </a:p>
+        </p:txBody>
+      </p:sp>
+    </p:spTree>
+    <p:extLst>
+      <p:ext uri="{BB962C8B-B14F-4D97-AF65-F5344CB8AC3E}">
+        <p14:creationId xmlns:p14="http://schemas.microsoft.com/office/powerpoint/2010/main" val="317820694"/>
+      </p:ext>
+    </p:extLst>
+  </p:cSld>
+  <p:clrMapOvr>
+    <a:masterClrMapping/>
+  </p:clrMapOvr>
+</p:notes>
+</file>
+
+<file path=ppt/notesSlides/notesSlide6.xml><?xml version="1.0" encoding="utf-8"?>
+<p:notes xmlns:a="http://schemas.openxmlformats.org/drawingml/2006/main" xmlns:r="http://schemas.openxmlformats.org/officeDocument/2006/relationships" xmlns:p="http://schemas.openxmlformats.org/presentationml/2006/main">
+  <p:cSld>
+    <p:spTree>
+      <p:nvGrpSpPr>
+        <p:cNvPr id="1" name=""/>
+        <p:cNvGrpSpPr/>
+        <p:nvPr/>
+      </p:nvGrpSpPr>
+      <p:grpSpPr>
+        <a:xfrm>
+          <a:off x="0" y="0"/>
+          <a:ext cx="0" cy="0"/>
+          <a:chOff x="0" y="0"/>
+          <a:chExt cx="0" cy="0"/>
+        </a:xfrm>
+      </p:grpSpPr>
+      <p:sp>
+        <p:nvSpPr>
+          <p:cNvPr id="2" name="幻灯片图像占位符 1"/>
+          <p:cNvSpPr>
+            <a:spLocks noGrp="1" noRot="1" noChangeAspect="1"/>
+          </p:cNvSpPr>
+          <p:nvPr>
+            <p:ph type="sldImg"/>
+          </p:nvPr>
+        </p:nvSpPr>
+        <p:spPr/>
+      </p:sp>
+      <p:sp>
+        <p:nvSpPr>
+          <p:cNvPr id="3" name="备注占位符 2"/>
+          <p:cNvSpPr>
+            <a:spLocks noGrp="1"/>
+          </p:cNvSpPr>
+          <p:nvPr>
+            <p:ph type="body" idx="1"/>
+          </p:nvPr>
+        </p:nvSpPr>
+        <p:spPr/>
+        <p:txBody>
+          <a:bodyPr/>
+          <a:lstStyle/>
+          <a:p>
+            <a:r>
+              <a:rPr lang="en-US" altLang="zh-CN" dirty="0" err="1" smtClean="0"/>
+              <a:t>5.Manacher</a:t>
+            </a:r>
+            <a:r>
+              <a:rPr lang="en-US" altLang="zh-CN" dirty="0" smtClean="0"/>
+              <a:t>’ </a:t>
+            </a:r>
+            <a:r>
+              <a:rPr lang="en-US" altLang="zh-CN" dirty="0" smtClean="0"/>
+              <a:t>Algorithm  </a:t>
+            </a:r>
+            <a:r>
+              <a:rPr lang="en-US" altLang="zh-CN" dirty="0" err="1" smtClean="0"/>
+              <a:t>Ieft</a:t>
+            </a:r>
+            <a:r>
+              <a:rPr lang="en-US" altLang="zh-CN" dirty="0" smtClean="0"/>
+              <a:t> border</a:t>
+            </a:r>
+            <a:endParaRPr lang="zh-CN" altLang="en-US" dirty="0"/>
+          </a:p>
+        </p:txBody>
+      </p:sp>
+      <p:sp>
+        <p:nvSpPr>
+          <p:cNvPr id="4" name="灯片编号占位符 3"/>
+          <p:cNvSpPr>
+            <a:spLocks noGrp="1"/>
+          </p:cNvSpPr>
+          <p:nvPr>
+            <p:ph type="sldNum" sz="quarter" idx="10"/>
+          </p:nvPr>
+        </p:nvSpPr>
+        <p:spPr/>
+        <p:txBody>
+          <a:bodyPr/>
+          <a:lstStyle/>
+          <a:p>
+            <a:fld id="{CF20F747-D0EC-4FFA-AA8A-DD1B21173115}" type="slidenum">
+              <a:rPr lang="zh-CN" altLang="en-US" smtClean="0"/>
+              <a:t>15</a:t>
+            </a:fld>
+            <a:endParaRPr lang="zh-CN" altLang="en-US"/>
+          </a:p>
+        </p:txBody>
+      </p:sp>
+    </p:spTree>
+    <p:extLst>
+      <p:ext uri="{BB962C8B-B14F-4D97-AF65-F5344CB8AC3E}">
+        <p14:creationId xmlns:p14="http://schemas.microsoft.com/office/powerpoint/2010/main" val="2576532296"/>
+      </p:ext>
+    </p:extLst>
+  </p:cSld>
+  <p:clrMapOvr>
+    <a:masterClrMapping/>
+  </p:clrMapOvr>
+</p:notes>
+</file>
+
 <file path=ppt/slideLayouts/slideLayout1.xml><?xml version="1.0" encoding="utf-8"?>
 <p:sldLayout xmlns:a="http://schemas.openxmlformats.org/drawingml/2006/main" xmlns:r="http://schemas.openxmlformats.org/officeDocument/2006/relationships" xmlns:p="http://schemas.openxmlformats.org/presentationml/2006/main" type="title" preserve="1">
   <p:cSld name="标题幻灯片">
@@ -705,7 +1190,7 @@
           <a:p>
             <a:fld id="{B3314C4A-3350-458F-9222-11386146643F}" type="datetimeFigureOut">
               <a:rPr lang="zh-CN" altLang="en-US" smtClean="0"/>
-              <a:t>2020/5/10</a:t>
+              <a:t>2020/5/12</a:t>
             </a:fld>
             <a:endParaRPr lang="zh-CN" altLang="en-US"/>
           </a:p>
@@ -875,7 +1360,7 @@
           <a:p>
             <a:fld id="{B3314C4A-3350-458F-9222-11386146643F}" type="datetimeFigureOut">
               <a:rPr lang="zh-CN" altLang="en-US" smtClean="0"/>
-              <a:t>2020/5/10</a:t>
+              <a:t>2020/5/12</a:t>
             </a:fld>
             <a:endParaRPr lang="zh-CN" altLang="en-US"/>
           </a:p>
@@ -1055,7 +1540,7 @@
           <a:p>
             <a:fld id="{B3314C4A-3350-458F-9222-11386146643F}" type="datetimeFigureOut">
               <a:rPr lang="zh-CN" altLang="en-US" smtClean="0"/>
-              <a:t>2020/5/10</a:t>
+              <a:t>2020/5/12</a:t>
             </a:fld>
             <a:endParaRPr lang="zh-CN" altLang="en-US"/>
           </a:p>
@@ -1225,7 +1710,7 @@
           <a:p>
             <a:fld id="{B3314C4A-3350-458F-9222-11386146643F}" type="datetimeFigureOut">
               <a:rPr lang="zh-CN" altLang="en-US" smtClean="0"/>
-              <a:t>2020/5/10</a:t>
+              <a:t>2020/5/12</a:t>
             </a:fld>
             <a:endParaRPr lang="zh-CN" altLang="en-US"/>
           </a:p>
@@ -1471,7 +1956,7 @@
           <a:p>
             <a:fld id="{B3314C4A-3350-458F-9222-11386146643F}" type="datetimeFigureOut">
               <a:rPr lang="zh-CN" altLang="en-US" smtClean="0"/>
-              <a:t>2020/5/10</a:t>
+              <a:t>2020/5/12</a:t>
             </a:fld>
             <a:endParaRPr lang="zh-CN" altLang="en-US"/>
           </a:p>
@@ -1703,7 +2188,7 @@
           <a:p>
             <a:fld id="{B3314C4A-3350-458F-9222-11386146643F}" type="datetimeFigureOut">
               <a:rPr lang="zh-CN" altLang="en-US" smtClean="0"/>
-              <a:t>2020/5/10</a:t>
+              <a:t>2020/5/12</a:t>
             </a:fld>
             <a:endParaRPr lang="zh-CN" altLang="en-US"/>
           </a:p>
@@ -2070,7 +2555,7 @@
           <a:p>
             <a:fld id="{B3314C4A-3350-458F-9222-11386146643F}" type="datetimeFigureOut">
               <a:rPr lang="zh-CN" altLang="en-US" smtClean="0"/>
-              <a:t>2020/5/10</a:t>
+              <a:t>2020/5/12</a:t>
             </a:fld>
             <a:endParaRPr lang="zh-CN" altLang="en-US"/>
           </a:p>
@@ -2188,7 +2673,7 @@
           <a:p>
             <a:fld id="{B3314C4A-3350-458F-9222-11386146643F}" type="datetimeFigureOut">
               <a:rPr lang="zh-CN" altLang="en-US" smtClean="0"/>
-              <a:t>2020/5/10</a:t>
+              <a:t>2020/5/12</a:t>
             </a:fld>
             <a:endParaRPr lang="zh-CN" altLang="en-US"/>
           </a:p>
@@ -2283,7 +2768,7 @@
           <a:p>
             <a:fld id="{B3314C4A-3350-458F-9222-11386146643F}" type="datetimeFigureOut">
               <a:rPr lang="zh-CN" altLang="en-US" smtClean="0"/>
-              <a:t>2020/5/10</a:t>
+              <a:t>2020/5/12</a:t>
             </a:fld>
             <a:endParaRPr lang="zh-CN" altLang="en-US"/>
           </a:p>
@@ -2560,7 +3045,7 @@
           <a:p>
             <a:fld id="{B3314C4A-3350-458F-9222-11386146643F}" type="datetimeFigureOut">
               <a:rPr lang="zh-CN" altLang="en-US" smtClean="0"/>
-              <a:t>2020/5/10</a:t>
+              <a:t>2020/5/12</a:t>
             </a:fld>
             <a:endParaRPr lang="zh-CN" altLang="en-US"/>
           </a:p>
@@ -2813,7 +3298,7 @@
           <a:p>
             <a:fld id="{B3314C4A-3350-458F-9222-11386146643F}" type="datetimeFigureOut">
               <a:rPr lang="zh-CN" altLang="en-US" smtClean="0"/>
-              <a:t>2020/5/10</a:t>
+              <a:t>2020/5/12</a:t>
             </a:fld>
             <a:endParaRPr lang="zh-CN" altLang="en-US"/>
           </a:p>
@@ -3026,7 +3511,7 @@
           <a:p>
             <a:fld id="{B3314C4A-3350-458F-9222-11386146643F}" type="datetimeFigureOut">
               <a:rPr lang="zh-CN" altLang="en-US" smtClean="0"/>
-              <a:t>2020/5/10</a:t>
+              <a:t>2020/5/12</a:t>
             </a:fld>
             <a:endParaRPr lang="zh-CN" altLang="en-US"/>
           </a:p>
@@ -5150,6 +5635,7730 @@
     <p:extLst>
       <p:ext uri="{BB962C8B-B14F-4D97-AF65-F5344CB8AC3E}">
         <p14:creationId xmlns:p14="http://schemas.microsoft.com/office/powerpoint/2010/main" val="1546853615"/>
+      </p:ext>
+    </p:extLst>
+  </p:cSld>
+  <p:clrMapOvr>
+    <a:masterClrMapping/>
+  </p:clrMapOvr>
+</p:sld>
+</file>
+
+<file path=ppt/slides/slide11.xml><?xml version="1.0" encoding="utf-8"?>
+<p:sld xmlns:a="http://schemas.openxmlformats.org/drawingml/2006/main" xmlns:r="http://schemas.openxmlformats.org/officeDocument/2006/relationships" xmlns:p="http://schemas.openxmlformats.org/presentationml/2006/main">
+  <p:cSld>
+    <p:spTree>
+      <p:nvGrpSpPr>
+        <p:cNvPr id="1" name=""/>
+        <p:cNvGrpSpPr/>
+        <p:nvPr/>
+      </p:nvGrpSpPr>
+      <p:grpSpPr>
+        <a:xfrm>
+          <a:off x="0" y="0"/>
+          <a:ext cx="0" cy="0"/>
+          <a:chOff x="0" y="0"/>
+          <a:chExt cx="0" cy="0"/>
+        </a:xfrm>
+      </p:grpSpPr>
+      <p:graphicFrame>
+        <p:nvGraphicFramePr>
+          <p:cNvPr id="4" name="表格 3"/>
+          <p:cNvGraphicFramePr>
+            <a:graphicFrameLocks noGrp="1"/>
+          </p:cNvGraphicFramePr>
+          <p:nvPr>
+            <p:extLst>
+              <p:ext uri="{D42A27DB-BD31-4B8C-83A1-F6EECF244321}">
+                <p14:modId xmlns:p14="http://schemas.microsoft.com/office/powerpoint/2010/main" val="3353876037"/>
+              </p:ext>
+            </p:extLst>
+          </p:nvPr>
+        </p:nvGraphicFramePr>
+        <p:xfrm>
+          <a:off x="1961652" y="2010907"/>
+          <a:ext cx="8089128" cy="1414323"/>
+        </p:xfrm>
+        <a:graphic>
+          <a:graphicData uri="http://schemas.openxmlformats.org/drawingml/2006/table">
+            <a:tbl>
+              <a:tblPr firstRow="1" bandRow="1">
+                <a:tableStyleId>{5C22544A-7EE6-4342-B048-85BDC9FD1C3A}</a:tableStyleId>
+              </a:tblPr>
+              <a:tblGrid>
+                <a:gridCol w="449396">
+                  <a:extLst>
+                    <a:ext uri="{9D8B030D-6E8A-4147-A177-3AD203B41FA5}">
+                      <a16:colId xmlns:a16="http://schemas.microsoft.com/office/drawing/2014/main" val="2262083765"/>
+                    </a:ext>
+                  </a:extLst>
+                </a:gridCol>
+                <a:gridCol w="449396">
+                  <a:extLst>
+                    <a:ext uri="{9D8B030D-6E8A-4147-A177-3AD203B41FA5}">
+                      <a16:colId xmlns:a16="http://schemas.microsoft.com/office/drawing/2014/main" val="3449211832"/>
+                    </a:ext>
+                  </a:extLst>
+                </a:gridCol>
+                <a:gridCol w="449396">
+                  <a:extLst>
+                    <a:ext uri="{9D8B030D-6E8A-4147-A177-3AD203B41FA5}">
+                      <a16:colId xmlns:a16="http://schemas.microsoft.com/office/drawing/2014/main" val="667474760"/>
+                    </a:ext>
+                  </a:extLst>
+                </a:gridCol>
+                <a:gridCol w="449396">
+                  <a:extLst>
+                    <a:ext uri="{9D8B030D-6E8A-4147-A177-3AD203B41FA5}">
+                      <a16:colId xmlns:a16="http://schemas.microsoft.com/office/drawing/2014/main" val="1404427100"/>
+                    </a:ext>
+                  </a:extLst>
+                </a:gridCol>
+                <a:gridCol w="449396">
+                  <a:extLst>
+                    <a:ext uri="{9D8B030D-6E8A-4147-A177-3AD203B41FA5}">
+                      <a16:colId xmlns:a16="http://schemas.microsoft.com/office/drawing/2014/main" val="1016760090"/>
+                    </a:ext>
+                  </a:extLst>
+                </a:gridCol>
+                <a:gridCol w="449396">
+                  <a:extLst>
+                    <a:ext uri="{9D8B030D-6E8A-4147-A177-3AD203B41FA5}">
+                      <a16:colId xmlns:a16="http://schemas.microsoft.com/office/drawing/2014/main" val="2469141873"/>
+                    </a:ext>
+                  </a:extLst>
+                </a:gridCol>
+                <a:gridCol w="449396">
+                  <a:extLst>
+                    <a:ext uri="{9D8B030D-6E8A-4147-A177-3AD203B41FA5}">
+                      <a16:colId xmlns:a16="http://schemas.microsoft.com/office/drawing/2014/main" val="189228409"/>
+                    </a:ext>
+                  </a:extLst>
+                </a:gridCol>
+                <a:gridCol w="449396">
+                  <a:extLst>
+                    <a:ext uri="{9D8B030D-6E8A-4147-A177-3AD203B41FA5}">
+                      <a16:colId xmlns:a16="http://schemas.microsoft.com/office/drawing/2014/main" val="3798636356"/>
+                    </a:ext>
+                  </a:extLst>
+                </a:gridCol>
+                <a:gridCol w="449396">
+                  <a:extLst>
+                    <a:ext uri="{9D8B030D-6E8A-4147-A177-3AD203B41FA5}">
+                      <a16:colId xmlns:a16="http://schemas.microsoft.com/office/drawing/2014/main" val="2559778786"/>
+                    </a:ext>
+                  </a:extLst>
+                </a:gridCol>
+                <a:gridCol w="449396">
+                  <a:extLst>
+                    <a:ext uri="{9D8B030D-6E8A-4147-A177-3AD203B41FA5}">
+                      <a16:colId xmlns:a16="http://schemas.microsoft.com/office/drawing/2014/main" val="1605969564"/>
+                    </a:ext>
+                  </a:extLst>
+                </a:gridCol>
+                <a:gridCol w="449396">
+                  <a:extLst>
+                    <a:ext uri="{9D8B030D-6E8A-4147-A177-3AD203B41FA5}">
+                      <a16:colId xmlns:a16="http://schemas.microsoft.com/office/drawing/2014/main" val="2893669601"/>
+                    </a:ext>
+                  </a:extLst>
+                </a:gridCol>
+                <a:gridCol w="449396">
+                  <a:extLst>
+                    <a:ext uri="{9D8B030D-6E8A-4147-A177-3AD203B41FA5}">
+                      <a16:colId xmlns:a16="http://schemas.microsoft.com/office/drawing/2014/main" val="4275763972"/>
+                    </a:ext>
+                  </a:extLst>
+                </a:gridCol>
+                <a:gridCol w="449396">
+                  <a:extLst>
+                    <a:ext uri="{9D8B030D-6E8A-4147-A177-3AD203B41FA5}">
+                      <a16:colId xmlns:a16="http://schemas.microsoft.com/office/drawing/2014/main" val="3935391714"/>
+                    </a:ext>
+                  </a:extLst>
+                </a:gridCol>
+                <a:gridCol w="449396">
+                  <a:extLst>
+                    <a:ext uri="{9D8B030D-6E8A-4147-A177-3AD203B41FA5}">
+                      <a16:colId xmlns:a16="http://schemas.microsoft.com/office/drawing/2014/main" val="880765783"/>
+                    </a:ext>
+                  </a:extLst>
+                </a:gridCol>
+                <a:gridCol w="449396">
+                  <a:extLst>
+                    <a:ext uri="{9D8B030D-6E8A-4147-A177-3AD203B41FA5}">
+                      <a16:colId xmlns:a16="http://schemas.microsoft.com/office/drawing/2014/main" val="449402296"/>
+                    </a:ext>
+                  </a:extLst>
+                </a:gridCol>
+                <a:gridCol w="449396">
+                  <a:extLst>
+                    <a:ext uri="{9D8B030D-6E8A-4147-A177-3AD203B41FA5}">
+                      <a16:colId xmlns:a16="http://schemas.microsoft.com/office/drawing/2014/main" val="580481147"/>
+                    </a:ext>
+                  </a:extLst>
+                </a:gridCol>
+                <a:gridCol w="449396">
+                  <a:extLst>
+                    <a:ext uri="{9D8B030D-6E8A-4147-A177-3AD203B41FA5}">
+                      <a16:colId xmlns:a16="http://schemas.microsoft.com/office/drawing/2014/main" val="350929362"/>
+                    </a:ext>
+                  </a:extLst>
+                </a:gridCol>
+                <a:gridCol w="449396">
+                  <a:extLst>
+                    <a:ext uri="{9D8B030D-6E8A-4147-A177-3AD203B41FA5}">
+                      <a16:colId xmlns:a16="http://schemas.microsoft.com/office/drawing/2014/main" val="3587195927"/>
+                    </a:ext>
+                  </a:extLst>
+                </a:gridCol>
+              </a:tblGrid>
+              <a:tr h="471441">
+                <a:tc>
+                  <a:txBody>
+                    <a:bodyPr/>
+                    <a:lstStyle/>
+                    <a:p>
+                      <a:pPr algn="ctr"/>
+                      <a:r>
+                        <a:rPr lang="en-US" altLang="zh-CN" b="1" dirty="0" smtClean="0"/>
+                        <a:t>i</a:t>
+                      </a:r>
+                      <a:endParaRPr lang="zh-CN" altLang="en-US" b="1" dirty="0"/>
+                    </a:p>
+                  </a:txBody>
+                  <a:tcPr anchor="ctr"/>
+                </a:tc>
+                <a:tc>
+                  <a:txBody>
+                    <a:bodyPr/>
+                    <a:lstStyle/>
+                    <a:p>
+                      <a:pPr algn="ctr"/>
+                      <a:r>
+                        <a:rPr lang="en-US" altLang="zh-CN" b="1" dirty="0" smtClean="0"/>
+                        <a:t>0</a:t>
+                      </a:r>
+                      <a:endParaRPr lang="zh-CN" altLang="en-US" b="1" dirty="0"/>
+                    </a:p>
+                  </a:txBody>
+                  <a:tcPr anchor="ctr"/>
+                </a:tc>
+                <a:tc>
+                  <a:txBody>
+                    <a:bodyPr/>
+                    <a:lstStyle/>
+                    <a:p>
+                      <a:pPr algn="ctr"/>
+                      <a:r>
+                        <a:rPr lang="en-US" altLang="zh-CN" b="1" dirty="0" smtClean="0"/>
+                        <a:t>1</a:t>
+                      </a:r>
+                      <a:endParaRPr lang="zh-CN" altLang="en-US" b="1" dirty="0"/>
+                    </a:p>
+                  </a:txBody>
+                  <a:tcPr anchor="ctr"/>
+                </a:tc>
+                <a:tc>
+                  <a:txBody>
+                    <a:bodyPr/>
+                    <a:lstStyle/>
+                    <a:p>
+                      <a:pPr algn="ctr"/>
+                      <a:r>
+                        <a:rPr lang="en-US" altLang="zh-CN" b="1" dirty="0" smtClean="0"/>
+                        <a:t>2</a:t>
+                      </a:r>
+                      <a:endParaRPr lang="zh-CN" altLang="en-US" b="1" dirty="0"/>
+                    </a:p>
+                  </a:txBody>
+                  <a:tcPr anchor="ctr"/>
+                </a:tc>
+                <a:tc>
+                  <a:txBody>
+                    <a:bodyPr/>
+                    <a:lstStyle/>
+                    <a:p>
+                      <a:pPr algn="ctr"/>
+                      <a:r>
+                        <a:rPr lang="en-US" altLang="zh-CN" b="1" dirty="0" smtClean="0"/>
+                        <a:t>3</a:t>
+                      </a:r>
+                      <a:endParaRPr lang="zh-CN" altLang="en-US" b="1" dirty="0"/>
+                    </a:p>
+                  </a:txBody>
+                  <a:tcPr anchor="ctr"/>
+                </a:tc>
+                <a:tc>
+                  <a:txBody>
+                    <a:bodyPr/>
+                    <a:lstStyle/>
+                    <a:p>
+                      <a:pPr algn="ctr"/>
+                      <a:r>
+                        <a:rPr lang="en-US" altLang="zh-CN" b="1" dirty="0" smtClean="0"/>
+                        <a:t>4</a:t>
+                      </a:r>
+                      <a:endParaRPr lang="zh-CN" altLang="en-US" b="1" dirty="0"/>
+                    </a:p>
+                  </a:txBody>
+                  <a:tcPr anchor="ctr"/>
+                </a:tc>
+                <a:tc>
+                  <a:txBody>
+                    <a:bodyPr/>
+                    <a:lstStyle/>
+                    <a:p>
+                      <a:pPr algn="ctr"/>
+                      <a:r>
+                        <a:rPr lang="en-US" altLang="zh-CN" b="1" dirty="0" smtClean="0"/>
+                        <a:t>5</a:t>
+                      </a:r>
+                      <a:endParaRPr lang="zh-CN" altLang="en-US" b="1" dirty="0"/>
+                    </a:p>
+                  </a:txBody>
+                  <a:tcPr anchor="ctr"/>
+                </a:tc>
+                <a:tc>
+                  <a:txBody>
+                    <a:bodyPr/>
+                    <a:lstStyle/>
+                    <a:p>
+                      <a:pPr algn="ctr"/>
+                      <a:r>
+                        <a:rPr lang="en-US" altLang="zh-CN" b="1" dirty="0" smtClean="0"/>
+                        <a:t>6</a:t>
+                      </a:r>
+                      <a:endParaRPr lang="zh-CN" altLang="en-US" b="1" dirty="0"/>
+                    </a:p>
+                  </a:txBody>
+                  <a:tcPr anchor="ctr"/>
+                </a:tc>
+                <a:tc>
+                  <a:txBody>
+                    <a:bodyPr/>
+                    <a:lstStyle/>
+                    <a:p>
+                      <a:pPr algn="ctr"/>
+                      <a:r>
+                        <a:rPr lang="en-US" altLang="zh-CN" b="1" dirty="0" smtClean="0"/>
+                        <a:t>7</a:t>
+                      </a:r>
+                      <a:endParaRPr lang="zh-CN" altLang="en-US" b="1" dirty="0"/>
+                    </a:p>
+                  </a:txBody>
+                  <a:tcPr anchor="ctr"/>
+                </a:tc>
+                <a:tc>
+                  <a:txBody>
+                    <a:bodyPr/>
+                    <a:lstStyle/>
+                    <a:p>
+                      <a:pPr algn="ctr"/>
+                      <a:r>
+                        <a:rPr lang="en-US" altLang="zh-CN" b="1" dirty="0" smtClean="0"/>
+                        <a:t>8</a:t>
+                      </a:r>
+                      <a:endParaRPr lang="zh-CN" altLang="en-US" b="1" dirty="0"/>
+                    </a:p>
+                  </a:txBody>
+                  <a:tcPr anchor="ctr"/>
+                </a:tc>
+                <a:tc>
+                  <a:txBody>
+                    <a:bodyPr/>
+                    <a:lstStyle/>
+                    <a:p>
+                      <a:pPr algn="ctr"/>
+                      <a:r>
+                        <a:rPr lang="en-US" altLang="zh-CN" b="1" dirty="0" smtClean="0"/>
+                        <a:t>9</a:t>
+                      </a:r>
+                      <a:endParaRPr lang="zh-CN" altLang="en-US" b="1" dirty="0"/>
+                    </a:p>
+                  </a:txBody>
+                  <a:tcPr anchor="ctr"/>
+                </a:tc>
+                <a:tc>
+                  <a:txBody>
+                    <a:bodyPr/>
+                    <a:lstStyle/>
+                    <a:p>
+                      <a:pPr algn="ctr"/>
+                      <a:r>
+                        <a:rPr lang="en-US" altLang="zh-CN" b="1" dirty="0" smtClean="0"/>
+                        <a:t>10</a:t>
+                      </a:r>
+                      <a:endParaRPr lang="zh-CN" altLang="en-US" b="1" dirty="0"/>
+                    </a:p>
+                  </a:txBody>
+                  <a:tcPr anchor="ctr"/>
+                </a:tc>
+                <a:tc>
+                  <a:txBody>
+                    <a:bodyPr/>
+                    <a:lstStyle/>
+                    <a:p>
+                      <a:pPr algn="ctr"/>
+                      <a:r>
+                        <a:rPr lang="en-US" altLang="zh-CN" b="1" dirty="0" smtClean="0"/>
+                        <a:t>11</a:t>
+                      </a:r>
+                      <a:endParaRPr lang="zh-CN" altLang="en-US" b="1" dirty="0"/>
+                    </a:p>
+                  </a:txBody>
+                  <a:tcPr anchor="ctr"/>
+                </a:tc>
+                <a:tc>
+                  <a:txBody>
+                    <a:bodyPr/>
+                    <a:lstStyle/>
+                    <a:p>
+                      <a:pPr algn="ctr"/>
+                      <a:r>
+                        <a:rPr lang="en-US" altLang="zh-CN" b="1" dirty="0" smtClean="0"/>
+                        <a:t>12</a:t>
+                      </a:r>
+                      <a:endParaRPr lang="zh-CN" altLang="en-US" b="1" dirty="0"/>
+                    </a:p>
+                  </a:txBody>
+                  <a:tcPr anchor="ctr"/>
+                </a:tc>
+                <a:tc>
+                  <a:txBody>
+                    <a:bodyPr/>
+                    <a:lstStyle/>
+                    <a:p>
+                      <a:pPr algn="ctr"/>
+                      <a:r>
+                        <a:rPr lang="en-US" altLang="zh-CN" b="1" dirty="0" smtClean="0"/>
+                        <a:t>13</a:t>
+                      </a:r>
+                      <a:endParaRPr lang="zh-CN" altLang="en-US" b="1" dirty="0"/>
+                    </a:p>
+                  </a:txBody>
+                  <a:tcPr anchor="ctr"/>
+                </a:tc>
+                <a:tc>
+                  <a:txBody>
+                    <a:bodyPr/>
+                    <a:lstStyle/>
+                    <a:p>
+                      <a:pPr algn="ctr"/>
+                      <a:r>
+                        <a:rPr lang="en-US" altLang="zh-CN" b="1" dirty="0" smtClean="0"/>
+                        <a:t>14</a:t>
+                      </a:r>
+                      <a:endParaRPr lang="zh-CN" altLang="en-US" b="1" dirty="0"/>
+                    </a:p>
+                  </a:txBody>
+                  <a:tcPr anchor="ctr"/>
+                </a:tc>
+                <a:tc>
+                  <a:txBody>
+                    <a:bodyPr/>
+                    <a:lstStyle/>
+                    <a:p>
+                      <a:pPr algn="ctr"/>
+                      <a:r>
+                        <a:rPr lang="en-US" altLang="zh-CN" b="1" dirty="0" smtClean="0"/>
+                        <a:t>15</a:t>
+                      </a:r>
+                      <a:endParaRPr lang="zh-CN" altLang="en-US" b="1" dirty="0"/>
+                    </a:p>
+                  </a:txBody>
+                  <a:tcPr anchor="ctr"/>
+                </a:tc>
+                <a:tc>
+                  <a:txBody>
+                    <a:bodyPr/>
+                    <a:lstStyle/>
+                    <a:p>
+                      <a:pPr algn="ctr"/>
+                      <a:r>
+                        <a:rPr lang="en-US" altLang="zh-CN" b="1" dirty="0" smtClean="0"/>
+                        <a:t>16</a:t>
+                      </a:r>
+                      <a:endParaRPr lang="zh-CN" altLang="en-US" b="1" dirty="0"/>
+                    </a:p>
+                  </a:txBody>
+                  <a:tcPr anchor="ctr"/>
+                </a:tc>
+                <a:extLst>
+                  <a:ext uri="{0D108BD9-81ED-4DB2-BD59-A6C34878D82A}">
+                    <a16:rowId xmlns:a16="http://schemas.microsoft.com/office/drawing/2014/main" val="2987790500"/>
+                  </a:ext>
+                </a:extLst>
+              </a:tr>
+              <a:tr h="471441">
+                <a:tc>
+                  <a:txBody>
+                    <a:bodyPr/>
+                    <a:lstStyle/>
+                    <a:p>
+                      <a:pPr algn="ctr"/>
+                      <a:r>
+                        <a:rPr lang="en-US" altLang="zh-CN" b="1" dirty="0" smtClean="0"/>
+                        <a:t>T</a:t>
+                      </a:r>
+                      <a:endParaRPr lang="zh-CN" altLang="en-US" b="1" dirty="0"/>
+                    </a:p>
+                  </a:txBody>
+                  <a:tcPr anchor="ctr"/>
+                </a:tc>
+                <a:tc>
+                  <a:txBody>
+                    <a:bodyPr/>
+                    <a:lstStyle/>
+                    <a:p>
+                      <a:pPr algn="ctr"/>
+                      <a:r>
+                        <a:rPr lang="en-US" altLang="zh-CN" b="1" dirty="0" smtClean="0"/>
+                        <a:t>#</a:t>
+                      </a:r>
+                      <a:endParaRPr lang="zh-CN" altLang="en-US" b="1" dirty="0"/>
+                    </a:p>
+                  </a:txBody>
+                  <a:tcPr anchor="ctr"/>
+                </a:tc>
+                <a:tc>
+                  <a:txBody>
+                    <a:bodyPr/>
+                    <a:lstStyle/>
+                    <a:p>
+                      <a:pPr algn="ctr"/>
+                      <a:r>
+                        <a:rPr lang="en-US" altLang="zh-CN" b="1" dirty="0" smtClean="0"/>
+                        <a:t>c</a:t>
+                      </a:r>
+                      <a:endParaRPr lang="zh-CN" altLang="en-US" b="1" dirty="0"/>
+                    </a:p>
+                  </a:txBody>
+                  <a:tcPr anchor="ctr"/>
+                </a:tc>
+                <a:tc>
+                  <a:txBody>
+                    <a:bodyPr/>
+                    <a:lstStyle/>
+                    <a:p>
+                      <a:pPr algn="ctr"/>
+                      <a:r>
+                        <a:rPr lang="en-US" altLang="zh-CN" b="1" dirty="0" smtClean="0"/>
+                        <a:t>#</a:t>
+                      </a:r>
+                      <a:endParaRPr lang="zh-CN" altLang="en-US" b="1" dirty="0"/>
+                    </a:p>
+                  </a:txBody>
+                  <a:tcPr anchor="ctr"/>
+                </a:tc>
+                <a:tc>
+                  <a:txBody>
+                    <a:bodyPr/>
+                    <a:lstStyle/>
+                    <a:p>
+                      <a:pPr algn="ctr"/>
+                      <a:r>
+                        <a:rPr lang="en-US" altLang="zh-CN" b="1" dirty="0" smtClean="0"/>
+                        <a:t>b</a:t>
+                      </a:r>
+                      <a:endParaRPr lang="zh-CN" altLang="en-US" b="1" dirty="0"/>
+                    </a:p>
+                  </a:txBody>
+                  <a:tcPr anchor="ctr"/>
+                </a:tc>
+                <a:tc>
+                  <a:txBody>
+                    <a:bodyPr/>
+                    <a:lstStyle/>
+                    <a:p>
+                      <a:pPr algn="ctr"/>
+                      <a:r>
+                        <a:rPr lang="en-US" altLang="zh-CN" b="1" dirty="0" smtClean="0"/>
+                        <a:t>#</a:t>
+                      </a:r>
+                      <a:endParaRPr lang="zh-CN" altLang="en-US" b="1" dirty="0"/>
+                    </a:p>
+                  </a:txBody>
+                  <a:tcPr anchor="ctr"/>
+                </a:tc>
+                <a:tc>
+                  <a:txBody>
+                    <a:bodyPr/>
+                    <a:lstStyle/>
+                    <a:p>
+                      <a:pPr algn="ctr"/>
+                      <a:r>
+                        <a:rPr lang="en-US" altLang="zh-CN" b="1" dirty="0" smtClean="0"/>
+                        <a:t>b</a:t>
+                      </a:r>
+                      <a:endParaRPr lang="zh-CN" altLang="en-US" b="1" dirty="0"/>
+                    </a:p>
+                  </a:txBody>
+                  <a:tcPr anchor="ctr"/>
+                </a:tc>
+                <a:tc>
+                  <a:txBody>
+                    <a:bodyPr/>
+                    <a:lstStyle/>
+                    <a:p>
+                      <a:pPr algn="ctr"/>
+                      <a:r>
+                        <a:rPr lang="en-US" altLang="zh-CN" b="1" dirty="0" smtClean="0"/>
+                        <a:t>#</a:t>
+                      </a:r>
+                      <a:endParaRPr lang="zh-CN" altLang="en-US" b="1" dirty="0"/>
+                    </a:p>
+                  </a:txBody>
+                  <a:tcPr anchor="ctr"/>
+                </a:tc>
+                <a:tc>
+                  <a:txBody>
+                    <a:bodyPr/>
+                    <a:lstStyle/>
+                    <a:p>
+                      <a:pPr algn="ctr"/>
+                      <a:r>
+                        <a:rPr lang="en-US" altLang="zh-CN" b="1" dirty="0" smtClean="0"/>
+                        <a:t>c</a:t>
+                      </a:r>
+                      <a:endParaRPr lang="zh-CN" altLang="en-US" b="1" dirty="0"/>
+                    </a:p>
+                  </a:txBody>
+                  <a:tcPr anchor="ctr"/>
+                </a:tc>
+                <a:tc>
+                  <a:txBody>
+                    <a:bodyPr/>
+                    <a:lstStyle/>
+                    <a:p>
+                      <a:pPr algn="ctr"/>
+                      <a:r>
+                        <a:rPr lang="en-US" altLang="zh-CN" b="1" dirty="0" smtClean="0"/>
+                        <a:t>#</a:t>
+                      </a:r>
+                      <a:endParaRPr lang="zh-CN" altLang="en-US" b="1" dirty="0"/>
+                    </a:p>
+                  </a:txBody>
+                  <a:tcPr anchor="ctr"/>
+                </a:tc>
+                <a:tc>
+                  <a:txBody>
+                    <a:bodyPr/>
+                    <a:lstStyle/>
+                    <a:p>
+                      <a:pPr algn="ctr"/>
+                      <a:r>
+                        <a:rPr lang="en-US" altLang="zh-CN" b="1" dirty="0" smtClean="0"/>
+                        <a:t>d</a:t>
+                      </a:r>
+                      <a:endParaRPr lang="zh-CN" altLang="en-US" b="1" dirty="0"/>
+                    </a:p>
+                  </a:txBody>
+                  <a:tcPr anchor="ctr"/>
+                </a:tc>
+                <a:tc>
+                  <a:txBody>
+                    <a:bodyPr/>
+                    <a:lstStyle/>
+                    <a:p>
+                      <a:pPr algn="ctr"/>
+                      <a:r>
+                        <a:rPr lang="en-US" altLang="zh-CN" b="1" dirty="0" smtClean="0"/>
+                        <a:t>#</a:t>
+                      </a:r>
+                      <a:endParaRPr lang="zh-CN" altLang="en-US" b="1" dirty="0"/>
+                    </a:p>
+                  </a:txBody>
+                  <a:tcPr anchor="ctr"/>
+                </a:tc>
+                <a:tc>
+                  <a:txBody>
+                    <a:bodyPr/>
+                    <a:lstStyle/>
+                    <a:p>
+                      <a:pPr algn="ctr"/>
+                      <a:r>
+                        <a:rPr lang="en-US" altLang="zh-CN" b="1" dirty="0" smtClean="0"/>
+                        <a:t>a</a:t>
+                      </a:r>
+                      <a:endParaRPr lang="zh-CN" altLang="en-US" b="1" dirty="0"/>
+                    </a:p>
+                  </a:txBody>
+                  <a:tcPr anchor="ctr"/>
+                </a:tc>
+                <a:tc>
+                  <a:txBody>
+                    <a:bodyPr/>
+                    <a:lstStyle/>
+                    <a:p>
+                      <a:pPr algn="ctr"/>
+                      <a:r>
+                        <a:rPr lang="en-US" altLang="zh-CN" b="1" dirty="0" smtClean="0"/>
+                        <a:t>#</a:t>
+                      </a:r>
+                      <a:endParaRPr lang="zh-CN" altLang="en-US" b="1" dirty="0"/>
+                    </a:p>
+                  </a:txBody>
+                  <a:tcPr anchor="ctr"/>
+                </a:tc>
+                <a:tc>
+                  <a:txBody>
+                    <a:bodyPr/>
+                    <a:lstStyle/>
+                    <a:p>
+                      <a:pPr algn="ctr"/>
+                      <a:r>
+                        <a:rPr lang="en-US" altLang="zh-CN" b="1" dirty="0" smtClean="0"/>
+                        <a:t>b</a:t>
+                      </a:r>
+                      <a:endParaRPr lang="zh-CN" altLang="en-US" b="1" dirty="0"/>
+                    </a:p>
+                  </a:txBody>
+                  <a:tcPr anchor="ctr"/>
+                </a:tc>
+                <a:tc>
+                  <a:txBody>
+                    <a:bodyPr/>
+                    <a:lstStyle/>
+                    <a:p>
+                      <a:pPr algn="ctr"/>
+                      <a:r>
+                        <a:rPr lang="en-US" altLang="zh-CN" b="1" dirty="0" smtClean="0"/>
+                        <a:t>#</a:t>
+                      </a:r>
+                      <a:endParaRPr lang="zh-CN" altLang="en-US" b="1" dirty="0"/>
+                    </a:p>
+                  </a:txBody>
+                  <a:tcPr anchor="ctr"/>
+                </a:tc>
+                <a:tc>
+                  <a:txBody>
+                    <a:bodyPr/>
+                    <a:lstStyle/>
+                    <a:p>
+                      <a:pPr algn="ctr"/>
+                      <a:r>
+                        <a:rPr lang="en-US" altLang="zh-CN" b="1" dirty="0" smtClean="0"/>
+                        <a:t>a</a:t>
+                      </a:r>
+                      <a:endParaRPr lang="zh-CN" altLang="en-US" b="1" dirty="0"/>
+                    </a:p>
+                  </a:txBody>
+                  <a:tcPr anchor="ctr"/>
+                </a:tc>
+                <a:tc>
+                  <a:txBody>
+                    <a:bodyPr/>
+                    <a:lstStyle/>
+                    <a:p>
+                      <a:pPr algn="ctr"/>
+                      <a:r>
+                        <a:rPr lang="en-US" altLang="zh-CN" b="1" dirty="0" smtClean="0"/>
+                        <a:t>#</a:t>
+                      </a:r>
+                      <a:endParaRPr lang="zh-CN" altLang="en-US" b="1" dirty="0"/>
+                    </a:p>
+                  </a:txBody>
+                  <a:tcPr anchor="ctr"/>
+                </a:tc>
+                <a:extLst>
+                  <a:ext uri="{0D108BD9-81ED-4DB2-BD59-A6C34878D82A}">
+                    <a16:rowId xmlns:a16="http://schemas.microsoft.com/office/drawing/2014/main" val="3145686698"/>
+                  </a:ext>
+                </a:extLst>
+              </a:tr>
+              <a:tr h="471441">
+                <a:tc>
+                  <a:txBody>
+                    <a:bodyPr/>
+                    <a:lstStyle/>
+                    <a:p>
+                      <a:pPr algn="ctr"/>
+                      <a:r>
+                        <a:rPr lang="en-US" altLang="zh-CN" b="1" dirty="0" smtClean="0"/>
+                        <a:t>P</a:t>
+                      </a:r>
+                      <a:endParaRPr lang="zh-CN" altLang="en-US" b="1" dirty="0"/>
+                    </a:p>
+                  </a:txBody>
+                  <a:tcPr anchor="ctr"/>
+                </a:tc>
+                <a:tc>
+                  <a:txBody>
+                    <a:bodyPr/>
+                    <a:lstStyle/>
+                    <a:p>
+                      <a:pPr algn="ctr"/>
+                      <a:r>
+                        <a:rPr lang="en-US" altLang="zh-CN" b="1" dirty="0" smtClean="0"/>
+                        <a:t>1</a:t>
+                      </a:r>
+                      <a:endParaRPr lang="zh-CN" altLang="en-US" b="1" dirty="0"/>
+                    </a:p>
+                  </a:txBody>
+                  <a:tcPr anchor="ctr"/>
+                </a:tc>
+                <a:tc>
+                  <a:txBody>
+                    <a:bodyPr/>
+                    <a:lstStyle/>
+                    <a:p>
+                      <a:pPr algn="ctr"/>
+                      <a:r>
+                        <a:rPr lang="en-US" altLang="zh-CN" b="1" dirty="0" smtClean="0"/>
+                        <a:t>2</a:t>
+                      </a:r>
+                      <a:endParaRPr lang="zh-CN" altLang="en-US" b="1" dirty="0"/>
+                    </a:p>
+                  </a:txBody>
+                  <a:tcPr anchor="ctr"/>
+                </a:tc>
+                <a:tc>
+                  <a:txBody>
+                    <a:bodyPr/>
+                    <a:lstStyle/>
+                    <a:p>
+                      <a:pPr algn="ctr"/>
+                      <a:r>
+                        <a:rPr lang="en-US" altLang="zh-CN" b="1" dirty="0" smtClean="0"/>
+                        <a:t>1</a:t>
+                      </a:r>
+                      <a:endParaRPr lang="zh-CN" altLang="en-US" b="1" dirty="0"/>
+                    </a:p>
+                  </a:txBody>
+                  <a:tcPr anchor="ctr"/>
+                </a:tc>
+                <a:tc>
+                  <a:txBody>
+                    <a:bodyPr/>
+                    <a:lstStyle/>
+                    <a:p>
+                      <a:pPr algn="ctr"/>
+                      <a:r>
+                        <a:rPr lang="en-US" altLang="zh-CN" b="1" dirty="0" smtClean="0"/>
+                        <a:t>2</a:t>
+                      </a:r>
+                      <a:endParaRPr lang="zh-CN" altLang="en-US" b="1" dirty="0"/>
+                    </a:p>
+                  </a:txBody>
+                  <a:tcPr anchor="ctr"/>
+                </a:tc>
+                <a:tc>
+                  <a:txBody>
+                    <a:bodyPr/>
+                    <a:lstStyle/>
+                    <a:p>
+                      <a:pPr algn="ctr"/>
+                      <a:r>
+                        <a:rPr lang="en-US" altLang="zh-CN" b="1" dirty="0" smtClean="0"/>
+                        <a:t>5</a:t>
+                      </a:r>
+                      <a:endParaRPr lang="zh-CN" altLang="en-US" b="1" dirty="0"/>
+                    </a:p>
+                  </a:txBody>
+                  <a:tcPr anchor="ctr"/>
+                </a:tc>
+                <a:tc>
+                  <a:txBody>
+                    <a:bodyPr/>
+                    <a:lstStyle/>
+                    <a:p>
+                      <a:pPr algn="ctr"/>
+                      <a:r>
+                        <a:rPr lang="en-US" altLang="zh-CN" b="1" dirty="0" smtClean="0"/>
+                        <a:t>2</a:t>
+                      </a:r>
+                      <a:endParaRPr lang="zh-CN" altLang="en-US" b="1" dirty="0"/>
+                    </a:p>
+                  </a:txBody>
+                  <a:tcPr anchor="ctr"/>
+                </a:tc>
+                <a:tc>
+                  <a:txBody>
+                    <a:bodyPr/>
+                    <a:lstStyle/>
+                    <a:p>
+                      <a:pPr algn="ctr"/>
+                      <a:r>
+                        <a:rPr lang="en-US" altLang="zh-CN" b="1" dirty="0" smtClean="0"/>
+                        <a:t>1</a:t>
+                      </a:r>
+                      <a:endParaRPr lang="zh-CN" altLang="en-US" b="1" dirty="0"/>
+                    </a:p>
+                  </a:txBody>
+                  <a:tcPr anchor="ctr"/>
+                </a:tc>
+                <a:tc>
+                  <a:txBody>
+                    <a:bodyPr/>
+                    <a:lstStyle/>
+                    <a:p>
+                      <a:pPr algn="ctr"/>
+                      <a:r>
+                        <a:rPr lang="en-US" altLang="zh-CN" b="1" dirty="0" smtClean="0"/>
+                        <a:t>2</a:t>
+                      </a:r>
+                      <a:endParaRPr lang="zh-CN" altLang="en-US" b="1" dirty="0"/>
+                    </a:p>
+                  </a:txBody>
+                  <a:tcPr anchor="ctr"/>
+                </a:tc>
+                <a:tc>
+                  <a:txBody>
+                    <a:bodyPr/>
+                    <a:lstStyle/>
+                    <a:p>
+                      <a:pPr algn="ctr"/>
+                      <a:r>
+                        <a:rPr lang="en-US" altLang="zh-CN" b="1" dirty="0" smtClean="0"/>
+                        <a:t>1</a:t>
+                      </a:r>
+                      <a:endParaRPr lang="zh-CN" altLang="en-US" b="1" dirty="0"/>
+                    </a:p>
+                  </a:txBody>
+                  <a:tcPr anchor="ctr"/>
+                </a:tc>
+                <a:tc>
+                  <a:txBody>
+                    <a:bodyPr/>
+                    <a:lstStyle/>
+                    <a:p>
+                      <a:pPr algn="ctr"/>
+                      <a:r>
+                        <a:rPr lang="en-US" altLang="zh-CN" b="1" dirty="0" smtClean="0"/>
+                        <a:t>2</a:t>
+                      </a:r>
+                      <a:endParaRPr lang="zh-CN" altLang="en-US" b="1" dirty="0"/>
+                    </a:p>
+                  </a:txBody>
+                  <a:tcPr anchor="ctr"/>
+                </a:tc>
+                <a:tc>
+                  <a:txBody>
+                    <a:bodyPr/>
+                    <a:lstStyle/>
+                    <a:p>
+                      <a:pPr algn="ctr"/>
+                      <a:r>
+                        <a:rPr lang="en-US" altLang="zh-CN" b="1" dirty="0" smtClean="0"/>
+                        <a:t>1</a:t>
+                      </a:r>
+                      <a:endParaRPr lang="zh-CN" altLang="en-US" b="1" dirty="0"/>
+                    </a:p>
+                  </a:txBody>
+                  <a:tcPr anchor="ctr"/>
+                </a:tc>
+                <a:tc>
+                  <a:txBody>
+                    <a:bodyPr/>
+                    <a:lstStyle/>
+                    <a:p>
+                      <a:pPr algn="ctr"/>
+                      <a:r>
+                        <a:rPr lang="en-US" altLang="zh-CN" b="1" dirty="0" smtClean="0"/>
+                        <a:t>2</a:t>
+                      </a:r>
+                      <a:endParaRPr lang="zh-CN" altLang="en-US" b="1" dirty="0"/>
+                    </a:p>
+                  </a:txBody>
+                  <a:tcPr anchor="ctr"/>
+                </a:tc>
+                <a:tc>
+                  <a:txBody>
+                    <a:bodyPr/>
+                    <a:lstStyle/>
+                    <a:p>
+                      <a:pPr algn="ctr"/>
+                      <a:r>
+                        <a:rPr lang="en-US" altLang="zh-CN" b="1" dirty="0" smtClean="0"/>
+                        <a:t>1</a:t>
+                      </a:r>
+                      <a:endParaRPr lang="zh-CN" altLang="en-US" b="1" dirty="0"/>
+                    </a:p>
+                  </a:txBody>
+                  <a:tcPr anchor="ctr"/>
+                </a:tc>
+                <a:tc>
+                  <a:txBody>
+                    <a:bodyPr/>
+                    <a:lstStyle/>
+                    <a:p>
+                      <a:pPr algn="ctr"/>
+                      <a:r>
+                        <a:rPr lang="en-US" altLang="zh-CN" b="1" dirty="0" smtClean="0"/>
+                        <a:t>4</a:t>
+                      </a:r>
+                      <a:endParaRPr lang="zh-CN" altLang="en-US" b="1" dirty="0"/>
+                    </a:p>
+                  </a:txBody>
+                  <a:tcPr anchor="ctr"/>
+                </a:tc>
+                <a:tc>
+                  <a:txBody>
+                    <a:bodyPr/>
+                    <a:lstStyle/>
+                    <a:p>
+                      <a:pPr algn="ctr"/>
+                      <a:r>
+                        <a:rPr lang="en-US" altLang="zh-CN" b="1" dirty="0" smtClean="0"/>
+                        <a:t>1</a:t>
+                      </a:r>
+                      <a:endParaRPr lang="zh-CN" altLang="en-US" b="1" dirty="0"/>
+                    </a:p>
+                  </a:txBody>
+                  <a:tcPr anchor="ctr"/>
+                </a:tc>
+                <a:tc>
+                  <a:txBody>
+                    <a:bodyPr/>
+                    <a:lstStyle/>
+                    <a:p>
+                      <a:pPr algn="ctr"/>
+                      <a:r>
+                        <a:rPr lang="en-US" altLang="zh-CN" b="1" dirty="0" smtClean="0"/>
+                        <a:t>2</a:t>
+                      </a:r>
+                      <a:endParaRPr lang="zh-CN" altLang="en-US" b="1" dirty="0"/>
+                    </a:p>
+                  </a:txBody>
+                  <a:tcPr anchor="ctr"/>
+                </a:tc>
+                <a:tc>
+                  <a:txBody>
+                    <a:bodyPr/>
+                    <a:lstStyle/>
+                    <a:p>
+                      <a:pPr algn="ctr"/>
+                      <a:r>
+                        <a:rPr lang="en-US" altLang="zh-CN" b="1" dirty="0" smtClean="0"/>
+                        <a:t>1</a:t>
+                      </a:r>
+                      <a:endParaRPr lang="zh-CN" altLang="en-US" b="1" dirty="0"/>
+                    </a:p>
+                  </a:txBody>
+                  <a:tcPr anchor="ctr"/>
+                </a:tc>
+                <a:extLst>
+                  <a:ext uri="{0D108BD9-81ED-4DB2-BD59-A6C34878D82A}">
+                    <a16:rowId xmlns:a16="http://schemas.microsoft.com/office/drawing/2014/main" val="2803038693"/>
+                  </a:ext>
+                </a:extLst>
+              </a:tr>
+            </a:tbl>
+          </a:graphicData>
+        </a:graphic>
+      </p:graphicFrame>
+      <p:cxnSp>
+        <p:nvCxnSpPr>
+          <p:cNvPr id="6" name="直接箭头连接符 5"/>
+          <p:cNvCxnSpPr/>
+          <p:nvPr/>
+        </p:nvCxnSpPr>
+        <p:spPr>
+          <a:xfrm>
+            <a:off x="2420112" y="3904488"/>
+            <a:ext cx="4053840" cy="0"/>
+          </a:xfrm>
+          <a:prstGeom prst="straightConnector1">
+            <a:avLst/>
+          </a:prstGeom>
+          <a:ln>
+            <a:headEnd type="triangle"/>
+            <a:tailEnd type="triangle"/>
+          </a:ln>
+        </p:spPr>
+        <p:style>
+          <a:lnRef idx="1">
+            <a:schemeClr val="accent1"/>
+          </a:lnRef>
+          <a:fillRef idx="0">
+            <a:schemeClr val="accent1"/>
+          </a:fillRef>
+          <a:effectRef idx="0">
+            <a:schemeClr val="accent1"/>
+          </a:effectRef>
+          <a:fontRef idx="minor">
+            <a:schemeClr val="tx1"/>
+          </a:fontRef>
+        </p:style>
+      </p:cxnSp>
+      <p:sp>
+        <p:nvSpPr>
+          <p:cNvPr id="7" name="文本框 6"/>
+          <p:cNvSpPr txBox="1"/>
+          <p:nvPr/>
+        </p:nvSpPr>
+        <p:spPr>
+          <a:xfrm>
+            <a:off x="4274820" y="3424635"/>
+            <a:ext cx="928334" cy="369332"/>
+          </a:xfrm>
+          <a:prstGeom prst="rect">
+            <a:avLst/>
+          </a:prstGeom>
+          <a:noFill/>
+        </p:spPr>
+        <p:txBody>
+          <a:bodyPr wrap="square" rtlCol="0">
+            <a:spAutoFit/>
+          </a:bodyPr>
+          <a:lstStyle/>
+          <a:p>
+            <a:r>
+              <a:rPr lang="en-US" altLang="zh-CN" dirty="0" smtClean="0"/>
+              <a:t>id</a:t>
+            </a:r>
+            <a:endParaRPr lang="zh-CN" altLang="en-US" dirty="0"/>
+          </a:p>
+        </p:txBody>
+      </p:sp>
+      <p:sp>
+        <p:nvSpPr>
+          <p:cNvPr id="11" name="文本框 10"/>
+          <p:cNvSpPr txBox="1"/>
+          <p:nvPr/>
+        </p:nvSpPr>
+        <p:spPr>
+          <a:xfrm>
+            <a:off x="4079312" y="3897598"/>
+            <a:ext cx="928334" cy="369332"/>
+          </a:xfrm>
+          <a:prstGeom prst="rect">
+            <a:avLst/>
+          </a:prstGeom>
+          <a:noFill/>
+        </p:spPr>
+        <p:txBody>
+          <a:bodyPr wrap="square" rtlCol="0">
+            <a:spAutoFit/>
+          </a:bodyPr>
+          <a:lstStyle/>
+          <a:p>
+            <a:r>
+              <a:rPr lang="zh-CN" altLang="en-US" dirty="0" smtClean="0"/>
+              <a:t>“</a:t>
+            </a:r>
+            <a:r>
+              <a:rPr lang="en-US" altLang="zh-CN" dirty="0" smtClean="0"/>
+              <a:t>cbbc</a:t>
+            </a:r>
+            <a:r>
+              <a:rPr lang="zh-CN" altLang="en-US" dirty="0" smtClean="0"/>
+              <a:t>”</a:t>
+            </a:r>
+            <a:endParaRPr lang="zh-CN" altLang="en-US" dirty="0"/>
+          </a:p>
+        </p:txBody>
+      </p:sp>
+      <p:cxnSp>
+        <p:nvCxnSpPr>
+          <p:cNvPr id="13" name="直接连接符 12"/>
+          <p:cNvCxnSpPr/>
+          <p:nvPr/>
+        </p:nvCxnSpPr>
+        <p:spPr>
+          <a:xfrm>
+            <a:off x="4274820" y="3547872"/>
+            <a:ext cx="2199132" cy="0"/>
+          </a:xfrm>
+          <a:prstGeom prst="line">
+            <a:avLst/>
+          </a:prstGeom>
+          <a:ln w="57150">
+            <a:solidFill>
+              <a:schemeClr val="bg1">
+                <a:lumMod val="75000"/>
+                <a:alpha val="36863"/>
+              </a:schemeClr>
+            </a:solidFill>
+          </a:ln>
+        </p:spPr>
+        <p:style>
+          <a:lnRef idx="1">
+            <a:schemeClr val="dk1"/>
+          </a:lnRef>
+          <a:fillRef idx="0">
+            <a:schemeClr val="dk1"/>
+          </a:fillRef>
+          <a:effectRef idx="0">
+            <a:schemeClr val="dk1"/>
+          </a:effectRef>
+          <a:fontRef idx="minor">
+            <a:schemeClr val="tx1"/>
+          </a:fontRef>
+        </p:style>
+      </p:cxnSp>
+      <p:cxnSp>
+        <p:nvCxnSpPr>
+          <p:cNvPr id="16" name="直接连接符 15"/>
+          <p:cNvCxnSpPr/>
+          <p:nvPr/>
+        </p:nvCxnSpPr>
+        <p:spPr>
+          <a:xfrm>
+            <a:off x="2420112" y="3651504"/>
+            <a:ext cx="2249424" cy="0"/>
+          </a:xfrm>
+          <a:prstGeom prst="line">
+            <a:avLst/>
+          </a:prstGeom>
+          <a:ln w="57150">
+            <a:solidFill>
+              <a:schemeClr val="bg1">
+                <a:lumMod val="75000"/>
+                <a:alpha val="36863"/>
+              </a:schemeClr>
+            </a:solidFill>
+          </a:ln>
+        </p:spPr>
+        <p:style>
+          <a:lnRef idx="1">
+            <a:schemeClr val="dk1"/>
+          </a:lnRef>
+          <a:fillRef idx="0">
+            <a:schemeClr val="dk1"/>
+          </a:fillRef>
+          <a:effectRef idx="0">
+            <a:schemeClr val="dk1"/>
+          </a:effectRef>
+          <a:fontRef idx="minor">
+            <a:schemeClr val="tx1"/>
+          </a:fontRef>
+        </p:style>
+      </p:cxnSp>
+      <p:sp>
+        <p:nvSpPr>
+          <p:cNvPr id="18" name="文本框 17"/>
+          <p:cNvSpPr txBox="1"/>
+          <p:nvPr/>
+        </p:nvSpPr>
+        <p:spPr>
+          <a:xfrm>
+            <a:off x="5222748" y="3406007"/>
+            <a:ext cx="928334" cy="307777"/>
+          </a:xfrm>
+          <a:prstGeom prst="rect">
+            <a:avLst/>
+          </a:prstGeom>
+          <a:noFill/>
+        </p:spPr>
+        <p:txBody>
+          <a:bodyPr wrap="square" rtlCol="0">
+            <a:spAutoFit/>
+          </a:bodyPr>
+          <a:lstStyle/>
+          <a:p>
+            <a:r>
+              <a:rPr lang="en-US" altLang="zh-CN" sz="1400" dirty="0" smtClean="0"/>
+              <a:t>5</a:t>
+            </a:r>
+            <a:endParaRPr lang="zh-CN" altLang="en-US" sz="1400" dirty="0"/>
+          </a:p>
+        </p:txBody>
+      </p:sp>
+      <p:sp>
+        <p:nvSpPr>
+          <p:cNvPr id="19" name="文本框 18"/>
+          <p:cNvSpPr txBox="1"/>
+          <p:nvPr/>
+        </p:nvSpPr>
+        <p:spPr>
+          <a:xfrm>
+            <a:off x="3413324" y="3496163"/>
+            <a:ext cx="928334" cy="307777"/>
+          </a:xfrm>
+          <a:prstGeom prst="rect">
+            <a:avLst/>
+          </a:prstGeom>
+          <a:noFill/>
+        </p:spPr>
+        <p:txBody>
+          <a:bodyPr wrap="square" rtlCol="0">
+            <a:spAutoFit/>
+          </a:bodyPr>
+          <a:lstStyle/>
+          <a:p>
+            <a:r>
+              <a:rPr lang="en-US" altLang="zh-CN" sz="1400" dirty="0" smtClean="0"/>
+              <a:t>5</a:t>
+            </a:r>
+            <a:endParaRPr lang="zh-CN" altLang="en-US" sz="1400" dirty="0"/>
+          </a:p>
+        </p:txBody>
+      </p:sp>
+      <p:cxnSp>
+        <p:nvCxnSpPr>
+          <p:cNvPr id="10" name="直接箭头连接符 9"/>
+          <p:cNvCxnSpPr/>
+          <p:nvPr/>
+        </p:nvCxnSpPr>
+        <p:spPr>
+          <a:xfrm>
+            <a:off x="6915912" y="3904488"/>
+            <a:ext cx="3134868" cy="0"/>
+          </a:xfrm>
+          <a:prstGeom prst="straightConnector1">
+            <a:avLst/>
+          </a:prstGeom>
+          <a:ln>
+            <a:headEnd type="triangle"/>
+            <a:tailEnd type="triangle"/>
+          </a:ln>
+        </p:spPr>
+        <p:style>
+          <a:lnRef idx="1">
+            <a:schemeClr val="accent1"/>
+          </a:lnRef>
+          <a:fillRef idx="0">
+            <a:schemeClr val="accent1"/>
+          </a:fillRef>
+          <a:effectRef idx="0">
+            <a:schemeClr val="accent1"/>
+          </a:effectRef>
+          <a:fontRef idx="minor">
+            <a:schemeClr val="tx1"/>
+          </a:fontRef>
+        </p:style>
+      </p:cxnSp>
+      <p:sp>
+        <p:nvSpPr>
+          <p:cNvPr id="12" name="文本框 11"/>
+          <p:cNvSpPr txBox="1"/>
+          <p:nvPr/>
+        </p:nvSpPr>
+        <p:spPr>
+          <a:xfrm>
+            <a:off x="8171252" y="3897598"/>
+            <a:ext cx="928334" cy="369332"/>
+          </a:xfrm>
+          <a:prstGeom prst="rect">
+            <a:avLst/>
+          </a:prstGeom>
+          <a:noFill/>
+        </p:spPr>
+        <p:txBody>
+          <a:bodyPr wrap="square" rtlCol="0">
+            <a:spAutoFit/>
+          </a:bodyPr>
+          <a:lstStyle/>
+          <a:p>
+            <a:r>
+              <a:rPr lang="zh-CN" altLang="en-US" dirty="0" smtClean="0"/>
+              <a:t>“</a:t>
+            </a:r>
+            <a:r>
+              <a:rPr lang="en-US" altLang="zh-CN" dirty="0" smtClean="0"/>
+              <a:t>aba</a:t>
+            </a:r>
+            <a:r>
+              <a:rPr lang="zh-CN" altLang="en-US" dirty="0" smtClean="0"/>
+              <a:t>”</a:t>
+            </a:r>
+            <a:endParaRPr lang="zh-CN" altLang="en-US" dirty="0"/>
+          </a:p>
+        </p:txBody>
+      </p:sp>
+      <p:cxnSp>
+        <p:nvCxnSpPr>
+          <p:cNvPr id="14" name="直接连接符 13"/>
+          <p:cNvCxnSpPr/>
+          <p:nvPr/>
+        </p:nvCxnSpPr>
+        <p:spPr>
+          <a:xfrm>
+            <a:off x="8267700" y="3547872"/>
+            <a:ext cx="1783080" cy="0"/>
+          </a:xfrm>
+          <a:prstGeom prst="line">
+            <a:avLst/>
+          </a:prstGeom>
+          <a:ln w="57150">
+            <a:solidFill>
+              <a:schemeClr val="bg1">
+                <a:lumMod val="75000"/>
+                <a:alpha val="36863"/>
+              </a:schemeClr>
+            </a:solidFill>
+          </a:ln>
+        </p:spPr>
+        <p:style>
+          <a:lnRef idx="1">
+            <a:schemeClr val="dk1"/>
+          </a:lnRef>
+          <a:fillRef idx="0">
+            <a:schemeClr val="dk1"/>
+          </a:fillRef>
+          <a:effectRef idx="0">
+            <a:schemeClr val="dk1"/>
+          </a:effectRef>
+          <a:fontRef idx="minor">
+            <a:schemeClr val="tx1"/>
+          </a:fontRef>
+        </p:style>
+      </p:cxnSp>
+      <p:cxnSp>
+        <p:nvCxnSpPr>
+          <p:cNvPr id="15" name="直接连接符 14"/>
+          <p:cNvCxnSpPr/>
+          <p:nvPr/>
+        </p:nvCxnSpPr>
+        <p:spPr>
+          <a:xfrm>
+            <a:off x="6915912" y="3651504"/>
+            <a:ext cx="1854708" cy="0"/>
+          </a:xfrm>
+          <a:prstGeom prst="line">
+            <a:avLst/>
+          </a:prstGeom>
+          <a:ln w="57150">
+            <a:solidFill>
+              <a:schemeClr val="bg1">
+                <a:lumMod val="75000"/>
+                <a:alpha val="36863"/>
+              </a:schemeClr>
+            </a:solidFill>
+          </a:ln>
+        </p:spPr>
+        <p:style>
+          <a:lnRef idx="1">
+            <a:schemeClr val="dk1"/>
+          </a:lnRef>
+          <a:fillRef idx="0">
+            <a:schemeClr val="dk1"/>
+          </a:fillRef>
+          <a:effectRef idx="0">
+            <a:schemeClr val="dk1"/>
+          </a:effectRef>
+          <a:fontRef idx="minor">
+            <a:schemeClr val="tx1"/>
+          </a:fontRef>
+        </p:style>
+      </p:cxnSp>
+      <p:sp>
+        <p:nvSpPr>
+          <p:cNvPr id="17" name="文本框 16"/>
+          <p:cNvSpPr txBox="1"/>
+          <p:nvPr/>
+        </p:nvSpPr>
+        <p:spPr>
+          <a:xfrm>
+            <a:off x="8336387" y="3424635"/>
+            <a:ext cx="928334" cy="369332"/>
+          </a:xfrm>
+          <a:prstGeom prst="rect">
+            <a:avLst/>
+          </a:prstGeom>
+          <a:noFill/>
+        </p:spPr>
+        <p:txBody>
+          <a:bodyPr wrap="square" rtlCol="0">
+            <a:spAutoFit/>
+          </a:bodyPr>
+          <a:lstStyle/>
+          <a:p>
+            <a:r>
+              <a:rPr lang="en-US" altLang="zh-CN" dirty="0" smtClean="0"/>
+              <a:t>id</a:t>
+            </a:r>
+            <a:endParaRPr lang="zh-CN" altLang="en-US" dirty="0"/>
+          </a:p>
+        </p:txBody>
+      </p:sp>
+      <p:sp>
+        <p:nvSpPr>
+          <p:cNvPr id="20" name="文本框 19"/>
+          <p:cNvSpPr txBox="1"/>
+          <p:nvPr/>
+        </p:nvSpPr>
+        <p:spPr>
+          <a:xfrm>
+            <a:off x="9052342" y="3406007"/>
+            <a:ext cx="928334" cy="307777"/>
+          </a:xfrm>
+          <a:prstGeom prst="rect">
+            <a:avLst/>
+          </a:prstGeom>
+          <a:noFill/>
+        </p:spPr>
+        <p:txBody>
+          <a:bodyPr wrap="square" rtlCol="0">
+            <a:spAutoFit/>
+          </a:bodyPr>
+          <a:lstStyle/>
+          <a:p>
+            <a:r>
+              <a:rPr lang="en-US" altLang="zh-CN" sz="1400" dirty="0" smtClean="0"/>
+              <a:t>4</a:t>
+            </a:r>
+            <a:endParaRPr lang="zh-CN" altLang="en-US" sz="1400" dirty="0"/>
+          </a:p>
+        </p:txBody>
+      </p:sp>
+      <p:sp>
+        <p:nvSpPr>
+          <p:cNvPr id="21" name="文本框 20"/>
+          <p:cNvSpPr txBox="1"/>
+          <p:nvPr/>
+        </p:nvSpPr>
+        <p:spPr>
+          <a:xfrm>
+            <a:off x="7707085" y="3496163"/>
+            <a:ext cx="928334" cy="307777"/>
+          </a:xfrm>
+          <a:prstGeom prst="rect">
+            <a:avLst/>
+          </a:prstGeom>
+          <a:noFill/>
+        </p:spPr>
+        <p:txBody>
+          <a:bodyPr wrap="square" rtlCol="0">
+            <a:spAutoFit/>
+          </a:bodyPr>
+          <a:lstStyle/>
+          <a:p>
+            <a:r>
+              <a:rPr lang="en-US" altLang="zh-CN" sz="1400" dirty="0" smtClean="0"/>
+              <a:t>4</a:t>
+            </a:r>
+            <a:endParaRPr lang="zh-CN" altLang="en-US" sz="1400" dirty="0"/>
+          </a:p>
+        </p:txBody>
+      </p:sp>
+    </p:spTree>
+    <p:extLst>
+      <p:ext uri="{BB962C8B-B14F-4D97-AF65-F5344CB8AC3E}">
+        <p14:creationId xmlns:p14="http://schemas.microsoft.com/office/powerpoint/2010/main" val="1084184930"/>
+      </p:ext>
+    </p:extLst>
+  </p:cSld>
+  <p:clrMapOvr>
+    <a:masterClrMapping/>
+  </p:clrMapOvr>
+</p:sld>
+</file>
+
+<file path=ppt/slides/slide12.xml><?xml version="1.0" encoding="utf-8"?>
+<p:sld xmlns:a="http://schemas.openxmlformats.org/drawingml/2006/main" xmlns:r="http://schemas.openxmlformats.org/officeDocument/2006/relationships" xmlns:p="http://schemas.openxmlformats.org/presentationml/2006/main">
+  <p:cSld>
+    <p:spTree>
+      <p:nvGrpSpPr>
+        <p:cNvPr id="1" name=""/>
+        <p:cNvGrpSpPr/>
+        <p:nvPr/>
+      </p:nvGrpSpPr>
+      <p:grpSpPr>
+        <a:xfrm>
+          <a:off x="0" y="0"/>
+          <a:ext cx="0" cy="0"/>
+          <a:chOff x="0" y="0"/>
+          <a:chExt cx="0" cy="0"/>
+        </a:xfrm>
+      </p:grpSpPr>
+      <p:graphicFrame>
+        <p:nvGraphicFramePr>
+          <p:cNvPr id="4" name="表格 3"/>
+          <p:cNvGraphicFramePr>
+            <a:graphicFrameLocks noGrp="1"/>
+          </p:cNvGraphicFramePr>
+          <p:nvPr>
+            <p:extLst>
+              <p:ext uri="{D42A27DB-BD31-4B8C-83A1-F6EECF244321}">
+                <p14:modId xmlns:p14="http://schemas.microsoft.com/office/powerpoint/2010/main" val="841715303"/>
+              </p:ext>
+            </p:extLst>
+          </p:nvPr>
+        </p:nvGraphicFramePr>
+        <p:xfrm>
+          <a:off x="1535299" y="2058937"/>
+          <a:ext cx="8987920" cy="1414323"/>
+        </p:xfrm>
+        <a:graphic>
+          <a:graphicData uri="http://schemas.openxmlformats.org/drawingml/2006/table">
+            <a:tbl>
+              <a:tblPr firstRow="1" bandRow="1">
+                <a:tableStyleId>{5C22544A-7EE6-4342-B048-85BDC9FD1C3A}</a:tableStyleId>
+              </a:tblPr>
+              <a:tblGrid>
+                <a:gridCol w="449396">
+                  <a:extLst>
+                    <a:ext uri="{9D8B030D-6E8A-4147-A177-3AD203B41FA5}">
+                      <a16:colId xmlns:a16="http://schemas.microsoft.com/office/drawing/2014/main" val="2262083765"/>
+                    </a:ext>
+                  </a:extLst>
+                </a:gridCol>
+                <a:gridCol w="449396">
+                  <a:extLst>
+                    <a:ext uri="{9D8B030D-6E8A-4147-A177-3AD203B41FA5}">
+                      <a16:colId xmlns:a16="http://schemas.microsoft.com/office/drawing/2014/main" val="1760786954"/>
+                    </a:ext>
+                  </a:extLst>
+                </a:gridCol>
+                <a:gridCol w="449396">
+                  <a:extLst>
+                    <a:ext uri="{9D8B030D-6E8A-4147-A177-3AD203B41FA5}">
+                      <a16:colId xmlns:a16="http://schemas.microsoft.com/office/drawing/2014/main" val="3449211832"/>
+                    </a:ext>
+                  </a:extLst>
+                </a:gridCol>
+                <a:gridCol w="449396">
+                  <a:extLst>
+                    <a:ext uri="{9D8B030D-6E8A-4147-A177-3AD203B41FA5}">
+                      <a16:colId xmlns:a16="http://schemas.microsoft.com/office/drawing/2014/main" val="667474760"/>
+                    </a:ext>
+                  </a:extLst>
+                </a:gridCol>
+                <a:gridCol w="449396">
+                  <a:extLst>
+                    <a:ext uri="{9D8B030D-6E8A-4147-A177-3AD203B41FA5}">
+                      <a16:colId xmlns:a16="http://schemas.microsoft.com/office/drawing/2014/main" val="1404427100"/>
+                    </a:ext>
+                  </a:extLst>
+                </a:gridCol>
+                <a:gridCol w="449396">
+                  <a:extLst>
+                    <a:ext uri="{9D8B030D-6E8A-4147-A177-3AD203B41FA5}">
+                      <a16:colId xmlns:a16="http://schemas.microsoft.com/office/drawing/2014/main" val="1016760090"/>
+                    </a:ext>
+                  </a:extLst>
+                </a:gridCol>
+                <a:gridCol w="449396">
+                  <a:extLst>
+                    <a:ext uri="{9D8B030D-6E8A-4147-A177-3AD203B41FA5}">
+                      <a16:colId xmlns:a16="http://schemas.microsoft.com/office/drawing/2014/main" val="2469141873"/>
+                    </a:ext>
+                  </a:extLst>
+                </a:gridCol>
+                <a:gridCol w="449396">
+                  <a:extLst>
+                    <a:ext uri="{9D8B030D-6E8A-4147-A177-3AD203B41FA5}">
+                      <a16:colId xmlns:a16="http://schemas.microsoft.com/office/drawing/2014/main" val="189228409"/>
+                    </a:ext>
+                  </a:extLst>
+                </a:gridCol>
+                <a:gridCol w="449396">
+                  <a:extLst>
+                    <a:ext uri="{9D8B030D-6E8A-4147-A177-3AD203B41FA5}">
+                      <a16:colId xmlns:a16="http://schemas.microsoft.com/office/drawing/2014/main" val="3798636356"/>
+                    </a:ext>
+                  </a:extLst>
+                </a:gridCol>
+                <a:gridCol w="449396">
+                  <a:extLst>
+                    <a:ext uri="{9D8B030D-6E8A-4147-A177-3AD203B41FA5}">
+                      <a16:colId xmlns:a16="http://schemas.microsoft.com/office/drawing/2014/main" val="2559778786"/>
+                    </a:ext>
+                  </a:extLst>
+                </a:gridCol>
+                <a:gridCol w="449396">
+                  <a:extLst>
+                    <a:ext uri="{9D8B030D-6E8A-4147-A177-3AD203B41FA5}">
+                      <a16:colId xmlns:a16="http://schemas.microsoft.com/office/drawing/2014/main" val="1605969564"/>
+                    </a:ext>
+                  </a:extLst>
+                </a:gridCol>
+                <a:gridCol w="449396">
+                  <a:extLst>
+                    <a:ext uri="{9D8B030D-6E8A-4147-A177-3AD203B41FA5}">
+                      <a16:colId xmlns:a16="http://schemas.microsoft.com/office/drawing/2014/main" val="2893669601"/>
+                    </a:ext>
+                  </a:extLst>
+                </a:gridCol>
+                <a:gridCol w="449396">
+                  <a:extLst>
+                    <a:ext uri="{9D8B030D-6E8A-4147-A177-3AD203B41FA5}">
+                      <a16:colId xmlns:a16="http://schemas.microsoft.com/office/drawing/2014/main" val="4275763972"/>
+                    </a:ext>
+                  </a:extLst>
+                </a:gridCol>
+                <a:gridCol w="449396">
+                  <a:extLst>
+                    <a:ext uri="{9D8B030D-6E8A-4147-A177-3AD203B41FA5}">
+                      <a16:colId xmlns:a16="http://schemas.microsoft.com/office/drawing/2014/main" val="3935391714"/>
+                    </a:ext>
+                  </a:extLst>
+                </a:gridCol>
+                <a:gridCol w="449396">
+                  <a:extLst>
+                    <a:ext uri="{9D8B030D-6E8A-4147-A177-3AD203B41FA5}">
+                      <a16:colId xmlns:a16="http://schemas.microsoft.com/office/drawing/2014/main" val="880765783"/>
+                    </a:ext>
+                  </a:extLst>
+                </a:gridCol>
+                <a:gridCol w="449396">
+                  <a:extLst>
+                    <a:ext uri="{9D8B030D-6E8A-4147-A177-3AD203B41FA5}">
+                      <a16:colId xmlns:a16="http://schemas.microsoft.com/office/drawing/2014/main" val="449402296"/>
+                    </a:ext>
+                  </a:extLst>
+                </a:gridCol>
+                <a:gridCol w="449396">
+                  <a:extLst>
+                    <a:ext uri="{9D8B030D-6E8A-4147-A177-3AD203B41FA5}">
+                      <a16:colId xmlns:a16="http://schemas.microsoft.com/office/drawing/2014/main" val="580481147"/>
+                    </a:ext>
+                  </a:extLst>
+                </a:gridCol>
+                <a:gridCol w="449396">
+                  <a:extLst>
+                    <a:ext uri="{9D8B030D-6E8A-4147-A177-3AD203B41FA5}">
+                      <a16:colId xmlns:a16="http://schemas.microsoft.com/office/drawing/2014/main" val="350929362"/>
+                    </a:ext>
+                  </a:extLst>
+                </a:gridCol>
+                <a:gridCol w="449396">
+                  <a:extLst>
+                    <a:ext uri="{9D8B030D-6E8A-4147-A177-3AD203B41FA5}">
+                      <a16:colId xmlns:a16="http://schemas.microsoft.com/office/drawing/2014/main" val="3587195927"/>
+                    </a:ext>
+                  </a:extLst>
+                </a:gridCol>
+                <a:gridCol w="449396">
+                  <a:extLst>
+                    <a:ext uri="{9D8B030D-6E8A-4147-A177-3AD203B41FA5}">
+                      <a16:colId xmlns:a16="http://schemas.microsoft.com/office/drawing/2014/main" val="3055172977"/>
+                    </a:ext>
+                  </a:extLst>
+                </a:gridCol>
+              </a:tblGrid>
+              <a:tr h="471441">
+                <a:tc>
+                  <a:txBody>
+                    <a:bodyPr/>
+                    <a:lstStyle/>
+                    <a:p>
+                      <a:pPr algn="ctr"/>
+                      <a:r>
+                        <a:rPr lang="en-US" altLang="zh-CN" b="1" dirty="0" smtClean="0"/>
+                        <a:t>i</a:t>
+                      </a:r>
+                      <a:endParaRPr lang="zh-CN" altLang="en-US" b="1" dirty="0"/>
+                    </a:p>
+                  </a:txBody>
+                  <a:tcPr anchor="ctr"/>
+                </a:tc>
+                <a:tc>
+                  <a:txBody>
+                    <a:bodyPr/>
+                    <a:lstStyle/>
+                    <a:p>
+                      <a:pPr algn="ctr"/>
+                      <a:r>
+                        <a:rPr lang="en-US" altLang="zh-CN" b="1" dirty="0" smtClean="0"/>
+                        <a:t>0</a:t>
+                      </a:r>
+                      <a:endParaRPr lang="zh-CN" altLang="en-US" b="1" dirty="0"/>
+                    </a:p>
+                  </a:txBody>
+                  <a:tcPr anchor="ctr"/>
+                </a:tc>
+                <a:tc>
+                  <a:txBody>
+                    <a:bodyPr/>
+                    <a:lstStyle/>
+                    <a:p>
+                      <a:pPr algn="ctr"/>
+                      <a:r>
+                        <a:rPr lang="en-US" altLang="zh-CN" b="1" dirty="0" smtClean="0"/>
+                        <a:t>1</a:t>
+                      </a:r>
+                      <a:endParaRPr lang="zh-CN" altLang="en-US" b="1" dirty="0"/>
+                    </a:p>
+                  </a:txBody>
+                  <a:tcPr anchor="ctr"/>
+                </a:tc>
+                <a:tc>
+                  <a:txBody>
+                    <a:bodyPr/>
+                    <a:lstStyle/>
+                    <a:p>
+                      <a:pPr algn="ctr"/>
+                      <a:r>
+                        <a:rPr lang="en-US" altLang="zh-CN" b="1" dirty="0" smtClean="0"/>
+                        <a:t>2</a:t>
+                      </a:r>
+                      <a:endParaRPr lang="zh-CN" altLang="en-US" b="1" dirty="0"/>
+                    </a:p>
+                  </a:txBody>
+                  <a:tcPr anchor="ctr"/>
+                </a:tc>
+                <a:tc>
+                  <a:txBody>
+                    <a:bodyPr/>
+                    <a:lstStyle/>
+                    <a:p>
+                      <a:pPr algn="ctr"/>
+                      <a:r>
+                        <a:rPr lang="en-US" altLang="zh-CN" b="1" dirty="0" smtClean="0"/>
+                        <a:t>3</a:t>
+                      </a:r>
+                      <a:endParaRPr lang="zh-CN" altLang="en-US" b="1" dirty="0"/>
+                    </a:p>
+                  </a:txBody>
+                  <a:tcPr anchor="ctr"/>
+                </a:tc>
+                <a:tc>
+                  <a:txBody>
+                    <a:bodyPr/>
+                    <a:lstStyle/>
+                    <a:p>
+                      <a:pPr algn="ctr"/>
+                      <a:r>
+                        <a:rPr lang="en-US" altLang="zh-CN" b="1" dirty="0" smtClean="0"/>
+                        <a:t>4</a:t>
+                      </a:r>
+                      <a:endParaRPr lang="zh-CN" altLang="en-US" b="1" dirty="0"/>
+                    </a:p>
+                  </a:txBody>
+                  <a:tcPr anchor="ctr"/>
+                </a:tc>
+                <a:tc>
+                  <a:txBody>
+                    <a:bodyPr/>
+                    <a:lstStyle/>
+                    <a:p>
+                      <a:pPr algn="ctr"/>
+                      <a:r>
+                        <a:rPr lang="en-US" altLang="zh-CN" b="1" dirty="0" smtClean="0"/>
+                        <a:t>5</a:t>
+                      </a:r>
+                      <a:endParaRPr lang="zh-CN" altLang="en-US" b="1" dirty="0"/>
+                    </a:p>
+                  </a:txBody>
+                  <a:tcPr anchor="ctr"/>
+                </a:tc>
+                <a:tc>
+                  <a:txBody>
+                    <a:bodyPr/>
+                    <a:lstStyle/>
+                    <a:p>
+                      <a:pPr algn="ctr"/>
+                      <a:r>
+                        <a:rPr lang="en-US" altLang="zh-CN" b="1" dirty="0" smtClean="0"/>
+                        <a:t>6</a:t>
+                      </a:r>
+                      <a:endParaRPr lang="zh-CN" altLang="en-US" b="1" dirty="0"/>
+                    </a:p>
+                  </a:txBody>
+                  <a:tcPr anchor="ctr"/>
+                </a:tc>
+                <a:tc>
+                  <a:txBody>
+                    <a:bodyPr/>
+                    <a:lstStyle/>
+                    <a:p>
+                      <a:pPr algn="ctr"/>
+                      <a:r>
+                        <a:rPr lang="en-US" altLang="zh-CN" b="1" dirty="0" smtClean="0"/>
+                        <a:t>7</a:t>
+                      </a:r>
+                      <a:endParaRPr lang="zh-CN" altLang="en-US" b="1" dirty="0"/>
+                    </a:p>
+                  </a:txBody>
+                  <a:tcPr anchor="ctr"/>
+                </a:tc>
+                <a:tc>
+                  <a:txBody>
+                    <a:bodyPr/>
+                    <a:lstStyle/>
+                    <a:p>
+                      <a:pPr algn="ctr"/>
+                      <a:r>
+                        <a:rPr lang="en-US" altLang="zh-CN" b="1" dirty="0" smtClean="0"/>
+                        <a:t>8</a:t>
+                      </a:r>
+                      <a:endParaRPr lang="zh-CN" altLang="en-US" b="1" dirty="0"/>
+                    </a:p>
+                  </a:txBody>
+                  <a:tcPr anchor="ctr"/>
+                </a:tc>
+                <a:tc>
+                  <a:txBody>
+                    <a:bodyPr/>
+                    <a:lstStyle/>
+                    <a:p>
+                      <a:pPr algn="ctr"/>
+                      <a:r>
+                        <a:rPr lang="en-US" altLang="zh-CN" b="1" dirty="0" smtClean="0"/>
+                        <a:t>9</a:t>
+                      </a:r>
+                      <a:endParaRPr lang="zh-CN" altLang="en-US" b="1" dirty="0"/>
+                    </a:p>
+                  </a:txBody>
+                  <a:tcPr anchor="ctr"/>
+                </a:tc>
+                <a:tc>
+                  <a:txBody>
+                    <a:bodyPr/>
+                    <a:lstStyle/>
+                    <a:p>
+                      <a:pPr algn="ctr"/>
+                      <a:r>
+                        <a:rPr lang="en-US" altLang="zh-CN" b="1" dirty="0" smtClean="0"/>
+                        <a:t>10</a:t>
+                      </a:r>
+                      <a:endParaRPr lang="zh-CN" altLang="en-US" b="1" dirty="0"/>
+                    </a:p>
+                  </a:txBody>
+                  <a:tcPr anchor="ctr"/>
+                </a:tc>
+                <a:tc>
+                  <a:txBody>
+                    <a:bodyPr/>
+                    <a:lstStyle/>
+                    <a:p>
+                      <a:pPr algn="ctr"/>
+                      <a:r>
+                        <a:rPr lang="en-US" altLang="zh-CN" b="1" dirty="0" smtClean="0"/>
+                        <a:t>11</a:t>
+                      </a:r>
+                      <a:endParaRPr lang="zh-CN" altLang="en-US" b="1" dirty="0"/>
+                    </a:p>
+                  </a:txBody>
+                  <a:tcPr anchor="ctr"/>
+                </a:tc>
+                <a:tc>
+                  <a:txBody>
+                    <a:bodyPr/>
+                    <a:lstStyle/>
+                    <a:p>
+                      <a:pPr algn="ctr"/>
+                      <a:r>
+                        <a:rPr lang="en-US" altLang="zh-CN" b="1" dirty="0" smtClean="0"/>
+                        <a:t>12</a:t>
+                      </a:r>
+                      <a:endParaRPr lang="zh-CN" altLang="en-US" b="1" dirty="0"/>
+                    </a:p>
+                  </a:txBody>
+                  <a:tcPr anchor="ctr"/>
+                </a:tc>
+                <a:tc>
+                  <a:txBody>
+                    <a:bodyPr/>
+                    <a:lstStyle/>
+                    <a:p>
+                      <a:pPr algn="ctr"/>
+                      <a:r>
+                        <a:rPr lang="en-US" altLang="zh-CN" b="1" dirty="0" smtClean="0"/>
+                        <a:t>13</a:t>
+                      </a:r>
+                      <a:endParaRPr lang="zh-CN" altLang="en-US" b="1" dirty="0"/>
+                    </a:p>
+                  </a:txBody>
+                  <a:tcPr anchor="ctr"/>
+                </a:tc>
+                <a:tc>
+                  <a:txBody>
+                    <a:bodyPr/>
+                    <a:lstStyle/>
+                    <a:p>
+                      <a:pPr algn="ctr"/>
+                      <a:r>
+                        <a:rPr lang="en-US" altLang="zh-CN" b="1" dirty="0" smtClean="0"/>
+                        <a:t>14</a:t>
+                      </a:r>
+                      <a:endParaRPr lang="zh-CN" altLang="en-US" b="1" dirty="0"/>
+                    </a:p>
+                  </a:txBody>
+                  <a:tcPr anchor="ctr"/>
+                </a:tc>
+                <a:tc>
+                  <a:txBody>
+                    <a:bodyPr/>
+                    <a:lstStyle/>
+                    <a:p>
+                      <a:pPr algn="ctr"/>
+                      <a:r>
+                        <a:rPr lang="en-US" altLang="zh-CN" b="1" dirty="0" smtClean="0"/>
+                        <a:t>15</a:t>
+                      </a:r>
+                      <a:endParaRPr lang="zh-CN" altLang="en-US" b="1" dirty="0"/>
+                    </a:p>
+                  </a:txBody>
+                  <a:tcPr anchor="ctr"/>
+                </a:tc>
+                <a:tc>
+                  <a:txBody>
+                    <a:bodyPr/>
+                    <a:lstStyle/>
+                    <a:p>
+                      <a:pPr algn="ctr"/>
+                      <a:r>
+                        <a:rPr lang="en-US" altLang="zh-CN" b="1" dirty="0" smtClean="0"/>
+                        <a:t>16</a:t>
+                      </a:r>
+                      <a:endParaRPr lang="zh-CN" altLang="en-US" b="1" dirty="0"/>
+                    </a:p>
+                  </a:txBody>
+                  <a:tcPr anchor="ctr"/>
+                </a:tc>
+                <a:tc>
+                  <a:txBody>
+                    <a:bodyPr/>
+                    <a:lstStyle/>
+                    <a:p>
+                      <a:pPr algn="ctr"/>
+                      <a:r>
+                        <a:rPr lang="en-US" altLang="zh-CN" b="1" dirty="0" smtClean="0"/>
+                        <a:t>17</a:t>
+                      </a:r>
+                      <a:endParaRPr lang="zh-CN" altLang="en-US" b="1" dirty="0"/>
+                    </a:p>
+                  </a:txBody>
+                  <a:tcPr anchor="ctr"/>
+                </a:tc>
+                <a:tc>
+                  <a:txBody>
+                    <a:bodyPr/>
+                    <a:lstStyle/>
+                    <a:p>
+                      <a:pPr algn="ctr"/>
+                      <a:r>
+                        <a:rPr lang="en-US" altLang="zh-CN" b="1" dirty="0" smtClean="0"/>
+                        <a:t>18</a:t>
+                      </a:r>
+                      <a:endParaRPr lang="zh-CN" altLang="en-US" b="1" dirty="0"/>
+                    </a:p>
+                  </a:txBody>
+                  <a:tcPr anchor="ctr"/>
+                </a:tc>
+                <a:extLst>
+                  <a:ext uri="{0D108BD9-81ED-4DB2-BD59-A6C34878D82A}">
+                    <a16:rowId xmlns:a16="http://schemas.microsoft.com/office/drawing/2014/main" val="2987790500"/>
+                  </a:ext>
+                </a:extLst>
+              </a:tr>
+              <a:tr h="471441">
+                <a:tc>
+                  <a:txBody>
+                    <a:bodyPr/>
+                    <a:lstStyle/>
+                    <a:p>
+                      <a:pPr algn="ctr"/>
+                      <a:r>
+                        <a:rPr lang="en-US" altLang="zh-CN" b="1" dirty="0" smtClean="0"/>
+                        <a:t>T</a:t>
+                      </a:r>
+                      <a:endParaRPr lang="zh-CN" altLang="en-US" b="1" dirty="0"/>
+                    </a:p>
+                  </a:txBody>
+                  <a:tcPr anchor="ctr"/>
+                </a:tc>
+                <a:tc>
+                  <a:txBody>
+                    <a:bodyPr/>
+                    <a:lstStyle/>
+                    <a:p>
+                      <a:pPr algn="ctr"/>
+                      <a:r>
+                        <a:rPr lang="en-US" altLang="zh-CN" b="1" dirty="0" smtClean="0"/>
+                        <a:t>^</a:t>
+                      </a:r>
+                      <a:endParaRPr lang="zh-CN" altLang="en-US" b="1" dirty="0"/>
+                    </a:p>
+                  </a:txBody>
+                  <a:tcPr anchor="ctr"/>
+                </a:tc>
+                <a:tc>
+                  <a:txBody>
+                    <a:bodyPr/>
+                    <a:lstStyle/>
+                    <a:p>
+                      <a:pPr algn="ctr"/>
+                      <a:r>
+                        <a:rPr lang="en-US" altLang="zh-CN" b="1" dirty="0" smtClean="0"/>
+                        <a:t>#</a:t>
+                      </a:r>
+                      <a:endParaRPr lang="zh-CN" altLang="en-US" b="1" dirty="0"/>
+                    </a:p>
+                  </a:txBody>
+                  <a:tcPr anchor="ctr"/>
+                </a:tc>
+                <a:tc>
+                  <a:txBody>
+                    <a:bodyPr/>
+                    <a:lstStyle/>
+                    <a:p>
+                      <a:pPr algn="ctr"/>
+                      <a:r>
+                        <a:rPr lang="en-US" altLang="zh-CN" b="1" dirty="0" smtClean="0"/>
+                        <a:t>c</a:t>
+                      </a:r>
+                      <a:endParaRPr lang="zh-CN" altLang="en-US" b="1" dirty="0"/>
+                    </a:p>
+                  </a:txBody>
+                  <a:tcPr anchor="ctr"/>
+                </a:tc>
+                <a:tc>
+                  <a:txBody>
+                    <a:bodyPr/>
+                    <a:lstStyle/>
+                    <a:p>
+                      <a:pPr algn="ctr"/>
+                      <a:r>
+                        <a:rPr lang="en-US" altLang="zh-CN" b="1" dirty="0" smtClean="0"/>
+                        <a:t>#</a:t>
+                      </a:r>
+                      <a:endParaRPr lang="zh-CN" altLang="en-US" b="1" dirty="0"/>
+                    </a:p>
+                  </a:txBody>
+                  <a:tcPr anchor="ctr"/>
+                </a:tc>
+                <a:tc>
+                  <a:txBody>
+                    <a:bodyPr/>
+                    <a:lstStyle/>
+                    <a:p>
+                      <a:pPr algn="ctr"/>
+                      <a:r>
+                        <a:rPr lang="en-US" altLang="zh-CN" b="1" dirty="0" smtClean="0"/>
+                        <a:t>b</a:t>
+                      </a:r>
+                      <a:endParaRPr lang="zh-CN" altLang="en-US" b="1" dirty="0"/>
+                    </a:p>
+                  </a:txBody>
+                  <a:tcPr anchor="ctr"/>
+                </a:tc>
+                <a:tc>
+                  <a:txBody>
+                    <a:bodyPr/>
+                    <a:lstStyle/>
+                    <a:p>
+                      <a:pPr algn="ctr"/>
+                      <a:r>
+                        <a:rPr lang="en-US" altLang="zh-CN" b="1" dirty="0" smtClean="0"/>
+                        <a:t>#</a:t>
+                      </a:r>
+                      <a:endParaRPr lang="zh-CN" altLang="en-US" b="1" dirty="0"/>
+                    </a:p>
+                  </a:txBody>
+                  <a:tcPr anchor="ctr"/>
+                </a:tc>
+                <a:tc>
+                  <a:txBody>
+                    <a:bodyPr/>
+                    <a:lstStyle/>
+                    <a:p>
+                      <a:pPr algn="ctr"/>
+                      <a:r>
+                        <a:rPr lang="en-US" altLang="zh-CN" b="1" dirty="0" smtClean="0"/>
+                        <a:t>b</a:t>
+                      </a:r>
+                      <a:endParaRPr lang="zh-CN" altLang="en-US" b="1" dirty="0"/>
+                    </a:p>
+                  </a:txBody>
+                  <a:tcPr anchor="ctr"/>
+                </a:tc>
+                <a:tc>
+                  <a:txBody>
+                    <a:bodyPr/>
+                    <a:lstStyle/>
+                    <a:p>
+                      <a:pPr algn="ctr"/>
+                      <a:r>
+                        <a:rPr lang="en-US" altLang="zh-CN" b="1" dirty="0" smtClean="0"/>
+                        <a:t>#</a:t>
+                      </a:r>
+                      <a:endParaRPr lang="zh-CN" altLang="en-US" b="1" dirty="0"/>
+                    </a:p>
+                  </a:txBody>
+                  <a:tcPr anchor="ctr"/>
+                </a:tc>
+                <a:tc>
+                  <a:txBody>
+                    <a:bodyPr/>
+                    <a:lstStyle/>
+                    <a:p>
+                      <a:pPr algn="ctr"/>
+                      <a:r>
+                        <a:rPr lang="en-US" altLang="zh-CN" b="1" dirty="0" smtClean="0"/>
+                        <a:t>c</a:t>
+                      </a:r>
+                      <a:endParaRPr lang="zh-CN" altLang="en-US" b="1" dirty="0"/>
+                    </a:p>
+                  </a:txBody>
+                  <a:tcPr anchor="ctr"/>
+                </a:tc>
+                <a:tc>
+                  <a:txBody>
+                    <a:bodyPr/>
+                    <a:lstStyle/>
+                    <a:p>
+                      <a:pPr algn="ctr"/>
+                      <a:r>
+                        <a:rPr lang="en-US" altLang="zh-CN" b="1" dirty="0" smtClean="0"/>
+                        <a:t>#</a:t>
+                      </a:r>
+                      <a:endParaRPr lang="zh-CN" altLang="en-US" b="1" dirty="0"/>
+                    </a:p>
+                  </a:txBody>
+                  <a:tcPr anchor="ctr"/>
+                </a:tc>
+                <a:tc>
+                  <a:txBody>
+                    <a:bodyPr/>
+                    <a:lstStyle/>
+                    <a:p>
+                      <a:pPr algn="ctr"/>
+                      <a:r>
+                        <a:rPr lang="en-US" altLang="zh-CN" b="1" dirty="0" smtClean="0"/>
+                        <a:t>d</a:t>
+                      </a:r>
+                      <a:endParaRPr lang="zh-CN" altLang="en-US" b="1" dirty="0"/>
+                    </a:p>
+                  </a:txBody>
+                  <a:tcPr anchor="ctr"/>
+                </a:tc>
+                <a:tc>
+                  <a:txBody>
+                    <a:bodyPr/>
+                    <a:lstStyle/>
+                    <a:p>
+                      <a:pPr algn="ctr"/>
+                      <a:r>
+                        <a:rPr lang="en-US" altLang="zh-CN" b="1" dirty="0" smtClean="0"/>
+                        <a:t>#</a:t>
+                      </a:r>
+                      <a:endParaRPr lang="zh-CN" altLang="en-US" b="1" dirty="0"/>
+                    </a:p>
+                  </a:txBody>
+                  <a:tcPr anchor="ctr"/>
+                </a:tc>
+                <a:tc>
+                  <a:txBody>
+                    <a:bodyPr/>
+                    <a:lstStyle/>
+                    <a:p>
+                      <a:pPr algn="ctr"/>
+                      <a:r>
+                        <a:rPr lang="en-US" altLang="zh-CN" b="1" dirty="0" smtClean="0"/>
+                        <a:t>a</a:t>
+                      </a:r>
+                      <a:endParaRPr lang="zh-CN" altLang="en-US" b="1" dirty="0"/>
+                    </a:p>
+                  </a:txBody>
+                  <a:tcPr anchor="ctr"/>
+                </a:tc>
+                <a:tc>
+                  <a:txBody>
+                    <a:bodyPr/>
+                    <a:lstStyle/>
+                    <a:p>
+                      <a:pPr algn="ctr"/>
+                      <a:r>
+                        <a:rPr lang="en-US" altLang="zh-CN" b="1" dirty="0" smtClean="0"/>
+                        <a:t>#</a:t>
+                      </a:r>
+                      <a:endParaRPr lang="zh-CN" altLang="en-US" b="1" dirty="0"/>
+                    </a:p>
+                  </a:txBody>
+                  <a:tcPr anchor="ctr"/>
+                </a:tc>
+                <a:tc>
+                  <a:txBody>
+                    <a:bodyPr/>
+                    <a:lstStyle/>
+                    <a:p>
+                      <a:pPr algn="ctr"/>
+                      <a:r>
+                        <a:rPr lang="en-US" altLang="zh-CN" b="1" dirty="0" smtClean="0"/>
+                        <a:t>b</a:t>
+                      </a:r>
+                      <a:endParaRPr lang="zh-CN" altLang="en-US" b="1" dirty="0"/>
+                    </a:p>
+                  </a:txBody>
+                  <a:tcPr anchor="ctr"/>
+                </a:tc>
+                <a:tc>
+                  <a:txBody>
+                    <a:bodyPr/>
+                    <a:lstStyle/>
+                    <a:p>
+                      <a:pPr algn="ctr"/>
+                      <a:r>
+                        <a:rPr lang="en-US" altLang="zh-CN" b="1" dirty="0" smtClean="0"/>
+                        <a:t>#</a:t>
+                      </a:r>
+                      <a:endParaRPr lang="zh-CN" altLang="en-US" b="1" dirty="0"/>
+                    </a:p>
+                  </a:txBody>
+                  <a:tcPr anchor="ctr"/>
+                </a:tc>
+                <a:tc>
+                  <a:txBody>
+                    <a:bodyPr/>
+                    <a:lstStyle/>
+                    <a:p>
+                      <a:pPr algn="ctr"/>
+                      <a:r>
+                        <a:rPr lang="en-US" altLang="zh-CN" b="1" dirty="0" smtClean="0"/>
+                        <a:t>a</a:t>
+                      </a:r>
+                      <a:endParaRPr lang="zh-CN" altLang="en-US" b="1" dirty="0"/>
+                    </a:p>
+                  </a:txBody>
+                  <a:tcPr anchor="ctr"/>
+                </a:tc>
+                <a:tc>
+                  <a:txBody>
+                    <a:bodyPr/>
+                    <a:lstStyle/>
+                    <a:p>
+                      <a:pPr algn="ctr"/>
+                      <a:r>
+                        <a:rPr lang="en-US" altLang="zh-CN" b="1" dirty="0" smtClean="0"/>
+                        <a:t>#</a:t>
+                      </a:r>
+                      <a:endParaRPr lang="zh-CN" altLang="en-US" b="1" dirty="0"/>
+                    </a:p>
+                  </a:txBody>
+                  <a:tcPr anchor="ctr"/>
+                </a:tc>
+                <a:tc>
+                  <a:txBody>
+                    <a:bodyPr/>
+                    <a:lstStyle/>
+                    <a:p>
+                      <a:pPr algn="ctr"/>
+                      <a:r>
+                        <a:rPr lang="en-US" altLang="zh-CN" b="1" dirty="0" smtClean="0"/>
+                        <a:t>$</a:t>
+                      </a:r>
+                      <a:endParaRPr lang="zh-CN" altLang="en-US" b="1" dirty="0"/>
+                    </a:p>
+                  </a:txBody>
+                  <a:tcPr anchor="ctr"/>
+                </a:tc>
+                <a:extLst>
+                  <a:ext uri="{0D108BD9-81ED-4DB2-BD59-A6C34878D82A}">
+                    <a16:rowId xmlns:a16="http://schemas.microsoft.com/office/drawing/2014/main" val="3145686698"/>
+                  </a:ext>
+                </a:extLst>
+              </a:tr>
+              <a:tr h="471441">
+                <a:tc>
+                  <a:txBody>
+                    <a:bodyPr/>
+                    <a:lstStyle/>
+                    <a:p>
+                      <a:pPr algn="ctr"/>
+                      <a:r>
+                        <a:rPr lang="en-US" altLang="zh-CN" b="1" dirty="0" smtClean="0"/>
+                        <a:t>P</a:t>
+                      </a:r>
+                      <a:endParaRPr lang="zh-CN" altLang="en-US" b="1" dirty="0"/>
+                    </a:p>
+                  </a:txBody>
+                  <a:tcPr anchor="ctr"/>
+                </a:tc>
+                <a:tc>
+                  <a:txBody>
+                    <a:bodyPr/>
+                    <a:lstStyle/>
+                    <a:p>
+                      <a:pPr algn="ctr"/>
+                      <a:endParaRPr lang="zh-CN" altLang="en-US" b="1" dirty="0"/>
+                    </a:p>
+                  </a:txBody>
+                  <a:tcPr anchor="ctr"/>
+                </a:tc>
+                <a:tc>
+                  <a:txBody>
+                    <a:bodyPr/>
+                    <a:lstStyle/>
+                    <a:p>
+                      <a:pPr algn="ctr"/>
+                      <a:r>
+                        <a:rPr lang="en-US" altLang="zh-CN" b="1" dirty="0" smtClean="0"/>
+                        <a:t>1</a:t>
+                      </a:r>
+                      <a:endParaRPr lang="zh-CN" altLang="en-US" b="1" dirty="0"/>
+                    </a:p>
+                  </a:txBody>
+                  <a:tcPr anchor="ctr"/>
+                </a:tc>
+                <a:tc>
+                  <a:txBody>
+                    <a:bodyPr/>
+                    <a:lstStyle/>
+                    <a:p>
+                      <a:pPr algn="ctr"/>
+                      <a:r>
+                        <a:rPr lang="en-US" altLang="zh-CN" b="1" dirty="0" smtClean="0"/>
+                        <a:t>2</a:t>
+                      </a:r>
+                      <a:endParaRPr lang="zh-CN" altLang="en-US" b="1" dirty="0"/>
+                    </a:p>
+                  </a:txBody>
+                  <a:tcPr anchor="ctr"/>
+                </a:tc>
+                <a:tc>
+                  <a:txBody>
+                    <a:bodyPr/>
+                    <a:lstStyle/>
+                    <a:p>
+                      <a:pPr algn="ctr"/>
+                      <a:r>
+                        <a:rPr lang="en-US" altLang="zh-CN" b="1" dirty="0" smtClean="0"/>
+                        <a:t>1</a:t>
+                      </a:r>
+                      <a:endParaRPr lang="zh-CN" altLang="en-US" b="1" dirty="0"/>
+                    </a:p>
+                  </a:txBody>
+                  <a:tcPr anchor="ctr"/>
+                </a:tc>
+                <a:tc>
+                  <a:txBody>
+                    <a:bodyPr/>
+                    <a:lstStyle/>
+                    <a:p>
+                      <a:pPr algn="ctr"/>
+                      <a:r>
+                        <a:rPr lang="en-US" altLang="zh-CN" b="1" dirty="0" smtClean="0"/>
+                        <a:t>2</a:t>
+                      </a:r>
+                      <a:endParaRPr lang="zh-CN" altLang="en-US" b="1" dirty="0"/>
+                    </a:p>
+                  </a:txBody>
+                  <a:tcPr anchor="ctr"/>
+                </a:tc>
+                <a:tc>
+                  <a:txBody>
+                    <a:bodyPr/>
+                    <a:lstStyle/>
+                    <a:p>
+                      <a:pPr algn="ctr"/>
+                      <a:r>
+                        <a:rPr lang="en-US" altLang="zh-CN" b="1" dirty="0" smtClean="0"/>
+                        <a:t>5</a:t>
+                      </a:r>
+                      <a:endParaRPr lang="zh-CN" altLang="en-US" b="1" dirty="0"/>
+                    </a:p>
+                  </a:txBody>
+                  <a:tcPr anchor="ctr"/>
+                </a:tc>
+                <a:tc>
+                  <a:txBody>
+                    <a:bodyPr/>
+                    <a:lstStyle/>
+                    <a:p>
+                      <a:pPr algn="ctr"/>
+                      <a:r>
+                        <a:rPr lang="en-US" altLang="zh-CN" b="1" dirty="0" smtClean="0"/>
+                        <a:t>2</a:t>
+                      </a:r>
+                      <a:endParaRPr lang="zh-CN" altLang="en-US" b="1" dirty="0"/>
+                    </a:p>
+                  </a:txBody>
+                  <a:tcPr anchor="ctr"/>
+                </a:tc>
+                <a:tc>
+                  <a:txBody>
+                    <a:bodyPr/>
+                    <a:lstStyle/>
+                    <a:p>
+                      <a:pPr algn="ctr"/>
+                      <a:r>
+                        <a:rPr lang="en-US" altLang="zh-CN" b="1" dirty="0" smtClean="0"/>
+                        <a:t>1</a:t>
+                      </a:r>
+                      <a:endParaRPr lang="zh-CN" altLang="en-US" b="1" dirty="0"/>
+                    </a:p>
+                  </a:txBody>
+                  <a:tcPr anchor="ctr"/>
+                </a:tc>
+                <a:tc>
+                  <a:txBody>
+                    <a:bodyPr/>
+                    <a:lstStyle/>
+                    <a:p>
+                      <a:pPr algn="ctr"/>
+                      <a:r>
+                        <a:rPr lang="en-US" altLang="zh-CN" b="1" dirty="0" smtClean="0"/>
+                        <a:t>2</a:t>
+                      </a:r>
+                      <a:endParaRPr lang="zh-CN" altLang="en-US" b="1" dirty="0"/>
+                    </a:p>
+                  </a:txBody>
+                  <a:tcPr anchor="ctr"/>
+                </a:tc>
+                <a:tc>
+                  <a:txBody>
+                    <a:bodyPr/>
+                    <a:lstStyle/>
+                    <a:p>
+                      <a:pPr algn="ctr"/>
+                      <a:r>
+                        <a:rPr lang="en-US" altLang="zh-CN" b="1" dirty="0" smtClean="0"/>
+                        <a:t>1</a:t>
+                      </a:r>
+                      <a:endParaRPr lang="zh-CN" altLang="en-US" b="1" dirty="0"/>
+                    </a:p>
+                  </a:txBody>
+                  <a:tcPr anchor="ctr"/>
+                </a:tc>
+                <a:tc>
+                  <a:txBody>
+                    <a:bodyPr/>
+                    <a:lstStyle/>
+                    <a:p>
+                      <a:pPr algn="ctr"/>
+                      <a:r>
+                        <a:rPr lang="en-US" altLang="zh-CN" b="1" dirty="0" smtClean="0"/>
+                        <a:t>2</a:t>
+                      </a:r>
+                      <a:endParaRPr lang="zh-CN" altLang="en-US" b="1" dirty="0"/>
+                    </a:p>
+                  </a:txBody>
+                  <a:tcPr anchor="ctr"/>
+                </a:tc>
+                <a:tc>
+                  <a:txBody>
+                    <a:bodyPr/>
+                    <a:lstStyle/>
+                    <a:p>
+                      <a:pPr algn="ctr"/>
+                      <a:r>
+                        <a:rPr lang="en-US" altLang="zh-CN" b="1" dirty="0" smtClean="0"/>
+                        <a:t>1</a:t>
+                      </a:r>
+                      <a:endParaRPr lang="zh-CN" altLang="en-US" b="1" dirty="0"/>
+                    </a:p>
+                  </a:txBody>
+                  <a:tcPr anchor="ctr"/>
+                </a:tc>
+                <a:tc>
+                  <a:txBody>
+                    <a:bodyPr/>
+                    <a:lstStyle/>
+                    <a:p>
+                      <a:pPr algn="ctr"/>
+                      <a:r>
+                        <a:rPr lang="en-US" altLang="zh-CN" b="1" dirty="0" smtClean="0"/>
+                        <a:t>2</a:t>
+                      </a:r>
+                      <a:endParaRPr lang="zh-CN" altLang="en-US" b="1" dirty="0"/>
+                    </a:p>
+                  </a:txBody>
+                  <a:tcPr anchor="ctr"/>
+                </a:tc>
+                <a:tc>
+                  <a:txBody>
+                    <a:bodyPr/>
+                    <a:lstStyle/>
+                    <a:p>
+                      <a:pPr algn="ctr"/>
+                      <a:r>
+                        <a:rPr lang="en-US" altLang="zh-CN" b="1" dirty="0" smtClean="0"/>
+                        <a:t>1</a:t>
+                      </a:r>
+                      <a:endParaRPr lang="zh-CN" altLang="en-US" b="1" dirty="0"/>
+                    </a:p>
+                  </a:txBody>
+                  <a:tcPr anchor="ctr"/>
+                </a:tc>
+                <a:tc>
+                  <a:txBody>
+                    <a:bodyPr/>
+                    <a:lstStyle/>
+                    <a:p>
+                      <a:pPr algn="ctr"/>
+                      <a:r>
+                        <a:rPr lang="en-US" altLang="zh-CN" b="1" dirty="0" smtClean="0"/>
+                        <a:t>4</a:t>
+                      </a:r>
+                      <a:endParaRPr lang="zh-CN" altLang="en-US" b="1" dirty="0"/>
+                    </a:p>
+                  </a:txBody>
+                  <a:tcPr anchor="ctr"/>
+                </a:tc>
+                <a:tc>
+                  <a:txBody>
+                    <a:bodyPr/>
+                    <a:lstStyle/>
+                    <a:p>
+                      <a:pPr algn="ctr"/>
+                      <a:r>
+                        <a:rPr lang="en-US" altLang="zh-CN" b="1" dirty="0" smtClean="0"/>
+                        <a:t>1</a:t>
+                      </a:r>
+                      <a:endParaRPr lang="zh-CN" altLang="en-US" b="1" dirty="0"/>
+                    </a:p>
+                  </a:txBody>
+                  <a:tcPr anchor="ctr"/>
+                </a:tc>
+                <a:tc>
+                  <a:txBody>
+                    <a:bodyPr/>
+                    <a:lstStyle/>
+                    <a:p>
+                      <a:pPr algn="ctr"/>
+                      <a:r>
+                        <a:rPr lang="en-US" altLang="zh-CN" b="1" dirty="0" smtClean="0"/>
+                        <a:t>2</a:t>
+                      </a:r>
+                      <a:endParaRPr lang="zh-CN" altLang="en-US" b="1" dirty="0"/>
+                    </a:p>
+                  </a:txBody>
+                  <a:tcPr anchor="ctr"/>
+                </a:tc>
+                <a:tc>
+                  <a:txBody>
+                    <a:bodyPr/>
+                    <a:lstStyle/>
+                    <a:p>
+                      <a:pPr algn="ctr"/>
+                      <a:r>
+                        <a:rPr lang="en-US" altLang="zh-CN" b="1" dirty="0" smtClean="0"/>
+                        <a:t>1</a:t>
+                      </a:r>
+                      <a:endParaRPr lang="zh-CN" altLang="en-US" b="1" dirty="0"/>
+                    </a:p>
+                  </a:txBody>
+                  <a:tcPr anchor="ctr"/>
+                </a:tc>
+                <a:tc>
+                  <a:txBody>
+                    <a:bodyPr/>
+                    <a:lstStyle/>
+                    <a:p>
+                      <a:pPr algn="ctr"/>
+                      <a:endParaRPr lang="zh-CN" altLang="en-US" b="1" dirty="0"/>
+                    </a:p>
+                  </a:txBody>
+                  <a:tcPr anchor="ctr"/>
+                </a:tc>
+                <a:extLst>
+                  <a:ext uri="{0D108BD9-81ED-4DB2-BD59-A6C34878D82A}">
+                    <a16:rowId xmlns:a16="http://schemas.microsoft.com/office/drawing/2014/main" val="2803038693"/>
+                  </a:ext>
+                </a:extLst>
+              </a:tr>
+            </a:tbl>
+          </a:graphicData>
+        </a:graphic>
+      </p:graphicFrame>
+      <p:cxnSp>
+        <p:nvCxnSpPr>
+          <p:cNvPr id="6" name="直接箭头连接符 5"/>
+          <p:cNvCxnSpPr/>
+          <p:nvPr/>
+        </p:nvCxnSpPr>
+        <p:spPr>
+          <a:xfrm>
+            <a:off x="2420112" y="3904488"/>
+            <a:ext cx="4053840" cy="0"/>
+          </a:xfrm>
+          <a:prstGeom prst="straightConnector1">
+            <a:avLst/>
+          </a:prstGeom>
+          <a:ln>
+            <a:headEnd type="triangle"/>
+            <a:tailEnd type="triangle"/>
+          </a:ln>
+        </p:spPr>
+        <p:style>
+          <a:lnRef idx="1">
+            <a:schemeClr val="accent1"/>
+          </a:lnRef>
+          <a:fillRef idx="0">
+            <a:schemeClr val="accent1"/>
+          </a:fillRef>
+          <a:effectRef idx="0">
+            <a:schemeClr val="accent1"/>
+          </a:effectRef>
+          <a:fontRef idx="minor">
+            <a:schemeClr val="tx1"/>
+          </a:fontRef>
+        </p:style>
+      </p:cxnSp>
+      <p:sp>
+        <p:nvSpPr>
+          <p:cNvPr id="7" name="文本框 6"/>
+          <p:cNvSpPr txBox="1"/>
+          <p:nvPr/>
+        </p:nvSpPr>
+        <p:spPr>
+          <a:xfrm>
+            <a:off x="4274820" y="3424635"/>
+            <a:ext cx="928334" cy="369332"/>
+          </a:xfrm>
+          <a:prstGeom prst="rect">
+            <a:avLst/>
+          </a:prstGeom>
+          <a:noFill/>
+        </p:spPr>
+        <p:txBody>
+          <a:bodyPr wrap="square" rtlCol="0">
+            <a:spAutoFit/>
+          </a:bodyPr>
+          <a:lstStyle/>
+          <a:p>
+            <a:r>
+              <a:rPr lang="en-US" altLang="zh-CN" dirty="0" smtClean="0"/>
+              <a:t>id</a:t>
+            </a:r>
+            <a:endParaRPr lang="zh-CN" altLang="en-US" dirty="0"/>
+          </a:p>
+        </p:txBody>
+      </p:sp>
+      <p:sp>
+        <p:nvSpPr>
+          <p:cNvPr id="11" name="文本框 10"/>
+          <p:cNvSpPr txBox="1"/>
+          <p:nvPr/>
+        </p:nvSpPr>
+        <p:spPr>
+          <a:xfrm>
+            <a:off x="4079312" y="3897598"/>
+            <a:ext cx="928334" cy="369332"/>
+          </a:xfrm>
+          <a:prstGeom prst="rect">
+            <a:avLst/>
+          </a:prstGeom>
+          <a:noFill/>
+        </p:spPr>
+        <p:txBody>
+          <a:bodyPr wrap="square" rtlCol="0">
+            <a:spAutoFit/>
+          </a:bodyPr>
+          <a:lstStyle/>
+          <a:p>
+            <a:r>
+              <a:rPr lang="zh-CN" altLang="en-US" dirty="0" smtClean="0"/>
+              <a:t>“</a:t>
+            </a:r>
+            <a:r>
+              <a:rPr lang="en-US" altLang="zh-CN" dirty="0" smtClean="0"/>
+              <a:t>cbbc</a:t>
+            </a:r>
+            <a:r>
+              <a:rPr lang="zh-CN" altLang="en-US" dirty="0" smtClean="0"/>
+              <a:t>”</a:t>
+            </a:r>
+            <a:endParaRPr lang="zh-CN" altLang="en-US" dirty="0"/>
+          </a:p>
+        </p:txBody>
+      </p:sp>
+      <p:cxnSp>
+        <p:nvCxnSpPr>
+          <p:cNvPr id="13" name="直接连接符 12"/>
+          <p:cNvCxnSpPr/>
+          <p:nvPr/>
+        </p:nvCxnSpPr>
+        <p:spPr>
+          <a:xfrm>
+            <a:off x="4274820" y="3547872"/>
+            <a:ext cx="2199132" cy="0"/>
+          </a:xfrm>
+          <a:prstGeom prst="line">
+            <a:avLst/>
+          </a:prstGeom>
+          <a:ln w="57150">
+            <a:solidFill>
+              <a:schemeClr val="bg1">
+                <a:lumMod val="75000"/>
+                <a:alpha val="36863"/>
+              </a:schemeClr>
+            </a:solidFill>
+          </a:ln>
+        </p:spPr>
+        <p:style>
+          <a:lnRef idx="1">
+            <a:schemeClr val="dk1"/>
+          </a:lnRef>
+          <a:fillRef idx="0">
+            <a:schemeClr val="dk1"/>
+          </a:fillRef>
+          <a:effectRef idx="0">
+            <a:schemeClr val="dk1"/>
+          </a:effectRef>
+          <a:fontRef idx="minor">
+            <a:schemeClr val="tx1"/>
+          </a:fontRef>
+        </p:style>
+      </p:cxnSp>
+      <p:cxnSp>
+        <p:nvCxnSpPr>
+          <p:cNvPr id="16" name="直接连接符 15"/>
+          <p:cNvCxnSpPr/>
+          <p:nvPr/>
+        </p:nvCxnSpPr>
+        <p:spPr>
+          <a:xfrm>
+            <a:off x="2420112" y="3651504"/>
+            <a:ext cx="2249424" cy="0"/>
+          </a:xfrm>
+          <a:prstGeom prst="line">
+            <a:avLst/>
+          </a:prstGeom>
+          <a:ln w="57150">
+            <a:solidFill>
+              <a:schemeClr val="bg1">
+                <a:lumMod val="75000"/>
+                <a:alpha val="36863"/>
+              </a:schemeClr>
+            </a:solidFill>
+          </a:ln>
+        </p:spPr>
+        <p:style>
+          <a:lnRef idx="1">
+            <a:schemeClr val="dk1"/>
+          </a:lnRef>
+          <a:fillRef idx="0">
+            <a:schemeClr val="dk1"/>
+          </a:fillRef>
+          <a:effectRef idx="0">
+            <a:schemeClr val="dk1"/>
+          </a:effectRef>
+          <a:fontRef idx="minor">
+            <a:schemeClr val="tx1"/>
+          </a:fontRef>
+        </p:style>
+      </p:cxnSp>
+      <p:sp>
+        <p:nvSpPr>
+          <p:cNvPr id="18" name="文本框 17"/>
+          <p:cNvSpPr txBox="1"/>
+          <p:nvPr/>
+        </p:nvSpPr>
+        <p:spPr>
+          <a:xfrm>
+            <a:off x="5222748" y="3406007"/>
+            <a:ext cx="928334" cy="307777"/>
+          </a:xfrm>
+          <a:prstGeom prst="rect">
+            <a:avLst/>
+          </a:prstGeom>
+          <a:noFill/>
+        </p:spPr>
+        <p:txBody>
+          <a:bodyPr wrap="square" rtlCol="0">
+            <a:spAutoFit/>
+          </a:bodyPr>
+          <a:lstStyle/>
+          <a:p>
+            <a:r>
+              <a:rPr lang="en-US" altLang="zh-CN" sz="1400" dirty="0" smtClean="0"/>
+              <a:t>5</a:t>
+            </a:r>
+            <a:endParaRPr lang="zh-CN" altLang="en-US" sz="1400" dirty="0"/>
+          </a:p>
+        </p:txBody>
+      </p:sp>
+      <p:sp>
+        <p:nvSpPr>
+          <p:cNvPr id="19" name="文本框 18"/>
+          <p:cNvSpPr txBox="1"/>
+          <p:nvPr/>
+        </p:nvSpPr>
+        <p:spPr>
+          <a:xfrm>
+            <a:off x="3413324" y="3496163"/>
+            <a:ext cx="928334" cy="307777"/>
+          </a:xfrm>
+          <a:prstGeom prst="rect">
+            <a:avLst/>
+          </a:prstGeom>
+          <a:noFill/>
+        </p:spPr>
+        <p:txBody>
+          <a:bodyPr wrap="square" rtlCol="0">
+            <a:spAutoFit/>
+          </a:bodyPr>
+          <a:lstStyle/>
+          <a:p>
+            <a:r>
+              <a:rPr lang="en-US" altLang="zh-CN" sz="1400" dirty="0" smtClean="0"/>
+              <a:t>5</a:t>
+            </a:r>
+            <a:endParaRPr lang="zh-CN" altLang="en-US" sz="1400" dirty="0"/>
+          </a:p>
+        </p:txBody>
+      </p:sp>
+      <p:cxnSp>
+        <p:nvCxnSpPr>
+          <p:cNvPr id="10" name="直接箭头连接符 9"/>
+          <p:cNvCxnSpPr/>
+          <p:nvPr/>
+        </p:nvCxnSpPr>
+        <p:spPr>
+          <a:xfrm>
+            <a:off x="6915912" y="3904488"/>
+            <a:ext cx="3134868" cy="0"/>
+          </a:xfrm>
+          <a:prstGeom prst="straightConnector1">
+            <a:avLst/>
+          </a:prstGeom>
+          <a:ln>
+            <a:headEnd type="triangle"/>
+            <a:tailEnd type="triangle"/>
+          </a:ln>
+        </p:spPr>
+        <p:style>
+          <a:lnRef idx="1">
+            <a:schemeClr val="accent1"/>
+          </a:lnRef>
+          <a:fillRef idx="0">
+            <a:schemeClr val="accent1"/>
+          </a:fillRef>
+          <a:effectRef idx="0">
+            <a:schemeClr val="accent1"/>
+          </a:effectRef>
+          <a:fontRef idx="minor">
+            <a:schemeClr val="tx1"/>
+          </a:fontRef>
+        </p:style>
+      </p:cxnSp>
+      <p:sp>
+        <p:nvSpPr>
+          <p:cNvPr id="12" name="文本框 11"/>
+          <p:cNvSpPr txBox="1"/>
+          <p:nvPr/>
+        </p:nvSpPr>
+        <p:spPr>
+          <a:xfrm>
+            <a:off x="8171252" y="3897598"/>
+            <a:ext cx="928334" cy="369332"/>
+          </a:xfrm>
+          <a:prstGeom prst="rect">
+            <a:avLst/>
+          </a:prstGeom>
+          <a:noFill/>
+        </p:spPr>
+        <p:txBody>
+          <a:bodyPr wrap="square" rtlCol="0">
+            <a:spAutoFit/>
+          </a:bodyPr>
+          <a:lstStyle/>
+          <a:p>
+            <a:r>
+              <a:rPr lang="zh-CN" altLang="en-US" dirty="0" smtClean="0"/>
+              <a:t>“</a:t>
+            </a:r>
+            <a:r>
+              <a:rPr lang="en-US" altLang="zh-CN" dirty="0" smtClean="0"/>
+              <a:t>aba</a:t>
+            </a:r>
+            <a:r>
+              <a:rPr lang="zh-CN" altLang="en-US" dirty="0" smtClean="0"/>
+              <a:t>”</a:t>
+            </a:r>
+            <a:endParaRPr lang="zh-CN" altLang="en-US" dirty="0"/>
+          </a:p>
+        </p:txBody>
+      </p:sp>
+      <p:cxnSp>
+        <p:nvCxnSpPr>
+          <p:cNvPr id="14" name="直接连接符 13"/>
+          <p:cNvCxnSpPr/>
+          <p:nvPr/>
+        </p:nvCxnSpPr>
+        <p:spPr>
+          <a:xfrm>
+            <a:off x="8267700" y="3547872"/>
+            <a:ext cx="1783080" cy="0"/>
+          </a:xfrm>
+          <a:prstGeom prst="line">
+            <a:avLst/>
+          </a:prstGeom>
+          <a:ln w="57150">
+            <a:solidFill>
+              <a:schemeClr val="bg1">
+                <a:lumMod val="75000"/>
+                <a:alpha val="36863"/>
+              </a:schemeClr>
+            </a:solidFill>
+          </a:ln>
+        </p:spPr>
+        <p:style>
+          <a:lnRef idx="1">
+            <a:schemeClr val="dk1"/>
+          </a:lnRef>
+          <a:fillRef idx="0">
+            <a:schemeClr val="dk1"/>
+          </a:fillRef>
+          <a:effectRef idx="0">
+            <a:schemeClr val="dk1"/>
+          </a:effectRef>
+          <a:fontRef idx="minor">
+            <a:schemeClr val="tx1"/>
+          </a:fontRef>
+        </p:style>
+      </p:cxnSp>
+      <p:cxnSp>
+        <p:nvCxnSpPr>
+          <p:cNvPr id="15" name="直接连接符 14"/>
+          <p:cNvCxnSpPr/>
+          <p:nvPr/>
+        </p:nvCxnSpPr>
+        <p:spPr>
+          <a:xfrm>
+            <a:off x="6915912" y="3651504"/>
+            <a:ext cx="1854708" cy="0"/>
+          </a:xfrm>
+          <a:prstGeom prst="line">
+            <a:avLst/>
+          </a:prstGeom>
+          <a:ln w="57150">
+            <a:solidFill>
+              <a:schemeClr val="bg1">
+                <a:lumMod val="75000"/>
+                <a:alpha val="36863"/>
+              </a:schemeClr>
+            </a:solidFill>
+          </a:ln>
+        </p:spPr>
+        <p:style>
+          <a:lnRef idx="1">
+            <a:schemeClr val="dk1"/>
+          </a:lnRef>
+          <a:fillRef idx="0">
+            <a:schemeClr val="dk1"/>
+          </a:fillRef>
+          <a:effectRef idx="0">
+            <a:schemeClr val="dk1"/>
+          </a:effectRef>
+          <a:fontRef idx="minor">
+            <a:schemeClr val="tx1"/>
+          </a:fontRef>
+        </p:style>
+      </p:cxnSp>
+      <p:sp>
+        <p:nvSpPr>
+          <p:cNvPr id="17" name="文本框 16"/>
+          <p:cNvSpPr txBox="1"/>
+          <p:nvPr/>
+        </p:nvSpPr>
+        <p:spPr>
+          <a:xfrm>
+            <a:off x="8336387" y="3424635"/>
+            <a:ext cx="928334" cy="369332"/>
+          </a:xfrm>
+          <a:prstGeom prst="rect">
+            <a:avLst/>
+          </a:prstGeom>
+          <a:noFill/>
+        </p:spPr>
+        <p:txBody>
+          <a:bodyPr wrap="square" rtlCol="0">
+            <a:spAutoFit/>
+          </a:bodyPr>
+          <a:lstStyle/>
+          <a:p>
+            <a:r>
+              <a:rPr lang="en-US" altLang="zh-CN" dirty="0" smtClean="0"/>
+              <a:t>id</a:t>
+            </a:r>
+            <a:endParaRPr lang="zh-CN" altLang="en-US" dirty="0"/>
+          </a:p>
+        </p:txBody>
+      </p:sp>
+      <p:sp>
+        <p:nvSpPr>
+          <p:cNvPr id="20" name="文本框 19"/>
+          <p:cNvSpPr txBox="1"/>
+          <p:nvPr/>
+        </p:nvSpPr>
+        <p:spPr>
+          <a:xfrm>
+            <a:off x="9052342" y="3406007"/>
+            <a:ext cx="928334" cy="307777"/>
+          </a:xfrm>
+          <a:prstGeom prst="rect">
+            <a:avLst/>
+          </a:prstGeom>
+          <a:noFill/>
+        </p:spPr>
+        <p:txBody>
+          <a:bodyPr wrap="square" rtlCol="0">
+            <a:spAutoFit/>
+          </a:bodyPr>
+          <a:lstStyle/>
+          <a:p>
+            <a:r>
+              <a:rPr lang="en-US" altLang="zh-CN" sz="1400" dirty="0" smtClean="0"/>
+              <a:t>4</a:t>
+            </a:r>
+            <a:endParaRPr lang="zh-CN" altLang="en-US" sz="1400" dirty="0"/>
+          </a:p>
+        </p:txBody>
+      </p:sp>
+      <p:sp>
+        <p:nvSpPr>
+          <p:cNvPr id="21" name="文本框 20"/>
+          <p:cNvSpPr txBox="1"/>
+          <p:nvPr/>
+        </p:nvSpPr>
+        <p:spPr>
+          <a:xfrm>
+            <a:off x="7707085" y="3496163"/>
+            <a:ext cx="928334" cy="307777"/>
+          </a:xfrm>
+          <a:prstGeom prst="rect">
+            <a:avLst/>
+          </a:prstGeom>
+          <a:noFill/>
+        </p:spPr>
+        <p:txBody>
+          <a:bodyPr wrap="square" rtlCol="0">
+            <a:spAutoFit/>
+          </a:bodyPr>
+          <a:lstStyle/>
+          <a:p>
+            <a:r>
+              <a:rPr lang="en-US" altLang="zh-CN" sz="1400" dirty="0" smtClean="0"/>
+              <a:t>4</a:t>
+            </a:r>
+            <a:endParaRPr lang="zh-CN" altLang="en-US" sz="1400" dirty="0"/>
+          </a:p>
+        </p:txBody>
+      </p:sp>
+    </p:spTree>
+    <p:extLst>
+      <p:ext uri="{BB962C8B-B14F-4D97-AF65-F5344CB8AC3E}">
+        <p14:creationId xmlns:p14="http://schemas.microsoft.com/office/powerpoint/2010/main" val="3764412977"/>
+      </p:ext>
+    </p:extLst>
+  </p:cSld>
+  <p:clrMapOvr>
+    <a:masterClrMapping/>
+  </p:clrMapOvr>
+</p:sld>
+</file>
+
+<file path=ppt/slides/slide13.xml><?xml version="1.0" encoding="utf-8"?>
+<p:sld xmlns:a="http://schemas.openxmlformats.org/drawingml/2006/main" xmlns:r="http://schemas.openxmlformats.org/officeDocument/2006/relationships" xmlns:p="http://schemas.openxmlformats.org/presentationml/2006/main">
+  <p:cSld>
+    <p:spTree>
+      <p:nvGrpSpPr>
+        <p:cNvPr id="1" name=""/>
+        <p:cNvGrpSpPr/>
+        <p:nvPr/>
+      </p:nvGrpSpPr>
+      <p:grpSpPr>
+        <a:xfrm>
+          <a:off x="0" y="0"/>
+          <a:ext cx="0" cy="0"/>
+          <a:chOff x="0" y="0"/>
+          <a:chExt cx="0" cy="0"/>
+        </a:xfrm>
+      </p:grpSpPr>
+      <p:graphicFrame>
+        <p:nvGraphicFramePr>
+          <p:cNvPr id="4" name="表格 3"/>
+          <p:cNvGraphicFramePr>
+            <a:graphicFrameLocks noGrp="1"/>
+          </p:cNvGraphicFramePr>
+          <p:nvPr>
+            <p:extLst>
+              <p:ext uri="{D42A27DB-BD31-4B8C-83A1-F6EECF244321}">
+                <p14:modId xmlns:p14="http://schemas.microsoft.com/office/powerpoint/2010/main" val="3559799849"/>
+              </p:ext>
+            </p:extLst>
+          </p:nvPr>
+        </p:nvGraphicFramePr>
+        <p:xfrm>
+          <a:off x="1535299" y="2058937"/>
+          <a:ext cx="8987920" cy="1414323"/>
+        </p:xfrm>
+        <a:graphic>
+          <a:graphicData uri="http://schemas.openxmlformats.org/drawingml/2006/table">
+            <a:tbl>
+              <a:tblPr firstRow="1" bandRow="1">
+                <a:tableStyleId>{5C22544A-7EE6-4342-B048-85BDC9FD1C3A}</a:tableStyleId>
+              </a:tblPr>
+              <a:tblGrid>
+                <a:gridCol w="449396">
+                  <a:extLst>
+                    <a:ext uri="{9D8B030D-6E8A-4147-A177-3AD203B41FA5}">
+                      <a16:colId xmlns:a16="http://schemas.microsoft.com/office/drawing/2014/main" val="2262083765"/>
+                    </a:ext>
+                  </a:extLst>
+                </a:gridCol>
+                <a:gridCol w="449396">
+                  <a:extLst>
+                    <a:ext uri="{9D8B030D-6E8A-4147-A177-3AD203B41FA5}">
+                      <a16:colId xmlns:a16="http://schemas.microsoft.com/office/drawing/2014/main" val="1760786954"/>
+                    </a:ext>
+                  </a:extLst>
+                </a:gridCol>
+                <a:gridCol w="449396">
+                  <a:extLst>
+                    <a:ext uri="{9D8B030D-6E8A-4147-A177-3AD203B41FA5}">
+                      <a16:colId xmlns:a16="http://schemas.microsoft.com/office/drawing/2014/main" val="3449211832"/>
+                    </a:ext>
+                  </a:extLst>
+                </a:gridCol>
+                <a:gridCol w="449396">
+                  <a:extLst>
+                    <a:ext uri="{9D8B030D-6E8A-4147-A177-3AD203B41FA5}">
+                      <a16:colId xmlns:a16="http://schemas.microsoft.com/office/drawing/2014/main" val="667474760"/>
+                    </a:ext>
+                  </a:extLst>
+                </a:gridCol>
+                <a:gridCol w="449396">
+                  <a:extLst>
+                    <a:ext uri="{9D8B030D-6E8A-4147-A177-3AD203B41FA5}">
+                      <a16:colId xmlns:a16="http://schemas.microsoft.com/office/drawing/2014/main" val="1404427100"/>
+                    </a:ext>
+                  </a:extLst>
+                </a:gridCol>
+                <a:gridCol w="449396">
+                  <a:extLst>
+                    <a:ext uri="{9D8B030D-6E8A-4147-A177-3AD203B41FA5}">
+                      <a16:colId xmlns:a16="http://schemas.microsoft.com/office/drawing/2014/main" val="1016760090"/>
+                    </a:ext>
+                  </a:extLst>
+                </a:gridCol>
+                <a:gridCol w="449396">
+                  <a:extLst>
+                    <a:ext uri="{9D8B030D-6E8A-4147-A177-3AD203B41FA5}">
+                      <a16:colId xmlns:a16="http://schemas.microsoft.com/office/drawing/2014/main" val="2469141873"/>
+                    </a:ext>
+                  </a:extLst>
+                </a:gridCol>
+                <a:gridCol w="449396">
+                  <a:extLst>
+                    <a:ext uri="{9D8B030D-6E8A-4147-A177-3AD203B41FA5}">
+                      <a16:colId xmlns:a16="http://schemas.microsoft.com/office/drawing/2014/main" val="189228409"/>
+                    </a:ext>
+                  </a:extLst>
+                </a:gridCol>
+                <a:gridCol w="449396">
+                  <a:extLst>
+                    <a:ext uri="{9D8B030D-6E8A-4147-A177-3AD203B41FA5}">
+                      <a16:colId xmlns:a16="http://schemas.microsoft.com/office/drawing/2014/main" val="3798636356"/>
+                    </a:ext>
+                  </a:extLst>
+                </a:gridCol>
+                <a:gridCol w="449396">
+                  <a:extLst>
+                    <a:ext uri="{9D8B030D-6E8A-4147-A177-3AD203B41FA5}">
+                      <a16:colId xmlns:a16="http://schemas.microsoft.com/office/drawing/2014/main" val="2559778786"/>
+                    </a:ext>
+                  </a:extLst>
+                </a:gridCol>
+                <a:gridCol w="449396">
+                  <a:extLst>
+                    <a:ext uri="{9D8B030D-6E8A-4147-A177-3AD203B41FA5}">
+                      <a16:colId xmlns:a16="http://schemas.microsoft.com/office/drawing/2014/main" val="1605969564"/>
+                    </a:ext>
+                  </a:extLst>
+                </a:gridCol>
+                <a:gridCol w="449396">
+                  <a:extLst>
+                    <a:ext uri="{9D8B030D-6E8A-4147-A177-3AD203B41FA5}">
+                      <a16:colId xmlns:a16="http://schemas.microsoft.com/office/drawing/2014/main" val="2893669601"/>
+                    </a:ext>
+                  </a:extLst>
+                </a:gridCol>
+                <a:gridCol w="449396">
+                  <a:extLst>
+                    <a:ext uri="{9D8B030D-6E8A-4147-A177-3AD203B41FA5}">
+                      <a16:colId xmlns:a16="http://schemas.microsoft.com/office/drawing/2014/main" val="4275763972"/>
+                    </a:ext>
+                  </a:extLst>
+                </a:gridCol>
+                <a:gridCol w="449396">
+                  <a:extLst>
+                    <a:ext uri="{9D8B030D-6E8A-4147-A177-3AD203B41FA5}">
+                      <a16:colId xmlns:a16="http://schemas.microsoft.com/office/drawing/2014/main" val="3935391714"/>
+                    </a:ext>
+                  </a:extLst>
+                </a:gridCol>
+                <a:gridCol w="449396">
+                  <a:extLst>
+                    <a:ext uri="{9D8B030D-6E8A-4147-A177-3AD203B41FA5}">
+                      <a16:colId xmlns:a16="http://schemas.microsoft.com/office/drawing/2014/main" val="880765783"/>
+                    </a:ext>
+                  </a:extLst>
+                </a:gridCol>
+                <a:gridCol w="449396">
+                  <a:extLst>
+                    <a:ext uri="{9D8B030D-6E8A-4147-A177-3AD203B41FA5}">
+                      <a16:colId xmlns:a16="http://schemas.microsoft.com/office/drawing/2014/main" val="449402296"/>
+                    </a:ext>
+                  </a:extLst>
+                </a:gridCol>
+                <a:gridCol w="449396">
+                  <a:extLst>
+                    <a:ext uri="{9D8B030D-6E8A-4147-A177-3AD203B41FA5}">
+                      <a16:colId xmlns:a16="http://schemas.microsoft.com/office/drawing/2014/main" val="580481147"/>
+                    </a:ext>
+                  </a:extLst>
+                </a:gridCol>
+                <a:gridCol w="449396">
+                  <a:extLst>
+                    <a:ext uri="{9D8B030D-6E8A-4147-A177-3AD203B41FA5}">
+                      <a16:colId xmlns:a16="http://schemas.microsoft.com/office/drawing/2014/main" val="350929362"/>
+                    </a:ext>
+                  </a:extLst>
+                </a:gridCol>
+                <a:gridCol w="449396">
+                  <a:extLst>
+                    <a:ext uri="{9D8B030D-6E8A-4147-A177-3AD203B41FA5}">
+                      <a16:colId xmlns:a16="http://schemas.microsoft.com/office/drawing/2014/main" val="3587195927"/>
+                    </a:ext>
+                  </a:extLst>
+                </a:gridCol>
+                <a:gridCol w="449396">
+                  <a:extLst>
+                    <a:ext uri="{9D8B030D-6E8A-4147-A177-3AD203B41FA5}">
+                      <a16:colId xmlns:a16="http://schemas.microsoft.com/office/drawing/2014/main" val="3055172977"/>
+                    </a:ext>
+                  </a:extLst>
+                </a:gridCol>
+              </a:tblGrid>
+              <a:tr h="471441">
+                <a:tc>
+                  <a:txBody>
+                    <a:bodyPr/>
+                    <a:lstStyle/>
+                    <a:p>
+                      <a:pPr algn="ctr"/>
+                      <a:r>
+                        <a:rPr lang="en-US" altLang="zh-CN" b="1" dirty="0" smtClean="0"/>
+                        <a:t>i</a:t>
+                      </a:r>
+                      <a:endParaRPr lang="zh-CN" altLang="en-US" b="1" dirty="0"/>
+                    </a:p>
+                  </a:txBody>
+                  <a:tcPr anchor="ctr"/>
+                </a:tc>
+                <a:tc>
+                  <a:txBody>
+                    <a:bodyPr/>
+                    <a:lstStyle/>
+                    <a:p>
+                      <a:pPr algn="ctr"/>
+                      <a:r>
+                        <a:rPr lang="en-US" altLang="zh-CN" b="1" dirty="0" smtClean="0"/>
+                        <a:t>0</a:t>
+                      </a:r>
+                      <a:endParaRPr lang="zh-CN" altLang="en-US" b="1" dirty="0"/>
+                    </a:p>
+                  </a:txBody>
+                  <a:tcPr anchor="ctr"/>
+                </a:tc>
+                <a:tc>
+                  <a:txBody>
+                    <a:bodyPr/>
+                    <a:lstStyle/>
+                    <a:p>
+                      <a:pPr algn="ctr"/>
+                      <a:r>
+                        <a:rPr lang="en-US" altLang="zh-CN" b="1" dirty="0" smtClean="0"/>
+                        <a:t>1</a:t>
+                      </a:r>
+                      <a:endParaRPr lang="zh-CN" altLang="en-US" b="1" dirty="0"/>
+                    </a:p>
+                  </a:txBody>
+                  <a:tcPr anchor="ctr"/>
+                </a:tc>
+                <a:tc>
+                  <a:txBody>
+                    <a:bodyPr/>
+                    <a:lstStyle/>
+                    <a:p>
+                      <a:pPr algn="ctr"/>
+                      <a:r>
+                        <a:rPr lang="en-US" altLang="zh-CN" b="1" dirty="0" smtClean="0"/>
+                        <a:t>2</a:t>
+                      </a:r>
+                      <a:endParaRPr lang="zh-CN" altLang="en-US" b="1" dirty="0"/>
+                    </a:p>
+                  </a:txBody>
+                  <a:tcPr anchor="ctr"/>
+                </a:tc>
+                <a:tc>
+                  <a:txBody>
+                    <a:bodyPr/>
+                    <a:lstStyle/>
+                    <a:p>
+                      <a:pPr algn="ctr"/>
+                      <a:r>
+                        <a:rPr lang="en-US" altLang="zh-CN" b="1" dirty="0" smtClean="0"/>
+                        <a:t>3</a:t>
+                      </a:r>
+                      <a:endParaRPr lang="zh-CN" altLang="en-US" b="1" dirty="0"/>
+                    </a:p>
+                  </a:txBody>
+                  <a:tcPr anchor="ctr"/>
+                </a:tc>
+                <a:tc>
+                  <a:txBody>
+                    <a:bodyPr/>
+                    <a:lstStyle/>
+                    <a:p>
+                      <a:pPr algn="ctr"/>
+                      <a:r>
+                        <a:rPr lang="en-US" altLang="zh-CN" b="1" dirty="0" smtClean="0"/>
+                        <a:t>4</a:t>
+                      </a:r>
+                      <a:endParaRPr lang="zh-CN" altLang="en-US" b="1" dirty="0"/>
+                    </a:p>
+                  </a:txBody>
+                  <a:tcPr anchor="ctr"/>
+                </a:tc>
+                <a:tc>
+                  <a:txBody>
+                    <a:bodyPr/>
+                    <a:lstStyle/>
+                    <a:p>
+                      <a:pPr algn="ctr"/>
+                      <a:r>
+                        <a:rPr lang="en-US" altLang="zh-CN" b="1" dirty="0" smtClean="0"/>
+                        <a:t>5</a:t>
+                      </a:r>
+                      <a:endParaRPr lang="zh-CN" altLang="en-US" b="1" dirty="0"/>
+                    </a:p>
+                  </a:txBody>
+                  <a:tcPr anchor="ctr"/>
+                </a:tc>
+                <a:tc>
+                  <a:txBody>
+                    <a:bodyPr/>
+                    <a:lstStyle/>
+                    <a:p>
+                      <a:pPr algn="ctr"/>
+                      <a:r>
+                        <a:rPr lang="en-US" altLang="zh-CN" b="1" dirty="0" smtClean="0"/>
+                        <a:t>6</a:t>
+                      </a:r>
+                      <a:endParaRPr lang="zh-CN" altLang="en-US" b="1" dirty="0"/>
+                    </a:p>
+                  </a:txBody>
+                  <a:tcPr anchor="ctr"/>
+                </a:tc>
+                <a:tc>
+                  <a:txBody>
+                    <a:bodyPr/>
+                    <a:lstStyle/>
+                    <a:p>
+                      <a:pPr algn="ctr"/>
+                      <a:r>
+                        <a:rPr lang="en-US" altLang="zh-CN" b="1" dirty="0" smtClean="0"/>
+                        <a:t>7</a:t>
+                      </a:r>
+                      <a:endParaRPr lang="zh-CN" altLang="en-US" b="1" dirty="0"/>
+                    </a:p>
+                  </a:txBody>
+                  <a:tcPr anchor="ctr"/>
+                </a:tc>
+                <a:tc>
+                  <a:txBody>
+                    <a:bodyPr/>
+                    <a:lstStyle/>
+                    <a:p>
+                      <a:pPr algn="ctr"/>
+                      <a:r>
+                        <a:rPr lang="en-US" altLang="zh-CN" b="1" dirty="0" smtClean="0"/>
+                        <a:t>8</a:t>
+                      </a:r>
+                      <a:endParaRPr lang="zh-CN" altLang="en-US" b="1" dirty="0"/>
+                    </a:p>
+                  </a:txBody>
+                  <a:tcPr anchor="ctr"/>
+                </a:tc>
+                <a:tc>
+                  <a:txBody>
+                    <a:bodyPr/>
+                    <a:lstStyle/>
+                    <a:p>
+                      <a:pPr algn="ctr"/>
+                      <a:r>
+                        <a:rPr lang="en-US" altLang="zh-CN" b="1" dirty="0" smtClean="0"/>
+                        <a:t>9</a:t>
+                      </a:r>
+                      <a:endParaRPr lang="zh-CN" altLang="en-US" b="1" dirty="0"/>
+                    </a:p>
+                  </a:txBody>
+                  <a:tcPr anchor="ctr"/>
+                </a:tc>
+                <a:tc>
+                  <a:txBody>
+                    <a:bodyPr/>
+                    <a:lstStyle/>
+                    <a:p>
+                      <a:pPr algn="ctr"/>
+                      <a:r>
+                        <a:rPr lang="en-US" altLang="zh-CN" b="1" dirty="0" smtClean="0"/>
+                        <a:t>10</a:t>
+                      </a:r>
+                      <a:endParaRPr lang="zh-CN" altLang="en-US" b="1" dirty="0"/>
+                    </a:p>
+                  </a:txBody>
+                  <a:tcPr anchor="ctr"/>
+                </a:tc>
+                <a:tc>
+                  <a:txBody>
+                    <a:bodyPr/>
+                    <a:lstStyle/>
+                    <a:p>
+                      <a:pPr algn="ctr"/>
+                      <a:r>
+                        <a:rPr lang="en-US" altLang="zh-CN" b="1" dirty="0" smtClean="0"/>
+                        <a:t>11</a:t>
+                      </a:r>
+                      <a:endParaRPr lang="zh-CN" altLang="en-US" b="1" dirty="0"/>
+                    </a:p>
+                  </a:txBody>
+                  <a:tcPr anchor="ctr"/>
+                </a:tc>
+                <a:tc>
+                  <a:txBody>
+                    <a:bodyPr/>
+                    <a:lstStyle/>
+                    <a:p>
+                      <a:pPr algn="ctr"/>
+                      <a:r>
+                        <a:rPr lang="en-US" altLang="zh-CN" b="1" dirty="0" smtClean="0"/>
+                        <a:t>12</a:t>
+                      </a:r>
+                      <a:endParaRPr lang="zh-CN" altLang="en-US" b="1" dirty="0"/>
+                    </a:p>
+                  </a:txBody>
+                  <a:tcPr anchor="ctr"/>
+                </a:tc>
+                <a:tc>
+                  <a:txBody>
+                    <a:bodyPr/>
+                    <a:lstStyle/>
+                    <a:p>
+                      <a:pPr algn="ctr"/>
+                      <a:r>
+                        <a:rPr lang="en-US" altLang="zh-CN" b="1" dirty="0" smtClean="0"/>
+                        <a:t>13</a:t>
+                      </a:r>
+                      <a:endParaRPr lang="zh-CN" altLang="en-US" b="1" dirty="0"/>
+                    </a:p>
+                  </a:txBody>
+                  <a:tcPr anchor="ctr"/>
+                </a:tc>
+                <a:tc>
+                  <a:txBody>
+                    <a:bodyPr/>
+                    <a:lstStyle/>
+                    <a:p>
+                      <a:pPr algn="ctr"/>
+                      <a:r>
+                        <a:rPr lang="en-US" altLang="zh-CN" b="1" dirty="0" smtClean="0"/>
+                        <a:t>14</a:t>
+                      </a:r>
+                      <a:endParaRPr lang="zh-CN" altLang="en-US" b="1" dirty="0"/>
+                    </a:p>
+                  </a:txBody>
+                  <a:tcPr anchor="ctr"/>
+                </a:tc>
+                <a:tc>
+                  <a:txBody>
+                    <a:bodyPr/>
+                    <a:lstStyle/>
+                    <a:p>
+                      <a:pPr algn="ctr"/>
+                      <a:r>
+                        <a:rPr lang="en-US" altLang="zh-CN" b="1" dirty="0" smtClean="0"/>
+                        <a:t>15</a:t>
+                      </a:r>
+                      <a:endParaRPr lang="zh-CN" altLang="en-US" b="1" dirty="0"/>
+                    </a:p>
+                  </a:txBody>
+                  <a:tcPr anchor="ctr"/>
+                </a:tc>
+                <a:tc>
+                  <a:txBody>
+                    <a:bodyPr/>
+                    <a:lstStyle/>
+                    <a:p>
+                      <a:pPr algn="ctr"/>
+                      <a:r>
+                        <a:rPr lang="en-US" altLang="zh-CN" b="1" dirty="0" smtClean="0"/>
+                        <a:t>16</a:t>
+                      </a:r>
+                      <a:endParaRPr lang="zh-CN" altLang="en-US" b="1" dirty="0"/>
+                    </a:p>
+                  </a:txBody>
+                  <a:tcPr anchor="ctr"/>
+                </a:tc>
+                <a:tc>
+                  <a:txBody>
+                    <a:bodyPr/>
+                    <a:lstStyle/>
+                    <a:p>
+                      <a:pPr algn="ctr"/>
+                      <a:r>
+                        <a:rPr lang="en-US" altLang="zh-CN" b="1" dirty="0" smtClean="0"/>
+                        <a:t>17</a:t>
+                      </a:r>
+                      <a:endParaRPr lang="zh-CN" altLang="en-US" b="1" dirty="0"/>
+                    </a:p>
+                  </a:txBody>
+                  <a:tcPr anchor="ctr"/>
+                </a:tc>
+                <a:tc>
+                  <a:txBody>
+                    <a:bodyPr/>
+                    <a:lstStyle/>
+                    <a:p>
+                      <a:pPr algn="ctr"/>
+                      <a:r>
+                        <a:rPr lang="en-US" altLang="zh-CN" b="1" dirty="0" smtClean="0"/>
+                        <a:t>18</a:t>
+                      </a:r>
+                      <a:endParaRPr lang="zh-CN" altLang="en-US" b="1" dirty="0"/>
+                    </a:p>
+                  </a:txBody>
+                  <a:tcPr anchor="ctr"/>
+                </a:tc>
+                <a:extLst>
+                  <a:ext uri="{0D108BD9-81ED-4DB2-BD59-A6C34878D82A}">
+                    <a16:rowId xmlns:a16="http://schemas.microsoft.com/office/drawing/2014/main" val="2987790500"/>
+                  </a:ext>
+                </a:extLst>
+              </a:tr>
+              <a:tr h="471441">
+                <a:tc>
+                  <a:txBody>
+                    <a:bodyPr/>
+                    <a:lstStyle/>
+                    <a:p>
+                      <a:pPr algn="ctr"/>
+                      <a:r>
+                        <a:rPr lang="en-US" altLang="zh-CN" b="1" dirty="0" smtClean="0"/>
+                        <a:t>T</a:t>
+                      </a:r>
+                      <a:endParaRPr lang="zh-CN" altLang="en-US" b="1" dirty="0"/>
+                    </a:p>
+                  </a:txBody>
+                  <a:tcPr anchor="ctr"/>
+                </a:tc>
+                <a:tc>
+                  <a:txBody>
+                    <a:bodyPr/>
+                    <a:lstStyle/>
+                    <a:p>
+                      <a:pPr algn="ctr"/>
+                      <a:r>
+                        <a:rPr lang="en-US" altLang="zh-CN" b="1" dirty="0" smtClean="0"/>
+                        <a:t>^</a:t>
+                      </a:r>
+                      <a:endParaRPr lang="zh-CN" altLang="en-US" b="1" dirty="0"/>
+                    </a:p>
+                  </a:txBody>
+                  <a:tcPr anchor="ctr"/>
+                </a:tc>
+                <a:tc>
+                  <a:txBody>
+                    <a:bodyPr/>
+                    <a:lstStyle/>
+                    <a:p>
+                      <a:pPr algn="ctr"/>
+                      <a:r>
+                        <a:rPr lang="en-US" altLang="zh-CN" b="1" dirty="0" smtClean="0"/>
+                        <a:t>#</a:t>
+                      </a:r>
+                      <a:endParaRPr lang="zh-CN" altLang="en-US" b="1" dirty="0"/>
+                    </a:p>
+                  </a:txBody>
+                  <a:tcPr anchor="ctr"/>
+                </a:tc>
+                <a:tc>
+                  <a:txBody>
+                    <a:bodyPr/>
+                    <a:lstStyle/>
+                    <a:p>
+                      <a:pPr algn="ctr"/>
+                      <a:r>
+                        <a:rPr lang="en-US" altLang="zh-CN" b="1" dirty="0" smtClean="0"/>
+                        <a:t>c</a:t>
+                      </a:r>
+                      <a:endParaRPr lang="zh-CN" altLang="en-US" b="1" dirty="0"/>
+                    </a:p>
+                  </a:txBody>
+                  <a:tcPr anchor="ctr"/>
+                </a:tc>
+                <a:tc>
+                  <a:txBody>
+                    <a:bodyPr/>
+                    <a:lstStyle/>
+                    <a:p>
+                      <a:pPr algn="ctr"/>
+                      <a:r>
+                        <a:rPr lang="en-US" altLang="zh-CN" b="1" dirty="0" smtClean="0"/>
+                        <a:t>#</a:t>
+                      </a:r>
+                      <a:endParaRPr lang="zh-CN" altLang="en-US" b="1" dirty="0"/>
+                    </a:p>
+                  </a:txBody>
+                  <a:tcPr anchor="ctr"/>
+                </a:tc>
+                <a:tc>
+                  <a:txBody>
+                    <a:bodyPr/>
+                    <a:lstStyle/>
+                    <a:p>
+                      <a:pPr algn="ctr"/>
+                      <a:r>
+                        <a:rPr lang="en-US" altLang="zh-CN" b="1" dirty="0" smtClean="0"/>
+                        <a:t>b</a:t>
+                      </a:r>
+                      <a:endParaRPr lang="zh-CN" altLang="en-US" b="1" dirty="0"/>
+                    </a:p>
+                  </a:txBody>
+                  <a:tcPr anchor="ctr"/>
+                </a:tc>
+                <a:tc>
+                  <a:txBody>
+                    <a:bodyPr/>
+                    <a:lstStyle/>
+                    <a:p>
+                      <a:pPr algn="ctr"/>
+                      <a:r>
+                        <a:rPr lang="en-US" altLang="zh-CN" b="1" dirty="0" smtClean="0"/>
+                        <a:t>#</a:t>
+                      </a:r>
+                      <a:endParaRPr lang="zh-CN" altLang="en-US" b="1" dirty="0"/>
+                    </a:p>
+                  </a:txBody>
+                  <a:tcPr anchor="ctr"/>
+                </a:tc>
+                <a:tc>
+                  <a:txBody>
+                    <a:bodyPr/>
+                    <a:lstStyle/>
+                    <a:p>
+                      <a:pPr algn="ctr"/>
+                      <a:r>
+                        <a:rPr lang="en-US" altLang="zh-CN" b="1" dirty="0" smtClean="0"/>
+                        <a:t>b</a:t>
+                      </a:r>
+                      <a:endParaRPr lang="zh-CN" altLang="en-US" b="1" dirty="0"/>
+                    </a:p>
+                  </a:txBody>
+                  <a:tcPr anchor="ctr"/>
+                </a:tc>
+                <a:tc>
+                  <a:txBody>
+                    <a:bodyPr/>
+                    <a:lstStyle/>
+                    <a:p>
+                      <a:pPr algn="ctr"/>
+                      <a:r>
+                        <a:rPr lang="en-US" altLang="zh-CN" b="1" dirty="0" smtClean="0"/>
+                        <a:t>#</a:t>
+                      </a:r>
+                      <a:endParaRPr lang="zh-CN" altLang="en-US" b="1" dirty="0"/>
+                    </a:p>
+                  </a:txBody>
+                  <a:tcPr anchor="ctr"/>
+                </a:tc>
+                <a:tc>
+                  <a:txBody>
+                    <a:bodyPr/>
+                    <a:lstStyle/>
+                    <a:p>
+                      <a:pPr algn="ctr"/>
+                      <a:r>
+                        <a:rPr lang="en-US" altLang="zh-CN" b="1" dirty="0" smtClean="0"/>
+                        <a:t>c</a:t>
+                      </a:r>
+                      <a:endParaRPr lang="zh-CN" altLang="en-US" b="1" dirty="0"/>
+                    </a:p>
+                  </a:txBody>
+                  <a:tcPr anchor="ctr"/>
+                </a:tc>
+                <a:tc>
+                  <a:txBody>
+                    <a:bodyPr/>
+                    <a:lstStyle/>
+                    <a:p>
+                      <a:pPr algn="ctr"/>
+                      <a:r>
+                        <a:rPr lang="en-US" altLang="zh-CN" b="1" dirty="0" smtClean="0"/>
+                        <a:t>#</a:t>
+                      </a:r>
+                      <a:endParaRPr lang="zh-CN" altLang="en-US" b="1" dirty="0"/>
+                    </a:p>
+                  </a:txBody>
+                  <a:tcPr anchor="ctr"/>
+                </a:tc>
+                <a:tc>
+                  <a:txBody>
+                    <a:bodyPr/>
+                    <a:lstStyle/>
+                    <a:p>
+                      <a:pPr algn="ctr"/>
+                      <a:r>
+                        <a:rPr lang="en-US" altLang="zh-CN" b="1" dirty="0" smtClean="0"/>
+                        <a:t>d</a:t>
+                      </a:r>
+                      <a:endParaRPr lang="zh-CN" altLang="en-US" b="1" dirty="0"/>
+                    </a:p>
+                  </a:txBody>
+                  <a:tcPr anchor="ctr"/>
+                </a:tc>
+                <a:tc>
+                  <a:txBody>
+                    <a:bodyPr/>
+                    <a:lstStyle/>
+                    <a:p>
+                      <a:pPr algn="ctr"/>
+                      <a:r>
+                        <a:rPr lang="en-US" altLang="zh-CN" b="1" dirty="0" smtClean="0"/>
+                        <a:t>#</a:t>
+                      </a:r>
+                      <a:endParaRPr lang="zh-CN" altLang="en-US" b="1" dirty="0"/>
+                    </a:p>
+                  </a:txBody>
+                  <a:tcPr anchor="ctr"/>
+                </a:tc>
+                <a:tc>
+                  <a:txBody>
+                    <a:bodyPr/>
+                    <a:lstStyle/>
+                    <a:p>
+                      <a:pPr algn="ctr"/>
+                      <a:r>
+                        <a:rPr lang="en-US" altLang="zh-CN" b="1" dirty="0" smtClean="0"/>
+                        <a:t>a</a:t>
+                      </a:r>
+                      <a:endParaRPr lang="zh-CN" altLang="en-US" b="1" dirty="0"/>
+                    </a:p>
+                  </a:txBody>
+                  <a:tcPr anchor="ctr"/>
+                </a:tc>
+                <a:tc>
+                  <a:txBody>
+                    <a:bodyPr/>
+                    <a:lstStyle/>
+                    <a:p>
+                      <a:pPr algn="ctr"/>
+                      <a:r>
+                        <a:rPr lang="en-US" altLang="zh-CN" b="1" dirty="0" smtClean="0"/>
+                        <a:t>#</a:t>
+                      </a:r>
+                      <a:endParaRPr lang="zh-CN" altLang="en-US" b="1" dirty="0"/>
+                    </a:p>
+                  </a:txBody>
+                  <a:tcPr anchor="ctr"/>
+                </a:tc>
+                <a:tc>
+                  <a:txBody>
+                    <a:bodyPr/>
+                    <a:lstStyle/>
+                    <a:p>
+                      <a:pPr algn="ctr"/>
+                      <a:r>
+                        <a:rPr lang="en-US" altLang="zh-CN" b="1" dirty="0" smtClean="0"/>
+                        <a:t>b</a:t>
+                      </a:r>
+                      <a:endParaRPr lang="zh-CN" altLang="en-US" b="1" dirty="0"/>
+                    </a:p>
+                  </a:txBody>
+                  <a:tcPr anchor="ctr"/>
+                </a:tc>
+                <a:tc>
+                  <a:txBody>
+                    <a:bodyPr/>
+                    <a:lstStyle/>
+                    <a:p>
+                      <a:pPr algn="ctr"/>
+                      <a:r>
+                        <a:rPr lang="en-US" altLang="zh-CN" b="1" dirty="0" smtClean="0"/>
+                        <a:t>#</a:t>
+                      </a:r>
+                      <a:endParaRPr lang="zh-CN" altLang="en-US" b="1" dirty="0"/>
+                    </a:p>
+                  </a:txBody>
+                  <a:tcPr anchor="ctr"/>
+                </a:tc>
+                <a:tc>
+                  <a:txBody>
+                    <a:bodyPr/>
+                    <a:lstStyle/>
+                    <a:p>
+                      <a:pPr algn="ctr"/>
+                      <a:r>
+                        <a:rPr lang="en-US" altLang="zh-CN" b="1" dirty="0" smtClean="0"/>
+                        <a:t>a</a:t>
+                      </a:r>
+                      <a:endParaRPr lang="zh-CN" altLang="en-US" b="1" dirty="0"/>
+                    </a:p>
+                  </a:txBody>
+                  <a:tcPr anchor="ctr"/>
+                </a:tc>
+                <a:tc>
+                  <a:txBody>
+                    <a:bodyPr/>
+                    <a:lstStyle/>
+                    <a:p>
+                      <a:pPr algn="ctr"/>
+                      <a:r>
+                        <a:rPr lang="en-US" altLang="zh-CN" b="1" dirty="0" smtClean="0"/>
+                        <a:t>#</a:t>
+                      </a:r>
+                      <a:endParaRPr lang="zh-CN" altLang="en-US" b="1" dirty="0"/>
+                    </a:p>
+                  </a:txBody>
+                  <a:tcPr anchor="ctr"/>
+                </a:tc>
+                <a:tc>
+                  <a:txBody>
+                    <a:bodyPr/>
+                    <a:lstStyle/>
+                    <a:p>
+                      <a:pPr algn="ctr"/>
+                      <a:r>
+                        <a:rPr lang="en-US" altLang="zh-CN" b="1" dirty="0" smtClean="0"/>
+                        <a:t>$</a:t>
+                      </a:r>
+                      <a:endParaRPr lang="zh-CN" altLang="en-US" b="1" dirty="0"/>
+                    </a:p>
+                  </a:txBody>
+                  <a:tcPr anchor="ctr"/>
+                </a:tc>
+                <a:extLst>
+                  <a:ext uri="{0D108BD9-81ED-4DB2-BD59-A6C34878D82A}">
+                    <a16:rowId xmlns:a16="http://schemas.microsoft.com/office/drawing/2014/main" val="3145686698"/>
+                  </a:ext>
+                </a:extLst>
+              </a:tr>
+              <a:tr h="471441">
+                <a:tc>
+                  <a:txBody>
+                    <a:bodyPr/>
+                    <a:lstStyle/>
+                    <a:p>
+                      <a:pPr algn="ctr"/>
+                      <a:r>
+                        <a:rPr lang="en-US" altLang="zh-CN" b="1" dirty="0" smtClean="0"/>
+                        <a:t>P</a:t>
+                      </a:r>
+                      <a:endParaRPr lang="zh-CN" altLang="en-US" b="1" dirty="0"/>
+                    </a:p>
+                  </a:txBody>
+                  <a:tcPr anchor="ctr"/>
+                </a:tc>
+                <a:tc>
+                  <a:txBody>
+                    <a:bodyPr/>
+                    <a:lstStyle/>
+                    <a:p>
+                      <a:pPr algn="ctr"/>
+                      <a:endParaRPr lang="zh-CN" altLang="en-US" b="1" dirty="0"/>
+                    </a:p>
+                  </a:txBody>
+                  <a:tcPr anchor="ctr"/>
+                </a:tc>
+                <a:tc>
+                  <a:txBody>
+                    <a:bodyPr/>
+                    <a:lstStyle/>
+                    <a:p>
+                      <a:pPr algn="ctr"/>
+                      <a:r>
+                        <a:rPr lang="en-US" altLang="zh-CN" b="1" dirty="0" smtClean="0"/>
+                        <a:t>1</a:t>
+                      </a:r>
+                      <a:endParaRPr lang="zh-CN" altLang="en-US" b="1" dirty="0"/>
+                    </a:p>
+                  </a:txBody>
+                  <a:tcPr anchor="ctr"/>
+                </a:tc>
+                <a:tc>
+                  <a:txBody>
+                    <a:bodyPr/>
+                    <a:lstStyle/>
+                    <a:p>
+                      <a:pPr algn="ctr"/>
+                      <a:r>
+                        <a:rPr lang="en-US" altLang="zh-CN" b="1" dirty="0" smtClean="0"/>
+                        <a:t>2</a:t>
+                      </a:r>
+                      <a:endParaRPr lang="zh-CN" altLang="en-US" b="1" dirty="0"/>
+                    </a:p>
+                  </a:txBody>
+                  <a:tcPr anchor="ctr"/>
+                </a:tc>
+                <a:tc>
+                  <a:txBody>
+                    <a:bodyPr/>
+                    <a:lstStyle/>
+                    <a:p>
+                      <a:pPr algn="ctr"/>
+                      <a:r>
+                        <a:rPr lang="en-US" altLang="zh-CN" b="1" dirty="0" smtClean="0"/>
+                        <a:t>1</a:t>
+                      </a:r>
+                      <a:endParaRPr lang="zh-CN" altLang="en-US" b="1" dirty="0"/>
+                    </a:p>
+                  </a:txBody>
+                  <a:tcPr anchor="ctr"/>
+                </a:tc>
+                <a:tc>
+                  <a:txBody>
+                    <a:bodyPr/>
+                    <a:lstStyle/>
+                    <a:p>
+                      <a:pPr algn="ctr"/>
+                      <a:r>
+                        <a:rPr lang="en-US" altLang="zh-CN" b="1" dirty="0" smtClean="0"/>
+                        <a:t>2</a:t>
+                      </a:r>
+                      <a:endParaRPr lang="zh-CN" altLang="en-US" b="1" dirty="0"/>
+                    </a:p>
+                  </a:txBody>
+                  <a:tcPr anchor="ctr"/>
+                </a:tc>
+                <a:tc>
+                  <a:txBody>
+                    <a:bodyPr/>
+                    <a:lstStyle/>
+                    <a:p>
+                      <a:pPr algn="ctr"/>
+                      <a:r>
+                        <a:rPr lang="en-US" altLang="zh-CN" b="1" dirty="0" smtClean="0"/>
+                        <a:t>5</a:t>
+                      </a:r>
+                      <a:endParaRPr lang="zh-CN" altLang="en-US" b="1" dirty="0"/>
+                    </a:p>
+                  </a:txBody>
+                  <a:tcPr anchor="ctr"/>
+                </a:tc>
+                <a:tc>
+                  <a:txBody>
+                    <a:bodyPr/>
+                    <a:lstStyle/>
+                    <a:p>
+                      <a:pPr algn="ctr"/>
+                      <a:r>
+                        <a:rPr lang="en-US" altLang="zh-CN" b="1" dirty="0" smtClean="0"/>
+                        <a:t>2</a:t>
+                      </a:r>
+                      <a:endParaRPr lang="zh-CN" altLang="en-US" b="1" dirty="0"/>
+                    </a:p>
+                  </a:txBody>
+                  <a:tcPr anchor="ctr"/>
+                </a:tc>
+                <a:tc>
+                  <a:txBody>
+                    <a:bodyPr/>
+                    <a:lstStyle/>
+                    <a:p>
+                      <a:pPr algn="ctr"/>
+                      <a:r>
+                        <a:rPr lang="en-US" altLang="zh-CN" b="1" dirty="0" smtClean="0"/>
+                        <a:t>1</a:t>
+                      </a:r>
+                      <a:endParaRPr lang="zh-CN" altLang="en-US" b="1" dirty="0"/>
+                    </a:p>
+                  </a:txBody>
+                  <a:tcPr anchor="ctr"/>
+                </a:tc>
+                <a:tc>
+                  <a:txBody>
+                    <a:bodyPr/>
+                    <a:lstStyle/>
+                    <a:p>
+                      <a:endParaRPr lang="zh-CN" altLang="en-US" dirty="0"/>
+                    </a:p>
+                  </a:txBody>
+                  <a:tcPr anchor="ctr"/>
+                </a:tc>
+                <a:tc>
+                  <a:txBody>
+                    <a:bodyPr/>
+                    <a:lstStyle/>
+                    <a:p>
+                      <a:endParaRPr lang="zh-CN" altLang="en-US"/>
+                    </a:p>
+                  </a:txBody>
+                  <a:tcPr anchor="ctr"/>
+                </a:tc>
+                <a:tc>
+                  <a:txBody>
+                    <a:bodyPr/>
+                    <a:lstStyle/>
+                    <a:p>
+                      <a:endParaRPr lang="zh-CN" altLang="en-US"/>
+                    </a:p>
+                  </a:txBody>
+                  <a:tcPr anchor="ctr"/>
+                </a:tc>
+                <a:tc>
+                  <a:txBody>
+                    <a:bodyPr/>
+                    <a:lstStyle/>
+                    <a:p>
+                      <a:endParaRPr lang="zh-CN" altLang="en-US"/>
+                    </a:p>
+                  </a:txBody>
+                  <a:tcPr anchor="ctr"/>
+                </a:tc>
+                <a:tc>
+                  <a:txBody>
+                    <a:bodyPr/>
+                    <a:lstStyle/>
+                    <a:p>
+                      <a:endParaRPr lang="zh-CN" altLang="en-US"/>
+                    </a:p>
+                  </a:txBody>
+                  <a:tcPr anchor="ctr"/>
+                </a:tc>
+                <a:tc>
+                  <a:txBody>
+                    <a:bodyPr/>
+                    <a:lstStyle/>
+                    <a:p>
+                      <a:endParaRPr lang="zh-CN" altLang="en-US"/>
+                    </a:p>
+                  </a:txBody>
+                  <a:tcPr anchor="ctr"/>
+                </a:tc>
+                <a:tc>
+                  <a:txBody>
+                    <a:bodyPr/>
+                    <a:lstStyle/>
+                    <a:p>
+                      <a:endParaRPr lang="zh-CN" altLang="en-US"/>
+                    </a:p>
+                  </a:txBody>
+                  <a:tcPr anchor="ctr"/>
+                </a:tc>
+                <a:tc>
+                  <a:txBody>
+                    <a:bodyPr/>
+                    <a:lstStyle/>
+                    <a:p>
+                      <a:endParaRPr lang="zh-CN" altLang="en-US"/>
+                    </a:p>
+                  </a:txBody>
+                  <a:tcPr anchor="ctr"/>
+                </a:tc>
+                <a:tc>
+                  <a:txBody>
+                    <a:bodyPr/>
+                    <a:lstStyle/>
+                    <a:p>
+                      <a:endParaRPr lang="zh-CN" altLang="en-US"/>
+                    </a:p>
+                  </a:txBody>
+                  <a:tcPr anchor="ctr"/>
+                </a:tc>
+                <a:tc>
+                  <a:txBody>
+                    <a:bodyPr/>
+                    <a:lstStyle/>
+                    <a:p>
+                      <a:endParaRPr lang="zh-CN" altLang="en-US" dirty="0"/>
+                    </a:p>
+                  </a:txBody>
+                  <a:tcPr anchor="ctr"/>
+                </a:tc>
+                <a:tc>
+                  <a:txBody>
+                    <a:bodyPr/>
+                    <a:lstStyle/>
+                    <a:p>
+                      <a:pPr algn="ctr"/>
+                      <a:endParaRPr lang="zh-CN" altLang="en-US" b="1" dirty="0"/>
+                    </a:p>
+                  </a:txBody>
+                  <a:tcPr anchor="ctr"/>
+                </a:tc>
+                <a:extLst>
+                  <a:ext uri="{0D108BD9-81ED-4DB2-BD59-A6C34878D82A}">
+                    <a16:rowId xmlns:a16="http://schemas.microsoft.com/office/drawing/2014/main" val="2803038693"/>
+                  </a:ext>
+                </a:extLst>
+              </a:tr>
+            </a:tbl>
+          </a:graphicData>
+        </a:graphic>
+      </p:graphicFrame>
+      <p:sp>
+        <p:nvSpPr>
+          <p:cNvPr id="7" name="文本框 6"/>
+          <p:cNvSpPr txBox="1"/>
+          <p:nvPr/>
+        </p:nvSpPr>
+        <p:spPr>
+          <a:xfrm>
+            <a:off x="4274820" y="3905269"/>
+            <a:ext cx="928334" cy="369332"/>
+          </a:xfrm>
+          <a:prstGeom prst="rect">
+            <a:avLst/>
+          </a:prstGeom>
+          <a:noFill/>
+        </p:spPr>
+        <p:txBody>
+          <a:bodyPr wrap="square" rtlCol="0">
+            <a:spAutoFit/>
+          </a:bodyPr>
+          <a:lstStyle/>
+          <a:p>
+            <a:r>
+              <a:rPr lang="en-US" altLang="zh-CN" dirty="0" smtClean="0"/>
+              <a:t>id</a:t>
+            </a:r>
+            <a:endParaRPr lang="zh-CN" altLang="en-US" dirty="0"/>
+          </a:p>
+        </p:txBody>
+      </p:sp>
+      <p:sp>
+        <p:nvSpPr>
+          <p:cNvPr id="22" name="文本框 21"/>
+          <p:cNvSpPr txBox="1"/>
+          <p:nvPr/>
+        </p:nvSpPr>
+        <p:spPr>
+          <a:xfrm>
+            <a:off x="5706457" y="3905269"/>
+            <a:ext cx="928334" cy="369332"/>
+          </a:xfrm>
+          <a:prstGeom prst="rect">
+            <a:avLst/>
+          </a:prstGeom>
+          <a:noFill/>
+        </p:spPr>
+        <p:txBody>
+          <a:bodyPr wrap="square" rtlCol="0">
+            <a:spAutoFit/>
+          </a:bodyPr>
+          <a:lstStyle/>
+          <a:p>
+            <a:r>
+              <a:rPr lang="en-US" altLang="zh-CN" dirty="0"/>
+              <a:t>i</a:t>
+            </a:r>
+            <a:endParaRPr lang="zh-CN" altLang="en-US" dirty="0"/>
+          </a:p>
+        </p:txBody>
+      </p:sp>
+      <p:sp>
+        <p:nvSpPr>
+          <p:cNvPr id="24" name="文本框 23"/>
+          <p:cNvSpPr txBox="1"/>
+          <p:nvPr/>
+        </p:nvSpPr>
+        <p:spPr>
+          <a:xfrm>
+            <a:off x="6496245" y="3905269"/>
+            <a:ext cx="928334" cy="369332"/>
+          </a:xfrm>
+          <a:prstGeom prst="rect">
+            <a:avLst/>
+          </a:prstGeom>
+          <a:noFill/>
+        </p:spPr>
+        <p:txBody>
+          <a:bodyPr wrap="square" rtlCol="0">
+            <a:spAutoFit/>
+          </a:bodyPr>
+          <a:lstStyle/>
+          <a:p>
+            <a:r>
+              <a:rPr lang="en-US" altLang="zh-CN" dirty="0" smtClean="0"/>
+              <a:t>mx</a:t>
+            </a:r>
+            <a:endParaRPr lang="zh-CN" altLang="en-US" dirty="0"/>
+          </a:p>
+        </p:txBody>
+      </p:sp>
+      <p:cxnSp>
+        <p:nvCxnSpPr>
+          <p:cNvPr id="8" name="直接箭头连接符 7"/>
+          <p:cNvCxnSpPr/>
+          <p:nvPr/>
+        </p:nvCxnSpPr>
+        <p:spPr>
+          <a:xfrm flipV="1">
+            <a:off x="4465320" y="3494558"/>
+            <a:ext cx="0" cy="389413"/>
+          </a:xfrm>
+          <a:prstGeom prst="straightConnector1">
+            <a:avLst/>
+          </a:prstGeom>
+          <a:ln>
+            <a:tailEnd type="triangle"/>
+          </a:ln>
+        </p:spPr>
+        <p:style>
+          <a:lnRef idx="1">
+            <a:schemeClr val="dk1"/>
+          </a:lnRef>
+          <a:fillRef idx="0">
+            <a:schemeClr val="dk1"/>
+          </a:fillRef>
+          <a:effectRef idx="0">
+            <a:schemeClr val="dk1"/>
+          </a:effectRef>
+          <a:fontRef idx="minor">
+            <a:schemeClr val="tx1"/>
+          </a:fontRef>
+        </p:style>
+      </p:cxnSp>
+      <p:cxnSp>
+        <p:nvCxnSpPr>
+          <p:cNvPr id="25" name="直接箭头连接符 24"/>
+          <p:cNvCxnSpPr/>
+          <p:nvPr/>
+        </p:nvCxnSpPr>
+        <p:spPr>
+          <a:xfrm flipV="1">
+            <a:off x="5821680" y="3494558"/>
+            <a:ext cx="0" cy="389413"/>
+          </a:xfrm>
+          <a:prstGeom prst="straightConnector1">
+            <a:avLst/>
+          </a:prstGeom>
+          <a:ln>
+            <a:tailEnd type="triangle"/>
+          </a:ln>
+        </p:spPr>
+        <p:style>
+          <a:lnRef idx="1">
+            <a:schemeClr val="dk1"/>
+          </a:lnRef>
+          <a:fillRef idx="0">
+            <a:schemeClr val="dk1"/>
+          </a:fillRef>
+          <a:effectRef idx="0">
+            <a:schemeClr val="dk1"/>
+          </a:effectRef>
+          <a:fontRef idx="minor">
+            <a:schemeClr val="tx1"/>
+          </a:fontRef>
+        </p:style>
+      </p:cxnSp>
+      <p:cxnSp>
+        <p:nvCxnSpPr>
+          <p:cNvPr id="26" name="直接箭头连接符 25"/>
+          <p:cNvCxnSpPr/>
+          <p:nvPr/>
+        </p:nvCxnSpPr>
+        <p:spPr>
+          <a:xfrm flipV="1">
+            <a:off x="6736080" y="3494558"/>
+            <a:ext cx="0" cy="389413"/>
+          </a:xfrm>
+          <a:prstGeom prst="straightConnector1">
+            <a:avLst/>
+          </a:prstGeom>
+          <a:ln>
+            <a:tailEnd type="triangle"/>
+          </a:ln>
+        </p:spPr>
+        <p:style>
+          <a:lnRef idx="1">
+            <a:schemeClr val="dk1"/>
+          </a:lnRef>
+          <a:fillRef idx="0">
+            <a:schemeClr val="dk1"/>
+          </a:fillRef>
+          <a:effectRef idx="0">
+            <a:schemeClr val="dk1"/>
+          </a:effectRef>
+          <a:fontRef idx="minor">
+            <a:schemeClr val="tx1"/>
+          </a:fontRef>
+        </p:style>
+      </p:cxnSp>
+      <p:sp>
+        <p:nvSpPr>
+          <p:cNvPr id="27" name="文本框 26"/>
+          <p:cNvSpPr txBox="1"/>
+          <p:nvPr/>
+        </p:nvSpPr>
+        <p:spPr>
+          <a:xfrm>
+            <a:off x="2873163" y="3905269"/>
+            <a:ext cx="976283" cy="369332"/>
+          </a:xfrm>
+          <a:prstGeom prst="rect">
+            <a:avLst/>
+          </a:prstGeom>
+          <a:noFill/>
+        </p:spPr>
+        <p:txBody>
+          <a:bodyPr wrap="square" rtlCol="0">
+            <a:spAutoFit/>
+          </a:bodyPr>
+          <a:lstStyle/>
+          <a:p>
+            <a:r>
+              <a:rPr lang="en-US" altLang="zh-CN" dirty="0" smtClean="0"/>
+              <a:t>i_m</a:t>
+            </a:r>
+            <a:endParaRPr lang="zh-CN" altLang="en-US" dirty="0"/>
+          </a:p>
+        </p:txBody>
+      </p:sp>
+      <p:cxnSp>
+        <p:nvCxnSpPr>
+          <p:cNvPr id="28" name="直接箭头连接符 27"/>
+          <p:cNvCxnSpPr/>
+          <p:nvPr/>
+        </p:nvCxnSpPr>
+        <p:spPr>
+          <a:xfrm flipV="1">
+            <a:off x="3101340" y="3494558"/>
+            <a:ext cx="0" cy="389413"/>
+          </a:xfrm>
+          <a:prstGeom prst="straightConnector1">
+            <a:avLst/>
+          </a:prstGeom>
+          <a:ln>
+            <a:tailEnd type="triangle"/>
+          </a:ln>
+        </p:spPr>
+        <p:style>
+          <a:lnRef idx="1">
+            <a:schemeClr val="dk1"/>
+          </a:lnRef>
+          <a:fillRef idx="0">
+            <a:schemeClr val="dk1"/>
+          </a:fillRef>
+          <a:effectRef idx="0">
+            <a:schemeClr val="dk1"/>
+          </a:effectRef>
+          <a:fontRef idx="minor">
+            <a:schemeClr val="tx1"/>
+          </a:fontRef>
+        </p:style>
+      </p:cxnSp>
+      <p:cxnSp>
+        <p:nvCxnSpPr>
+          <p:cNvPr id="29" name="直接箭头连接符 28"/>
+          <p:cNvCxnSpPr/>
+          <p:nvPr/>
+        </p:nvCxnSpPr>
+        <p:spPr>
+          <a:xfrm>
+            <a:off x="2438400" y="4460748"/>
+            <a:ext cx="4053840" cy="0"/>
+          </a:xfrm>
+          <a:prstGeom prst="straightConnector1">
+            <a:avLst/>
+          </a:prstGeom>
+          <a:ln>
+            <a:headEnd type="triangle"/>
+            <a:tailEnd type="triangle"/>
+          </a:ln>
+        </p:spPr>
+        <p:style>
+          <a:lnRef idx="1">
+            <a:schemeClr val="accent1"/>
+          </a:lnRef>
+          <a:fillRef idx="0">
+            <a:schemeClr val="accent1"/>
+          </a:fillRef>
+          <a:effectRef idx="0">
+            <a:schemeClr val="accent1"/>
+          </a:effectRef>
+          <a:fontRef idx="minor">
+            <a:schemeClr val="tx1"/>
+          </a:fontRef>
+        </p:style>
+      </p:cxnSp>
+      <p:sp>
+        <p:nvSpPr>
+          <p:cNvPr id="30" name="文本框 29"/>
+          <p:cNvSpPr txBox="1"/>
+          <p:nvPr/>
+        </p:nvSpPr>
+        <p:spPr>
+          <a:xfrm>
+            <a:off x="4097600" y="4453858"/>
+            <a:ext cx="928334" cy="369332"/>
+          </a:xfrm>
+          <a:prstGeom prst="rect">
+            <a:avLst/>
+          </a:prstGeom>
+          <a:noFill/>
+        </p:spPr>
+        <p:txBody>
+          <a:bodyPr wrap="square" rtlCol="0">
+            <a:spAutoFit/>
+          </a:bodyPr>
+          <a:lstStyle/>
+          <a:p>
+            <a:r>
+              <a:rPr lang="zh-CN" altLang="en-US" dirty="0" smtClean="0"/>
+              <a:t>“</a:t>
+            </a:r>
+            <a:r>
+              <a:rPr lang="en-US" altLang="zh-CN" dirty="0" smtClean="0"/>
+              <a:t>cbbc</a:t>
+            </a:r>
+            <a:r>
+              <a:rPr lang="zh-CN" altLang="en-US" dirty="0" smtClean="0"/>
+              <a:t>”</a:t>
+            </a:r>
+            <a:endParaRPr lang="zh-CN" altLang="en-US" dirty="0"/>
+          </a:p>
+        </p:txBody>
+      </p:sp>
+      <p:cxnSp>
+        <p:nvCxnSpPr>
+          <p:cNvPr id="31" name="直接连接符 30"/>
+          <p:cNvCxnSpPr/>
+          <p:nvPr/>
+        </p:nvCxnSpPr>
+        <p:spPr>
+          <a:xfrm>
+            <a:off x="2438400" y="3494558"/>
+            <a:ext cx="0" cy="959300"/>
+          </a:xfrm>
+          <a:prstGeom prst="line">
+            <a:avLst/>
+          </a:prstGeom>
+          <a:ln>
+            <a:prstDash val="dash"/>
+          </a:ln>
+        </p:spPr>
+        <p:style>
+          <a:lnRef idx="1">
+            <a:schemeClr val="accent1"/>
+          </a:lnRef>
+          <a:fillRef idx="0">
+            <a:schemeClr val="accent1"/>
+          </a:fillRef>
+          <a:effectRef idx="0">
+            <a:schemeClr val="accent1"/>
+          </a:effectRef>
+          <a:fontRef idx="minor">
+            <a:schemeClr val="tx1"/>
+          </a:fontRef>
+        </p:style>
+      </p:cxnSp>
+      <p:cxnSp>
+        <p:nvCxnSpPr>
+          <p:cNvPr id="32" name="直接连接符 31"/>
+          <p:cNvCxnSpPr/>
+          <p:nvPr/>
+        </p:nvCxnSpPr>
+        <p:spPr>
+          <a:xfrm>
+            <a:off x="6469380" y="3494558"/>
+            <a:ext cx="0" cy="959300"/>
+          </a:xfrm>
+          <a:prstGeom prst="line">
+            <a:avLst/>
+          </a:prstGeom>
+          <a:ln>
+            <a:prstDash val="dash"/>
+          </a:ln>
+        </p:spPr>
+        <p:style>
+          <a:lnRef idx="1">
+            <a:schemeClr val="accent1"/>
+          </a:lnRef>
+          <a:fillRef idx="0">
+            <a:schemeClr val="accent1"/>
+          </a:fillRef>
+          <a:effectRef idx="0">
+            <a:schemeClr val="accent1"/>
+          </a:effectRef>
+          <a:fontRef idx="minor">
+            <a:schemeClr val="tx1"/>
+          </a:fontRef>
+        </p:style>
+      </p:cxnSp>
+    </p:spTree>
+    <p:extLst>
+      <p:ext uri="{BB962C8B-B14F-4D97-AF65-F5344CB8AC3E}">
+        <p14:creationId xmlns:p14="http://schemas.microsoft.com/office/powerpoint/2010/main" val="1245284431"/>
+      </p:ext>
+    </p:extLst>
+  </p:cSld>
+  <p:clrMapOvr>
+    <a:masterClrMapping/>
+  </p:clrMapOvr>
+</p:sld>
+</file>
+
+<file path=ppt/slides/slide14.xml><?xml version="1.0" encoding="utf-8"?>
+<p:sld xmlns:a="http://schemas.openxmlformats.org/drawingml/2006/main" xmlns:r="http://schemas.openxmlformats.org/officeDocument/2006/relationships" xmlns:p="http://schemas.openxmlformats.org/presentationml/2006/main">
+  <p:cSld>
+    <p:spTree>
+      <p:nvGrpSpPr>
+        <p:cNvPr id="1" name=""/>
+        <p:cNvGrpSpPr/>
+        <p:nvPr/>
+      </p:nvGrpSpPr>
+      <p:grpSpPr>
+        <a:xfrm>
+          <a:off x="0" y="0"/>
+          <a:ext cx="0" cy="0"/>
+          <a:chOff x="0" y="0"/>
+          <a:chExt cx="0" cy="0"/>
+        </a:xfrm>
+      </p:grpSpPr>
+      <p:graphicFrame>
+        <p:nvGraphicFramePr>
+          <p:cNvPr id="4" name="表格 3"/>
+          <p:cNvGraphicFramePr>
+            <a:graphicFrameLocks noGrp="1"/>
+          </p:cNvGraphicFramePr>
+          <p:nvPr>
+            <p:extLst>
+              <p:ext uri="{D42A27DB-BD31-4B8C-83A1-F6EECF244321}">
+                <p14:modId xmlns:p14="http://schemas.microsoft.com/office/powerpoint/2010/main" val="1741307397"/>
+              </p:ext>
+            </p:extLst>
+          </p:nvPr>
+        </p:nvGraphicFramePr>
+        <p:xfrm>
+          <a:off x="742823" y="1780340"/>
+          <a:ext cx="10336656" cy="1414323"/>
+        </p:xfrm>
+        <a:graphic>
+          <a:graphicData uri="http://schemas.openxmlformats.org/drawingml/2006/table">
+            <a:tbl>
+              <a:tblPr firstRow="1" bandRow="1">
+                <a:tableStyleId>{5C22544A-7EE6-4342-B048-85BDC9FD1C3A}</a:tableStyleId>
+              </a:tblPr>
+              <a:tblGrid>
+                <a:gridCol w="469848">
+                  <a:extLst>
+                    <a:ext uri="{9D8B030D-6E8A-4147-A177-3AD203B41FA5}">
+                      <a16:colId xmlns:a16="http://schemas.microsoft.com/office/drawing/2014/main" val="2262083765"/>
+                    </a:ext>
+                  </a:extLst>
+                </a:gridCol>
+                <a:gridCol w="469848">
+                  <a:extLst>
+                    <a:ext uri="{9D8B030D-6E8A-4147-A177-3AD203B41FA5}">
+                      <a16:colId xmlns:a16="http://schemas.microsoft.com/office/drawing/2014/main" val="1760786954"/>
+                    </a:ext>
+                  </a:extLst>
+                </a:gridCol>
+                <a:gridCol w="469848">
+                  <a:extLst>
+                    <a:ext uri="{9D8B030D-6E8A-4147-A177-3AD203B41FA5}">
+                      <a16:colId xmlns:a16="http://schemas.microsoft.com/office/drawing/2014/main" val="3449211832"/>
+                    </a:ext>
+                  </a:extLst>
+                </a:gridCol>
+                <a:gridCol w="469848">
+                  <a:extLst>
+                    <a:ext uri="{9D8B030D-6E8A-4147-A177-3AD203B41FA5}">
+                      <a16:colId xmlns:a16="http://schemas.microsoft.com/office/drawing/2014/main" val="667474760"/>
+                    </a:ext>
+                  </a:extLst>
+                </a:gridCol>
+                <a:gridCol w="469848">
+                  <a:extLst>
+                    <a:ext uri="{9D8B030D-6E8A-4147-A177-3AD203B41FA5}">
+                      <a16:colId xmlns:a16="http://schemas.microsoft.com/office/drawing/2014/main" val="1404427100"/>
+                    </a:ext>
+                  </a:extLst>
+                </a:gridCol>
+                <a:gridCol w="469848">
+                  <a:extLst>
+                    <a:ext uri="{9D8B030D-6E8A-4147-A177-3AD203B41FA5}">
+                      <a16:colId xmlns:a16="http://schemas.microsoft.com/office/drawing/2014/main" val="1016760090"/>
+                    </a:ext>
+                  </a:extLst>
+                </a:gridCol>
+                <a:gridCol w="469848">
+                  <a:extLst>
+                    <a:ext uri="{9D8B030D-6E8A-4147-A177-3AD203B41FA5}">
+                      <a16:colId xmlns:a16="http://schemas.microsoft.com/office/drawing/2014/main" val="2469141873"/>
+                    </a:ext>
+                  </a:extLst>
+                </a:gridCol>
+                <a:gridCol w="469848">
+                  <a:extLst>
+                    <a:ext uri="{9D8B030D-6E8A-4147-A177-3AD203B41FA5}">
+                      <a16:colId xmlns:a16="http://schemas.microsoft.com/office/drawing/2014/main" val="189228409"/>
+                    </a:ext>
+                  </a:extLst>
+                </a:gridCol>
+                <a:gridCol w="469848">
+                  <a:extLst>
+                    <a:ext uri="{9D8B030D-6E8A-4147-A177-3AD203B41FA5}">
+                      <a16:colId xmlns:a16="http://schemas.microsoft.com/office/drawing/2014/main" val="3798636356"/>
+                    </a:ext>
+                  </a:extLst>
+                </a:gridCol>
+                <a:gridCol w="469848">
+                  <a:extLst>
+                    <a:ext uri="{9D8B030D-6E8A-4147-A177-3AD203B41FA5}">
+                      <a16:colId xmlns:a16="http://schemas.microsoft.com/office/drawing/2014/main" val="2559778786"/>
+                    </a:ext>
+                  </a:extLst>
+                </a:gridCol>
+                <a:gridCol w="469848">
+                  <a:extLst>
+                    <a:ext uri="{9D8B030D-6E8A-4147-A177-3AD203B41FA5}">
+                      <a16:colId xmlns:a16="http://schemas.microsoft.com/office/drawing/2014/main" val="1605969564"/>
+                    </a:ext>
+                  </a:extLst>
+                </a:gridCol>
+                <a:gridCol w="469848">
+                  <a:extLst>
+                    <a:ext uri="{9D8B030D-6E8A-4147-A177-3AD203B41FA5}">
+                      <a16:colId xmlns:a16="http://schemas.microsoft.com/office/drawing/2014/main" val="2893669601"/>
+                    </a:ext>
+                  </a:extLst>
+                </a:gridCol>
+                <a:gridCol w="469848">
+                  <a:extLst>
+                    <a:ext uri="{9D8B030D-6E8A-4147-A177-3AD203B41FA5}">
+                      <a16:colId xmlns:a16="http://schemas.microsoft.com/office/drawing/2014/main" val="4275763972"/>
+                    </a:ext>
+                  </a:extLst>
+                </a:gridCol>
+                <a:gridCol w="469848">
+                  <a:extLst>
+                    <a:ext uri="{9D8B030D-6E8A-4147-A177-3AD203B41FA5}">
+                      <a16:colId xmlns:a16="http://schemas.microsoft.com/office/drawing/2014/main" val="3935391714"/>
+                    </a:ext>
+                  </a:extLst>
+                </a:gridCol>
+                <a:gridCol w="469848">
+                  <a:extLst>
+                    <a:ext uri="{9D8B030D-6E8A-4147-A177-3AD203B41FA5}">
+                      <a16:colId xmlns:a16="http://schemas.microsoft.com/office/drawing/2014/main" val="880765783"/>
+                    </a:ext>
+                  </a:extLst>
+                </a:gridCol>
+                <a:gridCol w="469848">
+                  <a:extLst>
+                    <a:ext uri="{9D8B030D-6E8A-4147-A177-3AD203B41FA5}">
+                      <a16:colId xmlns:a16="http://schemas.microsoft.com/office/drawing/2014/main" val="449402296"/>
+                    </a:ext>
+                  </a:extLst>
+                </a:gridCol>
+                <a:gridCol w="469848">
+                  <a:extLst>
+                    <a:ext uri="{9D8B030D-6E8A-4147-A177-3AD203B41FA5}">
+                      <a16:colId xmlns:a16="http://schemas.microsoft.com/office/drawing/2014/main" val="580481147"/>
+                    </a:ext>
+                  </a:extLst>
+                </a:gridCol>
+                <a:gridCol w="469848">
+                  <a:extLst>
+                    <a:ext uri="{9D8B030D-6E8A-4147-A177-3AD203B41FA5}">
+                      <a16:colId xmlns:a16="http://schemas.microsoft.com/office/drawing/2014/main" val="350929362"/>
+                    </a:ext>
+                  </a:extLst>
+                </a:gridCol>
+                <a:gridCol w="469848">
+                  <a:extLst>
+                    <a:ext uri="{9D8B030D-6E8A-4147-A177-3AD203B41FA5}">
+                      <a16:colId xmlns:a16="http://schemas.microsoft.com/office/drawing/2014/main" val="3587195927"/>
+                    </a:ext>
+                  </a:extLst>
+                </a:gridCol>
+                <a:gridCol w="469848">
+                  <a:extLst>
+                    <a:ext uri="{9D8B030D-6E8A-4147-A177-3AD203B41FA5}">
+                      <a16:colId xmlns:a16="http://schemas.microsoft.com/office/drawing/2014/main" val="3055172977"/>
+                    </a:ext>
+                  </a:extLst>
+                </a:gridCol>
+                <a:gridCol w="469848">
+                  <a:extLst>
+                    <a:ext uri="{9D8B030D-6E8A-4147-A177-3AD203B41FA5}">
+                      <a16:colId xmlns:a16="http://schemas.microsoft.com/office/drawing/2014/main" val="974204400"/>
+                    </a:ext>
+                  </a:extLst>
+                </a:gridCol>
+                <a:gridCol w="469848">
+                  <a:extLst>
+                    <a:ext uri="{9D8B030D-6E8A-4147-A177-3AD203B41FA5}">
+                      <a16:colId xmlns:a16="http://schemas.microsoft.com/office/drawing/2014/main" val="141531194"/>
+                    </a:ext>
+                  </a:extLst>
+                </a:gridCol>
+              </a:tblGrid>
+              <a:tr h="471441">
+                <a:tc>
+                  <a:txBody>
+                    <a:bodyPr/>
+                    <a:lstStyle/>
+                    <a:p>
+                      <a:pPr algn="ctr"/>
+                      <a:r>
+                        <a:rPr lang="en-US" altLang="zh-CN" b="1" dirty="0" smtClean="0"/>
+                        <a:t>i</a:t>
+                      </a:r>
+                      <a:endParaRPr lang="zh-CN" altLang="en-US" b="1" dirty="0"/>
+                    </a:p>
+                  </a:txBody>
+                  <a:tcPr anchor="ctr"/>
+                </a:tc>
+                <a:tc>
+                  <a:txBody>
+                    <a:bodyPr/>
+                    <a:lstStyle/>
+                    <a:p>
+                      <a:pPr algn="ctr"/>
+                      <a:r>
+                        <a:rPr lang="en-US" altLang="zh-CN" b="1" dirty="0" smtClean="0"/>
+                        <a:t>0</a:t>
+                      </a:r>
+                      <a:endParaRPr lang="zh-CN" altLang="en-US" b="1" dirty="0"/>
+                    </a:p>
+                  </a:txBody>
+                  <a:tcPr anchor="ctr"/>
+                </a:tc>
+                <a:tc>
+                  <a:txBody>
+                    <a:bodyPr/>
+                    <a:lstStyle/>
+                    <a:p>
+                      <a:pPr algn="ctr"/>
+                      <a:r>
+                        <a:rPr lang="en-US" altLang="zh-CN" b="1" dirty="0" smtClean="0"/>
+                        <a:t>1</a:t>
+                      </a:r>
+                      <a:endParaRPr lang="zh-CN" altLang="en-US" b="1" dirty="0"/>
+                    </a:p>
+                  </a:txBody>
+                  <a:tcPr anchor="ctr"/>
+                </a:tc>
+                <a:tc>
+                  <a:txBody>
+                    <a:bodyPr/>
+                    <a:lstStyle/>
+                    <a:p>
+                      <a:pPr algn="ctr"/>
+                      <a:r>
+                        <a:rPr lang="en-US" altLang="zh-CN" b="1" dirty="0" smtClean="0"/>
+                        <a:t>2</a:t>
+                      </a:r>
+                      <a:endParaRPr lang="zh-CN" altLang="en-US" b="1" dirty="0"/>
+                    </a:p>
+                  </a:txBody>
+                  <a:tcPr anchor="ctr"/>
+                </a:tc>
+                <a:tc>
+                  <a:txBody>
+                    <a:bodyPr/>
+                    <a:lstStyle/>
+                    <a:p>
+                      <a:pPr algn="ctr"/>
+                      <a:r>
+                        <a:rPr lang="en-US" altLang="zh-CN" b="1" dirty="0" smtClean="0"/>
+                        <a:t>3</a:t>
+                      </a:r>
+                      <a:endParaRPr lang="zh-CN" altLang="en-US" b="1" dirty="0"/>
+                    </a:p>
+                  </a:txBody>
+                  <a:tcPr anchor="ctr"/>
+                </a:tc>
+                <a:tc>
+                  <a:txBody>
+                    <a:bodyPr/>
+                    <a:lstStyle/>
+                    <a:p>
+                      <a:pPr algn="ctr"/>
+                      <a:r>
+                        <a:rPr lang="en-US" altLang="zh-CN" b="1" dirty="0" smtClean="0"/>
+                        <a:t>4</a:t>
+                      </a:r>
+                      <a:endParaRPr lang="zh-CN" altLang="en-US" b="1" dirty="0"/>
+                    </a:p>
+                  </a:txBody>
+                  <a:tcPr anchor="ctr"/>
+                </a:tc>
+                <a:tc>
+                  <a:txBody>
+                    <a:bodyPr/>
+                    <a:lstStyle/>
+                    <a:p>
+                      <a:pPr algn="ctr"/>
+                      <a:r>
+                        <a:rPr lang="en-US" altLang="zh-CN" b="1" dirty="0" smtClean="0"/>
+                        <a:t>5</a:t>
+                      </a:r>
+                      <a:endParaRPr lang="zh-CN" altLang="en-US" b="1" dirty="0"/>
+                    </a:p>
+                  </a:txBody>
+                  <a:tcPr anchor="ctr"/>
+                </a:tc>
+                <a:tc>
+                  <a:txBody>
+                    <a:bodyPr/>
+                    <a:lstStyle/>
+                    <a:p>
+                      <a:pPr algn="ctr"/>
+                      <a:r>
+                        <a:rPr lang="en-US" altLang="zh-CN" b="1" dirty="0" smtClean="0"/>
+                        <a:t>6</a:t>
+                      </a:r>
+                      <a:endParaRPr lang="zh-CN" altLang="en-US" b="1" dirty="0"/>
+                    </a:p>
+                  </a:txBody>
+                  <a:tcPr anchor="ctr"/>
+                </a:tc>
+                <a:tc>
+                  <a:txBody>
+                    <a:bodyPr/>
+                    <a:lstStyle/>
+                    <a:p>
+                      <a:pPr algn="ctr"/>
+                      <a:r>
+                        <a:rPr lang="en-US" altLang="zh-CN" b="1" dirty="0" smtClean="0"/>
+                        <a:t>7</a:t>
+                      </a:r>
+                      <a:endParaRPr lang="zh-CN" altLang="en-US" b="1" dirty="0"/>
+                    </a:p>
+                  </a:txBody>
+                  <a:tcPr anchor="ctr"/>
+                </a:tc>
+                <a:tc>
+                  <a:txBody>
+                    <a:bodyPr/>
+                    <a:lstStyle/>
+                    <a:p>
+                      <a:pPr algn="ctr"/>
+                      <a:r>
+                        <a:rPr lang="en-US" altLang="zh-CN" b="1" dirty="0" smtClean="0"/>
+                        <a:t>8</a:t>
+                      </a:r>
+                      <a:endParaRPr lang="zh-CN" altLang="en-US" b="1" dirty="0"/>
+                    </a:p>
+                  </a:txBody>
+                  <a:tcPr anchor="ctr"/>
+                </a:tc>
+                <a:tc>
+                  <a:txBody>
+                    <a:bodyPr/>
+                    <a:lstStyle/>
+                    <a:p>
+                      <a:pPr algn="ctr"/>
+                      <a:r>
+                        <a:rPr lang="en-US" altLang="zh-CN" b="1" dirty="0" smtClean="0"/>
+                        <a:t>9</a:t>
+                      </a:r>
+                      <a:endParaRPr lang="zh-CN" altLang="en-US" b="1" dirty="0"/>
+                    </a:p>
+                  </a:txBody>
+                  <a:tcPr anchor="ctr"/>
+                </a:tc>
+                <a:tc>
+                  <a:txBody>
+                    <a:bodyPr/>
+                    <a:lstStyle/>
+                    <a:p>
+                      <a:pPr algn="ctr"/>
+                      <a:r>
+                        <a:rPr lang="en-US" altLang="zh-CN" b="1" dirty="0" smtClean="0"/>
+                        <a:t>10</a:t>
+                      </a:r>
+                      <a:endParaRPr lang="zh-CN" altLang="en-US" b="1" dirty="0"/>
+                    </a:p>
+                  </a:txBody>
+                  <a:tcPr anchor="ctr"/>
+                </a:tc>
+                <a:tc>
+                  <a:txBody>
+                    <a:bodyPr/>
+                    <a:lstStyle/>
+                    <a:p>
+                      <a:pPr algn="ctr"/>
+                      <a:r>
+                        <a:rPr lang="en-US" altLang="zh-CN" b="1" dirty="0" smtClean="0"/>
+                        <a:t>11</a:t>
+                      </a:r>
+                      <a:endParaRPr lang="zh-CN" altLang="en-US" b="1" dirty="0"/>
+                    </a:p>
+                  </a:txBody>
+                  <a:tcPr anchor="ctr"/>
+                </a:tc>
+                <a:tc>
+                  <a:txBody>
+                    <a:bodyPr/>
+                    <a:lstStyle/>
+                    <a:p>
+                      <a:pPr algn="ctr"/>
+                      <a:r>
+                        <a:rPr lang="en-US" altLang="zh-CN" b="1" dirty="0" smtClean="0"/>
+                        <a:t>12</a:t>
+                      </a:r>
+                      <a:endParaRPr lang="zh-CN" altLang="en-US" b="1" dirty="0"/>
+                    </a:p>
+                  </a:txBody>
+                  <a:tcPr anchor="ctr"/>
+                </a:tc>
+                <a:tc>
+                  <a:txBody>
+                    <a:bodyPr/>
+                    <a:lstStyle/>
+                    <a:p>
+                      <a:pPr algn="ctr"/>
+                      <a:r>
+                        <a:rPr lang="en-US" altLang="zh-CN" b="1" dirty="0" smtClean="0"/>
+                        <a:t>13</a:t>
+                      </a:r>
+                      <a:endParaRPr lang="zh-CN" altLang="en-US" b="1" dirty="0"/>
+                    </a:p>
+                  </a:txBody>
+                  <a:tcPr anchor="ctr"/>
+                </a:tc>
+                <a:tc>
+                  <a:txBody>
+                    <a:bodyPr/>
+                    <a:lstStyle/>
+                    <a:p>
+                      <a:pPr algn="ctr"/>
+                      <a:r>
+                        <a:rPr lang="en-US" altLang="zh-CN" b="1" dirty="0" smtClean="0"/>
+                        <a:t>14</a:t>
+                      </a:r>
+                      <a:endParaRPr lang="zh-CN" altLang="en-US" b="1" dirty="0"/>
+                    </a:p>
+                  </a:txBody>
+                  <a:tcPr anchor="ctr"/>
+                </a:tc>
+                <a:tc>
+                  <a:txBody>
+                    <a:bodyPr/>
+                    <a:lstStyle/>
+                    <a:p>
+                      <a:pPr algn="ctr"/>
+                      <a:r>
+                        <a:rPr lang="en-US" altLang="zh-CN" b="1" dirty="0" smtClean="0"/>
+                        <a:t>15</a:t>
+                      </a:r>
+                      <a:endParaRPr lang="zh-CN" altLang="en-US" b="1" dirty="0"/>
+                    </a:p>
+                  </a:txBody>
+                  <a:tcPr anchor="ctr"/>
+                </a:tc>
+                <a:tc>
+                  <a:txBody>
+                    <a:bodyPr/>
+                    <a:lstStyle/>
+                    <a:p>
+                      <a:pPr algn="ctr"/>
+                      <a:r>
+                        <a:rPr lang="en-US" altLang="zh-CN" b="1" dirty="0" smtClean="0"/>
+                        <a:t>16</a:t>
+                      </a:r>
+                      <a:endParaRPr lang="zh-CN" altLang="en-US" b="1" dirty="0"/>
+                    </a:p>
+                  </a:txBody>
+                  <a:tcPr anchor="ctr"/>
+                </a:tc>
+                <a:tc>
+                  <a:txBody>
+                    <a:bodyPr/>
+                    <a:lstStyle/>
+                    <a:p>
+                      <a:pPr algn="ctr"/>
+                      <a:r>
+                        <a:rPr lang="en-US" altLang="zh-CN" b="1" dirty="0" smtClean="0"/>
+                        <a:t>17</a:t>
+                      </a:r>
+                      <a:endParaRPr lang="zh-CN" altLang="en-US" b="1" dirty="0"/>
+                    </a:p>
+                  </a:txBody>
+                  <a:tcPr anchor="ctr"/>
+                </a:tc>
+                <a:tc>
+                  <a:txBody>
+                    <a:bodyPr/>
+                    <a:lstStyle/>
+                    <a:p>
+                      <a:pPr algn="ctr"/>
+                      <a:r>
+                        <a:rPr lang="en-US" altLang="zh-CN" b="1" dirty="0" smtClean="0"/>
+                        <a:t>18</a:t>
+                      </a:r>
+                      <a:endParaRPr lang="zh-CN" altLang="en-US" b="1" dirty="0"/>
+                    </a:p>
+                  </a:txBody>
+                  <a:tcPr anchor="ctr"/>
+                </a:tc>
+                <a:tc>
+                  <a:txBody>
+                    <a:bodyPr/>
+                    <a:lstStyle/>
+                    <a:p>
+                      <a:pPr algn="ctr"/>
+                      <a:r>
+                        <a:rPr lang="en-US" altLang="zh-CN" b="1" dirty="0" smtClean="0"/>
+                        <a:t>19</a:t>
+                      </a:r>
+                      <a:endParaRPr lang="zh-CN" altLang="en-US" b="1" dirty="0"/>
+                    </a:p>
+                  </a:txBody>
+                  <a:tcPr anchor="ctr"/>
+                </a:tc>
+                <a:tc>
+                  <a:txBody>
+                    <a:bodyPr/>
+                    <a:lstStyle/>
+                    <a:p>
+                      <a:pPr algn="ctr"/>
+                      <a:r>
+                        <a:rPr lang="en-US" altLang="zh-CN" b="1" dirty="0" smtClean="0"/>
+                        <a:t>20</a:t>
+                      </a:r>
+                      <a:endParaRPr lang="zh-CN" altLang="en-US" b="1" dirty="0"/>
+                    </a:p>
+                  </a:txBody>
+                  <a:tcPr anchor="ctr"/>
+                </a:tc>
+                <a:extLst>
+                  <a:ext uri="{0D108BD9-81ED-4DB2-BD59-A6C34878D82A}">
+                    <a16:rowId xmlns:a16="http://schemas.microsoft.com/office/drawing/2014/main" val="2987790500"/>
+                  </a:ext>
+                </a:extLst>
+              </a:tr>
+              <a:tr h="471441">
+                <a:tc>
+                  <a:txBody>
+                    <a:bodyPr/>
+                    <a:lstStyle/>
+                    <a:p>
+                      <a:pPr algn="ctr"/>
+                      <a:r>
+                        <a:rPr lang="en-US" altLang="zh-CN" b="1" dirty="0" smtClean="0"/>
+                        <a:t>T</a:t>
+                      </a:r>
+                      <a:endParaRPr lang="zh-CN" altLang="en-US" b="1" dirty="0"/>
+                    </a:p>
+                  </a:txBody>
+                  <a:tcPr anchor="ctr"/>
+                </a:tc>
+                <a:tc>
+                  <a:txBody>
+                    <a:bodyPr/>
+                    <a:lstStyle/>
+                    <a:p>
+                      <a:pPr algn="ctr"/>
+                      <a:r>
+                        <a:rPr lang="en-US" altLang="zh-CN" b="1" dirty="0" smtClean="0"/>
+                        <a:t>^</a:t>
+                      </a:r>
+                      <a:endParaRPr lang="zh-CN" altLang="en-US" b="1" dirty="0"/>
+                    </a:p>
+                  </a:txBody>
+                  <a:tcPr anchor="ctr"/>
+                </a:tc>
+                <a:tc>
+                  <a:txBody>
+                    <a:bodyPr/>
+                    <a:lstStyle/>
+                    <a:p>
+                      <a:pPr algn="ctr"/>
+                      <a:r>
+                        <a:rPr lang="en-US" altLang="zh-CN" b="1" dirty="0" smtClean="0"/>
+                        <a:t>#</a:t>
+                      </a:r>
+                      <a:endParaRPr lang="zh-CN" altLang="en-US" b="1" dirty="0"/>
+                    </a:p>
+                  </a:txBody>
+                  <a:tcPr anchor="ctr"/>
+                </a:tc>
+                <a:tc>
+                  <a:txBody>
+                    <a:bodyPr/>
+                    <a:lstStyle/>
+                    <a:p>
+                      <a:pPr algn="ctr"/>
+                      <a:r>
+                        <a:rPr lang="en-US" altLang="zh-CN" b="1" dirty="0" smtClean="0"/>
+                        <a:t>c</a:t>
+                      </a:r>
+                      <a:endParaRPr lang="zh-CN" altLang="en-US" b="1" dirty="0"/>
+                    </a:p>
+                  </a:txBody>
+                  <a:tcPr anchor="ctr"/>
+                </a:tc>
+                <a:tc>
+                  <a:txBody>
+                    <a:bodyPr/>
+                    <a:lstStyle/>
+                    <a:p>
+                      <a:pPr algn="ctr"/>
+                      <a:r>
+                        <a:rPr lang="en-US" altLang="zh-CN" b="1" dirty="0" smtClean="0"/>
+                        <a:t>#</a:t>
+                      </a:r>
+                      <a:endParaRPr lang="zh-CN" altLang="en-US" b="1" dirty="0"/>
+                    </a:p>
+                  </a:txBody>
+                  <a:tcPr anchor="ctr"/>
+                </a:tc>
+                <a:tc>
+                  <a:txBody>
+                    <a:bodyPr/>
+                    <a:lstStyle/>
+                    <a:p>
+                      <a:pPr algn="ctr"/>
+                      <a:r>
+                        <a:rPr lang="en-US" altLang="zh-CN" b="1" dirty="0" smtClean="0"/>
+                        <a:t>b</a:t>
+                      </a:r>
+                      <a:endParaRPr lang="zh-CN" altLang="en-US" b="1" dirty="0"/>
+                    </a:p>
+                  </a:txBody>
+                  <a:tcPr anchor="ctr"/>
+                </a:tc>
+                <a:tc>
+                  <a:txBody>
+                    <a:bodyPr/>
+                    <a:lstStyle/>
+                    <a:p>
+                      <a:pPr algn="ctr"/>
+                      <a:r>
+                        <a:rPr lang="en-US" altLang="zh-CN" b="1" dirty="0" smtClean="0"/>
+                        <a:t>#</a:t>
+                      </a:r>
+                      <a:endParaRPr lang="zh-CN" altLang="en-US" b="1" dirty="0"/>
+                    </a:p>
+                  </a:txBody>
+                  <a:tcPr anchor="ctr"/>
+                </a:tc>
+                <a:tc>
+                  <a:txBody>
+                    <a:bodyPr/>
+                    <a:lstStyle/>
+                    <a:p>
+                      <a:pPr algn="ctr"/>
+                      <a:r>
+                        <a:rPr lang="en-US" altLang="zh-CN" b="1" dirty="0" smtClean="0"/>
+                        <a:t>a</a:t>
+                      </a:r>
+                      <a:endParaRPr lang="zh-CN" altLang="en-US" b="1" dirty="0"/>
+                    </a:p>
+                  </a:txBody>
+                  <a:tcPr anchor="ctr"/>
+                </a:tc>
+                <a:tc>
+                  <a:txBody>
+                    <a:bodyPr/>
+                    <a:lstStyle/>
+                    <a:p>
+                      <a:pPr algn="ctr"/>
+                      <a:r>
+                        <a:rPr lang="en-US" altLang="zh-CN" b="1" dirty="0" smtClean="0"/>
+                        <a:t>#</a:t>
+                      </a:r>
+                      <a:endParaRPr lang="zh-CN" altLang="en-US" b="1" dirty="0"/>
+                    </a:p>
+                  </a:txBody>
+                  <a:tcPr anchor="ctr"/>
+                </a:tc>
+                <a:tc>
+                  <a:txBody>
+                    <a:bodyPr/>
+                    <a:lstStyle/>
+                    <a:p>
+                      <a:pPr algn="ctr"/>
+                      <a:r>
+                        <a:rPr lang="en-US" altLang="zh-CN" b="1" dirty="0" smtClean="0"/>
+                        <a:t>b</a:t>
+                      </a:r>
+                      <a:endParaRPr lang="zh-CN" altLang="en-US" b="1" dirty="0"/>
+                    </a:p>
+                  </a:txBody>
+                  <a:tcPr anchor="ctr"/>
+                </a:tc>
+                <a:tc>
+                  <a:txBody>
+                    <a:bodyPr/>
+                    <a:lstStyle/>
+                    <a:p>
+                      <a:pPr algn="ctr"/>
+                      <a:r>
+                        <a:rPr lang="en-US" altLang="zh-CN" b="1" dirty="0" smtClean="0"/>
+                        <a:t>#</a:t>
+                      </a:r>
+                      <a:endParaRPr lang="zh-CN" altLang="en-US" b="1" dirty="0"/>
+                    </a:p>
+                  </a:txBody>
+                  <a:tcPr anchor="ctr"/>
+                </a:tc>
+                <a:tc>
+                  <a:txBody>
+                    <a:bodyPr/>
+                    <a:lstStyle/>
+                    <a:p>
+                      <a:pPr algn="ctr"/>
+                      <a:r>
+                        <a:rPr lang="en-US" altLang="zh-CN" b="1" dirty="0" smtClean="0"/>
+                        <a:t>c</a:t>
+                      </a:r>
+                      <a:endParaRPr lang="zh-CN" altLang="en-US" b="1" dirty="0"/>
+                    </a:p>
+                  </a:txBody>
+                  <a:tcPr anchor="ctr"/>
+                </a:tc>
+                <a:tc>
+                  <a:txBody>
+                    <a:bodyPr/>
+                    <a:lstStyle/>
+                    <a:p>
+                      <a:pPr algn="ctr"/>
+                      <a:r>
+                        <a:rPr lang="en-US" altLang="zh-CN" b="1" dirty="0" smtClean="0"/>
+                        <a:t>#</a:t>
+                      </a:r>
+                      <a:endParaRPr lang="zh-CN" altLang="en-US" b="1" dirty="0"/>
+                    </a:p>
+                  </a:txBody>
+                  <a:tcPr anchor="ctr"/>
+                </a:tc>
+                <a:tc>
+                  <a:txBody>
+                    <a:bodyPr/>
+                    <a:lstStyle/>
+                    <a:p>
+                      <a:pPr algn="ctr"/>
+                      <a:r>
+                        <a:rPr lang="en-US" altLang="zh-CN" b="1" dirty="0" smtClean="0"/>
+                        <a:t>b</a:t>
+                      </a:r>
+                      <a:endParaRPr lang="zh-CN" altLang="en-US" b="1" dirty="0"/>
+                    </a:p>
+                  </a:txBody>
+                  <a:tcPr anchor="ctr"/>
+                </a:tc>
+                <a:tc>
+                  <a:txBody>
+                    <a:bodyPr/>
+                    <a:lstStyle/>
+                    <a:p>
+                      <a:pPr algn="ctr"/>
+                      <a:r>
+                        <a:rPr lang="en-US" altLang="zh-CN" b="1" dirty="0" smtClean="0"/>
+                        <a:t>#</a:t>
+                      </a:r>
+                      <a:endParaRPr lang="zh-CN" altLang="en-US" b="1" dirty="0"/>
+                    </a:p>
+                  </a:txBody>
+                  <a:tcPr anchor="ctr"/>
+                </a:tc>
+                <a:tc>
+                  <a:txBody>
+                    <a:bodyPr/>
+                    <a:lstStyle/>
+                    <a:p>
+                      <a:pPr algn="ctr"/>
+                      <a:r>
+                        <a:rPr lang="en-US" altLang="zh-CN" b="1" dirty="0" smtClean="0"/>
+                        <a:t>a</a:t>
+                      </a:r>
+                      <a:endParaRPr lang="zh-CN" altLang="en-US" b="1" dirty="0"/>
+                    </a:p>
+                  </a:txBody>
+                  <a:tcPr anchor="ctr"/>
+                </a:tc>
+                <a:tc>
+                  <a:txBody>
+                    <a:bodyPr/>
+                    <a:lstStyle/>
+                    <a:p>
+                      <a:pPr algn="ctr"/>
+                      <a:r>
+                        <a:rPr lang="en-US" altLang="zh-CN" b="1" dirty="0" smtClean="0"/>
+                        <a:t>#</a:t>
+                      </a:r>
+                      <a:endParaRPr lang="zh-CN" altLang="en-US" b="1" dirty="0"/>
+                    </a:p>
+                  </a:txBody>
+                  <a:tcPr anchor="ctr"/>
+                </a:tc>
+                <a:tc>
+                  <a:txBody>
+                    <a:bodyPr/>
+                    <a:lstStyle/>
+                    <a:p>
+                      <a:pPr algn="ctr"/>
+                      <a:r>
+                        <a:rPr lang="en-US" altLang="zh-CN" b="1" dirty="0" smtClean="0"/>
+                        <a:t>d</a:t>
+                      </a:r>
+                      <a:endParaRPr lang="zh-CN" altLang="en-US" b="1" dirty="0"/>
+                    </a:p>
+                  </a:txBody>
+                  <a:tcPr anchor="ctr"/>
+                </a:tc>
+                <a:tc>
+                  <a:txBody>
+                    <a:bodyPr/>
+                    <a:lstStyle/>
+                    <a:p>
+                      <a:pPr algn="ctr"/>
+                      <a:r>
+                        <a:rPr lang="en-US" altLang="zh-CN" b="1" dirty="0" smtClean="0"/>
+                        <a:t>#</a:t>
+                      </a:r>
+                      <a:endParaRPr lang="zh-CN" altLang="en-US" b="1" dirty="0"/>
+                    </a:p>
+                  </a:txBody>
+                  <a:tcPr anchor="ctr"/>
+                </a:tc>
+                <a:tc>
+                  <a:txBody>
+                    <a:bodyPr/>
+                    <a:lstStyle/>
+                    <a:p>
+                      <a:pPr algn="ctr"/>
+                      <a:r>
+                        <a:rPr lang="en-US" altLang="zh-CN" b="1" dirty="0" smtClean="0"/>
+                        <a:t>e</a:t>
+                      </a:r>
+                      <a:endParaRPr lang="zh-CN" altLang="en-US" b="1" dirty="0"/>
+                    </a:p>
+                  </a:txBody>
+                  <a:tcPr anchor="ctr"/>
+                </a:tc>
+                <a:tc>
+                  <a:txBody>
+                    <a:bodyPr/>
+                    <a:lstStyle/>
+                    <a:p>
+                      <a:pPr algn="ctr"/>
+                      <a:r>
+                        <a:rPr lang="en-US" altLang="zh-CN" b="1" dirty="0" smtClean="0"/>
+                        <a:t>#</a:t>
+                      </a:r>
+                      <a:endParaRPr lang="zh-CN" altLang="en-US" b="1" dirty="0"/>
+                    </a:p>
+                  </a:txBody>
+                  <a:tcPr anchor="ctr"/>
+                </a:tc>
+                <a:tc>
+                  <a:txBody>
+                    <a:bodyPr/>
+                    <a:lstStyle/>
+                    <a:p>
+                      <a:pPr algn="ctr"/>
+                      <a:r>
+                        <a:rPr lang="en-US" altLang="zh-CN" b="1" dirty="0" smtClean="0"/>
+                        <a:t>$</a:t>
+                      </a:r>
+                      <a:endParaRPr lang="zh-CN" altLang="en-US" b="1" dirty="0"/>
+                    </a:p>
+                  </a:txBody>
+                  <a:tcPr anchor="ctr"/>
+                </a:tc>
+                <a:extLst>
+                  <a:ext uri="{0D108BD9-81ED-4DB2-BD59-A6C34878D82A}">
+                    <a16:rowId xmlns:a16="http://schemas.microsoft.com/office/drawing/2014/main" val="3145686698"/>
+                  </a:ext>
+                </a:extLst>
+              </a:tr>
+              <a:tr h="471441">
+                <a:tc>
+                  <a:txBody>
+                    <a:bodyPr/>
+                    <a:lstStyle/>
+                    <a:p>
+                      <a:pPr algn="ctr"/>
+                      <a:r>
+                        <a:rPr lang="en-US" altLang="zh-CN" b="1" dirty="0" smtClean="0"/>
+                        <a:t>P</a:t>
+                      </a:r>
+                      <a:endParaRPr lang="zh-CN" altLang="en-US" b="1" dirty="0"/>
+                    </a:p>
+                  </a:txBody>
+                  <a:tcPr anchor="ctr"/>
+                </a:tc>
+                <a:tc>
+                  <a:txBody>
+                    <a:bodyPr/>
+                    <a:lstStyle/>
+                    <a:p>
+                      <a:pPr algn="ctr"/>
+                      <a:endParaRPr lang="zh-CN" altLang="en-US" b="1" dirty="0"/>
+                    </a:p>
+                  </a:txBody>
+                  <a:tcPr anchor="ctr"/>
+                </a:tc>
+                <a:tc>
+                  <a:txBody>
+                    <a:bodyPr/>
+                    <a:lstStyle/>
+                    <a:p>
+                      <a:pPr algn="ctr"/>
+                      <a:r>
+                        <a:rPr lang="en-US" altLang="zh-CN" b="1" dirty="0" smtClean="0"/>
+                        <a:t>1</a:t>
+                      </a:r>
+                      <a:endParaRPr lang="zh-CN" altLang="en-US" b="1" dirty="0"/>
+                    </a:p>
+                  </a:txBody>
+                  <a:tcPr anchor="ctr"/>
+                </a:tc>
+                <a:tc>
+                  <a:txBody>
+                    <a:bodyPr/>
+                    <a:lstStyle/>
+                    <a:p>
+                      <a:pPr algn="ctr"/>
+                      <a:r>
+                        <a:rPr lang="en-US" altLang="zh-CN" b="1" dirty="0" smtClean="0"/>
+                        <a:t>2</a:t>
+                      </a:r>
+                      <a:endParaRPr lang="zh-CN" altLang="en-US" b="1" dirty="0"/>
+                    </a:p>
+                  </a:txBody>
+                  <a:tcPr anchor="ctr"/>
+                </a:tc>
+                <a:tc>
+                  <a:txBody>
+                    <a:bodyPr/>
+                    <a:lstStyle/>
+                    <a:p>
+                      <a:pPr algn="ctr"/>
+                      <a:r>
+                        <a:rPr lang="en-US" altLang="zh-CN" b="1" dirty="0" smtClean="0"/>
+                        <a:t>1</a:t>
+                      </a:r>
+                      <a:endParaRPr lang="zh-CN" altLang="en-US" b="1" dirty="0"/>
+                    </a:p>
+                  </a:txBody>
+                  <a:tcPr anchor="ctr"/>
+                </a:tc>
+                <a:tc>
+                  <a:txBody>
+                    <a:bodyPr/>
+                    <a:lstStyle/>
+                    <a:p>
+                      <a:pPr algn="ctr"/>
+                      <a:r>
+                        <a:rPr lang="en-US" altLang="zh-CN" b="1" dirty="0" smtClean="0"/>
+                        <a:t>2</a:t>
+                      </a:r>
+                      <a:endParaRPr lang="zh-CN" altLang="en-US" b="1" dirty="0"/>
+                    </a:p>
+                  </a:txBody>
+                  <a:tcPr anchor="ctr"/>
+                </a:tc>
+                <a:tc>
+                  <a:txBody>
+                    <a:bodyPr/>
+                    <a:lstStyle/>
+                    <a:p>
+                      <a:pPr algn="ctr"/>
+                      <a:r>
+                        <a:rPr lang="en-US" altLang="zh-CN" b="1" dirty="0" smtClean="0"/>
+                        <a:t>1</a:t>
+                      </a:r>
+                      <a:endParaRPr lang="zh-CN" altLang="en-US" b="1" dirty="0"/>
+                    </a:p>
+                  </a:txBody>
+                  <a:tcPr anchor="ctr"/>
+                </a:tc>
+                <a:tc>
+                  <a:txBody>
+                    <a:bodyPr/>
+                    <a:lstStyle/>
+                    <a:p>
+                      <a:pPr algn="ctr"/>
+                      <a:r>
+                        <a:rPr lang="en-US" altLang="zh-CN" b="1" dirty="0" smtClean="0"/>
+                        <a:t>6</a:t>
+                      </a:r>
+                      <a:endParaRPr lang="zh-CN" altLang="en-US" b="1" dirty="0"/>
+                    </a:p>
+                  </a:txBody>
+                  <a:tcPr anchor="ctr"/>
+                </a:tc>
+                <a:tc>
+                  <a:txBody>
+                    <a:bodyPr/>
+                    <a:lstStyle/>
+                    <a:p>
+                      <a:pPr algn="ctr"/>
+                      <a:r>
+                        <a:rPr lang="en-US" altLang="zh-CN" b="1" dirty="0" smtClean="0"/>
+                        <a:t>1</a:t>
+                      </a:r>
+                      <a:endParaRPr lang="zh-CN" altLang="en-US" b="1" dirty="0"/>
+                    </a:p>
+                  </a:txBody>
+                  <a:tcPr anchor="ctr"/>
+                </a:tc>
+                <a:tc>
+                  <a:txBody>
+                    <a:bodyPr/>
+                    <a:lstStyle/>
+                    <a:p>
+                      <a:pPr algn="ctr"/>
+                      <a:r>
+                        <a:rPr lang="en-US" altLang="zh-CN" b="1" dirty="0" smtClean="0"/>
+                        <a:t>2</a:t>
+                      </a:r>
+                      <a:endParaRPr lang="zh-CN" altLang="en-US" b="1" dirty="0"/>
+                    </a:p>
+                  </a:txBody>
+                  <a:tcPr anchor="ctr"/>
+                </a:tc>
+                <a:tc>
+                  <a:txBody>
+                    <a:bodyPr/>
+                    <a:lstStyle/>
+                    <a:p>
+                      <a:pPr algn="ctr"/>
+                      <a:r>
+                        <a:rPr lang="en-US" altLang="zh-CN" b="1" dirty="0" smtClean="0"/>
+                        <a:t>1</a:t>
+                      </a:r>
+                      <a:endParaRPr lang="zh-CN" altLang="en-US" b="1" dirty="0"/>
+                    </a:p>
+                  </a:txBody>
+                  <a:tcPr anchor="ctr"/>
+                </a:tc>
+                <a:tc>
+                  <a:txBody>
+                    <a:bodyPr/>
+                    <a:lstStyle/>
+                    <a:p>
+                      <a:pPr algn="ctr"/>
+                      <a:r>
+                        <a:rPr lang="en-US" altLang="zh-CN" b="1" dirty="0" smtClean="0"/>
+                        <a:t>6</a:t>
+                      </a:r>
+                      <a:endParaRPr lang="zh-CN" altLang="en-US" b="1" dirty="0"/>
+                    </a:p>
+                  </a:txBody>
+                  <a:tcPr anchor="ctr"/>
+                </a:tc>
+                <a:tc>
+                  <a:txBody>
+                    <a:bodyPr/>
+                    <a:lstStyle/>
+                    <a:p>
+                      <a:pPr marL="0" algn="ctr" defTabSz="914400" rtl="0" eaLnBrk="1" latinLnBrk="0" hangingPunct="1"/>
+                      <a:r>
+                        <a:rPr lang="en-US" altLang="zh-CN" sz="1800" b="1" kern="1200" dirty="0" smtClean="0">
+                          <a:solidFill>
+                            <a:schemeClr val="dk1"/>
+                          </a:solidFill>
+                          <a:latin typeface="+mn-lt"/>
+                          <a:ea typeface="+mn-ea"/>
+                          <a:cs typeface="+mn-cs"/>
+                        </a:rPr>
+                        <a:t>1</a:t>
+                      </a:r>
+                      <a:endParaRPr lang="zh-CN" altLang="en-US" sz="1800" b="1" kern="1200" dirty="0">
+                        <a:solidFill>
+                          <a:schemeClr val="dk1"/>
+                        </a:solidFill>
+                        <a:latin typeface="+mn-lt"/>
+                        <a:ea typeface="+mn-ea"/>
+                        <a:cs typeface="+mn-cs"/>
+                      </a:endParaRPr>
+                    </a:p>
+                  </a:txBody>
+                  <a:tcPr anchor="ctr"/>
+                </a:tc>
+                <a:tc>
+                  <a:txBody>
+                    <a:bodyPr/>
+                    <a:lstStyle/>
+                    <a:p>
+                      <a:pPr marL="0" algn="ctr" defTabSz="914400" rtl="0" eaLnBrk="1" latinLnBrk="0" hangingPunct="1"/>
+                      <a:r>
+                        <a:rPr lang="en-US" altLang="zh-CN" sz="1800" b="1" kern="1200" dirty="0" smtClean="0">
+                          <a:solidFill>
+                            <a:schemeClr val="dk1"/>
+                          </a:solidFill>
+                          <a:latin typeface="+mn-lt"/>
+                          <a:ea typeface="+mn-ea"/>
+                          <a:cs typeface="+mn-cs"/>
+                        </a:rPr>
+                        <a:t>2</a:t>
+                      </a:r>
+                      <a:endParaRPr lang="zh-CN" altLang="en-US" sz="1800" b="1" kern="1200" dirty="0">
+                        <a:solidFill>
+                          <a:schemeClr val="dk1"/>
+                        </a:solidFill>
+                        <a:latin typeface="+mn-lt"/>
+                        <a:ea typeface="+mn-ea"/>
+                        <a:cs typeface="+mn-cs"/>
+                      </a:endParaRPr>
+                    </a:p>
+                  </a:txBody>
+                  <a:tcPr anchor="ctr"/>
+                </a:tc>
+                <a:tc>
+                  <a:txBody>
+                    <a:bodyPr/>
+                    <a:lstStyle/>
+                    <a:p>
+                      <a:pPr marL="0" algn="ctr" defTabSz="914400" rtl="0" eaLnBrk="1" latinLnBrk="0" hangingPunct="1"/>
+                      <a:r>
+                        <a:rPr lang="en-US" altLang="zh-CN" sz="1800" b="1" kern="1200" dirty="0" smtClean="0">
+                          <a:solidFill>
+                            <a:schemeClr val="dk1"/>
+                          </a:solidFill>
+                          <a:latin typeface="+mn-lt"/>
+                          <a:ea typeface="+mn-ea"/>
+                          <a:cs typeface="+mn-cs"/>
+                        </a:rPr>
+                        <a:t>1</a:t>
+                      </a:r>
+                      <a:endParaRPr lang="zh-CN" altLang="en-US" sz="1800" b="1" kern="1200" dirty="0">
+                        <a:solidFill>
+                          <a:schemeClr val="dk1"/>
+                        </a:solidFill>
+                        <a:latin typeface="+mn-lt"/>
+                        <a:ea typeface="+mn-ea"/>
+                        <a:cs typeface="+mn-cs"/>
+                      </a:endParaRPr>
+                    </a:p>
+                  </a:txBody>
+                  <a:tcPr anchor="ctr"/>
+                </a:tc>
+                <a:tc>
+                  <a:txBody>
+                    <a:bodyPr/>
+                    <a:lstStyle/>
+                    <a:p>
+                      <a:pPr algn="ctr"/>
+                      <a:endParaRPr lang="zh-CN" altLang="en-US" b="1" dirty="0"/>
+                    </a:p>
+                  </a:txBody>
+                  <a:tcPr anchor="ctr"/>
+                </a:tc>
+                <a:tc>
+                  <a:txBody>
+                    <a:bodyPr/>
+                    <a:lstStyle/>
+                    <a:p>
+                      <a:pPr algn="ctr"/>
+                      <a:endParaRPr lang="zh-CN" altLang="en-US" b="1" dirty="0"/>
+                    </a:p>
+                  </a:txBody>
+                  <a:tcPr anchor="ctr"/>
+                </a:tc>
+                <a:tc>
+                  <a:txBody>
+                    <a:bodyPr/>
+                    <a:lstStyle/>
+                    <a:p>
+                      <a:pPr algn="ctr"/>
+                      <a:endParaRPr lang="zh-CN" altLang="en-US" b="1" dirty="0"/>
+                    </a:p>
+                  </a:txBody>
+                  <a:tcPr anchor="ctr"/>
+                </a:tc>
+                <a:tc>
+                  <a:txBody>
+                    <a:bodyPr/>
+                    <a:lstStyle/>
+                    <a:p>
+                      <a:pPr algn="ctr"/>
+                      <a:endParaRPr lang="zh-CN" altLang="en-US" b="1" dirty="0"/>
+                    </a:p>
+                  </a:txBody>
+                  <a:tcPr anchor="ctr"/>
+                </a:tc>
+                <a:tc>
+                  <a:txBody>
+                    <a:bodyPr/>
+                    <a:lstStyle/>
+                    <a:p>
+                      <a:pPr algn="ctr"/>
+                      <a:endParaRPr lang="zh-CN" altLang="en-US" b="1" dirty="0"/>
+                    </a:p>
+                  </a:txBody>
+                  <a:tcPr anchor="ctr"/>
+                </a:tc>
+                <a:tc>
+                  <a:txBody>
+                    <a:bodyPr/>
+                    <a:lstStyle/>
+                    <a:p>
+                      <a:pPr algn="ctr"/>
+                      <a:endParaRPr lang="zh-CN" altLang="en-US" b="1" dirty="0"/>
+                    </a:p>
+                  </a:txBody>
+                  <a:tcPr anchor="ctr"/>
+                </a:tc>
+                <a:tc>
+                  <a:txBody>
+                    <a:bodyPr/>
+                    <a:lstStyle/>
+                    <a:p>
+                      <a:pPr algn="ctr"/>
+                      <a:endParaRPr lang="zh-CN" altLang="en-US" b="1" dirty="0"/>
+                    </a:p>
+                  </a:txBody>
+                  <a:tcPr anchor="ctr"/>
+                </a:tc>
+                <a:extLst>
+                  <a:ext uri="{0D108BD9-81ED-4DB2-BD59-A6C34878D82A}">
+                    <a16:rowId xmlns:a16="http://schemas.microsoft.com/office/drawing/2014/main" val="2803038693"/>
+                  </a:ext>
+                </a:extLst>
+              </a:tr>
+            </a:tbl>
+          </a:graphicData>
+        </a:graphic>
+      </p:graphicFrame>
+      <p:sp>
+        <p:nvSpPr>
+          <p:cNvPr id="7" name="文本框 6"/>
+          <p:cNvSpPr txBox="1"/>
+          <p:nvPr/>
+        </p:nvSpPr>
+        <p:spPr>
+          <a:xfrm>
+            <a:off x="5954703" y="3747248"/>
+            <a:ext cx="928334" cy="369332"/>
+          </a:xfrm>
+          <a:prstGeom prst="rect">
+            <a:avLst/>
+          </a:prstGeom>
+          <a:noFill/>
+        </p:spPr>
+        <p:txBody>
+          <a:bodyPr wrap="square" rtlCol="0">
+            <a:spAutoFit/>
+          </a:bodyPr>
+          <a:lstStyle/>
+          <a:p>
+            <a:r>
+              <a:rPr lang="en-US" altLang="zh-CN" dirty="0" smtClean="0"/>
+              <a:t>id</a:t>
+            </a:r>
+            <a:endParaRPr lang="zh-CN" altLang="en-US" dirty="0"/>
+          </a:p>
+        </p:txBody>
+      </p:sp>
+      <p:cxnSp>
+        <p:nvCxnSpPr>
+          <p:cNvPr id="8" name="直接箭头连接符 7"/>
+          <p:cNvCxnSpPr/>
+          <p:nvPr/>
+        </p:nvCxnSpPr>
+        <p:spPr>
+          <a:xfrm flipV="1">
+            <a:off x="6145203" y="3336537"/>
+            <a:ext cx="0" cy="389413"/>
+          </a:xfrm>
+          <a:prstGeom prst="straightConnector1">
+            <a:avLst/>
+          </a:prstGeom>
+          <a:ln>
+            <a:tailEnd type="triangle"/>
+          </a:ln>
+        </p:spPr>
+        <p:style>
+          <a:lnRef idx="1">
+            <a:schemeClr val="dk1"/>
+          </a:lnRef>
+          <a:fillRef idx="0">
+            <a:schemeClr val="dk1"/>
+          </a:fillRef>
+          <a:effectRef idx="0">
+            <a:schemeClr val="dk1"/>
+          </a:effectRef>
+          <a:fontRef idx="minor">
+            <a:schemeClr val="tx1"/>
+          </a:fontRef>
+        </p:style>
+      </p:cxnSp>
+      <p:cxnSp>
+        <p:nvCxnSpPr>
+          <p:cNvPr id="26" name="直接箭头连接符 25"/>
+          <p:cNvCxnSpPr/>
+          <p:nvPr/>
+        </p:nvCxnSpPr>
+        <p:spPr>
+          <a:xfrm flipV="1">
+            <a:off x="8982381" y="3336537"/>
+            <a:ext cx="0" cy="389413"/>
+          </a:xfrm>
+          <a:prstGeom prst="straightConnector1">
+            <a:avLst/>
+          </a:prstGeom>
+          <a:ln>
+            <a:tailEnd type="triangle"/>
+          </a:ln>
+        </p:spPr>
+        <p:style>
+          <a:lnRef idx="1">
+            <a:schemeClr val="dk1"/>
+          </a:lnRef>
+          <a:fillRef idx="0">
+            <a:schemeClr val="dk1"/>
+          </a:fillRef>
+          <a:effectRef idx="0">
+            <a:schemeClr val="dk1"/>
+          </a:effectRef>
+          <a:fontRef idx="minor">
+            <a:schemeClr val="tx1"/>
+          </a:fontRef>
+        </p:style>
+      </p:cxnSp>
+      <p:sp>
+        <p:nvSpPr>
+          <p:cNvPr id="27" name="文本框 26"/>
+          <p:cNvSpPr txBox="1"/>
+          <p:nvPr/>
+        </p:nvSpPr>
+        <p:spPr>
+          <a:xfrm>
+            <a:off x="4008543" y="3747248"/>
+            <a:ext cx="976283" cy="369332"/>
+          </a:xfrm>
+          <a:prstGeom prst="rect">
+            <a:avLst/>
+          </a:prstGeom>
+          <a:noFill/>
+        </p:spPr>
+        <p:txBody>
+          <a:bodyPr wrap="square" rtlCol="0">
+            <a:spAutoFit/>
+          </a:bodyPr>
+          <a:lstStyle/>
+          <a:p>
+            <a:r>
+              <a:rPr lang="en-US" altLang="zh-CN" dirty="0" smtClean="0"/>
+              <a:t>i_m</a:t>
+            </a:r>
+            <a:endParaRPr lang="zh-CN" altLang="en-US" dirty="0"/>
+          </a:p>
+        </p:txBody>
+      </p:sp>
+      <p:cxnSp>
+        <p:nvCxnSpPr>
+          <p:cNvPr id="28" name="直接箭头连接符 27"/>
+          <p:cNvCxnSpPr/>
+          <p:nvPr/>
+        </p:nvCxnSpPr>
+        <p:spPr>
+          <a:xfrm flipV="1">
+            <a:off x="4236720" y="3336537"/>
+            <a:ext cx="0" cy="389413"/>
+          </a:xfrm>
+          <a:prstGeom prst="straightConnector1">
+            <a:avLst/>
+          </a:prstGeom>
+          <a:ln>
+            <a:tailEnd type="triangle"/>
+          </a:ln>
+        </p:spPr>
+        <p:style>
+          <a:lnRef idx="1">
+            <a:schemeClr val="dk1"/>
+          </a:lnRef>
+          <a:fillRef idx="0">
+            <a:schemeClr val="dk1"/>
+          </a:fillRef>
+          <a:effectRef idx="0">
+            <a:schemeClr val="dk1"/>
+          </a:effectRef>
+          <a:fontRef idx="minor">
+            <a:schemeClr val="tx1"/>
+          </a:fontRef>
+        </p:style>
+      </p:cxnSp>
+      <p:cxnSp>
+        <p:nvCxnSpPr>
+          <p:cNvPr id="29" name="直接箭头连接符 28"/>
+          <p:cNvCxnSpPr/>
+          <p:nvPr/>
+        </p:nvCxnSpPr>
+        <p:spPr>
+          <a:xfrm>
+            <a:off x="3566583" y="4116580"/>
+            <a:ext cx="5175829" cy="0"/>
+          </a:xfrm>
+          <a:prstGeom prst="straightConnector1">
+            <a:avLst/>
+          </a:prstGeom>
+          <a:ln>
+            <a:headEnd type="triangle"/>
+            <a:tailEnd type="triangle"/>
+          </a:ln>
+        </p:spPr>
+        <p:style>
+          <a:lnRef idx="1">
+            <a:schemeClr val="accent1"/>
+          </a:lnRef>
+          <a:fillRef idx="0">
+            <a:schemeClr val="accent1"/>
+          </a:fillRef>
+          <a:effectRef idx="0">
+            <a:schemeClr val="accent1"/>
+          </a:effectRef>
+          <a:fontRef idx="minor">
+            <a:schemeClr val="tx1"/>
+          </a:fontRef>
+        </p:style>
+      </p:cxnSp>
+      <p:sp>
+        <p:nvSpPr>
+          <p:cNvPr id="30" name="文本框 29"/>
+          <p:cNvSpPr txBox="1"/>
+          <p:nvPr/>
+        </p:nvSpPr>
+        <p:spPr>
+          <a:xfrm>
+            <a:off x="5681036" y="4261013"/>
+            <a:ext cx="928334" cy="369332"/>
+          </a:xfrm>
+          <a:prstGeom prst="rect">
+            <a:avLst/>
+          </a:prstGeom>
+          <a:noFill/>
+        </p:spPr>
+        <p:txBody>
+          <a:bodyPr wrap="square" rtlCol="0">
+            <a:spAutoFit/>
+          </a:bodyPr>
+          <a:lstStyle/>
+          <a:p>
+            <a:r>
+              <a:rPr lang="zh-CN" altLang="en-US" dirty="0" smtClean="0"/>
+              <a:t>“</a:t>
+            </a:r>
+            <a:r>
+              <a:rPr lang="en-US" altLang="zh-CN" dirty="0" smtClean="0"/>
+              <a:t>abcba</a:t>
+            </a:r>
+            <a:r>
+              <a:rPr lang="zh-CN" altLang="en-US" dirty="0" smtClean="0"/>
+              <a:t>”</a:t>
+            </a:r>
+            <a:endParaRPr lang="zh-CN" altLang="en-US" dirty="0"/>
+          </a:p>
+        </p:txBody>
+      </p:sp>
+      <p:cxnSp>
+        <p:nvCxnSpPr>
+          <p:cNvPr id="32" name="直接连接符 31"/>
+          <p:cNvCxnSpPr/>
+          <p:nvPr/>
+        </p:nvCxnSpPr>
+        <p:spPr>
+          <a:xfrm>
+            <a:off x="8742412" y="3181422"/>
+            <a:ext cx="0" cy="959300"/>
+          </a:xfrm>
+          <a:prstGeom prst="line">
+            <a:avLst/>
+          </a:prstGeom>
+          <a:ln>
+            <a:prstDash val="dash"/>
+          </a:ln>
+        </p:spPr>
+        <p:style>
+          <a:lnRef idx="1">
+            <a:schemeClr val="accent1"/>
+          </a:lnRef>
+          <a:fillRef idx="0">
+            <a:schemeClr val="accent1"/>
+          </a:fillRef>
+          <a:effectRef idx="0">
+            <a:schemeClr val="accent1"/>
+          </a:effectRef>
+          <a:fontRef idx="minor">
+            <a:schemeClr val="tx1"/>
+          </a:fontRef>
+        </p:style>
+      </p:cxnSp>
+      <p:cxnSp>
+        <p:nvCxnSpPr>
+          <p:cNvPr id="17" name="直接连接符 16"/>
+          <p:cNvCxnSpPr/>
+          <p:nvPr/>
+        </p:nvCxnSpPr>
+        <p:spPr>
+          <a:xfrm>
+            <a:off x="3566583" y="3201001"/>
+            <a:ext cx="0" cy="959300"/>
+          </a:xfrm>
+          <a:prstGeom prst="line">
+            <a:avLst/>
+          </a:prstGeom>
+          <a:ln>
+            <a:prstDash val="dash"/>
+          </a:ln>
+        </p:spPr>
+        <p:style>
+          <a:lnRef idx="1">
+            <a:schemeClr val="accent1"/>
+          </a:lnRef>
+          <a:fillRef idx="0">
+            <a:schemeClr val="accent1"/>
+          </a:fillRef>
+          <a:effectRef idx="0">
+            <a:schemeClr val="accent1"/>
+          </a:effectRef>
+          <a:fontRef idx="minor">
+            <a:schemeClr val="tx1"/>
+          </a:fontRef>
+        </p:style>
+      </p:cxnSp>
+      <p:sp>
+        <p:nvSpPr>
+          <p:cNvPr id="20" name="文本框 19"/>
+          <p:cNvSpPr txBox="1"/>
+          <p:nvPr/>
+        </p:nvSpPr>
+        <p:spPr>
+          <a:xfrm>
+            <a:off x="7910611" y="3747248"/>
+            <a:ext cx="928334" cy="369332"/>
+          </a:xfrm>
+          <a:prstGeom prst="rect">
+            <a:avLst/>
+          </a:prstGeom>
+          <a:noFill/>
+        </p:spPr>
+        <p:txBody>
+          <a:bodyPr wrap="square" rtlCol="0">
+            <a:spAutoFit/>
+          </a:bodyPr>
+          <a:lstStyle/>
+          <a:p>
+            <a:r>
+              <a:rPr lang="en-US" altLang="zh-CN" dirty="0"/>
+              <a:t>i</a:t>
+            </a:r>
+            <a:endParaRPr lang="zh-CN" altLang="en-US" dirty="0"/>
+          </a:p>
+        </p:txBody>
+      </p:sp>
+      <p:cxnSp>
+        <p:nvCxnSpPr>
+          <p:cNvPr id="21" name="直接箭头连接符 20"/>
+          <p:cNvCxnSpPr/>
+          <p:nvPr/>
+        </p:nvCxnSpPr>
+        <p:spPr>
+          <a:xfrm flipV="1">
+            <a:off x="8025834" y="3336537"/>
+            <a:ext cx="0" cy="389413"/>
+          </a:xfrm>
+          <a:prstGeom prst="straightConnector1">
+            <a:avLst/>
+          </a:prstGeom>
+          <a:ln>
+            <a:tailEnd type="triangle"/>
+          </a:ln>
+        </p:spPr>
+        <p:style>
+          <a:lnRef idx="1">
+            <a:schemeClr val="dk1"/>
+          </a:lnRef>
+          <a:fillRef idx="0">
+            <a:schemeClr val="dk1"/>
+          </a:fillRef>
+          <a:effectRef idx="0">
+            <a:schemeClr val="dk1"/>
+          </a:effectRef>
+          <a:fontRef idx="minor">
+            <a:schemeClr val="tx1"/>
+          </a:fontRef>
+        </p:style>
+      </p:cxnSp>
+      <p:sp>
+        <p:nvSpPr>
+          <p:cNvPr id="23" name="文本框 22"/>
+          <p:cNvSpPr txBox="1"/>
+          <p:nvPr/>
+        </p:nvSpPr>
+        <p:spPr>
+          <a:xfrm>
+            <a:off x="8780512" y="3747248"/>
+            <a:ext cx="928334" cy="369332"/>
+          </a:xfrm>
+          <a:prstGeom prst="rect">
+            <a:avLst/>
+          </a:prstGeom>
+          <a:noFill/>
+        </p:spPr>
+        <p:txBody>
+          <a:bodyPr wrap="square" rtlCol="0">
+            <a:spAutoFit/>
+          </a:bodyPr>
+          <a:lstStyle/>
+          <a:p>
+            <a:r>
+              <a:rPr lang="en-US" altLang="zh-CN" dirty="0" smtClean="0"/>
+              <a:t>mx</a:t>
+            </a:r>
+            <a:endParaRPr lang="zh-CN" altLang="en-US" dirty="0"/>
+          </a:p>
+        </p:txBody>
+      </p:sp>
+    </p:spTree>
+    <p:extLst>
+      <p:ext uri="{BB962C8B-B14F-4D97-AF65-F5344CB8AC3E}">
+        <p14:creationId xmlns:p14="http://schemas.microsoft.com/office/powerpoint/2010/main" val="992047238"/>
+      </p:ext>
+    </p:extLst>
+  </p:cSld>
+  <p:clrMapOvr>
+    <a:masterClrMapping/>
+  </p:clrMapOvr>
+</p:sld>
+</file>
+
+<file path=ppt/slides/slide15.xml><?xml version="1.0" encoding="utf-8"?>
+<p:sld xmlns:a="http://schemas.openxmlformats.org/drawingml/2006/main" xmlns:r="http://schemas.openxmlformats.org/officeDocument/2006/relationships" xmlns:p="http://schemas.openxmlformats.org/presentationml/2006/main">
+  <p:cSld>
+    <p:spTree>
+      <p:nvGrpSpPr>
+        <p:cNvPr id="1" name=""/>
+        <p:cNvGrpSpPr/>
+        <p:nvPr/>
+      </p:nvGrpSpPr>
+      <p:grpSpPr>
+        <a:xfrm>
+          <a:off x="0" y="0"/>
+          <a:ext cx="0" cy="0"/>
+          <a:chOff x="0" y="0"/>
+          <a:chExt cx="0" cy="0"/>
+        </a:xfrm>
+      </p:grpSpPr>
+      <p:graphicFrame>
+        <p:nvGraphicFramePr>
+          <p:cNvPr id="4" name="表格 3"/>
+          <p:cNvGraphicFramePr>
+            <a:graphicFrameLocks noGrp="1"/>
+          </p:cNvGraphicFramePr>
+          <p:nvPr>
+            <p:extLst>
+              <p:ext uri="{D42A27DB-BD31-4B8C-83A1-F6EECF244321}">
+                <p14:modId xmlns:p14="http://schemas.microsoft.com/office/powerpoint/2010/main" val="2072046820"/>
+              </p:ext>
+            </p:extLst>
+          </p:nvPr>
+        </p:nvGraphicFramePr>
+        <p:xfrm>
+          <a:off x="742823" y="1780340"/>
+          <a:ext cx="10336656" cy="1414323"/>
+        </p:xfrm>
+        <a:graphic>
+          <a:graphicData uri="http://schemas.openxmlformats.org/drawingml/2006/table">
+            <a:tbl>
+              <a:tblPr firstRow="1" bandRow="1">
+                <a:tableStyleId>{5C22544A-7EE6-4342-B048-85BDC9FD1C3A}</a:tableStyleId>
+              </a:tblPr>
+              <a:tblGrid>
+                <a:gridCol w="469848">
+                  <a:extLst>
+                    <a:ext uri="{9D8B030D-6E8A-4147-A177-3AD203B41FA5}">
+                      <a16:colId xmlns:a16="http://schemas.microsoft.com/office/drawing/2014/main" val="2262083765"/>
+                    </a:ext>
+                  </a:extLst>
+                </a:gridCol>
+                <a:gridCol w="469848">
+                  <a:extLst>
+                    <a:ext uri="{9D8B030D-6E8A-4147-A177-3AD203B41FA5}">
+                      <a16:colId xmlns:a16="http://schemas.microsoft.com/office/drawing/2014/main" val="1760786954"/>
+                    </a:ext>
+                  </a:extLst>
+                </a:gridCol>
+                <a:gridCol w="469848">
+                  <a:extLst>
+                    <a:ext uri="{9D8B030D-6E8A-4147-A177-3AD203B41FA5}">
+                      <a16:colId xmlns:a16="http://schemas.microsoft.com/office/drawing/2014/main" val="3449211832"/>
+                    </a:ext>
+                  </a:extLst>
+                </a:gridCol>
+                <a:gridCol w="469848">
+                  <a:extLst>
+                    <a:ext uri="{9D8B030D-6E8A-4147-A177-3AD203B41FA5}">
+                      <a16:colId xmlns:a16="http://schemas.microsoft.com/office/drawing/2014/main" val="667474760"/>
+                    </a:ext>
+                  </a:extLst>
+                </a:gridCol>
+                <a:gridCol w="469848">
+                  <a:extLst>
+                    <a:ext uri="{9D8B030D-6E8A-4147-A177-3AD203B41FA5}">
+                      <a16:colId xmlns:a16="http://schemas.microsoft.com/office/drawing/2014/main" val="1404427100"/>
+                    </a:ext>
+                  </a:extLst>
+                </a:gridCol>
+                <a:gridCol w="469848">
+                  <a:extLst>
+                    <a:ext uri="{9D8B030D-6E8A-4147-A177-3AD203B41FA5}">
+                      <a16:colId xmlns:a16="http://schemas.microsoft.com/office/drawing/2014/main" val="1016760090"/>
+                    </a:ext>
+                  </a:extLst>
+                </a:gridCol>
+                <a:gridCol w="469848">
+                  <a:extLst>
+                    <a:ext uri="{9D8B030D-6E8A-4147-A177-3AD203B41FA5}">
+                      <a16:colId xmlns:a16="http://schemas.microsoft.com/office/drawing/2014/main" val="2469141873"/>
+                    </a:ext>
+                  </a:extLst>
+                </a:gridCol>
+                <a:gridCol w="469848">
+                  <a:extLst>
+                    <a:ext uri="{9D8B030D-6E8A-4147-A177-3AD203B41FA5}">
+                      <a16:colId xmlns:a16="http://schemas.microsoft.com/office/drawing/2014/main" val="189228409"/>
+                    </a:ext>
+                  </a:extLst>
+                </a:gridCol>
+                <a:gridCol w="469848">
+                  <a:extLst>
+                    <a:ext uri="{9D8B030D-6E8A-4147-A177-3AD203B41FA5}">
+                      <a16:colId xmlns:a16="http://schemas.microsoft.com/office/drawing/2014/main" val="3798636356"/>
+                    </a:ext>
+                  </a:extLst>
+                </a:gridCol>
+                <a:gridCol w="469848">
+                  <a:extLst>
+                    <a:ext uri="{9D8B030D-6E8A-4147-A177-3AD203B41FA5}">
+                      <a16:colId xmlns:a16="http://schemas.microsoft.com/office/drawing/2014/main" val="2559778786"/>
+                    </a:ext>
+                  </a:extLst>
+                </a:gridCol>
+                <a:gridCol w="469848">
+                  <a:extLst>
+                    <a:ext uri="{9D8B030D-6E8A-4147-A177-3AD203B41FA5}">
+                      <a16:colId xmlns:a16="http://schemas.microsoft.com/office/drawing/2014/main" val="1605969564"/>
+                    </a:ext>
+                  </a:extLst>
+                </a:gridCol>
+                <a:gridCol w="469848">
+                  <a:extLst>
+                    <a:ext uri="{9D8B030D-6E8A-4147-A177-3AD203B41FA5}">
+                      <a16:colId xmlns:a16="http://schemas.microsoft.com/office/drawing/2014/main" val="2893669601"/>
+                    </a:ext>
+                  </a:extLst>
+                </a:gridCol>
+                <a:gridCol w="469848">
+                  <a:extLst>
+                    <a:ext uri="{9D8B030D-6E8A-4147-A177-3AD203B41FA5}">
+                      <a16:colId xmlns:a16="http://schemas.microsoft.com/office/drawing/2014/main" val="4275763972"/>
+                    </a:ext>
+                  </a:extLst>
+                </a:gridCol>
+                <a:gridCol w="469848">
+                  <a:extLst>
+                    <a:ext uri="{9D8B030D-6E8A-4147-A177-3AD203B41FA5}">
+                      <a16:colId xmlns:a16="http://schemas.microsoft.com/office/drawing/2014/main" val="3935391714"/>
+                    </a:ext>
+                  </a:extLst>
+                </a:gridCol>
+                <a:gridCol w="469848">
+                  <a:extLst>
+                    <a:ext uri="{9D8B030D-6E8A-4147-A177-3AD203B41FA5}">
+                      <a16:colId xmlns:a16="http://schemas.microsoft.com/office/drawing/2014/main" val="880765783"/>
+                    </a:ext>
+                  </a:extLst>
+                </a:gridCol>
+                <a:gridCol w="469848">
+                  <a:extLst>
+                    <a:ext uri="{9D8B030D-6E8A-4147-A177-3AD203B41FA5}">
+                      <a16:colId xmlns:a16="http://schemas.microsoft.com/office/drawing/2014/main" val="449402296"/>
+                    </a:ext>
+                  </a:extLst>
+                </a:gridCol>
+                <a:gridCol w="469848">
+                  <a:extLst>
+                    <a:ext uri="{9D8B030D-6E8A-4147-A177-3AD203B41FA5}">
+                      <a16:colId xmlns:a16="http://schemas.microsoft.com/office/drawing/2014/main" val="580481147"/>
+                    </a:ext>
+                  </a:extLst>
+                </a:gridCol>
+                <a:gridCol w="469848">
+                  <a:extLst>
+                    <a:ext uri="{9D8B030D-6E8A-4147-A177-3AD203B41FA5}">
+                      <a16:colId xmlns:a16="http://schemas.microsoft.com/office/drawing/2014/main" val="350929362"/>
+                    </a:ext>
+                  </a:extLst>
+                </a:gridCol>
+                <a:gridCol w="469848">
+                  <a:extLst>
+                    <a:ext uri="{9D8B030D-6E8A-4147-A177-3AD203B41FA5}">
+                      <a16:colId xmlns:a16="http://schemas.microsoft.com/office/drawing/2014/main" val="3587195927"/>
+                    </a:ext>
+                  </a:extLst>
+                </a:gridCol>
+                <a:gridCol w="469848">
+                  <a:extLst>
+                    <a:ext uri="{9D8B030D-6E8A-4147-A177-3AD203B41FA5}">
+                      <a16:colId xmlns:a16="http://schemas.microsoft.com/office/drawing/2014/main" val="3055172977"/>
+                    </a:ext>
+                  </a:extLst>
+                </a:gridCol>
+                <a:gridCol w="469848">
+                  <a:extLst>
+                    <a:ext uri="{9D8B030D-6E8A-4147-A177-3AD203B41FA5}">
+                      <a16:colId xmlns:a16="http://schemas.microsoft.com/office/drawing/2014/main" val="974204400"/>
+                    </a:ext>
+                  </a:extLst>
+                </a:gridCol>
+                <a:gridCol w="469848">
+                  <a:extLst>
+                    <a:ext uri="{9D8B030D-6E8A-4147-A177-3AD203B41FA5}">
+                      <a16:colId xmlns:a16="http://schemas.microsoft.com/office/drawing/2014/main" val="141531194"/>
+                    </a:ext>
+                  </a:extLst>
+                </a:gridCol>
+              </a:tblGrid>
+              <a:tr h="471441">
+                <a:tc>
+                  <a:txBody>
+                    <a:bodyPr/>
+                    <a:lstStyle/>
+                    <a:p>
+                      <a:pPr algn="ctr"/>
+                      <a:r>
+                        <a:rPr lang="en-US" altLang="zh-CN" b="1" dirty="0" smtClean="0"/>
+                        <a:t>i</a:t>
+                      </a:r>
+                      <a:endParaRPr lang="zh-CN" altLang="en-US" b="1" dirty="0"/>
+                    </a:p>
+                  </a:txBody>
+                  <a:tcPr anchor="ctr"/>
+                </a:tc>
+                <a:tc>
+                  <a:txBody>
+                    <a:bodyPr/>
+                    <a:lstStyle/>
+                    <a:p>
+                      <a:pPr algn="ctr"/>
+                      <a:r>
+                        <a:rPr lang="en-US" altLang="zh-CN" b="1" dirty="0" smtClean="0"/>
+                        <a:t>0</a:t>
+                      </a:r>
+                      <a:endParaRPr lang="zh-CN" altLang="en-US" b="1" dirty="0"/>
+                    </a:p>
+                  </a:txBody>
+                  <a:tcPr anchor="ctr"/>
+                </a:tc>
+                <a:tc>
+                  <a:txBody>
+                    <a:bodyPr/>
+                    <a:lstStyle/>
+                    <a:p>
+                      <a:pPr algn="ctr"/>
+                      <a:r>
+                        <a:rPr lang="en-US" altLang="zh-CN" b="1" dirty="0" smtClean="0"/>
+                        <a:t>1</a:t>
+                      </a:r>
+                      <a:endParaRPr lang="zh-CN" altLang="en-US" b="1" dirty="0"/>
+                    </a:p>
+                  </a:txBody>
+                  <a:tcPr anchor="ctr"/>
+                </a:tc>
+                <a:tc>
+                  <a:txBody>
+                    <a:bodyPr/>
+                    <a:lstStyle/>
+                    <a:p>
+                      <a:pPr algn="ctr"/>
+                      <a:r>
+                        <a:rPr lang="en-US" altLang="zh-CN" b="1" dirty="0" smtClean="0"/>
+                        <a:t>2</a:t>
+                      </a:r>
+                      <a:endParaRPr lang="zh-CN" altLang="en-US" b="1" dirty="0"/>
+                    </a:p>
+                  </a:txBody>
+                  <a:tcPr anchor="ctr"/>
+                </a:tc>
+                <a:tc>
+                  <a:txBody>
+                    <a:bodyPr/>
+                    <a:lstStyle/>
+                    <a:p>
+                      <a:pPr algn="ctr"/>
+                      <a:r>
+                        <a:rPr lang="en-US" altLang="zh-CN" b="1" dirty="0" smtClean="0"/>
+                        <a:t>3</a:t>
+                      </a:r>
+                      <a:endParaRPr lang="zh-CN" altLang="en-US" b="1" dirty="0"/>
+                    </a:p>
+                  </a:txBody>
+                  <a:tcPr anchor="ctr"/>
+                </a:tc>
+                <a:tc>
+                  <a:txBody>
+                    <a:bodyPr/>
+                    <a:lstStyle/>
+                    <a:p>
+                      <a:pPr algn="ctr"/>
+                      <a:r>
+                        <a:rPr lang="en-US" altLang="zh-CN" b="1" dirty="0" smtClean="0"/>
+                        <a:t>4</a:t>
+                      </a:r>
+                      <a:endParaRPr lang="zh-CN" altLang="en-US" b="1" dirty="0"/>
+                    </a:p>
+                  </a:txBody>
+                  <a:tcPr anchor="ctr"/>
+                </a:tc>
+                <a:tc>
+                  <a:txBody>
+                    <a:bodyPr/>
+                    <a:lstStyle/>
+                    <a:p>
+                      <a:pPr algn="ctr"/>
+                      <a:r>
+                        <a:rPr lang="en-US" altLang="zh-CN" b="1" dirty="0" smtClean="0"/>
+                        <a:t>5</a:t>
+                      </a:r>
+                      <a:endParaRPr lang="zh-CN" altLang="en-US" b="1" dirty="0"/>
+                    </a:p>
+                  </a:txBody>
+                  <a:tcPr anchor="ctr"/>
+                </a:tc>
+                <a:tc>
+                  <a:txBody>
+                    <a:bodyPr/>
+                    <a:lstStyle/>
+                    <a:p>
+                      <a:pPr algn="ctr"/>
+                      <a:r>
+                        <a:rPr lang="en-US" altLang="zh-CN" b="1" dirty="0" smtClean="0"/>
+                        <a:t>6</a:t>
+                      </a:r>
+                      <a:endParaRPr lang="zh-CN" altLang="en-US" b="1" dirty="0"/>
+                    </a:p>
+                  </a:txBody>
+                  <a:tcPr anchor="ctr"/>
+                </a:tc>
+                <a:tc>
+                  <a:txBody>
+                    <a:bodyPr/>
+                    <a:lstStyle/>
+                    <a:p>
+                      <a:pPr algn="ctr"/>
+                      <a:r>
+                        <a:rPr lang="en-US" altLang="zh-CN" b="1" dirty="0" smtClean="0"/>
+                        <a:t>7</a:t>
+                      </a:r>
+                      <a:endParaRPr lang="zh-CN" altLang="en-US" b="1" dirty="0"/>
+                    </a:p>
+                  </a:txBody>
+                  <a:tcPr anchor="ctr"/>
+                </a:tc>
+                <a:tc>
+                  <a:txBody>
+                    <a:bodyPr/>
+                    <a:lstStyle/>
+                    <a:p>
+                      <a:pPr algn="ctr"/>
+                      <a:r>
+                        <a:rPr lang="en-US" altLang="zh-CN" b="1" dirty="0" smtClean="0"/>
+                        <a:t>8</a:t>
+                      </a:r>
+                      <a:endParaRPr lang="zh-CN" altLang="en-US" b="1" dirty="0"/>
+                    </a:p>
+                  </a:txBody>
+                  <a:tcPr anchor="ctr"/>
+                </a:tc>
+                <a:tc>
+                  <a:txBody>
+                    <a:bodyPr/>
+                    <a:lstStyle/>
+                    <a:p>
+                      <a:pPr algn="ctr"/>
+                      <a:r>
+                        <a:rPr lang="en-US" altLang="zh-CN" b="1" dirty="0" smtClean="0"/>
+                        <a:t>9</a:t>
+                      </a:r>
+                      <a:endParaRPr lang="zh-CN" altLang="en-US" b="1" dirty="0"/>
+                    </a:p>
+                  </a:txBody>
+                  <a:tcPr anchor="ctr"/>
+                </a:tc>
+                <a:tc>
+                  <a:txBody>
+                    <a:bodyPr/>
+                    <a:lstStyle/>
+                    <a:p>
+                      <a:pPr algn="ctr"/>
+                      <a:r>
+                        <a:rPr lang="en-US" altLang="zh-CN" b="1" dirty="0" smtClean="0"/>
+                        <a:t>10</a:t>
+                      </a:r>
+                      <a:endParaRPr lang="zh-CN" altLang="en-US" b="1" dirty="0"/>
+                    </a:p>
+                  </a:txBody>
+                  <a:tcPr anchor="ctr"/>
+                </a:tc>
+                <a:tc>
+                  <a:txBody>
+                    <a:bodyPr/>
+                    <a:lstStyle/>
+                    <a:p>
+                      <a:pPr algn="ctr"/>
+                      <a:r>
+                        <a:rPr lang="en-US" altLang="zh-CN" b="1" dirty="0" smtClean="0"/>
+                        <a:t>11</a:t>
+                      </a:r>
+                      <a:endParaRPr lang="zh-CN" altLang="en-US" b="1" dirty="0"/>
+                    </a:p>
+                  </a:txBody>
+                  <a:tcPr anchor="ctr"/>
+                </a:tc>
+                <a:tc>
+                  <a:txBody>
+                    <a:bodyPr/>
+                    <a:lstStyle/>
+                    <a:p>
+                      <a:pPr algn="ctr"/>
+                      <a:r>
+                        <a:rPr lang="en-US" altLang="zh-CN" b="1" dirty="0" smtClean="0"/>
+                        <a:t>12</a:t>
+                      </a:r>
+                      <a:endParaRPr lang="zh-CN" altLang="en-US" b="1" dirty="0"/>
+                    </a:p>
+                  </a:txBody>
+                  <a:tcPr anchor="ctr"/>
+                </a:tc>
+                <a:tc>
+                  <a:txBody>
+                    <a:bodyPr/>
+                    <a:lstStyle/>
+                    <a:p>
+                      <a:pPr algn="ctr"/>
+                      <a:r>
+                        <a:rPr lang="en-US" altLang="zh-CN" b="1" dirty="0" smtClean="0"/>
+                        <a:t>13</a:t>
+                      </a:r>
+                      <a:endParaRPr lang="zh-CN" altLang="en-US" b="1" dirty="0"/>
+                    </a:p>
+                  </a:txBody>
+                  <a:tcPr anchor="ctr"/>
+                </a:tc>
+                <a:tc>
+                  <a:txBody>
+                    <a:bodyPr/>
+                    <a:lstStyle/>
+                    <a:p>
+                      <a:pPr algn="ctr"/>
+                      <a:r>
+                        <a:rPr lang="en-US" altLang="zh-CN" b="1" dirty="0" smtClean="0"/>
+                        <a:t>14</a:t>
+                      </a:r>
+                      <a:endParaRPr lang="zh-CN" altLang="en-US" b="1" dirty="0"/>
+                    </a:p>
+                  </a:txBody>
+                  <a:tcPr anchor="ctr"/>
+                </a:tc>
+                <a:tc>
+                  <a:txBody>
+                    <a:bodyPr/>
+                    <a:lstStyle/>
+                    <a:p>
+                      <a:pPr algn="ctr"/>
+                      <a:r>
+                        <a:rPr lang="en-US" altLang="zh-CN" b="1" dirty="0" smtClean="0"/>
+                        <a:t>15</a:t>
+                      </a:r>
+                      <a:endParaRPr lang="zh-CN" altLang="en-US" b="1" dirty="0"/>
+                    </a:p>
+                  </a:txBody>
+                  <a:tcPr anchor="ctr"/>
+                </a:tc>
+                <a:tc>
+                  <a:txBody>
+                    <a:bodyPr/>
+                    <a:lstStyle/>
+                    <a:p>
+                      <a:pPr algn="ctr"/>
+                      <a:r>
+                        <a:rPr lang="en-US" altLang="zh-CN" b="1" dirty="0" smtClean="0"/>
+                        <a:t>16</a:t>
+                      </a:r>
+                      <a:endParaRPr lang="zh-CN" altLang="en-US" b="1" dirty="0"/>
+                    </a:p>
+                  </a:txBody>
+                  <a:tcPr anchor="ctr"/>
+                </a:tc>
+                <a:tc>
+                  <a:txBody>
+                    <a:bodyPr/>
+                    <a:lstStyle/>
+                    <a:p>
+                      <a:pPr algn="ctr"/>
+                      <a:r>
+                        <a:rPr lang="en-US" altLang="zh-CN" b="1" dirty="0" smtClean="0"/>
+                        <a:t>17</a:t>
+                      </a:r>
+                      <a:endParaRPr lang="zh-CN" altLang="en-US" b="1" dirty="0"/>
+                    </a:p>
+                  </a:txBody>
+                  <a:tcPr anchor="ctr"/>
+                </a:tc>
+                <a:tc>
+                  <a:txBody>
+                    <a:bodyPr/>
+                    <a:lstStyle/>
+                    <a:p>
+                      <a:pPr algn="ctr"/>
+                      <a:r>
+                        <a:rPr lang="en-US" altLang="zh-CN" b="1" dirty="0" smtClean="0"/>
+                        <a:t>18</a:t>
+                      </a:r>
+                      <a:endParaRPr lang="zh-CN" altLang="en-US" b="1" dirty="0"/>
+                    </a:p>
+                  </a:txBody>
+                  <a:tcPr anchor="ctr"/>
+                </a:tc>
+                <a:tc>
+                  <a:txBody>
+                    <a:bodyPr/>
+                    <a:lstStyle/>
+                    <a:p>
+                      <a:pPr algn="ctr"/>
+                      <a:r>
+                        <a:rPr lang="en-US" altLang="zh-CN" b="1" dirty="0" smtClean="0"/>
+                        <a:t>19</a:t>
+                      </a:r>
+                      <a:endParaRPr lang="zh-CN" altLang="en-US" b="1" dirty="0"/>
+                    </a:p>
+                  </a:txBody>
+                  <a:tcPr anchor="ctr"/>
+                </a:tc>
+                <a:tc>
+                  <a:txBody>
+                    <a:bodyPr/>
+                    <a:lstStyle/>
+                    <a:p>
+                      <a:pPr algn="ctr"/>
+                      <a:r>
+                        <a:rPr lang="en-US" altLang="zh-CN" b="1" dirty="0" smtClean="0"/>
+                        <a:t>20</a:t>
+                      </a:r>
+                      <a:endParaRPr lang="zh-CN" altLang="en-US" b="1" dirty="0"/>
+                    </a:p>
+                  </a:txBody>
+                  <a:tcPr anchor="ctr"/>
+                </a:tc>
+                <a:extLst>
+                  <a:ext uri="{0D108BD9-81ED-4DB2-BD59-A6C34878D82A}">
+                    <a16:rowId xmlns:a16="http://schemas.microsoft.com/office/drawing/2014/main" val="2987790500"/>
+                  </a:ext>
+                </a:extLst>
+              </a:tr>
+              <a:tr h="471441">
+                <a:tc>
+                  <a:txBody>
+                    <a:bodyPr/>
+                    <a:lstStyle/>
+                    <a:p>
+                      <a:pPr algn="ctr"/>
+                      <a:r>
+                        <a:rPr lang="en-US" altLang="zh-CN" b="1" dirty="0" smtClean="0"/>
+                        <a:t>T</a:t>
+                      </a:r>
+                      <a:endParaRPr lang="zh-CN" altLang="en-US" b="1" dirty="0"/>
+                    </a:p>
+                  </a:txBody>
+                  <a:tcPr anchor="ctr"/>
+                </a:tc>
+                <a:tc>
+                  <a:txBody>
+                    <a:bodyPr/>
+                    <a:lstStyle/>
+                    <a:p>
+                      <a:pPr algn="ctr"/>
+                      <a:r>
+                        <a:rPr lang="en-US" altLang="zh-CN" b="1" dirty="0" smtClean="0"/>
+                        <a:t>^</a:t>
+                      </a:r>
+                      <a:endParaRPr lang="zh-CN" altLang="en-US" b="1" dirty="0"/>
+                    </a:p>
+                  </a:txBody>
+                  <a:tcPr anchor="ctr"/>
+                </a:tc>
+                <a:tc>
+                  <a:txBody>
+                    <a:bodyPr/>
+                    <a:lstStyle/>
+                    <a:p>
+                      <a:pPr algn="ctr"/>
+                      <a:r>
+                        <a:rPr lang="en-US" altLang="zh-CN" b="1" dirty="0" smtClean="0"/>
+                        <a:t>#</a:t>
+                      </a:r>
+                      <a:endParaRPr lang="zh-CN" altLang="en-US" b="1" dirty="0"/>
+                    </a:p>
+                  </a:txBody>
+                  <a:tcPr anchor="ctr"/>
+                </a:tc>
+                <a:tc>
+                  <a:txBody>
+                    <a:bodyPr/>
+                    <a:lstStyle/>
+                    <a:p>
+                      <a:pPr algn="ctr"/>
+                      <a:r>
+                        <a:rPr lang="en-US" altLang="zh-CN" b="1" dirty="0" smtClean="0"/>
+                        <a:t>c</a:t>
+                      </a:r>
+                      <a:endParaRPr lang="zh-CN" altLang="en-US" b="1" dirty="0"/>
+                    </a:p>
+                  </a:txBody>
+                  <a:tcPr anchor="ctr"/>
+                </a:tc>
+                <a:tc>
+                  <a:txBody>
+                    <a:bodyPr/>
+                    <a:lstStyle/>
+                    <a:p>
+                      <a:pPr algn="ctr"/>
+                      <a:r>
+                        <a:rPr lang="en-US" altLang="zh-CN" b="1" dirty="0" smtClean="0"/>
+                        <a:t>#</a:t>
+                      </a:r>
+                      <a:endParaRPr lang="zh-CN" altLang="en-US" b="1" dirty="0"/>
+                    </a:p>
+                  </a:txBody>
+                  <a:tcPr anchor="ctr"/>
+                </a:tc>
+                <a:tc>
+                  <a:txBody>
+                    <a:bodyPr/>
+                    <a:lstStyle/>
+                    <a:p>
+                      <a:pPr algn="ctr"/>
+                      <a:r>
+                        <a:rPr lang="en-US" altLang="zh-CN" b="1" dirty="0" smtClean="0"/>
+                        <a:t>b</a:t>
+                      </a:r>
+                      <a:endParaRPr lang="zh-CN" altLang="en-US" b="1" dirty="0"/>
+                    </a:p>
+                  </a:txBody>
+                  <a:tcPr anchor="ctr"/>
+                </a:tc>
+                <a:tc>
+                  <a:txBody>
+                    <a:bodyPr/>
+                    <a:lstStyle/>
+                    <a:p>
+                      <a:pPr algn="ctr"/>
+                      <a:r>
+                        <a:rPr lang="en-US" altLang="zh-CN" b="1" dirty="0" smtClean="0"/>
+                        <a:t>#</a:t>
+                      </a:r>
+                      <a:endParaRPr lang="zh-CN" altLang="en-US" b="1" dirty="0"/>
+                    </a:p>
+                  </a:txBody>
+                  <a:tcPr anchor="ctr"/>
+                </a:tc>
+                <a:tc>
+                  <a:txBody>
+                    <a:bodyPr/>
+                    <a:lstStyle/>
+                    <a:p>
+                      <a:pPr algn="ctr"/>
+                      <a:r>
+                        <a:rPr lang="en-US" altLang="zh-CN" b="1" dirty="0" smtClean="0"/>
+                        <a:t>a</a:t>
+                      </a:r>
+                      <a:endParaRPr lang="zh-CN" altLang="en-US" b="1" dirty="0"/>
+                    </a:p>
+                  </a:txBody>
+                  <a:tcPr anchor="ctr"/>
+                </a:tc>
+                <a:tc>
+                  <a:txBody>
+                    <a:bodyPr/>
+                    <a:lstStyle/>
+                    <a:p>
+                      <a:pPr algn="ctr"/>
+                      <a:r>
+                        <a:rPr lang="en-US" altLang="zh-CN" b="1" dirty="0" smtClean="0"/>
+                        <a:t>#</a:t>
+                      </a:r>
+                      <a:endParaRPr lang="zh-CN" altLang="en-US" b="1" dirty="0"/>
+                    </a:p>
+                  </a:txBody>
+                  <a:tcPr anchor="ctr"/>
+                </a:tc>
+                <a:tc>
+                  <a:txBody>
+                    <a:bodyPr/>
+                    <a:lstStyle/>
+                    <a:p>
+                      <a:pPr algn="ctr"/>
+                      <a:r>
+                        <a:rPr lang="en-US" altLang="zh-CN" b="1" dirty="0" smtClean="0"/>
+                        <a:t>b</a:t>
+                      </a:r>
+                      <a:endParaRPr lang="zh-CN" altLang="en-US" b="1" dirty="0"/>
+                    </a:p>
+                  </a:txBody>
+                  <a:tcPr anchor="ctr"/>
+                </a:tc>
+                <a:tc>
+                  <a:txBody>
+                    <a:bodyPr/>
+                    <a:lstStyle/>
+                    <a:p>
+                      <a:pPr algn="ctr"/>
+                      <a:r>
+                        <a:rPr lang="en-US" altLang="zh-CN" b="1" dirty="0" smtClean="0"/>
+                        <a:t>#</a:t>
+                      </a:r>
+                      <a:endParaRPr lang="zh-CN" altLang="en-US" b="1" dirty="0"/>
+                    </a:p>
+                  </a:txBody>
+                  <a:tcPr anchor="ctr"/>
+                </a:tc>
+                <a:tc>
+                  <a:txBody>
+                    <a:bodyPr/>
+                    <a:lstStyle/>
+                    <a:p>
+                      <a:pPr algn="ctr"/>
+                      <a:r>
+                        <a:rPr lang="en-US" altLang="zh-CN" b="1" dirty="0" smtClean="0"/>
+                        <a:t>c</a:t>
+                      </a:r>
+                      <a:endParaRPr lang="zh-CN" altLang="en-US" b="1" dirty="0"/>
+                    </a:p>
+                  </a:txBody>
+                  <a:tcPr anchor="ctr"/>
+                </a:tc>
+                <a:tc>
+                  <a:txBody>
+                    <a:bodyPr/>
+                    <a:lstStyle/>
+                    <a:p>
+                      <a:pPr algn="ctr"/>
+                      <a:r>
+                        <a:rPr lang="en-US" altLang="zh-CN" b="1" dirty="0" smtClean="0"/>
+                        <a:t>#</a:t>
+                      </a:r>
+                      <a:endParaRPr lang="zh-CN" altLang="en-US" b="1" dirty="0"/>
+                    </a:p>
+                  </a:txBody>
+                  <a:tcPr anchor="ctr"/>
+                </a:tc>
+                <a:tc>
+                  <a:txBody>
+                    <a:bodyPr/>
+                    <a:lstStyle/>
+                    <a:p>
+                      <a:pPr algn="ctr"/>
+                      <a:r>
+                        <a:rPr lang="en-US" altLang="zh-CN" b="1" dirty="0" smtClean="0"/>
+                        <a:t>b</a:t>
+                      </a:r>
+                      <a:endParaRPr lang="zh-CN" altLang="en-US" b="1" dirty="0"/>
+                    </a:p>
+                  </a:txBody>
+                  <a:tcPr anchor="ctr"/>
+                </a:tc>
+                <a:tc>
+                  <a:txBody>
+                    <a:bodyPr/>
+                    <a:lstStyle/>
+                    <a:p>
+                      <a:pPr algn="ctr"/>
+                      <a:r>
+                        <a:rPr lang="en-US" altLang="zh-CN" b="1" dirty="0" smtClean="0"/>
+                        <a:t>#</a:t>
+                      </a:r>
+                      <a:endParaRPr lang="zh-CN" altLang="en-US" b="1" dirty="0"/>
+                    </a:p>
+                  </a:txBody>
+                  <a:tcPr anchor="ctr"/>
+                </a:tc>
+                <a:tc>
+                  <a:txBody>
+                    <a:bodyPr/>
+                    <a:lstStyle/>
+                    <a:p>
+                      <a:pPr algn="ctr"/>
+                      <a:r>
+                        <a:rPr lang="en-US" altLang="zh-CN" b="1" dirty="0" smtClean="0"/>
+                        <a:t>a</a:t>
+                      </a:r>
+                      <a:endParaRPr lang="zh-CN" altLang="en-US" b="1" dirty="0"/>
+                    </a:p>
+                  </a:txBody>
+                  <a:tcPr anchor="ctr"/>
+                </a:tc>
+                <a:tc>
+                  <a:txBody>
+                    <a:bodyPr/>
+                    <a:lstStyle/>
+                    <a:p>
+                      <a:pPr algn="ctr"/>
+                      <a:r>
+                        <a:rPr lang="en-US" altLang="zh-CN" b="1" dirty="0" smtClean="0"/>
+                        <a:t>#</a:t>
+                      </a:r>
+                      <a:endParaRPr lang="zh-CN" altLang="en-US" b="1" dirty="0"/>
+                    </a:p>
+                  </a:txBody>
+                  <a:tcPr anchor="ctr"/>
+                </a:tc>
+                <a:tc>
+                  <a:txBody>
+                    <a:bodyPr/>
+                    <a:lstStyle/>
+                    <a:p>
+                      <a:pPr algn="ctr"/>
+                      <a:r>
+                        <a:rPr lang="en-US" altLang="zh-CN" b="1" dirty="0" smtClean="0"/>
+                        <a:t>d</a:t>
+                      </a:r>
+                      <a:endParaRPr lang="zh-CN" altLang="en-US" b="1" dirty="0"/>
+                    </a:p>
+                  </a:txBody>
+                  <a:tcPr anchor="ctr"/>
+                </a:tc>
+                <a:tc>
+                  <a:txBody>
+                    <a:bodyPr/>
+                    <a:lstStyle/>
+                    <a:p>
+                      <a:pPr algn="ctr"/>
+                      <a:r>
+                        <a:rPr lang="en-US" altLang="zh-CN" b="1" dirty="0" smtClean="0"/>
+                        <a:t>#</a:t>
+                      </a:r>
+                      <a:endParaRPr lang="zh-CN" altLang="en-US" b="1" dirty="0"/>
+                    </a:p>
+                  </a:txBody>
+                  <a:tcPr anchor="ctr"/>
+                </a:tc>
+                <a:tc>
+                  <a:txBody>
+                    <a:bodyPr/>
+                    <a:lstStyle/>
+                    <a:p>
+                      <a:pPr algn="ctr"/>
+                      <a:r>
+                        <a:rPr lang="en-US" altLang="zh-CN" b="1" dirty="0" smtClean="0"/>
+                        <a:t>e</a:t>
+                      </a:r>
+                      <a:endParaRPr lang="zh-CN" altLang="en-US" b="1" dirty="0"/>
+                    </a:p>
+                  </a:txBody>
+                  <a:tcPr anchor="ctr"/>
+                </a:tc>
+                <a:tc>
+                  <a:txBody>
+                    <a:bodyPr/>
+                    <a:lstStyle/>
+                    <a:p>
+                      <a:pPr algn="ctr"/>
+                      <a:r>
+                        <a:rPr lang="en-US" altLang="zh-CN" b="1" dirty="0" smtClean="0"/>
+                        <a:t>#</a:t>
+                      </a:r>
+                      <a:endParaRPr lang="zh-CN" altLang="en-US" b="1" dirty="0"/>
+                    </a:p>
+                  </a:txBody>
+                  <a:tcPr anchor="ctr"/>
+                </a:tc>
+                <a:tc>
+                  <a:txBody>
+                    <a:bodyPr/>
+                    <a:lstStyle/>
+                    <a:p>
+                      <a:pPr algn="ctr"/>
+                      <a:r>
+                        <a:rPr lang="en-US" altLang="zh-CN" b="1" dirty="0" smtClean="0"/>
+                        <a:t>$</a:t>
+                      </a:r>
+                      <a:endParaRPr lang="zh-CN" altLang="en-US" b="1" dirty="0"/>
+                    </a:p>
+                  </a:txBody>
+                  <a:tcPr anchor="ctr"/>
+                </a:tc>
+                <a:extLst>
+                  <a:ext uri="{0D108BD9-81ED-4DB2-BD59-A6C34878D82A}">
+                    <a16:rowId xmlns:a16="http://schemas.microsoft.com/office/drawing/2014/main" val="3145686698"/>
+                  </a:ext>
+                </a:extLst>
+              </a:tr>
+              <a:tr h="471441">
+                <a:tc>
+                  <a:txBody>
+                    <a:bodyPr/>
+                    <a:lstStyle/>
+                    <a:p>
+                      <a:pPr algn="ctr"/>
+                      <a:r>
+                        <a:rPr lang="en-US" altLang="zh-CN" b="1" dirty="0" smtClean="0"/>
+                        <a:t>P</a:t>
+                      </a:r>
+                      <a:endParaRPr lang="zh-CN" altLang="en-US" b="1" dirty="0"/>
+                    </a:p>
+                  </a:txBody>
+                  <a:tcPr anchor="ctr"/>
+                </a:tc>
+                <a:tc>
+                  <a:txBody>
+                    <a:bodyPr/>
+                    <a:lstStyle/>
+                    <a:p>
+                      <a:pPr algn="ctr"/>
+                      <a:endParaRPr lang="zh-CN" altLang="en-US" b="1" dirty="0"/>
+                    </a:p>
+                  </a:txBody>
+                  <a:tcPr anchor="ctr"/>
+                </a:tc>
+                <a:tc>
+                  <a:txBody>
+                    <a:bodyPr/>
+                    <a:lstStyle/>
+                    <a:p>
+                      <a:pPr algn="ctr"/>
+                      <a:r>
+                        <a:rPr lang="en-US" altLang="zh-CN" b="1" dirty="0" smtClean="0"/>
+                        <a:t>1</a:t>
+                      </a:r>
+                      <a:endParaRPr lang="zh-CN" altLang="en-US" b="1" dirty="0"/>
+                    </a:p>
+                  </a:txBody>
+                  <a:tcPr anchor="ctr"/>
+                </a:tc>
+                <a:tc>
+                  <a:txBody>
+                    <a:bodyPr/>
+                    <a:lstStyle/>
+                    <a:p>
+                      <a:pPr algn="ctr"/>
+                      <a:r>
+                        <a:rPr lang="en-US" altLang="zh-CN" b="1" dirty="0" smtClean="0"/>
+                        <a:t>2</a:t>
+                      </a:r>
+                      <a:endParaRPr lang="zh-CN" altLang="en-US" b="1" dirty="0"/>
+                    </a:p>
+                  </a:txBody>
+                  <a:tcPr anchor="ctr"/>
+                </a:tc>
+                <a:tc>
+                  <a:txBody>
+                    <a:bodyPr/>
+                    <a:lstStyle/>
+                    <a:p>
+                      <a:pPr algn="ctr"/>
+                      <a:r>
+                        <a:rPr lang="en-US" altLang="zh-CN" b="1" dirty="0" smtClean="0"/>
+                        <a:t>1</a:t>
+                      </a:r>
+                      <a:endParaRPr lang="zh-CN" altLang="en-US" b="1" dirty="0"/>
+                    </a:p>
+                  </a:txBody>
+                  <a:tcPr anchor="ctr"/>
+                </a:tc>
+                <a:tc>
+                  <a:txBody>
+                    <a:bodyPr/>
+                    <a:lstStyle/>
+                    <a:p>
+                      <a:pPr algn="ctr"/>
+                      <a:r>
+                        <a:rPr lang="en-US" altLang="zh-CN" b="1" dirty="0" smtClean="0"/>
+                        <a:t>2</a:t>
+                      </a:r>
+                      <a:endParaRPr lang="zh-CN" altLang="en-US" b="1" dirty="0"/>
+                    </a:p>
+                  </a:txBody>
+                  <a:tcPr anchor="ctr"/>
+                </a:tc>
+                <a:tc>
+                  <a:txBody>
+                    <a:bodyPr/>
+                    <a:lstStyle/>
+                    <a:p>
+                      <a:pPr algn="ctr"/>
+                      <a:r>
+                        <a:rPr lang="en-US" altLang="zh-CN" b="1" dirty="0" smtClean="0"/>
+                        <a:t>1</a:t>
+                      </a:r>
+                      <a:endParaRPr lang="zh-CN" altLang="en-US" b="1" dirty="0"/>
+                    </a:p>
+                  </a:txBody>
+                  <a:tcPr anchor="ctr"/>
+                </a:tc>
+                <a:tc>
+                  <a:txBody>
+                    <a:bodyPr/>
+                    <a:lstStyle/>
+                    <a:p>
+                      <a:pPr algn="ctr"/>
+                      <a:r>
+                        <a:rPr lang="en-US" altLang="zh-CN" b="1" dirty="0" smtClean="0"/>
+                        <a:t>6</a:t>
+                      </a:r>
+                      <a:endParaRPr lang="zh-CN" altLang="en-US" b="1" dirty="0"/>
+                    </a:p>
+                  </a:txBody>
+                  <a:tcPr anchor="ctr"/>
+                </a:tc>
+                <a:tc>
+                  <a:txBody>
+                    <a:bodyPr/>
+                    <a:lstStyle/>
+                    <a:p>
+                      <a:pPr algn="ctr"/>
+                      <a:r>
+                        <a:rPr lang="en-US" altLang="zh-CN" b="1" dirty="0" smtClean="0"/>
+                        <a:t>1</a:t>
+                      </a:r>
+                      <a:endParaRPr lang="zh-CN" altLang="en-US" b="1" dirty="0"/>
+                    </a:p>
+                  </a:txBody>
+                  <a:tcPr anchor="ctr"/>
+                </a:tc>
+                <a:tc>
+                  <a:txBody>
+                    <a:bodyPr/>
+                    <a:lstStyle/>
+                    <a:p>
+                      <a:pPr algn="ctr"/>
+                      <a:r>
+                        <a:rPr lang="en-US" altLang="zh-CN" b="1" dirty="0" smtClean="0"/>
+                        <a:t>2</a:t>
+                      </a:r>
+                      <a:endParaRPr lang="zh-CN" altLang="en-US" b="1" dirty="0"/>
+                    </a:p>
+                  </a:txBody>
+                  <a:tcPr anchor="ctr"/>
+                </a:tc>
+                <a:tc>
+                  <a:txBody>
+                    <a:bodyPr/>
+                    <a:lstStyle/>
+                    <a:p>
+                      <a:pPr algn="ctr"/>
+                      <a:r>
+                        <a:rPr lang="en-US" altLang="zh-CN" b="1" dirty="0" smtClean="0"/>
+                        <a:t>1</a:t>
+                      </a:r>
+                      <a:endParaRPr lang="zh-CN" altLang="en-US" b="1" dirty="0"/>
+                    </a:p>
+                  </a:txBody>
+                  <a:tcPr anchor="ctr"/>
+                </a:tc>
+                <a:tc>
+                  <a:txBody>
+                    <a:bodyPr/>
+                    <a:lstStyle/>
+                    <a:p>
+                      <a:pPr algn="ctr"/>
+                      <a:endParaRPr lang="zh-CN" altLang="en-US" b="1" dirty="0"/>
+                    </a:p>
+                  </a:txBody>
+                  <a:tcPr anchor="ctr"/>
+                </a:tc>
+                <a:tc>
+                  <a:txBody>
+                    <a:bodyPr/>
+                    <a:lstStyle/>
+                    <a:p>
+                      <a:endParaRPr lang="zh-CN" altLang="en-US" dirty="0"/>
+                    </a:p>
+                  </a:txBody>
+                  <a:tcPr anchor="ctr"/>
+                </a:tc>
+                <a:tc>
+                  <a:txBody>
+                    <a:bodyPr/>
+                    <a:lstStyle/>
+                    <a:p>
+                      <a:endParaRPr lang="zh-CN" altLang="en-US"/>
+                    </a:p>
+                  </a:txBody>
+                  <a:tcPr anchor="ctr"/>
+                </a:tc>
+                <a:tc>
+                  <a:txBody>
+                    <a:bodyPr/>
+                    <a:lstStyle/>
+                    <a:p>
+                      <a:endParaRPr lang="zh-CN" altLang="en-US" dirty="0"/>
+                    </a:p>
+                  </a:txBody>
+                  <a:tcPr anchor="ctr"/>
+                </a:tc>
+                <a:tc>
+                  <a:txBody>
+                    <a:bodyPr/>
+                    <a:lstStyle/>
+                    <a:p>
+                      <a:pPr algn="ctr"/>
+                      <a:endParaRPr lang="zh-CN" altLang="en-US" b="1" dirty="0"/>
+                    </a:p>
+                  </a:txBody>
+                  <a:tcPr anchor="ctr"/>
+                </a:tc>
+                <a:tc>
+                  <a:txBody>
+                    <a:bodyPr/>
+                    <a:lstStyle/>
+                    <a:p>
+                      <a:pPr algn="ctr"/>
+                      <a:endParaRPr lang="zh-CN" altLang="en-US" b="1" dirty="0"/>
+                    </a:p>
+                  </a:txBody>
+                  <a:tcPr anchor="ctr"/>
+                </a:tc>
+                <a:tc>
+                  <a:txBody>
+                    <a:bodyPr/>
+                    <a:lstStyle/>
+                    <a:p>
+                      <a:pPr algn="ctr"/>
+                      <a:endParaRPr lang="zh-CN" altLang="en-US" b="1" dirty="0"/>
+                    </a:p>
+                  </a:txBody>
+                  <a:tcPr anchor="ctr"/>
+                </a:tc>
+                <a:tc>
+                  <a:txBody>
+                    <a:bodyPr/>
+                    <a:lstStyle/>
+                    <a:p>
+                      <a:pPr algn="ctr"/>
+                      <a:endParaRPr lang="zh-CN" altLang="en-US" b="1" dirty="0"/>
+                    </a:p>
+                  </a:txBody>
+                  <a:tcPr anchor="ctr"/>
+                </a:tc>
+                <a:tc>
+                  <a:txBody>
+                    <a:bodyPr/>
+                    <a:lstStyle/>
+                    <a:p>
+                      <a:pPr algn="ctr"/>
+                      <a:endParaRPr lang="zh-CN" altLang="en-US" b="1" dirty="0"/>
+                    </a:p>
+                  </a:txBody>
+                  <a:tcPr anchor="ctr"/>
+                </a:tc>
+                <a:tc>
+                  <a:txBody>
+                    <a:bodyPr/>
+                    <a:lstStyle/>
+                    <a:p>
+                      <a:pPr algn="ctr"/>
+                      <a:endParaRPr lang="zh-CN" altLang="en-US" b="1" dirty="0"/>
+                    </a:p>
+                  </a:txBody>
+                  <a:tcPr anchor="ctr"/>
+                </a:tc>
+                <a:tc>
+                  <a:txBody>
+                    <a:bodyPr/>
+                    <a:lstStyle/>
+                    <a:p>
+                      <a:pPr algn="ctr"/>
+                      <a:endParaRPr lang="zh-CN" altLang="en-US" b="1" dirty="0"/>
+                    </a:p>
+                  </a:txBody>
+                  <a:tcPr anchor="ctr"/>
+                </a:tc>
+                <a:extLst>
+                  <a:ext uri="{0D108BD9-81ED-4DB2-BD59-A6C34878D82A}">
+                    <a16:rowId xmlns:a16="http://schemas.microsoft.com/office/drawing/2014/main" val="2803038693"/>
+                  </a:ext>
+                </a:extLst>
+              </a:tr>
+            </a:tbl>
+          </a:graphicData>
+        </a:graphic>
+      </p:graphicFrame>
+      <p:sp>
+        <p:nvSpPr>
+          <p:cNvPr id="7" name="文本框 6"/>
+          <p:cNvSpPr txBox="1"/>
+          <p:nvPr/>
+        </p:nvSpPr>
+        <p:spPr>
+          <a:xfrm>
+            <a:off x="4064943" y="3716768"/>
+            <a:ext cx="928334" cy="369332"/>
+          </a:xfrm>
+          <a:prstGeom prst="rect">
+            <a:avLst/>
+          </a:prstGeom>
+          <a:noFill/>
+        </p:spPr>
+        <p:txBody>
+          <a:bodyPr wrap="square" rtlCol="0">
+            <a:spAutoFit/>
+          </a:bodyPr>
+          <a:lstStyle/>
+          <a:p>
+            <a:r>
+              <a:rPr lang="en-US" altLang="zh-CN" dirty="0" smtClean="0"/>
+              <a:t>id</a:t>
+            </a:r>
+            <a:endParaRPr lang="zh-CN" altLang="en-US" dirty="0"/>
+          </a:p>
+        </p:txBody>
+      </p:sp>
+      <p:cxnSp>
+        <p:nvCxnSpPr>
+          <p:cNvPr id="8" name="直接箭头连接符 7"/>
+          <p:cNvCxnSpPr/>
+          <p:nvPr/>
+        </p:nvCxnSpPr>
+        <p:spPr>
+          <a:xfrm flipV="1">
+            <a:off x="4255443" y="3306057"/>
+            <a:ext cx="0" cy="389413"/>
+          </a:xfrm>
+          <a:prstGeom prst="straightConnector1">
+            <a:avLst/>
+          </a:prstGeom>
+          <a:ln>
+            <a:tailEnd type="triangle"/>
+          </a:ln>
+        </p:spPr>
+        <p:style>
+          <a:lnRef idx="1">
+            <a:schemeClr val="dk1"/>
+          </a:lnRef>
+          <a:fillRef idx="0">
+            <a:schemeClr val="dk1"/>
+          </a:fillRef>
+          <a:effectRef idx="0">
+            <a:schemeClr val="dk1"/>
+          </a:effectRef>
+          <a:fontRef idx="minor">
+            <a:schemeClr val="tx1"/>
+          </a:fontRef>
+        </p:style>
+      </p:cxnSp>
+      <p:cxnSp>
+        <p:nvCxnSpPr>
+          <p:cNvPr id="26" name="直接箭头连接符 25"/>
+          <p:cNvCxnSpPr/>
+          <p:nvPr/>
+        </p:nvCxnSpPr>
+        <p:spPr>
+          <a:xfrm flipV="1">
+            <a:off x="7092621" y="3306057"/>
+            <a:ext cx="0" cy="389413"/>
+          </a:xfrm>
+          <a:prstGeom prst="straightConnector1">
+            <a:avLst/>
+          </a:prstGeom>
+          <a:ln>
+            <a:tailEnd type="triangle"/>
+          </a:ln>
+        </p:spPr>
+        <p:style>
+          <a:lnRef idx="1">
+            <a:schemeClr val="dk1"/>
+          </a:lnRef>
+          <a:fillRef idx="0">
+            <a:schemeClr val="dk1"/>
+          </a:fillRef>
+          <a:effectRef idx="0">
+            <a:schemeClr val="dk1"/>
+          </a:effectRef>
+          <a:fontRef idx="minor">
+            <a:schemeClr val="tx1"/>
+          </a:fontRef>
+        </p:style>
+      </p:cxnSp>
+      <p:sp>
+        <p:nvSpPr>
+          <p:cNvPr id="27" name="文本框 26"/>
+          <p:cNvSpPr txBox="1"/>
+          <p:nvPr/>
+        </p:nvSpPr>
+        <p:spPr>
+          <a:xfrm>
+            <a:off x="2118783" y="3716768"/>
+            <a:ext cx="976283" cy="369332"/>
+          </a:xfrm>
+          <a:prstGeom prst="rect">
+            <a:avLst/>
+          </a:prstGeom>
+          <a:noFill/>
+        </p:spPr>
+        <p:txBody>
+          <a:bodyPr wrap="square" rtlCol="0">
+            <a:spAutoFit/>
+          </a:bodyPr>
+          <a:lstStyle/>
+          <a:p>
+            <a:r>
+              <a:rPr lang="en-US" altLang="zh-CN" dirty="0" smtClean="0"/>
+              <a:t>i_m</a:t>
+            </a:r>
+            <a:endParaRPr lang="zh-CN" altLang="en-US" dirty="0"/>
+          </a:p>
+        </p:txBody>
+      </p:sp>
+      <p:cxnSp>
+        <p:nvCxnSpPr>
+          <p:cNvPr id="28" name="直接箭头连接符 27"/>
+          <p:cNvCxnSpPr/>
+          <p:nvPr/>
+        </p:nvCxnSpPr>
+        <p:spPr>
+          <a:xfrm flipV="1">
+            <a:off x="2346960" y="3306057"/>
+            <a:ext cx="0" cy="389413"/>
+          </a:xfrm>
+          <a:prstGeom prst="straightConnector1">
+            <a:avLst/>
+          </a:prstGeom>
+          <a:ln>
+            <a:tailEnd type="triangle"/>
+          </a:ln>
+        </p:spPr>
+        <p:style>
+          <a:lnRef idx="1">
+            <a:schemeClr val="dk1"/>
+          </a:lnRef>
+          <a:fillRef idx="0">
+            <a:schemeClr val="dk1"/>
+          </a:fillRef>
+          <a:effectRef idx="0">
+            <a:schemeClr val="dk1"/>
+          </a:effectRef>
+          <a:fontRef idx="minor">
+            <a:schemeClr val="tx1"/>
+          </a:fontRef>
+        </p:style>
+      </p:cxnSp>
+      <p:cxnSp>
+        <p:nvCxnSpPr>
+          <p:cNvPr id="29" name="直接箭头连接符 28"/>
+          <p:cNvCxnSpPr/>
+          <p:nvPr/>
+        </p:nvCxnSpPr>
+        <p:spPr>
+          <a:xfrm>
+            <a:off x="1676823" y="4086100"/>
+            <a:ext cx="5175829" cy="0"/>
+          </a:xfrm>
+          <a:prstGeom prst="straightConnector1">
+            <a:avLst/>
+          </a:prstGeom>
+          <a:ln>
+            <a:headEnd type="triangle"/>
+            <a:tailEnd type="triangle"/>
+          </a:ln>
+        </p:spPr>
+        <p:style>
+          <a:lnRef idx="1">
+            <a:schemeClr val="accent1"/>
+          </a:lnRef>
+          <a:fillRef idx="0">
+            <a:schemeClr val="accent1"/>
+          </a:fillRef>
+          <a:effectRef idx="0">
+            <a:schemeClr val="accent1"/>
+          </a:effectRef>
+          <a:fontRef idx="minor">
+            <a:schemeClr val="tx1"/>
+          </a:fontRef>
+        </p:style>
+      </p:cxnSp>
+      <p:sp>
+        <p:nvSpPr>
+          <p:cNvPr id="30" name="文本框 29"/>
+          <p:cNvSpPr txBox="1"/>
+          <p:nvPr/>
+        </p:nvSpPr>
+        <p:spPr>
+          <a:xfrm>
+            <a:off x="3791276" y="4230533"/>
+            <a:ext cx="928334" cy="369332"/>
+          </a:xfrm>
+          <a:prstGeom prst="rect">
+            <a:avLst/>
+          </a:prstGeom>
+          <a:noFill/>
+        </p:spPr>
+        <p:txBody>
+          <a:bodyPr wrap="square" rtlCol="0">
+            <a:spAutoFit/>
+          </a:bodyPr>
+          <a:lstStyle/>
+          <a:p>
+            <a:r>
+              <a:rPr lang="zh-CN" altLang="en-US" dirty="0" smtClean="0"/>
+              <a:t>“</a:t>
+            </a:r>
+            <a:r>
+              <a:rPr lang="en-US" altLang="zh-CN" dirty="0" err="1" smtClean="0"/>
+              <a:t>cbabc</a:t>
+            </a:r>
+            <a:r>
+              <a:rPr lang="zh-CN" altLang="en-US" dirty="0" smtClean="0"/>
+              <a:t>”</a:t>
+            </a:r>
+            <a:endParaRPr lang="zh-CN" altLang="en-US" dirty="0"/>
+          </a:p>
+        </p:txBody>
+      </p:sp>
+      <p:cxnSp>
+        <p:nvCxnSpPr>
+          <p:cNvPr id="32" name="直接连接符 31"/>
+          <p:cNvCxnSpPr/>
+          <p:nvPr/>
+        </p:nvCxnSpPr>
+        <p:spPr>
+          <a:xfrm>
+            <a:off x="6852652" y="3150942"/>
+            <a:ext cx="0" cy="959300"/>
+          </a:xfrm>
+          <a:prstGeom prst="line">
+            <a:avLst/>
+          </a:prstGeom>
+          <a:ln>
+            <a:prstDash val="dash"/>
+          </a:ln>
+        </p:spPr>
+        <p:style>
+          <a:lnRef idx="1">
+            <a:schemeClr val="accent1"/>
+          </a:lnRef>
+          <a:fillRef idx="0">
+            <a:schemeClr val="accent1"/>
+          </a:fillRef>
+          <a:effectRef idx="0">
+            <a:schemeClr val="accent1"/>
+          </a:effectRef>
+          <a:fontRef idx="minor">
+            <a:schemeClr val="tx1"/>
+          </a:fontRef>
+        </p:style>
+      </p:cxnSp>
+      <p:cxnSp>
+        <p:nvCxnSpPr>
+          <p:cNvPr id="17" name="直接连接符 16"/>
+          <p:cNvCxnSpPr/>
+          <p:nvPr/>
+        </p:nvCxnSpPr>
+        <p:spPr>
+          <a:xfrm>
+            <a:off x="1676823" y="3170521"/>
+            <a:ext cx="0" cy="959300"/>
+          </a:xfrm>
+          <a:prstGeom prst="line">
+            <a:avLst/>
+          </a:prstGeom>
+          <a:ln>
+            <a:prstDash val="dash"/>
+          </a:ln>
+        </p:spPr>
+        <p:style>
+          <a:lnRef idx="1">
+            <a:schemeClr val="accent1"/>
+          </a:lnRef>
+          <a:fillRef idx="0">
+            <a:schemeClr val="accent1"/>
+          </a:fillRef>
+          <a:effectRef idx="0">
+            <a:schemeClr val="accent1"/>
+          </a:effectRef>
+          <a:fontRef idx="minor">
+            <a:schemeClr val="tx1"/>
+          </a:fontRef>
+        </p:style>
+      </p:cxnSp>
+      <p:sp>
+        <p:nvSpPr>
+          <p:cNvPr id="20" name="文本框 19"/>
+          <p:cNvSpPr txBox="1"/>
+          <p:nvPr/>
+        </p:nvSpPr>
+        <p:spPr>
+          <a:xfrm>
+            <a:off x="6020851" y="3716768"/>
+            <a:ext cx="928334" cy="369332"/>
+          </a:xfrm>
+          <a:prstGeom prst="rect">
+            <a:avLst/>
+          </a:prstGeom>
+          <a:noFill/>
+        </p:spPr>
+        <p:txBody>
+          <a:bodyPr wrap="square" rtlCol="0">
+            <a:spAutoFit/>
+          </a:bodyPr>
+          <a:lstStyle/>
+          <a:p>
+            <a:r>
+              <a:rPr lang="en-US" altLang="zh-CN" dirty="0"/>
+              <a:t>i</a:t>
+            </a:r>
+            <a:endParaRPr lang="zh-CN" altLang="en-US" dirty="0"/>
+          </a:p>
+        </p:txBody>
+      </p:sp>
+      <p:cxnSp>
+        <p:nvCxnSpPr>
+          <p:cNvPr id="21" name="直接箭头连接符 20"/>
+          <p:cNvCxnSpPr/>
+          <p:nvPr/>
+        </p:nvCxnSpPr>
+        <p:spPr>
+          <a:xfrm flipV="1">
+            <a:off x="6136074" y="3306057"/>
+            <a:ext cx="0" cy="389413"/>
+          </a:xfrm>
+          <a:prstGeom prst="straightConnector1">
+            <a:avLst/>
+          </a:prstGeom>
+          <a:ln>
+            <a:tailEnd type="triangle"/>
+          </a:ln>
+        </p:spPr>
+        <p:style>
+          <a:lnRef idx="1">
+            <a:schemeClr val="dk1"/>
+          </a:lnRef>
+          <a:fillRef idx="0">
+            <a:schemeClr val="dk1"/>
+          </a:fillRef>
+          <a:effectRef idx="0">
+            <a:schemeClr val="dk1"/>
+          </a:effectRef>
+          <a:fontRef idx="minor">
+            <a:schemeClr val="tx1"/>
+          </a:fontRef>
+        </p:style>
+      </p:cxnSp>
+      <p:sp>
+        <p:nvSpPr>
+          <p:cNvPr id="23" name="文本框 22"/>
+          <p:cNvSpPr txBox="1"/>
+          <p:nvPr/>
+        </p:nvSpPr>
+        <p:spPr>
+          <a:xfrm>
+            <a:off x="6890752" y="3716768"/>
+            <a:ext cx="928334" cy="369332"/>
+          </a:xfrm>
+          <a:prstGeom prst="rect">
+            <a:avLst/>
+          </a:prstGeom>
+          <a:noFill/>
+        </p:spPr>
+        <p:txBody>
+          <a:bodyPr wrap="square" rtlCol="0">
+            <a:spAutoFit/>
+          </a:bodyPr>
+          <a:lstStyle/>
+          <a:p>
+            <a:r>
+              <a:rPr lang="en-US" altLang="zh-CN" dirty="0" smtClean="0"/>
+              <a:t>mx</a:t>
+            </a:r>
+            <a:endParaRPr lang="zh-CN" altLang="en-US" dirty="0"/>
+          </a:p>
+        </p:txBody>
+      </p:sp>
+    </p:spTree>
+    <p:extLst>
+      <p:ext uri="{BB962C8B-B14F-4D97-AF65-F5344CB8AC3E}">
+        <p14:creationId xmlns:p14="http://schemas.microsoft.com/office/powerpoint/2010/main" val="3420409969"/>
       </p:ext>
     </p:extLst>
   </p:cSld>

--- a/docs/Image.pptx
+++ b/docs/Image.pptx
@@ -5,7 +5,7 @@
     <p:sldMasterId id="2147483648" r:id="rId1"/>
   </p:sldMasterIdLst>
   <p:notesMasterIdLst>
-    <p:notesMasterId r:id="rId17"/>
+    <p:notesMasterId r:id="rId20"/>
   </p:notesMasterIdLst>
   <p:sldIdLst>
     <p:sldId id="256" r:id="rId2"/>
@@ -23,6 +23,9 @@
     <p:sldId id="270" r:id="rId14"/>
     <p:sldId id="271" r:id="rId15"/>
     <p:sldId id="273" r:id="rId16"/>
+    <p:sldId id="274" r:id="rId17"/>
+    <p:sldId id="276" r:id="rId18"/>
+    <p:sldId id="275" r:id="rId19"/>
   </p:sldIdLst>
   <p:sldSz cx="12192000" cy="6858000"/>
   <p:notesSz cx="6858000" cy="9144000"/>
@@ -211,7 +214,7 @@
           <a:p>
             <a:fld id="{B5D9F11F-CEC7-4904-87EC-867ABA4429BA}" type="datetimeFigureOut">
               <a:rPr lang="zh-CN" altLang="en-US" smtClean="0"/>
-              <a:t>2020/5/12</a:t>
+              <a:t>2020/5/16</a:t>
             </a:fld>
             <a:endParaRPr lang="zh-CN" altLang="en-US"/>
           </a:p>
@@ -275,38 +278,37 @@
           <a:p>
             <a:pPr lvl="0"/>
             <a:r>
-              <a:rPr lang="zh-CN" altLang="en-US" smtClean="0"/>
+              <a:rPr lang="zh-CN" altLang="en-US"/>
               <a:t>编辑母版文本样式</a:t>
             </a:r>
           </a:p>
           <a:p>
             <a:pPr lvl="1"/>
             <a:r>
-              <a:rPr lang="zh-CN" altLang="en-US" smtClean="0"/>
+              <a:rPr lang="zh-CN" altLang="en-US"/>
               <a:t>第二级</a:t>
             </a:r>
           </a:p>
           <a:p>
             <a:pPr lvl="2"/>
             <a:r>
-              <a:rPr lang="zh-CN" altLang="en-US" smtClean="0"/>
+              <a:rPr lang="zh-CN" altLang="en-US"/>
               <a:t>第三级</a:t>
             </a:r>
           </a:p>
           <a:p>
             <a:pPr lvl="3"/>
             <a:r>
-              <a:rPr lang="zh-CN" altLang="en-US" smtClean="0"/>
+              <a:rPr lang="zh-CN" altLang="en-US"/>
               <a:t>第四级</a:t>
             </a:r>
           </a:p>
           <a:p>
             <a:pPr lvl="4"/>
             <a:r>
-              <a:rPr lang="zh-CN" altLang="en-US" smtClean="0"/>
+              <a:rPr lang="zh-CN" altLang="en-US"/>
               <a:t>第五级</a:t>
             </a:r>
-            <a:endParaRPr lang="zh-CN" altLang="en-US"/>
           </a:p>
         </p:txBody>
       </p:sp>
@@ -524,22 +526,21 @@
           <a:lstStyle/>
           <a:p>
             <a:r>
-              <a:rPr lang="en-US" altLang="zh-CN" dirty="0" smtClean="0"/>
+              <a:rPr lang="en-US" altLang="zh-CN" dirty="0"/>
               <a:t>5. </a:t>
             </a:r>
             <a:r>
-              <a:rPr lang="zh-CN" altLang="en-US" dirty="0" smtClean="0"/>
+              <a:rPr lang="zh-CN" altLang="en-US" dirty="0"/>
               <a:t>一维</a:t>
             </a:r>
             <a:r>
-              <a:rPr lang="en-US" altLang="zh-CN" dirty="0" smtClean="0"/>
+              <a:rPr lang="en-US" altLang="zh-CN" dirty="0"/>
               <a:t>dp</a:t>
             </a:r>
             <a:r>
-              <a:rPr lang="zh-CN" altLang="en-US" dirty="0" smtClean="0"/>
+              <a:rPr lang="zh-CN" altLang="en-US" dirty="0"/>
               <a:t>优化</a:t>
             </a:r>
-            <a:endParaRPr lang="zh-CN" altLang="en-US" dirty="0"/>
           </a:p>
         </p:txBody>
       </p:sp>
@@ -624,11 +625,11 @@
           <a:lstStyle/>
           <a:p>
             <a:r>
-              <a:rPr lang="en-US" altLang="zh-CN" dirty="0" err="1" smtClean="0"/>
+              <a:rPr lang="en-US" altLang="zh-CN" dirty="0" err="1"/>
               <a:t>5.Manacher</a:t>
             </a:r>
             <a:r>
-              <a:rPr lang="en-US" altLang="zh-CN" dirty="0" smtClean="0"/>
+              <a:rPr lang="en-US" altLang="zh-CN" dirty="0"/>
               <a:t>’ Algorithm</a:t>
             </a:r>
             <a:endParaRPr lang="zh-CN" altLang="en-US" dirty="0"/>
@@ -716,11 +717,11 @@
           <a:lstStyle/>
           <a:p>
             <a:r>
-              <a:rPr lang="en-US" altLang="zh-CN" dirty="0" err="1" smtClean="0"/>
+              <a:rPr lang="en-US" altLang="zh-CN" dirty="0" err="1"/>
               <a:t>5.Manacher</a:t>
             </a:r>
             <a:r>
-              <a:rPr lang="en-US" altLang="zh-CN" dirty="0" smtClean="0"/>
+              <a:rPr lang="en-US" altLang="zh-CN" dirty="0"/>
               <a:t>’ Algorithm</a:t>
             </a:r>
             <a:endParaRPr lang="zh-CN" altLang="en-US" dirty="0"/>
@@ -808,16 +809,12 @@
           <a:lstStyle/>
           <a:p>
             <a:r>
-              <a:rPr lang="en-US" altLang="zh-CN" dirty="0" err="1" smtClean="0"/>
+              <a:rPr lang="en-US" altLang="zh-CN" dirty="0" err="1"/>
               <a:t>5.Manacher</a:t>
             </a:r>
             <a:r>
-              <a:rPr lang="en-US" altLang="zh-CN" dirty="0" smtClean="0"/>
-              <a:t>’ </a:t>
-            </a:r>
-            <a:r>
-              <a:rPr lang="en-US" altLang="zh-CN" dirty="0" smtClean="0"/>
-              <a:t>Algorithm general case</a:t>
+              <a:rPr lang="en-US" altLang="zh-CN" dirty="0"/>
+              <a:t>’ Algorithm general case</a:t>
             </a:r>
             <a:endParaRPr lang="zh-CN" altLang="en-US" dirty="0"/>
           </a:p>
@@ -904,16 +901,12 @@
           <a:lstStyle/>
           <a:p>
             <a:r>
-              <a:rPr lang="en-US" altLang="zh-CN" dirty="0" err="1" smtClean="0"/>
+              <a:rPr lang="en-US" altLang="zh-CN" dirty="0" err="1"/>
               <a:t>5.Manacher</a:t>
             </a:r>
             <a:r>
-              <a:rPr lang="en-US" altLang="zh-CN" dirty="0" smtClean="0"/>
-              <a:t>’ </a:t>
-            </a:r>
-            <a:r>
-              <a:rPr lang="en-US" altLang="zh-CN" dirty="0" smtClean="0"/>
-              <a:t>Algorithm  I &gt; mx</a:t>
+              <a:rPr lang="en-US" altLang="zh-CN" dirty="0"/>
+              <a:t>’ Algorithm  I &gt; mx</a:t>
             </a:r>
             <a:endParaRPr lang="zh-CN" altLang="en-US" dirty="0"/>
           </a:p>
@@ -1000,23 +993,19 @@
           <a:lstStyle/>
           <a:p>
             <a:r>
-              <a:rPr lang="en-US" altLang="zh-CN" dirty="0" err="1" smtClean="0"/>
+              <a:rPr lang="en-US" altLang="zh-CN" dirty="0" err="1"/>
               <a:t>5.Manacher</a:t>
             </a:r>
             <a:r>
-              <a:rPr lang="en-US" altLang="zh-CN" dirty="0" smtClean="0"/>
-              <a:t>’ </a:t>
-            </a:r>
-            <a:r>
-              <a:rPr lang="en-US" altLang="zh-CN" dirty="0" smtClean="0"/>
-              <a:t>Algorithm  </a:t>
-            </a:r>
-            <a:r>
-              <a:rPr lang="en-US" altLang="zh-CN" dirty="0" err="1" smtClean="0"/>
+              <a:rPr lang="en-US" altLang="zh-CN" dirty="0"/>
+              <a:t>’ Algorithm  </a:t>
+            </a:r>
+            <a:r>
+              <a:rPr lang="en-US" altLang="zh-CN" dirty="0" err="1"/>
               <a:t>Ieft</a:t>
             </a:r>
             <a:r>
-              <a:rPr lang="en-US" altLang="zh-CN" dirty="0" smtClean="0"/>
+              <a:rPr lang="en-US" altLang="zh-CN" dirty="0"/>
               <a:t> border</a:t>
             </a:r>
             <a:endParaRPr lang="zh-CN" altLang="en-US" dirty="0"/>
@@ -1050,6 +1039,270 @@
     <p:extLst>
       <p:ext uri="{BB962C8B-B14F-4D97-AF65-F5344CB8AC3E}">
         <p14:creationId xmlns:p14="http://schemas.microsoft.com/office/powerpoint/2010/main" val="2576532296"/>
+      </p:ext>
+    </p:extLst>
+  </p:cSld>
+  <p:clrMapOvr>
+    <a:masterClrMapping/>
+  </p:clrMapOvr>
+</p:notes>
+</file>
+
+<file path=ppt/notesSlides/notesSlide7.xml><?xml version="1.0" encoding="utf-8"?>
+<p:notes xmlns:a="http://schemas.openxmlformats.org/drawingml/2006/main" xmlns:r="http://schemas.openxmlformats.org/officeDocument/2006/relationships" xmlns:p="http://schemas.openxmlformats.org/presentationml/2006/main">
+  <p:cSld>
+    <p:spTree>
+      <p:nvGrpSpPr>
+        <p:cNvPr id="1" name=""/>
+        <p:cNvGrpSpPr/>
+        <p:nvPr/>
+      </p:nvGrpSpPr>
+      <p:grpSpPr>
+        <a:xfrm>
+          <a:off x="0" y="0"/>
+          <a:ext cx="0" cy="0"/>
+          <a:chOff x="0" y="0"/>
+          <a:chExt cx="0" cy="0"/>
+        </a:xfrm>
+      </p:grpSpPr>
+      <p:sp>
+        <p:nvSpPr>
+          <p:cNvPr id="2" name="幻灯片图像占位符 1"/>
+          <p:cNvSpPr>
+            <a:spLocks noGrp="1" noRot="1" noChangeAspect="1"/>
+          </p:cNvSpPr>
+          <p:nvPr>
+            <p:ph type="sldImg"/>
+          </p:nvPr>
+        </p:nvSpPr>
+        <p:spPr/>
+      </p:sp>
+      <p:sp>
+        <p:nvSpPr>
+          <p:cNvPr id="3" name="备注占位符 2"/>
+          <p:cNvSpPr>
+            <a:spLocks noGrp="1"/>
+          </p:cNvSpPr>
+          <p:nvPr>
+            <p:ph type="body" idx="1"/>
+          </p:nvPr>
+        </p:nvSpPr>
+        <p:spPr/>
+        <p:txBody>
+          <a:bodyPr/>
+          <a:lstStyle/>
+          <a:p>
+            <a:r>
+              <a:rPr lang="en-US" altLang="zh-CN" dirty="0" err="1"/>
+              <a:t>19.RemoveNthNodeFromEndOfList</a:t>
+            </a:r>
+            <a:endParaRPr lang="zh-CN" altLang="en-US" dirty="0"/>
+          </a:p>
+        </p:txBody>
+      </p:sp>
+      <p:sp>
+        <p:nvSpPr>
+          <p:cNvPr id="4" name="灯片编号占位符 3"/>
+          <p:cNvSpPr>
+            <a:spLocks noGrp="1"/>
+          </p:cNvSpPr>
+          <p:nvPr>
+            <p:ph type="sldNum" sz="quarter" idx="5"/>
+          </p:nvPr>
+        </p:nvSpPr>
+        <p:spPr/>
+        <p:txBody>
+          <a:bodyPr/>
+          <a:lstStyle/>
+          <a:p>
+            <a:fld id="{CF20F747-D0EC-4FFA-AA8A-DD1B21173115}" type="slidenum">
+              <a:rPr lang="zh-CN" altLang="en-US" smtClean="0"/>
+              <a:t>16</a:t>
+            </a:fld>
+            <a:endParaRPr lang="zh-CN" altLang="en-US"/>
+          </a:p>
+        </p:txBody>
+      </p:sp>
+    </p:spTree>
+    <p:extLst>
+      <p:ext uri="{BB962C8B-B14F-4D97-AF65-F5344CB8AC3E}">
+        <p14:creationId xmlns:p14="http://schemas.microsoft.com/office/powerpoint/2010/main" val="1986016938"/>
+      </p:ext>
+    </p:extLst>
+  </p:cSld>
+  <p:clrMapOvr>
+    <a:masterClrMapping/>
+  </p:clrMapOvr>
+</p:notes>
+</file>
+
+<file path=ppt/notesSlides/notesSlide8.xml><?xml version="1.0" encoding="utf-8"?>
+<p:notes xmlns:a="http://schemas.openxmlformats.org/drawingml/2006/main" xmlns:r="http://schemas.openxmlformats.org/officeDocument/2006/relationships" xmlns:p="http://schemas.openxmlformats.org/presentationml/2006/main">
+  <p:cSld>
+    <p:spTree>
+      <p:nvGrpSpPr>
+        <p:cNvPr id="1" name=""/>
+        <p:cNvGrpSpPr/>
+        <p:nvPr/>
+      </p:nvGrpSpPr>
+      <p:grpSpPr>
+        <a:xfrm>
+          <a:off x="0" y="0"/>
+          <a:ext cx="0" cy="0"/>
+          <a:chOff x="0" y="0"/>
+          <a:chExt cx="0" cy="0"/>
+        </a:xfrm>
+      </p:grpSpPr>
+      <p:sp>
+        <p:nvSpPr>
+          <p:cNvPr id="2" name="幻灯片图像占位符 1"/>
+          <p:cNvSpPr>
+            <a:spLocks noGrp="1" noRot="1" noChangeAspect="1"/>
+          </p:cNvSpPr>
+          <p:nvPr>
+            <p:ph type="sldImg"/>
+          </p:nvPr>
+        </p:nvSpPr>
+        <p:spPr/>
+      </p:sp>
+      <p:sp>
+        <p:nvSpPr>
+          <p:cNvPr id="3" name="备注占位符 2"/>
+          <p:cNvSpPr>
+            <a:spLocks noGrp="1"/>
+          </p:cNvSpPr>
+          <p:nvPr>
+            <p:ph type="body" idx="1"/>
+          </p:nvPr>
+        </p:nvSpPr>
+        <p:spPr/>
+        <p:txBody>
+          <a:bodyPr/>
+          <a:lstStyle/>
+          <a:p>
+            <a:r>
+              <a:rPr lang="en-US" altLang="zh-CN" dirty="0" err="1"/>
+              <a:t>19.RemoveNthNodeFromEndOfList</a:t>
+            </a:r>
+            <a:endParaRPr lang="zh-CN" altLang="en-US" dirty="0"/>
+          </a:p>
+        </p:txBody>
+      </p:sp>
+      <p:sp>
+        <p:nvSpPr>
+          <p:cNvPr id="4" name="灯片编号占位符 3"/>
+          <p:cNvSpPr>
+            <a:spLocks noGrp="1"/>
+          </p:cNvSpPr>
+          <p:nvPr>
+            <p:ph type="sldNum" sz="quarter" idx="5"/>
+          </p:nvPr>
+        </p:nvSpPr>
+        <p:spPr/>
+        <p:txBody>
+          <a:bodyPr/>
+          <a:lstStyle/>
+          <a:p>
+            <a:fld id="{CF20F747-D0EC-4FFA-AA8A-DD1B21173115}" type="slidenum">
+              <a:rPr lang="zh-CN" altLang="en-US" smtClean="0"/>
+              <a:t>17</a:t>
+            </a:fld>
+            <a:endParaRPr lang="zh-CN" altLang="en-US"/>
+          </a:p>
+        </p:txBody>
+      </p:sp>
+    </p:spTree>
+    <p:extLst>
+      <p:ext uri="{BB962C8B-B14F-4D97-AF65-F5344CB8AC3E}">
+        <p14:creationId xmlns:p14="http://schemas.microsoft.com/office/powerpoint/2010/main" val="2750715883"/>
+      </p:ext>
+    </p:extLst>
+  </p:cSld>
+  <p:clrMapOvr>
+    <a:masterClrMapping/>
+  </p:clrMapOvr>
+</p:notes>
+</file>
+
+<file path=ppt/notesSlides/notesSlide9.xml><?xml version="1.0" encoding="utf-8"?>
+<p:notes xmlns:a="http://schemas.openxmlformats.org/drawingml/2006/main" xmlns:r="http://schemas.openxmlformats.org/officeDocument/2006/relationships" xmlns:p="http://schemas.openxmlformats.org/presentationml/2006/main">
+  <p:cSld>
+    <p:spTree>
+      <p:nvGrpSpPr>
+        <p:cNvPr id="1" name=""/>
+        <p:cNvGrpSpPr/>
+        <p:nvPr/>
+      </p:nvGrpSpPr>
+      <p:grpSpPr>
+        <a:xfrm>
+          <a:off x="0" y="0"/>
+          <a:ext cx="0" cy="0"/>
+          <a:chOff x="0" y="0"/>
+          <a:chExt cx="0" cy="0"/>
+        </a:xfrm>
+      </p:grpSpPr>
+      <p:sp>
+        <p:nvSpPr>
+          <p:cNvPr id="2" name="幻灯片图像占位符 1"/>
+          <p:cNvSpPr>
+            <a:spLocks noGrp="1" noRot="1" noChangeAspect="1"/>
+          </p:cNvSpPr>
+          <p:nvPr>
+            <p:ph type="sldImg"/>
+          </p:nvPr>
+        </p:nvSpPr>
+        <p:spPr/>
+      </p:sp>
+      <p:sp>
+        <p:nvSpPr>
+          <p:cNvPr id="3" name="备注占位符 2"/>
+          <p:cNvSpPr>
+            <a:spLocks noGrp="1"/>
+          </p:cNvSpPr>
+          <p:nvPr>
+            <p:ph type="body" idx="1"/>
+          </p:nvPr>
+        </p:nvSpPr>
+        <p:spPr/>
+        <p:txBody>
+          <a:bodyPr/>
+          <a:lstStyle/>
+          <a:p>
+            <a:r>
+              <a:rPr lang="en-US" altLang="zh-CN" dirty="0" err="1"/>
+              <a:t>19.RemoveNthNodeFromEndOfList</a:t>
+            </a:r>
+            <a:endParaRPr lang="zh-CN" altLang="en-US" dirty="0"/>
+          </a:p>
+        </p:txBody>
+      </p:sp>
+      <p:sp>
+        <p:nvSpPr>
+          <p:cNvPr id="4" name="灯片编号占位符 3"/>
+          <p:cNvSpPr>
+            <a:spLocks noGrp="1"/>
+          </p:cNvSpPr>
+          <p:nvPr>
+            <p:ph type="sldNum" sz="quarter" idx="5"/>
+          </p:nvPr>
+        </p:nvSpPr>
+        <p:spPr/>
+        <p:txBody>
+          <a:bodyPr/>
+          <a:lstStyle/>
+          <a:p>
+            <a:fld id="{CF20F747-D0EC-4FFA-AA8A-DD1B21173115}" type="slidenum">
+              <a:rPr lang="zh-CN" altLang="en-US" smtClean="0"/>
+              <a:t>18</a:t>
+            </a:fld>
+            <a:endParaRPr lang="zh-CN" altLang="en-US"/>
+          </a:p>
+        </p:txBody>
+      </p:sp>
+    </p:spTree>
+    <p:extLst>
+      <p:ext uri="{BB962C8B-B14F-4D97-AF65-F5344CB8AC3E}">
+        <p14:creationId xmlns:p14="http://schemas.microsoft.com/office/powerpoint/2010/main" val="3684815718"/>
       </p:ext>
     </p:extLst>
   </p:cSld>
@@ -1101,10 +1354,9 @@
           </a:lstStyle>
           <a:p>
             <a:r>
-              <a:rPr lang="zh-CN" altLang="en-US" smtClean="0"/>
+              <a:rPr lang="zh-CN" altLang="en-US"/>
               <a:t>单击此处编辑母版标题样式</a:t>
             </a:r>
-            <a:endParaRPr lang="zh-CN" altLang="en-US"/>
           </a:p>
         </p:txBody>
       </p:sp>
@@ -1166,10 +1418,9 @@
           </a:lstStyle>
           <a:p>
             <a:r>
-              <a:rPr lang="zh-CN" altLang="en-US" smtClean="0"/>
+              <a:rPr lang="zh-CN" altLang="en-US"/>
               <a:t>单击以编辑母版副标题样式</a:t>
             </a:r>
-            <a:endParaRPr lang="zh-CN" altLang="en-US"/>
           </a:p>
         </p:txBody>
       </p:sp>
@@ -1190,7 +1441,7 @@
           <a:p>
             <a:fld id="{B3314C4A-3350-458F-9222-11386146643F}" type="datetimeFigureOut">
               <a:rPr lang="zh-CN" altLang="en-US" smtClean="0"/>
-              <a:t>2020/5/12</a:t>
+              <a:t>2020/5/16</a:t>
             </a:fld>
             <a:endParaRPr lang="zh-CN" altLang="en-US"/>
           </a:p>
@@ -1284,10 +1535,9 @@
           <a:lstStyle/>
           <a:p>
             <a:r>
-              <a:rPr lang="zh-CN" altLang="en-US" smtClean="0"/>
+              <a:rPr lang="zh-CN" altLang="en-US"/>
               <a:t>单击此处编辑母版标题样式</a:t>
             </a:r>
-            <a:endParaRPr lang="zh-CN" altLang="en-US"/>
           </a:p>
         </p:txBody>
       </p:sp>
@@ -1308,38 +1558,37 @@
           <a:p>
             <a:pPr lvl="0"/>
             <a:r>
-              <a:rPr lang="zh-CN" altLang="en-US" smtClean="0"/>
+              <a:rPr lang="zh-CN" altLang="en-US"/>
               <a:t>编辑母版文本样式</a:t>
             </a:r>
           </a:p>
           <a:p>
             <a:pPr lvl="1"/>
             <a:r>
-              <a:rPr lang="zh-CN" altLang="en-US" smtClean="0"/>
+              <a:rPr lang="zh-CN" altLang="en-US"/>
               <a:t>第二级</a:t>
             </a:r>
           </a:p>
           <a:p>
             <a:pPr lvl="2"/>
             <a:r>
-              <a:rPr lang="zh-CN" altLang="en-US" smtClean="0"/>
+              <a:rPr lang="zh-CN" altLang="en-US"/>
               <a:t>第三级</a:t>
             </a:r>
           </a:p>
           <a:p>
             <a:pPr lvl="3"/>
             <a:r>
-              <a:rPr lang="zh-CN" altLang="en-US" smtClean="0"/>
+              <a:rPr lang="zh-CN" altLang="en-US"/>
               <a:t>第四级</a:t>
             </a:r>
           </a:p>
           <a:p>
             <a:pPr lvl="4"/>
             <a:r>
-              <a:rPr lang="zh-CN" altLang="en-US" smtClean="0"/>
+              <a:rPr lang="zh-CN" altLang="en-US"/>
               <a:t>第五级</a:t>
             </a:r>
-            <a:endParaRPr lang="zh-CN" altLang="en-US"/>
           </a:p>
         </p:txBody>
       </p:sp>
@@ -1360,7 +1609,7 @@
           <a:p>
             <a:fld id="{B3314C4A-3350-458F-9222-11386146643F}" type="datetimeFigureOut">
               <a:rPr lang="zh-CN" altLang="en-US" smtClean="0"/>
-              <a:t>2020/5/12</a:t>
+              <a:t>2020/5/16</a:t>
             </a:fld>
             <a:endParaRPr lang="zh-CN" altLang="en-US"/>
           </a:p>
@@ -1459,10 +1708,9 @@
           <a:lstStyle/>
           <a:p>
             <a:r>
-              <a:rPr lang="zh-CN" altLang="en-US" smtClean="0"/>
+              <a:rPr lang="zh-CN" altLang="en-US"/>
               <a:t>单击此处编辑母版标题样式</a:t>
             </a:r>
-            <a:endParaRPr lang="zh-CN" altLang="en-US"/>
           </a:p>
         </p:txBody>
       </p:sp>
@@ -1488,38 +1736,37 @@
           <a:p>
             <a:pPr lvl="0"/>
             <a:r>
-              <a:rPr lang="zh-CN" altLang="en-US" smtClean="0"/>
+              <a:rPr lang="zh-CN" altLang="en-US"/>
               <a:t>编辑母版文本样式</a:t>
             </a:r>
           </a:p>
           <a:p>
             <a:pPr lvl="1"/>
             <a:r>
-              <a:rPr lang="zh-CN" altLang="en-US" smtClean="0"/>
+              <a:rPr lang="zh-CN" altLang="en-US"/>
               <a:t>第二级</a:t>
             </a:r>
           </a:p>
           <a:p>
             <a:pPr lvl="2"/>
             <a:r>
-              <a:rPr lang="zh-CN" altLang="en-US" smtClean="0"/>
+              <a:rPr lang="zh-CN" altLang="en-US"/>
               <a:t>第三级</a:t>
             </a:r>
           </a:p>
           <a:p>
             <a:pPr lvl="3"/>
             <a:r>
-              <a:rPr lang="zh-CN" altLang="en-US" smtClean="0"/>
+              <a:rPr lang="zh-CN" altLang="en-US"/>
               <a:t>第四级</a:t>
             </a:r>
           </a:p>
           <a:p>
             <a:pPr lvl="4"/>
             <a:r>
-              <a:rPr lang="zh-CN" altLang="en-US" smtClean="0"/>
+              <a:rPr lang="zh-CN" altLang="en-US"/>
               <a:t>第五级</a:t>
             </a:r>
-            <a:endParaRPr lang="zh-CN" altLang="en-US"/>
           </a:p>
         </p:txBody>
       </p:sp>
@@ -1540,7 +1787,7 @@
           <a:p>
             <a:fld id="{B3314C4A-3350-458F-9222-11386146643F}" type="datetimeFigureOut">
               <a:rPr lang="zh-CN" altLang="en-US" smtClean="0"/>
-              <a:t>2020/5/12</a:t>
+              <a:t>2020/5/16</a:t>
             </a:fld>
             <a:endParaRPr lang="zh-CN" altLang="en-US"/>
           </a:p>
@@ -1634,10 +1881,9 @@
           <a:lstStyle/>
           <a:p>
             <a:r>
-              <a:rPr lang="zh-CN" altLang="en-US" smtClean="0"/>
+              <a:rPr lang="zh-CN" altLang="en-US"/>
               <a:t>单击此处编辑母版标题样式</a:t>
             </a:r>
-            <a:endParaRPr lang="zh-CN" altLang="en-US"/>
           </a:p>
         </p:txBody>
       </p:sp>
@@ -1658,38 +1904,37 @@
           <a:p>
             <a:pPr lvl="0"/>
             <a:r>
-              <a:rPr lang="zh-CN" altLang="en-US" smtClean="0"/>
+              <a:rPr lang="zh-CN" altLang="en-US"/>
               <a:t>编辑母版文本样式</a:t>
             </a:r>
           </a:p>
           <a:p>
             <a:pPr lvl="1"/>
             <a:r>
-              <a:rPr lang="zh-CN" altLang="en-US" smtClean="0"/>
+              <a:rPr lang="zh-CN" altLang="en-US"/>
               <a:t>第二级</a:t>
             </a:r>
           </a:p>
           <a:p>
             <a:pPr lvl="2"/>
             <a:r>
-              <a:rPr lang="zh-CN" altLang="en-US" smtClean="0"/>
+              <a:rPr lang="zh-CN" altLang="en-US"/>
               <a:t>第三级</a:t>
             </a:r>
           </a:p>
           <a:p>
             <a:pPr lvl="3"/>
             <a:r>
-              <a:rPr lang="zh-CN" altLang="en-US" smtClean="0"/>
+              <a:rPr lang="zh-CN" altLang="en-US"/>
               <a:t>第四级</a:t>
             </a:r>
           </a:p>
           <a:p>
             <a:pPr lvl="4"/>
             <a:r>
-              <a:rPr lang="zh-CN" altLang="en-US" smtClean="0"/>
+              <a:rPr lang="zh-CN" altLang="en-US"/>
               <a:t>第五级</a:t>
             </a:r>
-            <a:endParaRPr lang="zh-CN" altLang="en-US"/>
           </a:p>
         </p:txBody>
       </p:sp>
@@ -1710,7 +1955,7 @@
           <a:p>
             <a:fld id="{B3314C4A-3350-458F-9222-11386146643F}" type="datetimeFigureOut">
               <a:rPr lang="zh-CN" altLang="en-US" smtClean="0"/>
-              <a:t>2020/5/12</a:t>
+              <a:t>2020/5/16</a:t>
             </a:fld>
             <a:endParaRPr lang="zh-CN" altLang="en-US"/>
           </a:p>
@@ -1813,10 +2058,9 @@
           </a:lstStyle>
           <a:p>
             <a:r>
-              <a:rPr lang="zh-CN" altLang="en-US" smtClean="0"/>
+              <a:rPr lang="zh-CN" altLang="en-US"/>
               <a:t>单击此处编辑母版标题样式</a:t>
             </a:r>
-            <a:endParaRPr lang="zh-CN" altLang="en-US"/>
           </a:p>
         </p:txBody>
       </p:sp>
@@ -1933,7 +2177,7 @@
           <a:p>
             <a:pPr lvl="0"/>
             <a:r>
-              <a:rPr lang="zh-CN" altLang="en-US" smtClean="0"/>
+              <a:rPr lang="zh-CN" altLang="en-US"/>
               <a:t>编辑母版文本样式</a:t>
             </a:r>
           </a:p>
@@ -1956,7 +2200,7 @@
           <a:p>
             <a:fld id="{B3314C4A-3350-458F-9222-11386146643F}" type="datetimeFigureOut">
               <a:rPr lang="zh-CN" altLang="en-US" smtClean="0"/>
-              <a:t>2020/5/12</a:t>
+              <a:t>2020/5/16</a:t>
             </a:fld>
             <a:endParaRPr lang="zh-CN" altLang="en-US"/>
           </a:p>
@@ -2050,10 +2294,9 @@
           <a:lstStyle/>
           <a:p>
             <a:r>
-              <a:rPr lang="zh-CN" altLang="en-US" smtClean="0"/>
+              <a:rPr lang="zh-CN" altLang="en-US"/>
               <a:t>单击此处编辑母版标题样式</a:t>
             </a:r>
-            <a:endParaRPr lang="zh-CN" altLang="en-US"/>
           </a:p>
         </p:txBody>
       </p:sp>
@@ -2079,38 +2322,37 @@
           <a:p>
             <a:pPr lvl="0"/>
             <a:r>
-              <a:rPr lang="zh-CN" altLang="en-US" smtClean="0"/>
+              <a:rPr lang="zh-CN" altLang="en-US"/>
               <a:t>编辑母版文本样式</a:t>
             </a:r>
           </a:p>
           <a:p>
             <a:pPr lvl="1"/>
             <a:r>
-              <a:rPr lang="zh-CN" altLang="en-US" smtClean="0"/>
+              <a:rPr lang="zh-CN" altLang="en-US"/>
               <a:t>第二级</a:t>
             </a:r>
           </a:p>
           <a:p>
             <a:pPr lvl="2"/>
             <a:r>
-              <a:rPr lang="zh-CN" altLang="en-US" smtClean="0"/>
+              <a:rPr lang="zh-CN" altLang="en-US"/>
               <a:t>第三级</a:t>
             </a:r>
           </a:p>
           <a:p>
             <a:pPr lvl="3"/>
             <a:r>
-              <a:rPr lang="zh-CN" altLang="en-US" smtClean="0"/>
+              <a:rPr lang="zh-CN" altLang="en-US"/>
               <a:t>第四级</a:t>
             </a:r>
           </a:p>
           <a:p>
             <a:pPr lvl="4"/>
             <a:r>
-              <a:rPr lang="zh-CN" altLang="en-US" smtClean="0"/>
+              <a:rPr lang="zh-CN" altLang="en-US"/>
               <a:t>第五级</a:t>
             </a:r>
-            <a:endParaRPr lang="zh-CN" altLang="en-US"/>
           </a:p>
         </p:txBody>
       </p:sp>
@@ -2136,38 +2378,37 @@
           <a:p>
             <a:pPr lvl="0"/>
             <a:r>
-              <a:rPr lang="zh-CN" altLang="en-US" smtClean="0"/>
+              <a:rPr lang="zh-CN" altLang="en-US"/>
               <a:t>编辑母版文本样式</a:t>
             </a:r>
           </a:p>
           <a:p>
             <a:pPr lvl="1"/>
             <a:r>
-              <a:rPr lang="zh-CN" altLang="en-US" smtClean="0"/>
+              <a:rPr lang="zh-CN" altLang="en-US"/>
               <a:t>第二级</a:t>
             </a:r>
           </a:p>
           <a:p>
             <a:pPr lvl="2"/>
             <a:r>
-              <a:rPr lang="zh-CN" altLang="en-US" smtClean="0"/>
+              <a:rPr lang="zh-CN" altLang="en-US"/>
               <a:t>第三级</a:t>
             </a:r>
           </a:p>
           <a:p>
             <a:pPr lvl="3"/>
             <a:r>
-              <a:rPr lang="zh-CN" altLang="en-US" smtClean="0"/>
+              <a:rPr lang="zh-CN" altLang="en-US"/>
               <a:t>第四级</a:t>
             </a:r>
           </a:p>
           <a:p>
             <a:pPr lvl="4"/>
             <a:r>
-              <a:rPr lang="zh-CN" altLang="en-US" smtClean="0"/>
+              <a:rPr lang="zh-CN" altLang="en-US"/>
               <a:t>第五级</a:t>
             </a:r>
-            <a:endParaRPr lang="zh-CN" altLang="en-US"/>
           </a:p>
         </p:txBody>
       </p:sp>
@@ -2188,7 +2429,7 @@
           <a:p>
             <a:fld id="{B3314C4A-3350-458F-9222-11386146643F}" type="datetimeFigureOut">
               <a:rPr lang="zh-CN" altLang="en-US" smtClean="0"/>
-              <a:t>2020/5/12</a:t>
+              <a:t>2020/5/16</a:t>
             </a:fld>
             <a:endParaRPr lang="zh-CN" altLang="en-US"/>
           </a:p>
@@ -2287,10 +2528,9 @@
           <a:lstStyle/>
           <a:p>
             <a:r>
-              <a:rPr lang="zh-CN" altLang="en-US" smtClean="0"/>
+              <a:rPr lang="zh-CN" altLang="en-US"/>
               <a:t>单击此处编辑母版标题样式</a:t>
             </a:r>
-            <a:endParaRPr lang="zh-CN" altLang="en-US"/>
           </a:p>
         </p:txBody>
       </p:sp>
@@ -2353,7 +2593,7 @@
           <a:p>
             <a:pPr lvl="0"/>
             <a:r>
-              <a:rPr lang="zh-CN" altLang="en-US" smtClean="0"/>
+              <a:rPr lang="zh-CN" altLang="en-US"/>
               <a:t>编辑母版文本样式</a:t>
             </a:r>
           </a:p>
@@ -2381,38 +2621,37 @@
           <a:p>
             <a:pPr lvl="0"/>
             <a:r>
-              <a:rPr lang="zh-CN" altLang="en-US" smtClean="0"/>
+              <a:rPr lang="zh-CN" altLang="en-US"/>
               <a:t>编辑母版文本样式</a:t>
             </a:r>
           </a:p>
           <a:p>
             <a:pPr lvl="1"/>
             <a:r>
-              <a:rPr lang="zh-CN" altLang="en-US" smtClean="0"/>
+              <a:rPr lang="zh-CN" altLang="en-US"/>
               <a:t>第二级</a:t>
             </a:r>
           </a:p>
           <a:p>
             <a:pPr lvl="2"/>
             <a:r>
-              <a:rPr lang="zh-CN" altLang="en-US" smtClean="0"/>
+              <a:rPr lang="zh-CN" altLang="en-US"/>
               <a:t>第三级</a:t>
             </a:r>
           </a:p>
           <a:p>
             <a:pPr lvl="3"/>
             <a:r>
-              <a:rPr lang="zh-CN" altLang="en-US" smtClean="0"/>
+              <a:rPr lang="zh-CN" altLang="en-US"/>
               <a:t>第四级</a:t>
             </a:r>
           </a:p>
           <a:p>
             <a:pPr lvl="4"/>
             <a:r>
-              <a:rPr lang="zh-CN" altLang="en-US" smtClean="0"/>
+              <a:rPr lang="zh-CN" altLang="en-US"/>
               <a:t>第五级</a:t>
             </a:r>
-            <a:endParaRPr lang="zh-CN" altLang="en-US"/>
           </a:p>
         </p:txBody>
       </p:sp>
@@ -2475,7 +2714,7 @@
           <a:p>
             <a:pPr lvl="0"/>
             <a:r>
-              <a:rPr lang="zh-CN" altLang="en-US" smtClean="0"/>
+              <a:rPr lang="zh-CN" altLang="en-US"/>
               <a:t>编辑母版文本样式</a:t>
             </a:r>
           </a:p>
@@ -2503,38 +2742,37 @@
           <a:p>
             <a:pPr lvl="0"/>
             <a:r>
-              <a:rPr lang="zh-CN" altLang="en-US" smtClean="0"/>
+              <a:rPr lang="zh-CN" altLang="en-US"/>
               <a:t>编辑母版文本样式</a:t>
             </a:r>
           </a:p>
           <a:p>
             <a:pPr lvl="1"/>
             <a:r>
-              <a:rPr lang="zh-CN" altLang="en-US" smtClean="0"/>
+              <a:rPr lang="zh-CN" altLang="en-US"/>
               <a:t>第二级</a:t>
             </a:r>
           </a:p>
           <a:p>
             <a:pPr lvl="2"/>
             <a:r>
-              <a:rPr lang="zh-CN" altLang="en-US" smtClean="0"/>
+              <a:rPr lang="zh-CN" altLang="en-US"/>
               <a:t>第三级</a:t>
             </a:r>
           </a:p>
           <a:p>
             <a:pPr lvl="3"/>
             <a:r>
-              <a:rPr lang="zh-CN" altLang="en-US" smtClean="0"/>
+              <a:rPr lang="zh-CN" altLang="en-US"/>
               <a:t>第四级</a:t>
             </a:r>
           </a:p>
           <a:p>
             <a:pPr lvl="4"/>
             <a:r>
-              <a:rPr lang="zh-CN" altLang="en-US" smtClean="0"/>
+              <a:rPr lang="zh-CN" altLang="en-US"/>
               <a:t>第五级</a:t>
             </a:r>
-            <a:endParaRPr lang="zh-CN" altLang="en-US"/>
           </a:p>
         </p:txBody>
       </p:sp>
@@ -2555,7 +2793,7 @@
           <a:p>
             <a:fld id="{B3314C4A-3350-458F-9222-11386146643F}" type="datetimeFigureOut">
               <a:rPr lang="zh-CN" altLang="en-US" smtClean="0"/>
-              <a:t>2020/5/12</a:t>
+              <a:t>2020/5/16</a:t>
             </a:fld>
             <a:endParaRPr lang="zh-CN" altLang="en-US"/>
           </a:p>
@@ -2649,10 +2887,9 @@
           <a:lstStyle/>
           <a:p>
             <a:r>
-              <a:rPr lang="zh-CN" altLang="en-US" smtClean="0"/>
+              <a:rPr lang="zh-CN" altLang="en-US"/>
               <a:t>单击此处编辑母版标题样式</a:t>
             </a:r>
-            <a:endParaRPr lang="zh-CN" altLang="en-US"/>
           </a:p>
         </p:txBody>
       </p:sp>
@@ -2673,7 +2910,7 @@
           <a:p>
             <a:fld id="{B3314C4A-3350-458F-9222-11386146643F}" type="datetimeFigureOut">
               <a:rPr lang="zh-CN" altLang="en-US" smtClean="0"/>
-              <a:t>2020/5/12</a:t>
+              <a:t>2020/5/16</a:t>
             </a:fld>
             <a:endParaRPr lang="zh-CN" altLang="en-US"/>
           </a:p>
@@ -2768,7 +3005,7 @@
           <a:p>
             <a:fld id="{B3314C4A-3350-458F-9222-11386146643F}" type="datetimeFigureOut">
               <a:rPr lang="zh-CN" altLang="en-US" smtClean="0"/>
-              <a:t>2020/5/12</a:t>
+              <a:t>2020/5/16</a:t>
             </a:fld>
             <a:endParaRPr lang="zh-CN" altLang="en-US"/>
           </a:p>
@@ -2871,10 +3108,9 @@
           </a:lstStyle>
           <a:p>
             <a:r>
-              <a:rPr lang="zh-CN" altLang="en-US" smtClean="0"/>
+              <a:rPr lang="zh-CN" altLang="en-US"/>
               <a:t>单击此处编辑母版标题样式</a:t>
             </a:r>
-            <a:endParaRPr lang="zh-CN" altLang="en-US"/>
           </a:p>
         </p:txBody>
       </p:sp>
@@ -2928,38 +3164,37 @@
           <a:p>
             <a:pPr lvl="0"/>
             <a:r>
-              <a:rPr lang="zh-CN" altLang="en-US" smtClean="0"/>
+              <a:rPr lang="zh-CN" altLang="en-US"/>
               <a:t>编辑母版文本样式</a:t>
             </a:r>
           </a:p>
           <a:p>
             <a:pPr lvl="1"/>
             <a:r>
-              <a:rPr lang="zh-CN" altLang="en-US" smtClean="0"/>
+              <a:rPr lang="zh-CN" altLang="en-US"/>
               <a:t>第二级</a:t>
             </a:r>
           </a:p>
           <a:p>
             <a:pPr lvl="2"/>
             <a:r>
-              <a:rPr lang="zh-CN" altLang="en-US" smtClean="0"/>
+              <a:rPr lang="zh-CN" altLang="en-US"/>
               <a:t>第三级</a:t>
             </a:r>
           </a:p>
           <a:p>
             <a:pPr lvl="3"/>
             <a:r>
-              <a:rPr lang="zh-CN" altLang="en-US" smtClean="0"/>
+              <a:rPr lang="zh-CN" altLang="en-US"/>
               <a:t>第四级</a:t>
             </a:r>
           </a:p>
           <a:p>
             <a:pPr lvl="4"/>
             <a:r>
-              <a:rPr lang="zh-CN" altLang="en-US" smtClean="0"/>
+              <a:rPr lang="zh-CN" altLang="en-US"/>
               <a:t>第五级</a:t>
             </a:r>
-            <a:endParaRPr lang="zh-CN" altLang="en-US"/>
           </a:p>
         </p:txBody>
       </p:sp>
@@ -3022,7 +3257,7 @@
           <a:p>
             <a:pPr lvl="0"/>
             <a:r>
-              <a:rPr lang="zh-CN" altLang="en-US" smtClean="0"/>
+              <a:rPr lang="zh-CN" altLang="en-US"/>
               <a:t>编辑母版文本样式</a:t>
             </a:r>
           </a:p>
@@ -3045,7 +3280,7 @@
           <a:p>
             <a:fld id="{B3314C4A-3350-458F-9222-11386146643F}" type="datetimeFigureOut">
               <a:rPr lang="zh-CN" altLang="en-US" smtClean="0"/>
-              <a:t>2020/5/12</a:t>
+              <a:t>2020/5/16</a:t>
             </a:fld>
             <a:endParaRPr lang="zh-CN" altLang="en-US"/>
           </a:p>
@@ -3148,10 +3383,9 @@
           </a:lstStyle>
           <a:p>
             <a:r>
-              <a:rPr lang="zh-CN" altLang="en-US" smtClean="0"/>
+              <a:rPr lang="zh-CN" altLang="en-US"/>
               <a:t>单击此处编辑母版标题样式</a:t>
             </a:r>
-            <a:endParaRPr lang="zh-CN" altLang="en-US"/>
           </a:p>
         </p:txBody>
       </p:sp>
@@ -3275,7 +3509,7 @@
           <a:p>
             <a:pPr lvl="0"/>
             <a:r>
-              <a:rPr lang="zh-CN" altLang="en-US" smtClean="0"/>
+              <a:rPr lang="zh-CN" altLang="en-US"/>
               <a:t>编辑母版文本样式</a:t>
             </a:r>
           </a:p>
@@ -3298,7 +3532,7 @@
           <a:p>
             <a:fld id="{B3314C4A-3350-458F-9222-11386146643F}" type="datetimeFigureOut">
               <a:rPr lang="zh-CN" altLang="en-US" smtClean="0"/>
-              <a:t>2020/5/12</a:t>
+              <a:t>2020/5/16</a:t>
             </a:fld>
             <a:endParaRPr lang="zh-CN" altLang="en-US"/>
           </a:p>
@@ -3407,10 +3641,9 @@
           <a:lstStyle/>
           <a:p>
             <a:r>
-              <a:rPr lang="zh-CN" altLang="en-US" smtClean="0"/>
+              <a:rPr lang="zh-CN" altLang="en-US"/>
               <a:t>单击此处编辑母版标题样式</a:t>
             </a:r>
-            <a:endParaRPr lang="zh-CN" altLang="en-US"/>
           </a:p>
         </p:txBody>
       </p:sp>
@@ -3441,38 +3674,37 @@
           <a:p>
             <a:pPr lvl="0"/>
             <a:r>
-              <a:rPr lang="zh-CN" altLang="en-US" smtClean="0"/>
+              <a:rPr lang="zh-CN" altLang="en-US"/>
               <a:t>编辑母版文本样式</a:t>
             </a:r>
           </a:p>
           <a:p>
             <a:pPr lvl="1"/>
             <a:r>
-              <a:rPr lang="zh-CN" altLang="en-US" smtClean="0"/>
+              <a:rPr lang="zh-CN" altLang="en-US"/>
               <a:t>第二级</a:t>
             </a:r>
           </a:p>
           <a:p>
             <a:pPr lvl="2"/>
             <a:r>
-              <a:rPr lang="zh-CN" altLang="en-US" smtClean="0"/>
+              <a:rPr lang="zh-CN" altLang="en-US"/>
               <a:t>第三级</a:t>
             </a:r>
           </a:p>
           <a:p>
             <a:pPr lvl="3"/>
             <a:r>
-              <a:rPr lang="zh-CN" altLang="en-US" smtClean="0"/>
+              <a:rPr lang="zh-CN" altLang="en-US"/>
               <a:t>第四级</a:t>
             </a:r>
           </a:p>
           <a:p>
             <a:pPr lvl="4"/>
             <a:r>
-              <a:rPr lang="zh-CN" altLang="en-US" smtClean="0"/>
+              <a:rPr lang="zh-CN" altLang="en-US"/>
               <a:t>第五级</a:t>
             </a:r>
-            <a:endParaRPr lang="zh-CN" altLang="en-US"/>
           </a:p>
         </p:txBody>
       </p:sp>
@@ -3511,7 +3743,7 @@
           <a:p>
             <a:fld id="{B3314C4A-3350-458F-9222-11386146643F}" type="datetimeFigureOut">
               <a:rPr lang="zh-CN" altLang="en-US" smtClean="0"/>
-              <a:t>2020/5/12</a:t>
+              <a:t>2020/5/16</a:t>
             </a:fld>
             <a:endParaRPr lang="zh-CN" altLang="en-US"/>
           </a:p>
@@ -3964,7 +4196,7 @@
                     <a:p>
                       <a:pPr algn="ctr"/>
                       <a:r>
-                        <a:rPr lang="en-US" altLang="zh-CN" sz="2200" dirty="0" smtClean="0"/>
+                        <a:rPr lang="en-US" altLang="zh-CN" sz="2200" dirty="0"/>
                         <a:t>2</a:t>
                       </a:r>
                       <a:endParaRPr lang="zh-CN" altLang="en-US" sz="2200" dirty="0"/>
@@ -3979,7 +4211,7 @@
                     <a:p>
                       <a:pPr algn="ctr"/>
                       <a:r>
-                        <a:rPr lang="en-US" altLang="zh-CN" sz="2200" dirty="0" smtClean="0"/>
+                        <a:rPr lang="en-US" altLang="zh-CN" sz="2200" dirty="0"/>
                         <a:t>3 </a:t>
                       </a:r>
                       <a:endParaRPr lang="zh-CN" altLang="en-US" sz="2200" dirty="0"/>
@@ -4045,7 +4277,7 @@
                     <a:p>
                       <a:pPr algn="ctr"/>
                       <a:r>
-                        <a:rPr lang="en-US" altLang="zh-CN" sz="2200" dirty="0" smtClean="0"/>
+                        <a:rPr lang="en-US" altLang="zh-CN" sz="2200" dirty="0"/>
                         <a:t>7</a:t>
                       </a:r>
                       <a:endParaRPr lang="zh-CN" altLang="en-US" sz="2200" dirty="0"/>
@@ -4060,7 +4292,7 @@
                     <a:p>
                       <a:pPr algn="ctr"/>
                       <a:r>
-                        <a:rPr lang="en-US" altLang="zh-CN" sz="2200" dirty="0" smtClean="0"/>
+                        <a:rPr lang="en-US" altLang="zh-CN" sz="2200" dirty="0"/>
                         <a:t>9 </a:t>
                       </a:r>
                       <a:endParaRPr lang="zh-CN" altLang="en-US" sz="2200" dirty="0"/>
@@ -4133,7 +4365,7 @@
                     <a:p>
                       <a:pPr algn="ctr"/>
                       <a:r>
-                        <a:rPr lang="en-US" altLang="zh-CN" sz="2200" dirty="0" smtClean="0"/>
+                        <a:rPr lang="en-US" altLang="zh-CN" sz="2200" dirty="0"/>
                         <a:t>1</a:t>
                       </a:r>
                       <a:endParaRPr lang="zh-CN" altLang="en-US" sz="2200" dirty="0"/>
@@ -4148,7 +4380,7 @@
                     <a:p>
                       <a:pPr algn="ctr"/>
                       <a:r>
-                        <a:rPr lang="en-US" altLang="zh-CN" sz="2200" dirty="0" smtClean="0"/>
+                        <a:rPr lang="en-US" altLang="zh-CN" sz="2200" dirty="0"/>
                         <a:t>3 </a:t>
                       </a:r>
                       <a:endParaRPr lang="zh-CN" altLang="en-US" sz="2200" dirty="0"/>
@@ -4163,7 +4395,7 @@
                     <a:p>
                       <a:pPr algn="ctr"/>
                       <a:r>
-                        <a:rPr lang="en-US" altLang="zh-CN" sz="2200" dirty="0" smtClean="0"/>
+                        <a:rPr lang="en-US" altLang="zh-CN" sz="2200" dirty="0"/>
                         <a:t>5</a:t>
                       </a:r>
                       <a:endParaRPr lang="zh-CN" altLang="en-US" sz="2200" dirty="0"/>
@@ -4229,7 +4461,7 @@
                     <a:p>
                       <a:pPr algn="ctr"/>
                       <a:r>
-                        <a:rPr lang="en-US" altLang="zh-CN" sz="2200" dirty="0" smtClean="0"/>
+                        <a:rPr lang="en-US" altLang="zh-CN" sz="2200" dirty="0"/>
                         <a:t>6</a:t>
                       </a:r>
                       <a:endParaRPr lang="zh-CN" altLang="en-US" sz="2200" dirty="0"/>
@@ -4244,7 +4476,7 @@
                     <a:p>
                       <a:pPr algn="ctr"/>
                       <a:r>
-                        <a:rPr lang="en-US" altLang="zh-CN" sz="2200" dirty="0" smtClean="0"/>
+                        <a:rPr lang="en-US" altLang="zh-CN" sz="2200" dirty="0"/>
                         <a:t>8</a:t>
                       </a:r>
                       <a:endParaRPr lang="zh-CN" altLang="en-US" sz="2200" dirty="0"/>
@@ -4285,7 +4517,7 @@
           <a:lstStyle/>
           <a:p>
             <a:r>
-              <a:rPr lang="en-US" altLang="zh-CN" dirty="0" smtClean="0"/>
+              <a:rPr lang="en-US" altLang="zh-CN" dirty="0"/>
               <a:t>A</a:t>
             </a:r>
             <a:endParaRPr lang="zh-CN" altLang="en-US" dirty="0"/>
@@ -4315,7 +4547,7 @@
           <a:lstStyle/>
           <a:p>
             <a:r>
-              <a:rPr lang="en-US" altLang="zh-CN" dirty="0" smtClean="0"/>
+              <a:rPr lang="en-US" altLang="zh-CN" dirty="0"/>
               <a:t>B</a:t>
             </a:r>
             <a:endParaRPr lang="zh-CN" altLang="en-US" dirty="0"/>
@@ -4378,7 +4610,7 @@
           <a:lstStyle/>
           <a:p>
             <a:r>
-              <a:rPr lang="en-US" altLang="zh-CN" sz="1200" dirty="0" smtClean="0"/>
+              <a:rPr lang="en-US" altLang="zh-CN" sz="1200" dirty="0"/>
               <a:t>j = 3</a:t>
             </a:r>
             <a:endParaRPr lang="zh-CN" altLang="en-US" sz="1200" dirty="0"/>
@@ -4408,7 +4640,7 @@
           <a:lstStyle/>
           <a:p>
             <a:r>
-              <a:rPr lang="en-US" altLang="zh-CN" sz="1200" dirty="0" smtClean="0"/>
+              <a:rPr lang="en-US" altLang="zh-CN" sz="1200" dirty="0"/>
               <a:t>A[i-1]</a:t>
             </a:r>
             <a:endParaRPr lang="zh-CN" altLang="en-US" sz="1200" dirty="0"/>
@@ -4438,7 +4670,7 @@
           <a:lstStyle/>
           <a:p>
             <a:r>
-              <a:rPr lang="en-US" altLang="zh-CN" sz="1200" dirty="0" smtClean="0"/>
+              <a:rPr lang="en-US" altLang="zh-CN" sz="1200" dirty="0"/>
               <a:t>A[i]</a:t>
             </a:r>
             <a:endParaRPr lang="zh-CN" altLang="en-US" sz="1200" dirty="0"/>
@@ -4468,7 +4700,7 @@
           <a:lstStyle/>
           <a:p>
             <a:r>
-              <a:rPr lang="en-US" altLang="zh-CN" sz="1200" dirty="0" smtClean="0"/>
+              <a:rPr lang="en-US" altLang="zh-CN" sz="1200" dirty="0"/>
               <a:t>B[j]</a:t>
             </a:r>
             <a:endParaRPr lang="zh-CN" altLang="en-US" sz="1200" dirty="0"/>
@@ -4498,7 +4730,7 @@
           <a:lstStyle/>
           <a:p>
             <a:r>
-              <a:rPr lang="en-US" altLang="zh-CN" sz="1200" dirty="0" smtClean="0"/>
+              <a:rPr lang="en-US" altLang="zh-CN" sz="1200" dirty="0"/>
               <a:t>B[j-1]</a:t>
             </a:r>
             <a:endParaRPr lang="zh-CN" altLang="en-US" sz="1200" dirty="0"/>
@@ -4561,7 +4793,7 @@
           <a:lstStyle/>
           <a:p>
             <a:r>
-              <a:rPr lang="en-US" altLang="zh-CN" sz="1200" dirty="0" smtClean="0"/>
+              <a:rPr lang="en-US" altLang="zh-CN" sz="1200" dirty="0"/>
               <a:t>i = 2</a:t>
             </a:r>
             <a:endParaRPr lang="zh-CN" altLang="en-US" sz="1200" dirty="0"/>
@@ -4720,7 +4952,7 @@
                     <a:p>
                       <a:pPr algn="ctr"/>
                       <a:r>
-                        <a:rPr lang="en-US" altLang="zh-CN" sz="2800" dirty="0" smtClean="0">
+                        <a:rPr lang="en-US" altLang="zh-CN" sz="2800" dirty="0">
                           <a:solidFill>
                             <a:schemeClr val="bg1"/>
                           </a:solidFill>
@@ -4792,7 +5024,7 @@
                     <a:p>
                       <a:pPr algn="ctr"/>
                       <a:r>
-                        <a:rPr lang="en-US" altLang="zh-CN" sz="2800" dirty="0" smtClean="0">
+                        <a:rPr lang="en-US" altLang="zh-CN" sz="2800" dirty="0">
                           <a:solidFill>
                             <a:schemeClr val="bg1"/>
                           </a:solidFill>
@@ -4819,7 +5051,7 @@
                     <a:p>
                       <a:pPr algn="ctr"/>
                       <a:r>
-                        <a:rPr lang="en-US" altLang="zh-CN" sz="2800" dirty="0" smtClean="0">
+                        <a:rPr lang="en-US" altLang="zh-CN" sz="2800" dirty="0">
                           <a:solidFill>
                             <a:schemeClr val="bg1"/>
                           </a:solidFill>
@@ -4872,7 +5104,7 @@
                     <a:p>
                       <a:pPr algn="ctr"/>
                       <a:r>
-                        <a:rPr lang="en-US" altLang="zh-CN" sz="2800" dirty="0" smtClean="0">
+                        <a:rPr lang="en-US" altLang="zh-CN" sz="2800" dirty="0">
                           <a:solidFill>
                             <a:schemeClr val="bg1"/>
                           </a:solidFill>
@@ -4899,7 +5131,7 @@
                     <a:p>
                       <a:pPr algn="ctr"/>
                       <a:r>
-                        <a:rPr lang="en-US" altLang="zh-CN" sz="2800" dirty="0" smtClean="0">
+                        <a:rPr lang="en-US" altLang="zh-CN" sz="2800" dirty="0">
                           <a:solidFill>
                             <a:schemeClr val="bg1"/>
                           </a:solidFill>
@@ -4926,7 +5158,7 @@
                     <a:p>
                       <a:pPr algn="ctr"/>
                       <a:r>
-                        <a:rPr lang="en-US" altLang="zh-CN" sz="2800" dirty="0" smtClean="0">
+                        <a:rPr lang="en-US" altLang="zh-CN" sz="2800" dirty="0">
                           <a:solidFill>
                             <a:schemeClr val="bg1"/>
                           </a:solidFill>
@@ -4960,7 +5192,7 @@
                     <a:p>
                       <a:pPr algn="ctr"/>
                       <a:r>
-                        <a:rPr lang="en-US" altLang="zh-CN" sz="2800" dirty="0" smtClean="0">
+                        <a:rPr lang="en-US" altLang="zh-CN" sz="2800" dirty="0">
                           <a:solidFill>
                             <a:schemeClr val="bg1"/>
                           </a:solidFill>
@@ -4987,7 +5219,7 @@
                     <a:p>
                       <a:pPr algn="ctr"/>
                       <a:r>
-                        <a:rPr lang="en-US" altLang="zh-CN" sz="2800" dirty="0" smtClean="0">
+                        <a:rPr lang="en-US" altLang="zh-CN" sz="2800" dirty="0">
                           <a:solidFill>
                             <a:schemeClr val="bg1"/>
                           </a:solidFill>
@@ -5014,7 +5246,7 @@
                     <a:p>
                       <a:pPr algn="ctr"/>
                       <a:r>
-                        <a:rPr lang="en-US" altLang="zh-CN" sz="2800" dirty="0" smtClean="0">
+                        <a:rPr lang="en-US" altLang="zh-CN" sz="2800" dirty="0">
                           <a:solidFill>
                             <a:schemeClr val="bg1"/>
                           </a:solidFill>
@@ -5041,7 +5273,7 @@
                     <a:p>
                       <a:pPr algn="ctr"/>
                       <a:r>
-                        <a:rPr lang="en-US" altLang="zh-CN" sz="2800" dirty="0" smtClean="0">
+                        <a:rPr lang="en-US" altLang="zh-CN" sz="2800" dirty="0">
                           <a:solidFill>
                             <a:schemeClr val="bg1"/>
                           </a:solidFill>
@@ -5094,7 +5326,7 @@
           <a:lstStyle/>
           <a:p>
             <a:r>
-              <a:rPr lang="en-US" altLang="zh-CN" dirty="0" smtClean="0"/>
+              <a:rPr lang="en-US" altLang="zh-CN" dirty="0"/>
               <a:t>i=3</a:t>
             </a:r>
             <a:endParaRPr lang="zh-CN" altLang="en-US" dirty="0"/>
@@ -5124,7 +5356,7 @@
           <a:lstStyle/>
           <a:p>
             <a:r>
-              <a:rPr lang="en-US" altLang="zh-CN" dirty="0" smtClean="0"/>
+              <a:rPr lang="en-US" altLang="zh-CN" dirty="0"/>
               <a:t>i=2</a:t>
             </a:r>
             <a:endParaRPr lang="zh-CN" altLang="en-US" dirty="0"/>
@@ -5154,7 +5386,7 @@
           <a:lstStyle/>
           <a:p>
             <a:r>
-              <a:rPr lang="en-US" altLang="zh-CN" dirty="0" smtClean="0"/>
+              <a:rPr lang="en-US" altLang="zh-CN" dirty="0"/>
               <a:t>i=1</a:t>
             </a:r>
             <a:endParaRPr lang="zh-CN" altLang="en-US" dirty="0"/>
@@ -5184,7 +5416,7 @@
           <a:lstStyle/>
           <a:p>
             <a:r>
-              <a:rPr lang="en-US" altLang="zh-CN" dirty="0" smtClean="0"/>
+              <a:rPr lang="en-US" altLang="zh-CN" dirty="0"/>
               <a:t>i=0</a:t>
             </a:r>
             <a:endParaRPr lang="zh-CN" altLang="en-US" dirty="0"/>
@@ -5214,7 +5446,7 @@
           <a:lstStyle/>
           <a:p>
             <a:r>
-              <a:rPr lang="en-US" altLang="zh-CN" dirty="0" smtClean="0"/>
+              <a:rPr lang="en-US" altLang="zh-CN" dirty="0"/>
               <a:t>dp[0]</a:t>
             </a:r>
             <a:endParaRPr lang="zh-CN" altLang="en-US" dirty="0"/>
@@ -5244,7 +5476,7 @@
           <a:lstStyle/>
           <a:p>
             <a:r>
-              <a:rPr lang="en-US" altLang="zh-CN" dirty="0" smtClean="0"/>
+              <a:rPr lang="en-US" altLang="zh-CN" dirty="0"/>
               <a:t>dp[1]</a:t>
             </a:r>
             <a:endParaRPr lang="zh-CN" altLang="en-US" dirty="0"/>
@@ -5274,7 +5506,7 @@
           <a:lstStyle/>
           <a:p>
             <a:r>
-              <a:rPr lang="en-US" altLang="zh-CN" dirty="0" smtClean="0"/>
+              <a:rPr lang="en-US" altLang="zh-CN" dirty="0"/>
               <a:t>dp[2]</a:t>
             </a:r>
             <a:endParaRPr lang="zh-CN" altLang="en-US" dirty="0"/>
@@ -5304,7 +5536,7 @@
           <a:lstStyle/>
           <a:p>
             <a:r>
-              <a:rPr lang="en-US" altLang="zh-CN" dirty="0" smtClean="0"/>
+              <a:rPr lang="en-US" altLang="zh-CN" dirty="0"/>
               <a:t>dp[3]</a:t>
             </a:r>
             <a:endParaRPr lang="zh-CN" altLang="en-US" dirty="0"/>
@@ -5368,7 +5600,7 @@
           <a:p>
             <a:pPr algn="ctr"/>
             <a:r>
-              <a:rPr lang="en-US" altLang="zh-CN" dirty="0" smtClean="0"/>
+              <a:rPr lang="en-US" altLang="zh-CN" dirty="0"/>
               <a:t>“a”</a:t>
             </a:r>
             <a:endParaRPr lang="zh-CN" altLang="en-US" dirty="0"/>
@@ -5399,7 +5631,7 @@
           <a:p>
             <a:pPr algn="ctr"/>
             <a:r>
-              <a:rPr lang="en-US" altLang="zh-CN" dirty="0" smtClean="0"/>
+              <a:rPr lang="en-US" altLang="zh-CN" dirty="0"/>
               <a:t>“b”</a:t>
             </a:r>
             <a:endParaRPr lang="zh-CN" altLang="en-US" dirty="0"/>
@@ -5430,7 +5662,7 @@
           <a:p>
             <a:pPr algn="ctr"/>
             <a:r>
-              <a:rPr lang="en-US" altLang="zh-CN" dirty="0" smtClean="0"/>
+              <a:rPr lang="en-US" altLang="zh-CN" dirty="0"/>
               <a:t>“b”</a:t>
             </a:r>
             <a:endParaRPr lang="zh-CN" altLang="en-US" dirty="0"/>
@@ -5461,7 +5693,7 @@
           <a:p>
             <a:pPr algn="ctr"/>
             <a:r>
-              <a:rPr lang="en-US" altLang="zh-CN" dirty="0" smtClean="0"/>
+              <a:rPr lang="en-US" altLang="zh-CN" dirty="0"/>
               <a:t>“a”</a:t>
             </a:r>
             <a:endParaRPr lang="zh-CN" altLang="en-US" dirty="0"/>
@@ -5492,11 +5724,11 @@
           <a:p>
             <a:pPr algn="ctr"/>
             <a:r>
-              <a:rPr lang="zh-CN" altLang="en-US" sz="1200" dirty="0" smtClean="0"/>
+              <a:rPr lang="zh-CN" altLang="en-US" sz="1200" dirty="0"/>
               <a:t>“</a:t>
             </a:r>
             <a:r>
-              <a:rPr lang="en-US" altLang="zh-CN" sz="1200" dirty="0" smtClean="0"/>
+              <a:rPr lang="en-US" altLang="zh-CN" sz="1200" dirty="0"/>
               <a:t>bb”</a:t>
             </a:r>
             <a:endParaRPr lang="zh-CN" altLang="en-US" sz="1200" dirty="0"/>
@@ -5527,11 +5759,11 @@
           <a:p>
             <a:pPr algn="ctr"/>
             <a:r>
-              <a:rPr lang="zh-CN" altLang="en-US" sz="1200" dirty="0" smtClean="0"/>
+              <a:rPr lang="zh-CN" altLang="en-US" sz="1200" dirty="0"/>
               <a:t>“</a:t>
             </a:r>
             <a:r>
-              <a:rPr lang="en-US" altLang="zh-CN" sz="1200" dirty="0" smtClean="0"/>
+              <a:rPr lang="en-US" altLang="zh-CN" sz="1200" dirty="0"/>
               <a:t>abba”</a:t>
             </a:r>
             <a:endParaRPr lang="zh-CN" altLang="en-US" sz="1200" dirty="0"/>
@@ -5594,7 +5826,7 @@
           <a:lstStyle/>
           <a:p>
             <a:r>
-              <a:rPr lang="en-US" altLang="zh-CN" dirty="0" smtClean="0"/>
+              <a:rPr lang="en-US" altLang="zh-CN" dirty="0"/>
               <a:t>i--</a:t>
             </a:r>
             <a:endParaRPr lang="zh-CN" altLang="en-US" dirty="0"/>
@@ -5624,7 +5856,7 @@
           <a:lstStyle/>
           <a:p>
             <a:r>
-              <a:rPr lang="en-US" altLang="zh-CN" dirty="0" smtClean="0"/>
+              <a:rPr lang="en-US" altLang="zh-CN" dirty="0"/>
               <a:t>j--</a:t>
             </a:r>
             <a:endParaRPr lang="zh-CN" altLang="en-US" dirty="0"/>
@@ -5821,7 +6053,7 @@
                     <a:p>
                       <a:pPr algn="ctr"/>
                       <a:r>
-                        <a:rPr lang="en-US" altLang="zh-CN" b="1" dirty="0" smtClean="0"/>
+                        <a:rPr lang="en-US" altLang="zh-CN" b="1" dirty="0"/>
                         <a:t>i</a:t>
                       </a:r>
                       <a:endParaRPr lang="zh-CN" altLang="en-US" b="1" dirty="0"/>
@@ -5836,7 +6068,7 @@
                     <a:p>
                       <a:pPr algn="ctr"/>
                       <a:r>
-                        <a:rPr lang="en-US" altLang="zh-CN" b="1" dirty="0" smtClean="0"/>
+                        <a:rPr lang="en-US" altLang="zh-CN" b="1" dirty="0"/>
                         <a:t>0</a:t>
                       </a:r>
                       <a:endParaRPr lang="zh-CN" altLang="en-US" b="1" dirty="0"/>
@@ -5851,7 +6083,7 @@
                     <a:p>
                       <a:pPr algn="ctr"/>
                       <a:r>
-                        <a:rPr lang="en-US" altLang="zh-CN" b="1" dirty="0" smtClean="0"/>
+                        <a:rPr lang="en-US" altLang="zh-CN" b="1" dirty="0"/>
                         <a:t>1</a:t>
                       </a:r>
                       <a:endParaRPr lang="zh-CN" altLang="en-US" b="1" dirty="0"/>
@@ -5866,7 +6098,7 @@
                     <a:p>
                       <a:pPr algn="ctr"/>
                       <a:r>
-                        <a:rPr lang="en-US" altLang="zh-CN" b="1" dirty="0" smtClean="0"/>
+                        <a:rPr lang="en-US" altLang="zh-CN" b="1" dirty="0"/>
                         <a:t>2</a:t>
                       </a:r>
                       <a:endParaRPr lang="zh-CN" altLang="en-US" b="1" dirty="0"/>
@@ -5881,7 +6113,7 @@
                     <a:p>
                       <a:pPr algn="ctr"/>
                       <a:r>
-                        <a:rPr lang="en-US" altLang="zh-CN" b="1" dirty="0" smtClean="0"/>
+                        <a:rPr lang="en-US" altLang="zh-CN" b="1" dirty="0"/>
                         <a:t>3</a:t>
                       </a:r>
                       <a:endParaRPr lang="zh-CN" altLang="en-US" b="1" dirty="0"/>
@@ -5896,7 +6128,7 @@
                     <a:p>
                       <a:pPr algn="ctr"/>
                       <a:r>
-                        <a:rPr lang="en-US" altLang="zh-CN" b="1" dirty="0" smtClean="0"/>
+                        <a:rPr lang="en-US" altLang="zh-CN" b="1" dirty="0"/>
                         <a:t>4</a:t>
                       </a:r>
                       <a:endParaRPr lang="zh-CN" altLang="en-US" b="1" dirty="0"/>
@@ -5911,7 +6143,7 @@
                     <a:p>
                       <a:pPr algn="ctr"/>
                       <a:r>
-                        <a:rPr lang="en-US" altLang="zh-CN" b="1" dirty="0" smtClean="0"/>
+                        <a:rPr lang="en-US" altLang="zh-CN" b="1" dirty="0"/>
                         <a:t>5</a:t>
                       </a:r>
                       <a:endParaRPr lang="zh-CN" altLang="en-US" b="1" dirty="0"/>
@@ -5926,7 +6158,7 @@
                     <a:p>
                       <a:pPr algn="ctr"/>
                       <a:r>
-                        <a:rPr lang="en-US" altLang="zh-CN" b="1" dirty="0" smtClean="0"/>
+                        <a:rPr lang="en-US" altLang="zh-CN" b="1" dirty="0"/>
                         <a:t>6</a:t>
                       </a:r>
                       <a:endParaRPr lang="zh-CN" altLang="en-US" b="1" dirty="0"/>
@@ -5941,7 +6173,7 @@
                     <a:p>
                       <a:pPr algn="ctr"/>
                       <a:r>
-                        <a:rPr lang="en-US" altLang="zh-CN" b="1" dirty="0" smtClean="0"/>
+                        <a:rPr lang="en-US" altLang="zh-CN" b="1" dirty="0"/>
                         <a:t>7</a:t>
                       </a:r>
                       <a:endParaRPr lang="zh-CN" altLang="en-US" b="1" dirty="0"/>
@@ -5956,7 +6188,7 @@
                     <a:p>
                       <a:pPr algn="ctr"/>
                       <a:r>
-                        <a:rPr lang="en-US" altLang="zh-CN" b="1" dirty="0" smtClean="0"/>
+                        <a:rPr lang="en-US" altLang="zh-CN" b="1" dirty="0"/>
                         <a:t>8</a:t>
                       </a:r>
                       <a:endParaRPr lang="zh-CN" altLang="en-US" b="1" dirty="0"/>
@@ -5971,7 +6203,7 @@
                     <a:p>
                       <a:pPr algn="ctr"/>
                       <a:r>
-                        <a:rPr lang="en-US" altLang="zh-CN" b="1" dirty="0" smtClean="0"/>
+                        <a:rPr lang="en-US" altLang="zh-CN" b="1" dirty="0"/>
                         <a:t>9</a:t>
                       </a:r>
                       <a:endParaRPr lang="zh-CN" altLang="en-US" b="1" dirty="0"/>
@@ -5986,7 +6218,7 @@
                     <a:p>
                       <a:pPr algn="ctr"/>
                       <a:r>
-                        <a:rPr lang="en-US" altLang="zh-CN" b="1" dirty="0" smtClean="0"/>
+                        <a:rPr lang="en-US" altLang="zh-CN" b="1" dirty="0"/>
                         <a:t>10</a:t>
                       </a:r>
                       <a:endParaRPr lang="zh-CN" altLang="en-US" b="1" dirty="0"/>
@@ -6001,7 +6233,7 @@
                     <a:p>
                       <a:pPr algn="ctr"/>
                       <a:r>
-                        <a:rPr lang="en-US" altLang="zh-CN" b="1" dirty="0" smtClean="0"/>
+                        <a:rPr lang="en-US" altLang="zh-CN" b="1" dirty="0"/>
                         <a:t>11</a:t>
                       </a:r>
                       <a:endParaRPr lang="zh-CN" altLang="en-US" b="1" dirty="0"/>
@@ -6016,7 +6248,7 @@
                     <a:p>
                       <a:pPr algn="ctr"/>
                       <a:r>
-                        <a:rPr lang="en-US" altLang="zh-CN" b="1" dirty="0" smtClean="0"/>
+                        <a:rPr lang="en-US" altLang="zh-CN" b="1" dirty="0"/>
                         <a:t>12</a:t>
                       </a:r>
                       <a:endParaRPr lang="zh-CN" altLang="en-US" b="1" dirty="0"/>
@@ -6031,7 +6263,7 @@
                     <a:p>
                       <a:pPr algn="ctr"/>
                       <a:r>
-                        <a:rPr lang="en-US" altLang="zh-CN" b="1" dirty="0" smtClean="0"/>
+                        <a:rPr lang="en-US" altLang="zh-CN" b="1" dirty="0"/>
                         <a:t>13</a:t>
                       </a:r>
                       <a:endParaRPr lang="zh-CN" altLang="en-US" b="1" dirty="0"/>
@@ -6046,7 +6278,7 @@
                     <a:p>
                       <a:pPr algn="ctr"/>
                       <a:r>
-                        <a:rPr lang="en-US" altLang="zh-CN" b="1" dirty="0" smtClean="0"/>
+                        <a:rPr lang="en-US" altLang="zh-CN" b="1" dirty="0"/>
                         <a:t>14</a:t>
                       </a:r>
                       <a:endParaRPr lang="zh-CN" altLang="en-US" b="1" dirty="0"/>
@@ -6061,7 +6293,7 @@
                     <a:p>
                       <a:pPr algn="ctr"/>
                       <a:r>
-                        <a:rPr lang="en-US" altLang="zh-CN" b="1" dirty="0" smtClean="0"/>
+                        <a:rPr lang="en-US" altLang="zh-CN" b="1" dirty="0"/>
                         <a:t>15</a:t>
                       </a:r>
                       <a:endParaRPr lang="zh-CN" altLang="en-US" b="1" dirty="0"/>
@@ -6076,7 +6308,7 @@
                     <a:p>
                       <a:pPr algn="ctr"/>
                       <a:r>
-                        <a:rPr lang="en-US" altLang="zh-CN" b="1" dirty="0" smtClean="0"/>
+                        <a:rPr lang="en-US" altLang="zh-CN" b="1" dirty="0"/>
                         <a:t>16</a:t>
                       </a:r>
                       <a:endParaRPr lang="zh-CN" altLang="en-US" b="1" dirty="0"/>
@@ -6098,7 +6330,7 @@
                     <a:p>
                       <a:pPr algn="ctr"/>
                       <a:r>
-                        <a:rPr lang="en-US" altLang="zh-CN" b="1" dirty="0" smtClean="0"/>
+                        <a:rPr lang="en-US" altLang="zh-CN" b="1" dirty="0"/>
                         <a:t>T</a:t>
                       </a:r>
                       <a:endParaRPr lang="zh-CN" altLang="en-US" b="1" dirty="0"/>
@@ -6113,7 +6345,7 @@
                     <a:p>
                       <a:pPr algn="ctr"/>
                       <a:r>
-                        <a:rPr lang="en-US" altLang="zh-CN" b="1" dirty="0" smtClean="0"/>
+                        <a:rPr lang="en-US" altLang="zh-CN" b="1" dirty="0"/>
                         <a:t>#</a:t>
                       </a:r>
                       <a:endParaRPr lang="zh-CN" altLang="en-US" b="1" dirty="0"/>
@@ -6128,7 +6360,7 @@
                     <a:p>
                       <a:pPr algn="ctr"/>
                       <a:r>
-                        <a:rPr lang="en-US" altLang="zh-CN" b="1" dirty="0" smtClean="0"/>
+                        <a:rPr lang="en-US" altLang="zh-CN" b="1" dirty="0"/>
                         <a:t>c</a:t>
                       </a:r>
                       <a:endParaRPr lang="zh-CN" altLang="en-US" b="1" dirty="0"/>
@@ -6143,7 +6375,7 @@
                     <a:p>
                       <a:pPr algn="ctr"/>
                       <a:r>
-                        <a:rPr lang="en-US" altLang="zh-CN" b="1" dirty="0" smtClean="0"/>
+                        <a:rPr lang="en-US" altLang="zh-CN" b="1" dirty="0"/>
                         <a:t>#</a:t>
                       </a:r>
                       <a:endParaRPr lang="zh-CN" altLang="en-US" b="1" dirty="0"/>
@@ -6158,7 +6390,7 @@
                     <a:p>
                       <a:pPr algn="ctr"/>
                       <a:r>
-                        <a:rPr lang="en-US" altLang="zh-CN" b="1" dirty="0" smtClean="0"/>
+                        <a:rPr lang="en-US" altLang="zh-CN" b="1" dirty="0"/>
                         <a:t>b</a:t>
                       </a:r>
                       <a:endParaRPr lang="zh-CN" altLang="en-US" b="1" dirty="0"/>
@@ -6173,7 +6405,7 @@
                     <a:p>
                       <a:pPr algn="ctr"/>
                       <a:r>
-                        <a:rPr lang="en-US" altLang="zh-CN" b="1" dirty="0" smtClean="0"/>
+                        <a:rPr lang="en-US" altLang="zh-CN" b="1" dirty="0"/>
                         <a:t>#</a:t>
                       </a:r>
                       <a:endParaRPr lang="zh-CN" altLang="en-US" b="1" dirty="0"/>
@@ -6188,7 +6420,7 @@
                     <a:p>
                       <a:pPr algn="ctr"/>
                       <a:r>
-                        <a:rPr lang="en-US" altLang="zh-CN" b="1" dirty="0" smtClean="0"/>
+                        <a:rPr lang="en-US" altLang="zh-CN" b="1" dirty="0"/>
                         <a:t>b</a:t>
                       </a:r>
                       <a:endParaRPr lang="zh-CN" altLang="en-US" b="1" dirty="0"/>
@@ -6203,7 +6435,7 @@
                     <a:p>
                       <a:pPr algn="ctr"/>
                       <a:r>
-                        <a:rPr lang="en-US" altLang="zh-CN" b="1" dirty="0" smtClean="0"/>
+                        <a:rPr lang="en-US" altLang="zh-CN" b="1" dirty="0"/>
                         <a:t>#</a:t>
                       </a:r>
                       <a:endParaRPr lang="zh-CN" altLang="en-US" b="1" dirty="0"/>
@@ -6218,7 +6450,7 @@
                     <a:p>
                       <a:pPr algn="ctr"/>
                       <a:r>
-                        <a:rPr lang="en-US" altLang="zh-CN" b="1" dirty="0" smtClean="0"/>
+                        <a:rPr lang="en-US" altLang="zh-CN" b="1" dirty="0"/>
                         <a:t>c</a:t>
                       </a:r>
                       <a:endParaRPr lang="zh-CN" altLang="en-US" b="1" dirty="0"/>
@@ -6233,7 +6465,7 @@
                     <a:p>
                       <a:pPr algn="ctr"/>
                       <a:r>
-                        <a:rPr lang="en-US" altLang="zh-CN" b="1" dirty="0" smtClean="0"/>
+                        <a:rPr lang="en-US" altLang="zh-CN" b="1" dirty="0"/>
                         <a:t>#</a:t>
                       </a:r>
                       <a:endParaRPr lang="zh-CN" altLang="en-US" b="1" dirty="0"/>
@@ -6248,7 +6480,7 @@
                     <a:p>
                       <a:pPr algn="ctr"/>
                       <a:r>
-                        <a:rPr lang="en-US" altLang="zh-CN" b="1" dirty="0" smtClean="0"/>
+                        <a:rPr lang="en-US" altLang="zh-CN" b="1" dirty="0"/>
                         <a:t>d</a:t>
                       </a:r>
                       <a:endParaRPr lang="zh-CN" altLang="en-US" b="1" dirty="0"/>
@@ -6263,7 +6495,7 @@
                     <a:p>
                       <a:pPr algn="ctr"/>
                       <a:r>
-                        <a:rPr lang="en-US" altLang="zh-CN" b="1" dirty="0" smtClean="0"/>
+                        <a:rPr lang="en-US" altLang="zh-CN" b="1" dirty="0"/>
                         <a:t>#</a:t>
                       </a:r>
                       <a:endParaRPr lang="zh-CN" altLang="en-US" b="1" dirty="0"/>
@@ -6278,7 +6510,7 @@
                     <a:p>
                       <a:pPr algn="ctr"/>
                       <a:r>
-                        <a:rPr lang="en-US" altLang="zh-CN" b="1" dirty="0" smtClean="0"/>
+                        <a:rPr lang="en-US" altLang="zh-CN" b="1" dirty="0"/>
                         <a:t>a</a:t>
                       </a:r>
                       <a:endParaRPr lang="zh-CN" altLang="en-US" b="1" dirty="0"/>
@@ -6293,7 +6525,7 @@
                     <a:p>
                       <a:pPr algn="ctr"/>
                       <a:r>
-                        <a:rPr lang="en-US" altLang="zh-CN" b="1" dirty="0" smtClean="0"/>
+                        <a:rPr lang="en-US" altLang="zh-CN" b="1" dirty="0"/>
                         <a:t>#</a:t>
                       </a:r>
                       <a:endParaRPr lang="zh-CN" altLang="en-US" b="1" dirty="0"/>
@@ -6308,7 +6540,7 @@
                     <a:p>
                       <a:pPr algn="ctr"/>
                       <a:r>
-                        <a:rPr lang="en-US" altLang="zh-CN" b="1" dirty="0" smtClean="0"/>
+                        <a:rPr lang="en-US" altLang="zh-CN" b="1" dirty="0"/>
                         <a:t>b</a:t>
                       </a:r>
                       <a:endParaRPr lang="zh-CN" altLang="en-US" b="1" dirty="0"/>
@@ -6323,7 +6555,7 @@
                     <a:p>
                       <a:pPr algn="ctr"/>
                       <a:r>
-                        <a:rPr lang="en-US" altLang="zh-CN" b="1" dirty="0" smtClean="0"/>
+                        <a:rPr lang="en-US" altLang="zh-CN" b="1" dirty="0"/>
                         <a:t>#</a:t>
                       </a:r>
                       <a:endParaRPr lang="zh-CN" altLang="en-US" b="1" dirty="0"/>
@@ -6338,7 +6570,7 @@
                     <a:p>
                       <a:pPr algn="ctr"/>
                       <a:r>
-                        <a:rPr lang="en-US" altLang="zh-CN" b="1" dirty="0" smtClean="0"/>
+                        <a:rPr lang="en-US" altLang="zh-CN" b="1" dirty="0"/>
                         <a:t>a</a:t>
                       </a:r>
                       <a:endParaRPr lang="zh-CN" altLang="en-US" b="1" dirty="0"/>
@@ -6353,7 +6585,7 @@
                     <a:p>
                       <a:pPr algn="ctr"/>
                       <a:r>
-                        <a:rPr lang="en-US" altLang="zh-CN" b="1" dirty="0" smtClean="0"/>
+                        <a:rPr lang="en-US" altLang="zh-CN" b="1" dirty="0"/>
                         <a:t>#</a:t>
                       </a:r>
                       <a:endParaRPr lang="zh-CN" altLang="en-US" b="1" dirty="0"/>
@@ -6375,7 +6607,7 @@
                     <a:p>
                       <a:pPr algn="ctr"/>
                       <a:r>
-                        <a:rPr lang="en-US" altLang="zh-CN" b="1" dirty="0" smtClean="0"/>
+                        <a:rPr lang="en-US" altLang="zh-CN" b="1" dirty="0"/>
                         <a:t>P</a:t>
                       </a:r>
                       <a:endParaRPr lang="zh-CN" altLang="en-US" b="1" dirty="0"/>
@@ -6390,7 +6622,7 @@
                     <a:p>
                       <a:pPr algn="ctr"/>
                       <a:r>
-                        <a:rPr lang="en-US" altLang="zh-CN" b="1" dirty="0" smtClean="0"/>
+                        <a:rPr lang="en-US" altLang="zh-CN" b="1" dirty="0"/>
                         <a:t>1</a:t>
                       </a:r>
                       <a:endParaRPr lang="zh-CN" altLang="en-US" b="1" dirty="0"/>
@@ -6405,7 +6637,7 @@
                     <a:p>
                       <a:pPr algn="ctr"/>
                       <a:r>
-                        <a:rPr lang="en-US" altLang="zh-CN" b="1" dirty="0" smtClean="0"/>
+                        <a:rPr lang="en-US" altLang="zh-CN" b="1" dirty="0"/>
                         <a:t>2</a:t>
                       </a:r>
                       <a:endParaRPr lang="zh-CN" altLang="en-US" b="1" dirty="0"/>
@@ -6420,7 +6652,7 @@
                     <a:p>
                       <a:pPr algn="ctr"/>
                       <a:r>
-                        <a:rPr lang="en-US" altLang="zh-CN" b="1" dirty="0" smtClean="0"/>
+                        <a:rPr lang="en-US" altLang="zh-CN" b="1" dirty="0"/>
                         <a:t>1</a:t>
                       </a:r>
                       <a:endParaRPr lang="zh-CN" altLang="en-US" b="1" dirty="0"/>
@@ -6435,7 +6667,7 @@
                     <a:p>
                       <a:pPr algn="ctr"/>
                       <a:r>
-                        <a:rPr lang="en-US" altLang="zh-CN" b="1" dirty="0" smtClean="0"/>
+                        <a:rPr lang="en-US" altLang="zh-CN" b="1" dirty="0"/>
                         <a:t>2</a:t>
                       </a:r>
                       <a:endParaRPr lang="zh-CN" altLang="en-US" b="1" dirty="0"/>
@@ -6450,7 +6682,7 @@
                     <a:p>
                       <a:pPr algn="ctr"/>
                       <a:r>
-                        <a:rPr lang="en-US" altLang="zh-CN" b="1" dirty="0" smtClean="0"/>
+                        <a:rPr lang="en-US" altLang="zh-CN" b="1" dirty="0"/>
                         <a:t>5</a:t>
                       </a:r>
                       <a:endParaRPr lang="zh-CN" altLang="en-US" b="1" dirty="0"/>
@@ -6465,7 +6697,7 @@
                     <a:p>
                       <a:pPr algn="ctr"/>
                       <a:r>
-                        <a:rPr lang="en-US" altLang="zh-CN" b="1" dirty="0" smtClean="0"/>
+                        <a:rPr lang="en-US" altLang="zh-CN" b="1" dirty="0"/>
                         <a:t>2</a:t>
                       </a:r>
                       <a:endParaRPr lang="zh-CN" altLang="en-US" b="1" dirty="0"/>
@@ -6480,7 +6712,7 @@
                     <a:p>
                       <a:pPr algn="ctr"/>
                       <a:r>
-                        <a:rPr lang="en-US" altLang="zh-CN" b="1" dirty="0" smtClean="0"/>
+                        <a:rPr lang="en-US" altLang="zh-CN" b="1" dirty="0"/>
                         <a:t>1</a:t>
                       </a:r>
                       <a:endParaRPr lang="zh-CN" altLang="en-US" b="1" dirty="0"/>
@@ -6495,7 +6727,7 @@
                     <a:p>
                       <a:pPr algn="ctr"/>
                       <a:r>
-                        <a:rPr lang="en-US" altLang="zh-CN" b="1" dirty="0" smtClean="0"/>
+                        <a:rPr lang="en-US" altLang="zh-CN" b="1" dirty="0"/>
                         <a:t>2</a:t>
                       </a:r>
                       <a:endParaRPr lang="zh-CN" altLang="en-US" b="1" dirty="0"/>
@@ -6510,7 +6742,7 @@
                     <a:p>
                       <a:pPr algn="ctr"/>
                       <a:r>
-                        <a:rPr lang="en-US" altLang="zh-CN" b="1" dirty="0" smtClean="0"/>
+                        <a:rPr lang="en-US" altLang="zh-CN" b="1" dirty="0"/>
                         <a:t>1</a:t>
                       </a:r>
                       <a:endParaRPr lang="zh-CN" altLang="en-US" b="1" dirty="0"/>
@@ -6525,7 +6757,7 @@
                     <a:p>
                       <a:pPr algn="ctr"/>
                       <a:r>
-                        <a:rPr lang="en-US" altLang="zh-CN" b="1" dirty="0" smtClean="0"/>
+                        <a:rPr lang="en-US" altLang="zh-CN" b="1" dirty="0"/>
                         <a:t>2</a:t>
                       </a:r>
                       <a:endParaRPr lang="zh-CN" altLang="en-US" b="1" dirty="0"/>
@@ -6540,7 +6772,7 @@
                     <a:p>
                       <a:pPr algn="ctr"/>
                       <a:r>
-                        <a:rPr lang="en-US" altLang="zh-CN" b="1" dirty="0" smtClean="0"/>
+                        <a:rPr lang="en-US" altLang="zh-CN" b="1" dirty="0"/>
                         <a:t>1</a:t>
                       </a:r>
                       <a:endParaRPr lang="zh-CN" altLang="en-US" b="1" dirty="0"/>
@@ -6555,7 +6787,7 @@
                     <a:p>
                       <a:pPr algn="ctr"/>
                       <a:r>
-                        <a:rPr lang="en-US" altLang="zh-CN" b="1" dirty="0" smtClean="0"/>
+                        <a:rPr lang="en-US" altLang="zh-CN" b="1" dirty="0"/>
                         <a:t>2</a:t>
                       </a:r>
                       <a:endParaRPr lang="zh-CN" altLang="en-US" b="1" dirty="0"/>
@@ -6570,7 +6802,7 @@
                     <a:p>
                       <a:pPr algn="ctr"/>
                       <a:r>
-                        <a:rPr lang="en-US" altLang="zh-CN" b="1" dirty="0" smtClean="0"/>
+                        <a:rPr lang="en-US" altLang="zh-CN" b="1" dirty="0"/>
                         <a:t>1</a:t>
                       </a:r>
                       <a:endParaRPr lang="zh-CN" altLang="en-US" b="1" dirty="0"/>
@@ -6585,7 +6817,7 @@
                     <a:p>
                       <a:pPr algn="ctr"/>
                       <a:r>
-                        <a:rPr lang="en-US" altLang="zh-CN" b="1" dirty="0" smtClean="0"/>
+                        <a:rPr lang="en-US" altLang="zh-CN" b="1" dirty="0"/>
                         <a:t>4</a:t>
                       </a:r>
                       <a:endParaRPr lang="zh-CN" altLang="en-US" b="1" dirty="0"/>
@@ -6600,7 +6832,7 @@
                     <a:p>
                       <a:pPr algn="ctr"/>
                       <a:r>
-                        <a:rPr lang="en-US" altLang="zh-CN" b="1" dirty="0" smtClean="0"/>
+                        <a:rPr lang="en-US" altLang="zh-CN" b="1" dirty="0"/>
                         <a:t>1</a:t>
                       </a:r>
                       <a:endParaRPr lang="zh-CN" altLang="en-US" b="1" dirty="0"/>
@@ -6615,7 +6847,7 @@
                     <a:p>
                       <a:pPr algn="ctr"/>
                       <a:r>
-                        <a:rPr lang="en-US" altLang="zh-CN" b="1" dirty="0" smtClean="0"/>
+                        <a:rPr lang="en-US" altLang="zh-CN" b="1" dirty="0"/>
                         <a:t>2</a:t>
                       </a:r>
                       <a:endParaRPr lang="zh-CN" altLang="en-US" b="1" dirty="0"/>
@@ -6630,7 +6862,7 @@
                     <a:p>
                       <a:pPr algn="ctr"/>
                       <a:r>
-                        <a:rPr lang="en-US" altLang="zh-CN" b="1" dirty="0" smtClean="0"/>
+                        <a:rPr lang="en-US" altLang="zh-CN" b="1" dirty="0"/>
                         <a:t>1</a:t>
                       </a:r>
                       <a:endParaRPr lang="zh-CN" altLang="en-US" b="1" dirty="0"/>
@@ -6705,7 +6937,7 @@
           <a:lstStyle/>
           <a:p>
             <a:r>
-              <a:rPr lang="en-US" altLang="zh-CN" dirty="0" smtClean="0"/>
+              <a:rPr lang="en-US" altLang="zh-CN" dirty="0"/>
               <a:t>id</a:t>
             </a:r>
             <a:endParaRPr lang="zh-CN" altLang="en-US" dirty="0"/>
@@ -6735,18 +6967,17 @@
           <a:lstStyle/>
           <a:p>
             <a:r>
-              <a:rPr lang="zh-CN" altLang="en-US" dirty="0" smtClean="0"/>
+              <a:rPr lang="zh-CN" altLang="en-US" dirty="0"/>
               <a:t>“</a:t>
             </a:r>
             <a:r>
-              <a:rPr lang="en-US" altLang="zh-CN" dirty="0" smtClean="0"/>
+              <a:rPr lang="en-US" altLang="zh-CN" dirty="0"/>
               <a:t>cbbc</a:t>
             </a:r>
             <a:r>
-              <a:rPr lang="zh-CN" altLang="en-US" dirty="0" smtClean="0"/>
+              <a:rPr lang="zh-CN" altLang="en-US" dirty="0"/>
               <a:t>”</a:t>
             </a:r>
-            <a:endParaRPr lang="zh-CN" altLang="en-US" dirty="0"/>
           </a:p>
         </p:txBody>
       </p:sp>
@@ -6849,7 +7080,7 @@
           <a:lstStyle/>
           <a:p>
             <a:r>
-              <a:rPr lang="en-US" altLang="zh-CN" sz="1400" dirty="0" smtClean="0"/>
+              <a:rPr lang="en-US" altLang="zh-CN" sz="1400" dirty="0"/>
               <a:t>5</a:t>
             </a:r>
             <a:endParaRPr lang="zh-CN" altLang="en-US" sz="1400" dirty="0"/>
@@ -6879,7 +7110,7 @@
           <a:lstStyle/>
           <a:p>
             <a:r>
-              <a:rPr lang="en-US" altLang="zh-CN" sz="1400" dirty="0" smtClean="0"/>
+              <a:rPr lang="en-US" altLang="zh-CN" sz="1400" dirty="0"/>
               <a:t>5</a:t>
             </a:r>
             <a:endParaRPr lang="zh-CN" altLang="en-US" sz="1400" dirty="0"/>
@@ -6943,18 +7174,17 @@
           <a:lstStyle/>
           <a:p>
             <a:r>
-              <a:rPr lang="zh-CN" altLang="en-US" dirty="0" smtClean="0"/>
+              <a:rPr lang="zh-CN" altLang="en-US" dirty="0"/>
               <a:t>“</a:t>
             </a:r>
             <a:r>
-              <a:rPr lang="en-US" altLang="zh-CN" dirty="0" smtClean="0"/>
+              <a:rPr lang="en-US" altLang="zh-CN" dirty="0"/>
               <a:t>aba</a:t>
             </a:r>
             <a:r>
-              <a:rPr lang="zh-CN" altLang="en-US" dirty="0" smtClean="0"/>
+              <a:rPr lang="zh-CN" altLang="en-US" dirty="0"/>
               <a:t>”</a:t>
             </a:r>
-            <a:endParaRPr lang="zh-CN" altLang="en-US" dirty="0"/>
           </a:p>
         </p:txBody>
       </p:sp>
@@ -7057,7 +7287,7 @@
           <a:lstStyle/>
           <a:p>
             <a:r>
-              <a:rPr lang="en-US" altLang="zh-CN" dirty="0" smtClean="0"/>
+              <a:rPr lang="en-US" altLang="zh-CN" dirty="0"/>
               <a:t>id</a:t>
             </a:r>
             <a:endParaRPr lang="zh-CN" altLang="en-US" dirty="0"/>
@@ -7087,7 +7317,7 @@
           <a:lstStyle/>
           <a:p>
             <a:r>
-              <a:rPr lang="en-US" altLang="zh-CN" sz="1400" dirty="0" smtClean="0"/>
+              <a:rPr lang="en-US" altLang="zh-CN" sz="1400" dirty="0"/>
               <a:t>4</a:t>
             </a:r>
             <a:endParaRPr lang="zh-CN" altLang="en-US" sz="1400" dirty="0"/>
@@ -7117,7 +7347,7 @@
           <a:lstStyle/>
           <a:p>
             <a:r>
-              <a:rPr lang="en-US" altLang="zh-CN" sz="1400" dirty="0" smtClean="0"/>
+              <a:rPr lang="en-US" altLang="zh-CN" sz="1400" dirty="0"/>
               <a:t>4</a:t>
             </a:r>
             <a:endParaRPr lang="zh-CN" altLang="en-US" sz="1400" dirty="0"/>
@@ -7328,7 +7558,7 @@
                     <a:p>
                       <a:pPr algn="ctr"/>
                       <a:r>
-                        <a:rPr lang="en-US" altLang="zh-CN" b="1" dirty="0" smtClean="0"/>
+                        <a:rPr lang="en-US" altLang="zh-CN" b="1" dirty="0"/>
                         <a:t>i</a:t>
                       </a:r>
                       <a:endParaRPr lang="zh-CN" altLang="en-US" b="1" dirty="0"/>
@@ -7343,7 +7573,7 @@
                     <a:p>
                       <a:pPr algn="ctr"/>
                       <a:r>
-                        <a:rPr lang="en-US" altLang="zh-CN" b="1" dirty="0" smtClean="0"/>
+                        <a:rPr lang="en-US" altLang="zh-CN" b="1" dirty="0"/>
                         <a:t>0</a:t>
                       </a:r>
                       <a:endParaRPr lang="zh-CN" altLang="en-US" b="1" dirty="0"/>
@@ -7358,7 +7588,7 @@
                     <a:p>
                       <a:pPr algn="ctr"/>
                       <a:r>
-                        <a:rPr lang="en-US" altLang="zh-CN" b="1" dirty="0" smtClean="0"/>
+                        <a:rPr lang="en-US" altLang="zh-CN" b="1" dirty="0"/>
                         <a:t>1</a:t>
                       </a:r>
                       <a:endParaRPr lang="zh-CN" altLang="en-US" b="1" dirty="0"/>
@@ -7373,7 +7603,7 @@
                     <a:p>
                       <a:pPr algn="ctr"/>
                       <a:r>
-                        <a:rPr lang="en-US" altLang="zh-CN" b="1" dirty="0" smtClean="0"/>
+                        <a:rPr lang="en-US" altLang="zh-CN" b="1" dirty="0"/>
                         <a:t>2</a:t>
                       </a:r>
                       <a:endParaRPr lang="zh-CN" altLang="en-US" b="1" dirty="0"/>
@@ -7388,7 +7618,7 @@
                     <a:p>
                       <a:pPr algn="ctr"/>
                       <a:r>
-                        <a:rPr lang="en-US" altLang="zh-CN" b="1" dirty="0" smtClean="0"/>
+                        <a:rPr lang="en-US" altLang="zh-CN" b="1" dirty="0"/>
                         <a:t>3</a:t>
                       </a:r>
                       <a:endParaRPr lang="zh-CN" altLang="en-US" b="1" dirty="0"/>
@@ -7403,7 +7633,7 @@
                     <a:p>
                       <a:pPr algn="ctr"/>
                       <a:r>
-                        <a:rPr lang="en-US" altLang="zh-CN" b="1" dirty="0" smtClean="0"/>
+                        <a:rPr lang="en-US" altLang="zh-CN" b="1" dirty="0"/>
                         <a:t>4</a:t>
                       </a:r>
                       <a:endParaRPr lang="zh-CN" altLang="en-US" b="1" dirty="0"/>
@@ -7418,7 +7648,7 @@
                     <a:p>
                       <a:pPr algn="ctr"/>
                       <a:r>
-                        <a:rPr lang="en-US" altLang="zh-CN" b="1" dirty="0" smtClean="0"/>
+                        <a:rPr lang="en-US" altLang="zh-CN" b="1" dirty="0"/>
                         <a:t>5</a:t>
                       </a:r>
                       <a:endParaRPr lang="zh-CN" altLang="en-US" b="1" dirty="0"/>
@@ -7433,7 +7663,7 @@
                     <a:p>
                       <a:pPr algn="ctr"/>
                       <a:r>
-                        <a:rPr lang="en-US" altLang="zh-CN" b="1" dirty="0" smtClean="0"/>
+                        <a:rPr lang="en-US" altLang="zh-CN" b="1" dirty="0"/>
                         <a:t>6</a:t>
                       </a:r>
                       <a:endParaRPr lang="zh-CN" altLang="en-US" b="1" dirty="0"/>
@@ -7448,7 +7678,7 @@
                     <a:p>
                       <a:pPr algn="ctr"/>
                       <a:r>
-                        <a:rPr lang="en-US" altLang="zh-CN" b="1" dirty="0" smtClean="0"/>
+                        <a:rPr lang="en-US" altLang="zh-CN" b="1" dirty="0"/>
                         <a:t>7</a:t>
                       </a:r>
                       <a:endParaRPr lang="zh-CN" altLang="en-US" b="1" dirty="0"/>
@@ -7463,7 +7693,7 @@
                     <a:p>
                       <a:pPr algn="ctr"/>
                       <a:r>
-                        <a:rPr lang="en-US" altLang="zh-CN" b="1" dirty="0" smtClean="0"/>
+                        <a:rPr lang="en-US" altLang="zh-CN" b="1" dirty="0"/>
                         <a:t>8</a:t>
                       </a:r>
                       <a:endParaRPr lang="zh-CN" altLang="en-US" b="1" dirty="0"/>
@@ -7478,7 +7708,7 @@
                     <a:p>
                       <a:pPr algn="ctr"/>
                       <a:r>
-                        <a:rPr lang="en-US" altLang="zh-CN" b="1" dirty="0" smtClean="0"/>
+                        <a:rPr lang="en-US" altLang="zh-CN" b="1" dirty="0"/>
                         <a:t>9</a:t>
                       </a:r>
                       <a:endParaRPr lang="zh-CN" altLang="en-US" b="1" dirty="0"/>
@@ -7493,7 +7723,7 @@
                     <a:p>
                       <a:pPr algn="ctr"/>
                       <a:r>
-                        <a:rPr lang="en-US" altLang="zh-CN" b="1" dirty="0" smtClean="0"/>
+                        <a:rPr lang="en-US" altLang="zh-CN" b="1" dirty="0"/>
                         <a:t>10</a:t>
                       </a:r>
                       <a:endParaRPr lang="zh-CN" altLang="en-US" b="1" dirty="0"/>
@@ -7508,7 +7738,7 @@
                     <a:p>
                       <a:pPr algn="ctr"/>
                       <a:r>
-                        <a:rPr lang="en-US" altLang="zh-CN" b="1" dirty="0" smtClean="0"/>
+                        <a:rPr lang="en-US" altLang="zh-CN" b="1" dirty="0"/>
                         <a:t>11</a:t>
                       </a:r>
                       <a:endParaRPr lang="zh-CN" altLang="en-US" b="1" dirty="0"/>
@@ -7523,7 +7753,7 @@
                     <a:p>
                       <a:pPr algn="ctr"/>
                       <a:r>
-                        <a:rPr lang="en-US" altLang="zh-CN" b="1" dirty="0" smtClean="0"/>
+                        <a:rPr lang="en-US" altLang="zh-CN" b="1" dirty="0"/>
                         <a:t>12</a:t>
                       </a:r>
                       <a:endParaRPr lang="zh-CN" altLang="en-US" b="1" dirty="0"/>
@@ -7538,7 +7768,7 @@
                     <a:p>
                       <a:pPr algn="ctr"/>
                       <a:r>
-                        <a:rPr lang="en-US" altLang="zh-CN" b="1" dirty="0" smtClean="0"/>
+                        <a:rPr lang="en-US" altLang="zh-CN" b="1" dirty="0"/>
                         <a:t>13</a:t>
                       </a:r>
                       <a:endParaRPr lang="zh-CN" altLang="en-US" b="1" dirty="0"/>
@@ -7553,7 +7783,7 @@
                     <a:p>
                       <a:pPr algn="ctr"/>
                       <a:r>
-                        <a:rPr lang="en-US" altLang="zh-CN" b="1" dirty="0" smtClean="0"/>
+                        <a:rPr lang="en-US" altLang="zh-CN" b="1" dirty="0"/>
                         <a:t>14</a:t>
                       </a:r>
                       <a:endParaRPr lang="zh-CN" altLang="en-US" b="1" dirty="0"/>
@@ -7568,7 +7798,7 @@
                     <a:p>
                       <a:pPr algn="ctr"/>
                       <a:r>
-                        <a:rPr lang="en-US" altLang="zh-CN" b="1" dirty="0" smtClean="0"/>
+                        <a:rPr lang="en-US" altLang="zh-CN" b="1" dirty="0"/>
                         <a:t>15</a:t>
                       </a:r>
                       <a:endParaRPr lang="zh-CN" altLang="en-US" b="1" dirty="0"/>
@@ -7583,7 +7813,7 @@
                     <a:p>
                       <a:pPr algn="ctr"/>
                       <a:r>
-                        <a:rPr lang="en-US" altLang="zh-CN" b="1" dirty="0" smtClean="0"/>
+                        <a:rPr lang="en-US" altLang="zh-CN" b="1" dirty="0"/>
                         <a:t>16</a:t>
                       </a:r>
                       <a:endParaRPr lang="zh-CN" altLang="en-US" b="1" dirty="0"/>
@@ -7598,7 +7828,7 @@
                     <a:p>
                       <a:pPr algn="ctr"/>
                       <a:r>
-                        <a:rPr lang="en-US" altLang="zh-CN" b="1" dirty="0" smtClean="0"/>
+                        <a:rPr lang="en-US" altLang="zh-CN" b="1" dirty="0"/>
                         <a:t>17</a:t>
                       </a:r>
                       <a:endParaRPr lang="zh-CN" altLang="en-US" b="1" dirty="0"/>
@@ -7613,7 +7843,7 @@
                     <a:p>
                       <a:pPr algn="ctr"/>
                       <a:r>
-                        <a:rPr lang="en-US" altLang="zh-CN" b="1" dirty="0" smtClean="0"/>
+                        <a:rPr lang="en-US" altLang="zh-CN" b="1" dirty="0"/>
                         <a:t>18</a:t>
                       </a:r>
                       <a:endParaRPr lang="zh-CN" altLang="en-US" b="1" dirty="0"/>
@@ -7635,7 +7865,7 @@
                     <a:p>
                       <a:pPr algn="ctr"/>
                       <a:r>
-                        <a:rPr lang="en-US" altLang="zh-CN" b="1" dirty="0" smtClean="0"/>
+                        <a:rPr lang="en-US" altLang="zh-CN" b="1" dirty="0"/>
                         <a:t>T</a:t>
                       </a:r>
                       <a:endParaRPr lang="zh-CN" altLang="en-US" b="1" dirty="0"/>
@@ -7650,7 +7880,7 @@
                     <a:p>
                       <a:pPr algn="ctr"/>
                       <a:r>
-                        <a:rPr lang="en-US" altLang="zh-CN" b="1" dirty="0" smtClean="0"/>
+                        <a:rPr lang="en-US" altLang="zh-CN" b="1" dirty="0"/>
                         <a:t>^</a:t>
                       </a:r>
                       <a:endParaRPr lang="zh-CN" altLang="en-US" b="1" dirty="0"/>
@@ -7665,7 +7895,7 @@
                     <a:p>
                       <a:pPr algn="ctr"/>
                       <a:r>
-                        <a:rPr lang="en-US" altLang="zh-CN" b="1" dirty="0" smtClean="0"/>
+                        <a:rPr lang="en-US" altLang="zh-CN" b="1" dirty="0"/>
                         <a:t>#</a:t>
                       </a:r>
                       <a:endParaRPr lang="zh-CN" altLang="en-US" b="1" dirty="0"/>
@@ -7680,7 +7910,7 @@
                     <a:p>
                       <a:pPr algn="ctr"/>
                       <a:r>
-                        <a:rPr lang="en-US" altLang="zh-CN" b="1" dirty="0" smtClean="0"/>
+                        <a:rPr lang="en-US" altLang="zh-CN" b="1" dirty="0"/>
                         <a:t>c</a:t>
                       </a:r>
                       <a:endParaRPr lang="zh-CN" altLang="en-US" b="1" dirty="0"/>
@@ -7695,7 +7925,7 @@
                     <a:p>
                       <a:pPr algn="ctr"/>
                       <a:r>
-                        <a:rPr lang="en-US" altLang="zh-CN" b="1" dirty="0" smtClean="0"/>
+                        <a:rPr lang="en-US" altLang="zh-CN" b="1" dirty="0"/>
                         <a:t>#</a:t>
                       </a:r>
                       <a:endParaRPr lang="zh-CN" altLang="en-US" b="1" dirty="0"/>
@@ -7710,7 +7940,7 @@
                     <a:p>
                       <a:pPr algn="ctr"/>
                       <a:r>
-                        <a:rPr lang="en-US" altLang="zh-CN" b="1" dirty="0" smtClean="0"/>
+                        <a:rPr lang="en-US" altLang="zh-CN" b="1" dirty="0"/>
                         <a:t>b</a:t>
                       </a:r>
                       <a:endParaRPr lang="zh-CN" altLang="en-US" b="1" dirty="0"/>
@@ -7725,7 +7955,7 @@
                     <a:p>
                       <a:pPr algn="ctr"/>
                       <a:r>
-                        <a:rPr lang="en-US" altLang="zh-CN" b="1" dirty="0" smtClean="0"/>
+                        <a:rPr lang="en-US" altLang="zh-CN" b="1" dirty="0"/>
                         <a:t>#</a:t>
                       </a:r>
                       <a:endParaRPr lang="zh-CN" altLang="en-US" b="1" dirty="0"/>
@@ -7740,7 +7970,7 @@
                     <a:p>
                       <a:pPr algn="ctr"/>
                       <a:r>
-                        <a:rPr lang="en-US" altLang="zh-CN" b="1" dirty="0" smtClean="0"/>
+                        <a:rPr lang="en-US" altLang="zh-CN" b="1" dirty="0"/>
                         <a:t>b</a:t>
                       </a:r>
                       <a:endParaRPr lang="zh-CN" altLang="en-US" b="1" dirty="0"/>
@@ -7755,7 +7985,7 @@
                     <a:p>
                       <a:pPr algn="ctr"/>
                       <a:r>
-                        <a:rPr lang="en-US" altLang="zh-CN" b="1" dirty="0" smtClean="0"/>
+                        <a:rPr lang="en-US" altLang="zh-CN" b="1" dirty="0"/>
                         <a:t>#</a:t>
                       </a:r>
                       <a:endParaRPr lang="zh-CN" altLang="en-US" b="1" dirty="0"/>
@@ -7770,7 +8000,7 @@
                     <a:p>
                       <a:pPr algn="ctr"/>
                       <a:r>
-                        <a:rPr lang="en-US" altLang="zh-CN" b="1" dirty="0" smtClean="0"/>
+                        <a:rPr lang="en-US" altLang="zh-CN" b="1" dirty="0"/>
                         <a:t>c</a:t>
                       </a:r>
                       <a:endParaRPr lang="zh-CN" altLang="en-US" b="1" dirty="0"/>
@@ -7785,7 +8015,7 @@
                     <a:p>
                       <a:pPr algn="ctr"/>
                       <a:r>
-                        <a:rPr lang="en-US" altLang="zh-CN" b="1" dirty="0" smtClean="0"/>
+                        <a:rPr lang="en-US" altLang="zh-CN" b="1" dirty="0"/>
                         <a:t>#</a:t>
                       </a:r>
                       <a:endParaRPr lang="zh-CN" altLang="en-US" b="1" dirty="0"/>
@@ -7800,7 +8030,7 @@
                     <a:p>
                       <a:pPr algn="ctr"/>
                       <a:r>
-                        <a:rPr lang="en-US" altLang="zh-CN" b="1" dirty="0" smtClean="0"/>
+                        <a:rPr lang="en-US" altLang="zh-CN" b="1" dirty="0"/>
                         <a:t>d</a:t>
                       </a:r>
                       <a:endParaRPr lang="zh-CN" altLang="en-US" b="1" dirty="0"/>
@@ -7815,7 +8045,7 @@
                     <a:p>
                       <a:pPr algn="ctr"/>
                       <a:r>
-                        <a:rPr lang="en-US" altLang="zh-CN" b="1" dirty="0" smtClean="0"/>
+                        <a:rPr lang="en-US" altLang="zh-CN" b="1" dirty="0"/>
                         <a:t>#</a:t>
                       </a:r>
                       <a:endParaRPr lang="zh-CN" altLang="en-US" b="1" dirty="0"/>
@@ -7830,7 +8060,7 @@
                     <a:p>
                       <a:pPr algn="ctr"/>
                       <a:r>
-                        <a:rPr lang="en-US" altLang="zh-CN" b="1" dirty="0" smtClean="0"/>
+                        <a:rPr lang="en-US" altLang="zh-CN" b="1" dirty="0"/>
                         <a:t>a</a:t>
                       </a:r>
                       <a:endParaRPr lang="zh-CN" altLang="en-US" b="1" dirty="0"/>
@@ -7845,7 +8075,7 @@
                     <a:p>
                       <a:pPr algn="ctr"/>
                       <a:r>
-                        <a:rPr lang="en-US" altLang="zh-CN" b="1" dirty="0" smtClean="0"/>
+                        <a:rPr lang="en-US" altLang="zh-CN" b="1" dirty="0"/>
                         <a:t>#</a:t>
                       </a:r>
                       <a:endParaRPr lang="zh-CN" altLang="en-US" b="1" dirty="0"/>
@@ -7860,7 +8090,7 @@
                     <a:p>
                       <a:pPr algn="ctr"/>
                       <a:r>
-                        <a:rPr lang="en-US" altLang="zh-CN" b="1" dirty="0" smtClean="0"/>
+                        <a:rPr lang="en-US" altLang="zh-CN" b="1" dirty="0"/>
                         <a:t>b</a:t>
                       </a:r>
                       <a:endParaRPr lang="zh-CN" altLang="en-US" b="1" dirty="0"/>
@@ -7875,7 +8105,7 @@
                     <a:p>
                       <a:pPr algn="ctr"/>
                       <a:r>
-                        <a:rPr lang="en-US" altLang="zh-CN" b="1" dirty="0" smtClean="0"/>
+                        <a:rPr lang="en-US" altLang="zh-CN" b="1" dirty="0"/>
                         <a:t>#</a:t>
                       </a:r>
                       <a:endParaRPr lang="zh-CN" altLang="en-US" b="1" dirty="0"/>
@@ -7890,7 +8120,7 @@
                     <a:p>
                       <a:pPr algn="ctr"/>
                       <a:r>
-                        <a:rPr lang="en-US" altLang="zh-CN" b="1" dirty="0" smtClean="0"/>
+                        <a:rPr lang="en-US" altLang="zh-CN" b="1" dirty="0"/>
                         <a:t>a</a:t>
                       </a:r>
                       <a:endParaRPr lang="zh-CN" altLang="en-US" b="1" dirty="0"/>
@@ -7905,7 +8135,7 @@
                     <a:p>
                       <a:pPr algn="ctr"/>
                       <a:r>
-                        <a:rPr lang="en-US" altLang="zh-CN" b="1" dirty="0" smtClean="0"/>
+                        <a:rPr lang="en-US" altLang="zh-CN" b="1" dirty="0"/>
                         <a:t>#</a:t>
                       </a:r>
                       <a:endParaRPr lang="zh-CN" altLang="en-US" b="1" dirty="0"/>
@@ -7920,7 +8150,7 @@
                     <a:p>
                       <a:pPr algn="ctr"/>
                       <a:r>
-                        <a:rPr lang="en-US" altLang="zh-CN" b="1" dirty="0" smtClean="0"/>
+                        <a:rPr lang="en-US" altLang="zh-CN" b="1" dirty="0"/>
                         <a:t>$</a:t>
                       </a:r>
                       <a:endParaRPr lang="zh-CN" altLang="en-US" b="1" dirty="0"/>
@@ -7942,7 +8172,7 @@
                     <a:p>
                       <a:pPr algn="ctr"/>
                       <a:r>
-                        <a:rPr lang="en-US" altLang="zh-CN" b="1" dirty="0" smtClean="0"/>
+                        <a:rPr lang="en-US" altLang="zh-CN" b="1" dirty="0"/>
                         <a:t>P</a:t>
                       </a:r>
                       <a:endParaRPr lang="zh-CN" altLang="en-US" b="1" dirty="0"/>
@@ -7968,7 +8198,7 @@
                     <a:p>
                       <a:pPr algn="ctr"/>
                       <a:r>
-                        <a:rPr lang="en-US" altLang="zh-CN" b="1" dirty="0" smtClean="0"/>
+                        <a:rPr lang="en-US" altLang="zh-CN" b="1" dirty="0"/>
                         <a:t>1</a:t>
                       </a:r>
                       <a:endParaRPr lang="zh-CN" altLang="en-US" b="1" dirty="0"/>
@@ -7983,7 +8213,7 @@
                     <a:p>
                       <a:pPr algn="ctr"/>
                       <a:r>
-                        <a:rPr lang="en-US" altLang="zh-CN" b="1" dirty="0" smtClean="0"/>
+                        <a:rPr lang="en-US" altLang="zh-CN" b="1" dirty="0"/>
                         <a:t>2</a:t>
                       </a:r>
                       <a:endParaRPr lang="zh-CN" altLang="en-US" b="1" dirty="0"/>
@@ -7998,7 +8228,7 @@
                     <a:p>
                       <a:pPr algn="ctr"/>
                       <a:r>
-                        <a:rPr lang="en-US" altLang="zh-CN" b="1" dirty="0" smtClean="0"/>
+                        <a:rPr lang="en-US" altLang="zh-CN" b="1" dirty="0"/>
                         <a:t>1</a:t>
                       </a:r>
                       <a:endParaRPr lang="zh-CN" altLang="en-US" b="1" dirty="0"/>
@@ -8013,7 +8243,7 @@
                     <a:p>
                       <a:pPr algn="ctr"/>
                       <a:r>
-                        <a:rPr lang="en-US" altLang="zh-CN" b="1" dirty="0" smtClean="0"/>
+                        <a:rPr lang="en-US" altLang="zh-CN" b="1" dirty="0"/>
                         <a:t>2</a:t>
                       </a:r>
                       <a:endParaRPr lang="zh-CN" altLang="en-US" b="1" dirty="0"/>
@@ -8028,7 +8258,7 @@
                     <a:p>
                       <a:pPr algn="ctr"/>
                       <a:r>
-                        <a:rPr lang="en-US" altLang="zh-CN" b="1" dirty="0" smtClean="0"/>
+                        <a:rPr lang="en-US" altLang="zh-CN" b="1" dirty="0"/>
                         <a:t>5</a:t>
                       </a:r>
                       <a:endParaRPr lang="zh-CN" altLang="en-US" b="1" dirty="0"/>
@@ -8043,7 +8273,7 @@
                     <a:p>
                       <a:pPr algn="ctr"/>
                       <a:r>
-                        <a:rPr lang="en-US" altLang="zh-CN" b="1" dirty="0" smtClean="0"/>
+                        <a:rPr lang="en-US" altLang="zh-CN" b="1" dirty="0"/>
                         <a:t>2</a:t>
                       </a:r>
                       <a:endParaRPr lang="zh-CN" altLang="en-US" b="1" dirty="0"/>
@@ -8058,7 +8288,7 @@
                     <a:p>
                       <a:pPr algn="ctr"/>
                       <a:r>
-                        <a:rPr lang="en-US" altLang="zh-CN" b="1" dirty="0" smtClean="0"/>
+                        <a:rPr lang="en-US" altLang="zh-CN" b="1" dirty="0"/>
                         <a:t>1</a:t>
                       </a:r>
                       <a:endParaRPr lang="zh-CN" altLang="en-US" b="1" dirty="0"/>
@@ -8073,7 +8303,7 @@
                     <a:p>
                       <a:pPr algn="ctr"/>
                       <a:r>
-                        <a:rPr lang="en-US" altLang="zh-CN" b="1" dirty="0" smtClean="0"/>
+                        <a:rPr lang="en-US" altLang="zh-CN" b="1" dirty="0"/>
                         <a:t>2</a:t>
                       </a:r>
                       <a:endParaRPr lang="zh-CN" altLang="en-US" b="1" dirty="0"/>
@@ -8088,7 +8318,7 @@
                     <a:p>
                       <a:pPr algn="ctr"/>
                       <a:r>
-                        <a:rPr lang="en-US" altLang="zh-CN" b="1" dirty="0" smtClean="0"/>
+                        <a:rPr lang="en-US" altLang="zh-CN" b="1" dirty="0"/>
                         <a:t>1</a:t>
                       </a:r>
                       <a:endParaRPr lang="zh-CN" altLang="en-US" b="1" dirty="0"/>
@@ -8103,7 +8333,7 @@
                     <a:p>
                       <a:pPr algn="ctr"/>
                       <a:r>
-                        <a:rPr lang="en-US" altLang="zh-CN" b="1" dirty="0" smtClean="0"/>
+                        <a:rPr lang="en-US" altLang="zh-CN" b="1" dirty="0"/>
                         <a:t>2</a:t>
                       </a:r>
                       <a:endParaRPr lang="zh-CN" altLang="en-US" b="1" dirty="0"/>
@@ -8118,7 +8348,7 @@
                     <a:p>
                       <a:pPr algn="ctr"/>
                       <a:r>
-                        <a:rPr lang="en-US" altLang="zh-CN" b="1" dirty="0" smtClean="0"/>
+                        <a:rPr lang="en-US" altLang="zh-CN" b="1" dirty="0"/>
                         <a:t>1</a:t>
                       </a:r>
                       <a:endParaRPr lang="zh-CN" altLang="en-US" b="1" dirty="0"/>
@@ -8133,7 +8363,7 @@
                     <a:p>
                       <a:pPr algn="ctr"/>
                       <a:r>
-                        <a:rPr lang="en-US" altLang="zh-CN" b="1" dirty="0" smtClean="0"/>
+                        <a:rPr lang="en-US" altLang="zh-CN" b="1" dirty="0"/>
                         <a:t>2</a:t>
                       </a:r>
                       <a:endParaRPr lang="zh-CN" altLang="en-US" b="1" dirty="0"/>
@@ -8148,7 +8378,7 @@
                     <a:p>
                       <a:pPr algn="ctr"/>
                       <a:r>
-                        <a:rPr lang="en-US" altLang="zh-CN" b="1" dirty="0" smtClean="0"/>
+                        <a:rPr lang="en-US" altLang="zh-CN" b="1" dirty="0"/>
                         <a:t>1</a:t>
                       </a:r>
                       <a:endParaRPr lang="zh-CN" altLang="en-US" b="1" dirty="0"/>
@@ -8163,7 +8393,7 @@
                     <a:p>
                       <a:pPr algn="ctr"/>
                       <a:r>
-                        <a:rPr lang="en-US" altLang="zh-CN" b="1" dirty="0" smtClean="0"/>
+                        <a:rPr lang="en-US" altLang="zh-CN" b="1" dirty="0"/>
                         <a:t>4</a:t>
                       </a:r>
                       <a:endParaRPr lang="zh-CN" altLang="en-US" b="1" dirty="0"/>
@@ -8178,7 +8408,7 @@
                     <a:p>
                       <a:pPr algn="ctr"/>
                       <a:r>
-                        <a:rPr lang="en-US" altLang="zh-CN" b="1" dirty="0" smtClean="0"/>
+                        <a:rPr lang="en-US" altLang="zh-CN" b="1" dirty="0"/>
                         <a:t>1</a:t>
                       </a:r>
                       <a:endParaRPr lang="zh-CN" altLang="en-US" b="1" dirty="0"/>
@@ -8193,7 +8423,7 @@
                     <a:p>
                       <a:pPr algn="ctr"/>
                       <a:r>
-                        <a:rPr lang="en-US" altLang="zh-CN" b="1" dirty="0" smtClean="0"/>
+                        <a:rPr lang="en-US" altLang="zh-CN" b="1" dirty="0"/>
                         <a:t>2</a:t>
                       </a:r>
                       <a:endParaRPr lang="zh-CN" altLang="en-US" b="1" dirty="0"/>
@@ -8208,7 +8438,7 @@
                     <a:p>
                       <a:pPr algn="ctr"/>
                       <a:r>
-                        <a:rPr lang="en-US" altLang="zh-CN" b="1" dirty="0" smtClean="0"/>
+                        <a:rPr lang="en-US" altLang="zh-CN" b="1" dirty="0"/>
                         <a:t>1</a:t>
                       </a:r>
                       <a:endParaRPr lang="zh-CN" altLang="en-US" b="1" dirty="0"/>
@@ -8294,7 +8524,7 @@
           <a:lstStyle/>
           <a:p>
             <a:r>
-              <a:rPr lang="en-US" altLang="zh-CN" dirty="0" smtClean="0"/>
+              <a:rPr lang="en-US" altLang="zh-CN" dirty="0"/>
               <a:t>id</a:t>
             </a:r>
             <a:endParaRPr lang="zh-CN" altLang="en-US" dirty="0"/>
@@ -8324,18 +8554,17 @@
           <a:lstStyle/>
           <a:p>
             <a:r>
-              <a:rPr lang="zh-CN" altLang="en-US" dirty="0" smtClean="0"/>
+              <a:rPr lang="zh-CN" altLang="en-US" dirty="0"/>
               <a:t>“</a:t>
             </a:r>
             <a:r>
-              <a:rPr lang="en-US" altLang="zh-CN" dirty="0" smtClean="0"/>
+              <a:rPr lang="en-US" altLang="zh-CN" dirty="0"/>
               <a:t>cbbc</a:t>
             </a:r>
             <a:r>
-              <a:rPr lang="zh-CN" altLang="en-US" dirty="0" smtClean="0"/>
+              <a:rPr lang="zh-CN" altLang="en-US" dirty="0"/>
               <a:t>”</a:t>
             </a:r>
-            <a:endParaRPr lang="zh-CN" altLang="en-US" dirty="0"/>
           </a:p>
         </p:txBody>
       </p:sp>
@@ -8438,7 +8667,7 @@
           <a:lstStyle/>
           <a:p>
             <a:r>
-              <a:rPr lang="en-US" altLang="zh-CN" sz="1400" dirty="0" smtClean="0"/>
+              <a:rPr lang="en-US" altLang="zh-CN" sz="1400" dirty="0"/>
               <a:t>5</a:t>
             </a:r>
             <a:endParaRPr lang="zh-CN" altLang="en-US" sz="1400" dirty="0"/>
@@ -8468,7 +8697,7 @@
           <a:lstStyle/>
           <a:p>
             <a:r>
-              <a:rPr lang="en-US" altLang="zh-CN" sz="1400" dirty="0" smtClean="0"/>
+              <a:rPr lang="en-US" altLang="zh-CN" sz="1400" dirty="0"/>
               <a:t>5</a:t>
             </a:r>
             <a:endParaRPr lang="zh-CN" altLang="en-US" sz="1400" dirty="0"/>
@@ -8532,18 +8761,17 @@
           <a:lstStyle/>
           <a:p>
             <a:r>
-              <a:rPr lang="zh-CN" altLang="en-US" dirty="0" smtClean="0"/>
+              <a:rPr lang="zh-CN" altLang="en-US" dirty="0"/>
               <a:t>“</a:t>
             </a:r>
             <a:r>
-              <a:rPr lang="en-US" altLang="zh-CN" dirty="0" smtClean="0"/>
+              <a:rPr lang="en-US" altLang="zh-CN" dirty="0"/>
               <a:t>aba</a:t>
             </a:r>
             <a:r>
-              <a:rPr lang="zh-CN" altLang="en-US" dirty="0" smtClean="0"/>
+              <a:rPr lang="zh-CN" altLang="en-US" dirty="0"/>
               <a:t>”</a:t>
             </a:r>
-            <a:endParaRPr lang="zh-CN" altLang="en-US" dirty="0"/>
           </a:p>
         </p:txBody>
       </p:sp>
@@ -8646,7 +8874,7 @@
           <a:lstStyle/>
           <a:p>
             <a:r>
-              <a:rPr lang="en-US" altLang="zh-CN" dirty="0" smtClean="0"/>
+              <a:rPr lang="en-US" altLang="zh-CN" dirty="0"/>
               <a:t>id</a:t>
             </a:r>
             <a:endParaRPr lang="zh-CN" altLang="en-US" dirty="0"/>
@@ -8676,7 +8904,7 @@
           <a:lstStyle/>
           <a:p>
             <a:r>
-              <a:rPr lang="en-US" altLang="zh-CN" sz="1400" dirty="0" smtClean="0"/>
+              <a:rPr lang="en-US" altLang="zh-CN" sz="1400" dirty="0"/>
               <a:t>4</a:t>
             </a:r>
             <a:endParaRPr lang="zh-CN" altLang="en-US" sz="1400" dirty="0"/>
@@ -8706,7 +8934,7 @@
           <a:lstStyle/>
           <a:p>
             <a:r>
-              <a:rPr lang="en-US" altLang="zh-CN" sz="1400" dirty="0" smtClean="0"/>
+              <a:rPr lang="en-US" altLang="zh-CN" sz="1400" dirty="0"/>
               <a:t>4</a:t>
             </a:r>
             <a:endParaRPr lang="zh-CN" altLang="en-US" sz="1400" dirty="0"/>
@@ -8917,7 +9145,7 @@
                     <a:p>
                       <a:pPr algn="ctr"/>
                       <a:r>
-                        <a:rPr lang="en-US" altLang="zh-CN" b="1" dirty="0" smtClean="0"/>
+                        <a:rPr lang="en-US" altLang="zh-CN" b="1" dirty="0"/>
                         <a:t>i</a:t>
                       </a:r>
                       <a:endParaRPr lang="zh-CN" altLang="en-US" b="1" dirty="0"/>
@@ -8932,7 +9160,7 @@
                     <a:p>
                       <a:pPr algn="ctr"/>
                       <a:r>
-                        <a:rPr lang="en-US" altLang="zh-CN" b="1" dirty="0" smtClean="0"/>
+                        <a:rPr lang="en-US" altLang="zh-CN" b="1" dirty="0"/>
                         <a:t>0</a:t>
                       </a:r>
                       <a:endParaRPr lang="zh-CN" altLang="en-US" b="1" dirty="0"/>
@@ -8947,7 +9175,7 @@
                     <a:p>
                       <a:pPr algn="ctr"/>
                       <a:r>
-                        <a:rPr lang="en-US" altLang="zh-CN" b="1" dirty="0" smtClean="0"/>
+                        <a:rPr lang="en-US" altLang="zh-CN" b="1" dirty="0"/>
                         <a:t>1</a:t>
                       </a:r>
                       <a:endParaRPr lang="zh-CN" altLang="en-US" b="1" dirty="0"/>
@@ -8962,7 +9190,7 @@
                     <a:p>
                       <a:pPr algn="ctr"/>
                       <a:r>
-                        <a:rPr lang="en-US" altLang="zh-CN" b="1" dirty="0" smtClean="0"/>
+                        <a:rPr lang="en-US" altLang="zh-CN" b="1" dirty="0"/>
                         <a:t>2</a:t>
                       </a:r>
                       <a:endParaRPr lang="zh-CN" altLang="en-US" b="1" dirty="0"/>
@@ -8977,7 +9205,7 @@
                     <a:p>
                       <a:pPr algn="ctr"/>
                       <a:r>
-                        <a:rPr lang="en-US" altLang="zh-CN" b="1" dirty="0" smtClean="0"/>
+                        <a:rPr lang="en-US" altLang="zh-CN" b="1" dirty="0"/>
                         <a:t>3</a:t>
                       </a:r>
                       <a:endParaRPr lang="zh-CN" altLang="en-US" b="1" dirty="0"/>
@@ -8992,7 +9220,7 @@
                     <a:p>
                       <a:pPr algn="ctr"/>
                       <a:r>
-                        <a:rPr lang="en-US" altLang="zh-CN" b="1" dirty="0" smtClean="0"/>
+                        <a:rPr lang="en-US" altLang="zh-CN" b="1" dirty="0"/>
                         <a:t>4</a:t>
                       </a:r>
                       <a:endParaRPr lang="zh-CN" altLang="en-US" b="1" dirty="0"/>
@@ -9007,7 +9235,7 @@
                     <a:p>
                       <a:pPr algn="ctr"/>
                       <a:r>
-                        <a:rPr lang="en-US" altLang="zh-CN" b="1" dirty="0" smtClean="0"/>
+                        <a:rPr lang="en-US" altLang="zh-CN" b="1" dirty="0"/>
                         <a:t>5</a:t>
                       </a:r>
                       <a:endParaRPr lang="zh-CN" altLang="en-US" b="1" dirty="0"/>
@@ -9022,7 +9250,7 @@
                     <a:p>
                       <a:pPr algn="ctr"/>
                       <a:r>
-                        <a:rPr lang="en-US" altLang="zh-CN" b="1" dirty="0" smtClean="0"/>
+                        <a:rPr lang="en-US" altLang="zh-CN" b="1" dirty="0"/>
                         <a:t>6</a:t>
                       </a:r>
                       <a:endParaRPr lang="zh-CN" altLang="en-US" b="1" dirty="0"/>
@@ -9037,7 +9265,7 @@
                     <a:p>
                       <a:pPr algn="ctr"/>
                       <a:r>
-                        <a:rPr lang="en-US" altLang="zh-CN" b="1" dirty="0" smtClean="0"/>
+                        <a:rPr lang="en-US" altLang="zh-CN" b="1" dirty="0"/>
                         <a:t>7</a:t>
                       </a:r>
                       <a:endParaRPr lang="zh-CN" altLang="en-US" b="1" dirty="0"/>
@@ -9052,7 +9280,7 @@
                     <a:p>
                       <a:pPr algn="ctr"/>
                       <a:r>
-                        <a:rPr lang="en-US" altLang="zh-CN" b="1" dirty="0" smtClean="0"/>
+                        <a:rPr lang="en-US" altLang="zh-CN" b="1" dirty="0"/>
                         <a:t>8</a:t>
                       </a:r>
                       <a:endParaRPr lang="zh-CN" altLang="en-US" b="1" dirty="0"/>
@@ -9067,7 +9295,7 @@
                     <a:p>
                       <a:pPr algn="ctr"/>
                       <a:r>
-                        <a:rPr lang="en-US" altLang="zh-CN" b="1" dirty="0" smtClean="0"/>
+                        <a:rPr lang="en-US" altLang="zh-CN" b="1" dirty="0"/>
                         <a:t>9</a:t>
                       </a:r>
                       <a:endParaRPr lang="zh-CN" altLang="en-US" b="1" dirty="0"/>
@@ -9082,7 +9310,7 @@
                     <a:p>
                       <a:pPr algn="ctr"/>
                       <a:r>
-                        <a:rPr lang="en-US" altLang="zh-CN" b="1" dirty="0" smtClean="0"/>
+                        <a:rPr lang="en-US" altLang="zh-CN" b="1" dirty="0"/>
                         <a:t>10</a:t>
                       </a:r>
                       <a:endParaRPr lang="zh-CN" altLang="en-US" b="1" dirty="0"/>
@@ -9097,7 +9325,7 @@
                     <a:p>
                       <a:pPr algn="ctr"/>
                       <a:r>
-                        <a:rPr lang="en-US" altLang="zh-CN" b="1" dirty="0" smtClean="0"/>
+                        <a:rPr lang="en-US" altLang="zh-CN" b="1" dirty="0"/>
                         <a:t>11</a:t>
                       </a:r>
                       <a:endParaRPr lang="zh-CN" altLang="en-US" b="1" dirty="0"/>
@@ -9112,7 +9340,7 @@
                     <a:p>
                       <a:pPr algn="ctr"/>
                       <a:r>
-                        <a:rPr lang="en-US" altLang="zh-CN" b="1" dirty="0" smtClean="0"/>
+                        <a:rPr lang="en-US" altLang="zh-CN" b="1" dirty="0"/>
                         <a:t>12</a:t>
                       </a:r>
                       <a:endParaRPr lang="zh-CN" altLang="en-US" b="1" dirty="0"/>
@@ -9127,7 +9355,7 @@
                     <a:p>
                       <a:pPr algn="ctr"/>
                       <a:r>
-                        <a:rPr lang="en-US" altLang="zh-CN" b="1" dirty="0" smtClean="0"/>
+                        <a:rPr lang="en-US" altLang="zh-CN" b="1" dirty="0"/>
                         <a:t>13</a:t>
                       </a:r>
                       <a:endParaRPr lang="zh-CN" altLang="en-US" b="1" dirty="0"/>
@@ -9142,7 +9370,7 @@
                     <a:p>
                       <a:pPr algn="ctr"/>
                       <a:r>
-                        <a:rPr lang="en-US" altLang="zh-CN" b="1" dirty="0" smtClean="0"/>
+                        <a:rPr lang="en-US" altLang="zh-CN" b="1" dirty="0"/>
                         <a:t>14</a:t>
                       </a:r>
                       <a:endParaRPr lang="zh-CN" altLang="en-US" b="1" dirty="0"/>
@@ -9157,7 +9385,7 @@
                     <a:p>
                       <a:pPr algn="ctr"/>
                       <a:r>
-                        <a:rPr lang="en-US" altLang="zh-CN" b="1" dirty="0" smtClean="0"/>
+                        <a:rPr lang="en-US" altLang="zh-CN" b="1" dirty="0"/>
                         <a:t>15</a:t>
                       </a:r>
                       <a:endParaRPr lang="zh-CN" altLang="en-US" b="1" dirty="0"/>
@@ -9172,7 +9400,7 @@
                     <a:p>
                       <a:pPr algn="ctr"/>
                       <a:r>
-                        <a:rPr lang="en-US" altLang="zh-CN" b="1" dirty="0" smtClean="0"/>
+                        <a:rPr lang="en-US" altLang="zh-CN" b="1" dirty="0"/>
                         <a:t>16</a:t>
                       </a:r>
                       <a:endParaRPr lang="zh-CN" altLang="en-US" b="1" dirty="0"/>
@@ -9187,7 +9415,7 @@
                     <a:p>
                       <a:pPr algn="ctr"/>
                       <a:r>
-                        <a:rPr lang="en-US" altLang="zh-CN" b="1" dirty="0" smtClean="0"/>
+                        <a:rPr lang="en-US" altLang="zh-CN" b="1" dirty="0"/>
                         <a:t>17</a:t>
                       </a:r>
                       <a:endParaRPr lang="zh-CN" altLang="en-US" b="1" dirty="0"/>
@@ -9202,7 +9430,7 @@
                     <a:p>
                       <a:pPr algn="ctr"/>
                       <a:r>
-                        <a:rPr lang="en-US" altLang="zh-CN" b="1" dirty="0" smtClean="0"/>
+                        <a:rPr lang="en-US" altLang="zh-CN" b="1" dirty="0"/>
                         <a:t>18</a:t>
                       </a:r>
                       <a:endParaRPr lang="zh-CN" altLang="en-US" b="1" dirty="0"/>
@@ -9224,7 +9452,7 @@
                     <a:p>
                       <a:pPr algn="ctr"/>
                       <a:r>
-                        <a:rPr lang="en-US" altLang="zh-CN" b="1" dirty="0" smtClean="0"/>
+                        <a:rPr lang="en-US" altLang="zh-CN" b="1" dirty="0"/>
                         <a:t>T</a:t>
                       </a:r>
                       <a:endParaRPr lang="zh-CN" altLang="en-US" b="1" dirty="0"/>
@@ -9239,7 +9467,7 @@
                     <a:p>
                       <a:pPr algn="ctr"/>
                       <a:r>
-                        <a:rPr lang="en-US" altLang="zh-CN" b="1" dirty="0" smtClean="0"/>
+                        <a:rPr lang="en-US" altLang="zh-CN" b="1" dirty="0"/>
                         <a:t>^</a:t>
                       </a:r>
                       <a:endParaRPr lang="zh-CN" altLang="en-US" b="1" dirty="0"/>
@@ -9254,7 +9482,7 @@
                     <a:p>
                       <a:pPr algn="ctr"/>
                       <a:r>
-                        <a:rPr lang="en-US" altLang="zh-CN" b="1" dirty="0" smtClean="0"/>
+                        <a:rPr lang="en-US" altLang="zh-CN" b="1" dirty="0"/>
                         <a:t>#</a:t>
                       </a:r>
                       <a:endParaRPr lang="zh-CN" altLang="en-US" b="1" dirty="0"/>
@@ -9269,7 +9497,7 @@
                     <a:p>
                       <a:pPr algn="ctr"/>
                       <a:r>
-                        <a:rPr lang="en-US" altLang="zh-CN" b="1" dirty="0" smtClean="0"/>
+                        <a:rPr lang="en-US" altLang="zh-CN" b="1" dirty="0"/>
                         <a:t>c</a:t>
                       </a:r>
                       <a:endParaRPr lang="zh-CN" altLang="en-US" b="1" dirty="0"/>
@@ -9284,7 +9512,7 @@
                     <a:p>
                       <a:pPr algn="ctr"/>
                       <a:r>
-                        <a:rPr lang="en-US" altLang="zh-CN" b="1" dirty="0" smtClean="0"/>
+                        <a:rPr lang="en-US" altLang="zh-CN" b="1" dirty="0"/>
                         <a:t>#</a:t>
                       </a:r>
                       <a:endParaRPr lang="zh-CN" altLang="en-US" b="1" dirty="0"/>
@@ -9299,7 +9527,7 @@
                     <a:p>
                       <a:pPr algn="ctr"/>
                       <a:r>
-                        <a:rPr lang="en-US" altLang="zh-CN" b="1" dirty="0" smtClean="0"/>
+                        <a:rPr lang="en-US" altLang="zh-CN" b="1" dirty="0"/>
                         <a:t>b</a:t>
                       </a:r>
                       <a:endParaRPr lang="zh-CN" altLang="en-US" b="1" dirty="0"/>
@@ -9314,7 +9542,7 @@
                     <a:p>
                       <a:pPr algn="ctr"/>
                       <a:r>
-                        <a:rPr lang="en-US" altLang="zh-CN" b="1" dirty="0" smtClean="0"/>
+                        <a:rPr lang="en-US" altLang="zh-CN" b="1" dirty="0"/>
                         <a:t>#</a:t>
                       </a:r>
                       <a:endParaRPr lang="zh-CN" altLang="en-US" b="1" dirty="0"/>
@@ -9329,7 +9557,7 @@
                     <a:p>
                       <a:pPr algn="ctr"/>
                       <a:r>
-                        <a:rPr lang="en-US" altLang="zh-CN" b="1" dirty="0" smtClean="0"/>
+                        <a:rPr lang="en-US" altLang="zh-CN" b="1" dirty="0"/>
                         <a:t>b</a:t>
                       </a:r>
                       <a:endParaRPr lang="zh-CN" altLang="en-US" b="1" dirty="0"/>
@@ -9344,7 +9572,7 @@
                     <a:p>
                       <a:pPr algn="ctr"/>
                       <a:r>
-                        <a:rPr lang="en-US" altLang="zh-CN" b="1" dirty="0" smtClean="0"/>
+                        <a:rPr lang="en-US" altLang="zh-CN" b="1" dirty="0"/>
                         <a:t>#</a:t>
                       </a:r>
                       <a:endParaRPr lang="zh-CN" altLang="en-US" b="1" dirty="0"/>
@@ -9359,7 +9587,7 @@
                     <a:p>
                       <a:pPr algn="ctr"/>
                       <a:r>
-                        <a:rPr lang="en-US" altLang="zh-CN" b="1" dirty="0" smtClean="0"/>
+                        <a:rPr lang="en-US" altLang="zh-CN" b="1" dirty="0"/>
                         <a:t>c</a:t>
                       </a:r>
                       <a:endParaRPr lang="zh-CN" altLang="en-US" b="1" dirty="0"/>
@@ -9374,7 +9602,7 @@
                     <a:p>
                       <a:pPr algn="ctr"/>
                       <a:r>
-                        <a:rPr lang="en-US" altLang="zh-CN" b="1" dirty="0" smtClean="0"/>
+                        <a:rPr lang="en-US" altLang="zh-CN" b="1" dirty="0"/>
                         <a:t>#</a:t>
                       </a:r>
                       <a:endParaRPr lang="zh-CN" altLang="en-US" b="1" dirty="0"/>
@@ -9389,7 +9617,7 @@
                     <a:p>
                       <a:pPr algn="ctr"/>
                       <a:r>
-                        <a:rPr lang="en-US" altLang="zh-CN" b="1" dirty="0" smtClean="0"/>
+                        <a:rPr lang="en-US" altLang="zh-CN" b="1" dirty="0"/>
                         <a:t>d</a:t>
                       </a:r>
                       <a:endParaRPr lang="zh-CN" altLang="en-US" b="1" dirty="0"/>
@@ -9404,7 +9632,7 @@
                     <a:p>
                       <a:pPr algn="ctr"/>
                       <a:r>
-                        <a:rPr lang="en-US" altLang="zh-CN" b="1" dirty="0" smtClean="0"/>
+                        <a:rPr lang="en-US" altLang="zh-CN" b="1" dirty="0"/>
                         <a:t>#</a:t>
                       </a:r>
                       <a:endParaRPr lang="zh-CN" altLang="en-US" b="1" dirty="0"/>
@@ -9419,7 +9647,7 @@
                     <a:p>
                       <a:pPr algn="ctr"/>
                       <a:r>
-                        <a:rPr lang="en-US" altLang="zh-CN" b="1" dirty="0" smtClean="0"/>
+                        <a:rPr lang="en-US" altLang="zh-CN" b="1" dirty="0"/>
                         <a:t>a</a:t>
                       </a:r>
                       <a:endParaRPr lang="zh-CN" altLang="en-US" b="1" dirty="0"/>
@@ -9434,7 +9662,7 @@
                     <a:p>
                       <a:pPr algn="ctr"/>
                       <a:r>
-                        <a:rPr lang="en-US" altLang="zh-CN" b="1" dirty="0" smtClean="0"/>
+                        <a:rPr lang="en-US" altLang="zh-CN" b="1" dirty="0"/>
                         <a:t>#</a:t>
                       </a:r>
                       <a:endParaRPr lang="zh-CN" altLang="en-US" b="1" dirty="0"/>
@@ -9449,7 +9677,7 @@
                     <a:p>
                       <a:pPr algn="ctr"/>
                       <a:r>
-                        <a:rPr lang="en-US" altLang="zh-CN" b="1" dirty="0" smtClean="0"/>
+                        <a:rPr lang="en-US" altLang="zh-CN" b="1" dirty="0"/>
                         <a:t>b</a:t>
                       </a:r>
                       <a:endParaRPr lang="zh-CN" altLang="en-US" b="1" dirty="0"/>
@@ -9464,7 +9692,7 @@
                     <a:p>
                       <a:pPr algn="ctr"/>
                       <a:r>
-                        <a:rPr lang="en-US" altLang="zh-CN" b="1" dirty="0" smtClean="0"/>
+                        <a:rPr lang="en-US" altLang="zh-CN" b="1" dirty="0"/>
                         <a:t>#</a:t>
                       </a:r>
                       <a:endParaRPr lang="zh-CN" altLang="en-US" b="1" dirty="0"/>
@@ -9479,7 +9707,7 @@
                     <a:p>
                       <a:pPr algn="ctr"/>
                       <a:r>
-                        <a:rPr lang="en-US" altLang="zh-CN" b="1" dirty="0" smtClean="0"/>
+                        <a:rPr lang="en-US" altLang="zh-CN" b="1" dirty="0"/>
                         <a:t>a</a:t>
                       </a:r>
                       <a:endParaRPr lang="zh-CN" altLang="en-US" b="1" dirty="0"/>
@@ -9494,7 +9722,7 @@
                     <a:p>
                       <a:pPr algn="ctr"/>
                       <a:r>
-                        <a:rPr lang="en-US" altLang="zh-CN" b="1" dirty="0" smtClean="0"/>
+                        <a:rPr lang="en-US" altLang="zh-CN" b="1" dirty="0"/>
                         <a:t>#</a:t>
                       </a:r>
                       <a:endParaRPr lang="zh-CN" altLang="en-US" b="1" dirty="0"/>
@@ -9509,7 +9737,7 @@
                     <a:p>
                       <a:pPr algn="ctr"/>
                       <a:r>
-                        <a:rPr lang="en-US" altLang="zh-CN" b="1" dirty="0" smtClean="0"/>
+                        <a:rPr lang="en-US" altLang="zh-CN" b="1" dirty="0"/>
                         <a:t>$</a:t>
                       </a:r>
                       <a:endParaRPr lang="zh-CN" altLang="en-US" b="1" dirty="0"/>
@@ -9531,7 +9759,7 @@
                     <a:p>
                       <a:pPr algn="ctr"/>
                       <a:r>
-                        <a:rPr lang="en-US" altLang="zh-CN" b="1" dirty="0" smtClean="0"/>
+                        <a:rPr lang="en-US" altLang="zh-CN" b="1" dirty="0"/>
                         <a:t>P</a:t>
                       </a:r>
                       <a:endParaRPr lang="zh-CN" altLang="en-US" b="1" dirty="0"/>
@@ -9557,7 +9785,7 @@
                     <a:p>
                       <a:pPr algn="ctr"/>
                       <a:r>
-                        <a:rPr lang="en-US" altLang="zh-CN" b="1" dirty="0" smtClean="0"/>
+                        <a:rPr lang="en-US" altLang="zh-CN" b="1" dirty="0"/>
                         <a:t>1</a:t>
                       </a:r>
                       <a:endParaRPr lang="zh-CN" altLang="en-US" b="1" dirty="0"/>
@@ -9572,7 +9800,7 @@
                     <a:p>
                       <a:pPr algn="ctr"/>
                       <a:r>
-                        <a:rPr lang="en-US" altLang="zh-CN" b="1" dirty="0" smtClean="0"/>
+                        <a:rPr lang="en-US" altLang="zh-CN" b="1" dirty="0"/>
                         <a:t>2</a:t>
                       </a:r>
                       <a:endParaRPr lang="zh-CN" altLang="en-US" b="1" dirty="0"/>
@@ -9587,7 +9815,7 @@
                     <a:p>
                       <a:pPr algn="ctr"/>
                       <a:r>
-                        <a:rPr lang="en-US" altLang="zh-CN" b="1" dirty="0" smtClean="0"/>
+                        <a:rPr lang="en-US" altLang="zh-CN" b="1" dirty="0"/>
                         <a:t>1</a:t>
                       </a:r>
                       <a:endParaRPr lang="zh-CN" altLang="en-US" b="1" dirty="0"/>
@@ -9602,7 +9830,7 @@
                     <a:p>
                       <a:pPr algn="ctr"/>
                       <a:r>
-                        <a:rPr lang="en-US" altLang="zh-CN" b="1" dirty="0" smtClean="0"/>
+                        <a:rPr lang="en-US" altLang="zh-CN" b="1" dirty="0"/>
                         <a:t>2</a:t>
                       </a:r>
                       <a:endParaRPr lang="zh-CN" altLang="en-US" b="1" dirty="0"/>
@@ -9617,7 +9845,7 @@
                     <a:p>
                       <a:pPr algn="ctr"/>
                       <a:r>
-                        <a:rPr lang="en-US" altLang="zh-CN" b="1" dirty="0" smtClean="0"/>
+                        <a:rPr lang="en-US" altLang="zh-CN" b="1" dirty="0"/>
                         <a:t>5</a:t>
                       </a:r>
                       <a:endParaRPr lang="zh-CN" altLang="en-US" b="1" dirty="0"/>
@@ -9632,7 +9860,7 @@
                     <a:p>
                       <a:pPr algn="ctr"/>
                       <a:r>
-                        <a:rPr lang="en-US" altLang="zh-CN" b="1" dirty="0" smtClean="0"/>
+                        <a:rPr lang="en-US" altLang="zh-CN" b="1" dirty="0"/>
                         <a:t>2</a:t>
                       </a:r>
                       <a:endParaRPr lang="zh-CN" altLang="en-US" b="1" dirty="0"/>
@@ -9647,7 +9875,7 @@
                     <a:p>
                       <a:pPr algn="ctr"/>
                       <a:r>
-                        <a:rPr lang="en-US" altLang="zh-CN" b="1" dirty="0" smtClean="0"/>
+                        <a:rPr lang="en-US" altLang="zh-CN" b="1" dirty="0"/>
                         <a:t>1</a:t>
                       </a:r>
                       <a:endParaRPr lang="zh-CN" altLang="en-US" b="1" dirty="0"/>
@@ -9799,7 +10027,7 @@
           <a:lstStyle/>
           <a:p>
             <a:r>
-              <a:rPr lang="en-US" altLang="zh-CN" dirty="0" smtClean="0"/>
+              <a:rPr lang="en-US" altLang="zh-CN" dirty="0"/>
               <a:t>id</a:t>
             </a:r>
             <a:endParaRPr lang="zh-CN" altLang="en-US" dirty="0"/>
@@ -9859,7 +10087,7 @@
           <a:lstStyle/>
           <a:p>
             <a:r>
-              <a:rPr lang="en-US" altLang="zh-CN" dirty="0" smtClean="0"/>
+              <a:rPr lang="en-US" altLang="zh-CN" dirty="0"/>
               <a:t>mx</a:t>
             </a:r>
             <a:endParaRPr lang="zh-CN" altLang="en-US" dirty="0"/>
@@ -9988,7 +10216,7 @@
           <a:lstStyle/>
           <a:p>
             <a:r>
-              <a:rPr lang="en-US" altLang="zh-CN" dirty="0" smtClean="0"/>
+              <a:rPr lang="en-US" altLang="zh-CN" dirty="0"/>
               <a:t>i_m</a:t>
             </a:r>
             <a:endParaRPr lang="zh-CN" altLang="en-US" dirty="0"/>
@@ -10085,18 +10313,17 @@
           <a:lstStyle/>
           <a:p>
             <a:r>
-              <a:rPr lang="zh-CN" altLang="en-US" dirty="0" smtClean="0"/>
+              <a:rPr lang="zh-CN" altLang="en-US" dirty="0"/>
               <a:t>“</a:t>
             </a:r>
             <a:r>
-              <a:rPr lang="en-US" altLang="zh-CN" dirty="0" smtClean="0"/>
+              <a:rPr lang="en-US" altLang="zh-CN" dirty="0"/>
               <a:t>cbbc</a:t>
             </a:r>
             <a:r>
-              <a:rPr lang="zh-CN" altLang="en-US" dirty="0" smtClean="0"/>
+              <a:rPr lang="zh-CN" altLang="en-US" dirty="0"/>
               <a:t>”</a:t>
             </a:r>
-            <a:endParaRPr lang="zh-CN" altLang="en-US" dirty="0"/>
           </a:p>
         </p:txBody>
       </p:sp>
@@ -10384,7 +10611,7 @@
                     <a:p>
                       <a:pPr algn="ctr"/>
                       <a:r>
-                        <a:rPr lang="en-US" altLang="zh-CN" b="1" dirty="0" smtClean="0"/>
+                        <a:rPr lang="en-US" altLang="zh-CN" b="1" dirty="0"/>
                         <a:t>i</a:t>
                       </a:r>
                       <a:endParaRPr lang="zh-CN" altLang="en-US" b="1" dirty="0"/>
@@ -10399,7 +10626,7 @@
                     <a:p>
                       <a:pPr algn="ctr"/>
                       <a:r>
-                        <a:rPr lang="en-US" altLang="zh-CN" b="1" dirty="0" smtClean="0"/>
+                        <a:rPr lang="en-US" altLang="zh-CN" b="1" dirty="0"/>
                         <a:t>0</a:t>
                       </a:r>
                       <a:endParaRPr lang="zh-CN" altLang="en-US" b="1" dirty="0"/>
@@ -10414,7 +10641,7 @@
                     <a:p>
                       <a:pPr algn="ctr"/>
                       <a:r>
-                        <a:rPr lang="en-US" altLang="zh-CN" b="1" dirty="0" smtClean="0"/>
+                        <a:rPr lang="en-US" altLang="zh-CN" b="1" dirty="0"/>
                         <a:t>1</a:t>
                       </a:r>
                       <a:endParaRPr lang="zh-CN" altLang="en-US" b="1" dirty="0"/>
@@ -10429,7 +10656,7 @@
                     <a:p>
                       <a:pPr algn="ctr"/>
                       <a:r>
-                        <a:rPr lang="en-US" altLang="zh-CN" b="1" dirty="0" smtClean="0"/>
+                        <a:rPr lang="en-US" altLang="zh-CN" b="1" dirty="0"/>
                         <a:t>2</a:t>
                       </a:r>
                       <a:endParaRPr lang="zh-CN" altLang="en-US" b="1" dirty="0"/>
@@ -10444,7 +10671,7 @@
                     <a:p>
                       <a:pPr algn="ctr"/>
                       <a:r>
-                        <a:rPr lang="en-US" altLang="zh-CN" b="1" dirty="0" smtClean="0"/>
+                        <a:rPr lang="en-US" altLang="zh-CN" b="1" dirty="0"/>
                         <a:t>3</a:t>
                       </a:r>
                       <a:endParaRPr lang="zh-CN" altLang="en-US" b="1" dirty="0"/>
@@ -10459,7 +10686,7 @@
                     <a:p>
                       <a:pPr algn="ctr"/>
                       <a:r>
-                        <a:rPr lang="en-US" altLang="zh-CN" b="1" dirty="0" smtClean="0"/>
+                        <a:rPr lang="en-US" altLang="zh-CN" b="1" dirty="0"/>
                         <a:t>4</a:t>
                       </a:r>
                       <a:endParaRPr lang="zh-CN" altLang="en-US" b="1" dirty="0"/>
@@ -10474,7 +10701,7 @@
                     <a:p>
                       <a:pPr algn="ctr"/>
                       <a:r>
-                        <a:rPr lang="en-US" altLang="zh-CN" b="1" dirty="0" smtClean="0"/>
+                        <a:rPr lang="en-US" altLang="zh-CN" b="1" dirty="0"/>
                         <a:t>5</a:t>
                       </a:r>
                       <a:endParaRPr lang="zh-CN" altLang="en-US" b="1" dirty="0"/>
@@ -10489,7 +10716,7 @@
                     <a:p>
                       <a:pPr algn="ctr"/>
                       <a:r>
-                        <a:rPr lang="en-US" altLang="zh-CN" b="1" dirty="0" smtClean="0"/>
+                        <a:rPr lang="en-US" altLang="zh-CN" b="1" dirty="0"/>
                         <a:t>6</a:t>
                       </a:r>
                       <a:endParaRPr lang="zh-CN" altLang="en-US" b="1" dirty="0"/>
@@ -10504,7 +10731,7 @@
                     <a:p>
                       <a:pPr algn="ctr"/>
                       <a:r>
-                        <a:rPr lang="en-US" altLang="zh-CN" b="1" dirty="0" smtClean="0"/>
+                        <a:rPr lang="en-US" altLang="zh-CN" b="1" dirty="0"/>
                         <a:t>7</a:t>
                       </a:r>
                       <a:endParaRPr lang="zh-CN" altLang="en-US" b="1" dirty="0"/>
@@ -10519,7 +10746,7 @@
                     <a:p>
                       <a:pPr algn="ctr"/>
                       <a:r>
-                        <a:rPr lang="en-US" altLang="zh-CN" b="1" dirty="0" smtClean="0"/>
+                        <a:rPr lang="en-US" altLang="zh-CN" b="1" dirty="0"/>
                         <a:t>8</a:t>
                       </a:r>
                       <a:endParaRPr lang="zh-CN" altLang="en-US" b="1" dirty="0"/>
@@ -10534,7 +10761,7 @@
                     <a:p>
                       <a:pPr algn="ctr"/>
                       <a:r>
-                        <a:rPr lang="en-US" altLang="zh-CN" b="1" dirty="0" smtClean="0"/>
+                        <a:rPr lang="en-US" altLang="zh-CN" b="1" dirty="0"/>
                         <a:t>9</a:t>
                       </a:r>
                       <a:endParaRPr lang="zh-CN" altLang="en-US" b="1" dirty="0"/>
@@ -10549,7 +10776,7 @@
                     <a:p>
                       <a:pPr algn="ctr"/>
                       <a:r>
-                        <a:rPr lang="en-US" altLang="zh-CN" b="1" dirty="0" smtClean="0"/>
+                        <a:rPr lang="en-US" altLang="zh-CN" b="1" dirty="0"/>
                         <a:t>10</a:t>
                       </a:r>
                       <a:endParaRPr lang="zh-CN" altLang="en-US" b="1" dirty="0"/>
@@ -10564,7 +10791,7 @@
                     <a:p>
                       <a:pPr algn="ctr"/>
                       <a:r>
-                        <a:rPr lang="en-US" altLang="zh-CN" b="1" dirty="0" smtClean="0"/>
+                        <a:rPr lang="en-US" altLang="zh-CN" b="1" dirty="0"/>
                         <a:t>11</a:t>
                       </a:r>
                       <a:endParaRPr lang="zh-CN" altLang="en-US" b="1" dirty="0"/>
@@ -10579,7 +10806,7 @@
                     <a:p>
                       <a:pPr algn="ctr"/>
                       <a:r>
-                        <a:rPr lang="en-US" altLang="zh-CN" b="1" dirty="0" smtClean="0"/>
+                        <a:rPr lang="en-US" altLang="zh-CN" b="1" dirty="0"/>
                         <a:t>12</a:t>
                       </a:r>
                       <a:endParaRPr lang="zh-CN" altLang="en-US" b="1" dirty="0"/>
@@ -10594,7 +10821,7 @@
                     <a:p>
                       <a:pPr algn="ctr"/>
                       <a:r>
-                        <a:rPr lang="en-US" altLang="zh-CN" b="1" dirty="0" smtClean="0"/>
+                        <a:rPr lang="en-US" altLang="zh-CN" b="1" dirty="0"/>
                         <a:t>13</a:t>
                       </a:r>
                       <a:endParaRPr lang="zh-CN" altLang="en-US" b="1" dirty="0"/>
@@ -10609,7 +10836,7 @@
                     <a:p>
                       <a:pPr algn="ctr"/>
                       <a:r>
-                        <a:rPr lang="en-US" altLang="zh-CN" b="1" dirty="0" smtClean="0"/>
+                        <a:rPr lang="en-US" altLang="zh-CN" b="1" dirty="0"/>
                         <a:t>14</a:t>
                       </a:r>
                       <a:endParaRPr lang="zh-CN" altLang="en-US" b="1" dirty="0"/>
@@ -10624,7 +10851,7 @@
                     <a:p>
                       <a:pPr algn="ctr"/>
                       <a:r>
-                        <a:rPr lang="en-US" altLang="zh-CN" b="1" dirty="0" smtClean="0"/>
+                        <a:rPr lang="en-US" altLang="zh-CN" b="1" dirty="0"/>
                         <a:t>15</a:t>
                       </a:r>
                       <a:endParaRPr lang="zh-CN" altLang="en-US" b="1" dirty="0"/>
@@ -10639,7 +10866,7 @@
                     <a:p>
                       <a:pPr algn="ctr"/>
                       <a:r>
-                        <a:rPr lang="en-US" altLang="zh-CN" b="1" dirty="0" smtClean="0"/>
+                        <a:rPr lang="en-US" altLang="zh-CN" b="1" dirty="0"/>
                         <a:t>16</a:t>
                       </a:r>
                       <a:endParaRPr lang="zh-CN" altLang="en-US" b="1" dirty="0"/>
@@ -10654,7 +10881,7 @@
                     <a:p>
                       <a:pPr algn="ctr"/>
                       <a:r>
-                        <a:rPr lang="en-US" altLang="zh-CN" b="1" dirty="0" smtClean="0"/>
+                        <a:rPr lang="en-US" altLang="zh-CN" b="1" dirty="0"/>
                         <a:t>17</a:t>
                       </a:r>
                       <a:endParaRPr lang="zh-CN" altLang="en-US" b="1" dirty="0"/>
@@ -10669,7 +10896,7 @@
                     <a:p>
                       <a:pPr algn="ctr"/>
                       <a:r>
-                        <a:rPr lang="en-US" altLang="zh-CN" b="1" dirty="0" smtClean="0"/>
+                        <a:rPr lang="en-US" altLang="zh-CN" b="1" dirty="0"/>
                         <a:t>18</a:t>
                       </a:r>
                       <a:endParaRPr lang="zh-CN" altLang="en-US" b="1" dirty="0"/>
@@ -10684,7 +10911,7 @@
                     <a:p>
                       <a:pPr algn="ctr"/>
                       <a:r>
-                        <a:rPr lang="en-US" altLang="zh-CN" b="1" dirty="0" smtClean="0"/>
+                        <a:rPr lang="en-US" altLang="zh-CN" b="1" dirty="0"/>
                         <a:t>19</a:t>
                       </a:r>
                       <a:endParaRPr lang="zh-CN" altLang="en-US" b="1" dirty="0"/>
@@ -10699,7 +10926,7 @@
                     <a:p>
                       <a:pPr algn="ctr"/>
                       <a:r>
-                        <a:rPr lang="en-US" altLang="zh-CN" b="1" dirty="0" smtClean="0"/>
+                        <a:rPr lang="en-US" altLang="zh-CN" b="1" dirty="0"/>
                         <a:t>20</a:t>
                       </a:r>
                       <a:endParaRPr lang="zh-CN" altLang="en-US" b="1" dirty="0"/>
@@ -10721,7 +10948,7 @@
                     <a:p>
                       <a:pPr algn="ctr"/>
                       <a:r>
-                        <a:rPr lang="en-US" altLang="zh-CN" b="1" dirty="0" smtClean="0"/>
+                        <a:rPr lang="en-US" altLang="zh-CN" b="1" dirty="0"/>
                         <a:t>T</a:t>
                       </a:r>
                       <a:endParaRPr lang="zh-CN" altLang="en-US" b="1" dirty="0"/>
@@ -10736,7 +10963,7 @@
                     <a:p>
                       <a:pPr algn="ctr"/>
                       <a:r>
-                        <a:rPr lang="en-US" altLang="zh-CN" b="1" dirty="0" smtClean="0"/>
+                        <a:rPr lang="en-US" altLang="zh-CN" b="1" dirty="0"/>
                         <a:t>^</a:t>
                       </a:r>
                       <a:endParaRPr lang="zh-CN" altLang="en-US" b="1" dirty="0"/>
@@ -10751,7 +10978,7 @@
                     <a:p>
                       <a:pPr algn="ctr"/>
                       <a:r>
-                        <a:rPr lang="en-US" altLang="zh-CN" b="1" dirty="0" smtClean="0"/>
+                        <a:rPr lang="en-US" altLang="zh-CN" b="1" dirty="0"/>
                         <a:t>#</a:t>
                       </a:r>
                       <a:endParaRPr lang="zh-CN" altLang="en-US" b="1" dirty="0"/>
@@ -10766,7 +10993,7 @@
                     <a:p>
                       <a:pPr algn="ctr"/>
                       <a:r>
-                        <a:rPr lang="en-US" altLang="zh-CN" b="1" dirty="0" smtClean="0"/>
+                        <a:rPr lang="en-US" altLang="zh-CN" b="1" dirty="0"/>
                         <a:t>c</a:t>
                       </a:r>
                       <a:endParaRPr lang="zh-CN" altLang="en-US" b="1" dirty="0"/>
@@ -10781,7 +11008,7 @@
                     <a:p>
                       <a:pPr algn="ctr"/>
                       <a:r>
-                        <a:rPr lang="en-US" altLang="zh-CN" b="1" dirty="0" smtClean="0"/>
+                        <a:rPr lang="en-US" altLang="zh-CN" b="1" dirty="0"/>
                         <a:t>#</a:t>
                       </a:r>
                       <a:endParaRPr lang="zh-CN" altLang="en-US" b="1" dirty="0"/>
@@ -10796,7 +11023,7 @@
                     <a:p>
                       <a:pPr algn="ctr"/>
                       <a:r>
-                        <a:rPr lang="en-US" altLang="zh-CN" b="1" dirty="0" smtClean="0"/>
+                        <a:rPr lang="en-US" altLang="zh-CN" b="1" dirty="0"/>
                         <a:t>b</a:t>
                       </a:r>
                       <a:endParaRPr lang="zh-CN" altLang="en-US" b="1" dirty="0"/>
@@ -10811,7 +11038,7 @@
                     <a:p>
                       <a:pPr algn="ctr"/>
                       <a:r>
-                        <a:rPr lang="en-US" altLang="zh-CN" b="1" dirty="0" smtClean="0"/>
+                        <a:rPr lang="en-US" altLang="zh-CN" b="1" dirty="0"/>
                         <a:t>#</a:t>
                       </a:r>
                       <a:endParaRPr lang="zh-CN" altLang="en-US" b="1" dirty="0"/>
@@ -10826,7 +11053,7 @@
                     <a:p>
                       <a:pPr algn="ctr"/>
                       <a:r>
-                        <a:rPr lang="en-US" altLang="zh-CN" b="1" dirty="0" smtClean="0"/>
+                        <a:rPr lang="en-US" altLang="zh-CN" b="1" dirty="0"/>
                         <a:t>a</a:t>
                       </a:r>
                       <a:endParaRPr lang="zh-CN" altLang="en-US" b="1" dirty="0"/>
@@ -10841,7 +11068,7 @@
                     <a:p>
                       <a:pPr algn="ctr"/>
                       <a:r>
-                        <a:rPr lang="en-US" altLang="zh-CN" b="1" dirty="0" smtClean="0"/>
+                        <a:rPr lang="en-US" altLang="zh-CN" b="1" dirty="0"/>
                         <a:t>#</a:t>
                       </a:r>
                       <a:endParaRPr lang="zh-CN" altLang="en-US" b="1" dirty="0"/>
@@ -10856,7 +11083,7 @@
                     <a:p>
                       <a:pPr algn="ctr"/>
                       <a:r>
-                        <a:rPr lang="en-US" altLang="zh-CN" b="1" dirty="0" smtClean="0"/>
+                        <a:rPr lang="en-US" altLang="zh-CN" b="1" dirty="0"/>
                         <a:t>b</a:t>
                       </a:r>
                       <a:endParaRPr lang="zh-CN" altLang="en-US" b="1" dirty="0"/>
@@ -10871,7 +11098,7 @@
                     <a:p>
                       <a:pPr algn="ctr"/>
                       <a:r>
-                        <a:rPr lang="en-US" altLang="zh-CN" b="1" dirty="0" smtClean="0"/>
+                        <a:rPr lang="en-US" altLang="zh-CN" b="1" dirty="0"/>
                         <a:t>#</a:t>
                       </a:r>
                       <a:endParaRPr lang="zh-CN" altLang="en-US" b="1" dirty="0"/>
@@ -10886,7 +11113,7 @@
                     <a:p>
                       <a:pPr algn="ctr"/>
                       <a:r>
-                        <a:rPr lang="en-US" altLang="zh-CN" b="1" dirty="0" smtClean="0"/>
+                        <a:rPr lang="en-US" altLang="zh-CN" b="1" dirty="0"/>
                         <a:t>c</a:t>
                       </a:r>
                       <a:endParaRPr lang="zh-CN" altLang="en-US" b="1" dirty="0"/>
@@ -10901,7 +11128,7 @@
                     <a:p>
                       <a:pPr algn="ctr"/>
                       <a:r>
-                        <a:rPr lang="en-US" altLang="zh-CN" b="1" dirty="0" smtClean="0"/>
+                        <a:rPr lang="en-US" altLang="zh-CN" b="1" dirty="0"/>
                         <a:t>#</a:t>
                       </a:r>
                       <a:endParaRPr lang="zh-CN" altLang="en-US" b="1" dirty="0"/>
@@ -10916,7 +11143,7 @@
                     <a:p>
                       <a:pPr algn="ctr"/>
                       <a:r>
-                        <a:rPr lang="en-US" altLang="zh-CN" b="1" dirty="0" smtClean="0"/>
+                        <a:rPr lang="en-US" altLang="zh-CN" b="1" dirty="0"/>
                         <a:t>b</a:t>
                       </a:r>
                       <a:endParaRPr lang="zh-CN" altLang="en-US" b="1" dirty="0"/>
@@ -10931,7 +11158,7 @@
                     <a:p>
                       <a:pPr algn="ctr"/>
                       <a:r>
-                        <a:rPr lang="en-US" altLang="zh-CN" b="1" dirty="0" smtClean="0"/>
+                        <a:rPr lang="en-US" altLang="zh-CN" b="1" dirty="0"/>
                         <a:t>#</a:t>
                       </a:r>
                       <a:endParaRPr lang="zh-CN" altLang="en-US" b="1" dirty="0"/>
@@ -10946,7 +11173,7 @@
                     <a:p>
                       <a:pPr algn="ctr"/>
                       <a:r>
-                        <a:rPr lang="en-US" altLang="zh-CN" b="1" dirty="0" smtClean="0"/>
+                        <a:rPr lang="en-US" altLang="zh-CN" b="1" dirty="0"/>
                         <a:t>a</a:t>
                       </a:r>
                       <a:endParaRPr lang="zh-CN" altLang="en-US" b="1" dirty="0"/>
@@ -10961,7 +11188,7 @@
                     <a:p>
                       <a:pPr algn="ctr"/>
                       <a:r>
-                        <a:rPr lang="en-US" altLang="zh-CN" b="1" dirty="0" smtClean="0"/>
+                        <a:rPr lang="en-US" altLang="zh-CN" b="1" dirty="0"/>
                         <a:t>#</a:t>
                       </a:r>
                       <a:endParaRPr lang="zh-CN" altLang="en-US" b="1" dirty="0"/>
@@ -10976,7 +11203,7 @@
                     <a:p>
                       <a:pPr algn="ctr"/>
                       <a:r>
-                        <a:rPr lang="en-US" altLang="zh-CN" b="1" dirty="0" smtClean="0"/>
+                        <a:rPr lang="en-US" altLang="zh-CN" b="1" dirty="0"/>
                         <a:t>d</a:t>
                       </a:r>
                       <a:endParaRPr lang="zh-CN" altLang="en-US" b="1" dirty="0"/>
@@ -10991,7 +11218,7 @@
                     <a:p>
                       <a:pPr algn="ctr"/>
                       <a:r>
-                        <a:rPr lang="en-US" altLang="zh-CN" b="1" dirty="0" smtClean="0"/>
+                        <a:rPr lang="en-US" altLang="zh-CN" b="1" dirty="0"/>
                         <a:t>#</a:t>
                       </a:r>
                       <a:endParaRPr lang="zh-CN" altLang="en-US" b="1" dirty="0"/>
@@ -11006,7 +11233,7 @@
                     <a:p>
                       <a:pPr algn="ctr"/>
                       <a:r>
-                        <a:rPr lang="en-US" altLang="zh-CN" b="1" dirty="0" smtClean="0"/>
+                        <a:rPr lang="en-US" altLang="zh-CN" b="1" dirty="0"/>
                         <a:t>e</a:t>
                       </a:r>
                       <a:endParaRPr lang="zh-CN" altLang="en-US" b="1" dirty="0"/>
@@ -11021,7 +11248,7 @@
                     <a:p>
                       <a:pPr algn="ctr"/>
                       <a:r>
-                        <a:rPr lang="en-US" altLang="zh-CN" b="1" dirty="0" smtClean="0"/>
+                        <a:rPr lang="en-US" altLang="zh-CN" b="1" dirty="0"/>
                         <a:t>#</a:t>
                       </a:r>
                       <a:endParaRPr lang="zh-CN" altLang="en-US" b="1" dirty="0"/>
@@ -11036,7 +11263,7 @@
                     <a:p>
                       <a:pPr algn="ctr"/>
                       <a:r>
-                        <a:rPr lang="en-US" altLang="zh-CN" b="1" dirty="0" smtClean="0"/>
+                        <a:rPr lang="en-US" altLang="zh-CN" b="1" dirty="0"/>
                         <a:t>$</a:t>
                       </a:r>
                       <a:endParaRPr lang="zh-CN" altLang="en-US" b="1" dirty="0"/>
@@ -11058,7 +11285,7 @@
                     <a:p>
                       <a:pPr algn="ctr"/>
                       <a:r>
-                        <a:rPr lang="en-US" altLang="zh-CN" b="1" dirty="0" smtClean="0"/>
+                        <a:rPr lang="en-US" altLang="zh-CN" b="1" dirty="0"/>
                         <a:t>P</a:t>
                       </a:r>
                       <a:endParaRPr lang="zh-CN" altLang="en-US" b="1" dirty="0"/>
@@ -11084,7 +11311,7 @@
                     <a:p>
                       <a:pPr algn="ctr"/>
                       <a:r>
-                        <a:rPr lang="en-US" altLang="zh-CN" b="1" dirty="0" smtClean="0"/>
+                        <a:rPr lang="en-US" altLang="zh-CN" b="1" dirty="0"/>
                         <a:t>1</a:t>
                       </a:r>
                       <a:endParaRPr lang="zh-CN" altLang="en-US" b="1" dirty="0"/>
@@ -11099,7 +11326,7 @@
                     <a:p>
                       <a:pPr algn="ctr"/>
                       <a:r>
-                        <a:rPr lang="en-US" altLang="zh-CN" b="1" dirty="0" smtClean="0"/>
+                        <a:rPr lang="en-US" altLang="zh-CN" b="1" dirty="0"/>
                         <a:t>2</a:t>
                       </a:r>
                       <a:endParaRPr lang="zh-CN" altLang="en-US" b="1" dirty="0"/>
@@ -11114,7 +11341,7 @@
                     <a:p>
                       <a:pPr algn="ctr"/>
                       <a:r>
-                        <a:rPr lang="en-US" altLang="zh-CN" b="1" dirty="0" smtClean="0"/>
+                        <a:rPr lang="en-US" altLang="zh-CN" b="1" dirty="0"/>
                         <a:t>1</a:t>
                       </a:r>
                       <a:endParaRPr lang="zh-CN" altLang="en-US" b="1" dirty="0"/>
@@ -11129,7 +11356,7 @@
                     <a:p>
                       <a:pPr algn="ctr"/>
                       <a:r>
-                        <a:rPr lang="en-US" altLang="zh-CN" b="1" dirty="0" smtClean="0"/>
+                        <a:rPr lang="en-US" altLang="zh-CN" b="1" dirty="0"/>
                         <a:t>2</a:t>
                       </a:r>
                       <a:endParaRPr lang="zh-CN" altLang="en-US" b="1" dirty="0"/>
@@ -11144,7 +11371,7 @@
                     <a:p>
                       <a:pPr algn="ctr"/>
                       <a:r>
-                        <a:rPr lang="en-US" altLang="zh-CN" b="1" dirty="0" smtClean="0"/>
+                        <a:rPr lang="en-US" altLang="zh-CN" b="1" dirty="0"/>
                         <a:t>1</a:t>
                       </a:r>
                       <a:endParaRPr lang="zh-CN" altLang="en-US" b="1" dirty="0"/>
@@ -11159,7 +11386,7 @@
                     <a:p>
                       <a:pPr algn="ctr"/>
                       <a:r>
-                        <a:rPr lang="en-US" altLang="zh-CN" b="1" dirty="0" smtClean="0"/>
+                        <a:rPr lang="en-US" altLang="zh-CN" b="1" dirty="0"/>
                         <a:t>6</a:t>
                       </a:r>
                       <a:endParaRPr lang="zh-CN" altLang="en-US" b="1" dirty="0"/>
@@ -11174,7 +11401,7 @@
                     <a:p>
                       <a:pPr algn="ctr"/>
                       <a:r>
-                        <a:rPr lang="en-US" altLang="zh-CN" b="1" dirty="0" smtClean="0"/>
+                        <a:rPr lang="en-US" altLang="zh-CN" b="1" dirty="0"/>
                         <a:t>1</a:t>
                       </a:r>
                       <a:endParaRPr lang="zh-CN" altLang="en-US" b="1" dirty="0"/>
@@ -11189,7 +11416,7 @@
                     <a:p>
                       <a:pPr algn="ctr"/>
                       <a:r>
-                        <a:rPr lang="en-US" altLang="zh-CN" b="1" dirty="0" smtClean="0"/>
+                        <a:rPr lang="en-US" altLang="zh-CN" b="1" dirty="0"/>
                         <a:t>2</a:t>
                       </a:r>
                       <a:endParaRPr lang="zh-CN" altLang="en-US" b="1" dirty="0"/>
@@ -11204,7 +11431,7 @@
                     <a:p>
                       <a:pPr algn="ctr"/>
                       <a:r>
-                        <a:rPr lang="en-US" altLang="zh-CN" b="1" dirty="0" smtClean="0"/>
+                        <a:rPr lang="en-US" altLang="zh-CN" b="1" dirty="0"/>
                         <a:t>1</a:t>
                       </a:r>
                       <a:endParaRPr lang="zh-CN" altLang="en-US" b="1" dirty="0"/>
@@ -11219,7 +11446,7 @@
                     <a:p>
                       <a:pPr algn="ctr"/>
                       <a:r>
-                        <a:rPr lang="en-US" altLang="zh-CN" b="1" dirty="0" smtClean="0"/>
+                        <a:rPr lang="en-US" altLang="zh-CN" b="1" dirty="0"/>
                         <a:t>6</a:t>
                       </a:r>
                       <a:endParaRPr lang="zh-CN" altLang="en-US" b="1" dirty="0"/>
@@ -11234,7 +11461,7 @@
                     <a:p>
                       <a:pPr marL="0" algn="ctr" defTabSz="914400" rtl="0" eaLnBrk="1" latinLnBrk="0" hangingPunct="1"/>
                       <a:r>
-                        <a:rPr lang="en-US" altLang="zh-CN" sz="1800" b="1" kern="1200" dirty="0" smtClean="0">
+                        <a:rPr lang="en-US" altLang="zh-CN" sz="1800" b="1" kern="1200" dirty="0">
                           <a:solidFill>
                             <a:schemeClr val="dk1"/>
                           </a:solidFill>
@@ -11263,7 +11490,7 @@
                     <a:p>
                       <a:pPr marL="0" algn="ctr" defTabSz="914400" rtl="0" eaLnBrk="1" latinLnBrk="0" hangingPunct="1"/>
                       <a:r>
-                        <a:rPr lang="en-US" altLang="zh-CN" sz="1800" b="1" kern="1200" dirty="0" smtClean="0">
+                        <a:rPr lang="en-US" altLang="zh-CN" sz="1800" b="1" kern="1200" dirty="0">
                           <a:solidFill>
                             <a:schemeClr val="dk1"/>
                           </a:solidFill>
@@ -11292,7 +11519,7 @@
                     <a:p>
                       <a:pPr marL="0" algn="ctr" defTabSz="914400" rtl="0" eaLnBrk="1" latinLnBrk="0" hangingPunct="1"/>
                       <a:r>
-                        <a:rPr lang="en-US" altLang="zh-CN" sz="1800" b="1" kern="1200" dirty="0" smtClean="0">
+                        <a:rPr lang="en-US" altLang="zh-CN" sz="1800" b="1" kern="1200" dirty="0">
                           <a:solidFill>
                             <a:schemeClr val="dk1"/>
                           </a:solidFill>
@@ -11424,7 +11651,7 @@
           <a:lstStyle/>
           <a:p>
             <a:r>
-              <a:rPr lang="en-US" altLang="zh-CN" dirty="0" smtClean="0"/>
+              <a:rPr lang="en-US" altLang="zh-CN" dirty="0"/>
               <a:t>id</a:t>
             </a:r>
             <a:endParaRPr lang="zh-CN" altLang="en-US" dirty="0"/>
@@ -11520,7 +11747,7 @@
           <a:lstStyle/>
           <a:p>
             <a:r>
-              <a:rPr lang="en-US" altLang="zh-CN" dirty="0" smtClean="0"/>
+              <a:rPr lang="en-US" altLang="zh-CN" dirty="0"/>
               <a:t>i_m</a:t>
             </a:r>
             <a:endParaRPr lang="zh-CN" altLang="en-US" dirty="0"/>
@@ -11617,18 +11844,17 @@
           <a:lstStyle/>
           <a:p>
             <a:r>
-              <a:rPr lang="zh-CN" altLang="en-US" dirty="0" smtClean="0"/>
+              <a:rPr lang="zh-CN" altLang="en-US" dirty="0"/>
               <a:t>“</a:t>
             </a:r>
             <a:r>
-              <a:rPr lang="en-US" altLang="zh-CN" dirty="0" smtClean="0"/>
+              <a:rPr lang="en-US" altLang="zh-CN" dirty="0"/>
               <a:t>abcba</a:t>
             </a:r>
             <a:r>
-              <a:rPr lang="zh-CN" altLang="en-US" dirty="0" smtClean="0"/>
+              <a:rPr lang="zh-CN" altLang="en-US" dirty="0"/>
               <a:t>”</a:t>
             </a:r>
-            <a:endParaRPr lang="zh-CN" altLang="en-US" dirty="0"/>
           </a:p>
         </p:txBody>
       </p:sp>
@@ -11784,7 +12010,7 @@
           <a:lstStyle/>
           <a:p>
             <a:r>
-              <a:rPr lang="en-US" altLang="zh-CN" dirty="0" smtClean="0"/>
+              <a:rPr lang="en-US" altLang="zh-CN" dirty="0"/>
               <a:t>mx</a:t>
             </a:r>
             <a:endParaRPr lang="zh-CN" altLang="en-US" dirty="0"/>
@@ -12009,7 +12235,7 @@
                     <a:p>
                       <a:pPr algn="ctr"/>
                       <a:r>
-                        <a:rPr lang="en-US" altLang="zh-CN" b="1" dirty="0" smtClean="0"/>
+                        <a:rPr lang="en-US" altLang="zh-CN" b="1" dirty="0"/>
                         <a:t>i</a:t>
                       </a:r>
                       <a:endParaRPr lang="zh-CN" altLang="en-US" b="1" dirty="0"/>
@@ -12024,7 +12250,7 @@
                     <a:p>
                       <a:pPr algn="ctr"/>
                       <a:r>
-                        <a:rPr lang="en-US" altLang="zh-CN" b="1" dirty="0" smtClean="0"/>
+                        <a:rPr lang="en-US" altLang="zh-CN" b="1" dirty="0"/>
                         <a:t>0</a:t>
                       </a:r>
                       <a:endParaRPr lang="zh-CN" altLang="en-US" b="1" dirty="0"/>
@@ -12039,7 +12265,7 @@
                     <a:p>
                       <a:pPr algn="ctr"/>
                       <a:r>
-                        <a:rPr lang="en-US" altLang="zh-CN" b="1" dirty="0" smtClean="0"/>
+                        <a:rPr lang="en-US" altLang="zh-CN" b="1" dirty="0"/>
                         <a:t>1</a:t>
                       </a:r>
                       <a:endParaRPr lang="zh-CN" altLang="en-US" b="1" dirty="0"/>
@@ -12054,7 +12280,7 @@
                     <a:p>
                       <a:pPr algn="ctr"/>
                       <a:r>
-                        <a:rPr lang="en-US" altLang="zh-CN" b="1" dirty="0" smtClean="0"/>
+                        <a:rPr lang="en-US" altLang="zh-CN" b="1" dirty="0"/>
                         <a:t>2</a:t>
                       </a:r>
                       <a:endParaRPr lang="zh-CN" altLang="en-US" b="1" dirty="0"/>
@@ -12069,7 +12295,7 @@
                     <a:p>
                       <a:pPr algn="ctr"/>
                       <a:r>
-                        <a:rPr lang="en-US" altLang="zh-CN" b="1" dirty="0" smtClean="0"/>
+                        <a:rPr lang="en-US" altLang="zh-CN" b="1" dirty="0"/>
                         <a:t>3</a:t>
                       </a:r>
                       <a:endParaRPr lang="zh-CN" altLang="en-US" b="1" dirty="0"/>
@@ -12084,7 +12310,7 @@
                     <a:p>
                       <a:pPr algn="ctr"/>
                       <a:r>
-                        <a:rPr lang="en-US" altLang="zh-CN" b="1" dirty="0" smtClean="0"/>
+                        <a:rPr lang="en-US" altLang="zh-CN" b="1" dirty="0"/>
                         <a:t>4</a:t>
                       </a:r>
                       <a:endParaRPr lang="zh-CN" altLang="en-US" b="1" dirty="0"/>
@@ -12099,7 +12325,7 @@
                     <a:p>
                       <a:pPr algn="ctr"/>
                       <a:r>
-                        <a:rPr lang="en-US" altLang="zh-CN" b="1" dirty="0" smtClean="0"/>
+                        <a:rPr lang="en-US" altLang="zh-CN" b="1" dirty="0"/>
                         <a:t>5</a:t>
                       </a:r>
                       <a:endParaRPr lang="zh-CN" altLang="en-US" b="1" dirty="0"/>
@@ -12114,7 +12340,7 @@
                     <a:p>
                       <a:pPr algn="ctr"/>
                       <a:r>
-                        <a:rPr lang="en-US" altLang="zh-CN" b="1" dirty="0" smtClean="0"/>
+                        <a:rPr lang="en-US" altLang="zh-CN" b="1" dirty="0"/>
                         <a:t>6</a:t>
                       </a:r>
                       <a:endParaRPr lang="zh-CN" altLang="en-US" b="1" dirty="0"/>
@@ -12129,7 +12355,7 @@
                     <a:p>
                       <a:pPr algn="ctr"/>
                       <a:r>
-                        <a:rPr lang="en-US" altLang="zh-CN" b="1" dirty="0" smtClean="0"/>
+                        <a:rPr lang="en-US" altLang="zh-CN" b="1" dirty="0"/>
                         <a:t>7</a:t>
                       </a:r>
                       <a:endParaRPr lang="zh-CN" altLang="en-US" b="1" dirty="0"/>
@@ -12144,7 +12370,7 @@
                     <a:p>
                       <a:pPr algn="ctr"/>
                       <a:r>
-                        <a:rPr lang="en-US" altLang="zh-CN" b="1" dirty="0" smtClean="0"/>
+                        <a:rPr lang="en-US" altLang="zh-CN" b="1" dirty="0"/>
                         <a:t>8</a:t>
                       </a:r>
                       <a:endParaRPr lang="zh-CN" altLang="en-US" b="1" dirty="0"/>
@@ -12159,7 +12385,7 @@
                     <a:p>
                       <a:pPr algn="ctr"/>
                       <a:r>
-                        <a:rPr lang="en-US" altLang="zh-CN" b="1" dirty="0" smtClean="0"/>
+                        <a:rPr lang="en-US" altLang="zh-CN" b="1" dirty="0"/>
                         <a:t>9</a:t>
                       </a:r>
                       <a:endParaRPr lang="zh-CN" altLang="en-US" b="1" dirty="0"/>
@@ -12174,7 +12400,7 @@
                     <a:p>
                       <a:pPr algn="ctr"/>
                       <a:r>
-                        <a:rPr lang="en-US" altLang="zh-CN" b="1" dirty="0" smtClean="0"/>
+                        <a:rPr lang="en-US" altLang="zh-CN" b="1" dirty="0"/>
                         <a:t>10</a:t>
                       </a:r>
                       <a:endParaRPr lang="zh-CN" altLang="en-US" b="1" dirty="0"/>
@@ -12189,7 +12415,7 @@
                     <a:p>
                       <a:pPr algn="ctr"/>
                       <a:r>
-                        <a:rPr lang="en-US" altLang="zh-CN" b="1" dirty="0" smtClean="0"/>
+                        <a:rPr lang="en-US" altLang="zh-CN" b="1" dirty="0"/>
                         <a:t>11</a:t>
                       </a:r>
                       <a:endParaRPr lang="zh-CN" altLang="en-US" b="1" dirty="0"/>
@@ -12204,7 +12430,7 @@
                     <a:p>
                       <a:pPr algn="ctr"/>
                       <a:r>
-                        <a:rPr lang="en-US" altLang="zh-CN" b="1" dirty="0" smtClean="0"/>
+                        <a:rPr lang="en-US" altLang="zh-CN" b="1" dirty="0"/>
                         <a:t>12</a:t>
                       </a:r>
                       <a:endParaRPr lang="zh-CN" altLang="en-US" b="1" dirty="0"/>
@@ -12219,7 +12445,7 @@
                     <a:p>
                       <a:pPr algn="ctr"/>
                       <a:r>
-                        <a:rPr lang="en-US" altLang="zh-CN" b="1" dirty="0" smtClean="0"/>
+                        <a:rPr lang="en-US" altLang="zh-CN" b="1" dirty="0"/>
                         <a:t>13</a:t>
                       </a:r>
                       <a:endParaRPr lang="zh-CN" altLang="en-US" b="1" dirty="0"/>
@@ -12234,7 +12460,7 @@
                     <a:p>
                       <a:pPr algn="ctr"/>
                       <a:r>
-                        <a:rPr lang="en-US" altLang="zh-CN" b="1" dirty="0" smtClean="0"/>
+                        <a:rPr lang="en-US" altLang="zh-CN" b="1" dirty="0"/>
                         <a:t>14</a:t>
                       </a:r>
                       <a:endParaRPr lang="zh-CN" altLang="en-US" b="1" dirty="0"/>
@@ -12249,7 +12475,7 @@
                     <a:p>
                       <a:pPr algn="ctr"/>
                       <a:r>
-                        <a:rPr lang="en-US" altLang="zh-CN" b="1" dirty="0" smtClean="0"/>
+                        <a:rPr lang="en-US" altLang="zh-CN" b="1" dirty="0"/>
                         <a:t>15</a:t>
                       </a:r>
                       <a:endParaRPr lang="zh-CN" altLang="en-US" b="1" dirty="0"/>
@@ -12264,7 +12490,7 @@
                     <a:p>
                       <a:pPr algn="ctr"/>
                       <a:r>
-                        <a:rPr lang="en-US" altLang="zh-CN" b="1" dirty="0" smtClean="0"/>
+                        <a:rPr lang="en-US" altLang="zh-CN" b="1" dirty="0"/>
                         <a:t>16</a:t>
                       </a:r>
                       <a:endParaRPr lang="zh-CN" altLang="en-US" b="1" dirty="0"/>
@@ -12279,7 +12505,7 @@
                     <a:p>
                       <a:pPr algn="ctr"/>
                       <a:r>
-                        <a:rPr lang="en-US" altLang="zh-CN" b="1" dirty="0" smtClean="0"/>
+                        <a:rPr lang="en-US" altLang="zh-CN" b="1" dirty="0"/>
                         <a:t>17</a:t>
                       </a:r>
                       <a:endParaRPr lang="zh-CN" altLang="en-US" b="1" dirty="0"/>
@@ -12294,7 +12520,7 @@
                     <a:p>
                       <a:pPr algn="ctr"/>
                       <a:r>
-                        <a:rPr lang="en-US" altLang="zh-CN" b="1" dirty="0" smtClean="0"/>
+                        <a:rPr lang="en-US" altLang="zh-CN" b="1" dirty="0"/>
                         <a:t>18</a:t>
                       </a:r>
                       <a:endParaRPr lang="zh-CN" altLang="en-US" b="1" dirty="0"/>
@@ -12309,7 +12535,7 @@
                     <a:p>
                       <a:pPr algn="ctr"/>
                       <a:r>
-                        <a:rPr lang="en-US" altLang="zh-CN" b="1" dirty="0" smtClean="0"/>
+                        <a:rPr lang="en-US" altLang="zh-CN" b="1" dirty="0"/>
                         <a:t>19</a:t>
                       </a:r>
                       <a:endParaRPr lang="zh-CN" altLang="en-US" b="1" dirty="0"/>
@@ -12324,7 +12550,7 @@
                     <a:p>
                       <a:pPr algn="ctr"/>
                       <a:r>
-                        <a:rPr lang="en-US" altLang="zh-CN" b="1" dirty="0" smtClean="0"/>
+                        <a:rPr lang="en-US" altLang="zh-CN" b="1" dirty="0"/>
                         <a:t>20</a:t>
                       </a:r>
                       <a:endParaRPr lang="zh-CN" altLang="en-US" b="1" dirty="0"/>
@@ -12346,7 +12572,7 @@
                     <a:p>
                       <a:pPr algn="ctr"/>
                       <a:r>
-                        <a:rPr lang="en-US" altLang="zh-CN" b="1" dirty="0" smtClean="0"/>
+                        <a:rPr lang="en-US" altLang="zh-CN" b="1" dirty="0"/>
                         <a:t>T</a:t>
                       </a:r>
                       <a:endParaRPr lang="zh-CN" altLang="en-US" b="1" dirty="0"/>
@@ -12361,7 +12587,7 @@
                     <a:p>
                       <a:pPr algn="ctr"/>
                       <a:r>
-                        <a:rPr lang="en-US" altLang="zh-CN" b="1" dirty="0" smtClean="0"/>
+                        <a:rPr lang="en-US" altLang="zh-CN" b="1" dirty="0"/>
                         <a:t>^</a:t>
                       </a:r>
                       <a:endParaRPr lang="zh-CN" altLang="en-US" b="1" dirty="0"/>
@@ -12376,7 +12602,7 @@
                     <a:p>
                       <a:pPr algn="ctr"/>
                       <a:r>
-                        <a:rPr lang="en-US" altLang="zh-CN" b="1" dirty="0" smtClean="0"/>
+                        <a:rPr lang="en-US" altLang="zh-CN" b="1" dirty="0"/>
                         <a:t>#</a:t>
                       </a:r>
                       <a:endParaRPr lang="zh-CN" altLang="en-US" b="1" dirty="0"/>
@@ -12391,7 +12617,7 @@
                     <a:p>
                       <a:pPr algn="ctr"/>
                       <a:r>
-                        <a:rPr lang="en-US" altLang="zh-CN" b="1" dirty="0" smtClean="0"/>
+                        <a:rPr lang="en-US" altLang="zh-CN" b="1" dirty="0"/>
                         <a:t>c</a:t>
                       </a:r>
                       <a:endParaRPr lang="zh-CN" altLang="en-US" b="1" dirty="0"/>
@@ -12406,7 +12632,7 @@
                     <a:p>
                       <a:pPr algn="ctr"/>
                       <a:r>
-                        <a:rPr lang="en-US" altLang="zh-CN" b="1" dirty="0" smtClean="0"/>
+                        <a:rPr lang="en-US" altLang="zh-CN" b="1" dirty="0"/>
                         <a:t>#</a:t>
                       </a:r>
                       <a:endParaRPr lang="zh-CN" altLang="en-US" b="1" dirty="0"/>
@@ -12421,7 +12647,7 @@
                     <a:p>
                       <a:pPr algn="ctr"/>
                       <a:r>
-                        <a:rPr lang="en-US" altLang="zh-CN" b="1" dirty="0" smtClean="0"/>
+                        <a:rPr lang="en-US" altLang="zh-CN" b="1" dirty="0"/>
                         <a:t>b</a:t>
                       </a:r>
                       <a:endParaRPr lang="zh-CN" altLang="en-US" b="1" dirty="0"/>
@@ -12436,7 +12662,7 @@
                     <a:p>
                       <a:pPr algn="ctr"/>
                       <a:r>
-                        <a:rPr lang="en-US" altLang="zh-CN" b="1" dirty="0" smtClean="0"/>
+                        <a:rPr lang="en-US" altLang="zh-CN" b="1" dirty="0"/>
                         <a:t>#</a:t>
                       </a:r>
                       <a:endParaRPr lang="zh-CN" altLang="en-US" b="1" dirty="0"/>
@@ -12451,7 +12677,7 @@
                     <a:p>
                       <a:pPr algn="ctr"/>
                       <a:r>
-                        <a:rPr lang="en-US" altLang="zh-CN" b="1" dirty="0" smtClean="0"/>
+                        <a:rPr lang="en-US" altLang="zh-CN" b="1" dirty="0"/>
                         <a:t>a</a:t>
                       </a:r>
                       <a:endParaRPr lang="zh-CN" altLang="en-US" b="1" dirty="0"/>
@@ -12466,7 +12692,7 @@
                     <a:p>
                       <a:pPr algn="ctr"/>
                       <a:r>
-                        <a:rPr lang="en-US" altLang="zh-CN" b="1" dirty="0" smtClean="0"/>
+                        <a:rPr lang="en-US" altLang="zh-CN" b="1" dirty="0"/>
                         <a:t>#</a:t>
                       </a:r>
                       <a:endParaRPr lang="zh-CN" altLang="en-US" b="1" dirty="0"/>
@@ -12481,7 +12707,7 @@
                     <a:p>
                       <a:pPr algn="ctr"/>
                       <a:r>
-                        <a:rPr lang="en-US" altLang="zh-CN" b="1" dirty="0" smtClean="0"/>
+                        <a:rPr lang="en-US" altLang="zh-CN" b="1" dirty="0"/>
                         <a:t>b</a:t>
                       </a:r>
                       <a:endParaRPr lang="zh-CN" altLang="en-US" b="1" dirty="0"/>
@@ -12496,7 +12722,7 @@
                     <a:p>
                       <a:pPr algn="ctr"/>
                       <a:r>
-                        <a:rPr lang="en-US" altLang="zh-CN" b="1" dirty="0" smtClean="0"/>
+                        <a:rPr lang="en-US" altLang="zh-CN" b="1" dirty="0"/>
                         <a:t>#</a:t>
                       </a:r>
                       <a:endParaRPr lang="zh-CN" altLang="en-US" b="1" dirty="0"/>
@@ -12511,7 +12737,7 @@
                     <a:p>
                       <a:pPr algn="ctr"/>
                       <a:r>
-                        <a:rPr lang="en-US" altLang="zh-CN" b="1" dirty="0" smtClean="0"/>
+                        <a:rPr lang="en-US" altLang="zh-CN" b="1" dirty="0"/>
                         <a:t>c</a:t>
                       </a:r>
                       <a:endParaRPr lang="zh-CN" altLang="en-US" b="1" dirty="0"/>
@@ -12526,7 +12752,7 @@
                     <a:p>
                       <a:pPr algn="ctr"/>
                       <a:r>
-                        <a:rPr lang="en-US" altLang="zh-CN" b="1" dirty="0" smtClean="0"/>
+                        <a:rPr lang="en-US" altLang="zh-CN" b="1" dirty="0"/>
                         <a:t>#</a:t>
                       </a:r>
                       <a:endParaRPr lang="zh-CN" altLang="en-US" b="1" dirty="0"/>
@@ -12541,7 +12767,7 @@
                     <a:p>
                       <a:pPr algn="ctr"/>
                       <a:r>
-                        <a:rPr lang="en-US" altLang="zh-CN" b="1" dirty="0" smtClean="0"/>
+                        <a:rPr lang="en-US" altLang="zh-CN" b="1" dirty="0"/>
                         <a:t>b</a:t>
                       </a:r>
                       <a:endParaRPr lang="zh-CN" altLang="en-US" b="1" dirty="0"/>
@@ -12556,7 +12782,7 @@
                     <a:p>
                       <a:pPr algn="ctr"/>
                       <a:r>
-                        <a:rPr lang="en-US" altLang="zh-CN" b="1" dirty="0" smtClean="0"/>
+                        <a:rPr lang="en-US" altLang="zh-CN" b="1" dirty="0"/>
                         <a:t>#</a:t>
                       </a:r>
                       <a:endParaRPr lang="zh-CN" altLang="en-US" b="1" dirty="0"/>
@@ -12571,7 +12797,7 @@
                     <a:p>
                       <a:pPr algn="ctr"/>
                       <a:r>
-                        <a:rPr lang="en-US" altLang="zh-CN" b="1" dirty="0" smtClean="0"/>
+                        <a:rPr lang="en-US" altLang="zh-CN" b="1" dirty="0"/>
                         <a:t>a</a:t>
                       </a:r>
                       <a:endParaRPr lang="zh-CN" altLang="en-US" b="1" dirty="0"/>
@@ -12586,7 +12812,7 @@
                     <a:p>
                       <a:pPr algn="ctr"/>
                       <a:r>
-                        <a:rPr lang="en-US" altLang="zh-CN" b="1" dirty="0" smtClean="0"/>
+                        <a:rPr lang="en-US" altLang="zh-CN" b="1" dirty="0"/>
                         <a:t>#</a:t>
                       </a:r>
                       <a:endParaRPr lang="zh-CN" altLang="en-US" b="1" dirty="0"/>
@@ -12601,7 +12827,7 @@
                     <a:p>
                       <a:pPr algn="ctr"/>
                       <a:r>
-                        <a:rPr lang="en-US" altLang="zh-CN" b="1" dirty="0" smtClean="0"/>
+                        <a:rPr lang="en-US" altLang="zh-CN" b="1" dirty="0"/>
                         <a:t>d</a:t>
                       </a:r>
                       <a:endParaRPr lang="zh-CN" altLang="en-US" b="1" dirty="0"/>
@@ -12616,7 +12842,7 @@
                     <a:p>
                       <a:pPr algn="ctr"/>
                       <a:r>
-                        <a:rPr lang="en-US" altLang="zh-CN" b="1" dirty="0" smtClean="0"/>
+                        <a:rPr lang="en-US" altLang="zh-CN" b="1" dirty="0"/>
                         <a:t>#</a:t>
                       </a:r>
                       <a:endParaRPr lang="zh-CN" altLang="en-US" b="1" dirty="0"/>
@@ -12631,7 +12857,7 @@
                     <a:p>
                       <a:pPr algn="ctr"/>
                       <a:r>
-                        <a:rPr lang="en-US" altLang="zh-CN" b="1" dirty="0" smtClean="0"/>
+                        <a:rPr lang="en-US" altLang="zh-CN" b="1" dirty="0"/>
                         <a:t>e</a:t>
                       </a:r>
                       <a:endParaRPr lang="zh-CN" altLang="en-US" b="1" dirty="0"/>
@@ -12646,7 +12872,7 @@
                     <a:p>
                       <a:pPr algn="ctr"/>
                       <a:r>
-                        <a:rPr lang="en-US" altLang="zh-CN" b="1" dirty="0" smtClean="0"/>
+                        <a:rPr lang="en-US" altLang="zh-CN" b="1" dirty="0"/>
                         <a:t>#</a:t>
                       </a:r>
                       <a:endParaRPr lang="zh-CN" altLang="en-US" b="1" dirty="0"/>
@@ -12661,7 +12887,7 @@
                     <a:p>
                       <a:pPr algn="ctr"/>
                       <a:r>
-                        <a:rPr lang="en-US" altLang="zh-CN" b="1" dirty="0" smtClean="0"/>
+                        <a:rPr lang="en-US" altLang="zh-CN" b="1" dirty="0"/>
                         <a:t>$</a:t>
                       </a:r>
                       <a:endParaRPr lang="zh-CN" altLang="en-US" b="1" dirty="0"/>
@@ -12683,7 +12909,7 @@
                     <a:p>
                       <a:pPr algn="ctr"/>
                       <a:r>
-                        <a:rPr lang="en-US" altLang="zh-CN" b="1" dirty="0" smtClean="0"/>
+                        <a:rPr lang="en-US" altLang="zh-CN" b="1" dirty="0"/>
                         <a:t>P</a:t>
                       </a:r>
                       <a:endParaRPr lang="zh-CN" altLang="en-US" b="1" dirty="0"/>
@@ -12709,7 +12935,7 @@
                     <a:p>
                       <a:pPr algn="ctr"/>
                       <a:r>
-                        <a:rPr lang="en-US" altLang="zh-CN" b="1" dirty="0" smtClean="0"/>
+                        <a:rPr lang="en-US" altLang="zh-CN" b="1" dirty="0"/>
                         <a:t>1</a:t>
                       </a:r>
                       <a:endParaRPr lang="zh-CN" altLang="en-US" b="1" dirty="0"/>
@@ -12724,7 +12950,7 @@
                     <a:p>
                       <a:pPr algn="ctr"/>
                       <a:r>
-                        <a:rPr lang="en-US" altLang="zh-CN" b="1" dirty="0" smtClean="0"/>
+                        <a:rPr lang="en-US" altLang="zh-CN" b="1" dirty="0"/>
                         <a:t>2</a:t>
                       </a:r>
                       <a:endParaRPr lang="zh-CN" altLang="en-US" b="1" dirty="0"/>
@@ -12739,7 +12965,7 @@
                     <a:p>
                       <a:pPr algn="ctr"/>
                       <a:r>
-                        <a:rPr lang="en-US" altLang="zh-CN" b="1" dirty="0" smtClean="0"/>
+                        <a:rPr lang="en-US" altLang="zh-CN" b="1" dirty="0"/>
                         <a:t>1</a:t>
                       </a:r>
                       <a:endParaRPr lang="zh-CN" altLang="en-US" b="1" dirty="0"/>
@@ -12754,7 +12980,7 @@
                     <a:p>
                       <a:pPr algn="ctr"/>
                       <a:r>
-                        <a:rPr lang="en-US" altLang="zh-CN" b="1" dirty="0" smtClean="0"/>
+                        <a:rPr lang="en-US" altLang="zh-CN" b="1" dirty="0"/>
                         <a:t>2</a:t>
                       </a:r>
                       <a:endParaRPr lang="zh-CN" altLang="en-US" b="1" dirty="0"/>
@@ -12769,7 +12995,7 @@
                     <a:p>
                       <a:pPr algn="ctr"/>
                       <a:r>
-                        <a:rPr lang="en-US" altLang="zh-CN" b="1" dirty="0" smtClean="0"/>
+                        <a:rPr lang="en-US" altLang="zh-CN" b="1" dirty="0"/>
                         <a:t>1</a:t>
                       </a:r>
                       <a:endParaRPr lang="zh-CN" altLang="en-US" b="1" dirty="0"/>
@@ -12784,7 +13010,7 @@
                     <a:p>
                       <a:pPr algn="ctr"/>
                       <a:r>
-                        <a:rPr lang="en-US" altLang="zh-CN" b="1" dirty="0" smtClean="0"/>
+                        <a:rPr lang="en-US" altLang="zh-CN" b="1" dirty="0"/>
                         <a:t>6</a:t>
                       </a:r>
                       <a:endParaRPr lang="zh-CN" altLang="en-US" b="1" dirty="0"/>
@@ -12799,7 +13025,7 @@
                     <a:p>
                       <a:pPr algn="ctr"/>
                       <a:r>
-                        <a:rPr lang="en-US" altLang="zh-CN" b="1" dirty="0" smtClean="0"/>
+                        <a:rPr lang="en-US" altLang="zh-CN" b="1" dirty="0"/>
                         <a:t>1</a:t>
                       </a:r>
                       <a:endParaRPr lang="zh-CN" altLang="en-US" b="1" dirty="0"/>
@@ -12814,7 +13040,7 @@
                     <a:p>
                       <a:pPr algn="ctr"/>
                       <a:r>
-                        <a:rPr lang="en-US" altLang="zh-CN" b="1" dirty="0" smtClean="0"/>
+                        <a:rPr lang="en-US" altLang="zh-CN" b="1" dirty="0"/>
                         <a:t>2</a:t>
                       </a:r>
                       <a:endParaRPr lang="zh-CN" altLang="en-US" b="1" dirty="0"/>
@@ -12829,7 +13055,7 @@
                     <a:p>
                       <a:pPr algn="ctr"/>
                       <a:r>
-                        <a:rPr lang="en-US" altLang="zh-CN" b="1" dirty="0" smtClean="0"/>
+                        <a:rPr lang="en-US" altLang="zh-CN" b="1" dirty="0"/>
                         <a:t>1</a:t>
                       </a:r>
                       <a:endParaRPr lang="zh-CN" altLang="en-US" b="1" dirty="0"/>
@@ -12988,7 +13214,7 @@
           <a:lstStyle/>
           <a:p>
             <a:r>
-              <a:rPr lang="en-US" altLang="zh-CN" dirty="0" smtClean="0"/>
+              <a:rPr lang="en-US" altLang="zh-CN" dirty="0"/>
               <a:t>id</a:t>
             </a:r>
             <a:endParaRPr lang="zh-CN" altLang="en-US" dirty="0"/>
@@ -13084,7 +13310,7 @@
           <a:lstStyle/>
           <a:p>
             <a:r>
-              <a:rPr lang="en-US" altLang="zh-CN" dirty="0" smtClean="0"/>
+              <a:rPr lang="en-US" altLang="zh-CN" dirty="0"/>
               <a:t>i_m</a:t>
             </a:r>
             <a:endParaRPr lang="zh-CN" altLang="en-US" dirty="0"/>
@@ -13181,18 +13407,17 @@
           <a:lstStyle/>
           <a:p>
             <a:r>
-              <a:rPr lang="zh-CN" altLang="en-US" dirty="0" smtClean="0"/>
+              <a:rPr lang="zh-CN" altLang="en-US" dirty="0"/>
               <a:t>“</a:t>
             </a:r>
             <a:r>
-              <a:rPr lang="en-US" altLang="zh-CN" dirty="0" err="1" smtClean="0"/>
+              <a:rPr lang="en-US" altLang="zh-CN" dirty="0" err="1"/>
               <a:t>cbabc</a:t>
             </a:r>
             <a:r>
-              <a:rPr lang="zh-CN" altLang="en-US" dirty="0" smtClean="0"/>
+              <a:rPr lang="zh-CN" altLang="en-US" dirty="0"/>
               <a:t>”</a:t>
             </a:r>
-            <a:endParaRPr lang="zh-CN" altLang="en-US" dirty="0"/>
           </a:p>
         </p:txBody>
       </p:sp>
@@ -13348,7 +13573,7 @@
           <a:lstStyle/>
           <a:p>
             <a:r>
-              <a:rPr lang="en-US" altLang="zh-CN" dirty="0" smtClean="0"/>
+              <a:rPr lang="en-US" altLang="zh-CN" dirty="0"/>
               <a:t>mx</a:t>
             </a:r>
             <a:endParaRPr lang="zh-CN" altLang="en-US" dirty="0"/>
@@ -13359,6 +13584,1596 @@
     <p:extLst>
       <p:ext uri="{BB962C8B-B14F-4D97-AF65-F5344CB8AC3E}">
         <p14:creationId xmlns:p14="http://schemas.microsoft.com/office/powerpoint/2010/main" val="3420409969"/>
+      </p:ext>
+    </p:extLst>
+  </p:cSld>
+  <p:clrMapOvr>
+    <a:masterClrMapping/>
+  </p:clrMapOvr>
+</p:sld>
+</file>
+
+<file path=ppt/slides/slide16.xml><?xml version="1.0" encoding="utf-8"?>
+<p:sld xmlns:a="http://schemas.openxmlformats.org/drawingml/2006/main" xmlns:r="http://schemas.openxmlformats.org/officeDocument/2006/relationships" xmlns:p="http://schemas.openxmlformats.org/presentationml/2006/main">
+  <p:cSld>
+    <p:spTree>
+      <p:nvGrpSpPr>
+        <p:cNvPr id="1" name=""/>
+        <p:cNvGrpSpPr/>
+        <p:nvPr/>
+      </p:nvGrpSpPr>
+      <p:grpSpPr>
+        <a:xfrm>
+          <a:off x="0" y="0"/>
+          <a:ext cx="0" cy="0"/>
+          <a:chOff x="0" y="0"/>
+          <a:chExt cx="0" cy="0"/>
+        </a:xfrm>
+      </p:grpSpPr>
+      <p:graphicFrame>
+        <p:nvGraphicFramePr>
+          <p:cNvPr id="5" name="表格 5">
+            <a:extLst>
+              <a:ext uri="{FF2B5EF4-FFF2-40B4-BE49-F238E27FC236}">
+                <a16:creationId xmlns:a16="http://schemas.microsoft.com/office/drawing/2014/main" id="{42529C98-F7F4-410B-AF4A-D7CA377AAEAA}"/>
+              </a:ext>
+            </a:extLst>
+          </p:cNvPr>
+          <p:cNvGraphicFramePr>
+            <a:graphicFrameLocks noGrp="1"/>
+          </p:cNvGraphicFramePr>
+          <p:nvPr>
+            <p:extLst>
+              <p:ext uri="{D42A27DB-BD31-4B8C-83A1-F6EECF244321}">
+                <p14:modId xmlns:p14="http://schemas.microsoft.com/office/powerpoint/2010/main" val="3997549016"/>
+              </p:ext>
+            </p:extLst>
+          </p:nvPr>
+        </p:nvGraphicFramePr>
+        <p:xfrm>
+          <a:off x="2936460" y="2618041"/>
+          <a:ext cx="4229652" cy="582537"/>
+        </p:xfrm>
+        <a:graphic>
+          <a:graphicData uri="http://schemas.openxmlformats.org/drawingml/2006/table">
+            <a:tbl>
+              <a:tblPr firstRow="1" bandRow="1">
+                <a:tableStyleId>{5C22544A-7EE6-4342-B048-85BDC9FD1C3A}</a:tableStyleId>
+              </a:tblPr>
+              <a:tblGrid>
+                <a:gridCol w="704942">
+                  <a:extLst>
+                    <a:ext uri="{9D8B030D-6E8A-4147-A177-3AD203B41FA5}">
+                      <a16:colId xmlns:a16="http://schemas.microsoft.com/office/drawing/2014/main" val="2780620399"/>
+                    </a:ext>
+                  </a:extLst>
+                </a:gridCol>
+                <a:gridCol w="704942">
+                  <a:extLst>
+                    <a:ext uri="{9D8B030D-6E8A-4147-A177-3AD203B41FA5}">
+                      <a16:colId xmlns:a16="http://schemas.microsoft.com/office/drawing/2014/main" val="3691099753"/>
+                    </a:ext>
+                  </a:extLst>
+                </a:gridCol>
+                <a:gridCol w="704942">
+                  <a:extLst>
+                    <a:ext uri="{9D8B030D-6E8A-4147-A177-3AD203B41FA5}">
+                      <a16:colId xmlns:a16="http://schemas.microsoft.com/office/drawing/2014/main" val="1884638916"/>
+                    </a:ext>
+                  </a:extLst>
+                </a:gridCol>
+                <a:gridCol w="704942">
+                  <a:extLst>
+                    <a:ext uri="{9D8B030D-6E8A-4147-A177-3AD203B41FA5}">
+                      <a16:colId xmlns:a16="http://schemas.microsoft.com/office/drawing/2014/main" val="3012766823"/>
+                    </a:ext>
+                  </a:extLst>
+                </a:gridCol>
+                <a:gridCol w="704942">
+                  <a:extLst>
+                    <a:ext uri="{9D8B030D-6E8A-4147-A177-3AD203B41FA5}">
+                      <a16:colId xmlns:a16="http://schemas.microsoft.com/office/drawing/2014/main" val="2863373832"/>
+                    </a:ext>
+                  </a:extLst>
+                </a:gridCol>
+                <a:gridCol w="704942">
+                  <a:extLst>
+                    <a:ext uri="{9D8B030D-6E8A-4147-A177-3AD203B41FA5}">
+                      <a16:colId xmlns:a16="http://schemas.microsoft.com/office/drawing/2014/main" val="3828436392"/>
+                    </a:ext>
+                  </a:extLst>
+                </a:gridCol>
+              </a:tblGrid>
+              <a:tr h="582537">
+                <a:tc>
+                  <a:txBody>
+                    <a:bodyPr/>
+                    <a:lstStyle/>
+                    <a:p>
+                      <a:pPr algn="ctr"/>
+                      <a:r>
+                        <a:rPr lang="en-US" altLang="zh-CN" sz="800" dirty="0">
+                          <a:solidFill>
+                            <a:schemeClr val="tx1"/>
+                          </a:solidFill>
+                        </a:rPr>
+                        <a:t>emptyHead</a:t>
+                      </a:r>
+                      <a:endParaRPr lang="zh-CN" altLang="en-US" sz="800" dirty="0">
+                        <a:solidFill>
+                          <a:schemeClr val="tx1"/>
+                        </a:solidFill>
+                      </a:endParaRPr>
+                    </a:p>
+                  </a:txBody>
+                  <a:tcPr marL="75919" marR="75919" marT="37960" marB="37960" anchor="ctr">
+                    <a:solidFill>
+                      <a:schemeClr val="bg1">
+                        <a:lumMod val="75000"/>
+                      </a:schemeClr>
+                    </a:solidFill>
+                  </a:tcPr>
+                </a:tc>
+                <a:tc>
+                  <a:txBody>
+                    <a:bodyPr/>
+                    <a:lstStyle/>
+                    <a:p>
+                      <a:pPr algn="ctr"/>
+                      <a:r>
+                        <a:rPr lang="en-US" altLang="zh-CN" sz="1700" dirty="0"/>
+                        <a:t>1</a:t>
+                      </a:r>
+                      <a:endParaRPr lang="zh-CN" altLang="en-US" sz="1700" dirty="0"/>
+                    </a:p>
+                  </a:txBody>
+                  <a:tcPr marL="75919" marR="75919" marT="37960" marB="37960" anchor="ctr"/>
+                </a:tc>
+                <a:tc>
+                  <a:txBody>
+                    <a:bodyPr/>
+                    <a:lstStyle/>
+                    <a:p>
+                      <a:pPr algn="ctr"/>
+                      <a:r>
+                        <a:rPr lang="en-US" altLang="zh-CN" sz="1700" dirty="0"/>
+                        <a:t>2</a:t>
+                      </a:r>
+                      <a:endParaRPr lang="zh-CN" altLang="en-US" sz="1700" dirty="0"/>
+                    </a:p>
+                  </a:txBody>
+                  <a:tcPr marL="75919" marR="75919" marT="37960" marB="37960" anchor="ctr"/>
+                </a:tc>
+                <a:tc>
+                  <a:txBody>
+                    <a:bodyPr/>
+                    <a:lstStyle/>
+                    <a:p>
+                      <a:pPr algn="ctr"/>
+                      <a:r>
+                        <a:rPr lang="en-US" altLang="zh-CN" sz="1700" dirty="0"/>
+                        <a:t>3</a:t>
+                      </a:r>
+                      <a:endParaRPr lang="zh-CN" altLang="en-US" sz="1700" dirty="0"/>
+                    </a:p>
+                  </a:txBody>
+                  <a:tcPr marL="75919" marR="75919" marT="37960" marB="37960" anchor="ctr"/>
+                </a:tc>
+                <a:tc>
+                  <a:txBody>
+                    <a:bodyPr/>
+                    <a:lstStyle/>
+                    <a:p>
+                      <a:pPr algn="ctr"/>
+                      <a:r>
+                        <a:rPr lang="en-US" altLang="zh-CN" sz="1700" dirty="0"/>
+                        <a:t>4</a:t>
+                      </a:r>
+                      <a:endParaRPr lang="zh-CN" altLang="en-US" sz="1700" dirty="0"/>
+                    </a:p>
+                  </a:txBody>
+                  <a:tcPr marL="75919" marR="75919" marT="37960" marB="37960" anchor="ctr"/>
+                </a:tc>
+                <a:tc>
+                  <a:txBody>
+                    <a:bodyPr/>
+                    <a:lstStyle/>
+                    <a:p>
+                      <a:pPr algn="ctr"/>
+                      <a:r>
+                        <a:rPr lang="en-US" altLang="zh-CN" sz="1700" dirty="0"/>
+                        <a:t>5</a:t>
+                      </a:r>
+                      <a:endParaRPr lang="zh-CN" altLang="en-US" sz="1700" dirty="0"/>
+                    </a:p>
+                  </a:txBody>
+                  <a:tcPr marL="75919" marR="75919" marT="37960" marB="37960" anchor="ctr"/>
+                </a:tc>
+                <a:extLst>
+                  <a:ext uri="{0D108BD9-81ED-4DB2-BD59-A6C34878D82A}">
+                    <a16:rowId xmlns:a16="http://schemas.microsoft.com/office/drawing/2014/main" val="1297285883"/>
+                  </a:ext>
+                </a:extLst>
+              </a:tr>
+            </a:tbl>
+          </a:graphicData>
+        </a:graphic>
+      </p:graphicFrame>
+      <p:sp>
+        <p:nvSpPr>
+          <p:cNvPr id="7" name="文本框 6">
+            <a:extLst>
+              <a:ext uri="{FF2B5EF4-FFF2-40B4-BE49-F238E27FC236}">
+                <a16:creationId xmlns:a16="http://schemas.microsoft.com/office/drawing/2014/main" id="{3EC9B3C3-D7AF-4221-9ACC-D8E132A15107}"/>
+              </a:ext>
+            </a:extLst>
+          </p:cNvPr>
+          <p:cNvSpPr txBox="1"/>
+          <p:nvPr/>
+        </p:nvSpPr>
+        <p:spPr>
+          <a:xfrm>
+            <a:off x="3049947" y="3678721"/>
+            <a:ext cx="976283" cy="369332"/>
+          </a:xfrm>
+          <a:prstGeom prst="rect">
+            <a:avLst/>
+          </a:prstGeom>
+          <a:noFill/>
+        </p:spPr>
+        <p:txBody>
+          <a:bodyPr wrap="square" rtlCol="0">
+            <a:spAutoFit/>
+          </a:bodyPr>
+          <a:lstStyle/>
+          <a:p>
+            <a:r>
+              <a:rPr lang="en-US" altLang="zh-CN" dirty="0"/>
+              <a:t>p</a:t>
+            </a:r>
+            <a:endParaRPr lang="zh-CN" altLang="en-US" dirty="0"/>
+          </a:p>
+        </p:txBody>
+      </p:sp>
+      <p:cxnSp>
+        <p:nvCxnSpPr>
+          <p:cNvPr id="8" name="直接箭头连接符 7">
+            <a:extLst>
+              <a:ext uri="{FF2B5EF4-FFF2-40B4-BE49-F238E27FC236}">
+                <a16:creationId xmlns:a16="http://schemas.microsoft.com/office/drawing/2014/main" id="{C01000DA-4F4B-4878-9D6C-4BB2DD67B29B}"/>
+              </a:ext>
+            </a:extLst>
+          </p:cNvPr>
+          <p:cNvCxnSpPr/>
+          <p:nvPr/>
+        </p:nvCxnSpPr>
+        <p:spPr>
+          <a:xfrm flipV="1">
+            <a:off x="3204972" y="3268010"/>
+            <a:ext cx="0" cy="389413"/>
+          </a:xfrm>
+          <a:prstGeom prst="straightConnector1">
+            <a:avLst/>
+          </a:prstGeom>
+          <a:ln>
+            <a:tailEnd type="triangle"/>
+          </a:ln>
+        </p:spPr>
+        <p:style>
+          <a:lnRef idx="1">
+            <a:schemeClr val="dk1"/>
+          </a:lnRef>
+          <a:fillRef idx="0">
+            <a:schemeClr val="dk1"/>
+          </a:fillRef>
+          <a:effectRef idx="0">
+            <a:schemeClr val="dk1"/>
+          </a:effectRef>
+          <a:fontRef idx="minor">
+            <a:schemeClr val="tx1"/>
+          </a:fontRef>
+        </p:style>
+      </p:cxnSp>
+      <p:sp>
+        <p:nvSpPr>
+          <p:cNvPr id="9" name="文本框 8">
+            <a:extLst>
+              <a:ext uri="{FF2B5EF4-FFF2-40B4-BE49-F238E27FC236}">
+                <a16:creationId xmlns:a16="http://schemas.microsoft.com/office/drawing/2014/main" id="{80C7ED29-0A5D-4F91-BC2D-29FE6160C1DD}"/>
+              </a:ext>
+            </a:extLst>
+          </p:cNvPr>
+          <p:cNvSpPr txBox="1"/>
+          <p:nvPr/>
+        </p:nvSpPr>
+        <p:spPr>
+          <a:xfrm>
+            <a:off x="3254201" y="3681199"/>
+            <a:ext cx="976283" cy="369332"/>
+          </a:xfrm>
+          <a:prstGeom prst="rect">
+            <a:avLst/>
+          </a:prstGeom>
+          <a:noFill/>
+        </p:spPr>
+        <p:txBody>
+          <a:bodyPr wrap="square" rtlCol="0">
+            <a:spAutoFit/>
+          </a:bodyPr>
+          <a:lstStyle/>
+          <a:p>
+            <a:r>
+              <a:rPr lang="en-US" altLang="zh-CN" dirty="0"/>
+              <a:t>q</a:t>
+            </a:r>
+            <a:endParaRPr lang="zh-CN" altLang="en-US" dirty="0"/>
+          </a:p>
+        </p:txBody>
+      </p:sp>
+      <p:cxnSp>
+        <p:nvCxnSpPr>
+          <p:cNvPr id="10" name="直接箭头连接符 9">
+            <a:extLst>
+              <a:ext uri="{FF2B5EF4-FFF2-40B4-BE49-F238E27FC236}">
+                <a16:creationId xmlns:a16="http://schemas.microsoft.com/office/drawing/2014/main" id="{01890DF6-CD5B-4455-8175-B0E6A7DEFD63}"/>
+              </a:ext>
+            </a:extLst>
+          </p:cNvPr>
+          <p:cNvCxnSpPr/>
+          <p:nvPr/>
+        </p:nvCxnSpPr>
+        <p:spPr>
+          <a:xfrm flipV="1">
+            <a:off x="3406140" y="3268010"/>
+            <a:ext cx="0" cy="389413"/>
+          </a:xfrm>
+          <a:prstGeom prst="straightConnector1">
+            <a:avLst/>
+          </a:prstGeom>
+          <a:ln>
+            <a:tailEnd type="triangle"/>
+          </a:ln>
+        </p:spPr>
+        <p:style>
+          <a:lnRef idx="1">
+            <a:schemeClr val="dk1"/>
+          </a:lnRef>
+          <a:fillRef idx="0">
+            <a:schemeClr val="dk1"/>
+          </a:fillRef>
+          <a:effectRef idx="0">
+            <a:schemeClr val="dk1"/>
+          </a:effectRef>
+          <a:fontRef idx="minor">
+            <a:schemeClr val="tx1"/>
+          </a:fontRef>
+        </p:style>
+      </p:cxnSp>
+      <p:sp>
+        <p:nvSpPr>
+          <p:cNvPr id="11" name="文本框 10">
+            <a:extLst>
+              <a:ext uri="{FF2B5EF4-FFF2-40B4-BE49-F238E27FC236}">
+                <a16:creationId xmlns:a16="http://schemas.microsoft.com/office/drawing/2014/main" id="{2AE5A537-0851-4A55-9ED5-09BF2C98FA3A}"/>
+              </a:ext>
+            </a:extLst>
+          </p:cNvPr>
+          <p:cNvSpPr txBox="1"/>
+          <p:nvPr/>
+        </p:nvSpPr>
+        <p:spPr>
+          <a:xfrm>
+            <a:off x="2857500" y="1698920"/>
+            <a:ext cx="976283" cy="646331"/>
+          </a:xfrm>
+          <a:prstGeom prst="rect">
+            <a:avLst/>
+          </a:prstGeom>
+          <a:noFill/>
+        </p:spPr>
+        <p:txBody>
+          <a:bodyPr wrap="square" rtlCol="0">
+            <a:spAutoFit/>
+          </a:bodyPr>
+          <a:lstStyle/>
+          <a:p>
+            <a:r>
+              <a:rPr lang="en-US" altLang="zh-CN" dirty="0"/>
+              <a:t>n=3</a:t>
+            </a:r>
+          </a:p>
+          <a:p>
+            <a:r>
+              <a:rPr lang="en-US" altLang="zh-CN" dirty="0"/>
+              <a:t>Initial</a:t>
+            </a:r>
+            <a:endParaRPr lang="zh-CN" altLang="en-US" dirty="0"/>
+          </a:p>
+        </p:txBody>
+      </p:sp>
+      <p:cxnSp>
+        <p:nvCxnSpPr>
+          <p:cNvPr id="12" name="直接箭头连接符 11">
+            <a:extLst>
+              <a:ext uri="{FF2B5EF4-FFF2-40B4-BE49-F238E27FC236}">
+                <a16:creationId xmlns:a16="http://schemas.microsoft.com/office/drawing/2014/main" id="{7B053D97-49F2-4D92-B230-79773B887754}"/>
+              </a:ext>
+            </a:extLst>
+          </p:cNvPr>
+          <p:cNvCxnSpPr>
+            <a:cxnSpLocks/>
+          </p:cNvCxnSpPr>
+          <p:nvPr/>
+        </p:nvCxnSpPr>
+        <p:spPr>
+          <a:xfrm>
+            <a:off x="5399532" y="2206752"/>
+            <a:ext cx="0" cy="329184"/>
+          </a:xfrm>
+          <a:prstGeom prst="straightConnector1">
+            <a:avLst/>
+          </a:prstGeom>
+          <a:ln>
+            <a:tailEnd type="triangle"/>
+          </a:ln>
+        </p:spPr>
+        <p:style>
+          <a:lnRef idx="1">
+            <a:schemeClr val="dk1"/>
+          </a:lnRef>
+          <a:fillRef idx="0">
+            <a:schemeClr val="dk1"/>
+          </a:fillRef>
+          <a:effectRef idx="0">
+            <a:schemeClr val="dk1"/>
+          </a:effectRef>
+          <a:fontRef idx="minor">
+            <a:schemeClr val="tx1"/>
+          </a:fontRef>
+        </p:style>
+      </p:cxnSp>
+      <p:sp>
+        <p:nvSpPr>
+          <p:cNvPr id="15" name="文本框 14">
+            <a:extLst>
+              <a:ext uri="{FF2B5EF4-FFF2-40B4-BE49-F238E27FC236}">
+                <a16:creationId xmlns:a16="http://schemas.microsoft.com/office/drawing/2014/main" id="{AA2DD934-FB05-4640-942F-8971D003FEC1}"/>
+              </a:ext>
+            </a:extLst>
+          </p:cNvPr>
+          <p:cNvSpPr txBox="1"/>
+          <p:nvPr/>
+        </p:nvSpPr>
+        <p:spPr>
+          <a:xfrm>
+            <a:off x="4937159" y="1560421"/>
+            <a:ext cx="1453141" cy="646331"/>
+          </a:xfrm>
+          <a:prstGeom prst="rect">
+            <a:avLst/>
+          </a:prstGeom>
+          <a:noFill/>
+        </p:spPr>
+        <p:txBody>
+          <a:bodyPr wrap="square" rtlCol="0">
+            <a:spAutoFit/>
+          </a:bodyPr>
+          <a:lstStyle/>
+          <a:p>
+            <a:r>
+              <a:rPr lang="en-US" altLang="zh-CN" dirty="0"/>
+              <a:t>To be deleted</a:t>
+            </a:r>
+            <a:endParaRPr lang="zh-CN" altLang="en-US" dirty="0"/>
+          </a:p>
+        </p:txBody>
+      </p:sp>
+    </p:spTree>
+    <p:extLst>
+      <p:ext uri="{BB962C8B-B14F-4D97-AF65-F5344CB8AC3E}">
+        <p14:creationId xmlns:p14="http://schemas.microsoft.com/office/powerpoint/2010/main" val="1955158502"/>
+      </p:ext>
+    </p:extLst>
+  </p:cSld>
+  <p:clrMapOvr>
+    <a:masterClrMapping/>
+  </p:clrMapOvr>
+</p:sld>
+</file>
+
+<file path=ppt/slides/slide17.xml><?xml version="1.0" encoding="utf-8"?>
+<p:sld xmlns:a="http://schemas.openxmlformats.org/drawingml/2006/main" xmlns:r="http://schemas.openxmlformats.org/officeDocument/2006/relationships" xmlns:p="http://schemas.openxmlformats.org/presentationml/2006/main">
+  <p:cSld>
+    <p:spTree>
+      <p:nvGrpSpPr>
+        <p:cNvPr id="1" name=""/>
+        <p:cNvGrpSpPr/>
+        <p:nvPr/>
+      </p:nvGrpSpPr>
+      <p:grpSpPr>
+        <a:xfrm>
+          <a:off x="0" y="0"/>
+          <a:ext cx="0" cy="0"/>
+          <a:chOff x="0" y="0"/>
+          <a:chExt cx="0" cy="0"/>
+        </a:xfrm>
+      </p:grpSpPr>
+      <p:graphicFrame>
+        <p:nvGraphicFramePr>
+          <p:cNvPr id="5" name="表格 5">
+            <a:extLst>
+              <a:ext uri="{FF2B5EF4-FFF2-40B4-BE49-F238E27FC236}">
+                <a16:creationId xmlns:a16="http://schemas.microsoft.com/office/drawing/2014/main" id="{42529C98-F7F4-410B-AF4A-D7CA377AAEAA}"/>
+              </a:ext>
+            </a:extLst>
+          </p:cNvPr>
+          <p:cNvGraphicFramePr>
+            <a:graphicFrameLocks noGrp="1"/>
+          </p:cNvGraphicFramePr>
+          <p:nvPr/>
+        </p:nvGraphicFramePr>
+        <p:xfrm>
+          <a:off x="2936460" y="2618041"/>
+          <a:ext cx="4229652" cy="582537"/>
+        </p:xfrm>
+        <a:graphic>
+          <a:graphicData uri="http://schemas.openxmlformats.org/drawingml/2006/table">
+            <a:tbl>
+              <a:tblPr firstRow="1" bandRow="1">
+                <a:tableStyleId>{5C22544A-7EE6-4342-B048-85BDC9FD1C3A}</a:tableStyleId>
+              </a:tblPr>
+              <a:tblGrid>
+                <a:gridCol w="704942">
+                  <a:extLst>
+                    <a:ext uri="{9D8B030D-6E8A-4147-A177-3AD203B41FA5}">
+                      <a16:colId xmlns:a16="http://schemas.microsoft.com/office/drawing/2014/main" val="2780620399"/>
+                    </a:ext>
+                  </a:extLst>
+                </a:gridCol>
+                <a:gridCol w="704942">
+                  <a:extLst>
+                    <a:ext uri="{9D8B030D-6E8A-4147-A177-3AD203B41FA5}">
+                      <a16:colId xmlns:a16="http://schemas.microsoft.com/office/drawing/2014/main" val="3691099753"/>
+                    </a:ext>
+                  </a:extLst>
+                </a:gridCol>
+                <a:gridCol w="704942">
+                  <a:extLst>
+                    <a:ext uri="{9D8B030D-6E8A-4147-A177-3AD203B41FA5}">
+                      <a16:colId xmlns:a16="http://schemas.microsoft.com/office/drawing/2014/main" val="1884638916"/>
+                    </a:ext>
+                  </a:extLst>
+                </a:gridCol>
+                <a:gridCol w="704942">
+                  <a:extLst>
+                    <a:ext uri="{9D8B030D-6E8A-4147-A177-3AD203B41FA5}">
+                      <a16:colId xmlns:a16="http://schemas.microsoft.com/office/drawing/2014/main" val="3012766823"/>
+                    </a:ext>
+                  </a:extLst>
+                </a:gridCol>
+                <a:gridCol w="704942">
+                  <a:extLst>
+                    <a:ext uri="{9D8B030D-6E8A-4147-A177-3AD203B41FA5}">
+                      <a16:colId xmlns:a16="http://schemas.microsoft.com/office/drawing/2014/main" val="2863373832"/>
+                    </a:ext>
+                  </a:extLst>
+                </a:gridCol>
+                <a:gridCol w="704942">
+                  <a:extLst>
+                    <a:ext uri="{9D8B030D-6E8A-4147-A177-3AD203B41FA5}">
+                      <a16:colId xmlns:a16="http://schemas.microsoft.com/office/drawing/2014/main" val="3828436392"/>
+                    </a:ext>
+                  </a:extLst>
+                </a:gridCol>
+              </a:tblGrid>
+              <a:tr h="582537">
+                <a:tc>
+                  <a:txBody>
+                    <a:bodyPr/>
+                    <a:lstStyle/>
+                    <a:p>
+                      <a:pPr algn="ctr"/>
+                      <a:r>
+                        <a:rPr lang="en-US" altLang="zh-CN" sz="800" dirty="0">
+                          <a:solidFill>
+                            <a:schemeClr val="tx1"/>
+                          </a:solidFill>
+                        </a:rPr>
+                        <a:t>emptyHead</a:t>
+                      </a:r>
+                      <a:endParaRPr lang="zh-CN" altLang="en-US" sz="800" dirty="0">
+                        <a:solidFill>
+                          <a:schemeClr val="tx1"/>
+                        </a:solidFill>
+                      </a:endParaRPr>
+                    </a:p>
+                  </a:txBody>
+                  <a:tcPr marL="75919" marR="75919" marT="37960" marB="37960" anchor="ctr">
+                    <a:solidFill>
+                      <a:schemeClr val="bg1">
+                        <a:lumMod val="75000"/>
+                      </a:schemeClr>
+                    </a:solidFill>
+                  </a:tcPr>
+                </a:tc>
+                <a:tc>
+                  <a:txBody>
+                    <a:bodyPr/>
+                    <a:lstStyle/>
+                    <a:p>
+                      <a:pPr algn="ctr"/>
+                      <a:r>
+                        <a:rPr lang="en-US" altLang="zh-CN" sz="1700" dirty="0"/>
+                        <a:t>1</a:t>
+                      </a:r>
+                      <a:endParaRPr lang="zh-CN" altLang="en-US" sz="1700" dirty="0"/>
+                    </a:p>
+                  </a:txBody>
+                  <a:tcPr marL="75919" marR="75919" marT="37960" marB="37960" anchor="ctr"/>
+                </a:tc>
+                <a:tc>
+                  <a:txBody>
+                    <a:bodyPr/>
+                    <a:lstStyle/>
+                    <a:p>
+                      <a:pPr algn="ctr"/>
+                      <a:r>
+                        <a:rPr lang="en-US" altLang="zh-CN" sz="1700" dirty="0"/>
+                        <a:t>2</a:t>
+                      </a:r>
+                      <a:endParaRPr lang="zh-CN" altLang="en-US" sz="1700" dirty="0"/>
+                    </a:p>
+                  </a:txBody>
+                  <a:tcPr marL="75919" marR="75919" marT="37960" marB="37960" anchor="ctr"/>
+                </a:tc>
+                <a:tc>
+                  <a:txBody>
+                    <a:bodyPr/>
+                    <a:lstStyle/>
+                    <a:p>
+                      <a:pPr algn="ctr"/>
+                      <a:r>
+                        <a:rPr lang="en-US" altLang="zh-CN" sz="1700" dirty="0"/>
+                        <a:t>3</a:t>
+                      </a:r>
+                      <a:endParaRPr lang="zh-CN" altLang="en-US" sz="1700" dirty="0"/>
+                    </a:p>
+                  </a:txBody>
+                  <a:tcPr marL="75919" marR="75919" marT="37960" marB="37960" anchor="ctr"/>
+                </a:tc>
+                <a:tc>
+                  <a:txBody>
+                    <a:bodyPr/>
+                    <a:lstStyle/>
+                    <a:p>
+                      <a:pPr algn="ctr"/>
+                      <a:r>
+                        <a:rPr lang="en-US" altLang="zh-CN" sz="1700" dirty="0"/>
+                        <a:t>4</a:t>
+                      </a:r>
+                      <a:endParaRPr lang="zh-CN" altLang="en-US" sz="1700" dirty="0"/>
+                    </a:p>
+                  </a:txBody>
+                  <a:tcPr marL="75919" marR="75919" marT="37960" marB="37960" anchor="ctr"/>
+                </a:tc>
+                <a:tc>
+                  <a:txBody>
+                    <a:bodyPr/>
+                    <a:lstStyle/>
+                    <a:p>
+                      <a:pPr algn="ctr"/>
+                      <a:r>
+                        <a:rPr lang="en-US" altLang="zh-CN" sz="1700" dirty="0"/>
+                        <a:t>5</a:t>
+                      </a:r>
+                      <a:endParaRPr lang="zh-CN" altLang="en-US" sz="1700" dirty="0"/>
+                    </a:p>
+                  </a:txBody>
+                  <a:tcPr marL="75919" marR="75919" marT="37960" marB="37960" anchor="ctr"/>
+                </a:tc>
+                <a:extLst>
+                  <a:ext uri="{0D108BD9-81ED-4DB2-BD59-A6C34878D82A}">
+                    <a16:rowId xmlns:a16="http://schemas.microsoft.com/office/drawing/2014/main" val="1297285883"/>
+                  </a:ext>
+                </a:extLst>
+              </a:tr>
+            </a:tbl>
+          </a:graphicData>
+        </a:graphic>
+      </p:graphicFrame>
+      <p:sp>
+        <p:nvSpPr>
+          <p:cNvPr id="7" name="文本框 6">
+            <a:extLst>
+              <a:ext uri="{FF2B5EF4-FFF2-40B4-BE49-F238E27FC236}">
+                <a16:creationId xmlns:a16="http://schemas.microsoft.com/office/drawing/2014/main" id="{3EC9B3C3-D7AF-4221-9ACC-D8E132A15107}"/>
+              </a:ext>
+            </a:extLst>
+          </p:cNvPr>
+          <p:cNvSpPr txBox="1"/>
+          <p:nvPr/>
+        </p:nvSpPr>
+        <p:spPr>
+          <a:xfrm>
+            <a:off x="3147483" y="3678721"/>
+            <a:ext cx="976283" cy="369332"/>
+          </a:xfrm>
+          <a:prstGeom prst="rect">
+            <a:avLst/>
+          </a:prstGeom>
+          <a:noFill/>
+        </p:spPr>
+        <p:txBody>
+          <a:bodyPr wrap="square" rtlCol="0">
+            <a:spAutoFit/>
+          </a:bodyPr>
+          <a:lstStyle/>
+          <a:p>
+            <a:r>
+              <a:rPr lang="en-US" altLang="zh-CN" dirty="0"/>
+              <a:t>p</a:t>
+            </a:r>
+            <a:endParaRPr lang="zh-CN" altLang="en-US" dirty="0"/>
+          </a:p>
+        </p:txBody>
+      </p:sp>
+      <p:cxnSp>
+        <p:nvCxnSpPr>
+          <p:cNvPr id="8" name="直接箭头连接符 7">
+            <a:extLst>
+              <a:ext uri="{FF2B5EF4-FFF2-40B4-BE49-F238E27FC236}">
+                <a16:creationId xmlns:a16="http://schemas.microsoft.com/office/drawing/2014/main" id="{C01000DA-4F4B-4878-9D6C-4BB2DD67B29B}"/>
+              </a:ext>
+            </a:extLst>
+          </p:cNvPr>
+          <p:cNvCxnSpPr/>
+          <p:nvPr/>
+        </p:nvCxnSpPr>
+        <p:spPr>
+          <a:xfrm flipV="1">
+            <a:off x="3296412" y="3268010"/>
+            <a:ext cx="0" cy="389413"/>
+          </a:xfrm>
+          <a:prstGeom prst="straightConnector1">
+            <a:avLst/>
+          </a:prstGeom>
+          <a:ln>
+            <a:tailEnd type="triangle"/>
+          </a:ln>
+        </p:spPr>
+        <p:style>
+          <a:lnRef idx="1">
+            <a:schemeClr val="dk1"/>
+          </a:lnRef>
+          <a:fillRef idx="0">
+            <a:schemeClr val="dk1"/>
+          </a:fillRef>
+          <a:effectRef idx="0">
+            <a:schemeClr val="dk1"/>
+          </a:effectRef>
+          <a:fontRef idx="minor">
+            <a:schemeClr val="tx1"/>
+          </a:fontRef>
+        </p:style>
+      </p:cxnSp>
+      <p:sp>
+        <p:nvSpPr>
+          <p:cNvPr id="9" name="文本框 8">
+            <a:extLst>
+              <a:ext uri="{FF2B5EF4-FFF2-40B4-BE49-F238E27FC236}">
+                <a16:creationId xmlns:a16="http://schemas.microsoft.com/office/drawing/2014/main" id="{80C7ED29-0A5D-4F91-BC2D-29FE6160C1DD}"/>
+              </a:ext>
+            </a:extLst>
+          </p:cNvPr>
+          <p:cNvSpPr txBox="1"/>
+          <p:nvPr/>
+        </p:nvSpPr>
+        <p:spPr>
+          <a:xfrm>
+            <a:off x="5945547" y="3678721"/>
+            <a:ext cx="976283" cy="369332"/>
+          </a:xfrm>
+          <a:prstGeom prst="rect">
+            <a:avLst/>
+          </a:prstGeom>
+          <a:noFill/>
+        </p:spPr>
+        <p:txBody>
+          <a:bodyPr wrap="square" rtlCol="0">
+            <a:spAutoFit/>
+          </a:bodyPr>
+          <a:lstStyle/>
+          <a:p>
+            <a:r>
+              <a:rPr lang="en-US" altLang="zh-CN" dirty="0"/>
+              <a:t>q</a:t>
+            </a:r>
+            <a:endParaRPr lang="zh-CN" altLang="en-US" dirty="0"/>
+          </a:p>
+        </p:txBody>
+      </p:sp>
+      <p:cxnSp>
+        <p:nvCxnSpPr>
+          <p:cNvPr id="10" name="直接箭头连接符 9">
+            <a:extLst>
+              <a:ext uri="{FF2B5EF4-FFF2-40B4-BE49-F238E27FC236}">
+                <a16:creationId xmlns:a16="http://schemas.microsoft.com/office/drawing/2014/main" id="{01890DF6-CD5B-4455-8175-B0E6A7DEFD63}"/>
+              </a:ext>
+            </a:extLst>
+          </p:cNvPr>
+          <p:cNvCxnSpPr/>
+          <p:nvPr/>
+        </p:nvCxnSpPr>
+        <p:spPr>
+          <a:xfrm flipV="1">
+            <a:off x="6100572" y="3268010"/>
+            <a:ext cx="0" cy="389413"/>
+          </a:xfrm>
+          <a:prstGeom prst="straightConnector1">
+            <a:avLst/>
+          </a:prstGeom>
+          <a:ln>
+            <a:tailEnd type="triangle"/>
+          </a:ln>
+        </p:spPr>
+        <p:style>
+          <a:lnRef idx="1">
+            <a:schemeClr val="dk1"/>
+          </a:lnRef>
+          <a:fillRef idx="0">
+            <a:schemeClr val="dk1"/>
+          </a:fillRef>
+          <a:effectRef idx="0">
+            <a:schemeClr val="dk1"/>
+          </a:effectRef>
+          <a:fontRef idx="minor">
+            <a:schemeClr val="tx1"/>
+          </a:fontRef>
+        </p:style>
+      </p:cxnSp>
+      <p:sp>
+        <p:nvSpPr>
+          <p:cNvPr id="11" name="文本框 10">
+            <a:extLst>
+              <a:ext uri="{FF2B5EF4-FFF2-40B4-BE49-F238E27FC236}">
+                <a16:creationId xmlns:a16="http://schemas.microsoft.com/office/drawing/2014/main" id="{2AE5A537-0851-4A55-9ED5-09BF2C98FA3A}"/>
+              </a:ext>
+            </a:extLst>
+          </p:cNvPr>
+          <p:cNvSpPr txBox="1"/>
+          <p:nvPr/>
+        </p:nvSpPr>
+        <p:spPr>
+          <a:xfrm>
+            <a:off x="2857500" y="1698920"/>
+            <a:ext cx="1787650" cy="646331"/>
+          </a:xfrm>
+          <a:prstGeom prst="rect">
+            <a:avLst/>
+          </a:prstGeom>
+          <a:noFill/>
+        </p:spPr>
+        <p:txBody>
+          <a:bodyPr wrap="square" rtlCol="0">
+            <a:spAutoFit/>
+          </a:bodyPr>
+          <a:lstStyle/>
+          <a:p>
+            <a:r>
+              <a:rPr lang="en-US" altLang="zh-CN" dirty="0"/>
+              <a:t>n=3</a:t>
+            </a:r>
+          </a:p>
+          <a:p>
+            <a:r>
+              <a:rPr lang="en-US" altLang="zh-CN" dirty="0"/>
+              <a:t>p starts moving</a:t>
+            </a:r>
+            <a:endParaRPr lang="zh-CN" altLang="en-US" dirty="0"/>
+          </a:p>
+        </p:txBody>
+      </p:sp>
+      <p:cxnSp>
+        <p:nvCxnSpPr>
+          <p:cNvPr id="12" name="直接箭头连接符 11">
+            <a:extLst>
+              <a:ext uri="{FF2B5EF4-FFF2-40B4-BE49-F238E27FC236}">
+                <a16:creationId xmlns:a16="http://schemas.microsoft.com/office/drawing/2014/main" id="{7B053D97-49F2-4D92-B230-79773B887754}"/>
+              </a:ext>
+            </a:extLst>
+          </p:cNvPr>
+          <p:cNvCxnSpPr>
+            <a:cxnSpLocks/>
+          </p:cNvCxnSpPr>
+          <p:nvPr/>
+        </p:nvCxnSpPr>
+        <p:spPr>
+          <a:xfrm>
+            <a:off x="5399532" y="2206752"/>
+            <a:ext cx="0" cy="329184"/>
+          </a:xfrm>
+          <a:prstGeom prst="straightConnector1">
+            <a:avLst/>
+          </a:prstGeom>
+          <a:ln>
+            <a:tailEnd type="triangle"/>
+          </a:ln>
+        </p:spPr>
+        <p:style>
+          <a:lnRef idx="1">
+            <a:schemeClr val="dk1"/>
+          </a:lnRef>
+          <a:fillRef idx="0">
+            <a:schemeClr val="dk1"/>
+          </a:fillRef>
+          <a:effectRef idx="0">
+            <a:schemeClr val="dk1"/>
+          </a:effectRef>
+          <a:fontRef idx="minor">
+            <a:schemeClr val="tx1"/>
+          </a:fontRef>
+        </p:style>
+      </p:cxnSp>
+      <p:sp>
+        <p:nvSpPr>
+          <p:cNvPr id="15" name="文本框 14">
+            <a:extLst>
+              <a:ext uri="{FF2B5EF4-FFF2-40B4-BE49-F238E27FC236}">
+                <a16:creationId xmlns:a16="http://schemas.microsoft.com/office/drawing/2014/main" id="{AA2DD934-FB05-4640-942F-8971D003FEC1}"/>
+              </a:ext>
+            </a:extLst>
+          </p:cNvPr>
+          <p:cNvSpPr txBox="1"/>
+          <p:nvPr/>
+        </p:nvSpPr>
+        <p:spPr>
+          <a:xfrm>
+            <a:off x="4937159" y="1560421"/>
+            <a:ext cx="1453141" cy="646331"/>
+          </a:xfrm>
+          <a:prstGeom prst="rect">
+            <a:avLst/>
+          </a:prstGeom>
+          <a:noFill/>
+        </p:spPr>
+        <p:txBody>
+          <a:bodyPr wrap="square" rtlCol="0">
+            <a:spAutoFit/>
+          </a:bodyPr>
+          <a:lstStyle/>
+          <a:p>
+            <a:r>
+              <a:rPr lang="en-US" altLang="zh-CN" dirty="0"/>
+              <a:t>To be deleted</a:t>
+            </a:r>
+            <a:endParaRPr lang="zh-CN" altLang="en-US" dirty="0"/>
+          </a:p>
+        </p:txBody>
+      </p:sp>
+      <p:cxnSp>
+        <p:nvCxnSpPr>
+          <p:cNvPr id="13" name="直接连接符 12">
+            <a:extLst>
+              <a:ext uri="{FF2B5EF4-FFF2-40B4-BE49-F238E27FC236}">
+                <a16:creationId xmlns:a16="http://schemas.microsoft.com/office/drawing/2014/main" id="{9E0676DE-1775-49E7-B0BB-EDF59CBEC30E}"/>
+              </a:ext>
+            </a:extLst>
+          </p:cNvPr>
+          <p:cNvCxnSpPr>
+            <a:cxnSpLocks/>
+          </p:cNvCxnSpPr>
+          <p:nvPr/>
+        </p:nvCxnSpPr>
+        <p:spPr>
+          <a:xfrm>
+            <a:off x="3296412" y="3626766"/>
+            <a:ext cx="2799588" cy="0"/>
+          </a:xfrm>
+          <a:prstGeom prst="line">
+            <a:avLst/>
+          </a:prstGeom>
+          <a:ln w="57150">
+            <a:solidFill>
+              <a:schemeClr val="bg1">
+                <a:lumMod val="75000"/>
+                <a:alpha val="36863"/>
+              </a:schemeClr>
+            </a:solidFill>
+          </a:ln>
+        </p:spPr>
+        <p:style>
+          <a:lnRef idx="1">
+            <a:schemeClr val="dk1"/>
+          </a:lnRef>
+          <a:fillRef idx="0">
+            <a:schemeClr val="dk1"/>
+          </a:fillRef>
+          <a:effectRef idx="0">
+            <a:schemeClr val="dk1"/>
+          </a:effectRef>
+          <a:fontRef idx="minor">
+            <a:schemeClr val="tx1"/>
+          </a:fontRef>
+        </p:style>
+      </p:cxnSp>
+    </p:spTree>
+    <p:extLst>
+      <p:ext uri="{BB962C8B-B14F-4D97-AF65-F5344CB8AC3E}">
+        <p14:creationId xmlns:p14="http://schemas.microsoft.com/office/powerpoint/2010/main" val="451589443"/>
+      </p:ext>
+    </p:extLst>
+  </p:cSld>
+  <p:clrMapOvr>
+    <a:masterClrMapping/>
+  </p:clrMapOvr>
+</p:sld>
+</file>
+
+<file path=ppt/slides/slide18.xml><?xml version="1.0" encoding="utf-8"?>
+<p:sld xmlns:a="http://schemas.openxmlformats.org/drawingml/2006/main" xmlns:r="http://schemas.openxmlformats.org/officeDocument/2006/relationships" xmlns:p="http://schemas.openxmlformats.org/presentationml/2006/main">
+  <p:cSld>
+    <p:spTree>
+      <p:nvGrpSpPr>
+        <p:cNvPr id="1" name=""/>
+        <p:cNvGrpSpPr/>
+        <p:nvPr/>
+      </p:nvGrpSpPr>
+      <p:grpSpPr>
+        <a:xfrm>
+          <a:off x="0" y="0"/>
+          <a:ext cx="0" cy="0"/>
+          <a:chOff x="0" y="0"/>
+          <a:chExt cx="0" cy="0"/>
+        </a:xfrm>
+      </p:grpSpPr>
+      <p:graphicFrame>
+        <p:nvGraphicFramePr>
+          <p:cNvPr id="5" name="表格 5">
+            <a:extLst>
+              <a:ext uri="{FF2B5EF4-FFF2-40B4-BE49-F238E27FC236}">
+                <a16:creationId xmlns:a16="http://schemas.microsoft.com/office/drawing/2014/main" id="{42529C98-F7F4-410B-AF4A-D7CA377AAEAA}"/>
+              </a:ext>
+            </a:extLst>
+          </p:cNvPr>
+          <p:cNvGraphicFramePr>
+            <a:graphicFrameLocks noGrp="1"/>
+          </p:cNvGraphicFramePr>
+          <p:nvPr/>
+        </p:nvGraphicFramePr>
+        <p:xfrm>
+          <a:off x="2936460" y="2618041"/>
+          <a:ext cx="4229652" cy="582537"/>
+        </p:xfrm>
+        <a:graphic>
+          <a:graphicData uri="http://schemas.openxmlformats.org/drawingml/2006/table">
+            <a:tbl>
+              <a:tblPr firstRow="1" bandRow="1">
+                <a:tableStyleId>{5C22544A-7EE6-4342-B048-85BDC9FD1C3A}</a:tableStyleId>
+              </a:tblPr>
+              <a:tblGrid>
+                <a:gridCol w="704942">
+                  <a:extLst>
+                    <a:ext uri="{9D8B030D-6E8A-4147-A177-3AD203B41FA5}">
+                      <a16:colId xmlns:a16="http://schemas.microsoft.com/office/drawing/2014/main" val="2780620399"/>
+                    </a:ext>
+                  </a:extLst>
+                </a:gridCol>
+                <a:gridCol w="704942">
+                  <a:extLst>
+                    <a:ext uri="{9D8B030D-6E8A-4147-A177-3AD203B41FA5}">
+                      <a16:colId xmlns:a16="http://schemas.microsoft.com/office/drawing/2014/main" val="3691099753"/>
+                    </a:ext>
+                  </a:extLst>
+                </a:gridCol>
+                <a:gridCol w="704942">
+                  <a:extLst>
+                    <a:ext uri="{9D8B030D-6E8A-4147-A177-3AD203B41FA5}">
+                      <a16:colId xmlns:a16="http://schemas.microsoft.com/office/drawing/2014/main" val="1884638916"/>
+                    </a:ext>
+                  </a:extLst>
+                </a:gridCol>
+                <a:gridCol w="704942">
+                  <a:extLst>
+                    <a:ext uri="{9D8B030D-6E8A-4147-A177-3AD203B41FA5}">
+                      <a16:colId xmlns:a16="http://schemas.microsoft.com/office/drawing/2014/main" val="3012766823"/>
+                    </a:ext>
+                  </a:extLst>
+                </a:gridCol>
+                <a:gridCol w="704942">
+                  <a:extLst>
+                    <a:ext uri="{9D8B030D-6E8A-4147-A177-3AD203B41FA5}">
+                      <a16:colId xmlns:a16="http://schemas.microsoft.com/office/drawing/2014/main" val="2863373832"/>
+                    </a:ext>
+                  </a:extLst>
+                </a:gridCol>
+                <a:gridCol w="704942">
+                  <a:extLst>
+                    <a:ext uri="{9D8B030D-6E8A-4147-A177-3AD203B41FA5}">
+                      <a16:colId xmlns:a16="http://schemas.microsoft.com/office/drawing/2014/main" val="3828436392"/>
+                    </a:ext>
+                  </a:extLst>
+                </a:gridCol>
+              </a:tblGrid>
+              <a:tr h="582537">
+                <a:tc>
+                  <a:txBody>
+                    <a:bodyPr/>
+                    <a:lstStyle/>
+                    <a:p>
+                      <a:pPr algn="ctr"/>
+                      <a:r>
+                        <a:rPr lang="en-US" altLang="zh-CN" sz="800" dirty="0">
+                          <a:solidFill>
+                            <a:schemeClr val="tx1"/>
+                          </a:solidFill>
+                        </a:rPr>
+                        <a:t>emptyHead</a:t>
+                      </a:r>
+                      <a:endParaRPr lang="zh-CN" altLang="en-US" sz="800" dirty="0">
+                        <a:solidFill>
+                          <a:schemeClr val="tx1"/>
+                        </a:solidFill>
+                      </a:endParaRPr>
+                    </a:p>
+                  </a:txBody>
+                  <a:tcPr marL="75919" marR="75919" marT="37960" marB="37960" anchor="ctr">
+                    <a:solidFill>
+                      <a:schemeClr val="bg1">
+                        <a:lumMod val="75000"/>
+                      </a:schemeClr>
+                    </a:solidFill>
+                  </a:tcPr>
+                </a:tc>
+                <a:tc>
+                  <a:txBody>
+                    <a:bodyPr/>
+                    <a:lstStyle/>
+                    <a:p>
+                      <a:pPr algn="ctr"/>
+                      <a:r>
+                        <a:rPr lang="en-US" altLang="zh-CN" sz="1700" dirty="0"/>
+                        <a:t>1</a:t>
+                      </a:r>
+                      <a:endParaRPr lang="zh-CN" altLang="en-US" sz="1700" dirty="0"/>
+                    </a:p>
+                  </a:txBody>
+                  <a:tcPr marL="75919" marR="75919" marT="37960" marB="37960" anchor="ctr"/>
+                </a:tc>
+                <a:tc>
+                  <a:txBody>
+                    <a:bodyPr/>
+                    <a:lstStyle/>
+                    <a:p>
+                      <a:pPr algn="ctr"/>
+                      <a:r>
+                        <a:rPr lang="en-US" altLang="zh-CN" sz="1700" dirty="0"/>
+                        <a:t>2</a:t>
+                      </a:r>
+                      <a:endParaRPr lang="zh-CN" altLang="en-US" sz="1700" dirty="0"/>
+                    </a:p>
+                  </a:txBody>
+                  <a:tcPr marL="75919" marR="75919" marT="37960" marB="37960" anchor="ctr"/>
+                </a:tc>
+                <a:tc>
+                  <a:txBody>
+                    <a:bodyPr/>
+                    <a:lstStyle/>
+                    <a:p>
+                      <a:pPr algn="ctr"/>
+                      <a:r>
+                        <a:rPr lang="en-US" altLang="zh-CN" sz="1700" dirty="0"/>
+                        <a:t>3</a:t>
+                      </a:r>
+                      <a:endParaRPr lang="zh-CN" altLang="en-US" sz="1700" dirty="0"/>
+                    </a:p>
+                  </a:txBody>
+                  <a:tcPr marL="75919" marR="75919" marT="37960" marB="37960" anchor="ctr"/>
+                </a:tc>
+                <a:tc>
+                  <a:txBody>
+                    <a:bodyPr/>
+                    <a:lstStyle/>
+                    <a:p>
+                      <a:pPr algn="ctr"/>
+                      <a:r>
+                        <a:rPr lang="en-US" altLang="zh-CN" sz="1700" dirty="0"/>
+                        <a:t>4</a:t>
+                      </a:r>
+                      <a:endParaRPr lang="zh-CN" altLang="en-US" sz="1700" dirty="0"/>
+                    </a:p>
+                  </a:txBody>
+                  <a:tcPr marL="75919" marR="75919" marT="37960" marB="37960" anchor="ctr"/>
+                </a:tc>
+                <a:tc>
+                  <a:txBody>
+                    <a:bodyPr/>
+                    <a:lstStyle/>
+                    <a:p>
+                      <a:pPr algn="ctr"/>
+                      <a:r>
+                        <a:rPr lang="en-US" altLang="zh-CN" sz="1700" dirty="0"/>
+                        <a:t>5</a:t>
+                      </a:r>
+                      <a:endParaRPr lang="zh-CN" altLang="en-US" sz="1700" dirty="0"/>
+                    </a:p>
+                  </a:txBody>
+                  <a:tcPr marL="75919" marR="75919" marT="37960" marB="37960" anchor="ctr"/>
+                </a:tc>
+                <a:extLst>
+                  <a:ext uri="{0D108BD9-81ED-4DB2-BD59-A6C34878D82A}">
+                    <a16:rowId xmlns:a16="http://schemas.microsoft.com/office/drawing/2014/main" val="1297285883"/>
+                  </a:ext>
+                </a:extLst>
+              </a:tr>
+            </a:tbl>
+          </a:graphicData>
+        </a:graphic>
+      </p:graphicFrame>
+      <p:sp>
+        <p:nvSpPr>
+          <p:cNvPr id="7" name="文本框 6">
+            <a:extLst>
+              <a:ext uri="{FF2B5EF4-FFF2-40B4-BE49-F238E27FC236}">
+                <a16:creationId xmlns:a16="http://schemas.microsoft.com/office/drawing/2014/main" id="{3EC9B3C3-D7AF-4221-9ACC-D8E132A15107}"/>
+              </a:ext>
+            </a:extLst>
+          </p:cNvPr>
+          <p:cNvSpPr txBox="1"/>
+          <p:nvPr/>
+        </p:nvSpPr>
+        <p:spPr>
+          <a:xfrm>
+            <a:off x="4537371" y="3678721"/>
+            <a:ext cx="976283" cy="369332"/>
+          </a:xfrm>
+          <a:prstGeom prst="rect">
+            <a:avLst/>
+          </a:prstGeom>
+          <a:noFill/>
+        </p:spPr>
+        <p:txBody>
+          <a:bodyPr wrap="square" rtlCol="0">
+            <a:spAutoFit/>
+          </a:bodyPr>
+          <a:lstStyle/>
+          <a:p>
+            <a:r>
+              <a:rPr lang="en-US" altLang="zh-CN" dirty="0"/>
+              <a:t>p</a:t>
+            </a:r>
+            <a:endParaRPr lang="zh-CN" altLang="en-US" dirty="0"/>
+          </a:p>
+        </p:txBody>
+      </p:sp>
+      <p:cxnSp>
+        <p:nvCxnSpPr>
+          <p:cNvPr id="8" name="直接箭头连接符 7">
+            <a:extLst>
+              <a:ext uri="{FF2B5EF4-FFF2-40B4-BE49-F238E27FC236}">
+                <a16:creationId xmlns:a16="http://schemas.microsoft.com/office/drawing/2014/main" id="{C01000DA-4F4B-4878-9D6C-4BB2DD67B29B}"/>
+              </a:ext>
+            </a:extLst>
+          </p:cNvPr>
+          <p:cNvCxnSpPr/>
+          <p:nvPr/>
+        </p:nvCxnSpPr>
+        <p:spPr>
+          <a:xfrm flipV="1">
+            <a:off x="4686300" y="3268010"/>
+            <a:ext cx="0" cy="389413"/>
+          </a:xfrm>
+          <a:prstGeom prst="straightConnector1">
+            <a:avLst/>
+          </a:prstGeom>
+          <a:ln>
+            <a:tailEnd type="triangle"/>
+          </a:ln>
+        </p:spPr>
+        <p:style>
+          <a:lnRef idx="1">
+            <a:schemeClr val="dk1"/>
+          </a:lnRef>
+          <a:fillRef idx="0">
+            <a:schemeClr val="dk1"/>
+          </a:fillRef>
+          <a:effectRef idx="0">
+            <a:schemeClr val="dk1"/>
+          </a:effectRef>
+          <a:fontRef idx="minor">
+            <a:schemeClr val="tx1"/>
+          </a:fontRef>
+        </p:style>
+      </p:cxnSp>
+      <p:sp>
+        <p:nvSpPr>
+          <p:cNvPr id="9" name="文本框 8">
+            <a:extLst>
+              <a:ext uri="{FF2B5EF4-FFF2-40B4-BE49-F238E27FC236}">
+                <a16:creationId xmlns:a16="http://schemas.microsoft.com/office/drawing/2014/main" id="{80C7ED29-0A5D-4F91-BC2D-29FE6160C1DD}"/>
+              </a:ext>
+            </a:extLst>
+          </p:cNvPr>
+          <p:cNvSpPr txBox="1"/>
+          <p:nvPr/>
+        </p:nvSpPr>
+        <p:spPr>
+          <a:xfrm>
+            <a:off x="7335435" y="3678721"/>
+            <a:ext cx="976283" cy="369332"/>
+          </a:xfrm>
+          <a:prstGeom prst="rect">
+            <a:avLst/>
+          </a:prstGeom>
+          <a:noFill/>
+        </p:spPr>
+        <p:txBody>
+          <a:bodyPr wrap="square" rtlCol="0">
+            <a:spAutoFit/>
+          </a:bodyPr>
+          <a:lstStyle/>
+          <a:p>
+            <a:r>
+              <a:rPr lang="en-US" altLang="zh-CN" dirty="0"/>
+              <a:t>q</a:t>
+            </a:r>
+            <a:endParaRPr lang="zh-CN" altLang="en-US" dirty="0"/>
+          </a:p>
+        </p:txBody>
+      </p:sp>
+      <p:cxnSp>
+        <p:nvCxnSpPr>
+          <p:cNvPr id="10" name="直接箭头连接符 9">
+            <a:extLst>
+              <a:ext uri="{FF2B5EF4-FFF2-40B4-BE49-F238E27FC236}">
+                <a16:creationId xmlns:a16="http://schemas.microsoft.com/office/drawing/2014/main" id="{01890DF6-CD5B-4455-8175-B0E6A7DEFD63}"/>
+              </a:ext>
+            </a:extLst>
+          </p:cNvPr>
+          <p:cNvCxnSpPr/>
+          <p:nvPr/>
+        </p:nvCxnSpPr>
+        <p:spPr>
+          <a:xfrm flipV="1">
+            <a:off x="7490460" y="3268010"/>
+            <a:ext cx="0" cy="389413"/>
+          </a:xfrm>
+          <a:prstGeom prst="straightConnector1">
+            <a:avLst/>
+          </a:prstGeom>
+          <a:ln>
+            <a:tailEnd type="triangle"/>
+          </a:ln>
+        </p:spPr>
+        <p:style>
+          <a:lnRef idx="1">
+            <a:schemeClr val="dk1"/>
+          </a:lnRef>
+          <a:fillRef idx="0">
+            <a:schemeClr val="dk1"/>
+          </a:fillRef>
+          <a:effectRef idx="0">
+            <a:schemeClr val="dk1"/>
+          </a:effectRef>
+          <a:fontRef idx="minor">
+            <a:schemeClr val="tx1"/>
+          </a:fontRef>
+        </p:style>
+      </p:cxnSp>
+      <p:sp>
+        <p:nvSpPr>
+          <p:cNvPr id="11" name="文本框 10">
+            <a:extLst>
+              <a:ext uri="{FF2B5EF4-FFF2-40B4-BE49-F238E27FC236}">
+                <a16:creationId xmlns:a16="http://schemas.microsoft.com/office/drawing/2014/main" id="{2AE5A537-0851-4A55-9ED5-09BF2C98FA3A}"/>
+              </a:ext>
+            </a:extLst>
+          </p:cNvPr>
+          <p:cNvSpPr txBox="1"/>
+          <p:nvPr/>
+        </p:nvSpPr>
+        <p:spPr>
+          <a:xfrm>
+            <a:off x="2857500" y="1698920"/>
+            <a:ext cx="976283" cy="646331"/>
+          </a:xfrm>
+          <a:prstGeom prst="rect">
+            <a:avLst/>
+          </a:prstGeom>
+          <a:noFill/>
+        </p:spPr>
+        <p:txBody>
+          <a:bodyPr wrap="square" rtlCol="0">
+            <a:spAutoFit/>
+          </a:bodyPr>
+          <a:lstStyle/>
+          <a:p>
+            <a:r>
+              <a:rPr lang="en-US" altLang="zh-CN" dirty="0"/>
+              <a:t>n=3</a:t>
+            </a:r>
+          </a:p>
+          <a:p>
+            <a:r>
+              <a:rPr lang="en-US" altLang="zh-CN" dirty="0"/>
+              <a:t>End</a:t>
+            </a:r>
+            <a:endParaRPr lang="zh-CN" altLang="en-US" dirty="0"/>
+          </a:p>
+        </p:txBody>
+      </p:sp>
+      <p:cxnSp>
+        <p:nvCxnSpPr>
+          <p:cNvPr id="12" name="直接箭头连接符 11">
+            <a:extLst>
+              <a:ext uri="{FF2B5EF4-FFF2-40B4-BE49-F238E27FC236}">
+                <a16:creationId xmlns:a16="http://schemas.microsoft.com/office/drawing/2014/main" id="{7B053D97-49F2-4D92-B230-79773B887754}"/>
+              </a:ext>
+            </a:extLst>
+          </p:cNvPr>
+          <p:cNvCxnSpPr>
+            <a:cxnSpLocks/>
+          </p:cNvCxnSpPr>
+          <p:nvPr/>
+        </p:nvCxnSpPr>
+        <p:spPr>
+          <a:xfrm>
+            <a:off x="5399532" y="2206752"/>
+            <a:ext cx="0" cy="329184"/>
+          </a:xfrm>
+          <a:prstGeom prst="straightConnector1">
+            <a:avLst/>
+          </a:prstGeom>
+          <a:ln>
+            <a:tailEnd type="triangle"/>
+          </a:ln>
+        </p:spPr>
+        <p:style>
+          <a:lnRef idx="1">
+            <a:schemeClr val="dk1"/>
+          </a:lnRef>
+          <a:fillRef idx="0">
+            <a:schemeClr val="dk1"/>
+          </a:fillRef>
+          <a:effectRef idx="0">
+            <a:schemeClr val="dk1"/>
+          </a:effectRef>
+          <a:fontRef idx="minor">
+            <a:schemeClr val="tx1"/>
+          </a:fontRef>
+        </p:style>
+      </p:cxnSp>
+      <p:sp>
+        <p:nvSpPr>
+          <p:cNvPr id="15" name="文本框 14">
+            <a:extLst>
+              <a:ext uri="{FF2B5EF4-FFF2-40B4-BE49-F238E27FC236}">
+                <a16:creationId xmlns:a16="http://schemas.microsoft.com/office/drawing/2014/main" id="{AA2DD934-FB05-4640-942F-8971D003FEC1}"/>
+              </a:ext>
+            </a:extLst>
+          </p:cNvPr>
+          <p:cNvSpPr txBox="1"/>
+          <p:nvPr/>
+        </p:nvSpPr>
+        <p:spPr>
+          <a:xfrm>
+            <a:off x="4937159" y="1560421"/>
+            <a:ext cx="1453141" cy="646331"/>
+          </a:xfrm>
+          <a:prstGeom prst="rect">
+            <a:avLst/>
+          </a:prstGeom>
+          <a:noFill/>
+        </p:spPr>
+        <p:txBody>
+          <a:bodyPr wrap="square" rtlCol="0">
+            <a:spAutoFit/>
+          </a:bodyPr>
+          <a:lstStyle/>
+          <a:p>
+            <a:r>
+              <a:rPr lang="en-US" altLang="zh-CN" dirty="0"/>
+              <a:t>To be deleted</a:t>
+            </a:r>
+            <a:endParaRPr lang="zh-CN" altLang="en-US" dirty="0"/>
+          </a:p>
+        </p:txBody>
+      </p:sp>
+      <p:cxnSp>
+        <p:nvCxnSpPr>
+          <p:cNvPr id="13" name="直接连接符 12">
+            <a:extLst>
+              <a:ext uri="{FF2B5EF4-FFF2-40B4-BE49-F238E27FC236}">
+                <a16:creationId xmlns:a16="http://schemas.microsoft.com/office/drawing/2014/main" id="{3008F4D1-B0F2-4561-B8F6-16BB54359919}"/>
+              </a:ext>
+            </a:extLst>
+          </p:cNvPr>
+          <p:cNvCxnSpPr>
+            <a:cxnSpLocks/>
+          </p:cNvCxnSpPr>
+          <p:nvPr/>
+        </p:nvCxnSpPr>
+        <p:spPr>
+          <a:xfrm>
+            <a:off x="3279648" y="3563112"/>
+            <a:ext cx="1406652" cy="0"/>
+          </a:xfrm>
+          <a:prstGeom prst="line">
+            <a:avLst/>
+          </a:prstGeom>
+          <a:ln w="57150">
+            <a:solidFill>
+              <a:schemeClr val="bg1">
+                <a:lumMod val="75000"/>
+                <a:alpha val="36863"/>
+              </a:schemeClr>
+            </a:solidFill>
+          </a:ln>
+        </p:spPr>
+        <p:style>
+          <a:lnRef idx="1">
+            <a:schemeClr val="dk1"/>
+          </a:lnRef>
+          <a:fillRef idx="0">
+            <a:schemeClr val="dk1"/>
+          </a:fillRef>
+          <a:effectRef idx="0">
+            <a:schemeClr val="dk1"/>
+          </a:effectRef>
+          <a:fontRef idx="minor">
+            <a:schemeClr val="tx1"/>
+          </a:fontRef>
+        </p:style>
+      </p:cxnSp>
+      <p:cxnSp>
+        <p:nvCxnSpPr>
+          <p:cNvPr id="14" name="直接连接符 13">
+            <a:extLst>
+              <a:ext uri="{FF2B5EF4-FFF2-40B4-BE49-F238E27FC236}">
+                <a16:creationId xmlns:a16="http://schemas.microsoft.com/office/drawing/2014/main" id="{2D50685D-EE5C-4E39-98AA-F48B5B27C596}"/>
+              </a:ext>
+            </a:extLst>
+          </p:cNvPr>
+          <p:cNvCxnSpPr>
+            <a:cxnSpLocks/>
+          </p:cNvCxnSpPr>
+          <p:nvPr/>
+        </p:nvCxnSpPr>
+        <p:spPr>
+          <a:xfrm>
+            <a:off x="3279648" y="3633001"/>
+            <a:ext cx="4210812" cy="0"/>
+          </a:xfrm>
+          <a:prstGeom prst="line">
+            <a:avLst/>
+          </a:prstGeom>
+          <a:ln w="57150">
+            <a:solidFill>
+              <a:schemeClr val="bg1">
+                <a:lumMod val="75000"/>
+                <a:alpha val="36863"/>
+              </a:schemeClr>
+            </a:solidFill>
+          </a:ln>
+        </p:spPr>
+        <p:style>
+          <a:lnRef idx="1">
+            <a:schemeClr val="dk1"/>
+          </a:lnRef>
+          <a:fillRef idx="0">
+            <a:schemeClr val="dk1"/>
+          </a:fillRef>
+          <a:effectRef idx="0">
+            <a:schemeClr val="dk1"/>
+          </a:effectRef>
+          <a:fontRef idx="minor">
+            <a:schemeClr val="tx1"/>
+          </a:fontRef>
+        </p:style>
+      </p:cxnSp>
+    </p:spTree>
+    <p:extLst>
+      <p:ext uri="{BB962C8B-B14F-4D97-AF65-F5344CB8AC3E}">
+        <p14:creationId xmlns:p14="http://schemas.microsoft.com/office/powerpoint/2010/main" val="435739747"/>
       </p:ext>
     </p:extLst>
   </p:cSld>
@@ -13427,7 +15242,7 @@
                     <a:p>
                       <a:pPr algn="ctr"/>
                       <a:r>
-                        <a:rPr lang="en-US" altLang="zh-CN" sz="2200" dirty="0" smtClean="0"/>
+                        <a:rPr lang="en-US" altLang="zh-CN" sz="2200" dirty="0"/>
                         <a:t>7</a:t>
                       </a:r>
                       <a:endParaRPr lang="zh-CN" altLang="en-US" sz="2200" dirty="0"/>
@@ -13442,7 +15257,7 @@
                     <a:p>
                       <a:pPr algn="ctr"/>
                       <a:r>
-                        <a:rPr lang="en-US" altLang="zh-CN" sz="2200" dirty="0" smtClean="0"/>
+                        <a:rPr lang="en-US" altLang="zh-CN" sz="2200" dirty="0"/>
                         <a:t>9 </a:t>
                       </a:r>
                       <a:endParaRPr lang="zh-CN" altLang="en-US" sz="2200" dirty="0"/>
@@ -13509,7 +15324,7 @@
                     <a:p>
                       <a:pPr algn="ctr"/>
                       <a:r>
-                        <a:rPr lang="en-US" altLang="zh-CN" sz="2200" dirty="0" smtClean="0"/>
+                        <a:rPr lang="en-US" altLang="zh-CN" sz="2200" dirty="0"/>
                         <a:t>1</a:t>
                       </a:r>
                       <a:endParaRPr lang="zh-CN" altLang="en-US" sz="2200" dirty="0"/>
@@ -13524,7 +15339,7 @@
                     <a:p>
                       <a:pPr algn="ctr"/>
                       <a:r>
-                        <a:rPr lang="en-US" altLang="zh-CN" sz="2200" dirty="0" smtClean="0"/>
+                        <a:rPr lang="en-US" altLang="zh-CN" sz="2200" dirty="0"/>
                         <a:t>3 </a:t>
                       </a:r>
                       <a:endParaRPr lang="zh-CN" altLang="en-US" sz="2200" dirty="0"/>
@@ -13539,7 +15354,7 @@
                     <a:p>
                       <a:pPr algn="ctr"/>
                       <a:r>
-                        <a:rPr lang="en-US" altLang="zh-CN" sz="2200" dirty="0" smtClean="0"/>
+                        <a:rPr lang="en-US" altLang="zh-CN" sz="2200" dirty="0"/>
                         <a:t>5</a:t>
                       </a:r>
                       <a:endParaRPr lang="zh-CN" altLang="en-US" sz="2200" dirty="0"/>
@@ -13605,7 +15420,7 @@
                     <a:p>
                       <a:pPr algn="ctr"/>
                       <a:r>
-                        <a:rPr lang="en-US" altLang="zh-CN" sz="2200" dirty="0" smtClean="0"/>
+                        <a:rPr lang="en-US" altLang="zh-CN" sz="2200" dirty="0"/>
                         <a:t>6</a:t>
                       </a:r>
                       <a:endParaRPr lang="zh-CN" altLang="en-US" sz="2200" dirty="0"/>
@@ -13620,7 +15435,7 @@
                     <a:p>
                       <a:pPr algn="ctr"/>
                       <a:r>
-                        <a:rPr lang="en-US" altLang="zh-CN" sz="2200" dirty="0" smtClean="0"/>
+                        <a:rPr lang="en-US" altLang="zh-CN" sz="2200" dirty="0"/>
                         <a:t>8</a:t>
                       </a:r>
                       <a:endParaRPr lang="zh-CN" altLang="en-US" sz="2200" dirty="0"/>
@@ -13661,7 +15476,7 @@
           <a:lstStyle/>
           <a:p>
             <a:r>
-              <a:rPr lang="en-US" altLang="zh-CN" dirty="0" smtClean="0"/>
+              <a:rPr lang="en-US" altLang="zh-CN" dirty="0"/>
               <a:t>A</a:t>
             </a:r>
             <a:endParaRPr lang="zh-CN" altLang="en-US" dirty="0"/>
@@ -13691,7 +15506,7 @@
           <a:lstStyle/>
           <a:p>
             <a:r>
-              <a:rPr lang="en-US" altLang="zh-CN" dirty="0" smtClean="0"/>
+              <a:rPr lang="en-US" altLang="zh-CN" dirty="0"/>
               <a:t>B</a:t>
             </a:r>
             <a:endParaRPr lang="zh-CN" altLang="en-US" dirty="0"/>
@@ -13754,7 +15569,7 @@
           <a:lstStyle/>
           <a:p>
             <a:r>
-              <a:rPr lang="en-US" altLang="zh-CN" sz="1200" dirty="0" smtClean="0"/>
+              <a:rPr lang="en-US" altLang="zh-CN" sz="1200" dirty="0"/>
               <a:t>j = 3</a:t>
             </a:r>
             <a:endParaRPr lang="zh-CN" altLang="en-US" sz="1200" dirty="0"/>
@@ -13784,7 +15599,7 @@
           <a:lstStyle/>
           <a:p>
             <a:r>
-              <a:rPr lang="en-US" altLang="zh-CN" sz="1200" dirty="0" smtClean="0"/>
+              <a:rPr lang="en-US" altLang="zh-CN" sz="1200" dirty="0"/>
               <a:t>A[i-1]</a:t>
             </a:r>
             <a:endParaRPr lang="zh-CN" altLang="en-US" sz="1200" dirty="0"/>
@@ -13814,7 +15629,7 @@
           <a:lstStyle/>
           <a:p>
             <a:r>
-              <a:rPr lang="en-US" altLang="zh-CN" sz="1200" dirty="0" smtClean="0"/>
+              <a:rPr lang="en-US" altLang="zh-CN" sz="1200" dirty="0"/>
               <a:t>A[i]</a:t>
             </a:r>
             <a:endParaRPr lang="zh-CN" altLang="en-US" sz="1200" dirty="0"/>
@@ -13844,7 +15659,7 @@
           <a:lstStyle/>
           <a:p>
             <a:r>
-              <a:rPr lang="en-US" altLang="zh-CN" sz="1200" dirty="0" smtClean="0"/>
+              <a:rPr lang="en-US" altLang="zh-CN" sz="1200" dirty="0"/>
               <a:t>B[j]</a:t>
             </a:r>
             <a:endParaRPr lang="zh-CN" altLang="en-US" sz="1200" dirty="0"/>
@@ -13874,7 +15689,7 @@
           <a:lstStyle/>
           <a:p>
             <a:r>
-              <a:rPr lang="en-US" altLang="zh-CN" sz="1200" dirty="0" smtClean="0"/>
+              <a:rPr lang="en-US" altLang="zh-CN" sz="1200" dirty="0"/>
               <a:t>B[j-1]</a:t>
             </a:r>
             <a:endParaRPr lang="zh-CN" altLang="en-US" sz="1200" dirty="0"/>
@@ -13937,7 +15752,7 @@
           <a:lstStyle/>
           <a:p>
             <a:r>
-              <a:rPr lang="en-US" altLang="zh-CN" sz="1200" dirty="0" smtClean="0"/>
+              <a:rPr lang="en-US" altLang="zh-CN" sz="1200" dirty="0"/>
               <a:t>i = 1</a:t>
             </a:r>
             <a:endParaRPr lang="zh-CN" altLang="en-US" sz="1200" dirty="0"/>
@@ -13985,7 +15800,7 @@
                     <a:p>
                       <a:pPr algn="ctr"/>
                       <a:r>
-                        <a:rPr lang="en-US" altLang="zh-CN" sz="2200" dirty="0" smtClean="0"/>
+                        <a:rPr lang="en-US" altLang="zh-CN" sz="2200" dirty="0"/>
                         <a:t>3 </a:t>
                       </a:r>
                       <a:endParaRPr lang="zh-CN" altLang="en-US" sz="2200" dirty="0"/>
@@ -14081,7 +15896,7 @@
                     <a:p>
                       <a:pPr algn="ctr"/>
                       <a:r>
-                        <a:rPr lang="en-US" altLang="zh-CN" sz="2200" dirty="0" smtClean="0"/>
+                        <a:rPr lang="en-US" altLang="zh-CN" sz="2200" dirty="0"/>
                         <a:t>2</a:t>
                       </a:r>
                       <a:endParaRPr lang="zh-CN" altLang="en-US" sz="2200" dirty="0"/>
@@ -14096,7 +15911,7 @@
                     <a:p>
                       <a:pPr algn="ctr"/>
                       <a:r>
-                        <a:rPr lang="en-US" altLang="zh-CN" sz="2200" dirty="0" smtClean="0"/>
+                        <a:rPr lang="en-US" altLang="zh-CN" sz="2200" dirty="0"/>
                         <a:t>3 </a:t>
                       </a:r>
                       <a:endParaRPr lang="zh-CN" altLang="en-US" sz="2200" dirty="0"/>
@@ -14169,7 +15984,7 @@
                     <a:p>
                       <a:pPr algn="ctr"/>
                       <a:r>
-                        <a:rPr lang="en-US" altLang="zh-CN" sz="2200" dirty="0" smtClean="0"/>
+                        <a:rPr lang="en-US" altLang="zh-CN" sz="2200" dirty="0"/>
                         <a:t>4</a:t>
                       </a:r>
                       <a:endParaRPr lang="zh-CN" altLang="en-US" sz="2200" dirty="0"/>
@@ -14184,7 +15999,7 @@
                     <a:p>
                       <a:pPr algn="ctr"/>
                       <a:r>
-                        <a:rPr lang="en-US" altLang="zh-CN" sz="2200" dirty="0" smtClean="0"/>
+                        <a:rPr lang="en-US" altLang="zh-CN" sz="2200" dirty="0"/>
                         <a:t>5 </a:t>
                       </a:r>
                       <a:endParaRPr lang="zh-CN" altLang="en-US" sz="2200" dirty="0"/>
@@ -14199,7 +16014,7 @@
                     <a:p>
                       <a:pPr algn="ctr"/>
                       <a:r>
-                        <a:rPr lang="en-US" altLang="zh-CN" sz="2200" dirty="0" smtClean="0"/>
+                        <a:rPr lang="en-US" altLang="zh-CN" sz="2200" dirty="0"/>
                         <a:t>6</a:t>
                       </a:r>
                       <a:endParaRPr lang="zh-CN" altLang="en-US" sz="2200" dirty="0"/>
@@ -14265,7 +16080,7 @@
                     <a:p>
                       <a:pPr algn="ctr"/>
                       <a:r>
-                        <a:rPr lang="en-US" altLang="zh-CN" sz="2200" dirty="0" smtClean="0"/>
+                        <a:rPr lang="en-US" altLang="zh-CN" sz="2200" dirty="0"/>
                         <a:t>7</a:t>
                       </a:r>
                       <a:endParaRPr lang="zh-CN" altLang="en-US" sz="2200" dirty="0"/>
@@ -14280,7 +16095,7 @@
                     <a:p>
                       <a:pPr algn="ctr"/>
                       <a:r>
-                        <a:rPr lang="en-US" altLang="zh-CN" sz="2200" dirty="0" smtClean="0"/>
+                        <a:rPr lang="en-US" altLang="zh-CN" sz="2200" dirty="0"/>
                         <a:t>8</a:t>
                       </a:r>
                       <a:endParaRPr lang="zh-CN" altLang="en-US" sz="2200" dirty="0"/>
@@ -14321,7 +16136,7 @@
           <a:lstStyle/>
           <a:p>
             <a:r>
-              <a:rPr lang="en-US" altLang="zh-CN" dirty="0" smtClean="0"/>
+              <a:rPr lang="en-US" altLang="zh-CN" dirty="0"/>
               <a:t>A</a:t>
             </a:r>
             <a:endParaRPr lang="zh-CN" altLang="en-US" dirty="0"/>
@@ -14351,7 +16166,7 @@
           <a:lstStyle/>
           <a:p>
             <a:r>
-              <a:rPr lang="en-US" altLang="zh-CN" dirty="0" smtClean="0"/>
+              <a:rPr lang="en-US" altLang="zh-CN" dirty="0"/>
               <a:t>B</a:t>
             </a:r>
             <a:endParaRPr lang="zh-CN" altLang="en-US" dirty="0"/>
@@ -14414,7 +16229,7 @@
           <a:lstStyle/>
           <a:p>
             <a:r>
-              <a:rPr lang="en-US" altLang="zh-CN" sz="1200" dirty="0" smtClean="0"/>
+              <a:rPr lang="en-US" altLang="zh-CN" sz="1200" dirty="0"/>
               <a:t>j = 3</a:t>
             </a:r>
             <a:endParaRPr lang="zh-CN" altLang="en-US" sz="1200" dirty="0"/>
@@ -14444,7 +16259,7 @@
           <a:lstStyle/>
           <a:p>
             <a:r>
-              <a:rPr lang="en-US" altLang="zh-CN" sz="1200" dirty="0" smtClean="0"/>
+              <a:rPr lang="en-US" altLang="zh-CN" sz="1200" dirty="0"/>
               <a:t>A[i-1]</a:t>
             </a:r>
             <a:endParaRPr lang="zh-CN" altLang="en-US" sz="1200" dirty="0"/>
@@ -14474,7 +16289,7 @@
           <a:lstStyle/>
           <a:p>
             <a:r>
-              <a:rPr lang="en-US" altLang="zh-CN" sz="1200" dirty="0" smtClean="0"/>
+              <a:rPr lang="en-US" altLang="zh-CN" sz="1200" dirty="0"/>
               <a:t>A[i]</a:t>
             </a:r>
             <a:endParaRPr lang="zh-CN" altLang="en-US" sz="1200" dirty="0"/>
@@ -14504,7 +16319,7 @@
           <a:lstStyle/>
           <a:p>
             <a:r>
-              <a:rPr lang="en-US" altLang="zh-CN" sz="1200" dirty="0" smtClean="0"/>
+              <a:rPr lang="en-US" altLang="zh-CN" sz="1200" dirty="0"/>
               <a:t>B[j]</a:t>
             </a:r>
             <a:endParaRPr lang="zh-CN" altLang="en-US" sz="1200" dirty="0"/>
@@ -14534,7 +16349,7 @@
           <a:lstStyle/>
           <a:p>
             <a:r>
-              <a:rPr lang="en-US" altLang="zh-CN" sz="1200" dirty="0" smtClean="0"/>
+              <a:rPr lang="en-US" altLang="zh-CN" sz="1200" dirty="0"/>
               <a:t>B[j-1]</a:t>
             </a:r>
             <a:endParaRPr lang="zh-CN" altLang="en-US" sz="1200" dirty="0"/>
@@ -14597,7 +16412,7 @@
           <a:lstStyle/>
           <a:p>
             <a:r>
-              <a:rPr lang="en-US" altLang="zh-CN" sz="1200" dirty="0" smtClean="0"/>
+              <a:rPr lang="en-US" altLang="zh-CN" sz="1200" dirty="0"/>
               <a:t>i = 1</a:t>
             </a:r>
             <a:endParaRPr lang="zh-CN" altLang="en-US" sz="1200" dirty="0"/>
@@ -14645,7 +16460,7 @@
                     <a:p>
                       <a:pPr algn="ctr"/>
                       <a:r>
-                        <a:rPr lang="en-US" altLang="zh-CN" sz="2200" dirty="0" smtClean="0"/>
+                        <a:rPr lang="en-US" altLang="zh-CN" sz="2200" dirty="0"/>
                         <a:t>1 </a:t>
                       </a:r>
                       <a:endParaRPr lang="zh-CN" altLang="en-US" sz="2200" dirty="0"/>
@@ -14741,7 +16556,7 @@
                     <a:p>
                       <a:pPr algn="ctr"/>
                       <a:r>
-                        <a:rPr lang="en-US" altLang="zh-CN" sz="2200" dirty="0" smtClean="0"/>
+                        <a:rPr lang="en-US" altLang="zh-CN" sz="2200" dirty="0"/>
                         <a:t>2</a:t>
                       </a:r>
                       <a:endParaRPr lang="zh-CN" altLang="en-US" sz="2200" dirty="0"/>
@@ -14756,7 +16571,7 @@
                     <a:p>
                       <a:pPr algn="ctr"/>
                       <a:r>
-                        <a:rPr lang="en-US" altLang="zh-CN" sz="2200" dirty="0" smtClean="0"/>
+                        <a:rPr lang="en-US" altLang="zh-CN" sz="2200" dirty="0"/>
                         <a:t>8 </a:t>
                       </a:r>
                       <a:endParaRPr lang="zh-CN" altLang="en-US" sz="2200" dirty="0"/>
@@ -14822,7 +16637,7 @@
                     <a:p>
                       <a:pPr algn="ctr"/>
                       <a:r>
-                        <a:rPr lang="en-US" altLang="zh-CN" sz="2200" dirty="0" smtClean="0"/>
+                        <a:rPr lang="en-US" altLang="zh-CN" sz="2200" dirty="0"/>
                         <a:t>9</a:t>
                       </a:r>
                       <a:endParaRPr lang="zh-CN" altLang="en-US" sz="2200" dirty="0"/>
@@ -14837,7 +16652,7 @@
                     <a:p>
                       <a:pPr algn="ctr"/>
                       <a:r>
-                        <a:rPr lang="en-US" altLang="zh-CN" sz="2200" dirty="0" smtClean="0"/>
+                        <a:rPr lang="en-US" altLang="zh-CN" sz="2200" dirty="0"/>
                         <a:t>10 </a:t>
                       </a:r>
                       <a:endParaRPr lang="zh-CN" altLang="en-US" sz="2200" dirty="0"/>
@@ -14904,7 +16719,7 @@
                     <a:p>
                       <a:pPr algn="ctr"/>
                       <a:r>
-                        <a:rPr lang="en-US" altLang="zh-CN" sz="2200" dirty="0" smtClean="0"/>
+                        <a:rPr lang="en-US" altLang="zh-CN" sz="2200" dirty="0"/>
                         <a:t>1</a:t>
                       </a:r>
                       <a:endParaRPr lang="zh-CN" altLang="en-US" sz="2200" dirty="0"/>
@@ -14919,7 +16734,7 @@
                     <a:p>
                       <a:pPr algn="ctr"/>
                       <a:r>
-                        <a:rPr lang="en-US" altLang="zh-CN" sz="2200" dirty="0" smtClean="0"/>
+                        <a:rPr lang="en-US" altLang="zh-CN" sz="2200" dirty="0"/>
                         <a:t>3 </a:t>
                       </a:r>
                       <a:endParaRPr lang="zh-CN" altLang="en-US" sz="2200" dirty="0"/>
@@ -14934,7 +16749,7 @@
                     <a:p>
                       <a:pPr algn="ctr"/>
                       <a:r>
-                        <a:rPr lang="en-US" altLang="zh-CN" sz="2200" dirty="0" smtClean="0"/>
+                        <a:rPr lang="en-US" altLang="zh-CN" sz="2200" dirty="0"/>
                         <a:t>5</a:t>
                       </a:r>
                       <a:endParaRPr lang="zh-CN" altLang="en-US" sz="2200" dirty="0"/>
@@ -14994,7 +16809,7 @@
                     <a:p>
                       <a:pPr algn="ctr"/>
                       <a:r>
-                        <a:rPr lang="en-US" altLang="zh-CN" sz="2200" dirty="0" smtClean="0"/>
+                        <a:rPr lang="en-US" altLang="zh-CN" sz="2200" dirty="0"/>
                         <a:t>6</a:t>
                       </a:r>
                       <a:endParaRPr lang="zh-CN" altLang="en-US" sz="2200" dirty="0"/>
@@ -15009,7 +16824,7 @@
                     <a:p>
                       <a:pPr algn="ctr"/>
                       <a:r>
-                        <a:rPr lang="en-US" altLang="zh-CN" sz="2200" dirty="0" smtClean="0"/>
+                        <a:rPr lang="en-US" altLang="zh-CN" sz="2200" dirty="0"/>
                         <a:t>8</a:t>
                       </a:r>
                       <a:endParaRPr lang="zh-CN" altLang="en-US" sz="2200" dirty="0"/>
@@ -15050,7 +16865,7 @@
           <a:lstStyle/>
           <a:p>
             <a:r>
-              <a:rPr lang="en-US" altLang="zh-CN" dirty="0" smtClean="0"/>
+              <a:rPr lang="en-US" altLang="zh-CN" dirty="0"/>
               <a:t>A</a:t>
             </a:r>
             <a:endParaRPr lang="zh-CN" altLang="en-US" dirty="0"/>
@@ -15080,7 +16895,7 @@
           <a:lstStyle/>
           <a:p>
             <a:r>
-              <a:rPr lang="en-US" altLang="zh-CN" dirty="0" smtClean="0"/>
+              <a:rPr lang="en-US" altLang="zh-CN" dirty="0"/>
               <a:t>B</a:t>
             </a:r>
             <a:endParaRPr lang="zh-CN" altLang="en-US" dirty="0"/>
@@ -15143,7 +16958,7 @@
           <a:lstStyle/>
           <a:p>
             <a:r>
-              <a:rPr lang="en-US" altLang="zh-CN" sz="1200" dirty="0" smtClean="0"/>
+              <a:rPr lang="en-US" altLang="zh-CN" sz="1200" dirty="0"/>
               <a:t>j = 3</a:t>
             </a:r>
             <a:endParaRPr lang="zh-CN" altLang="en-US" sz="1200" dirty="0"/>
@@ -15173,7 +16988,7 @@
           <a:lstStyle/>
           <a:p>
             <a:r>
-              <a:rPr lang="en-US" altLang="zh-CN" sz="1200" dirty="0" smtClean="0"/>
+              <a:rPr lang="en-US" altLang="zh-CN" sz="1200" dirty="0"/>
               <a:t>A[i-1]</a:t>
             </a:r>
             <a:endParaRPr lang="zh-CN" altLang="en-US" sz="1200" dirty="0"/>
@@ -15203,7 +17018,7 @@
           <a:lstStyle/>
           <a:p>
             <a:r>
-              <a:rPr lang="en-US" altLang="zh-CN" sz="1200" dirty="0" smtClean="0"/>
+              <a:rPr lang="en-US" altLang="zh-CN" sz="1200" dirty="0"/>
               <a:t>A[i]</a:t>
             </a:r>
             <a:endParaRPr lang="zh-CN" altLang="en-US" sz="1200" dirty="0"/>
@@ -15233,7 +17048,7 @@
           <a:lstStyle/>
           <a:p>
             <a:r>
-              <a:rPr lang="en-US" altLang="zh-CN" sz="1200" dirty="0" smtClean="0"/>
+              <a:rPr lang="en-US" altLang="zh-CN" sz="1200" dirty="0"/>
               <a:t>B[j]</a:t>
             </a:r>
             <a:endParaRPr lang="zh-CN" altLang="en-US" sz="1200" dirty="0"/>
@@ -15263,7 +17078,7 @@
           <a:lstStyle/>
           <a:p>
             <a:r>
-              <a:rPr lang="en-US" altLang="zh-CN" sz="1200" dirty="0" smtClean="0"/>
+              <a:rPr lang="en-US" altLang="zh-CN" sz="1200" dirty="0"/>
               <a:t>B[j-1]</a:t>
             </a:r>
             <a:endParaRPr lang="zh-CN" altLang="en-US" sz="1200" dirty="0"/>
@@ -15326,7 +17141,7 @@
           <a:lstStyle/>
           <a:p>
             <a:r>
-              <a:rPr lang="en-US" altLang="zh-CN" sz="1200" dirty="0" smtClean="0"/>
+              <a:rPr lang="en-US" altLang="zh-CN" sz="1200" dirty="0"/>
               <a:t>i = 2</a:t>
             </a:r>
             <a:endParaRPr lang="zh-CN" altLang="en-US" sz="1200" dirty="0"/>
@@ -15411,7 +17226,7 @@
                     <a:p>
                       <a:pPr algn="ctr"/>
                       <a:r>
-                        <a:rPr lang="en-US" altLang="zh-CN" sz="2200" dirty="0" smtClean="0"/>
+                        <a:rPr lang="en-US" altLang="zh-CN" sz="2200" dirty="0"/>
                         <a:t>8</a:t>
                       </a:r>
                       <a:endParaRPr lang="zh-CN" altLang="en-US" sz="2200" dirty="0"/>
@@ -15426,7 +17241,7 @@
                     <a:p>
                       <a:pPr algn="ctr"/>
                       <a:r>
-                        <a:rPr lang="en-US" altLang="zh-CN" sz="2200" dirty="0" smtClean="0"/>
+                        <a:rPr lang="en-US" altLang="zh-CN" sz="2200" dirty="0"/>
                         <a:t>9 </a:t>
                       </a:r>
                       <a:endParaRPr lang="zh-CN" altLang="en-US" sz="2200" dirty="0"/>
@@ -15499,7 +17314,7 @@
                     <a:p>
                       <a:pPr algn="ctr"/>
                       <a:r>
-                        <a:rPr lang="en-US" altLang="zh-CN" sz="2200" dirty="0" smtClean="0"/>
+                        <a:rPr lang="en-US" altLang="zh-CN" sz="2200" dirty="0"/>
                         <a:t>1</a:t>
                       </a:r>
                       <a:endParaRPr lang="zh-CN" altLang="en-US" sz="2200" dirty="0"/>
@@ -15514,7 +17329,7 @@
                     <a:p>
                       <a:pPr algn="ctr"/>
                       <a:r>
-                        <a:rPr lang="en-US" altLang="zh-CN" sz="2200" dirty="0" smtClean="0"/>
+                        <a:rPr lang="en-US" altLang="zh-CN" sz="2200" dirty="0"/>
                         <a:t>2 </a:t>
                       </a:r>
                       <a:endParaRPr lang="zh-CN" altLang="en-US" sz="2200" dirty="0"/>
@@ -15529,7 +17344,7 @@
                     <a:p>
                       <a:pPr algn="ctr"/>
                       <a:r>
-                        <a:rPr lang="en-US" altLang="zh-CN" sz="2200" dirty="0" smtClean="0"/>
+                        <a:rPr lang="en-US" altLang="zh-CN" sz="2200" dirty="0"/>
                         <a:t>3</a:t>
                       </a:r>
                       <a:endParaRPr lang="zh-CN" altLang="en-US" sz="2200" dirty="0"/>
@@ -15588,7 +17403,7 @@
                     <a:p>
                       <a:pPr algn="ctr"/>
                       <a:r>
-                        <a:rPr lang="en-US" altLang="zh-CN" sz="2200" dirty="0" smtClean="0"/>
+                        <a:rPr lang="en-US" altLang="zh-CN" sz="2200" dirty="0"/>
                         <a:t>4</a:t>
                       </a:r>
                       <a:endParaRPr lang="zh-CN" altLang="en-US" sz="2200" dirty="0"/>
@@ -15629,7 +17444,7 @@
           <a:lstStyle/>
           <a:p>
             <a:r>
-              <a:rPr lang="en-US" altLang="zh-CN" dirty="0" smtClean="0"/>
+              <a:rPr lang="en-US" altLang="zh-CN" dirty="0"/>
               <a:t>A</a:t>
             </a:r>
             <a:endParaRPr lang="zh-CN" altLang="en-US" dirty="0"/>
@@ -15659,7 +17474,7 @@
           <a:lstStyle/>
           <a:p>
             <a:r>
-              <a:rPr lang="en-US" altLang="zh-CN" dirty="0" smtClean="0"/>
+              <a:rPr lang="en-US" altLang="zh-CN" dirty="0"/>
               <a:t>B</a:t>
             </a:r>
             <a:endParaRPr lang="zh-CN" altLang="en-US" dirty="0"/>
@@ -15722,7 +17537,7 @@
           <a:lstStyle/>
           <a:p>
             <a:r>
-              <a:rPr lang="en-US" altLang="zh-CN" sz="1200" dirty="0" smtClean="0"/>
+              <a:rPr lang="en-US" altLang="zh-CN" sz="1200" dirty="0"/>
               <a:t>j = 3</a:t>
             </a:r>
             <a:endParaRPr lang="zh-CN" altLang="en-US" sz="1200" dirty="0"/>
@@ -15752,7 +17567,7 @@
           <a:lstStyle/>
           <a:p>
             <a:r>
-              <a:rPr lang="en-US" altLang="zh-CN" sz="1200" dirty="0" smtClean="0"/>
+              <a:rPr lang="en-US" altLang="zh-CN" sz="1200" dirty="0"/>
               <a:t>A[i]</a:t>
             </a:r>
             <a:endParaRPr lang="zh-CN" altLang="en-US" sz="1200" dirty="0"/>
@@ -15782,7 +17597,7 @@
           <a:lstStyle/>
           <a:p>
             <a:r>
-              <a:rPr lang="en-US" altLang="zh-CN" sz="1200" dirty="0" smtClean="0"/>
+              <a:rPr lang="en-US" altLang="zh-CN" sz="1200" dirty="0"/>
               <a:t>B[j]</a:t>
             </a:r>
             <a:endParaRPr lang="zh-CN" altLang="en-US" sz="1200" dirty="0"/>
@@ -15812,7 +17627,7 @@
           <a:lstStyle/>
           <a:p>
             <a:r>
-              <a:rPr lang="en-US" altLang="zh-CN" sz="1200" dirty="0" smtClean="0"/>
+              <a:rPr lang="en-US" altLang="zh-CN" sz="1200" dirty="0"/>
               <a:t>B[j-1]</a:t>
             </a:r>
             <a:endParaRPr lang="zh-CN" altLang="en-US" sz="1200" dirty="0"/>
@@ -15875,7 +17690,7 @@
           <a:lstStyle/>
           <a:p>
             <a:r>
-              <a:rPr lang="en-US" altLang="zh-CN" sz="1200" dirty="0" smtClean="0"/>
+              <a:rPr lang="en-US" altLang="zh-CN" sz="1200" dirty="0"/>
               <a:t>i = 0</a:t>
             </a:r>
             <a:endParaRPr lang="zh-CN" altLang="en-US" sz="1200" dirty="0"/>
@@ -15960,7 +17775,7 @@
                     <a:p>
                       <a:pPr algn="ctr"/>
                       <a:r>
-                        <a:rPr lang="en-US" altLang="zh-CN" sz="2200" dirty="0" smtClean="0"/>
+                        <a:rPr lang="en-US" altLang="zh-CN" sz="2200" dirty="0"/>
                         <a:t>2</a:t>
                       </a:r>
                       <a:endParaRPr lang="zh-CN" altLang="en-US" sz="2200" dirty="0"/>
@@ -15975,7 +17790,7 @@
                     <a:p>
                       <a:pPr algn="ctr"/>
                       <a:r>
-                        <a:rPr lang="en-US" altLang="zh-CN" sz="2200" dirty="0" smtClean="0"/>
+                        <a:rPr lang="en-US" altLang="zh-CN" sz="2200" dirty="0"/>
                         <a:t>3 </a:t>
                       </a:r>
                       <a:endParaRPr lang="zh-CN" altLang="en-US" sz="2200" dirty="0"/>
@@ -16034,7 +17849,7 @@
                     <a:p>
                       <a:pPr algn="ctr"/>
                       <a:r>
-                        <a:rPr lang="en-US" altLang="zh-CN" sz="2200" dirty="0" smtClean="0"/>
+                        <a:rPr lang="en-US" altLang="zh-CN" sz="2200" dirty="0"/>
                         <a:t>6</a:t>
                       </a:r>
                       <a:endParaRPr lang="zh-CN" altLang="en-US" sz="2200" dirty="0"/>
@@ -16107,7 +17922,7 @@
                     <a:p>
                       <a:pPr algn="ctr"/>
                       <a:r>
-                        <a:rPr lang="en-US" altLang="zh-CN" sz="2200" dirty="0" smtClean="0"/>
+                        <a:rPr lang="en-US" altLang="zh-CN" sz="2200" dirty="0"/>
                         <a:t>7</a:t>
                       </a:r>
                       <a:endParaRPr lang="zh-CN" altLang="en-US" sz="2200" dirty="0"/>
@@ -16122,7 +17937,7 @@
                     <a:p>
                       <a:pPr algn="ctr"/>
                       <a:r>
-                        <a:rPr lang="en-US" altLang="zh-CN" sz="2200" dirty="0" smtClean="0"/>
+                        <a:rPr lang="en-US" altLang="zh-CN" sz="2200" dirty="0"/>
                         <a:t>8</a:t>
                       </a:r>
                       <a:endParaRPr lang="zh-CN" altLang="en-US" sz="2200" dirty="0"/>
@@ -16137,7 +17952,7 @@
                     <a:p>
                       <a:pPr algn="ctr"/>
                       <a:r>
-                        <a:rPr lang="en-US" altLang="zh-CN" sz="2200" dirty="0" smtClean="0"/>
+                        <a:rPr lang="en-US" altLang="zh-CN" sz="2200" dirty="0"/>
                         <a:t>10</a:t>
                       </a:r>
                       <a:endParaRPr lang="zh-CN" altLang="en-US" sz="2200" dirty="0"/>
@@ -16178,7 +17993,7 @@
           <a:lstStyle/>
           <a:p>
             <a:r>
-              <a:rPr lang="en-US" altLang="zh-CN" dirty="0" smtClean="0"/>
+              <a:rPr lang="en-US" altLang="zh-CN" dirty="0"/>
               <a:t>A</a:t>
             </a:r>
             <a:endParaRPr lang="zh-CN" altLang="en-US" dirty="0"/>
@@ -16208,7 +18023,7 @@
           <a:lstStyle/>
           <a:p>
             <a:r>
-              <a:rPr lang="en-US" altLang="zh-CN" dirty="0" smtClean="0"/>
+              <a:rPr lang="en-US" altLang="zh-CN" dirty="0"/>
               <a:t>B</a:t>
             </a:r>
             <a:endParaRPr lang="zh-CN" altLang="en-US" dirty="0"/>
@@ -16271,7 +18086,7 @@
           <a:lstStyle/>
           <a:p>
             <a:r>
-              <a:rPr lang="en-US" altLang="zh-CN" sz="1200" dirty="0" smtClean="0"/>
+              <a:rPr lang="en-US" altLang="zh-CN" sz="1200" dirty="0"/>
               <a:t>j = 1</a:t>
             </a:r>
             <a:endParaRPr lang="zh-CN" altLang="en-US" sz="1200" dirty="0"/>
@@ -16301,7 +18116,7 @@
           <a:lstStyle/>
           <a:p>
             <a:r>
-              <a:rPr lang="en-US" altLang="zh-CN" sz="1200" dirty="0" smtClean="0"/>
+              <a:rPr lang="en-US" altLang="zh-CN" sz="1200" dirty="0"/>
               <a:t>A[i-1]</a:t>
             </a:r>
             <a:endParaRPr lang="zh-CN" altLang="en-US" sz="1200" dirty="0"/>
@@ -16331,7 +18146,7 @@
           <a:lstStyle/>
           <a:p>
             <a:r>
-              <a:rPr lang="en-US" altLang="zh-CN" sz="1200" dirty="0" smtClean="0"/>
+              <a:rPr lang="en-US" altLang="zh-CN" sz="1200" dirty="0"/>
               <a:t>B[j]</a:t>
             </a:r>
             <a:endParaRPr lang="zh-CN" altLang="en-US" sz="1200" dirty="0"/>
@@ -16361,7 +18176,7 @@
           <a:lstStyle/>
           <a:p>
             <a:r>
-              <a:rPr lang="en-US" altLang="zh-CN" sz="1200" dirty="0" smtClean="0"/>
+              <a:rPr lang="en-US" altLang="zh-CN" sz="1200" dirty="0"/>
               <a:t>B[j-1]</a:t>
             </a:r>
             <a:endParaRPr lang="zh-CN" altLang="en-US" sz="1200" dirty="0"/>
@@ -16424,7 +18239,7 @@
           <a:lstStyle/>
           <a:p>
             <a:r>
-              <a:rPr lang="en-US" altLang="zh-CN" sz="1200" dirty="0" smtClean="0"/>
+              <a:rPr lang="en-US" altLang="zh-CN" sz="1200" dirty="0"/>
               <a:t>i = 2</a:t>
             </a:r>
             <a:endParaRPr lang="zh-CN" altLang="en-US" sz="1200" dirty="0"/>
@@ -16523,7 +18338,7 @@
                     <a:p>
                       <a:pPr algn="ctr"/>
                       <a:r>
-                        <a:rPr lang="en-US" altLang="zh-CN" sz="2200" dirty="0" smtClean="0"/>
+                        <a:rPr lang="en-US" altLang="zh-CN" sz="2200" dirty="0"/>
                         <a:t>2</a:t>
                       </a:r>
                       <a:endParaRPr lang="zh-CN" altLang="en-US" sz="2200" dirty="0"/>
@@ -16538,7 +18353,7 @@
                     <a:p>
                       <a:pPr algn="ctr"/>
                       <a:r>
-                        <a:rPr lang="en-US" altLang="zh-CN" sz="2200" dirty="0" smtClean="0"/>
+                        <a:rPr lang="en-US" altLang="zh-CN" sz="2200" dirty="0"/>
                         <a:t>8 </a:t>
                       </a:r>
                       <a:endParaRPr lang="zh-CN" altLang="en-US" sz="2200" dirty="0"/>
@@ -16553,7 +18368,7 @@
                     <a:p>
                       <a:pPr algn="ctr"/>
                       <a:r>
-                        <a:rPr lang="en-US" altLang="zh-CN" sz="2200" dirty="0" smtClean="0"/>
+                        <a:rPr lang="en-US" altLang="zh-CN" sz="2200" dirty="0"/>
                         <a:t>9</a:t>
                       </a:r>
                       <a:endParaRPr lang="zh-CN" altLang="en-US" sz="2200" dirty="0"/>
@@ -16568,7 +18383,7 @@
                     <a:p>
                       <a:pPr algn="ctr"/>
                       <a:r>
-                        <a:rPr lang="en-US" altLang="zh-CN" sz="2200" dirty="0" smtClean="0"/>
+                        <a:rPr lang="en-US" altLang="zh-CN" sz="2200" dirty="0"/>
                         <a:t>10</a:t>
                       </a:r>
                       <a:endParaRPr lang="zh-CN" altLang="en-US" sz="2200" dirty="0"/>
@@ -16609,7 +18424,7 @@
           <a:lstStyle/>
           <a:p>
             <a:r>
-              <a:rPr lang="en-US" altLang="zh-CN" dirty="0" smtClean="0"/>
+              <a:rPr lang="en-US" altLang="zh-CN" dirty="0"/>
               <a:t>A</a:t>
             </a:r>
             <a:endParaRPr lang="zh-CN" altLang="en-US" dirty="0"/>
@@ -16639,7 +18454,7 @@
           <a:lstStyle/>
           <a:p>
             <a:r>
-              <a:rPr lang="en-US" altLang="zh-CN" dirty="0" smtClean="0"/>
+              <a:rPr lang="en-US" altLang="zh-CN" dirty="0"/>
               <a:t>B</a:t>
             </a:r>
             <a:endParaRPr lang="zh-CN" altLang="en-US" dirty="0"/>
@@ -16669,13 +18484,13 @@
           <a:lstStyle/>
           <a:p>
             <a:r>
-              <a:rPr lang="en-US" altLang="zh-CN" sz="1200" dirty="0" smtClean="0"/>
+              <a:rPr lang="en-US" altLang="zh-CN" sz="1200" dirty="0"/>
               <a:t>Then calculate the new k</a:t>
             </a:r>
           </a:p>
           <a:p>
             <a:r>
-              <a:rPr lang="en-US" altLang="zh-CN" sz="1200" dirty="0" smtClean="0"/>
+              <a:rPr lang="en-US" altLang="zh-CN" sz="1200" dirty="0"/>
               <a:t>k = k – k/2 = 2</a:t>
             </a:r>
           </a:p>
@@ -16729,7 +18544,7 @@
                     <a:p>
                       <a:pPr algn="ctr"/>
                       <a:r>
-                        <a:rPr lang="en-US" altLang="zh-CN" sz="2200" dirty="0" smtClean="0"/>
+                        <a:rPr lang="en-US" altLang="zh-CN" sz="2200" dirty="0"/>
                         <a:t>5</a:t>
                       </a:r>
                       <a:endParaRPr lang="zh-CN" altLang="en-US" sz="2200" dirty="0"/>
@@ -16744,7 +18559,7 @@
                     <a:p>
                       <a:pPr algn="ctr"/>
                       <a:r>
-                        <a:rPr lang="en-US" altLang="zh-CN" sz="2200" dirty="0" smtClean="0"/>
+                        <a:rPr lang="en-US" altLang="zh-CN" sz="2200" dirty="0"/>
                         <a:t>7</a:t>
                       </a:r>
                       <a:endParaRPr lang="zh-CN" altLang="en-US" sz="2200" dirty="0"/>
@@ -16854,7 +18669,7 @@
                     <a:p>
                       <a:pPr algn="ctr"/>
                       <a:r>
-                        <a:rPr lang="en-US" altLang="zh-CN" sz="2200" dirty="0" smtClean="0"/>
+                        <a:rPr lang="en-US" altLang="zh-CN" sz="2200" dirty="0"/>
                         <a:t>2</a:t>
                       </a:r>
                       <a:endParaRPr lang="zh-CN" altLang="en-US" sz="2200" dirty="0"/>
@@ -16875,7 +18690,7 @@
                     <a:p>
                       <a:pPr algn="ctr"/>
                       <a:r>
-                        <a:rPr lang="en-US" altLang="zh-CN" sz="2200" dirty="0" smtClean="0"/>
+                        <a:rPr lang="en-US" altLang="zh-CN" sz="2200" dirty="0"/>
                         <a:t>8 </a:t>
                       </a:r>
                       <a:endParaRPr lang="zh-CN" altLang="en-US" sz="2200" dirty="0"/>
@@ -16890,7 +18705,7 @@
                     <a:p>
                       <a:pPr algn="ctr"/>
                       <a:r>
-                        <a:rPr lang="en-US" altLang="zh-CN" sz="2200" dirty="0" smtClean="0"/>
+                        <a:rPr lang="en-US" altLang="zh-CN" sz="2200" dirty="0"/>
                         <a:t>9</a:t>
                       </a:r>
                       <a:endParaRPr lang="zh-CN" altLang="en-US" sz="2200" dirty="0"/>
@@ -16905,7 +18720,7 @@
                     <a:p>
                       <a:pPr algn="ctr"/>
                       <a:r>
-                        <a:rPr lang="en-US" altLang="zh-CN" sz="2200" dirty="0" smtClean="0"/>
+                        <a:rPr lang="en-US" altLang="zh-CN" sz="2200" dirty="0"/>
                         <a:t>10</a:t>
                       </a:r>
                       <a:endParaRPr lang="zh-CN" altLang="en-US" sz="2200" dirty="0"/>
@@ -16946,7 +18761,7 @@
           <a:lstStyle/>
           <a:p>
             <a:r>
-              <a:rPr lang="en-US" altLang="zh-CN" dirty="0" smtClean="0"/>
+              <a:rPr lang="en-US" altLang="zh-CN" dirty="0"/>
               <a:t>A</a:t>
             </a:r>
             <a:endParaRPr lang="zh-CN" altLang="en-US" dirty="0"/>
@@ -16976,7 +18791,7 @@
           <a:lstStyle/>
           <a:p>
             <a:r>
-              <a:rPr lang="en-US" altLang="zh-CN" dirty="0" smtClean="0"/>
+              <a:rPr lang="en-US" altLang="zh-CN" dirty="0"/>
               <a:t>B</a:t>
             </a:r>
             <a:endParaRPr lang="zh-CN" altLang="en-US" dirty="0"/>
@@ -17052,7 +18867,7 @@
                     <a:p>
                       <a:pPr algn="ctr"/>
                       <a:r>
-                        <a:rPr lang="en-US" altLang="zh-CN" sz="2200" dirty="0" smtClean="0"/>
+                        <a:rPr lang="en-US" altLang="zh-CN" sz="2200" dirty="0"/>
                         <a:t>1</a:t>
                       </a:r>
                       <a:endParaRPr lang="zh-CN" altLang="en-US" sz="2200" dirty="0"/>
@@ -17073,7 +18888,7 @@
                     <a:p>
                       <a:pPr algn="ctr"/>
                       <a:r>
-                        <a:rPr lang="en-US" altLang="zh-CN" sz="2200" dirty="0" smtClean="0"/>
+                        <a:rPr lang="en-US" altLang="zh-CN" sz="2200" dirty="0"/>
                         <a:t>3</a:t>
                       </a:r>
                       <a:endParaRPr lang="zh-CN" altLang="en-US" sz="2200" dirty="0"/>
@@ -17094,7 +18909,7 @@
                     <a:p>
                       <a:pPr algn="ctr"/>
                       <a:r>
-                        <a:rPr lang="en-US" altLang="zh-CN" sz="2200" dirty="0" smtClean="0"/>
+                        <a:rPr lang="en-US" altLang="zh-CN" sz="2200" dirty="0"/>
                         <a:t>5</a:t>
                       </a:r>
                       <a:endParaRPr lang="zh-CN" altLang="en-US" sz="2200" dirty="0"/>
@@ -17109,7 +18924,7 @@
                     <a:p>
                       <a:pPr algn="ctr"/>
                       <a:r>
-                        <a:rPr lang="en-US" altLang="zh-CN" sz="2200" dirty="0" smtClean="0"/>
+                        <a:rPr lang="en-US" altLang="zh-CN" sz="2200" dirty="0"/>
                         <a:t>7</a:t>
                       </a:r>
                       <a:endParaRPr lang="zh-CN" altLang="en-US" sz="2200" dirty="0"/>
@@ -17124,7 +18939,7 @@
                     <a:p>
                       <a:pPr algn="ctr"/>
                       <a:r>
-                        <a:rPr lang="en-US" altLang="zh-CN" sz="2200" dirty="0" smtClean="0"/>
+                        <a:rPr lang="en-US" altLang="zh-CN" sz="2200" dirty="0"/>
                         <a:t>11</a:t>
                       </a:r>
                       <a:endParaRPr lang="zh-CN" altLang="en-US" sz="2200" dirty="0"/>
@@ -17198,7 +19013,7 @@
           <a:lstStyle/>
           <a:p>
             <a:r>
-              <a:rPr lang="en-US" altLang="zh-CN" sz="1200" dirty="0" smtClean="0"/>
+              <a:rPr lang="en-US" altLang="zh-CN" sz="1200" dirty="0"/>
               <a:t>The median</a:t>
             </a:r>
           </a:p>
@@ -17227,7 +19042,7 @@
           <a:lstStyle/>
           <a:p>
             <a:r>
-              <a:rPr lang="en-US" altLang="zh-CN" sz="1200" dirty="0" smtClean="0"/>
+              <a:rPr lang="en-US" altLang="zh-CN" sz="1200" dirty="0"/>
               <a:t>A[0]</a:t>
             </a:r>
           </a:p>
@@ -17256,7 +19071,7 @@
           <a:lstStyle/>
           <a:p>
             <a:r>
-              <a:rPr lang="en-US" altLang="zh-CN" sz="1200" dirty="0" smtClean="0"/>
+              <a:rPr lang="en-US" altLang="zh-CN" sz="1200" dirty="0"/>
               <a:t>B[0]</a:t>
             </a:r>
           </a:p>
@@ -17354,7 +19169,7 @@
                     <a:p>
                       <a:pPr algn="ctr"/>
                       <a:r>
-                        <a:rPr lang="en-US" altLang="zh-CN" sz="2200" dirty="0" smtClean="0"/>
+                        <a:rPr lang="en-US" altLang="zh-CN" sz="2200" dirty="0"/>
                         <a:t>2</a:t>
                       </a:r>
                       <a:endParaRPr lang="zh-CN" altLang="en-US" sz="2200" dirty="0"/>
@@ -17375,7 +19190,7 @@
                     <a:p>
                       <a:pPr algn="ctr"/>
                       <a:r>
-                        <a:rPr lang="en-US" altLang="zh-CN" sz="2200" dirty="0" smtClean="0"/>
+                        <a:rPr lang="en-US" altLang="zh-CN" sz="2200" dirty="0"/>
                         <a:t>4 </a:t>
                       </a:r>
                       <a:endParaRPr lang="zh-CN" altLang="en-US" sz="2200" dirty="0"/>
@@ -17390,7 +19205,7 @@
                     <a:p>
                       <a:pPr algn="ctr"/>
                       <a:r>
-                        <a:rPr lang="en-US" altLang="zh-CN" sz="2200" dirty="0" smtClean="0"/>
+                        <a:rPr lang="en-US" altLang="zh-CN" sz="2200" dirty="0"/>
                         <a:t>5</a:t>
                       </a:r>
                       <a:endParaRPr lang="zh-CN" altLang="en-US" sz="2200" dirty="0"/>
@@ -17405,7 +19220,7 @@
                     <a:p>
                       <a:pPr algn="ctr"/>
                       <a:r>
-                        <a:rPr lang="en-US" altLang="zh-CN" sz="2200" dirty="0" smtClean="0"/>
+                        <a:rPr lang="en-US" altLang="zh-CN" sz="2200" dirty="0"/>
                         <a:t>10</a:t>
                       </a:r>
                       <a:endParaRPr lang="zh-CN" altLang="en-US" sz="2200" dirty="0"/>
@@ -17446,7 +19261,7 @@
           <a:lstStyle/>
           <a:p>
             <a:r>
-              <a:rPr lang="en-US" altLang="zh-CN" dirty="0" smtClean="0"/>
+              <a:rPr lang="en-US" altLang="zh-CN" dirty="0"/>
               <a:t>A</a:t>
             </a:r>
             <a:endParaRPr lang="zh-CN" altLang="en-US" dirty="0"/>
@@ -17476,7 +19291,7 @@
           <a:lstStyle/>
           <a:p>
             <a:r>
-              <a:rPr lang="en-US" altLang="zh-CN" dirty="0" smtClean="0"/>
+              <a:rPr lang="en-US" altLang="zh-CN" dirty="0"/>
               <a:t>B</a:t>
             </a:r>
             <a:endParaRPr lang="zh-CN" altLang="en-US" dirty="0"/>
@@ -17545,7 +19360,7 @@
                     <a:p>
                       <a:pPr algn="ctr"/>
                       <a:r>
-                        <a:rPr lang="en-US" altLang="zh-CN" sz="2200" dirty="0" smtClean="0"/>
+                        <a:rPr lang="en-US" altLang="zh-CN" sz="2200" dirty="0"/>
                         <a:t>1</a:t>
                       </a:r>
                       <a:endParaRPr lang="zh-CN" altLang="en-US" sz="2200" dirty="0"/>
@@ -17566,7 +19381,7 @@
                     <a:p>
                       <a:pPr algn="ctr"/>
                       <a:r>
-                        <a:rPr lang="en-US" altLang="zh-CN" sz="2200" dirty="0" smtClean="0"/>
+                        <a:rPr lang="en-US" altLang="zh-CN" sz="2200" dirty="0"/>
                         <a:t>3</a:t>
                       </a:r>
                       <a:endParaRPr lang="zh-CN" altLang="en-US" sz="2200" dirty="0"/>
@@ -17587,7 +19402,7 @@
                     <a:p>
                       <a:pPr algn="ctr"/>
                       <a:r>
-                        <a:rPr lang="en-US" altLang="zh-CN" sz="2200" dirty="0" smtClean="0"/>
+                        <a:rPr lang="en-US" altLang="zh-CN" sz="2200" dirty="0"/>
                         <a:t>7</a:t>
                       </a:r>
                       <a:endParaRPr lang="zh-CN" altLang="en-US" sz="2200" dirty="0"/>
@@ -17602,7 +19417,7 @@
                     <a:p>
                       <a:pPr algn="ctr"/>
                       <a:r>
-                        <a:rPr lang="en-US" altLang="zh-CN" sz="2200" dirty="0" smtClean="0"/>
+                        <a:rPr lang="en-US" altLang="zh-CN" sz="2200" dirty="0"/>
                         <a:t>8</a:t>
                       </a:r>
                       <a:endParaRPr lang="zh-CN" altLang="en-US" sz="2200" dirty="0"/>
@@ -17643,7 +19458,7 @@
           <a:lstStyle/>
           <a:p>
             <a:r>
-              <a:rPr lang="en-US" altLang="zh-CN" sz="1200" dirty="0" smtClean="0"/>
+              <a:rPr lang="en-US" altLang="zh-CN" sz="1200" dirty="0"/>
               <a:t>A[0]</a:t>
             </a:r>
           </a:p>
@@ -17672,7 +19487,7 @@
           <a:lstStyle/>
           <a:p>
             <a:r>
-              <a:rPr lang="en-US" altLang="zh-CN" sz="1200" dirty="0" smtClean="0"/>
+              <a:rPr lang="en-US" altLang="zh-CN" sz="1200" dirty="0"/>
               <a:t>B[0]</a:t>
             </a:r>
           </a:p>
@@ -17701,7 +19516,7 @@
           <a:lstStyle/>
           <a:p>
             <a:r>
-              <a:rPr lang="en-US" altLang="zh-CN" sz="1200" dirty="0" smtClean="0"/>
+              <a:rPr lang="en-US" altLang="zh-CN" sz="1200" dirty="0"/>
               <a:t>A[1]</a:t>
             </a:r>
           </a:p>
@@ -17730,7 +19545,7 @@
           <a:lstStyle/>
           <a:p>
             <a:r>
-              <a:rPr lang="en-US" altLang="zh-CN" sz="1200" dirty="0" smtClean="0"/>
+              <a:rPr lang="en-US" altLang="zh-CN" sz="1200" dirty="0"/>
               <a:t>B[1]</a:t>
             </a:r>
           </a:p>

--- a/docs/Image.pptx
+++ b/docs/Image.pptx
@@ -5,7 +5,7 @@
     <p:sldMasterId id="2147483648" r:id="rId1"/>
   </p:sldMasterIdLst>
   <p:notesMasterIdLst>
-    <p:notesMasterId r:id="rId20"/>
+    <p:notesMasterId r:id="rId23"/>
   </p:notesMasterIdLst>
   <p:sldIdLst>
     <p:sldId id="256" r:id="rId2"/>
@@ -26,6 +26,9 @@
     <p:sldId id="274" r:id="rId17"/>
     <p:sldId id="276" r:id="rId18"/>
     <p:sldId id="275" r:id="rId19"/>
+    <p:sldId id="278" r:id="rId20"/>
+    <p:sldId id="279" r:id="rId21"/>
+    <p:sldId id="280" r:id="rId22"/>
   </p:sldIdLst>
   <p:sldSz cx="12192000" cy="6858000"/>
   <p:notesSz cx="6858000" cy="9144000"/>
@@ -214,7 +217,7 @@
           <a:p>
             <a:fld id="{B5D9F11F-CEC7-4904-87EC-867ABA4429BA}" type="datetimeFigureOut">
               <a:rPr lang="zh-CN" altLang="en-US" smtClean="0"/>
-              <a:t>2020/5/16</a:t>
+              <a:t>2020/5/27</a:t>
             </a:fld>
             <a:endParaRPr lang="zh-CN" altLang="en-US"/>
           </a:p>
@@ -580,6 +583,270 @@
 </p:notes>
 </file>
 
+<file path=ppt/notesSlides/notesSlide10.xml><?xml version="1.0" encoding="utf-8"?>
+<p:notes xmlns:a="http://schemas.openxmlformats.org/drawingml/2006/main" xmlns:r="http://schemas.openxmlformats.org/officeDocument/2006/relationships" xmlns:p="http://schemas.openxmlformats.org/presentationml/2006/main">
+  <p:cSld>
+    <p:spTree>
+      <p:nvGrpSpPr>
+        <p:cNvPr id="1" name=""/>
+        <p:cNvGrpSpPr/>
+        <p:nvPr/>
+      </p:nvGrpSpPr>
+      <p:grpSpPr>
+        <a:xfrm>
+          <a:off x="0" y="0"/>
+          <a:ext cx="0" cy="0"/>
+          <a:chOff x="0" y="0"/>
+          <a:chExt cx="0" cy="0"/>
+        </a:xfrm>
+      </p:grpSpPr>
+      <p:sp>
+        <p:nvSpPr>
+          <p:cNvPr id="2" name="幻灯片图像占位符 1"/>
+          <p:cNvSpPr>
+            <a:spLocks noGrp="1" noRot="1" noChangeAspect="1"/>
+          </p:cNvSpPr>
+          <p:nvPr>
+            <p:ph type="sldImg"/>
+          </p:nvPr>
+        </p:nvSpPr>
+        <p:spPr/>
+      </p:sp>
+      <p:sp>
+        <p:nvSpPr>
+          <p:cNvPr id="3" name="备注占位符 2"/>
+          <p:cNvSpPr>
+            <a:spLocks noGrp="1"/>
+          </p:cNvSpPr>
+          <p:nvPr>
+            <p:ph type="body" idx="1"/>
+          </p:nvPr>
+        </p:nvSpPr>
+        <p:spPr/>
+        <p:txBody>
+          <a:bodyPr/>
+          <a:lstStyle/>
+          <a:p>
+            <a:r>
+              <a:rPr lang="en-US" altLang="zh-CN" dirty="0"/>
+              <a:t>31. Next Permutation</a:t>
+            </a:r>
+            <a:endParaRPr lang="zh-CN" altLang="en-US" dirty="0"/>
+          </a:p>
+        </p:txBody>
+      </p:sp>
+      <p:sp>
+        <p:nvSpPr>
+          <p:cNvPr id="4" name="灯片编号占位符 3"/>
+          <p:cNvSpPr>
+            <a:spLocks noGrp="1"/>
+          </p:cNvSpPr>
+          <p:nvPr>
+            <p:ph type="sldNum" sz="quarter" idx="5"/>
+          </p:nvPr>
+        </p:nvSpPr>
+        <p:spPr/>
+        <p:txBody>
+          <a:bodyPr/>
+          <a:lstStyle/>
+          <a:p>
+            <a:fld id="{CF20F747-D0EC-4FFA-AA8A-DD1B21173115}" type="slidenum">
+              <a:rPr lang="zh-CN" altLang="en-US" smtClean="0"/>
+              <a:t>19</a:t>
+            </a:fld>
+            <a:endParaRPr lang="zh-CN" altLang="en-US"/>
+          </a:p>
+        </p:txBody>
+      </p:sp>
+    </p:spTree>
+    <p:extLst>
+      <p:ext uri="{BB962C8B-B14F-4D97-AF65-F5344CB8AC3E}">
+        <p14:creationId xmlns:p14="http://schemas.microsoft.com/office/powerpoint/2010/main" val="1931462908"/>
+      </p:ext>
+    </p:extLst>
+  </p:cSld>
+  <p:clrMapOvr>
+    <a:masterClrMapping/>
+  </p:clrMapOvr>
+</p:notes>
+</file>
+
+<file path=ppt/notesSlides/notesSlide11.xml><?xml version="1.0" encoding="utf-8"?>
+<p:notes xmlns:a="http://schemas.openxmlformats.org/drawingml/2006/main" xmlns:r="http://schemas.openxmlformats.org/officeDocument/2006/relationships" xmlns:p="http://schemas.openxmlformats.org/presentationml/2006/main">
+  <p:cSld>
+    <p:spTree>
+      <p:nvGrpSpPr>
+        <p:cNvPr id="1" name=""/>
+        <p:cNvGrpSpPr/>
+        <p:nvPr/>
+      </p:nvGrpSpPr>
+      <p:grpSpPr>
+        <a:xfrm>
+          <a:off x="0" y="0"/>
+          <a:ext cx="0" cy="0"/>
+          <a:chOff x="0" y="0"/>
+          <a:chExt cx="0" cy="0"/>
+        </a:xfrm>
+      </p:grpSpPr>
+      <p:sp>
+        <p:nvSpPr>
+          <p:cNvPr id="2" name="幻灯片图像占位符 1"/>
+          <p:cNvSpPr>
+            <a:spLocks noGrp="1" noRot="1" noChangeAspect="1"/>
+          </p:cNvSpPr>
+          <p:nvPr>
+            <p:ph type="sldImg"/>
+          </p:nvPr>
+        </p:nvSpPr>
+        <p:spPr/>
+      </p:sp>
+      <p:sp>
+        <p:nvSpPr>
+          <p:cNvPr id="3" name="备注占位符 2"/>
+          <p:cNvSpPr>
+            <a:spLocks noGrp="1"/>
+          </p:cNvSpPr>
+          <p:nvPr>
+            <p:ph type="body" idx="1"/>
+          </p:nvPr>
+        </p:nvSpPr>
+        <p:spPr/>
+        <p:txBody>
+          <a:bodyPr/>
+          <a:lstStyle/>
+          <a:p>
+            <a:r>
+              <a:rPr lang="en-US" altLang="zh-CN" dirty="0"/>
+              <a:t>31. Next Permutation</a:t>
+            </a:r>
+            <a:endParaRPr lang="zh-CN" altLang="en-US" dirty="0"/>
+          </a:p>
+        </p:txBody>
+      </p:sp>
+      <p:sp>
+        <p:nvSpPr>
+          <p:cNvPr id="4" name="灯片编号占位符 3"/>
+          <p:cNvSpPr>
+            <a:spLocks noGrp="1"/>
+          </p:cNvSpPr>
+          <p:nvPr>
+            <p:ph type="sldNum" sz="quarter" idx="5"/>
+          </p:nvPr>
+        </p:nvSpPr>
+        <p:spPr/>
+        <p:txBody>
+          <a:bodyPr/>
+          <a:lstStyle/>
+          <a:p>
+            <a:fld id="{CF20F747-D0EC-4FFA-AA8A-DD1B21173115}" type="slidenum">
+              <a:rPr lang="zh-CN" altLang="en-US" smtClean="0"/>
+              <a:t>20</a:t>
+            </a:fld>
+            <a:endParaRPr lang="zh-CN" altLang="en-US"/>
+          </a:p>
+        </p:txBody>
+      </p:sp>
+    </p:spTree>
+    <p:extLst>
+      <p:ext uri="{BB962C8B-B14F-4D97-AF65-F5344CB8AC3E}">
+        <p14:creationId xmlns:p14="http://schemas.microsoft.com/office/powerpoint/2010/main" val="350628297"/>
+      </p:ext>
+    </p:extLst>
+  </p:cSld>
+  <p:clrMapOvr>
+    <a:masterClrMapping/>
+  </p:clrMapOvr>
+</p:notes>
+</file>
+
+<file path=ppt/notesSlides/notesSlide12.xml><?xml version="1.0" encoding="utf-8"?>
+<p:notes xmlns:a="http://schemas.openxmlformats.org/drawingml/2006/main" xmlns:r="http://schemas.openxmlformats.org/officeDocument/2006/relationships" xmlns:p="http://schemas.openxmlformats.org/presentationml/2006/main">
+  <p:cSld>
+    <p:spTree>
+      <p:nvGrpSpPr>
+        <p:cNvPr id="1" name=""/>
+        <p:cNvGrpSpPr/>
+        <p:nvPr/>
+      </p:nvGrpSpPr>
+      <p:grpSpPr>
+        <a:xfrm>
+          <a:off x="0" y="0"/>
+          <a:ext cx="0" cy="0"/>
+          <a:chOff x="0" y="0"/>
+          <a:chExt cx="0" cy="0"/>
+        </a:xfrm>
+      </p:grpSpPr>
+      <p:sp>
+        <p:nvSpPr>
+          <p:cNvPr id="2" name="幻灯片图像占位符 1"/>
+          <p:cNvSpPr>
+            <a:spLocks noGrp="1" noRot="1" noChangeAspect="1"/>
+          </p:cNvSpPr>
+          <p:nvPr>
+            <p:ph type="sldImg"/>
+          </p:nvPr>
+        </p:nvSpPr>
+        <p:spPr/>
+      </p:sp>
+      <p:sp>
+        <p:nvSpPr>
+          <p:cNvPr id="3" name="备注占位符 2"/>
+          <p:cNvSpPr>
+            <a:spLocks noGrp="1"/>
+          </p:cNvSpPr>
+          <p:nvPr>
+            <p:ph type="body" idx="1"/>
+          </p:nvPr>
+        </p:nvSpPr>
+        <p:spPr/>
+        <p:txBody>
+          <a:bodyPr/>
+          <a:lstStyle/>
+          <a:p>
+            <a:r>
+              <a:rPr lang="en-US" altLang="zh-CN" dirty="0"/>
+              <a:t>31. Next Permutation</a:t>
+            </a:r>
+            <a:endParaRPr lang="zh-CN" altLang="en-US" dirty="0"/>
+          </a:p>
+        </p:txBody>
+      </p:sp>
+      <p:sp>
+        <p:nvSpPr>
+          <p:cNvPr id="4" name="灯片编号占位符 3"/>
+          <p:cNvSpPr>
+            <a:spLocks noGrp="1"/>
+          </p:cNvSpPr>
+          <p:nvPr>
+            <p:ph type="sldNum" sz="quarter" idx="5"/>
+          </p:nvPr>
+        </p:nvSpPr>
+        <p:spPr/>
+        <p:txBody>
+          <a:bodyPr/>
+          <a:lstStyle/>
+          <a:p>
+            <a:fld id="{CF20F747-D0EC-4FFA-AA8A-DD1B21173115}" type="slidenum">
+              <a:rPr lang="zh-CN" altLang="en-US" smtClean="0"/>
+              <a:t>21</a:t>
+            </a:fld>
+            <a:endParaRPr lang="zh-CN" altLang="en-US"/>
+          </a:p>
+        </p:txBody>
+      </p:sp>
+    </p:spTree>
+    <p:extLst>
+      <p:ext uri="{BB962C8B-B14F-4D97-AF65-F5344CB8AC3E}">
+        <p14:creationId xmlns:p14="http://schemas.microsoft.com/office/powerpoint/2010/main" val="245258661"/>
+      </p:ext>
+    </p:extLst>
+  </p:cSld>
+  <p:clrMapOvr>
+    <a:masterClrMapping/>
+  </p:clrMapOvr>
+</p:notes>
+</file>
+
 <file path=ppt/notesSlides/notesSlide2.xml><?xml version="1.0" encoding="utf-8"?>
 <p:notes xmlns:a="http://schemas.openxmlformats.org/drawingml/2006/main" xmlns:r="http://schemas.openxmlformats.org/officeDocument/2006/relationships" xmlns:p="http://schemas.openxmlformats.org/presentationml/2006/main">
   <p:cSld>
@@ -1441,7 +1708,7 @@
           <a:p>
             <a:fld id="{B3314C4A-3350-458F-9222-11386146643F}" type="datetimeFigureOut">
               <a:rPr lang="zh-CN" altLang="en-US" smtClean="0"/>
-              <a:t>2020/5/16</a:t>
+              <a:t>2020/5/27</a:t>
             </a:fld>
             <a:endParaRPr lang="zh-CN" altLang="en-US"/>
           </a:p>
@@ -1609,7 +1876,7 @@
           <a:p>
             <a:fld id="{B3314C4A-3350-458F-9222-11386146643F}" type="datetimeFigureOut">
               <a:rPr lang="zh-CN" altLang="en-US" smtClean="0"/>
-              <a:t>2020/5/16</a:t>
+              <a:t>2020/5/27</a:t>
             </a:fld>
             <a:endParaRPr lang="zh-CN" altLang="en-US"/>
           </a:p>
@@ -1787,7 +2054,7 @@
           <a:p>
             <a:fld id="{B3314C4A-3350-458F-9222-11386146643F}" type="datetimeFigureOut">
               <a:rPr lang="zh-CN" altLang="en-US" smtClean="0"/>
-              <a:t>2020/5/16</a:t>
+              <a:t>2020/5/27</a:t>
             </a:fld>
             <a:endParaRPr lang="zh-CN" altLang="en-US"/>
           </a:p>
@@ -1955,7 +2222,7 @@
           <a:p>
             <a:fld id="{B3314C4A-3350-458F-9222-11386146643F}" type="datetimeFigureOut">
               <a:rPr lang="zh-CN" altLang="en-US" smtClean="0"/>
-              <a:t>2020/5/16</a:t>
+              <a:t>2020/5/27</a:t>
             </a:fld>
             <a:endParaRPr lang="zh-CN" altLang="en-US"/>
           </a:p>
@@ -2200,7 +2467,7 @@
           <a:p>
             <a:fld id="{B3314C4A-3350-458F-9222-11386146643F}" type="datetimeFigureOut">
               <a:rPr lang="zh-CN" altLang="en-US" smtClean="0"/>
-              <a:t>2020/5/16</a:t>
+              <a:t>2020/5/27</a:t>
             </a:fld>
             <a:endParaRPr lang="zh-CN" altLang="en-US"/>
           </a:p>
@@ -2429,7 +2696,7 @@
           <a:p>
             <a:fld id="{B3314C4A-3350-458F-9222-11386146643F}" type="datetimeFigureOut">
               <a:rPr lang="zh-CN" altLang="en-US" smtClean="0"/>
-              <a:t>2020/5/16</a:t>
+              <a:t>2020/5/27</a:t>
             </a:fld>
             <a:endParaRPr lang="zh-CN" altLang="en-US"/>
           </a:p>
@@ -2793,7 +3060,7 @@
           <a:p>
             <a:fld id="{B3314C4A-3350-458F-9222-11386146643F}" type="datetimeFigureOut">
               <a:rPr lang="zh-CN" altLang="en-US" smtClean="0"/>
-              <a:t>2020/5/16</a:t>
+              <a:t>2020/5/27</a:t>
             </a:fld>
             <a:endParaRPr lang="zh-CN" altLang="en-US"/>
           </a:p>
@@ -2910,7 +3177,7 @@
           <a:p>
             <a:fld id="{B3314C4A-3350-458F-9222-11386146643F}" type="datetimeFigureOut">
               <a:rPr lang="zh-CN" altLang="en-US" smtClean="0"/>
-              <a:t>2020/5/16</a:t>
+              <a:t>2020/5/27</a:t>
             </a:fld>
             <a:endParaRPr lang="zh-CN" altLang="en-US"/>
           </a:p>
@@ -3005,7 +3272,7 @@
           <a:p>
             <a:fld id="{B3314C4A-3350-458F-9222-11386146643F}" type="datetimeFigureOut">
               <a:rPr lang="zh-CN" altLang="en-US" smtClean="0"/>
-              <a:t>2020/5/16</a:t>
+              <a:t>2020/5/27</a:t>
             </a:fld>
             <a:endParaRPr lang="zh-CN" altLang="en-US"/>
           </a:p>
@@ -3280,7 +3547,7 @@
           <a:p>
             <a:fld id="{B3314C4A-3350-458F-9222-11386146643F}" type="datetimeFigureOut">
               <a:rPr lang="zh-CN" altLang="en-US" smtClean="0"/>
-              <a:t>2020/5/16</a:t>
+              <a:t>2020/5/27</a:t>
             </a:fld>
             <a:endParaRPr lang="zh-CN" altLang="en-US"/>
           </a:p>
@@ -3532,7 +3799,7 @@
           <a:p>
             <a:fld id="{B3314C4A-3350-458F-9222-11386146643F}" type="datetimeFigureOut">
               <a:rPr lang="zh-CN" altLang="en-US" smtClean="0"/>
-              <a:t>2020/5/16</a:t>
+              <a:t>2020/5/27</a:t>
             </a:fld>
             <a:endParaRPr lang="zh-CN" altLang="en-US"/>
           </a:p>
@@ -3743,7 +4010,7 @@
           <a:p>
             <a:fld id="{B3314C4A-3350-458F-9222-11386146643F}" type="datetimeFigureOut">
               <a:rPr lang="zh-CN" altLang="en-US" smtClean="0"/>
-              <a:t>2020/5/16</a:t>
+              <a:t>2020/5/27</a:t>
             </a:fld>
             <a:endParaRPr lang="zh-CN" altLang="en-US"/>
           </a:p>
@@ -10216,7 +10483,7 @@
           <a:lstStyle/>
           <a:p>
             <a:r>
-              <a:rPr lang="en-US" altLang="zh-CN" dirty="0"/>
+              <a:rPr lang="en-US" altLang="zh-CN" dirty="0" err="1"/>
               <a:t>i_m</a:t>
             </a:r>
             <a:endParaRPr lang="zh-CN" altLang="en-US" dirty="0"/>
@@ -11747,7 +12014,7 @@
           <a:lstStyle/>
           <a:p>
             <a:r>
-              <a:rPr lang="en-US" altLang="zh-CN" dirty="0"/>
+              <a:rPr lang="en-US" altLang="zh-CN" dirty="0" err="1"/>
               <a:t>i_m</a:t>
             </a:r>
             <a:endParaRPr lang="zh-CN" altLang="en-US" dirty="0"/>
@@ -13310,7 +13577,7 @@
           <a:lstStyle/>
           <a:p>
             <a:r>
-              <a:rPr lang="en-US" altLang="zh-CN" dirty="0"/>
+              <a:rPr lang="en-US" altLang="zh-CN" dirty="0" err="1"/>
               <a:t>i_m</a:t>
             </a:r>
             <a:endParaRPr lang="zh-CN" altLang="en-US" dirty="0"/>
@@ -15183,6 +15450,757 @@
 </p:sld>
 </file>
 
+<file path=ppt/slides/slide19.xml><?xml version="1.0" encoding="utf-8"?>
+<p:sld xmlns:a="http://schemas.openxmlformats.org/drawingml/2006/main" xmlns:r="http://schemas.openxmlformats.org/officeDocument/2006/relationships" xmlns:p="http://schemas.openxmlformats.org/presentationml/2006/main">
+  <p:cSld>
+    <p:spTree>
+      <p:nvGrpSpPr>
+        <p:cNvPr id="1" name=""/>
+        <p:cNvGrpSpPr/>
+        <p:nvPr/>
+      </p:nvGrpSpPr>
+      <p:grpSpPr>
+        <a:xfrm>
+          <a:off x="0" y="0"/>
+          <a:ext cx="0" cy="0"/>
+          <a:chOff x="0" y="0"/>
+          <a:chExt cx="0" cy="0"/>
+        </a:xfrm>
+      </p:grpSpPr>
+      <p:sp>
+        <p:nvSpPr>
+          <p:cNvPr id="11" name="文本框 10">
+            <a:extLst>
+              <a:ext uri="{FF2B5EF4-FFF2-40B4-BE49-F238E27FC236}">
+                <a16:creationId xmlns:a16="http://schemas.microsoft.com/office/drawing/2014/main" id="{E3F2DD27-1048-4BD4-A2BA-1636E0461DF2}"/>
+              </a:ext>
+            </a:extLst>
+          </p:cNvPr>
+          <p:cNvSpPr txBox="1"/>
+          <p:nvPr/>
+        </p:nvSpPr>
+        <p:spPr>
+          <a:xfrm>
+            <a:off x="4847158" y="2976028"/>
+            <a:ext cx="976283" cy="369332"/>
+          </a:xfrm>
+          <a:prstGeom prst="rect">
+            <a:avLst/>
+          </a:prstGeom>
+          <a:noFill/>
+        </p:spPr>
+        <p:txBody>
+          <a:bodyPr wrap="square" rtlCol="0">
+            <a:spAutoFit/>
+          </a:bodyPr>
+          <a:lstStyle/>
+          <a:p>
+            <a:r>
+              <a:rPr lang="en-US" altLang="zh-CN" dirty="0"/>
+              <a:t>i</a:t>
+            </a:r>
+            <a:endParaRPr lang="zh-CN" altLang="en-US" dirty="0"/>
+          </a:p>
+        </p:txBody>
+      </p:sp>
+      <p:sp>
+        <p:nvSpPr>
+          <p:cNvPr id="12" name="文本框 11">
+            <a:extLst>
+              <a:ext uri="{FF2B5EF4-FFF2-40B4-BE49-F238E27FC236}">
+                <a16:creationId xmlns:a16="http://schemas.microsoft.com/office/drawing/2014/main" id="{F4781286-267D-4D53-BABB-D6344B49D524}"/>
+              </a:ext>
+            </a:extLst>
+          </p:cNvPr>
+          <p:cNvSpPr txBox="1"/>
+          <p:nvPr/>
+        </p:nvSpPr>
+        <p:spPr>
+          <a:xfrm>
+            <a:off x="5392278" y="2976028"/>
+            <a:ext cx="976283" cy="369332"/>
+          </a:xfrm>
+          <a:prstGeom prst="rect">
+            <a:avLst/>
+          </a:prstGeom>
+          <a:noFill/>
+        </p:spPr>
+        <p:txBody>
+          <a:bodyPr wrap="square" rtlCol="0">
+            <a:spAutoFit/>
+          </a:bodyPr>
+          <a:lstStyle/>
+          <a:p>
+            <a:r>
+              <a:rPr lang="en-US" altLang="zh-CN" dirty="0"/>
+              <a:t>j</a:t>
+            </a:r>
+            <a:endParaRPr lang="zh-CN" altLang="en-US" dirty="0"/>
+          </a:p>
+        </p:txBody>
+      </p:sp>
+      <p:sp>
+        <p:nvSpPr>
+          <p:cNvPr id="29" name="椭圆 28">
+            <a:extLst>
+              <a:ext uri="{FF2B5EF4-FFF2-40B4-BE49-F238E27FC236}">
+                <a16:creationId xmlns:a16="http://schemas.microsoft.com/office/drawing/2014/main" id="{E3E1A041-F84E-41F6-8243-5CDB3BC71984}"/>
+              </a:ext>
+            </a:extLst>
+          </p:cNvPr>
+          <p:cNvSpPr/>
+          <p:nvPr/>
+        </p:nvSpPr>
+        <p:spPr>
+          <a:xfrm>
+            <a:off x="2721146" y="3227271"/>
+            <a:ext cx="403457" cy="403457"/>
+          </a:xfrm>
+          <a:prstGeom prst="ellipse">
+            <a:avLst/>
+          </a:prstGeom>
+          <a:ln>
+            <a:noFill/>
+          </a:ln>
+        </p:spPr>
+        <p:style>
+          <a:lnRef idx="2">
+            <a:schemeClr val="accent1">
+              <a:shade val="50000"/>
+            </a:schemeClr>
+          </a:lnRef>
+          <a:fillRef idx="1">
+            <a:schemeClr val="accent1"/>
+          </a:fillRef>
+          <a:effectRef idx="0">
+            <a:schemeClr val="accent1"/>
+          </a:effectRef>
+          <a:fontRef idx="minor">
+            <a:schemeClr val="lt1"/>
+          </a:fontRef>
+        </p:style>
+        <p:txBody>
+          <a:bodyPr rtlCol="0" anchor="ctr"/>
+          <a:lstStyle/>
+          <a:p>
+            <a:pPr algn="ctr"/>
+            <a:r>
+              <a:rPr lang="en-US" altLang="zh-CN" b="1" dirty="0"/>
+              <a:t>1</a:t>
+            </a:r>
+            <a:endParaRPr lang="zh-CN" altLang="en-US" b="1" dirty="0"/>
+          </a:p>
+        </p:txBody>
+      </p:sp>
+      <p:sp>
+        <p:nvSpPr>
+          <p:cNvPr id="30" name="椭圆 29">
+            <a:extLst>
+              <a:ext uri="{FF2B5EF4-FFF2-40B4-BE49-F238E27FC236}">
+                <a16:creationId xmlns:a16="http://schemas.microsoft.com/office/drawing/2014/main" id="{6F771A13-7E06-4D38-A0E2-9728F4675126}"/>
+              </a:ext>
+            </a:extLst>
+          </p:cNvPr>
+          <p:cNvSpPr/>
+          <p:nvPr/>
+        </p:nvSpPr>
+        <p:spPr>
+          <a:xfrm>
+            <a:off x="3398117" y="2823814"/>
+            <a:ext cx="403457" cy="403457"/>
+          </a:xfrm>
+          <a:prstGeom prst="ellipse">
+            <a:avLst/>
+          </a:prstGeom>
+          <a:ln>
+            <a:noFill/>
+          </a:ln>
+        </p:spPr>
+        <p:style>
+          <a:lnRef idx="2">
+            <a:schemeClr val="accent1">
+              <a:shade val="50000"/>
+            </a:schemeClr>
+          </a:lnRef>
+          <a:fillRef idx="1">
+            <a:schemeClr val="accent1"/>
+          </a:fillRef>
+          <a:effectRef idx="0">
+            <a:schemeClr val="accent1"/>
+          </a:effectRef>
+          <a:fontRef idx="minor">
+            <a:schemeClr val="lt1"/>
+          </a:fontRef>
+        </p:style>
+        <p:txBody>
+          <a:bodyPr rtlCol="0" anchor="ctr"/>
+          <a:lstStyle/>
+          <a:p>
+            <a:pPr algn="ctr"/>
+            <a:r>
+              <a:rPr lang="en-US" altLang="zh-CN" b="1" dirty="0"/>
+              <a:t>2</a:t>
+            </a:r>
+            <a:endParaRPr lang="zh-CN" altLang="en-US" b="1" dirty="0"/>
+          </a:p>
+        </p:txBody>
+      </p:sp>
+      <p:sp>
+        <p:nvSpPr>
+          <p:cNvPr id="31" name="椭圆 30">
+            <a:extLst>
+              <a:ext uri="{FF2B5EF4-FFF2-40B4-BE49-F238E27FC236}">
+                <a16:creationId xmlns:a16="http://schemas.microsoft.com/office/drawing/2014/main" id="{1DC4F6D4-E5A4-4657-A1F6-CCC37DFDAF12}"/>
+              </a:ext>
+            </a:extLst>
+          </p:cNvPr>
+          <p:cNvSpPr/>
+          <p:nvPr/>
+        </p:nvSpPr>
+        <p:spPr>
+          <a:xfrm>
+            <a:off x="5276215" y="1613440"/>
+            <a:ext cx="403457" cy="403457"/>
+          </a:xfrm>
+          <a:prstGeom prst="ellipse">
+            <a:avLst/>
+          </a:prstGeom>
+          <a:ln>
+            <a:noFill/>
+          </a:ln>
+        </p:spPr>
+        <p:style>
+          <a:lnRef idx="2">
+            <a:schemeClr val="accent1">
+              <a:shade val="50000"/>
+            </a:schemeClr>
+          </a:lnRef>
+          <a:fillRef idx="1">
+            <a:schemeClr val="accent1"/>
+          </a:fillRef>
+          <a:effectRef idx="0">
+            <a:schemeClr val="accent1"/>
+          </a:effectRef>
+          <a:fontRef idx="minor">
+            <a:schemeClr val="lt1"/>
+          </a:fontRef>
+        </p:style>
+        <p:txBody>
+          <a:bodyPr rtlCol="0" anchor="ctr"/>
+          <a:lstStyle/>
+          <a:p>
+            <a:pPr algn="ctr"/>
+            <a:r>
+              <a:rPr lang="en-US" altLang="zh-CN" b="1" dirty="0"/>
+              <a:t>5</a:t>
+            </a:r>
+            <a:endParaRPr lang="zh-CN" altLang="en-US" b="1" dirty="0"/>
+          </a:p>
+        </p:txBody>
+      </p:sp>
+      <p:sp>
+        <p:nvSpPr>
+          <p:cNvPr id="32" name="椭圆 31">
+            <a:extLst>
+              <a:ext uri="{FF2B5EF4-FFF2-40B4-BE49-F238E27FC236}">
+                <a16:creationId xmlns:a16="http://schemas.microsoft.com/office/drawing/2014/main" id="{B081F593-75F4-4F14-9DA3-AC17EC5A6E79}"/>
+              </a:ext>
+            </a:extLst>
+          </p:cNvPr>
+          <p:cNvSpPr/>
+          <p:nvPr/>
+        </p:nvSpPr>
+        <p:spPr>
+          <a:xfrm>
+            <a:off x="5897535" y="2016897"/>
+            <a:ext cx="403457" cy="403457"/>
+          </a:xfrm>
+          <a:prstGeom prst="ellipse">
+            <a:avLst/>
+          </a:prstGeom>
+          <a:ln>
+            <a:noFill/>
+          </a:ln>
+        </p:spPr>
+        <p:style>
+          <a:lnRef idx="2">
+            <a:schemeClr val="accent1">
+              <a:shade val="50000"/>
+            </a:schemeClr>
+          </a:lnRef>
+          <a:fillRef idx="1">
+            <a:schemeClr val="accent1"/>
+          </a:fillRef>
+          <a:effectRef idx="0">
+            <a:schemeClr val="accent1"/>
+          </a:effectRef>
+          <a:fontRef idx="minor">
+            <a:schemeClr val="lt1"/>
+          </a:fontRef>
+        </p:style>
+        <p:txBody>
+          <a:bodyPr rtlCol="0" anchor="ctr"/>
+          <a:lstStyle/>
+          <a:p>
+            <a:pPr algn="ctr"/>
+            <a:r>
+              <a:rPr lang="en-US" altLang="zh-CN" b="1" dirty="0"/>
+              <a:t>4</a:t>
+            </a:r>
+            <a:endParaRPr lang="zh-CN" altLang="en-US" b="1" dirty="0"/>
+          </a:p>
+        </p:txBody>
+      </p:sp>
+      <p:sp>
+        <p:nvSpPr>
+          <p:cNvPr id="33" name="椭圆 32">
+            <a:extLst>
+              <a:ext uri="{FF2B5EF4-FFF2-40B4-BE49-F238E27FC236}">
+                <a16:creationId xmlns:a16="http://schemas.microsoft.com/office/drawing/2014/main" id="{50D5DB68-ABCC-4788-8840-CBFD6DED1721}"/>
+              </a:ext>
+            </a:extLst>
+          </p:cNvPr>
+          <p:cNvSpPr/>
+          <p:nvPr/>
+        </p:nvSpPr>
+        <p:spPr>
+          <a:xfrm>
+            <a:off x="4738431" y="2420356"/>
+            <a:ext cx="403457" cy="403457"/>
+          </a:xfrm>
+          <a:prstGeom prst="ellipse">
+            <a:avLst/>
+          </a:prstGeom>
+          <a:ln>
+            <a:noFill/>
+          </a:ln>
+        </p:spPr>
+        <p:style>
+          <a:lnRef idx="2">
+            <a:schemeClr val="accent1">
+              <a:shade val="50000"/>
+            </a:schemeClr>
+          </a:lnRef>
+          <a:fillRef idx="1">
+            <a:schemeClr val="accent1"/>
+          </a:fillRef>
+          <a:effectRef idx="0">
+            <a:schemeClr val="accent1"/>
+          </a:effectRef>
+          <a:fontRef idx="minor">
+            <a:schemeClr val="lt1"/>
+          </a:fontRef>
+        </p:style>
+        <p:txBody>
+          <a:bodyPr rtlCol="0" anchor="ctr"/>
+          <a:lstStyle/>
+          <a:p>
+            <a:pPr algn="ctr"/>
+            <a:r>
+              <a:rPr lang="en-US" altLang="zh-CN" b="1" dirty="0"/>
+              <a:t>3</a:t>
+            </a:r>
+            <a:endParaRPr lang="zh-CN" altLang="en-US" b="1" dirty="0"/>
+          </a:p>
+        </p:txBody>
+      </p:sp>
+      <p:sp>
+        <p:nvSpPr>
+          <p:cNvPr id="34" name="椭圆 33">
+            <a:extLst>
+              <a:ext uri="{FF2B5EF4-FFF2-40B4-BE49-F238E27FC236}">
+                <a16:creationId xmlns:a16="http://schemas.microsoft.com/office/drawing/2014/main" id="{0DD8E49C-66BF-4AA5-8B06-09BD913C7BEE}"/>
+              </a:ext>
+            </a:extLst>
+          </p:cNvPr>
+          <p:cNvSpPr/>
+          <p:nvPr/>
+        </p:nvSpPr>
+        <p:spPr>
+          <a:xfrm>
+            <a:off x="4121612" y="1209985"/>
+            <a:ext cx="403457" cy="403457"/>
+          </a:xfrm>
+          <a:prstGeom prst="ellipse">
+            <a:avLst/>
+          </a:prstGeom>
+          <a:ln>
+            <a:noFill/>
+          </a:ln>
+        </p:spPr>
+        <p:style>
+          <a:lnRef idx="2">
+            <a:schemeClr val="accent1">
+              <a:shade val="50000"/>
+            </a:schemeClr>
+          </a:lnRef>
+          <a:fillRef idx="1">
+            <a:schemeClr val="accent1"/>
+          </a:fillRef>
+          <a:effectRef idx="0">
+            <a:schemeClr val="accent1"/>
+          </a:effectRef>
+          <a:fontRef idx="minor">
+            <a:schemeClr val="lt1"/>
+          </a:fontRef>
+        </p:style>
+        <p:txBody>
+          <a:bodyPr rtlCol="0" anchor="ctr"/>
+          <a:lstStyle/>
+          <a:p>
+            <a:pPr algn="ctr"/>
+            <a:r>
+              <a:rPr lang="en-US" altLang="zh-CN" b="1" dirty="0"/>
+              <a:t>6</a:t>
+            </a:r>
+            <a:endParaRPr lang="zh-CN" altLang="en-US" b="1" dirty="0"/>
+          </a:p>
+        </p:txBody>
+      </p:sp>
+      <p:sp>
+        <p:nvSpPr>
+          <p:cNvPr id="37" name="椭圆 36">
+            <a:extLst>
+              <a:ext uri="{FF2B5EF4-FFF2-40B4-BE49-F238E27FC236}">
+                <a16:creationId xmlns:a16="http://schemas.microsoft.com/office/drawing/2014/main" id="{FBB67C54-AB9A-4A1C-A94F-3FEE04404F61}"/>
+              </a:ext>
+            </a:extLst>
+          </p:cNvPr>
+          <p:cNvSpPr/>
+          <p:nvPr/>
+        </p:nvSpPr>
+        <p:spPr>
+          <a:xfrm>
+            <a:off x="6619361" y="2823814"/>
+            <a:ext cx="403457" cy="403457"/>
+          </a:xfrm>
+          <a:prstGeom prst="ellipse">
+            <a:avLst/>
+          </a:prstGeom>
+          <a:ln>
+            <a:noFill/>
+          </a:ln>
+        </p:spPr>
+        <p:style>
+          <a:lnRef idx="2">
+            <a:schemeClr val="accent1">
+              <a:shade val="50000"/>
+            </a:schemeClr>
+          </a:lnRef>
+          <a:fillRef idx="1">
+            <a:schemeClr val="accent1"/>
+          </a:fillRef>
+          <a:effectRef idx="0">
+            <a:schemeClr val="accent1"/>
+          </a:effectRef>
+          <a:fontRef idx="minor">
+            <a:schemeClr val="lt1"/>
+          </a:fontRef>
+        </p:style>
+        <p:txBody>
+          <a:bodyPr rtlCol="0" anchor="ctr"/>
+          <a:lstStyle/>
+          <a:p>
+            <a:pPr algn="ctr"/>
+            <a:r>
+              <a:rPr lang="en-US" altLang="zh-CN" b="1" dirty="0"/>
+              <a:t>2</a:t>
+            </a:r>
+            <a:endParaRPr lang="zh-CN" altLang="en-US" b="1" dirty="0"/>
+          </a:p>
+        </p:txBody>
+      </p:sp>
+      <p:cxnSp>
+        <p:nvCxnSpPr>
+          <p:cNvPr id="39" name="直接连接符 38">
+            <a:extLst>
+              <a:ext uri="{FF2B5EF4-FFF2-40B4-BE49-F238E27FC236}">
+                <a16:creationId xmlns:a16="http://schemas.microsoft.com/office/drawing/2014/main" id="{42BD718B-8E77-4616-91CB-29BDEEC2E018}"/>
+              </a:ext>
+            </a:extLst>
+          </p:cNvPr>
+          <p:cNvCxnSpPr>
+            <a:cxnSpLocks/>
+            <a:stCxn id="29" idx="7"/>
+            <a:endCxn id="30" idx="3"/>
+          </p:cNvCxnSpPr>
+          <p:nvPr/>
+        </p:nvCxnSpPr>
+        <p:spPr>
+          <a:xfrm flipV="1">
+            <a:off x="3065518" y="3168186"/>
+            <a:ext cx="391684" cy="118170"/>
+          </a:xfrm>
+          <a:prstGeom prst="line">
+            <a:avLst/>
+          </a:prstGeom>
+          <a:ln w="12700"/>
+        </p:spPr>
+        <p:style>
+          <a:lnRef idx="1">
+            <a:schemeClr val="accent1"/>
+          </a:lnRef>
+          <a:fillRef idx="0">
+            <a:schemeClr val="accent1"/>
+          </a:fillRef>
+          <a:effectRef idx="0">
+            <a:schemeClr val="accent1"/>
+          </a:effectRef>
+          <a:fontRef idx="minor">
+            <a:schemeClr val="tx1"/>
+          </a:fontRef>
+        </p:style>
+      </p:cxnSp>
+      <p:cxnSp>
+        <p:nvCxnSpPr>
+          <p:cNvPr id="41" name="直接连接符 40">
+            <a:extLst>
+              <a:ext uri="{FF2B5EF4-FFF2-40B4-BE49-F238E27FC236}">
+                <a16:creationId xmlns:a16="http://schemas.microsoft.com/office/drawing/2014/main" id="{0AEF2935-BF19-4C2A-9F14-331CC96FFADA}"/>
+              </a:ext>
+            </a:extLst>
+          </p:cNvPr>
+          <p:cNvCxnSpPr>
+            <a:stCxn id="30" idx="7"/>
+            <a:endCxn id="34" idx="3"/>
+          </p:cNvCxnSpPr>
+          <p:nvPr/>
+        </p:nvCxnSpPr>
+        <p:spPr>
+          <a:xfrm flipV="1">
+            <a:off x="3742489" y="1554357"/>
+            <a:ext cx="438208" cy="1328542"/>
+          </a:xfrm>
+          <a:prstGeom prst="line">
+            <a:avLst/>
+          </a:prstGeom>
+          <a:ln w="12700"/>
+        </p:spPr>
+        <p:style>
+          <a:lnRef idx="1">
+            <a:schemeClr val="accent1"/>
+          </a:lnRef>
+          <a:fillRef idx="0">
+            <a:schemeClr val="accent1"/>
+          </a:fillRef>
+          <a:effectRef idx="0">
+            <a:schemeClr val="accent1"/>
+          </a:effectRef>
+          <a:fontRef idx="minor">
+            <a:schemeClr val="tx1"/>
+          </a:fontRef>
+        </p:style>
+      </p:cxnSp>
+      <p:cxnSp>
+        <p:nvCxnSpPr>
+          <p:cNvPr id="43" name="直接连接符 42">
+            <a:extLst>
+              <a:ext uri="{FF2B5EF4-FFF2-40B4-BE49-F238E27FC236}">
+                <a16:creationId xmlns:a16="http://schemas.microsoft.com/office/drawing/2014/main" id="{4CF4E004-0B06-4BB2-B9FA-6C273CD18F32}"/>
+              </a:ext>
+            </a:extLst>
+          </p:cNvPr>
+          <p:cNvCxnSpPr>
+            <a:stCxn id="34" idx="5"/>
+            <a:endCxn id="33" idx="1"/>
+          </p:cNvCxnSpPr>
+          <p:nvPr/>
+        </p:nvCxnSpPr>
+        <p:spPr>
+          <a:xfrm>
+            <a:off x="4465984" y="1554357"/>
+            <a:ext cx="331532" cy="925084"/>
+          </a:xfrm>
+          <a:prstGeom prst="line">
+            <a:avLst/>
+          </a:prstGeom>
+          <a:ln w="12700"/>
+        </p:spPr>
+        <p:style>
+          <a:lnRef idx="1">
+            <a:schemeClr val="accent1"/>
+          </a:lnRef>
+          <a:fillRef idx="0">
+            <a:schemeClr val="accent1"/>
+          </a:fillRef>
+          <a:effectRef idx="0">
+            <a:schemeClr val="accent1"/>
+          </a:effectRef>
+          <a:fontRef idx="minor">
+            <a:schemeClr val="tx1"/>
+          </a:fontRef>
+        </p:style>
+      </p:cxnSp>
+      <p:cxnSp>
+        <p:nvCxnSpPr>
+          <p:cNvPr id="45" name="直接连接符 44">
+            <a:extLst>
+              <a:ext uri="{FF2B5EF4-FFF2-40B4-BE49-F238E27FC236}">
+                <a16:creationId xmlns:a16="http://schemas.microsoft.com/office/drawing/2014/main" id="{E1C109CA-5E45-42E4-BB90-E27F65CF4C24}"/>
+              </a:ext>
+            </a:extLst>
+          </p:cNvPr>
+          <p:cNvCxnSpPr>
+            <a:stCxn id="33" idx="7"/>
+            <a:endCxn id="31" idx="3"/>
+          </p:cNvCxnSpPr>
+          <p:nvPr/>
+        </p:nvCxnSpPr>
+        <p:spPr>
+          <a:xfrm flipV="1">
+            <a:off x="5082803" y="1957812"/>
+            <a:ext cx="252497" cy="521629"/>
+          </a:xfrm>
+          <a:prstGeom prst="line">
+            <a:avLst/>
+          </a:prstGeom>
+          <a:ln w="12700"/>
+        </p:spPr>
+        <p:style>
+          <a:lnRef idx="1">
+            <a:schemeClr val="accent1"/>
+          </a:lnRef>
+          <a:fillRef idx="0">
+            <a:schemeClr val="accent1"/>
+          </a:fillRef>
+          <a:effectRef idx="0">
+            <a:schemeClr val="accent1"/>
+          </a:effectRef>
+          <a:fontRef idx="minor">
+            <a:schemeClr val="tx1"/>
+          </a:fontRef>
+        </p:style>
+      </p:cxnSp>
+      <p:cxnSp>
+        <p:nvCxnSpPr>
+          <p:cNvPr id="47" name="直接连接符 46">
+            <a:extLst>
+              <a:ext uri="{FF2B5EF4-FFF2-40B4-BE49-F238E27FC236}">
+                <a16:creationId xmlns:a16="http://schemas.microsoft.com/office/drawing/2014/main" id="{CCE56BD9-ACDF-4CD0-8FDD-92FEC465F380}"/>
+              </a:ext>
+            </a:extLst>
+          </p:cNvPr>
+          <p:cNvCxnSpPr>
+            <a:cxnSpLocks/>
+            <a:stCxn id="31" idx="5"/>
+            <a:endCxn id="32" idx="1"/>
+          </p:cNvCxnSpPr>
+          <p:nvPr/>
+        </p:nvCxnSpPr>
+        <p:spPr>
+          <a:xfrm>
+            <a:off x="5620587" y="1957812"/>
+            <a:ext cx="336033" cy="118170"/>
+          </a:xfrm>
+          <a:prstGeom prst="line">
+            <a:avLst/>
+          </a:prstGeom>
+          <a:ln w="12700"/>
+        </p:spPr>
+        <p:style>
+          <a:lnRef idx="1">
+            <a:schemeClr val="accent1"/>
+          </a:lnRef>
+          <a:fillRef idx="0">
+            <a:schemeClr val="accent1"/>
+          </a:fillRef>
+          <a:effectRef idx="0">
+            <a:schemeClr val="accent1"/>
+          </a:effectRef>
+          <a:fontRef idx="minor">
+            <a:schemeClr val="tx1"/>
+          </a:fontRef>
+        </p:style>
+      </p:cxnSp>
+      <p:cxnSp>
+        <p:nvCxnSpPr>
+          <p:cNvPr id="49" name="直接连接符 48">
+            <a:extLst>
+              <a:ext uri="{FF2B5EF4-FFF2-40B4-BE49-F238E27FC236}">
+                <a16:creationId xmlns:a16="http://schemas.microsoft.com/office/drawing/2014/main" id="{E8D1E159-3DE2-4F0A-954C-B0185E6F087C}"/>
+              </a:ext>
+            </a:extLst>
+          </p:cNvPr>
+          <p:cNvCxnSpPr>
+            <a:stCxn id="32" idx="5"/>
+            <a:endCxn id="37" idx="1"/>
+          </p:cNvCxnSpPr>
+          <p:nvPr/>
+        </p:nvCxnSpPr>
+        <p:spPr>
+          <a:xfrm>
+            <a:off x="6241907" y="2361269"/>
+            <a:ext cx="436539" cy="521630"/>
+          </a:xfrm>
+          <a:prstGeom prst="line">
+            <a:avLst/>
+          </a:prstGeom>
+          <a:ln w="12700"/>
+        </p:spPr>
+        <p:style>
+          <a:lnRef idx="1">
+            <a:schemeClr val="accent1"/>
+          </a:lnRef>
+          <a:fillRef idx="0">
+            <a:schemeClr val="accent1"/>
+          </a:fillRef>
+          <a:effectRef idx="0">
+            <a:schemeClr val="accent1"/>
+          </a:effectRef>
+          <a:fontRef idx="minor">
+            <a:schemeClr val="tx1"/>
+          </a:fontRef>
+        </p:style>
+      </p:cxnSp>
+      <p:sp>
+        <p:nvSpPr>
+          <p:cNvPr id="17" name="文本框 16">
+            <a:extLst>
+              <a:ext uri="{FF2B5EF4-FFF2-40B4-BE49-F238E27FC236}">
+                <a16:creationId xmlns:a16="http://schemas.microsoft.com/office/drawing/2014/main" id="{0A231871-82FF-4059-8F61-453CD23D48D3}"/>
+              </a:ext>
+            </a:extLst>
+          </p:cNvPr>
+          <p:cNvSpPr txBox="1"/>
+          <p:nvPr/>
+        </p:nvSpPr>
+        <p:spPr>
+          <a:xfrm>
+            <a:off x="6005820" y="2976028"/>
+            <a:ext cx="976283" cy="369332"/>
+          </a:xfrm>
+          <a:prstGeom prst="rect">
+            <a:avLst/>
+          </a:prstGeom>
+          <a:noFill/>
+        </p:spPr>
+        <p:txBody>
+          <a:bodyPr wrap="square" rtlCol="0">
+            <a:spAutoFit/>
+          </a:bodyPr>
+          <a:lstStyle/>
+          <a:p>
+            <a:r>
+              <a:rPr lang="en-US" altLang="zh-CN" dirty="0"/>
+              <a:t>k</a:t>
+            </a:r>
+            <a:endParaRPr lang="zh-CN" altLang="en-US" dirty="0"/>
+          </a:p>
+        </p:txBody>
+      </p:sp>
+    </p:spTree>
+    <p:extLst>
+      <p:ext uri="{BB962C8B-B14F-4D97-AF65-F5344CB8AC3E}">
+        <p14:creationId xmlns:p14="http://schemas.microsoft.com/office/powerpoint/2010/main" val="3313079178"/>
+      </p:ext>
+    </p:extLst>
+  </p:cSld>
+  <p:clrMapOvr>
+    <a:masterClrMapping/>
+  </p:clrMapOvr>
+</p:sld>
+</file>
+
 <file path=ppt/slides/slide2.xml><?xml version="1.0" encoding="utf-8"?>
 <p:sld xmlns:a="http://schemas.openxmlformats.org/drawingml/2006/main" xmlns:r="http://schemas.openxmlformats.org/officeDocument/2006/relationships" xmlns:p="http://schemas.openxmlformats.org/presentationml/2006/main">
   <p:cSld>
@@ -15822,6 +16840,1510 @@
     <p:extLst>
       <p:ext uri="{BB962C8B-B14F-4D97-AF65-F5344CB8AC3E}">
         <p14:creationId xmlns:p14="http://schemas.microsoft.com/office/powerpoint/2010/main" val="3390072536"/>
+      </p:ext>
+    </p:extLst>
+  </p:cSld>
+  <p:clrMapOvr>
+    <a:masterClrMapping/>
+  </p:clrMapOvr>
+</p:sld>
+</file>
+
+<file path=ppt/slides/slide20.xml><?xml version="1.0" encoding="utf-8"?>
+<p:sld xmlns:a="http://schemas.openxmlformats.org/drawingml/2006/main" xmlns:r="http://schemas.openxmlformats.org/officeDocument/2006/relationships" xmlns:p="http://schemas.openxmlformats.org/presentationml/2006/main">
+  <p:cSld>
+    <p:spTree>
+      <p:nvGrpSpPr>
+        <p:cNvPr id="1" name=""/>
+        <p:cNvGrpSpPr/>
+        <p:nvPr/>
+      </p:nvGrpSpPr>
+      <p:grpSpPr>
+        <a:xfrm>
+          <a:off x="0" y="0"/>
+          <a:ext cx="0" cy="0"/>
+          <a:chOff x="0" y="0"/>
+          <a:chExt cx="0" cy="0"/>
+        </a:xfrm>
+      </p:grpSpPr>
+      <p:sp>
+        <p:nvSpPr>
+          <p:cNvPr id="11" name="文本框 10">
+            <a:extLst>
+              <a:ext uri="{FF2B5EF4-FFF2-40B4-BE49-F238E27FC236}">
+                <a16:creationId xmlns:a16="http://schemas.microsoft.com/office/drawing/2014/main" id="{E3F2DD27-1048-4BD4-A2BA-1636E0461DF2}"/>
+              </a:ext>
+            </a:extLst>
+          </p:cNvPr>
+          <p:cNvSpPr txBox="1"/>
+          <p:nvPr/>
+        </p:nvSpPr>
+        <p:spPr>
+          <a:xfrm>
+            <a:off x="4847158" y="2976028"/>
+            <a:ext cx="976283" cy="369332"/>
+          </a:xfrm>
+          <a:prstGeom prst="rect">
+            <a:avLst/>
+          </a:prstGeom>
+          <a:noFill/>
+        </p:spPr>
+        <p:txBody>
+          <a:bodyPr wrap="square" rtlCol="0">
+            <a:spAutoFit/>
+          </a:bodyPr>
+          <a:lstStyle/>
+          <a:p>
+            <a:r>
+              <a:rPr lang="en-US" altLang="zh-CN" dirty="0"/>
+              <a:t>i</a:t>
+            </a:r>
+            <a:endParaRPr lang="zh-CN" altLang="en-US" dirty="0"/>
+          </a:p>
+        </p:txBody>
+      </p:sp>
+      <p:sp>
+        <p:nvSpPr>
+          <p:cNvPr id="12" name="文本框 11">
+            <a:extLst>
+              <a:ext uri="{FF2B5EF4-FFF2-40B4-BE49-F238E27FC236}">
+                <a16:creationId xmlns:a16="http://schemas.microsoft.com/office/drawing/2014/main" id="{F4781286-267D-4D53-BABB-D6344B49D524}"/>
+              </a:ext>
+            </a:extLst>
+          </p:cNvPr>
+          <p:cNvSpPr txBox="1"/>
+          <p:nvPr/>
+        </p:nvSpPr>
+        <p:spPr>
+          <a:xfrm>
+            <a:off x="5392278" y="2976028"/>
+            <a:ext cx="976283" cy="369332"/>
+          </a:xfrm>
+          <a:prstGeom prst="rect">
+            <a:avLst/>
+          </a:prstGeom>
+          <a:noFill/>
+        </p:spPr>
+        <p:txBody>
+          <a:bodyPr wrap="square" rtlCol="0">
+            <a:spAutoFit/>
+          </a:bodyPr>
+          <a:lstStyle/>
+          <a:p>
+            <a:r>
+              <a:rPr lang="en-US" altLang="zh-CN" dirty="0"/>
+              <a:t>j</a:t>
+            </a:r>
+            <a:endParaRPr lang="zh-CN" altLang="en-US" dirty="0"/>
+          </a:p>
+        </p:txBody>
+      </p:sp>
+      <p:sp>
+        <p:nvSpPr>
+          <p:cNvPr id="29" name="椭圆 28">
+            <a:extLst>
+              <a:ext uri="{FF2B5EF4-FFF2-40B4-BE49-F238E27FC236}">
+                <a16:creationId xmlns:a16="http://schemas.microsoft.com/office/drawing/2014/main" id="{E3E1A041-F84E-41F6-8243-5CDB3BC71984}"/>
+              </a:ext>
+            </a:extLst>
+          </p:cNvPr>
+          <p:cNvSpPr/>
+          <p:nvPr/>
+        </p:nvSpPr>
+        <p:spPr>
+          <a:xfrm>
+            <a:off x="2721146" y="3227271"/>
+            <a:ext cx="403457" cy="403457"/>
+          </a:xfrm>
+          <a:prstGeom prst="ellipse">
+            <a:avLst/>
+          </a:prstGeom>
+          <a:ln>
+            <a:noFill/>
+          </a:ln>
+        </p:spPr>
+        <p:style>
+          <a:lnRef idx="2">
+            <a:schemeClr val="accent1">
+              <a:shade val="50000"/>
+            </a:schemeClr>
+          </a:lnRef>
+          <a:fillRef idx="1">
+            <a:schemeClr val="accent1"/>
+          </a:fillRef>
+          <a:effectRef idx="0">
+            <a:schemeClr val="accent1"/>
+          </a:effectRef>
+          <a:fontRef idx="minor">
+            <a:schemeClr val="lt1"/>
+          </a:fontRef>
+        </p:style>
+        <p:txBody>
+          <a:bodyPr rtlCol="0" anchor="ctr"/>
+          <a:lstStyle/>
+          <a:p>
+            <a:pPr algn="ctr"/>
+            <a:r>
+              <a:rPr lang="en-US" altLang="zh-CN" b="1" dirty="0"/>
+              <a:t>1</a:t>
+            </a:r>
+            <a:endParaRPr lang="zh-CN" altLang="en-US" b="1" dirty="0"/>
+          </a:p>
+        </p:txBody>
+      </p:sp>
+      <p:sp>
+        <p:nvSpPr>
+          <p:cNvPr id="30" name="椭圆 29">
+            <a:extLst>
+              <a:ext uri="{FF2B5EF4-FFF2-40B4-BE49-F238E27FC236}">
+                <a16:creationId xmlns:a16="http://schemas.microsoft.com/office/drawing/2014/main" id="{6F771A13-7E06-4D38-A0E2-9728F4675126}"/>
+              </a:ext>
+            </a:extLst>
+          </p:cNvPr>
+          <p:cNvSpPr/>
+          <p:nvPr/>
+        </p:nvSpPr>
+        <p:spPr>
+          <a:xfrm>
+            <a:off x="3398117" y="2823814"/>
+            <a:ext cx="403457" cy="403457"/>
+          </a:xfrm>
+          <a:prstGeom prst="ellipse">
+            <a:avLst/>
+          </a:prstGeom>
+          <a:ln>
+            <a:noFill/>
+          </a:ln>
+        </p:spPr>
+        <p:style>
+          <a:lnRef idx="2">
+            <a:schemeClr val="accent1">
+              <a:shade val="50000"/>
+            </a:schemeClr>
+          </a:lnRef>
+          <a:fillRef idx="1">
+            <a:schemeClr val="accent1"/>
+          </a:fillRef>
+          <a:effectRef idx="0">
+            <a:schemeClr val="accent1"/>
+          </a:effectRef>
+          <a:fontRef idx="minor">
+            <a:schemeClr val="lt1"/>
+          </a:fontRef>
+        </p:style>
+        <p:txBody>
+          <a:bodyPr rtlCol="0" anchor="ctr"/>
+          <a:lstStyle/>
+          <a:p>
+            <a:pPr algn="ctr"/>
+            <a:r>
+              <a:rPr lang="en-US" altLang="zh-CN" b="1" dirty="0"/>
+              <a:t>2</a:t>
+            </a:r>
+            <a:endParaRPr lang="zh-CN" altLang="en-US" b="1" dirty="0"/>
+          </a:p>
+        </p:txBody>
+      </p:sp>
+      <p:sp>
+        <p:nvSpPr>
+          <p:cNvPr id="31" name="椭圆 30">
+            <a:extLst>
+              <a:ext uri="{FF2B5EF4-FFF2-40B4-BE49-F238E27FC236}">
+                <a16:creationId xmlns:a16="http://schemas.microsoft.com/office/drawing/2014/main" id="{1DC4F6D4-E5A4-4657-A1F6-CCC37DFDAF12}"/>
+              </a:ext>
+            </a:extLst>
+          </p:cNvPr>
+          <p:cNvSpPr/>
+          <p:nvPr/>
+        </p:nvSpPr>
+        <p:spPr>
+          <a:xfrm>
+            <a:off x="5276215" y="1613440"/>
+            <a:ext cx="403457" cy="403457"/>
+          </a:xfrm>
+          <a:prstGeom prst="ellipse">
+            <a:avLst/>
+          </a:prstGeom>
+          <a:ln>
+            <a:noFill/>
+          </a:ln>
+        </p:spPr>
+        <p:style>
+          <a:lnRef idx="2">
+            <a:schemeClr val="accent1">
+              <a:shade val="50000"/>
+            </a:schemeClr>
+          </a:lnRef>
+          <a:fillRef idx="1">
+            <a:schemeClr val="accent1"/>
+          </a:fillRef>
+          <a:effectRef idx="0">
+            <a:schemeClr val="accent1"/>
+          </a:effectRef>
+          <a:fontRef idx="minor">
+            <a:schemeClr val="lt1"/>
+          </a:fontRef>
+        </p:style>
+        <p:txBody>
+          <a:bodyPr rtlCol="0" anchor="ctr"/>
+          <a:lstStyle/>
+          <a:p>
+            <a:pPr algn="ctr"/>
+            <a:r>
+              <a:rPr lang="en-US" altLang="zh-CN" b="1" dirty="0"/>
+              <a:t>5</a:t>
+            </a:r>
+            <a:endParaRPr lang="zh-CN" altLang="en-US" b="1" dirty="0"/>
+          </a:p>
+        </p:txBody>
+      </p:sp>
+      <p:sp>
+        <p:nvSpPr>
+          <p:cNvPr id="32" name="椭圆 31">
+            <a:extLst>
+              <a:ext uri="{FF2B5EF4-FFF2-40B4-BE49-F238E27FC236}">
+                <a16:creationId xmlns:a16="http://schemas.microsoft.com/office/drawing/2014/main" id="{B081F593-75F4-4F14-9DA3-AC17EC5A6E79}"/>
+              </a:ext>
+            </a:extLst>
+          </p:cNvPr>
+          <p:cNvSpPr/>
+          <p:nvPr/>
+        </p:nvSpPr>
+        <p:spPr>
+          <a:xfrm>
+            <a:off x="5897535" y="2420357"/>
+            <a:ext cx="403457" cy="403457"/>
+          </a:xfrm>
+          <a:prstGeom prst="ellipse">
+            <a:avLst/>
+          </a:prstGeom>
+          <a:ln>
+            <a:noFill/>
+          </a:ln>
+        </p:spPr>
+        <p:style>
+          <a:lnRef idx="2">
+            <a:schemeClr val="accent1">
+              <a:shade val="50000"/>
+            </a:schemeClr>
+          </a:lnRef>
+          <a:fillRef idx="1">
+            <a:schemeClr val="accent1"/>
+          </a:fillRef>
+          <a:effectRef idx="0">
+            <a:schemeClr val="accent1"/>
+          </a:effectRef>
+          <a:fontRef idx="minor">
+            <a:schemeClr val="lt1"/>
+          </a:fontRef>
+        </p:style>
+        <p:txBody>
+          <a:bodyPr rtlCol="0" anchor="ctr"/>
+          <a:lstStyle/>
+          <a:p>
+            <a:pPr algn="ctr"/>
+            <a:r>
+              <a:rPr lang="en-US" altLang="zh-CN" b="1" dirty="0"/>
+              <a:t>3</a:t>
+            </a:r>
+            <a:endParaRPr lang="zh-CN" altLang="en-US" b="1" dirty="0"/>
+          </a:p>
+        </p:txBody>
+      </p:sp>
+      <p:sp>
+        <p:nvSpPr>
+          <p:cNvPr id="33" name="椭圆 32">
+            <a:extLst>
+              <a:ext uri="{FF2B5EF4-FFF2-40B4-BE49-F238E27FC236}">
+                <a16:creationId xmlns:a16="http://schemas.microsoft.com/office/drawing/2014/main" id="{50D5DB68-ABCC-4788-8840-CBFD6DED1721}"/>
+              </a:ext>
+            </a:extLst>
+          </p:cNvPr>
+          <p:cNvSpPr/>
+          <p:nvPr/>
+        </p:nvSpPr>
+        <p:spPr>
+          <a:xfrm>
+            <a:off x="4738431" y="2016896"/>
+            <a:ext cx="403457" cy="403457"/>
+          </a:xfrm>
+          <a:prstGeom prst="ellipse">
+            <a:avLst/>
+          </a:prstGeom>
+          <a:ln>
+            <a:noFill/>
+          </a:ln>
+        </p:spPr>
+        <p:style>
+          <a:lnRef idx="2">
+            <a:schemeClr val="accent1">
+              <a:shade val="50000"/>
+            </a:schemeClr>
+          </a:lnRef>
+          <a:fillRef idx="1">
+            <a:schemeClr val="accent1"/>
+          </a:fillRef>
+          <a:effectRef idx="0">
+            <a:schemeClr val="accent1"/>
+          </a:effectRef>
+          <a:fontRef idx="minor">
+            <a:schemeClr val="lt1"/>
+          </a:fontRef>
+        </p:style>
+        <p:txBody>
+          <a:bodyPr rtlCol="0" anchor="ctr"/>
+          <a:lstStyle/>
+          <a:p>
+            <a:pPr algn="ctr"/>
+            <a:r>
+              <a:rPr lang="en-US" altLang="zh-CN" b="1" dirty="0"/>
+              <a:t>4</a:t>
+            </a:r>
+            <a:endParaRPr lang="zh-CN" altLang="en-US" b="1" dirty="0"/>
+          </a:p>
+        </p:txBody>
+      </p:sp>
+      <p:sp>
+        <p:nvSpPr>
+          <p:cNvPr id="34" name="椭圆 33">
+            <a:extLst>
+              <a:ext uri="{FF2B5EF4-FFF2-40B4-BE49-F238E27FC236}">
+                <a16:creationId xmlns:a16="http://schemas.microsoft.com/office/drawing/2014/main" id="{0DD8E49C-66BF-4AA5-8B06-09BD913C7BEE}"/>
+              </a:ext>
+            </a:extLst>
+          </p:cNvPr>
+          <p:cNvSpPr/>
+          <p:nvPr/>
+        </p:nvSpPr>
+        <p:spPr>
+          <a:xfrm>
+            <a:off x="4121612" y="1209985"/>
+            <a:ext cx="403457" cy="403457"/>
+          </a:xfrm>
+          <a:prstGeom prst="ellipse">
+            <a:avLst/>
+          </a:prstGeom>
+          <a:ln>
+            <a:noFill/>
+          </a:ln>
+        </p:spPr>
+        <p:style>
+          <a:lnRef idx="2">
+            <a:schemeClr val="accent1">
+              <a:shade val="50000"/>
+            </a:schemeClr>
+          </a:lnRef>
+          <a:fillRef idx="1">
+            <a:schemeClr val="accent1"/>
+          </a:fillRef>
+          <a:effectRef idx="0">
+            <a:schemeClr val="accent1"/>
+          </a:effectRef>
+          <a:fontRef idx="minor">
+            <a:schemeClr val="lt1"/>
+          </a:fontRef>
+        </p:style>
+        <p:txBody>
+          <a:bodyPr rtlCol="0" anchor="ctr"/>
+          <a:lstStyle/>
+          <a:p>
+            <a:pPr algn="ctr"/>
+            <a:r>
+              <a:rPr lang="en-US" altLang="zh-CN" b="1" dirty="0"/>
+              <a:t>6</a:t>
+            </a:r>
+            <a:endParaRPr lang="zh-CN" altLang="en-US" b="1" dirty="0"/>
+          </a:p>
+        </p:txBody>
+      </p:sp>
+      <p:sp>
+        <p:nvSpPr>
+          <p:cNvPr id="37" name="椭圆 36">
+            <a:extLst>
+              <a:ext uri="{FF2B5EF4-FFF2-40B4-BE49-F238E27FC236}">
+                <a16:creationId xmlns:a16="http://schemas.microsoft.com/office/drawing/2014/main" id="{FBB67C54-AB9A-4A1C-A94F-3FEE04404F61}"/>
+              </a:ext>
+            </a:extLst>
+          </p:cNvPr>
+          <p:cNvSpPr/>
+          <p:nvPr/>
+        </p:nvSpPr>
+        <p:spPr>
+          <a:xfrm>
+            <a:off x="6619361" y="2823814"/>
+            <a:ext cx="403457" cy="403457"/>
+          </a:xfrm>
+          <a:prstGeom prst="ellipse">
+            <a:avLst/>
+          </a:prstGeom>
+          <a:ln>
+            <a:noFill/>
+          </a:ln>
+        </p:spPr>
+        <p:style>
+          <a:lnRef idx="2">
+            <a:schemeClr val="accent1">
+              <a:shade val="50000"/>
+            </a:schemeClr>
+          </a:lnRef>
+          <a:fillRef idx="1">
+            <a:schemeClr val="accent1"/>
+          </a:fillRef>
+          <a:effectRef idx="0">
+            <a:schemeClr val="accent1"/>
+          </a:effectRef>
+          <a:fontRef idx="minor">
+            <a:schemeClr val="lt1"/>
+          </a:fontRef>
+        </p:style>
+        <p:txBody>
+          <a:bodyPr rtlCol="0" anchor="ctr"/>
+          <a:lstStyle/>
+          <a:p>
+            <a:pPr algn="ctr"/>
+            <a:r>
+              <a:rPr lang="en-US" altLang="zh-CN" b="1" dirty="0"/>
+              <a:t>2</a:t>
+            </a:r>
+            <a:endParaRPr lang="zh-CN" altLang="en-US" b="1" dirty="0"/>
+          </a:p>
+        </p:txBody>
+      </p:sp>
+      <p:cxnSp>
+        <p:nvCxnSpPr>
+          <p:cNvPr id="39" name="直接连接符 38">
+            <a:extLst>
+              <a:ext uri="{FF2B5EF4-FFF2-40B4-BE49-F238E27FC236}">
+                <a16:creationId xmlns:a16="http://schemas.microsoft.com/office/drawing/2014/main" id="{42BD718B-8E77-4616-91CB-29BDEEC2E018}"/>
+              </a:ext>
+            </a:extLst>
+          </p:cNvPr>
+          <p:cNvCxnSpPr>
+            <a:cxnSpLocks/>
+            <a:stCxn id="29" idx="7"/>
+            <a:endCxn id="30" idx="3"/>
+          </p:cNvCxnSpPr>
+          <p:nvPr/>
+        </p:nvCxnSpPr>
+        <p:spPr>
+          <a:xfrm flipV="1">
+            <a:off x="3065518" y="3168186"/>
+            <a:ext cx="391684" cy="118170"/>
+          </a:xfrm>
+          <a:prstGeom prst="line">
+            <a:avLst/>
+          </a:prstGeom>
+          <a:ln w="12700"/>
+        </p:spPr>
+        <p:style>
+          <a:lnRef idx="1">
+            <a:schemeClr val="accent1"/>
+          </a:lnRef>
+          <a:fillRef idx="0">
+            <a:schemeClr val="accent1"/>
+          </a:fillRef>
+          <a:effectRef idx="0">
+            <a:schemeClr val="accent1"/>
+          </a:effectRef>
+          <a:fontRef idx="minor">
+            <a:schemeClr val="tx1"/>
+          </a:fontRef>
+        </p:style>
+      </p:cxnSp>
+      <p:cxnSp>
+        <p:nvCxnSpPr>
+          <p:cNvPr id="41" name="直接连接符 40">
+            <a:extLst>
+              <a:ext uri="{FF2B5EF4-FFF2-40B4-BE49-F238E27FC236}">
+                <a16:creationId xmlns:a16="http://schemas.microsoft.com/office/drawing/2014/main" id="{0AEF2935-BF19-4C2A-9F14-331CC96FFADA}"/>
+              </a:ext>
+            </a:extLst>
+          </p:cNvPr>
+          <p:cNvCxnSpPr>
+            <a:stCxn id="30" idx="7"/>
+            <a:endCxn id="34" idx="3"/>
+          </p:cNvCxnSpPr>
+          <p:nvPr/>
+        </p:nvCxnSpPr>
+        <p:spPr>
+          <a:xfrm flipV="1">
+            <a:off x="3742489" y="1554357"/>
+            <a:ext cx="438208" cy="1328542"/>
+          </a:xfrm>
+          <a:prstGeom prst="line">
+            <a:avLst/>
+          </a:prstGeom>
+          <a:ln w="12700"/>
+        </p:spPr>
+        <p:style>
+          <a:lnRef idx="1">
+            <a:schemeClr val="accent1"/>
+          </a:lnRef>
+          <a:fillRef idx="0">
+            <a:schemeClr val="accent1"/>
+          </a:fillRef>
+          <a:effectRef idx="0">
+            <a:schemeClr val="accent1"/>
+          </a:effectRef>
+          <a:fontRef idx="minor">
+            <a:schemeClr val="tx1"/>
+          </a:fontRef>
+        </p:style>
+      </p:cxnSp>
+      <p:cxnSp>
+        <p:nvCxnSpPr>
+          <p:cNvPr id="43" name="直接连接符 42">
+            <a:extLst>
+              <a:ext uri="{FF2B5EF4-FFF2-40B4-BE49-F238E27FC236}">
+                <a16:creationId xmlns:a16="http://schemas.microsoft.com/office/drawing/2014/main" id="{4CF4E004-0B06-4BB2-B9FA-6C273CD18F32}"/>
+              </a:ext>
+            </a:extLst>
+          </p:cNvPr>
+          <p:cNvCxnSpPr>
+            <a:stCxn id="34" idx="5"/>
+            <a:endCxn id="33" idx="1"/>
+          </p:cNvCxnSpPr>
+          <p:nvPr/>
+        </p:nvCxnSpPr>
+        <p:spPr>
+          <a:xfrm>
+            <a:off x="4465984" y="1554357"/>
+            <a:ext cx="331532" cy="521624"/>
+          </a:xfrm>
+          <a:prstGeom prst="line">
+            <a:avLst/>
+          </a:prstGeom>
+          <a:ln w="12700"/>
+        </p:spPr>
+        <p:style>
+          <a:lnRef idx="1">
+            <a:schemeClr val="accent1"/>
+          </a:lnRef>
+          <a:fillRef idx="0">
+            <a:schemeClr val="accent1"/>
+          </a:fillRef>
+          <a:effectRef idx="0">
+            <a:schemeClr val="accent1"/>
+          </a:effectRef>
+          <a:fontRef idx="minor">
+            <a:schemeClr val="tx1"/>
+          </a:fontRef>
+        </p:style>
+      </p:cxnSp>
+      <p:cxnSp>
+        <p:nvCxnSpPr>
+          <p:cNvPr id="45" name="直接连接符 44">
+            <a:extLst>
+              <a:ext uri="{FF2B5EF4-FFF2-40B4-BE49-F238E27FC236}">
+                <a16:creationId xmlns:a16="http://schemas.microsoft.com/office/drawing/2014/main" id="{E1C109CA-5E45-42E4-BB90-E27F65CF4C24}"/>
+              </a:ext>
+            </a:extLst>
+          </p:cNvPr>
+          <p:cNvCxnSpPr>
+            <a:stCxn id="33" idx="7"/>
+            <a:endCxn id="31" idx="3"/>
+          </p:cNvCxnSpPr>
+          <p:nvPr/>
+        </p:nvCxnSpPr>
+        <p:spPr>
+          <a:xfrm flipV="1">
+            <a:off x="5082803" y="1957812"/>
+            <a:ext cx="252497" cy="118169"/>
+          </a:xfrm>
+          <a:prstGeom prst="line">
+            <a:avLst/>
+          </a:prstGeom>
+          <a:ln w="12700"/>
+        </p:spPr>
+        <p:style>
+          <a:lnRef idx="1">
+            <a:schemeClr val="accent1"/>
+          </a:lnRef>
+          <a:fillRef idx="0">
+            <a:schemeClr val="accent1"/>
+          </a:fillRef>
+          <a:effectRef idx="0">
+            <a:schemeClr val="accent1"/>
+          </a:effectRef>
+          <a:fontRef idx="minor">
+            <a:schemeClr val="tx1"/>
+          </a:fontRef>
+        </p:style>
+      </p:cxnSp>
+      <p:cxnSp>
+        <p:nvCxnSpPr>
+          <p:cNvPr id="47" name="直接连接符 46">
+            <a:extLst>
+              <a:ext uri="{FF2B5EF4-FFF2-40B4-BE49-F238E27FC236}">
+                <a16:creationId xmlns:a16="http://schemas.microsoft.com/office/drawing/2014/main" id="{CCE56BD9-ACDF-4CD0-8FDD-92FEC465F380}"/>
+              </a:ext>
+            </a:extLst>
+          </p:cNvPr>
+          <p:cNvCxnSpPr>
+            <a:cxnSpLocks/>
+            <a:stCxn id="31" idx="5"/>
+            <a:endCxn id="32" idx="1"/>
+          </p:cNvCxnSpPr>
+          <p:nvPr/>
+        </p:nvCxnSpPr>
+        <p:spPr>
+          <a:xfrm>
+            <a:off x="5620587" y="1957812"/>
+            <a:ext cx="336033" cy="521630"/>
+          </a:xfrm>
+          <a:prstGeom prst="line">
+            <a:avLst/>
+          </a:prstGeom>
+          <a:ln w="12700"/>
+        </p:spPr>
+        <p:style>
+          <a:lnRef idx="1">
+            <a:schemeClr val="accent1"/>
+          </a:lnRef>
+          <a:fillRef idx="0">
+            <a:schemeClr val="accent1"/>
+          </a:fillRef>
+          <a:effectRef idx="0">
+            <a:schemeClr val="accent1"/>
+          </a:effectRef>
+          <a:fontRef idx="minor">
+            <a:schemeClr val="tx1"/>
+          </a:fontRef>
+        </p:style>
+      </p:cxnSp>
+      <p:cxnSp>
+        <p:nvCxnSpPr>
+          <p:cNvPr id="49" name="直接连接符 48">
+            <a:extLst>
+              <a:ext uri="{FF2B5EF4-FFF2-40B4-BE49-F238E27FC236}">
+                <a16:creationId xmlns:a16="http://schemas.microsoft.com/office/drawing/2014/main" id="{E8D1E159-3DE2-4F0A-954C-B0185E6F087C}"/>
+              </a:ext>
+            </a:extLst>
+          </p:cNvPr>
+          <p:cNvCxnSpPr>
+            <a:stCxn id="32" idx="5"/>
+            <a:endCxn id="37" idx="1"/>
+          </p:cNvCxnSpPr>
+          <p:nvPr/>
+        </p:nvCxnSpPr>
+        <p:spPr>
+          <a:xfrm>
+            <a:off x="6241907" y="2764729"/>
+            <a:ext cx="436539" cy="118170"/>
+          </a:xfrm>
+          <a:prstGeom prst="line">
+            <a:avLst/>
+          </a:prstGeom>
+          <a:ln w="12700"/>
+        </p:spPr>
+        <p:style>
+          <a:lnRef idx="1">
+            <a:schemeClr val="accent1"/>
+          </a:lnRef>
+          <a:fillRef idx="0">
+            <a:schemeClr val="accent1"/>
+          </a:fillRef>
+          <a:effectRef idx="0">
+            <a:schemeClr val="accent1"/>
+          </a:effectRef>
+          <a:fontRef idx="minor">
+            <a:schemeClr val="tx1"/>
+          </a:fontRef>
+        </p:style>
+      </p:cxnSp>
+      <p:sp>
+        <p:nvSpPr>
+          <p:cNvPr id="17" name="文本框 16">
+            <a:extLst>
+              <a:ext uri="{FF2B5EF4-FFF2-40B4-BE49-F238E27FC236}">
+                <a16:creationId xmlns:a16="http://schemas.microsoft.com/office/drawing/2014/main" id="{0A231871-82FF-4059-8F61-453CD23D48D3}"/>
+              </a:ext>
+            </a:extLst>
+          </p:cNvPr>
+          <p:cNvSpPr txBox="1"/>
+          <p:nvPr/>
+        </p:nvSpPr>
+        <p:spPr>
+          <a:xfrm>
+            <a:off x="6005820" y="2976028"/>
+            <a:ext cx="976283" cy="369332"/>
+          </a:xfrm>
+          <a:prstGeom prst="rect">
+            <a:avLst/>
+          </a:prstGeom>
+          <a:noFill/>
+        </p:spPr>
+        <p:txBody>
+          <a:bodyPr wrap="square" rtlCol="0">
+            <a:spAutoFit/>
+          </a:bodyPr>
+          <a:lstStyle/>
+          <a:p>
+            <a:r>
+              <a:rPr lang="en-US" altLang="zh-CN" dirty="0"/>
+              <a:t>k</a:t>
+            </a:r>
+            <a:endParaRPr lang="zh-CN" altLang="en-US" dirty="0"/>
+          </a:p>
+        </p:txBody>
+      </p:sp>
+    </p:spTree>
+    <p:extLst>
+      <p:ext uri="{BB962C8B-B14F-4D97-AF65-F5344CB8AC3E}">
+        <p14:creationId xmlns:p14="http://schemas.microsoft.com/office/powerpoint/2010/main" val="73450897"/>
+      </p:ext>
+    </p:extLst>
+  </p:cSld>
+  <p:clrMapOvr>
+    <a:masterClrMapping/>
+  </p:clrMapOvr>
+</p:sld>
+</file>
+
+<file path=ppt/slides/slide21.xml><?xml version="1.0" encoding="utf-8"?>
+<p:sld xmlns:a="http://schemas.openxmlformats.org/drawingml/2006/main" xmlns:r="http://schemas.openxmlformats.org/officeDocument/2006/relationships" xmlns:p="http://schemas.openxmlformats.org/presentationml/2006/main">
+  <p:cSld>
+    <p:spTree>
+      <p:nvGrpSpPr>
+        <p:cNvPr id="1" name=""/>
+        <p:cNvGrpSpPr/>
+        <p:nvPr/>
+      </p:nvGrpSpPr>
+      <p:grpSpPr>
+        <a:xfrm>
+          <a:off x="0" y="0"/>
+          <a:ext cx="0" cy="0"/>
+          <a:chOff x="0" y="0"/>
+          <a:chExt cx="0" cy="0"/>
+        </a:xfrm>
+      </p:grpSpPr>
+      <p:sp>
+        <p:nvSpPr>
+          <p:cNvPr id="11" name="文本框 10">
+            <a:extLst>
+              <a:ext uri="{FF2B5EF4-FFF2-40B4-BE49-F238E27FC236}">
+                <a16:creationId xmlns:a16="http://schemas.microsoft.com/office/drawing/2014/main" id="{E3F2DD27-1048-4BD4-A2BA-1636E0461DF2}"/>
+              </a:ext>
+            </a:extLst>
+          </p:cNvPr>
+          <p:cNvSpPr txBox="1"/>
+          <p:nvPr/>
+        </p:nvSpPr>
+        <p:spPr>
+          <a:xfrm>
+            <a:off x="4786923" y="3429000"/>
+            <a:ext cx="976283" cy="369332"/>
+          </a:xfrm>
+          <a:prstGeom prst="rect">
+            <a:avLst/>
+          </a:prstGeom>
+          <a:noFill/>
+        </p:spPr>
+        <p:txBody>
+          <a:bodyPr wrap="square" rtlCol="0">
+            <a:spAutoFit/>
+          </a:bodyPr>
+          <a:lstStyle/>
+          <a:p>
+            <a:r>
+              <a:rPr lang="en-US" altLang="zh-CN" dirty="0"/>
+              <a:t>i</a:t>
+            </a:r>
+            <a:endParaRPr lang="zh-CN" altLang="en-US" dirty="0"/>
+          </a:p>
+        </p:txBody>
+      </p:sp>
+      <p:sp>
+        <p:nvSpPr>
+          <p:cNvPr id="12" name="文本框 11">
+            <a:extLst>
+              <a:ext uri="{FF2B5EF4-FFF2-40B4-BE49-F238E27FC236}">
+                <a16:creationId xmlns:a16="http://schemas.microsoft.com/office/drawing/2014/main" id="{F4781286-267D-4D53-BABB-D6344B49D524}"/>
+              </a:ext>
+            </a:extLst>
+          </p:cNvPr>
+          <p:cNvSpPr txBox="1"/>
+          <p:nvPr/>
+        </p:nvSpPr>
+        <p:spPr>
+          <a:xfrm>
+            <a:off x="5332043" y="3429000"/>
+            <a:ext cx="976283" cy="369332"/>
+          </a:xfrm>
+          <a:prstGeom prst="rect">
+            <a:avLst/>
+          </a:prstGeom>
+          <a:noFill/>
+        </p:spPr>
+        <p:txBody>
+          <a:bodyPr wrap="square" rtlCol="0">
+            <a:spAutoFit/>
+          </a:bodyPr>
+          <a:lstStyle/>
+          <a:p>
+            <a:r>
+              <a:rPr lang="en-US" altLang="zh-CN" dirty="0"/>
+              <a:t>j</a:t>
+            </a:r>
+            <a:endParaRPr lang="zh-CN" altLang="en-US" dirty="0"/>
+          </a:p>
+        </p:txBody>
+      </p:sp>
+      <p:sp>
+        <p:nvSpPr>
+          <p:cNvPr id="29" name="椭圆 28">
+            <a:extLst>
+              <a:ext uri="{FF2B5EF4-FFF2-40B4-BE49-F238E27FC236}">
+                <a16:creationId xmlns:a16="http://schemas.microsoft.com/office/drawing/2014/main" id="{E3E1A041-F84E-41F6-8243-5CDB3BC71984}"/>
+              </a:ext>
+            </a:extLst>
+          </p:cNvPr>
+          <p:cNvSpPr/>
+          <p:nvPr/>
+        </p:nvSpPr>
+        <p:spPr>
+          <a:xfrm>
+            <a:off x="2721146" y="3227271"/>
+            <a:ext cx="403457" cy="403457"/>
+          </a:xfrm>
+          <a:prstGeom prst="ellipse">
+            <a:avLst/>
+          </a:prstGeom>
+          <a:ln>
+            <a:noFill/>
+          </a:ln>
+        </p:spPr>
+        <p:style>
+          <a:lnRef idx="2">
+            <a:schemeClr val="accent1">
+              <a:shade val="50000"/>
+            </a:schemeClr>
+          </a:lnRef>
+          <a:fillRef idx="1">
+            <a:schemeClr val="accent1"/>
+          </a:fillRef>
+          <a:effectRef idx="0">
+            <a:schemeClr val="accent1"/>
+          </a:effectRef>
+          <a:fontRef idx="minor">
+            <a:schemeClr val="lt1"/>
+          </a:fontRef>
+        </p:style>
+        <p:txBody>
+          <a:bodyPr rtlCol="0" anchor="ctr"/>
+          <a:lstStyle/>
+          <a:p>
+            <a:pPr algn="ctr"/>
+            <a:r>
+              <a:rPr lang="en-US" altLang="zh-CN" b="1" dirty="0"/>
+              <a:t>1</a:t>
+            </a:r>
+            <a:endParaRPr lang="zh-CN" altLang="en-US" b="1" dirty="0"/>
+          </a:p>
+        </p:txBody>
+      </p:sp>
+      <p:sp>
+        <p:nvSpPr>
+          <p:cNvPr id="30" name="椭圆 29">
+            <a:extLst>
+              <a:ext uri="{FF2B5EF4-FFF2-40B4-BE49-F238E27FC236}">
+                <a16:creationId xmlns:a16="http://schemas.microsoft.com/office/drawing/2014/main" id="{6F771A13-7E06-4D38-A0E2-9728F4675126}"/>
+              </a:ext>
+            </a:extLst>
+          </p:cNvPr>
+          <p:cNvSpPr/>
+          <p:nvPr/>
+        </p:nvSpPr>
+        <p:spPr>
+          <a:xfrm>
+            <a:off x="3398117" y="2823814"/>
+            <a:ext cx="403457" cy="403457"/>
+          </a:xfrm>
+          <a:prstGeom prst="ellipse">
+            <a:avLst/>
+          </a:prstGeom>
+          <a:ln>
+            <a:noFill/>
+          </a:ln>
+        </p:spPr>
+        <p:style>
+          <a:lnRef idx="2">
+            <a:schemeClr val="accent1">
+              <a:shade val="50000"/>
+            </a:schemeClr>
+          </a:lnRef>
+          <a:fillRef idx="1">
+            <a:schemeClr val="accent1"/>
+          </a:fillRef>
+          <a:effectRef idx="0">
+            <a:schemeClr val="accent1"/>
+          </a:effectRef>
+          <a:fontRef idx="minor">
+            <a:schemeClr val="lt1"/>
+          </a:fontRef>
+        </p:style>
+        <p:txBody>
+          <a:bodyPr rtlCol="0" anchor="ctr"/>
+          <a:lstStyle/>
+          <a:p>
+            <a:pPr algn="ctr"/>
+            <a:r>
+              <a:rPr lang="en-US" altLang="zh-CN" b="1" dirty="0"/>
+              <a:t>2</a:t>
+            </a:r>
+            <a:endParaRPr lang="zh-CN" altLang="en-US" b="1" dirty="0"/>
+          </a:p>
+        </p:txBody>
+      </p:sp>
+      <p:sp>
+        <p:nvSpPr>
+          <p:cNvPr id="31" name="椭圆 30">
+            <a:extLst>
+              <a:ext uri="{FF2B5EF4-FFF2-40B4-BE49-F238E27FC236}">
+                <a16:creationId xmlns:a16="http://schemas.microsoft.com/office/drawing/2014/main" id="{1DC4F6D4-E5A4-4657-A1F6-CCC37DFDAF12}"/>
+              </a:ext>
+            </a:extLst>
+          </p:cNvPr>
+          <p:cNvSpPr/>
+          <p:nvPr/>
+        </p:nvSpPr>
+        <p:spPr>
+          <a:xfrm>
+            <a:off x="5276215" y="2823814"/>
+            <a:ext cx="403457" cy="403457"/>
+          </a:xfrm>
+          <a:prstGeom prst="ellipse">
+            <a:avLst/>
+          </a:prstGeom>
+          <a:ln>
+            <a:noFill/>
+          </a:ln>
+        </p:spPr>
+        <p:style>
+          <a:lnRef idx="2">
+            <a:schemeClr val="accent1">
+              <a:shade val="50000"/>
+            </a:schemeClr>
+          </a:lnRef>
+          <a:fillRef idx="1">
+            <a:schemeClr val="accent1"/>
+          </a:fillRef>
+          <a:effectRef idx="0">
+            <a:schemeClr val="accent1"/>
+          </a:effectRef>
+          <a:fontRef idx="minor">
+            <a:schemeClr val="lt1"/>
+          </a:fontRef>
+        </p:style>
+        <p:txBody>
+          <a:bodyPr rtlCol="0" anchor="ctr"/>
+          <a:lstStyle/>
+          <a:p>
+            <a:pPr algn="ctr"/>
+            <a:r>
+              <a:rPr lang="en-US" altLang="zh-CN" b="1" dirty="0"/>
+              <a:t>2</a:t>
+            </a:r>
+            <a:endParaRPr lang="zh-CN" altLang="en-US" b="1" dirty="0"/>
+          </a:p>
+        </p:txBody>
+      </p:sp>
+      <p:sp>
+        <p:nvSpPr>
+          <p:cNvPr id="32" name="椭圆 31">
+            <a:extLst>
+              <a:ext uri="{FF2B5EF4-FFF2-40B4-BE49-F238E27FC236}">
+                <a16:creationId xmlns:a16="http://schemas.microsoft.com/office/drawing/2014/main" id="{B081F593-75F4-4F14-9DA3-AC17EC5A6E79}"/>
+              </a:ext>
+            </a:extLst>
+          </p:cNvPr>
+          <p:cNvSpPr/>
+          <p:nvPr/>
+        </p:nvSpPr>
+        <p:spPr>
+          <a:xfrm>
+            <a:off x="5897535" y="2420357"/>
+            <a:ext cx="403457" cy="403457"/>
+          </a:xfrm>
+          <a:prstGeom prst="ellipse">
+            <a:avLst/>
+          </a:prstGeom>
+          <a:ln>
+            <a:noFill/>
+          </a:ln>
+        </p:spPr>
+        <p:style>
+          <a:lnRef idx="2">
+            <a:schemeClr val="accent1">
+              <a:shade val="50000"/>
+            </a:schemeClr>
+          </a:lnRef>
+          <a:fillRef idx="1">
+            <a:schemeClr val="accent1"/>
+          </a:fillRef>
+          <a:effectRef idx="0">
+            <a:schemeClr val="accent1"/>
+          </a:effectRef>
+          <a:fontRef idx="minor">
+            <a:schemeClr val="lt1"/>
+          </a:fontRef>
+        </p:style>
+        <p:txBody>
+          <a:bodyPr rtlCol="0" anchor="ctr"/>
+          <a:lstStyle/>
+          <a:p>
+            <a:pPr algn="ctr"/>
+            <a:r>
+              <a:rPr lang="en-US" altLang="zh-CN" b="1" dirty="0"/>
+              <a:t>3</a:t>
+            </a:r>
+            <a:endParaRPr lang="zh-CN" altLang="en-US" b="1" dirty="0"/>
+          </a:p>
+        </p:txBody>
+      </p:sp>
+      <p:sp>
+        <p:nvSpPr>
+          <p:cNvPr id="33" name="椭圆 32">
+            <a:extLst>
+              <a:ext uri="{FF2B5EF4-FFF2-40B4-BE49-F238E27FC236}">
+                <a16:creationId xmlns:a16="http://schemas.microsoft.com/office/drawing/2014/main" id="{50D5DB68-ABCC-4788-8840-CBFD6DED1721}"/>
+              </a:ext>
+            </a:extLst>
+          </p:cNvPr>
+          <p:cNvSpPr/>
+          <p:nvPr/>
+        </p:nvSpPr>
+        <p:spPr>
+          <a:xfrm>
+            <a:off x="4738431" y="2016896"/>
+            <a:ext cx="403457" cy="403457"/>
+          </a:xfrm>
+          <a:prstGeom prst="ellipse">
+            <a:avLst/>
+          </a:prstGeom>
+          <a:ln>
+            <a:noFill/>
+          </a:ln>
+        </p:spPr>
+        <p:style>
+          <a:lnRef idx="2">
+            <a:schemeClr val="accent1">
+              <a:shade val="50000"/>
+            </a:schemeClr>
+          </a:lnRef>
+          <a:fillRef idx="1">
+            <a:schemeClr val="accent1"/>
+          </a:fillRef>
+          <a:effectRef idx="0">
+            <a:schemeClr val="accent1"/>
+          </a:effectRef>
+          <a:fontRef idx="minor">
+            <a:schemeClr val="lt1"/>
+          </a:fontRef>
+        </p:style>
+        <p:txBody>
+          <a:bodyPr rtlCol="0" anchor="ctr"/>
+          <a:lstStyle/>
+          <a:p>
+            <a:pPr algn="ctr"/>
+            <a:r>
+              <a:rPr lang="en-US" altLang="zh-CN" b="1" dirty="0"/>
+              <a:t>4</a:t>
+            </a:r>
+            <a:endParaRPr lang="zh-CN" altLang="en-US" b="1" dirty="0"/>
+          </a:p>
+        </p:txBody>
+      </p:sp>
+      <p:sp>
+        <p:nvSpPr>
+          <p:cNvPr id="34" name="椭圆 33">
+            <a:extLst>
+              <a:ext uri="{FF2B5EF4-FFF2-40B4-BE49-F238E27FC236}">
+                <a16:creationId xmlns:a16="http://schemas.microsoft.com/office/drawing/2014/main" id="{0DD8E49C-66BF-4AA5-8B06-09BD913C7BEE}"/>
+              </a:ext>
+            </a:extLst>
+          </p:cNvPr>
+          <p:cNvSpPr/>
+          <p:nvPr/>
+        </p:nvSpPr>
+        <p:spPr>
+          <a:xfrm>
+            <a:off x="4121612" y="1209985"/>
+            <a:ext cx="403457" cy="403457"/>
+          </a:xfrm>
+          <a:prstGeom prst="ellipse">
+            <a:avLst/>
+          </a:prstGeom>
+          <a:ln>
+            <a:noFill/>
+          </a:ln>
+        </p:spPr>
+        <p:style>
+          <a:lnRef idx="2">
+            <a:schemeClr val="accent1">
+              <a:shade val="50000"/>
+            </a:schemeClr>
+          </a:lnRef>
+          <a:fillRef idx="1">
+            <a:schemeClr val="accent1"/>
+          </a:fillRef>
+          <a:effectRef idx="0">
+            <a:schemeClr val="accent1"/>
+          </a:effectRef>
+          <a:fontRef idx="minor">
+            <a:schemeClr val="lt1"/>
+          </a:fontRef>
+        </p:style>
+        <p:txBody>
+          <a:bodyPr rtlCol="0" anchor="ctr"/>
+          <a:lstStyle/>
+          <a:p>
+            <a:pPr algn="ctr"/>
+            <a:r>
+              <a:rPr lang="en-US" altLang="zh-CN" b="1" dirty="0"/>
+              <a:t>6</a:t>
+            </a:r>
+            <a:endParaRPr lang="zh-CN" altLang="en-US" b="1" dirty="0"/>
+          </a:p>
+        </p:txBody>
+      </p:sp>
+      <p:sp>
+        <p:nvSpPr>
+          <p:cNvPr id="37" name="椭圆 36">
+            <a:extLst>
+              <a:ext uri="{FF2B5EF4-FFF2-40B4-BE49-F238E27FC236}">
+                <a16:creationId xmlns:a16="http://schemas.microsoft.com/office/drawing/2014/main" id="{FBB67C54-AB9A-4A1C-A94F-3FEE04404F61}"/>
+              </a:ext>
+            </a:extLst>
+          </p:cNvPr>
+          <p:cNvSpPr/>
+          <p:nvPr/>
+        </p:nvSpPr>
+        <p:spPr>
+          <a:xfrm>
+            <a:off x="6619361" y="1613442"/>
+            <a:ext cx="403457" cy="403457"/>
+          </a:xfrm>
+          <a:prstGeom prst="ellipse">
+            <a:avLst/>
+          </a:prstGeom>
+          <a:ln>
+            <a:noFill/>
+          </a:ln>
+        </p:spPr>
+        <p:style>
+          <a:lnRef idx="2">
+            <a:schemeClr val="accent1">
+              <a:shade val="50000"/>
+            </a:schemeClr>
+          </a:lnRef>
+          <a:fillRef idx="1">
+            <a:schemeClr val="accent1"/>
+          </a:fillRef>
+          <a:effectRef idx="0">
+            <a:schemeClr val="accent1"/>
+          </a:effectRef>
+          <a:fontRef idx="minor">
+            <a:schemeClr val="lt1"/>
+          </a:fontRef>
+        </p:style>
+        <p:txBody>
+          <a:bodyPr rtlCol="0" anchor="ctr"/>
+          <a:lstStyle/>
+          <a:p>
+            <a:pPr algn="ctr"/>
+            <a:r>
+              <a:rPr lang="en-US" altLang="zh-CN" b="1" dirty="0"/>
+              <a:t>5</a:t>
+            </a:r>
+            <a:endParaRPr lang="zh-CN" altLang="en-US" b="1" dirty="0"/>
+          </a:p>
+        </p:txBody>
+      </p:sp>
+      <p:cxnSp>
+        <p:nvCxnSpPr>
+          <p:cNvPr id="39" name="直接连接符 38">
+            <a:extLst>
+              <a:ext uri="{FF2B5EF4-FFF2-40B4-BE49-F238E27FC236}">
+                <a16:creationId xmlns:a16="http://schemas.microsoft.com/office/drawing/2014/main" id="{42BD718B-8E77-4616-91CB-29BDEEC2E018}"/>
+              </a:ext>
+            </a:extLst>
+          </p:cNvPr>
+          <p:cNvCxnSpPr>
+            <a:cxnSpLocks/>
+            <a:stCxn id="29" idx="7"/>
+            <a:endCxn id="30" idx="3"/>
+          </p:cNvCxnSpPr>
+          <p:nvPr/>
+        </p:nvCxnSpPr>
+        <p:spPr>
+          <a:xfrm flipV="1">
+            <a:off x="3065518" y="3168186"/>
+            <a:ext cx="391684" cy="118170"/>
+          </a:xfrm>
+          <a:prstGeom prst="line">
+            <a:avLst/>
+          </a:prstGeom>
+          <a:ln w="12700"/>
+        </p:spPr>
+        <p:style>
+          <a:lnRef idx="1">
+            <a:schemeClr val="accent1"/>
+          </a:lnRef>
+          <a:fillRef idx="0">
+            <a:schemeClr val="accent1"/>
+          </a:fillRef>
+          <a:effectRef idx="0">
+            <a:schemeClr val="accent1"/>
+          </a:effectRef>
+          <a:fontRef idx="minor">
+            <a:schemeClr val="tx1"/>
+          </a:fontRef>
+        </p:style>
+      </p:cxnSp>
+      <p:cxnSp>
+        <p:nvCxnSpPr>
+          <p:cNvPr id="41" name="直接连接符 40">
+            <a:extLst>
+              <a:ext uri="{FF2B5EF4-FFF2-40B4-BE49-F238E27FC236}">
+                <a16:creationId xmlns:a16="http://schemas.microsoft.com/office/drawing/2014/main" id="{0AEF2935-BF19-4C2A-9F14-331CC96FFADA}"/>
+              </a:ext>
+            </a:extLst>
+          </p:cNvPr>
+          <p:cNvCxnSpPr>
+            <a:stCxn id="30" idx="7"/>
+            <a:endCxn id="34" idx="3"/>
+          </p:cNvCxnSpPr>
+          <p:nvPr/>
+        </p:nvCxnSpPr>
+        <p:spPr>
+          <a:xfrm flipV="1">
+            <a:off x="3742489" y="1554357"/>
+            <a:ext cx="438208" cy="1328542"/>
+          </a:xfrm>
+          <a:prstGeom prst="line">
+            <a:avLst/>
+          </a:prstGeom>
+          <a:ln w="12700"/>
+        </p:spPr>
+        <p:style>
+          <a:lnRef idx="1">
+            <a:schemeClr val="accent1"/>
+          </a:lnRef>
+          <a:fillRef idx="0">
+            <a:schemeClr val="accent1"/>
+          </a:fillRef>
+          <a:effectRef idx="0">
+            <a:schemeClr val="accent1"/>
+          </a:effectRef>
+          <a:fontRef idx="minor">
+            <a:schemeClr val="tx1"/>
+          </a:fontRef>
+        </p:style>
+      </p:cxnSp>
+      <p:cxnSp>
+        <p:nvCxnSpPr>
+          <p:cNvPr id="43" name="直接连接符 42">
+            <a:extLst>
+              <a:ext uri="{FF2B5EF4-FFF2-40B4-BE49-F238E27FC236}">
+                <a16:creationId xmlns:a16="http://schemas.microsoft.com/office/drawing/2014/main" id="{4CF4E004-0B06-4BB2-B9FA-6C273CD18F32}"/>
+              </a:ext>
+            </a:extLst>
+          </p:cNvPr>
+          <p:cNvCxnSpPr>
+            <a:stCxn id="34" idx="5"/>
+            <a:endCxn id="33" idx="1"/>
+          </p:cNvCxnSpPr>
+          <p:nvPr/>
+        </p:nvCxnSpPr>
+        <p:spPr>
+          <a:xfrm>
+            <a:off x="4465984" y="1554357"/>
+            <a:ext cx="331532" cy="521624"/>
+          </a:xfrm>
+          <a:prstGeom prst="line">
+            <a:avLst/>
+          </a:prstGeom>
+          <a:ln w="12700"/>
+        </p:spPr>
+        <p:style>
+          <a:lnRef idx="1">
+            <a:schemeClr val="accent1"/>
+          </a:lnRef>
+          <a:fillRef idx="0">
+            <a:schemeClr val="accent1"/>
+          </a:fillRef>
+          <a:effectRef idx="0">
+            <a:schemeClr val="accent1"/>
+          </a:effectRef>
+          <a:fontRef idx="minor">
+            <a:schemeClr val="tx1"/>
+          </a:fontRef>
+        </p:style>
+      </p:cxnSp>
+      <p:cxnSp>
+        <p:nvCxnSpPr>
+          <p:cNvPr id="45" name="直接连接符 44">
+            <a:extLst>
+              <a:ext uri="{FF2B5EF4-FFF2-40B4-BE49-F238E27FC236}">
+                <a16:creationId xmlns:a16="http://schemas.microsoft.com/office/drawing/2014/main" id="{E1C109CA-5E45-42E4-BB90-E27F65CF4C24}"/>
+              </a:ext>
+            </a:extLst>
+          </p:cNvPr>
+          <p:cNvCxnSpPr>
+            <a:cxnSpLocks/>
+            <a:stCxn id="33" idx="5"/>
+            <a:endCxn id="31" idx="1"/>
+          </p:cNvCxnSpPr>
+          <p:nvPr/>
+        </p:nvCxnSpPr>
+        <p:spPr>
+          <a:xfrm>
+            <a:off x="5082803" y="2361268"/>
+            <a:ext cx="252497" cy="521631"/>
+          </a:xfrm>
+          <a:prstGeom prst="line">
+            <a:avLst/>
+          </a:prstGeom>
+          <a:ln w="12700"/>
+        </p:spPr>
+        <p:style>
+          <a:lnRef idx="1">
+            <a:schemeClr val="accent1"/>
+          </a:lnRef>
+          <a:fillRef idx="0">
+            <a:schemeClr val="accent1"/>
+          </a:fillRef>
+          <a:effectRef idx="0">
+            <a:schemeClr val="accent1"/>
+          </a:effectRef>
+          <a:fontRef idx="minor">
+            <a:schemeClr val="tx1"/>
+          </a:fontRef>
+        </p:style>
+      </p:cxnSp>
+      <p:cxnSp>
+        <p:nvCxnSpPr>
+          <p:cNvPr id="47" name="直接连接符 46">
+            <a:extLst>
+              <a:ext uri="{FF2B5EF4-FFF2-40B4-BE49-F238E27FC236}">
+                <a16:creationId xmlns:a16="http://schemas.microsoft.com/office/drawing/2014/main" id="{CCE56BD9-ACDF-4CD0-8FDD-92FEC465F380}"/>
+              </a:ext>
+            </a:extLst>
+          </p:cNvPr>
+          <p:cNvCxnSpPr>
+            <a:cxnSpLocks/>
+            <a:stCxn id="31" idx="7"/>
+            <a:endCxn id="32" idx="3"/>
+          </p:cNvCxnSpPr>
+          <p:nvPr/>
+        </p:nvCxnSpPr>
+        <p:spPr>
+          <a:xfrm flipV="1">
+            <a:off x="5620587" y="2764729"/>
+            <a:ext cx="336033" cy="118170"/>
+          </a:xfrm>
+          <a:prstGeom prst="line">
+            <a:avLst/>
+          </a:prstGeom>
+          <a:ln w="12700"/>
+        </p:spPr>
+        <p:style>
+          <a:lnRef idx="1">
+            <a:schemeClr val="accent1"/>
+          </a:lnRef>
+          <a:fillRef idx="0">
+            <a:schemeClr val="accent1"/>
+          </a:fillRef>
+          <a:effectRef idx="0">
+            <a:schemeClr val="accent1"/>
+          </a:effectRef>
+          <a:fontRef idx="minor">
+            <a:schemeClr val="tx1"/>
+          </a:fontRef>
+        </p:style>
+      </p:cxnSp>
+      <p:cxnSp>
+        <p:nvCxnSpPr>
+          <p:cNvPr id="49" name="直接连接符 48">
+            <a:extLst>
+              <a:ext uri="{FF2B5EF4-FFF2-40B4-BE49-F238E27FC236}">
+                <a16:creationId xmlns:a16="http://schemas.microsoft.com/office/drawing/2014/main" id="{E8D1E159-3DE2-4F0A-954C-B0185E6F087C}"/>
+              </a:ext>
+            </a:extLst>
+          </p:cNvPr>
+          <p:cNvCxnSpPr>
+            <a:cxnSpLocks/>
+            <a:stCxn id="32" idx="7"/>
+            <a:endCxn id="37" idx="3"/>
+          </p:cNvCxnSpPr>
+          <p:nvPr/>
+        </p:nvCxnSpPr>
+        <p:spPr>
+          <a:xfrm flipV="1">
+            <a:off x="6241907" y="1957814"/>
+            <a:ext cx="436539" cy="521628"/>
+          </a:xfrm>
+          <a:prstGeom prst="line">
+            <a:avLst/>
+          </a:prstGeom>
+          <a:ln w="12700"/>
+        </p:spPr>
+        <p:style>
+          <a:lnRef idx="1">
+            <a:schemeClr val="accent1"/>
+          </a:lnRef>
+          <a:fillRef idx="0">
+            <a:schemeClr val="accent1"/>
+          </a:fillRef>
+          <a:effectRef idx="0">
+            <a:schemeClr val="accent1"/>
+          </a:effectRef>
+          <a:fontRef idx="minor">
+            <a:schemeClr val="tx1"/>
+          </a:fontRef>
+        </p:style>
+      </p:cxnSp>
+      <p:sp>
+        <p:nvSpPr>
+          <p:cNvPr id="17" name="文本框 16">
+            <a:extLst>
+              <a:ext uri="{FF2B5EF4-FFF2-40B4-BE49-F238E27FC236}">
+                <a16:creationId xmlns:a16="http://schemas.microsoft.com/office/drawing/2014/main" id="{0A231871-82FF-4059-8F61-453CD23D48D3}"/>
+              </a:ext>
+            </a:extLst>
+          </p:cNvPr>
+          <p:cNvSpPr txBox="1"/>
+          <p:nvPr/>
+        </p:nvSpPr>
+        <p:spPr>
+          <a:xfrm>
+            <a:off x="5945585" y="3429000"/>
+            <a:ext cx="976283" cy="369332"/>
+          </a:xfrm>
+          <a:prstGeom prst="rect">
+            <a:avLst/>
+          </a:prstGeom>
+          <a:noFill/>
+        </p:spPr>
+        <p:txBody>
+          <a:bodyPr wrap="square" rtlCol="0">
+            <a:spAutoFit/>
+          </a:bodyPr>
+          <a:lstStyle/>
+          <a:p>
+            <a:r>
+              <a:rPr lang="en-US" altLang="zh-CN" dirty="0"/>
+              <a:t>k</a:t>
+            </a:r>
+            <a:endParaRPr lang="zh-CN" altLang="en-US" dirty="0"/>
+          </a:p>
+        </p:txBody>
+      </p:sp>
+    </p:spTree>
+    <p:extLst>
+      <p:ext uri="{BB962C8B-B14F-4D97-AF65-F5344CB8AC3E}">
+        <p14:creationId xmlns:p14="http://schemas.microsoft.com/office/powerpoint/2010/main" val="954904730"/>
       </p:ext>
     </p:extLst>
   </p:cSld>

--- a/docs/Image.pptx
+++ b/docs/Image.pptx
@@ -5,7 +5,7 @@
     <p:sldMasterId id="2147483648" r:id="rId1"/>
   </p:sldMasterIdLst>
   <p:notesMasterIdLst>
-    <p:notesMasterId r:id="rId23"/>
+    <p:notesMasterId r:id="rId24"/>
   </p:notesMasterIdLst>
   <p:sldIdLst>
     <p:sldId id="256" r:id="rId2"/>
@@ -29,6 +29,7 @@
     <p:sldId id="278" r:id="rId20"/>
     <p:sldId id="279" r:id="rId21"/>
     <p:sldId id="280" r:id="rId22"/>
+    <p:sldId id="281" r:id="rId23"/>
   </p:sldIdLst>
   <p:sldSz cx="12192000" cy="6858000"/>
   <p:notesSz cx="6858000" cy="9144000"/>
@@ -217,7 +218,7 @@
           <a:p>
             <a:fld id="{B5D9F11F-CEC7-4904-87EC-867ABA4429BA}" type="datetimeFigureOut">
               <a:rPr lang="zh-CN" altLang="en-US" smtClean="0"/>
-              <a:t>2020/5/27</a:t>
+              <a:t>2020/5/28</a:t>
             </a:fld>
             <a:endParaRPr lang="zh-CN" altLang="en-US"/>
           </a:p>
@@ -1708,7 +1709,7 @@
           <a:p>
             <a:fld id="{B3314C4A-3350-458F-9222-11386146643F}" type="datetimeFigureOut">
               <a:rPr lang="zh-CN" altLang="en-US" smtClean="0"/>
-              <a:t>2020/5/27</a:t>
+              <a:t>2020/5/28</a:t>
             </a:fld>
             <a:endParaRPr lang="zh-CN" altLang="en-US"/>
           </a:p>
@@ -1876,7 +1877,7 @@
           <a:p>
             <a:fld id="{B3314C4A-3350-458F-9222-11386146643F}" type="datetimeFigureOut">
               <a:rPr lang="zh-CN" altLang="en-US" smtClean="0"/>
-              <a:t>2020/5/27</a:t>
+              <a:t>2020/5/28</a:t>
             </a:fld>
             <a:endParaRPr lang="zh-CN" altLang="en-US"/>
           </a:p>
@@ -2054,7 +2055,7 @@
           <a:p>
             <a:fld id="{B3314C4A-3350-458F-9222-11386146643F}" type="datetimeFigureOut">
               <a:rPr lang="zh-CN" altLang="en-US" smtClean="0"/>
-              <a:t>2020/5/27</a:t>
+              <a:t>2020/5/28</a:t>
             </a:fld>
             <a:endParaRPr lang="zh-CN" altLang="en-US"/>
           </a:p>
@@ -2222,7 +2223,7 @@
           <a:p>
             <a:fld id="{B3314C4A-3350-458F-9222-11386146643F}" type="datetimeFigureOut">
               <a:rPr lang="zh-CN" altLang="en-US" smtClean="0"/>
-              <a:t>2020/5/27</a:t>
+              <a:t>2020/5/28</a:t>
             </a:fld>
             <a:endParaRPr lang="zh-CN" altLang="en-US"/>
           </a:p>
@@ -2467,7 +2468,7 @@
           <a:p>
             <a:fld id="{B3314C4A-3350-458F-9222-11386146643F}" type="datetimeFigureOut">
               <a:rPr lang="zh-CN" altLang="en-US" smtClean="0"/>
-              <a:t>2020/5/27</a:t>
+              <a:t>2020/5/28</a:t>
             </a:fld>
             <a:endParaRPr lang="zh-CN" altLang="en-US"/>
           </a:p>
@@ -2696,7 +2697,7 @@
           <a:p>
             <a:fld id="{B3314C4A-3350-458F-9222-11386146643F}" type="datetimeFigureOut">
               <a:rPr lang="zh-CN" altLang="en-US" smtClean="0"/>
-              <a:t>2020/5/27</a:t>
+              <a:t>2020/5/28</a:t>
             </a:fld>
             <a:endParaRPr lang="zh-CN" altLang="en-US"/>
           </a:p>
@@ -3060,7 +3061,7 @@
           <a:p>
             <a:fld id="{B3314C4A-3350-458F-9222-11386146643F}" type="datetimeFigureOut">
               <a:rPr lang="zh-CN" altLang="en-US" smtClean="0"/>
-              <a:t>2020/5/27</a:t>
+              <a:t>2020/5/28</a:t>
             </a:fld>
             <a:endParaRPr lang="zh-CN" altLang="en-US"/>
           </a:p>
@@ -3177,7 +3178,7 @@
           <a:p>
             <a:fld id="{B3314C4A-3350-458F-9222-11386146643F}" type="datetimeFigureOut">
               <a:rPr lang="zh-CN" altLang="en-US" smtClean="0"/>
-              <a:t>2020/5/27</a:t>
+              <a:t>2020/5/28</a:t>
             </a:fld>
             <a:endParaRPr lang="zh-CN" altLang="en-US"/>
           </a:p>
@@ -3272,7 +3273,7 @@
           <a:p>
             <a:fld id="{B3314C4A-3350-458F-9222-11386146643F}" type="datetimeFigureOut">
               <a:rPr lang="zh-CN" altLang="en-US" smtClean="0"/>
-              <a:t>2020/5/27</a:t>
+              <a:t>2020/5/28</a:t>
             </a:fld>
             <a:endParaRPr lang="zh-CN" altLang="en-US"/>
           </a:p>
@@ -3547,7 +3548,7 @@
           <a:p>
             <a:fld id="{B3314C4A-3350-458F-9222-11386146643F}" type="datetimeFigureOut">
               <a:rPr lang="zh-CN" altLang="en-US" smtClean="0"/>
-              <a:t>2020/5/27</a:t>
+              <a:t>2020/5/28</a:t>
             </a:fld>
             <a:endParaRPr lang="zh-CN" altLang="en-US"/>
           </a:p>
@@ -3799,7 +3800,7 @@
           <a:p>
             <a:fld id="{B3314C4A-3350-458F-9222-11386146643F}" type="datetimeFigureOut">
               <a:rPr lang="zh-CN" altLang="en-US" smtClean="0"/>
-              <a:t>2020/5/27</a:t>
+              <a:t>2020/5/28</a:t>
             </a:fld>
             <a:endParaRPr lang="zh-CN" altLang="en-US"/>
           </a:p>
@@ -4010,7 +4011,7 @@
           <a:p>
             <a:fld id="{B3314C4A-3350-458F-9222-11386146643F}" type="datetimeFigureOut">
               <a:rPr lang="zh-CN" altLang="en-US" smtClean="0"/>
-              <a:t>2020/5/27</a:t>
+              <a:t>2020/5/28</a:t>
             </a:fld>
             <a:endParaRPr lang="zh-CN" altLang="en-US"/>
           </a:p>
@@ -6169,7 +6170,7 @@
           <p:nvPr>
             <p:extLst>
               <p:ext uri="{D42A27DB-BD31-4B8C-83A1-F6EECF244321}">
-                <p14:modId xmlns:p14="http://schemas.microsoft.com/office/powerpoint/2010/main" val="3353876037"/>
+                <p14:modId xmlns:p14="http://schemas.microsoft.com/office/powerpoint/2010/main" val="3204113083"/>
               </p:ext>
             </p:extLst>
           </p:nvPr>
@@ -18344,6 +18345,799 @@
     <p:extLst>
       <p:ext uri="{BB962C8B-B14F-4D97-AF65-F5344CB8AC3E}">
         <p14:creationId xmlns:p14="http://schemas.microsoft.com/office/powerpoint/2010/main" val="954904730"/>
+      </p:ext>
+    </p:extLst>
+  </p:cSld>
+  <p:clrMapOvr>
+    <a:masterClrMapping/>
+  </p:clrMapOvr>
+</p:sld>
+</file>
+
+<file path=ppt/slides/slide22.xml><?xml version="1.0" encoding="utf-8"?>
+<p:sld xmlns:a="http://schemas.openxmlformats.org/drawingml/2006/main" xmlns:r="http://schemas.openxmlformats.org/officeDocument/2006/relationships" xmlns:p="http://schemas.openxmlformats.org/presentationml/2006/main">
+  <p:cSld>
+    <p:spTree>
+      <p:nvGrpSpPr>
+        <p:cNvPr id="1" name=""/>
+        <p:cNvGrpSpPr/>
+        <p:nvPr/>
+      </p:nvGrpSpPr>
+      <p:grpSpPr>
+        <a:xfrm>
+          <a:off x="0" y="0"/>
+          <a:ext cx="0" cy="0"/>
+          <a:chOff x="0" y="0"/>
+          <a:chExt cx="0" cy="0"/>
+        </a:xfrm>
+      </p:grpSpPr>
+      <p:graphicFrame>
+        <p:nvGraphicFramePr>
+          <p:cNvPr id="6" name="表格 5">
+            <a:extLst>
+              <a:ext uri="{FF2B5EF4-FFF2-40B4-BE49-F238E27FC236}">
+                <a16:creationId xmlns:a16="http://schemas.microsoft.com/office/drawing/2014/main" id="{5AC10116-4498-46CD-AF62-6A742782B53F}"/>
+              </a:ext>
+            </a:extLst>
+          </p:cNvPr>
+          <p:cNvGraphicFramePr>
+            <a:graphicFrameLocks noGrp="1"/>
+          </p:cNvGraphicFramePr>
+          <p:nvPr>
+            <p:extLst>
+              <p:ext uri="{D42A27DB-BD31-4B8C-83A1-F6EECF244321}">
+                <p14:modId xmlns:p14="http://schemas.microsoft.com/office/powerpoint/2010/main" val="1409540431"/>
+              </p:ext>
+            </p:extLst>
+          </p:nvPr>
+        </p:nvGraphicFramePr>
+        <p:xfrm>
+          <a:off x="838200" y="1825625"/>
+          <a:ext cx="3145772" cy="1414323"/>
+        </p:xfrm>
+        <a:graphic>
+          <a:graphicData uri="http://schemas.openxmlformats.org/drawingml/2006/table">
+            <a:tbl>
+              <a:tblPr firstRow="1" bandRow="1">
+                <a:tableStyleId>{5C22544A-7EE6-4342-B048-85BDC9FD1C3A}</a:tableStyleId>
+              </a:tblPr>
+              <a:tblGrid>
+                <a:gridCol w="462280">
+                  <a:extLst>
+                    <a:ext uri="{9D8B030D-6E8A-4147-A177-3AD203B41FA5}">
+                      <a16:colId xmlns:a16="http://schemas.microsoft.com/office/drawing/2014/main" val="1320131205"/>
+                    </a:ext>
+                  </a:extLst>
+                </a:gridCol>
+                <a:gridCol w="436512">
+                  <a:extLst>
+                    <a:ext uri="{9D8B030D-6E8A-4147-A177-3AD203B41FA5}">
+                      <a16:colId xmlns:a16="http://schemas.microsoft.com/office/drawing/2014/main" val="3731031388"/>
+                    </a:ext>
+                  </a:extLst>
+                </a:gridCol>
+                <a:gridCol w="449396">
+                  <a:extLst>
+                    <a:ext uri="{9D8B030D-6E8A-4147-A177-3AD203B41FA5}">
+                      <a16:colId xmlns:a16="http://schemas.microsoft.com/office/drawing/2014/main" val="1158172166"/>
+                    </a:ext>
+                  </a:extLst>
+                </a:gridCol>
+                <a:gridCol w="449396">
+                  <a:extLst>
+                    <a:ext uri="{9D8B030D-6E8A-4147-A177-3AD203B41FA5}">
+                      <a16:colId xmlns:a16="http://schemas.microsoft.com/office/drawing/2014/main" val="388951963"/>
+                    </a:ext>
+                  </a:extLst>
+                </a:gridCol>
+                <a:gridCol w="449396">
+                  <a:extLst>
+                    <a:ext uri="{9D8B030D-6E8A-4147-A177-3AD203B41FA5}">
+                      <a16:colId xmlns:a16="http://schemas.microsoft.com/office/drawing/2014/main" val="232297715"/>
+                    </a:ext>
+                  </a:extLst>
+                </a:gridCol>
+                <a:gridCol w="449396">
+                  <a:extLst>
+                    <a:ext uri="{9D8B030D-6E8A-4147-A177-3AD203B41FA5}">
+                      <a16:colId xmlns:a16="http://schemas.microsoft.com/office/drawing/2014/main" val="3741441952"/>
+                    </a:ext>
+                  </a:extLst>
+                </a:gridCol>
+                <a:gridCol w="449396">
+                  <a:extLst>
+                    <a:ext uri="{9D8B030D-6E8A-4147-A177-3AD203B41FA5}">
+                      <a16:colId xmlns:a16="http://schemas.microsoft.com/office/drawing/2014/main" val="2325574672"/>
+                    </a:ext>
+                  </a:extLst>
+                </a:gridCol>
+              </a:tblGrid>
+              <a:tr h="471441">
+                <a:tc>
+                  <a:txBody>
+                    <a:bodyPr/>
+                    <a:lstStyle/>
+                    <a:p>
+                      <a:pPr algn="ctr"/>
+                      <a:r>
+                        <a:rPr lang="en-US" altLang="zh-CN" b="1" dirty="0"/>
+                        <a:t>i</a:t>
+                      </a:r>
+                      <a:endParaRPr lang="zh-CN" altLang="en-US" b="1" dirty="0"/>
+                    </a:p>
+                  </a:txBody>
+                  <a:tcPr anchor="ctr"/>
+                </a:tc>
+                <a:tc>
+                  <a:txBody>
+                    <a:bodyPr/>
+                    <a:lstStyle/>
+                    <a:p>
+                      <a:pPr algn="ctr"/>
+                      <a:r>
+                        <a:rPr lang="en-US" altLang="zh-CN" b="1" dirty="0"/>
+                        <a:t>0</a:t>
+                      </a:r>
+                      <a:endParaRPr lang="zh-CN" altLang="en-US" b="1" dirty="0"/>
+                    </a:p>
+                  </a:txBody>
+                  <a:tcPr anchor="ctr"/>
+                </a:tc>
+                <a:tc>
+                  <a:txBody>
+                    <a:bodyPr/>
+                    <a:lstStyle/>
+                    <a:p>
+                      <a:pPr algn="ctr"/>
+                      <a:r>
+                        <a:rPr lang="en-US" altLang="zh-CN" b="1" dirty="0"/>
+                        <a:t>1</a:t>
+                      </a:r>
+                      <a:endParaRPr lang="zh-CN" altLang="en-US" b="1" dirty="0"/>
+                    </a:p>
+                  </a:txBody>
+                  <a:tcPr anchor="ctr"/>
+                </a:tc>
+                <a:tc>
+                  <a:txBody>
+                    <a:bodyPr/>
+                    <a:lstStyle/>
+                    <a:p>
+                      <a:pPr algn="ctr"/>
+                      <a:r>
+                        <a:rPr lang="en-US" altLang="zh-CN" b="1" dirty="0"/>
+                        <a:t>2</a:t>
+                      </a:r>
+                      <a:endParaRPr lang="zh-CN" altLang="en-US" b="1" dirty="0"/>
+                    </a:p>
+                  </a:txBody>
+                  <a:tcPr anchor="ctr"/>
+                </a:tc>
+                <a:tc>
+                  <a:txBody>
+                    <a:bodyPr/>
+                    <a:lstStyle/>
+                    <a:p>
+                      <a:pPr algn="ctr"/>
+                      <a:r>
+                        <a:rPr lang="en-US" altLang="zh-CN" b="1" dirty="0"/>
+                        <a:t>3</a:t>
+                      </a:r>
+                      <a:endParaRPr lang="zh-CN" altLang="en-US" b="1" dirty="0"/>
+                    </a:p>
+                  </a:txBody>
+                  <a:tcPr anchor="ctr"/>
+                </a:tc>
+                <a:tc>
+                  <a:txBody>
+                    <a:bodyPr/>
+                    <a:lstStyle/>
+                    <a:p>
+                      <a:pPr algn="ctr"/>
+                      <a:r>
+                        <a:rPr lang="en-US" altLang="zh-CN" b="1" dirty="0"/>
+                        <a:t>4</a:t>
+                      </a:r>
+                      <a:endParaRPr lang="zh-CN" altLang="en-US" b="1" dirty="0"/>
+                    </a:p>
+                  </a:txBody>
+                  <a:tcPr anchor="ctr"/>
+                </a:tc>
+                <a:tc>
+                  <a:txBody>
+                    <a:bodyPr/>
+                    <a:lstStyle/>
+                    <a:p>
+                      <a:pPr algn="ctr"/>
+                      <a:r>
+                        <a:rPr lang="en-US" altLang="zh-CN" b="1" dirty="0"/>
+                        <a:t>5</a:t>
+                      </a:r>
+                      <a:endParaRPr lang="zh-CN" altLang="en-US" b="1" dirty="0"/>
+                    </a:p>
+                  </a:txBody>
+                  <a:tcPr anchor="ctr"/>
+                </a:tc>
+                <a:extLst>
+                  <a:ext uri="{0D108BD9-81ED-4DB2-BD59-A6C34878D82A}">
+                    <a16:rowId xmlns:a16="http://schemas.microsoft.com/office/drawing/2014/main" val="3893928007"/>
+                  </a:ext>
+                </a:extLst>
+              </a:tr>
+              <a:tr h="471441">
+                <a:tc>
+                  <a:txBody>
+                    <a:bodyPr/>
+                    <a:lstStyle/>
+                    <a:p>
+                      <a:pPr algn="ctr"/>
+                      <a:r>
+                        <a:rPr lang="en-US" altLang="zh-CN" b="1" dirty="0"/>
+                        <a:t>s</a:t>
+                      </a:r>
+                      <a:endParaRPr lang="zh-CN" altLang="en-US" b="1" dirty="0"/>
+                    </a:p>
+                  </a:txBody>
+                  <a:tcPr anchor="ctr"/>
+                </a:tc>
+                <a:tc>
+                  <a:txBody>
+                    <a:bodyPr/>
+                    <a:lstStyle/>
+                    <a:p>
+                      <a:pPr algn="ctr"/>
+                      <a:r>
+                        <a:rPr lang="en-US" altLang="zh-CN" b="1" dirty="0"/>
+                        <a:t>(</a:t>
+                      </a:r>
+                      <a:endParaRPr lang="zh-CN" altLang="en-US" b="1" dirty="0"/>
+                    </a:p>
+                  </a:txBody>
+                  <a:tcPr anchor="ctr"/>
+                </a:tc>
+                <a:tc>
+                  <a:txBody>
+                    <a:bodyPr/>
+                    <a:lstStyle/>
+                    <a:p>
+                      <a:pPr algn="ctr"/>
+                      <a:r>
+                        <a:rPr lang="en-US" altLang="zh-CN" b="1" dirty="0"/>
+                        <a:t>)</a:t>
+                      </a:r>
+                      <a:endParaRPr lang="zh-CN" altLang="en-US" b="1" dirty="0"/>
+                    </a:p>
+                  </a:txBody>
+                  <a:tcPr anchor="ctr"/>
+                </a:tc>
+                <a:tc>
+                  <a:txBody>
+                    <a:bodyPr/>
+                    <a:lstStyle/>
+                    <a:p>
+                      <a:pPr algn="ctr"/>
+                      <a:r>
+                        <a:rPr lang="en-US" altLang="zh-CN" b="1" dirty="0"/>
+                        <a:t>(</a:t>
+                      </a:r>
+                      <a:endParaRPr lang="zh-CN" altLang="en-US" b="1" dirty="0"/>
+                    </a:p>
+                  </a:txBody>
+                  <a:tcPr anchor="ctr"/>
+                </a:tc>
+                <a:tc>
+                  <a:txBody>
+                    <a:bodyPr/>
+                    <a:lstStyle/>
+                    <a:p>
+                      <a:pPr algn="ctr"/>
+                      <a:r>
+                        <a:rPr lang="en-US" altLang="zh-CN" b="1" dirty="0"/>
+                        <a:t>(</a:t>
+                      </a:r>
+                      <a:endParaRPr lang="zh-CN" altLang="en-US" b="1" dirty="0"/>
+                    </a:p>
+                  </a:txBody>
+                  <a:tcPr anchor="ctr"/>
+                </a:tc>
+                <a:tc>
+                  <a:txBody>
+                    <a:bodyPr/>
+                    <a:lstStyle/>
+                    <a:p>
+                      <a:pPr algn="ctr"/>
+                      <a:r>
+                        <a:rPr lang="en-US" altLang="zh-CN" b="1" dirty="0"/>
+                        <a:t>)</a:t>
+                      </a:r>
+                      <a:endParaRPr lang="zh-CN" altLang="en-US" b="1" dirty="0"/>
+                    </a:p>
+                  </a:txBody>
+                  <a:tcPr anchor="ctr"/>
+                </a:tc>
+                <a:tc>
+                  <a:txBody>
+                    <a:bodyPr/>
+                    <a:lstStyle/>
+                    <a:p>
+                      <a:pPr algn="ctr"/>
+                      <a:r>
+                        <a:rPr lang="en-US" altLang="zh-CN" b="1" dirty="0"/>
+                        <a:t>)</a:t>
+                      </a:r>
+                      <a:endParaRPr lang="zh-CN" altLang="en-US" b="1" dirty="0"/>
+                    </a:p>
+                  </a:txBody>
+                  <a:tcPr anchor="ctr"/>
+                </a:tc>
+                <a:extLst>
+                  <a:ext uri="{0D108BD9-81ED-4DB2-BD59-A6C34878D82A}">
+                    <a16:rowId xmlns:a16="http://schemas.microsoft.com/office/drawing/2014/main" val="776785635"/>
+                  </a:ext>
+                </a:extLst>
+              </a:tr>
+              <a:tr h="471441">
+                <a:tc>
+                  <a:txBody>
+                    <a:bodyPr/>
+                    <a:lstStyle/>
+                    <a:p>
+                      <a:pPr algn="ctr"/>
+                      <a:r>
+                        <a:rPr lang="en-US" altLang="zh-CN" b="1" dirty="0"/>
+                        <a:t>dp</a:t>
+                      </a:r>
+                      <a:endParaRPr lang="zh-CN" altLang="en-US" b="1" dirty="0"/>
+                    </a:p>
+                  </a:txBody>
+                  <a:tcPr anchor="ctr"/>
+                </a:tc>
+                <a:tc>
+                  <a:txBody>
+                    <a:bodyPr/>
+                    <a:lstStyle/>
+                    <a:p>
+                      <a:pPr algn="ctr"/>
+                      <a:r>
+                        <a:rPr lang="en-US" altLang="zh-CN" b="1" dirty="0"/>
+                        <a:t>0</a:t>
+                      </a:r>
+                      <a:endParaRPr lang="zh-CN" altLang="en-US" b="1" dirty="0"/>
+                    </a:p>
+                  </a:txBody>
+                  <a:tcPr anchor="ctr"/>
+                </a:tc>
+                <a:tc>
+                  <a:txBody>
+                    <a:bodyPr/>
+                    <a:lstStyle/>
+                    <a:p>
+                      <a:pPr algn="ctr"/>
+                      <a:r>
+                        <a:rPr lang="en-US" altLang="zh-CN" b="1" dirty="0"/>
+                        <a:t>2</a:t>
+                      </a:r>
+                      <a:endParaRPr lang="zh-CN" altLang="en-US" b="1" dirty="0"/>
+                    </a:p>
+                  </a:txBody>
+                  <a:tcPr anchor="ctr"/>
+                </a:tc>
+                <a:tc>
+                  <a:txBody>
+                    <a:bodyPr/>
+                    <a:lstStyle/>
+                    <a:p>
+                      <a:pPr algn="ctr"/>
+                      <a:r>
+                        <a:rPr lang="en-US" altLang="zh-CN" b="1" dirty="0"/>
+                        <a:t>0</a:t>
+                      </a:r>
+                      <a:endParaRPr lang="zh-CN" altLang="en-US" b="1" dirty="0"/>
+                    </a:p>
+                  </a:txBody>
+                  <a:tcPr anchor="ctr"/>
+                </a:tc>
+                <a:tc>
+                  <a:txBody>
+                    <a:bodyPr/>
+                    <a:lstStyle/>
+                    <a:p>
+                      <a:pPr algn="ctr"/>
+                      <a:r>
+                        <a:rPr lang="en-US" altLang="zh-CN" b="1" dirty="0"/>
+                        <a:t>0</a:t>
+                      </a:r>
+                      <a:endParaRPr lang="zh-CN" altLang="en-US" b="1" dirty="0"/>
+                    </a:p>
+                  </a:txBody>
+                  <a:tcPr anchor="ctr"/>
+                </a:tc>
+                <a:tc>
+                  <a:txBody>
+                    <a:bodyPr/>
+                    <a:lstStyle/>
+                    <a:p>
+                      <a:pPr algn="ctr"/>
+                      <a:r>
+                        <a:rPr lang="en-US" altLang="zh-CN" b="1" dirty="0"/>
+                        <a:t>2</a:t>
+                      </a:r>
+                      <a:endParaRPr lang="zh-CN" altLang="en-US" b="1" dirty="0"/>
+                    </a:p>
+                  </a:txBody>
+                  <a:tcPr anchor="ctr"/>
+                </a:tc>
+                <a:tc>
+                  <a:txBody>
+                    <a:bodyPr/>
+                    <a:lstStyle/>
+                    <a:p>
+                      <a:pPr algn="ctr"/>
+                      <a:endParaRPr lang="zh-CN" altLang="en-US" b="1" dirty="0"/>
+                    </a:p>
+                  </a:txBody>
+                  <a:tcPr anchor="ctr"/>
+                </a:tc>
+                <a:extLst>
+                  <a:ext uri="{0D108BD9-81ED-4DB2-BD59-A6C34878D82A}">
+                    <a16:rowId xmlns:a16="http://schemas.microsoft.com/office/drawing/2014/main" val="816299272"/>
+                  </a:ext>
+                </a:extLst>
+              </a:tr>
+            </a:tbl>
+          </a:graphicData>
+        </a:graphic>
+      </p:graphicFrame>
+      <p:cxnSp>
+        <p:nvCxnSpPr>
+          <p:cNvPr id="7" name="直接箭头连接符 6">
+            <a:extLst>
+              <a:ext uri="{FF2B5EF4-FFF2-40B4-BE49-F238E27FC236}">
+                <a16:creationId xmlns:a16="http://schemas.microsoft.com/office/drawing/2014/main" id="{F93C0DB1-80CA-4071-8208-DA7BA1C05190}"/>
+              </a:ext>
+            </a:extLst>
+          </p:cNvPr>
+          <p:cNvCxnSpPr>
+            <a:cxnSpLocks/>
+          </p:cNvCxnSpPr>
+          <p:nvPr/>
+        </p:nvCxnSpPr>
+        <p:spPr>
+          <a:xfrm flipV="1">
+            <a:off x="3756660" y="3298491"/>
+            <a:ext cx="0" cy="282909"/>
+          </a:xfrm>
+          <a:prstGeom prst="straightConnector1">
+            <a:avLst/>
+          </a:prstGeom>
+          <a:ln>
+            <a:tailEnd type="triangle"/>
+          </a:ln>
+        </p:spPr>
+        <p:style>
+          <a:lnRef idx="1">
+            <a:schemeClr val="dk1"/>
+          </a:lnRef>
+          <a:fillRef idx="0">
+            <a:schemeClr val="dk1"/>
+          </a:fillRef>
+          <a:effectRef idx="0">
+            <a:schemeClr val="dk1"/>
+          </a:effectRef>
+          <a:fontRef idx="minor">
+            <a:schemeClr val="tx1"/>
+          </a:fontRef>
+        </p:style>
+      </p:cxnSp>
+      <p:sp>
+        <p:nvSpPr>
+          <p:cNvPr id="10" name="文本框 9">
+            <a:extLst>
+              <a:ext uri="{FF2B5EF4-FFF2-40B4-BE49-F238E27FC236}">
+                <a16:creationId xmlns:a16="http://schemas.microsoft.com/office/drawing/2014/main" id="{B23ADD77-9DF9-4D32-BCB3-99AA953E6B11}"/>
+              </a:ext>
+            </a:extLst>
+          </p:cNvPr>
+          <p:cNvSpPr txBox="1"/>
+          <p:nvPr/>
+        </p:nvSpPr>
+        <p:spPr>
+          <a:xfrm>
+            <a:off x="3643923" y="3618053"/>
+            <a:ext cx="976283" cy="369332"/>
+          </a:xfrm>
+          <a:prstGeom prst="rect">
+            <a:avLst/>
+          </a:prstGeom>
+          <a:noFill/>
+        </p:spPr>
+        <p:txBody>
+          <a:bodyPr wrap="square" rtlCol="0">
+            <a:spAutoFit/>
+          </a:bodyPr>
+          <a:lstStyle/>
+          <a:p>
+            <a:r>
+              <a:rPr lang="en-US" altLang="zh-CN" dirty="0"/>
+              <a:t>i</a:t>
+            </a:r>
+            <a:endParaRPr lang="zh-CN" altLang="en-US" dirty="0"/>
+          </a:p>
+        </p:txBody>
+      </p:sp>
+      <p:sp>
+        <p:nvSpPr>
+          <p:cNvPr id="11" name="文本框 10">
+            <a:extLst>
+              <a:ext uri="{FF2B5EF4-FFF2-40B4-BE49-F238E27FC236}">
+                <a16:creationId xmlns:a16="http://schemas.microsoft.com/office/drawing/2014/main" id="{32791B75-524D-4D2A-AB5C-BD6D88160849}"/>
+              </a:ext>
+            </a:extLst>
+          </p:cNvPr>
+          <p:cNvSpPr txBox="1"/>
+          <p:nvPr/>
+        </p:nvSpPr>
+        <p:spPr>
+          <a:xfrm>
+            <a:off x="1798323" y="3618053"/>
+            <a:ext cx="1480764" cy="369332"/>
+          </a:xfrm>
+          <a:prstGeom prst="rect">
+            <a:avLst/>
+          </a:prstGeom>
+          <a:noFill/>
+        </p:spPr>
+        <p:txBody>
+          <a:bodyPr wrap="square" rtlCol="0">
+            <a:spAutoFit/>
+          </a:bodyPr>
+          <a:lstStyle/>
+          <a:p>
+            <a:r>
+              <a:rPr lang="en-US" altLang="zh-CN" dirty="0"/>
+              <a:t>i-dp[i-1]-1</a:t>
+            </a:r>
+            <a:endParaRPr lang="zh-CN" altLang="en-US" dirty="0"/>
+          </a:p>
+        </p:txBody>
+      </p:sp>
+      <p:cxnSp>
+        <p:nvCxnSpPr>
+          <p:cNvPr id="12" name="直接箭头连接符 11">
+            <a:extLst>
+              <a:ext uri="{FF2B5EF4-FFF2-40B4-BE49-F238E27FC236}">
+                <a16:creationId xmlns:a16="http://schemas.microsoft.com/office/drawing/2014/main" id="{92AC5919-43D0-4A96-8A44-75ADCDAC736F}"/>
+              </a:ext>
+            </a:extLst>
+          </p:cNvPr>
+          <p:cNvCxnSpPr>
+            <a:cxnSpLocks/>
+          </p:cNvCxnSpPr>
+          <p:nvPr/>
+        </p:nvCxnSpPr>
+        <p:spPr>
+          <a:xfrm flipV="1">
+            <a:off x="2411086" y="3298491"/>
+            <a:ext cx="0" cy="282909"/>
+          </a:xfrm>
+          <a:prstGeom prst="straightConnector1">
+            <a:avLst/>
+          </a:prstGeom>
+          <a:ln>
+            <a:tailEnd type="triangle"/>
+          </a:ln>
+        </p:spPr>
+        <p:style>
+          <a:lnRef idx="1">
+            <a:schemeClr val="dk1"/>
+          </a:lnRef>
+          <a:fillRef idx="0">
+            <a:schemeClr val="dk1"/>
+          </a:fillRef>
+          <a:effectRef idx="0">
+            <a:schemeClr val="dk1"/>
+          </a:effectRef>
+          <a:fontRef idx="minor">
+            <a:schemeClr val="tx1"/>
+          </a:fontRef>
+        </p:style>
+      </p:cxnSp>
+      <p:sp>
+        <p:nvSpPr>
+          <p:cNvPr id="13" name="文本框 12">
+            <a:extLst>
+              <a:ext uri="{FF2B5EF4-FFF2-40B4-BE49-F238E27FC236}">
+                <a16:creationId xmlns:a16="http://schemas.microsoft.com/office/drawing/2014/main" id="{2149AF86-6368-4737-9496-387303DBC6EE}"/>
+              </a:ext>
+            </a:extLst>
+          </p:cNvPr>
+          <p:cNvSpPr txBox="1"/>
+          <p:nvPr/>
+        </p:nvSpPr>
+        <p:spPr>
+          <a:xfrm>
+            <a:off x="1798323" y="4007411"/>
+            <a:ext cx="1480764" cy="261610"/>
+          </a:xfrm>
+          <a:prstGeom prst="rect">
+            <a:avLst/>
+          </a:prstGeom>
+          <a:noFill/>
+        </p:spPr>
+        <p:txBody>
+          <a:bodyPr wrap="square" rtlCol="0">
+            <a:spAutoFit/>
+          </a:bodyPr>
+          <a:lstStyle/>
+          <a:p>
+            <a:r>
+              <a:rPr lang="en-US" altLang="zh-CN" sz="1100" dirty="0"/>
+              <a:t>Waiting to match</a:t>
+            </a:r>
+            <a:endParaRPr lang="zh-CN" altLang="en-US" sz="1100" dirty="0"/>
+          </a:p>
+        </p:txBody>
+      </p:sp>
+      <p:sp>
+        <p:nvSpPr>
+          <p:cNvPr id="14" name="文本框 13">
+            <a:extLst>
+              <a:ext uri="{FF2B5EF4-FFF2-40B4-BE49-F238E27FC236}">
+                <a16:creationId xmlns:a16="http://schemas.microsoft.com/office/drawing/2014/main" id="{E66F367A-1DD8-4C0C-AC25-2A9F15E9DA5F}"/>
+              </a:ext>
+            </a:extLst>
+          </p:cNvPr>
+          <p:cNvSpPr txBox="1"/>
+          <p:nvPr/>
+        </p:nvSpPr>
+        <p:spPr>
+          <a:xfrm>
+            <a:off x="508003" y="3618053"/>
+            <a:ext cx="1480764" cy="369332"/>
+          </a:xfrm>
+          <a:prstGeom prst="rect">
+            <a:avLst/>
+          </a:prstGeom>
+          <a:noFill/>
+        </p:spPr>
+        <p:txBody>
+          <a:bodyPr wrap="square" rtlCol="0">
+            <a:spAutoFit/>
+          </a:bodyPr>
+          <a:lstStyle/>
+          <a:p>
+            <a:r>
+              <a:rPr lang="en-US" altLang="zh-CN" dirty="0"/>
+              <a:t>i-dp[i-1]-2</a:t>
+            </a:r>
+            <a:endParaRPr lang="zh-CN" altLang="en-US" dirty="0"/>
+          </a:p>
+        </p:txBody>
+      </p:sp>
+      <p:sp>
+        <p:nvSpPr>
+          <p:cNvPr id="16" name="文本框 15">
+            <a:extLst>
+              <a:ext uri="{FF2B5EF4-FFF2-40B4-BE49-F238E27FC236}">
+                <a16:creationId xmlns:a16="http://schemas.microsoft.com/office/drawing/2014/main" id="{615DDCA1-B56F-467E-8075-22F2254FBFA3}"/>
+              </a:ext>
+            </a:extLst>
+          </p:cNvPr>
+          <p:cNvSpPr txBox="1"/>
+          <p:nvPr/>
+        </p:nvSpPr>
+        <p:spPr>
+          <a:xfrm>
+            <a:off x="585012" y="3950049"/>
+            <a:ext cx="1136303" cy="430887"/>
+          </a:xfrm>
+          <a:prstGeom prst="rect">
+            <a:avLst/>
+          </a:prstGeom>
+          <a:noFill/>
+        </p:spPr>
+        <p:txBody>
+          <a:bodyPr wrap="square" rtlCol="0">
+            <a:spAutoFit/>
+          </a:bodyPr>
+          <a:lstStyle/>
+          <a:p>
+            <a:r>
+              <a:rPr lang="en-US" altLang="zh-CN" sz="1100" dirty="0"/>
+              <a:t>May also be valid sequence</a:t>
+            </a:r>
+            <a:endParaRPr lang="zh-CN" altLang="en-US" sz="1100" dirty="0"/>
+          </a:p>
+        </p:txBody>
+      </p:sp>
+      <p:cxnSp>
+        <p:nvCxnSpPr>
+          <p:cNvPr id="20" name="连接符: 肘形 19">
+            <a:extLst>
+              <a:ext uri="{FF2B5EF4-FFF2-40B4-BE49-F238E27FC236}">
+                <a16:creationId xmlns:a16="http://schemas.microsoft.com/office/drawing/2014/main" id="{AA2FDD3B-0F62-478D-99D8-4A31E93868C9}"/>
+              </a:ext>
+            </a:extLst>
+          </p:cNvPr>
+          <p:cNvCxnSpPr>
+            <a:cxnSpLocks/>
+            <a:stCxn id="14" idx="0"/>
+          </p:cNvCxnSpPr>
+          <p:nvPr/>
+        </p:nvCxnSpPr>
+        <p:spPr>
+          <a:xfrm rot="5400000" flipH="1" flipV="1">
+            <a:off x="1491909" y="3176397"/>
+            <a:ext cx="198133" cy="685180"/>
+          </a:xfrm>
+          <a:prstGeom prst="bentConnector2">
+            <a:avLst/>
+          </a:prstGeom>
+          <a:ln>
+            <a:headEnd type="none" w="med" len="med"/>
+            <a:tailEnd type="none" w="med" len="med"/>
+          </a:ln>
+        </p:spPr>
+        <p:style>
+          <a:lnRef idx="1">
+            <a:schemeClr val="dk1"/>
+          </a:lnRef>
+          <a:fillRef idx="0">
+            <a:schemeClr val="dk1"/>
+          </a:fillRef>
+          <a:effectRef idx="0">
+            <a:schemeClr val="dk1"/>
+          </a:effectRef>
+          <a:fontRef idx="minor">
+            <a:schemeClr val="tx1"/>
+          </a:fontRef>
+        </p:style>
+      </p:cxnSp>
+      <p:cxnSp>
+        <p:nvCxnSpPr>
+          <p:cNvPr id="26" name="直接箭头连接符 25">
+            <a:extLst>
+              <a:ext uri="{FF2B5EF4-FFF2-40B4-BE49-F238E27FC236}">
+                <a16:creationId xmlns:a16="http://schemas.microsoft.com/office/drawing/2014/main" id="{6213F1E7-A055-4DC9-9150-6BF6D6DE1287}"/>
+              </a:ext>
+            </a:extLst>
+          </p:cNvPr>
+          <p:cNvCxnSpPr>
+            <a:cxnSpLocks/>
+          </p:cNvCxnSpPr>
+          <p:nvPr/>
+        </p:nvCxnSpPr>
+        <p:spPr>
+          <a:xfrm flipV="1">
+            <a:off x="1933566" y="3298492"/>
+            <a:ext cx="0" cy="141453"/>
+          </a:xfrm>
+          <a:prstGeom prst="straightConnector1">
+            <a:avLst/>
+          </a:prstGeom>
+          <a:ln>
+            <a:tailEnd type="triangle"/>
+          </a:ln>
+        </p:spPr>
+        <p:style>
+          <a:lnRef idx="1">
+            <a:schemeClr val="dk1"/>
+          </a:lnRef>
+          <a:fillRef idx="0">
+            <a:schemeClr val="dk1"/>
+          </a:fillRef>
+          <a:effectRef idx="0">
+            <a:schemeClr val="dk1"/>
+          </a:effectRef>
+          <a:fontRef idx="minor">
+            <a:schemeClr val="tx1"/>
+          </a:fontRef>
+        </p:style>
+      </p:cxnSp>
+    </p:spTree>
+    <p:extLst>
+      <p:ext uri="{BB962C8B-B14F-4D97-AF65-F5344CB8AC3E}">
+        <p14:creationId xmlns:p14="http://schemas.microsoft.com/office/powerpoint/2010/main" val="4084712429"/>
       </p:ext>
     </p:extLst>
   </p:cSld>

--- a/docs/Image.pptx
+++ b/docs/Image.pptx
@@ -5,7 +5,7 @@
     <p:sldMasterId id="2147483648" r:id="rId1"/>
   </p:sldMasterIdLst>
   <p:notesMasterIdLst>
-    <p:notesMasterId r:id="rId24"/>
+    <p:notesMasterId r:id="rId26"/>
   </p:notesMasterIdLst>
   <p:sldIdLst>
     <p:sldId id="256" r:id="rId2"/>
@@ -30,6 +30,8 @@
     <p:sldId id="279" r:id="rId21"/>
     <p:sldId id="280" r:id="rId22"/>
     <p:sldId id="281" r:id="rId23"/>
+    <p:sldId id="282" r:id="rId24"/>
+    <p:sldId id="283" r:id="rId25"/>
   </p:sldIdLst>
   <p:sldSz cx="12192000" cy="6858000"/>
   <p:notesSz cx="6858000" cy="9144000"/>
@@ -218,7 +220,7 @@
           <a:p>
             <a:fld id="{B5D9F11F-CEC7-4904-87EC-867ABA4429BA}" type="datetimeFigureOut">
               <a:rPr lang="zh-CN" altLang="en-US" smtClean="0"/>
-              <a:t>2020/5/28</a:t>
+              <a:t>2020/6/7</a:t>
             </a:fld>
             <a:endParaRPr lang="zh-CN" altLang="en-US"/>
           </a:p>
@@ -848,6 +850,182 @@
 </p:notes>
 </file>
 
+<file path=ppt/notesSlides/notesSlide13.xml><?xml version="1.0" encoding="utf-8"?>
+<p:notes xmlns:a="http://schemas.openxmlformats.org/drawingml/2006/main" xmlns:r="http://schemas.openxmlformats.org/officeDocument/2006/relationships" xmlns:p="http://schemas.openxmlformats.org/presentationml/2006/main">
+  <p:cSld>
+    <p:spTree>
+      <p:nvGrpSpPr>
+        <p:cNvPr id="1" name=""/>
+        <p:cNvGrpSpPr/>
+        <p:nvPr/>
+      </p:nvGrpSpPr>
+      <p:grpSpPr>
+        <a:xfrm>
+          <a:off x="0" y="0"/>
+          <a:ext cx="0" cy="0"/>
+          <a:chOff x="0" y="0"/>
+          <a:chExt cx="0" cy="0"/>
+        </a:xfrm>
+      </p:grpSpPr>
+      <p:sp>
+        <p:nvSpPr>
+          <p:cNvPr id="2" name="幻灯片图像占位符 1"/>
+          <p:cNvSpPr>
+            <a:spLocks noGrp="1" noRot="1" noChangeAspect="1"/>
+          </p:cNvSpPr>
+          <p:nvPr>
+            <p:ph type="sldImg"/>
+          </p:nvPr>
+        </p:nvSpPr>
+        <p:spPr/>
+      </p:sp>
+      <p:sp>
+        <p:nvSpPr>
+          <p:cNvPr id="3" name="备注占位符 2"/>
+          <p:cNvSpPr>
+            <a:spLocks noGrp="1"/>
+          </p:cNvSpPr>
+          <p:nvPr>
+            <p:ph type="body" idx="1"/>
+          </p:nvPr>
+        </p:nvSpPr>
+        <p:spPr/>
+        <p:txBody>
+          <a:bodyPr/>
+          <a:lstStyle/>
+          <a:p>
+            <a:r>
+              <a:rPr lang="en-US" altLang="zh-CN" dirty="0" err="1"/>
+              <a:t>34.FindFirstAndLastPositionOfElementInSortedArray</a:t>
+            </a:r>
+            <a:endParaRPr lang="zh-CN" altLang="en-US" dirty="0"/>
+          </a:p>
+        </p:txBody>
+      </p:sp>
+      <p:sp>
+        <p:nvSpPr>
+          <p:cNvPr id="4" name="灯片编号占位符 3"/>
+          <p:cNvSpPr>
+            <a:spLocks noGrp="1"/>
+          </p:cNvSpPr>
+          <p:nvPr>
+            <p:ph type="sldNum" sz="quarter" idx="5"/>
+          </p:nvPr>
+        </p:nvSpPr>
+        <p:spPr/>
+        <p:txBody>
+          <a:bodyPr/>
+          <a:lstStyle/>
+          <a:p>
+            <a:fld id="{CF20F747-D0EC-4FFA-AA8A-DD1B21173115}" type="slidenum">
+              <a:rPr lang="zh-CN" altLang="en-US" smtClean="0"/>
+              <a:t>23</a:t>
+            </a:fld>
+            <a:endParaRPr lang="zh-CN" altLang="en-US"/>
+          </a:p>
+        </p:txBody>
+      </p:sp>
+    </p:spTree>
+    <p:extLst>
+      <p:ext uri="{BB962C8B-B14F-4D97-AF65-F5344CB8AC3E}">
+        <p14:creationId xmlns:p14="http://schemas.microsoft.com/office/powerpoint/2010/main" val="1605428636"/>
+      </p:ext>
+    </p:extLst>
+  </p:cSld>
+  <p:clrMapOvr>
+    <a:masterClrMapping/>
+  </p:clrMapOvr>
+</p:notes>
+</file>
+
+<file path=ppt/notesSlides/notesSlide14.xml><?xml version="1.0" encoding="utf-8"?>
+<p:notes xmlns:a="http://schemas.openxmlformats.org/drawingml/2006/main" xmlns:r="http://schemas.openxmlformats.org/officeDocument/2006/relationships" xmlns:p="http://schemas.openxmlformats.org/presentationml/2006/main">
+  <p:cSld>
+    <p:spTree>
+      <p:nvGrpSpPr>
+        <p:cNvPr id="1" name=""/>
+        <p:cNvGrpSpPr/>
+        <p:nvPr/>
+      </p:nvGrpSpPr>
+      <p:grpSpPr>
+        <a:xfrm>
+          <a:off x="0" y="0"/>
+          <a:ext cx="0" cy="0"/>
+          <a:chOff x="0" y="0"/>
+          <a:chExt cx="0" cy="0"/>
+        </a:xfrm>
+      </p:grpSpPr>
+      <p:sp>
+        <p:nvSpPr>
+          <p:cNvPr id="2" name="幻灯片图像占位符 1"/>
+          <p:cNvSpPr>
+            <a:spLocks noGrp="1" noRot="1" noChangeAspect="1"/>
+          </p:cNvSpPr>
+          <p:nvPr>
+            <p:ph type="sldImg"/>
+          </p:nvPr>
+        </p:nvSpPr>
+        <p:spPr/>
+      </p:sp>
+      <p:sp>
+        <p:nvSpPr>
+          <p:cNvPr id="3" name="备注占位符 2"/>
+          <p:cNvSpPr>
+            <a:spLocks noGrp="1"/>
+          </p:cNvSpPr>
+          <p:nvPr>
+            <p:ph type="body" idx="1"/>
+          </p:nvPr>
+        </p:nvSpPr>
+        <p:spPr/>
+        <p:txBody>
+          <a:bodyPr/>
+          <a:lstStyle/>
+          <a:p>
+            <a:r>
+              <a:rPr lang="en-US" altLang="zh-CN" dirty="0" err="1"/>
+              <a:t>19.RemoveNthNodeFromEndOfList</a:t>
+            </a:r>
+            <a:endParaRPr lang="zh-CN" altLang="en-US" dirty="0"/>
+          </a:p>
+        </p:txBody>
+      </p:sp>
+      <p:sp>
+        <p:nvSpPr>
+          <p:cNvPr id="4" name="灯片编号占位符 3"/>
+          <p:cNvSpPr>
+            <a:spLocks noGrp="1"/>
+          </p:cNvSpPr>
+          <p:nvPr>
+            <p:ph type="sldNum" sz="quarter" idx="5"/>
+          </p:nvPr>
+        </p:nvSpPr>
+        <p:spPr/>
+        <p:txBody>
+          <a:bodyPr/>
+          <a:lstStyle/>
+          <a:p>
+            <a:fld id="{CF20F747-D0EC-4FFA-AA8A-DD1B21173115}" type="slidenum">
+              <a:rPr lang="zh-CN" altLang="en-US" smtClean="0"/>
+              <a:t>24</a:t>
+            </a:fld>
+            <a:endParaRPr lang="zh-CN" altLang="en-US"/>
+          </a:p>
+        </p:txBody>
+      </p:sp>
+    </p:spTree>
+    <p:extLst>
+      <p:ext uri="{BB962C8B-B14F-4D97-AF65-F5344CB8AC3E}">
+        <p14:creationId xmlns:p14="http://schemas.microsoft.com/office/powerpoint/2010/main" val="3878329769"/>
+      </p:ext>
+    </p:extLst>
+  </p:cSld>
+  <p:clrMapOvr>
+    <a:masterClrMapping/>
+  </p:clrMapOvr>
+</p:notes>
+</file>
+
 <file path=ppt/notesSlides/notesSlide2.xml><?xml version="1.0" encoding="utf-8"?>
 <p:notes xmlns:a="http://schemas.openxmlformats.org/drawingml/2006/main" xmlns:r="http://schemas.openxmlformats.org/officeDocument/2006/relationships" xmlns:p="http://schemas.openxmlformats.org/presentationml/2006/main">
   <p:cSld>
@@ -1709,7 +1887,7 @@
           <a:p>
             <a:fld id="{B3314C4A-3350-458F-9222-11386146643F}" type="datetimeFigureOut">
               <a:rPr lang="zh-CN" altLang="en-US" smtClean="0"/>
-              <a:t>2020/5/28</a:t>
+              <a:t>2020/6/7</a:t>
             </a:fld>
             <a:endParaRPr lang="zh-CN" altLang="en-US"/>
           </a:p>
@@ -1877,7 +2055,7 @@
           <a:p>
             <a:fld id="{B3314C4A-3350-458F-9222-11386146643F}" type="datetimeFigureOut">
               <a:rPr lang="zh-CN" altLang="en-US" smtClean="0"/>
-              <a:t>2020/5/28</a:t>
+              <a:t>2020/6/7</a:t>
             </a:fld>
             <a:endParaRPr lang="zh-CN" altLang="en-US"/>
           </a:p>
@@ -2055,7 +2233,7 @@
           <a:p>
             <a:fld id="{B3314C4A-3350-458F-9222-11386146643F}" type="datetimeFigureOut">
               <a:rPr lang="zh-CN" altLang="en-US" smtClean="0"/>
-              <a:t>2020/5/28</a:t>
+              <a:t>2020/6/7</a:t>
             </a:fld>
             <a:endParaRPr lang="zh-CN" altLang="en-US"/>
           </a:p>
@@ -2223,7 +2401,7 @@
           <a:p>
             <a:fld id="{B3314C4A-3350-458F-9222-11386146643F}" type="datetimeFigureOut">
               <a:rPr lang="zh-CN" altLang="en-US" smtClean="0"/>
-              <a:t>2020/5/28</a:t>
+              <a:t>2020/6/7</a:t>
             </a:fld>
             <a:endParaRPr lang="zh-CN" altLang="en-US"/>
           </a:p>
@@ -2468,7 +2646,7 @@
           <a:p>
             <a:fld id="{B3314C4A-3350-458F-9222-11386146643F}" type="datetimeFigureOut">
               <a:rPr lang="zh-CN" altLang="en-US" smtClean="0"/>
-              <a:t>2020/5/28</a:t>
+              <a:t>2020/6/7</a:t>
             </a:fld>
             <a:endParaRPr lang="zh-CN" altLang="en-US"/>
           </a:p>
@@ -2697,7 +2875,7 @@
           <a:p>
             <a:fld id="{B3314C4A-3350-458F-9222-11386146643F}" type="datetimeFigureOut">
               <a:rPr lang="zh-CN" altLang="en-US" smtClean="0"/>
-              <a:t>2020/5/28</a:t>
+              <a:t>2020/6/7</a:t>
             </a:fld>
             <a:endParaRPr lang="zh-CN" altLang="en-US"/>
           </a:p>
@@ -3061,7 +3239,7 @@
           <a:p>
             <a:fld id="{B3314C4A-3350-458F-9222-11386146643F}" type="datetimeFigureOut">
               <a:rPr lang="zh-CN" altLang="en-US" smtClean="0"/>
-              <a:t>2020/5/28</a:t>
+              <a:t>2020/6/7</a:t>
             </a:fld>
             <a:endParaRPr lang="zh-CN" altLang="en-US"/>
           </a:p>
@@ -3178,7 +3356,7 @@
           <a:p>
             <a:fld id="{B3314C4A-3350-458F-9222-11386146643F}" type="datetimeFigureOut">
               <a:rPr lang="zh-CN" altLang="en-US" smtClean="0"/>
-              <a:t>2020/5/28</a:t>
+              <a:t>2020/6/7</a:t>
             </a:fld>
             <a:endParaRPr lang="zh-CN" altLang="en-US"/>
           </a:p>
@@ -3273,7 +3451,7 @@
           <a:p>
             <a:fld id="{B3314C4A-3350-458F-9222-11386146643F}" type="datetimeFigureOut">
               <a:rPr lang="zh-CN" altLang="en-US" smtClean="0"/>
-              <a:t>2020/5/28</a:t>
+              <a:t>2020/6/7</a:t>
             </a:fld>
             <a:endParaRPr lang="zh-CN" altLang="en-US"/>
           </a:p>
@@ -3548,7 +3726,7 @@
           <a:p>
             <a:fld id="{B3314C4A-3350-458F-9222-11386146643F}" type="datetimeFigureOut">
               <a:rPr lang="zh-CN" altLang="en-US" smtClean="0"/>
-              <a:t>2020/5/28</a:t>
+              <a:t>2020/6/7</a:t>
             </a:fld>
             <a:endParaRPr lang="zh-CN" altLang="en-US"/>
           </a:p>
@@ -3800,7 +3978,7 @@
           <a:p>
             <a:fld id="{B3314C4A-3350-458F-9222-11386146643F}" type="datetimeFigureOut">
               <a:rPr lang="zh-CN" altLang="en-US" smtClean="0"/>
-              <a:t>2020/5/28</a:t>
+              <a:t>2020/6/7</a:t>
             </a:fld>
             <a:endParaRPr lang="zh-CN" altLang="en-US"/>
           </a:p>
@@ -4011,7 +4189,7 @@
           <a:p>
             <a:fld id="{B3314C4A-3350-458F-9222-11386146643F}" type="datetimeFigureOut">
               <a:rPr lang="zh-CN" altLang="en-US" smtClean="0"/>
-              <a:t>2020/5/28</a:t>
+              <a:t>2020/6/7</a:t>
             </a:fld>
             <a:endParaRPr lang="zh-CN" altLang="en-US"/>
           </a:p>
@@ -19138,6 +19316,448 @@
     <p:extLst>
       <p:ext uri="{BB962C8B-B14F-4D97-AF65-F5344CB8AC3E}">
         <p14:creationId xmlns:p14="http://schemas.microsoft.com/office/powerpoint/2010/main" val="4084712429"/>
+      </p:ext>
+    </p:extLst>
+  </p:cSld>
+  <p:clrMapOvr>
+    <a:masterClrMapping/>
+  </p:clrMapOvr>
+</p:sld>
+</file>
+
+<file path=ppt/slides/slide23.xml><?xml version="1.0" encoding="utf-8"?>
+<p:sld xmlns:a="http://schemas.openxmlformats.org/drawingml/2006/main" xmlns:r="http://schemas.openxmlformats.org/officeDocument/2006/relationships" xmlns:p="http://schemas.openxmlformats.org/presentationml/2006/main">
+  <p:cSld>
+    <p:spTree>
+      <p:nvGrpSpPr>
+        <p:cNvPr id="1" name=""/>
+        <p:cNvGrpSpPr/>
+        <p:nvPr/>
+      </p:nvGrpSpPr>
+      <p:grpSpPr>
+        <a:xfrm>
+          <a:off x="0" y="0"/>
+          <a:ext cx="0" cy="0"/>
+          <a:chOff x="0" y="0"/>
+          <a:chExt cx="0" cy="0"/>
+        </a:xfrm>
+      </p:grpSpPr>
+    </p:spTree>
+    <p:extLst>
+      <p:ext uri="{BB962C8B-B14F-4D97-AF65-F5344CB8AC3E}">
+        <p14:creationId xmlns:p14="http://schemas.microsoft.com/office/powerpoint/2010/main" val="2848569540"/>
+      </p:ext>
+    </p:extLst>
+  </p:cSld>
+  <p:clrMapOvr>
+    <a:masterClrMapping/>
+  </p:clrMapOvr>
+</p:sld>
+</file>
+
+<file path=ppt/slides/slide24.xml><?xml version="1.0" encoding="utf-8"?>
+<p:sld xmlns:a="http://schemas.openxmlformats.org/drawingml/2006/main" xmlns:r="http://schemas.openxmlformats.org/officeDocument/2006/relationships" xmlns:p="http://schemas.openxmlformats.org/presentationml/2006/main">
+  <p:cSld>
+    <p:spTree>
+      <p:nvGrpSpPr>
+        <p:cNvPr id="1" name=""/>
+        <p:cNvGrpSpPr/>
+        <p:nvPr/>
+      </p:nvGrpSpPr>
+      <p:grpSpPr>
+        <a:xfrm>
+          <a:off x="0" y="0"/>
+          <a:ext cx="0" cy="0"/>
+          <a:chOff x="0" y="0"/>
+          <a:chExt cx="0" cy="0"/>
+        </a:xfrm>
+      </p:grpSpPr>
+      <p:graphicFrame>
+        <p:nvGraphicFramePr>
+          <p:cNvPr id="5" name="表格 5">
+            <a:extLst>
+              <a:ext uri="{FF2B5EF4-FFF2-40B4-BE49-F238E27FC236}">
+                <a16:creationId xmlns:a16="http://schemas.microsoft.com/office/drawing/2014/main" id="{42529C98-F7F4-410B-AF4A-D7CA377AAEAA}"/>
+              </a:ext>
+            </a:extLst>
+          </p:cNvPr>
+          <p:cNvGraphicFramePr>
+            <a:graphicFrameLocks noGrp="1"/>
+          </p:cNvGraphicFramePr>
+          <p:nvPr>
+            <p:extLst>
+              <p:ext uri="{D42A27DB-BD31-4B8C-83A1-F6EECF244321}">
+                <p14:modId xmlns:p14="http://schemas.microsoft.com/office/powerpoint/2010/main" val="425777359"/>
+              </p:ext>
+            </p:extLst>
+          </p:nvPr>
+        </p:nvGraphicFramePr>
+        <p:xfrm>
+          <a:off x="2936457" y="2618041"/>
+          <a:ext cx="2641380" cy="582537"/>
+        </p:xfrm>
+        <a:graphic>
+          <a:graphicData uri="http://schemas.openxmlformats.org/drawingml/2006/table">
+            <a:tbl>
+              <a:tblPr firstRow="1" bandRow="1">
+                <a:tableStyleId>{5C22544A-7EE6-4342-B048-85BDC9FD1C3A}</a:tableStyleId>
+              </a:tblPr>
+              <a:tblGrid>
+                <a:gridCol w="528276">
+                  <a:extLst>
+                    <a:ext uri="{9D8B030D-6E8A-4147-A177-3AD203B41FA5}">
+                      <a16:colId xmlns:a16="http://schemas.microsoft.com/office/drawing/2014/main" val="3691099753"/>
+                    </a:ext>
+                  </a:extLst>
+                </a:gridCol>
+                <a:gridCol w="528276">
+                  <a:extLst>
+                    <a:ext uri="{9D8B030D-6E8A-4147-A177-3AD203B41FA5}">
+                      <a16:colId xmlns:a16="http://schemas.microsoft.com/office/drawing/2014/main" val="1884638916"/>
+                    </a:ext>
+                  </a:extLst>
+                </a:gridCol>
+                <a:gridCol w="528276">
+                  <a:extLst>
+                    <a:ext uri="{9D8B030D-6E8A-4147-A177-3AD203B41FA5}">
+                      <a16:colId xmlns:a16="http://schemas.microsoft.com/office/drawing/2014/main" val="3012766823"/>
+                    </a:ext>
+                  </a:extLst>
+                </a:gridCol>
+                <a:gridCol w="528276">
+                  <a:extLst>
+                    <a:ext uri="{9D8B030D-6E8A-4147-A177-3AD203B41FA5}">
+                      <a16:colId xmlns:a16="http://schemas.microsoft.com/office/drawing/2014/main" val="2863373832"/>
+                    </a:ext>
+                  </a:extLst>
+                </a:gridCol>
+                <a:gridCol w="528276">
+                  <a:extLst>
+                    <a:ext uri="{9D8B030D-6E8A-4147-A177-3AD203B41FA5}">
+                      <a16:colId xmlns:a16="http://schemas.microsoft.com/office/drawing/2014/main" val="948893847"/>
+                    </a:ext>
+                  </a:extLst>
+                </a:gridCol>
+              </a:tblGrid>
+              <a:tr h="582537">
+                <a:tc>
+                  <a:txBody>
+                    <a:bodyPr/>
+                    <a:lstStyle/>
+                    <a:p>
+                      <a:pPr algn="ctr"/>
+                      <a:r>
+                        <a:rPr lang="en-US" altLang="zh-CN" sz="1700" dirty="0"/>
+                        <a:t>1</a:t>
+                      </a:r>
+                      <a:endParaRPr lang="zh-CN" altLang="en-US" sz="1700" dirty="0"/>
+                    </a:p>
+                  </a:txBody>
+                  <a:tcPr marL="75919" marR="75919" marT="37960" marB="37960" anchor="ctr"/>
+                </a:tc>
+                <a:tc>
+                  <a:txBody>
+                    <a:bodyPr/>
+                    <a:lstStyle/>
+                    <a:p>
+                      <a:pPr algn="ctr"/>
+                      <a:r>
+                        <a:rPr lang="en-US" altLang="zh-CN" sz="1700" dirty="0"/>
+                        <a:t>1</a:t>
+                      </a:r>
+                      <a:endParaRPr lang="zh-CN" altLang="en-US" sz="1700" dirty="0"/>
+                    </a:p>
+                  </a:txBody>
+                  <a:tcPr marL="75919" marR="75919" marT="37960" marB="37960" anchor="ctr"/>
+                </a:tc>
+                <a:tc>
+                  <a:txBody>
+                    <a:bodyPr/>
+                    <a:lstStyle/>
+                    <a:p>
+                      <a:pPr algn="ctr"/>
+                      <a:r>
+                        <a:rPr lang="en-US" altLang="zh-CN" sz="1700" dirty="0"/>
+                        <a:t>5</a:t>
+                      </a:r>
+                      <a:endParaRPr lang="zh-CN" altLang="en-US" sz="1700" dirty="0"/>
+                    </a:p>
+                  </a:txBody>
+                  <a:tcPr marL="75919" marR="75919" marT="37960" marB="37960" anchor="ctr"/>
+                </a:tc>
+                <a:tc>
+                  <a:txBody>
+                    <a:bodyPr/>
+                    <a:lstStyle/>
+                    <a:p>
+                      <a:pPr algn="ctr"/>
+                      <a:r>
+                        <a:rPr lang="en-US" altLang="zh-CN" sz="1700" dirty="0"/>
+                        <a:t>5</a:t>
+                      </a:r>
+                      <a:endParaRPr lang="zh-CN" altLang="en-US" sz="1700" dirty="0"/>
+                    </a:p>
+                  </a:txBody>
+                  <a:tcPr marL="75919" marR="75919" marT="37960" marB="37960" anchor="ctr"/>
+                </a:tc>
+                <a:tc>
+                  <a:txBody>
+                    <a:bodyPr/>
+                    <a:lstStyle/>
+                    <a:p>
+                      <a:pPr algn="ctr"/>
+                      <a:r>
+                        <a:rPr lang="en-US" altLang="zh-CN" sz="1700" dirty="0"/>
+                        <a:t>5</a:t>
+                      </a:r>
+                      <a:endParaRPr lang="zh-CN" altLang="en-US" sz="1700" dirty="0"/>
+                    </a:p>
+                  </a:txBody>
+                  <a:tcPr marL="75919" marR="75919" marT="37960" marB="37960" anchor="ctr">
+                    <a:solidFill>
+                      <a:schemeClr val="tx1">
+                        <a:lumMod val="50000"/>
+                        <a:lumOff val="50000"/>
+                      </a:schemeClr>
+                    </a:solidFill>
+                  </a:tcPr>
+                </a:tc>
+                <a:extLst>
+                  <a:ext uri="{0D108BD9-81ED-4DB2-BD59-A6C34878D82A}">
+                    <a16:rowId xmlns:a16="http://schemas.microsoft.com/office/drawing/2014/main" val="1297285883"/>
+                  </a:ext>
+                </a:extLst>
+              </a:tr>
+            </a:tbl>
+          </a:graphicData>
+        </a:graphic>
+      </p:graphicFrame>
+      <p:cxnSp>
+        <p:nvCxnSpPr>
+          <p:cNvPr id="8" name="直接箭头连接符 7">
+            <a:extLst>
+              <a:ext uri="{FF2B5EF4-FFF2-40B4-BE49-F238E27FC236}">
+                <a16:creationId xmlns:a16="http://schemas.microsoft.com/office/drawing/2014/main" id="{C01000DA-4F4B-4878-9D6C-4BB2DD67B29B}"/>
+              </a:ext>
+            </a:extLst>
+          </p:cNvPr>
+          <p:cNvCxnSpPr/>
+          <p:nvPr/>
+        </p:nvCxnSpPr>
+        <p:spPr>
+          <a:xfrm flipV="1">
+            <a:off x="4267133" y="3295966"/>
+            <a:ext cx="0" cy="389413"/>
+          </a:xfrm>
+          <a:prstGeom prst="straightConnector1">
+            <a:avLst/>
+          </a:prstGeom>
+          <a:ln>
+            <a:tailEnd type="triangle"/>
+          </a:ln>
+        </p:spPr>
+        <p:style>
+          <a:lnRef idx="1">
+            <a:schemeClr val="dk1"/>
+          </a:lnRef>
+          <a:fillRef idx="0">
+            <a:schemeClr val="dk1"/>
+          </a:fillRef>
+          <a:effectRef idx="0">
+            <a:schemeClr val="dk1"/>
+          </a:effectRef>
+          <a:fontRef idx="minor">
+            <a:schemeClr val="tx1"/>
+          </a:fontRef>
+        </p:style>
+      </p:cxnSp>
+      <p:sp>
+        <p:nvSpPr>
+          <p:cNvPr id="9" name="文本框 8">
+            <a:extLst>
+              <a:ext uri="{FF2B5EF4-FFF2-40B4-BE49-F238E27FC236}">
+                <a16:creationId xmlns:a16="http://schemas.microsoft.com/office/drawing/2014/main" id="{80C7ED29-0A5D-4F91-BC2D-29FE6160C1DD}"/>
+              </a:ext>
+            </a:extLst>
+          </p:cNvPr>
+          <p:cNvSpPr txBox="1"/>
+          <p:nvPr/>
+        </p:nvSpPr>
+        <p:spPr>
+          <a:xfrm>
+            <a:off x="4955741" y="2262338"/>
+            <a:ext cx="976283" cy="369332"/>
+          </a:xfrm>
+          <a:prstGeom prst="rect">
+            <a:avLst/>
+          </a:prstGeom>
+          <a:noFill/>
+        </p:spPr>
+        <p:txBody>
+          <a:bodyPr wrap="square" rtlCol="0">
+            <a:spAutoFit/>
+          </a:bodyPr>
+          <a:lstStyle/>
+          <a:p>
+            <a:r>
+              <a:rPr lang="en-US" altLang="zh-CN" dirty="0"/>
+              <a:t>found</a:t>
+            </a:r>
+            <a:endParaRPr lang="zh-CN" altLang="en-US" dirty="0"/>
+          </a:p>
+        </p:txBody>
+      </p:sp>
+      <p:sp>
+        <p:nvSpPr>
+          <p:cNvPr id="16" name="文本框 15">
+            <a:extLst>
+              <a:ext uri="{FF2B5EF4-FFF2-40B4-BE49-F238E27FC236}">
+                <a16:creationId xmlns:a16="http://schemas.microsoft.com/office/drawing/2014/main" id="{C9BAF659-3727-43EE-8DA4-59A21707C89E}"/>
+              </a:ext>
+            </a:extLst>
+          </p:cNvPr>
+          <p:cNvSpPr txBox="1"/>
+          <p:nvPr/>
+        </p:nvSpPr>
+        <p:spPr>
+          <a:xfrm>
+            <a:off x="3056042" y="2262338"/>
+            <a:ext cx="976283" cy="369332"/>
+          </a:xfrm>
+          <a:prstGeom prst="rect">
+            <a:avLst/>
+          </a:prstGeom>
+          <a:noFill/>
+        </p:spPr>
+        <p:txBody>
+          <a:bodyPr wrap="square" rtlCol="0">
+            <a:spAutoFit/>
+          </a:bodyPr>
+          <a:lstStyle/>
+          <a:p>
+            <a:r>
+              <a:rPr lang="en-US" altLang="zh-CN" dirty="0"/>
+              <a:t>0</a:t>
+            </a:r>
+            <a:endParaRPr lang="zh-CN" altLang="en-US" dirty="0"/>
+          </a:p>
+        </p:txBody>
+      </p:sp>
+      <p:sp>
+        <p:nvSpPr>
+          <p:cNvPr id="20" name="文本框 19">
+            <a:extLst>
+              <a:ext uri="{FF2B5EF4-FFF2-40B4-BE49-F238E27FC236}">
+                <a16:creationId xmlns:a16="http://schemas.microsoft.com/office/drawing/2014/main" id="{B4E27037-48EC-4863-8489-88A2CFF9DD65}"/>
+              </a:ext>
+            </a:extLst>
+          </p:cNvPr>
+          <p:cNvSpPr txBox="1"/>
+          <p:nvPr/>
+        </p:nvSpPr>
+        <p:spPr>
+          <a:xfrm>
+            <a:off x="4025391" y="3650065"/>
+            <a:ext cx="976283" cy="369332"/>
+          </a:xfrm>
+          <a:prstGeom prst="rect">
+            <a:avLst/>
+          </a:prstGeom>
+          <a:noFill/>
+        </p:spPr>
+        <p:txBody>
+          <a:bodyPr wrap="square" rtlCol="0">
+            <a:spAutoFit/>
+          </a:bodyPr>
+          <a:lstStyle/>
+          <a:p>
+            <a:r>
+              <a:rPr lang="en-US" altLang="zh-CN" dirty="0"/>
+              <a:t>left</a:t>
+            </a:r>
+            <a:endParaRPr lang="zh-CN" altLang="en-US" dirty="0"/>
+          </a:p>
+        </p:txBody>
+      </p:sp>
+      <p:cxnSp>
+        <p:nvCxnSpPr>
+          <p:cNvPr id="22" name="直接箭头连接符 21">
+            <a:extLst>
+              <a:ext uri="{FF2B5EF4-FFF2-40B4-BE49-F238E27FC236}">
+                <a16:creationId xmlns:a16="http://schemas.microsoft.com/office/drawing/2014/main" id="{00E23C9C-5755-4C8A-B63E-C25CC19A1392}"/>
+              </a:ext>
+            </a:extLst>
+          </p:cNvPr>
+          <p:cNvCxnSpPr/>
+          <p:nvPr/>
+        </p:nvCxnSpPr>
+        <p:spPr>
+          <a:xfrm flipV="1">
+            <a:off x="3759247" y="3295966"/>
+            <a:ext cx="0" cy="389413"/>
+          </a:xfrm>
+          <a:prstGeom prst="straightConnector1">
+            <a:avLst/>
+          </a:prstGeom>
+          <a:ln>
+            <a:tailEnd type="triangle"/>
+          </a:ln>
+        </p:spPr>
+        <p:style>
+          <a:lnRef idx="1">
+            <a:schemeClr val="dk1"/>
+          </a:lnRef>
+          <a:fillRef idx="0">
+            <a:schemeClr val="dk1"/>
+          </a:fillRef>
+          <a:effectRef idx="0">
+            <a:schemeClr val="dk1"/>
+          </a:effectRef>
+          <a:fontRef idx="minor">
+            <a:schemeClr val="tx1"/>
+          </a:fontRef>
+        </p:style>
+      </p:cxnSp>
+      <p:sp>
+        <p:nvSpPr>
+          <p:cNvPr id="25" name="文本框 24">
+            <a:extLst>
+              <a:ext uri="{FF2B5EF4-FFF2-40B4-BE49-F238E27FC236}">
+                <a16:creationId xmlns:a16="http://schemas.microsoft.com/office/drawing/2014/main" id="{CC012B9A-AD3A-42D6-BB29-DF9869272F6E}"/>
+              </a:ext>
+            </a:extLst>
+          </p:cNvPr>
+          <p:cNvSpPr txBox="1"/>
+          <p:nvPr/>
+        </p:nvSpPr>
+        <p:spPr>
+          <a:xfrm>
+            <a:off x="3426966" y="3632862"/>
+            <a:ext cx="756653" cy="369332"/>
+          </a:xfrm>
+          <a:prstGeom prst="rect">
+            <a:avLst/>
+          </a:prstGeom>
+          <a:noFill/>
+        </p:spPr>
+        <p:txBody>
+          <a:bodyPr wrap="square" rtlCol="0">
+            <a:spAutoFit/>
+          </a:bodyPr>
+          <a:lstStyle/>
+          <a:p>
+            <a:r>
+              <a:rPr lang="en-US" altLang="zh-CN" dirty="0"/>
+              <a:t>right</a:t>
+            </a:r>
+            <a:endParaRPr lang="zh-CN" altLang="en-US" dirty="0"/>
+          </a:p>
+        </p:txBody>
+      </p:sp>
+    </p:spTree>
+    <p:extLst>
+      <p:ext uri="{BB962C8B-B14F-4D97-AF65-F5344CB8AC3E}">
+        <p14:creationId xmlns:p14="http://schemas.microsoft.com/office/powerpoint/2010/main" val="859415825"/>
       </p:ext>
     </p:extLst>
   </p:cSld>
